--- a/Lectures/graph-maker-pp.pptx
+++ b/Lectures/graph-maker-pp.pptx
@@ -9,6 +9,7 @@
     <p:sldId id="258" r:id="rId3"/>
     <p:sldId id="259" r:id="rId4"/>
     <p:sldId id="260" r:id="rId5"/>
+    <p:sldId id="261" r:id="rId6"/>
   </p:sldIdLst>
   <p:sldSz cx="12192000" cy="6858000"/>
   <p:notesSz cx="6858000" cy="9144000"/>
@@ -107,6 +108,11 @@
       </a:defRPr>
     </a:lvl9pPr>
   </p:defaultTextStyle>
+  <p:extLst>
+    <p:ext uri="{EFAFB233-063F-42B5-8137-9DF3F51BA10A}">
+      <p15:sldGuideLst xmlns:p15="http://schemas.microsoft.com/office/powerpoint/2012/main"/>
+    </p:ext>
+  </p:extLst>
 </p:presentation>
 </file>
 
@@ -257,7 +263,7 @@
           <a:p>
             <a:fld id="{67B564A3-C150-4636-B8BE-2AA93CC227AD}" type="datetimeFigureOut">
               <a:rPr lang="en-US" smtClean="0"/>
-              <a:t>10/5/2025</a:t>
+              <a:t>10/15/25</a:t>
             </a:fld>
             <a:endParaRPr lang="en-US"/>
           </a:p>
@@ -455,7 +461,7 @@
           <a:p>
             <a:fld id="{67B564A3-C150-4636-B8BE-2AA93CC227AD}" type="datetimeFigureOut">
               <a:rPr lang="en-US" smtClean="0"/>
-              <a:t>10/5/2025</a:t>
+              <a:t>10/15/25</a:t>
             </a:fld>
             <a:endParaRPr lang="en-US"/>
           </a:p>
@@ -663,7 +669,7 @@
           <a:p>
             <a:fld id="{67B564A3-C150-4636-B8BE-2AA93CC227AD}" type="datetimeFigureOut">
               <a:rPr lang="en-US" smtClean="0"/>
-              <a:t>10/5/2025</a:t>
+              <a:t>10/15/25</a:t>
             </a:fld>
             <a:endParaRPr lang="en-US"/>
           </a:p>
@@ -861,7 +867,7 @@
           <a:p>
             <a:fld id="{67B564A3-C150-4636-B8BE-2AA93CC227AD}" type="datetimeFigureOut">
               <a:rPr lang="en-US" smtClean="0"/>
-              <a:t>10/5/2025</a:t>
+              <a:t>10/15/25</a:t>
             </a:fld>
             <a:endParaRPr lang="en-US"/>
           </a:p>
@@ -1136,7 +1142,7 @@
           <a:p>
             <a:fld id="{67B564A3-C150-4636-B8BE-2AA93CC227AD}" type="datetimeFigureOut">
               <a:rPr lang="en-US" smtClean="0"/>
-              <a:t>10/5/2025</a:t>
+              <a:t>10/15/25</a:t>
             </a:fld>
             <a:endParaRPr lang="en-US"/>
           </a:p>
@@ -1401,7 +1407,7 @@
           <a:p>
             <a:fld id="{67B564A3-C150-4636-B8BE-2AA93CC227AD}" type="datetimeFigureOut">
               <a:rPr lang="en-US" smtClean="0"/>
-              <a:t>10/5/2025</a:t>
+              <a:t>10/15/25</a:t>
             </a:fld>
             <a:endParaRPr lang="en-US"/>
           </a:p>
@@ -1813,7 +1819,7 @@
           <a:p>
             <a:fld id="{67B564A3-C150-4636-B8BE-2AA93CC227AD}" type="datetimeFigureOut">
               <a:rPr lang="en-US" smtClean="0"/>
-              <a:t>10/5/2025</a:t>
+              <a:t>10/15/25</a:t>
             </a:fld>
             <a:endParaRPr lang="en-US"/>
           </a:p>
@@ -1954,7 +1960,7 @@
           <a:p>
             <a:fld id="{67B564A3-C150-4636-B8BE-2AA93CC227AD}" type="datetimeFigureOut">
               <a:rPr lang="en-US" smtClean="0"/>
-              <a:t>10/5/2025</a:t>
+              <a:t>10/15/25</a:t>
             </a:fld>
             <a:endParaRPr lang="en-US"/>
           </a:p>
@@ -2067,7 +2073,7 @@
           <a:p>
             <a:fld id="{67B564A3-C150-4636-B8BE-2AA93CC227AD}" type="datetimeFigureOut">
               <a:rPr lang="en-US" smtClean="0"/>
-              <a:t>10/5/2025</a:t>
+              <a:t>10/15/25</a:t>
             </a:fld>
             <a:endParaRPr lang="en-US"/>
           </a:p>
@@ -2378,7 +2384,7 @@
           <a:p>
             <a:fld id="{67B564A3-C150-4636-B8BE-2AA93CC227AD}" type="datetimeFigureOut">
               <a:rPr lang="en-US" smtClean="0"/>
-              <a:t>10/5/2025</a:t>
+              <a:t>10/15/25</a:t>
             </a:fld>
             <a:endParaRPr lang="en-US"/>
           </a:p>
@@ -2666,7 +2672,7 @@
           <a:p>
             <a:fld id="{67B564A3-C150-4636-B8BE-2AA93CC227AD}" type="datetimeFigureOut">
               <a:rPr lang="en-US" smtClean="0"/>
-              <a:t>10/5/2025</a:t>
+              <a:t>10/15/25</a:t>
             </a:fld>
             <a:endParaRPr lang="en-US"/>
           </a:p>
@@ -2907,7 +2913,7 @@
           <a:p>
             <a:fld id="{67B564A3-C150-4636-B8BE-2AA93CC227AD}" type="datetimeFigureOut">
               <a:rPr lang="en-US" smtClean="0"/>
-              <a:t>10/5/2025</a:t>
+              <a:t>10/15/25</a:t>
             </a:fld>
             <a:endParaRPr lang="en-US"/>
           </a:p>
@@ -3645,8 +3651,8 @@
           </a:p>
         </p:txBody>
       </p:sp>
-      <mc:AlternateContent xmlns:mc="http://schemas.openxmlformats.org/markup-compatibility/2006">
-        <mc:Choice xmlns:a14="http://schemas.microsoft.com/office/drawing/2010/main" Requires="a14">
+      <mc:AlternateContent xmlns:mc="http://schemas.openxmlformats.org/markup-compatibility/2006" xmlns:a14="http://schemas.microsoft.com/office/drawing/2010/main">
+        <mc:Choice Requires="a14">
           <p:sp>
             <p:nvSpPr>
               <p:cNvPr id="26" name="TextBox 25">
@@ -3675,6 +3681,7 @@
               </a:bodyPr>
               <a:lstStyle/>
               <a:p>
+                <a:pPr/>
                 <a14:m>
                   <m:oMathPara xmlns:m="http://schemas.openxmlformats.org/officeDocument/2006/math">
                     <m:oMathParaPr>
@@ -3713,7 +3720,7 @@
             </p:txBody>
           </p:sp>
         </mc:Choice>
-        <mc:Fallback>
+        <mc:Fallback xmlns="">
           <p:sp>
             <p:nvSpPr>
               <p:cNvPr id="26" name="TextBox 25">
@@ -3758,8 +3765,8 @@
           </p:sp>
         </mc:Fallback>
       </mc:AlternateContent>
-      <mc:AlternateContent xmlns:mc="http://schemas.openxmlformats.org/markup-compatibility/2006">
-        <mc:Choice xmlns:a14="http://schemas.microsoft.com/office/drawing/2010/main" Requires="a14">
+      <mc:AlternateContent xmlns:mc="http://schemas.openxmlformats.org/markup-compatibility/2006" xmlns:a14="http://schemas.microsoft.com/office/drawing/2010/main">
+        <mc:Choice Requires="a14">
           <p:sp>
             <p:nvSpPr>
               <p:cNvPr id="28" name="TextBox 27">
@@ -3788,6 +3795,7 @@
               </a:bodyPr>
               <a:lstStyle/>
               <a:p>
+                <a:pPr/>
                 <a14:m>
                   <m:oMathPara xmlns:m="http://schemas.openxmlformats.org/officeDocument/2006/math">
                     <m:oMathParaPr>
@@ -3837,7 +3845,7 @@
             </p:txBody>
           </p:sp>
         </mc:Choice>
-        <mc:Fallback>
+        <mc:Fallback xmlns="">
           <p:sp>
             <p:nvSpPr>
               <p:cNvPr id="28" name="TextBox 27">
@@ -3882,8 +3890,8 @@
           </p:sp>
         </mc:Fallback>
       </mc:AlternateContent>
-      <mc:AlternateContent xmlns:mc="http://schemas.openxmlformats.org/markup-compatibility/2006">
-        <mc:Choice xmlns:a14="http://schemas.microsoft.com/office/drawing/2010/main" Requires="a14">
+      <mc:AlternateContent xmlns:mc="http://schemas.openxmlformats.org/markup-compatibility/2006" xmlns:a14="http://schemas.microsoft.com/office/drawing/2010/main">
+        <mc:Choice Requires="a14">
           <p:sp>
             <p:nvSpPr>
               <p:cNvPr id="29" name="TextBox 28">
@@ -3912,6 +3920,7 @@
               </a:bodyPr>
               <a:lstStyle/>
               <a:p>
+                <a:pPr/>
                 <a14:m>
                   <m:oMathPara xmlns:m="http://schemas.openxmlformats.org/officeDocument/2006/math">
                     <m:oMathParaPr>
@@ -3932,7 +3941,7 @@
             </p:txBody>
           </p:sp>
         </mc:Choice>
-        <mc:Fallback>
+        <mc:Fallback xmlns="">
           <p:sp>
             <p:nvSpPr>
               <p:cNvPr id="29" name="TextBox 28">
@@ -3977,8 +3986,8 @@
           </p:sp>
         </mc:Fallback>
       </mc:AlternateContent>
-      <mc:AlternateContent xmlns:mc="http://schemas.openxmlformats.org/markup-compatibility/2006">
-        <mc:Choice xmlns:a14="http://schemas.microsoft.com/office/drawing/2010/main" Requires="a14">
+      <mc:AlternateContent xmlns:mc="http://schemas.openxmlformats.org/markup-compatibility/2006" xmlns:a14="http://schemas.microsoft.com/office/drawing/2010/main">
+        <mc:Choice Requires="a14">
           <p:sp>
             <p:nvSpPr>
               <p:cNvPr id="30" name="TextBox 29">
@@ -4007,6 +4016,7 @@
               </a:bodyPr>
               <a:lstStyle/>
               <a:p>
+                <a:pPr/>
                 <a14:m>
                   <m:oMathPara xmlns:m="http://schemas.openxmlformats.org/officeDocument/2006/math">
                     <m:oMathParaPr>
@@ -4057,7 +4067,7 @@
             </p:txBody>
           </p:sp>
         </mc:Choice>
-        <mc:Fallback>
+        <mc:Fallback xmlns="">
           <p:sp>
             <p:nvSpPr>
               <p:cNvPr id="30" name="TextBox 29">
@@ -4102,8 +4112,8 @@
           </p:sp>
         </mc:Fallback>
       </mc:AlternateContent>
-      <mc:AlternateContent xmlns:mc="http://schemas.openxmlformats.org/markup-compatibility/2006">
-        <mc:Choice xmlns:a14="http://schemas.microsoft.com/office/drawing/2010/main" Requires="a14">
+      <mc:AlternateContent xmlns:mc="http://schemas.openxmlformats.org/markup-compatibility/2006" xmlns:a14="http://schemas.microsoft.com/office/drawing/2010/main">
+        <mc:Choice Requires="a14">
           <p:sp>
             <p:nvSpPr>
               <p:cNvPr id="31" name="TextBox 30">
@@ -4132,6 +4142,7 @@
               </a:bodyPr>
               <a:lstStyle/>
               <a:p>
+                <a:pPr/>
                 <a14:m>
                   <m:oMathPara xmlns:m="http://schemas.openxmlformats.org/officeDocument/2006/math">
                     <m:oMathParaPr>
@@ -4171,7 +4182,7 @@
             </p:txBody>
           </p:sp>
         </mc:Choice>
-        <mc:Fallback>
+        <mc:Fallback xmlns="">
           <p:sp>
             <p:nvSpPr>
               <p:cNvPr id="31" name="TextBox 30">
@@ -4573,8 +4584,8 @@
           </a:p>
         </p:txBody>
       </p:sp>
-      <mc:AlternateContent xmlns:mc="http://schemas.openxmlformats.org/markup-compatibility/2006">
-        <mc:Choice xmlns:a14="http://schemas.microsoft.com/office/drawing/2010/main" Requires="a14">
+      <mc:AlternateContent xmlns:mc="http://schemas.openxmlformats.org/markup-compatibility/2006" xmlns:a14="http://schemas.microsoft.com/office/drawing/2010/main">
+        <mc:Choice Requires="a14">
           <p:sp>
             <p:nvSpPr>
               <p:cNvPr id="26" name="TextBox 25">
@@ -4642,7 +4653,7 @@
             </p:txBody>
           </p:sp>
         </mc:Choice>
-        <mc:Fallback>
+        <mc:Fallback xmlns="">
           <p:sp>
             <p:nvSpPr>
               <p:cNvPr id="26" name="TextBox 25">
@@ -4687,8 +4698,8 @@
           </p:sp>
         </mc:Fallback>
       </mc:AlternateContent>
-      <mc:AlternateContent xmlns:mc="http://schemas.openxmlformats.org/markup-compatibility/2006">
-        <mc:Choice xmlns:a14="http://schemas.microsoft.com/office/drawing/2010/main" Requires="a14">
+      <mc:AlternateContent xmlns:mc="http://schemas.openxmlformats.org/markup-compatibility/2006" xmlns:a14="http://schemas.microsoft.com/office/drawing/2010/main">
+        <mc:Choice Requires="a14">
           <p:sp>
             <p:nvSpPr>
               <p:cNvPr id="28" name="TextBox 27">
@@ -4767,7 +4778,7 @@
             </p:txBody>
           </p:sp>
         </mc:Choice>
-        <mc:Fallback>
+        <mc:Fallback xmlns="">
           <p:sp>
             <p:nvSpPr>
               <p:cNvPr id="28" name="TextBox 27">
@@ -4812,8 +4823,8 @@
           </p:sp>
         </mc:Fallback>
       </mc:AlternateContent>
-      <mc:AlternateContent xmlns:mc="http://schemas.openxmlformats.org/markup-compatibility/2006">
-        <mc:Choice xmlns:a14="http://schemas.microsoft.com/office/drawing/2010/main" Requires="a14">
+      <mc:AlternateContent xmlns:mc="http://schemas.openxmlformats.org/markup-compatibility/2006" xmlns:a14="http://schemas.microsoft.com/office/drawing/2010/main">
+        <mc:Choice Requires="a14">
           <p:sp>
             <p:nvSpPr>
               <p:cNvPr id="29" name="TextBox 28">
@@ -4863,7 +4874,7 @@
             </p:txBody>
           </p:sp>
         </mc:Choice>
-        <mc:Fallback>
+        <mc:Fallback xmlns="">
           <p:sp>
             <p:nvSpPr>
               <p:cNvPr id="29" name="TextBox 28">
@@ -4908,8 +4919,8 @@
           </p:sp>
         </mc:Fallback>
       </mc:AlternateContent>
-      <mc:AlternateContent xmlns:mc="http://schemas.openxmlformats.org/markup-compatibility/2006">
-        <mc:Choice xmlns:a14="http://schemas.microsoft.com/office/drawing/2010/main" Requires="a14">
+      <mc:AlternateContent xmlns:mc="http://schemas.openxmlformats.org/markup-compatibility/2006" xmlns:a14="http://schemas.microsoft.com/office/drawing/2010/main">
+        <mc:Choice Requires="a14">
           <p:sp>
             <p:nvSpPr>
               <p:cNvPr id="30" name="TextBox 29">
@@ -4989,7 +5000,7 @@
             </p:txBody>
           </p:sp>
         </mc:Choice>
-        <mc:Fallback>
+        <mc:Fallback xmlns="">
           <p:sp>
             <p:nvSpPr>
               <p:cNvPr id="30" name="TextBox 29">
@@ -5034,8 +5045,8 @@
           </p:sp>
         </mc:Fallback>
       </mc:AlternateContent>
-      <mc:AlternateContent xmlns:mc="http://schemas.openxmlformats.org/markup-compatibility/2006">
-        <mc:Choice xmlns:a14="http://schemas.microsoft.com/office/drawing/2010/main" Requires="a14">
+      <mc:AlternateContent xmlns:mc="http://schemas.openxmlformats.org/markup-compatibility/2006" xmlns:a14="http://schemas.microsoft.com/office/drawing/2010/main">
+        <mc:Choice Requires="a14">
           <p:sp>
             <p:nvSpPr>
               <p:cNvPr id="31" name="TextBox 30">
@@ -5104,7 +5115,7 @@
             </p:txBody>
           </p:sp>
         </mc:Choice>
-        <mc:Fallback>
+        <mc:Fallback xmlns="">
           <p:sp>
             <p:nvSpPr>
               <p:cNvPr id="31" name="TextBox 30">
@@ -5231,8 +5242,8 @@
           </a:p>
         </p:txBody>
       </p:sp>
-      <mc:AlternateContent xmlns:mc="http://schemas.openxmlformats.org/markup-compatibility/2006">
-        <mc:Choice xmlns:a14="http://schemas.microsoft.com/office/drawing/2010/main" Requires="a14">
+      <mc:AlternateContent xmlns:mc="http://schemas.openxmlformats.org/markup-compatibility/2006" xmlns:a14="http://schemas.microsoft.com/office/drawing/2010/main">
+        <mc:Choice Requires="a14">
           <p:sp>
             <p:nvSpPr>
               <p:cNvPr id="3" name="TextBox 2">
@@ -5312,7 +5323,7 @@
             </p:txBody>
           </p:sp>
         </mc:Choice>
-        <mc:Fallback>
+        <mc:Fallback xmlns="">
           <p:sp>
             <p:nvSpPr>
               <p:cNvPr id="3" name="TextBox 2">
@@ -5542,8 +5553,8 @@
           </a:p>
         </p:txBody>
       </p:sp>
-      <mc:AlternateContent xmlns:mc="http://schemas.openxmlformats.org/markup-compatibility/2006">
-        <mc:Choice xmlns:a14="http://schemas.microsoft.com/office/drawing/2010/main" Requires="a14">
+      <mc:AlternateContent xmlns:mc="http://schemas.openxmlformats.org/markup-compatibility/2006" xmlns:a14="http://schemas.microsoft.com/office/drawing/2010/main">
+        <mc:Choice Requires="a14">
           <p:sp>
             <p:nvSpPr>
               <p:cNvPr id="17" name="TextBox 16">
@@ -5600,13 +5611,7 @@
                             <a:rPr lang="en-US" b="1" i="1" smtClean="0">
                               <a:latin typeface="Cambria Math" panose="02040503050406030204" pitchFamily="18" charset="0"/>
                             </a:rPr>
-                            <m:t>∗</m:t>
-                          </m:r>
-                          <m:r>
-                            <a:rPr lang="en-US" b="1" i="1" smtClean="0">
-                              <a:latin typeface="Cambria Math" panose="02040503050406030204" pitchFamily="18" charset="0"/>
-                            </a:rPr>
-                            <m:t>′</m:t>
+                            <m:t>∗′</m:t>
                           </m:r>
                         </m:sup>
                       </m:sSup>
@@ -5618,7 +5623,7 @@
             </p:txBody>
           </p:sp>
         </mc:Choice>
-        <mc:Fallback>
+        <mc:Fallback xmlns="">
           <p:sp>
             <p:nvSpPr>
               <p:cNvPr id="17" name="TextBox 16">
@@ -6061,8 +6066,8 @@
           </a:p>
         </p:txBody>
       </p:sp>
-      <mc:AlternateContent xmlns:mc="http://schemas.openxmlformats.org/markup-compatibility/2006">
-        <mc:Choice xmlns:a14="http://schemas.microsoft.com/office/drawing/2010/main" Requires="a14">
+      <mc:AlternateContent xmlns:mc="http://schemas.openxmlformats.org/markup-compatibility/2006" xmlns:a14="http://schemas.microsoft.com/office/drawing/2010/main">
+        <mc:Choice Requires="a14">
           <p:sp>
             <p:nvSpPr>
               <p:cNvPr id="26" name="TextBox 25">
@@ -6130,7 +6135,7 @@
             </p:txBody>
           </p:sp>
         </mc:Choice>
-        <mc:Fallback>
+        <mc:Fallback xmlns="">
           <p:sp>
             <p:nvSpPr>
               <p:cNvPr id="26" name="TextBox 25">
@@ -6175,8 +6180,8 @@
           </p:sp>
         </mc:Fallback>
       </mc:AlternateContent>
-      <mc:AlternateContent xmlns:mc="http://schemas.openxmlformats.org/markup-compatibility/2006">
-        <mc:Choice xmlns:a14="http://schemas.microsoft.com/office/drawing/2010/main" Requires="a14">
+      <mc:AlternateContent xmlns:mc="http://schemas.openxmlformats.org/markup-compatibility/2006" xmlns:a14="http://schemas.microsoft.com/office/drawing/2010/main">
+        <mc:Choice Requires="a14">
           <p:sp>
             <p:nvSpPr>
               <p:cNvPr id="28" name="TextBox 27">
@@ -6255,7 +6260,7 @@
             </p:txBody>
           </p:sp>
         </mc:Choice>
-        <mc:Fallback>
+        <mc:Fallback xmlns="">
           <p:sp>
             <p:nvSpPr>
               <p:cNvPr id="28" name="TextBox 27">
@@ -6300,8 +6305,8 @@
           </p:sp>
         </mc:Fallback>
       </mc:AlternateContent>
-      <mc:AlternateContent xmlns:mc="http://schemas.openxmlformats.org/markup-compatibility/2006">
-        <mc:Choice xmlns:a14="http://schemas.microsoft.com/office/drawing/2010/main" Requires="a14">
+      <mc:AlternateContent xmlns:mc="http://schemas.openxmlformats.org/markup-compatibility/2006" xmlns:a14="http://schemas.microsoft.com/office/drawing/2010/main">
+        <mc:Choice Requires="a14">
           <p:sp>
             <p:nvSpPr>
               <p:cNvPr id="29" name="TextBox 28">
@@ -6351,7 +6356,7 @@
             </p:txBody>
           </p:sp>
         </mc:Choice>
-        <mc:Fallback>
+        <mc:Fallback xmlns="">
           <p:sp>
             <p:nvSpPr>
               <p:cNvPr id="29" name="TextBox 28">
@@ -6396,8 +6401,8 @@
           </p:sp>
         </mc:Fallback>
       </mc:AlternateContent>
-      <mc:AlternateContent xmlns:mc="http://schemas.openxmlformats.org/markup-compatibility/2006">
-        <mc:Choice xmlns:a14="http://schemas.microsoft.com/office/drawing/2010/main" Requires="a14">
+      <mc:AlternateContent xmlns:mc="http://schemas.openxmlformats.org/markup-compatibility/2006" xmlns:a14="http://schemas.microsoft.com/office/drawing/2010/main">
+        <mc:Choice Requires="a14">
           <p:sp>
             <p:nvSpPr>
               <p:cNvPr id="30" name="TextBox 29">
@@ -6477,7 +6482,7 @@
             </p:txBody>
           </p:sp>
         </mc:Choice>
-        <mc:Fallback>
+        <mc:Fallback xmlns="">
           <p:sp>
             <p:nvSpPr>
               <p:cNvPr id="30" name="TextBox 29">
@@ -6522,8 +6527,8 @@
           </p:sp>
         </mc:Fallback>
       </mc:AlternateContent>
-      <mc:AlternateContent xmlns:mc="http://schemas.openxmlformats.org/markup-compatibility/2006">
-        <mc:Choice xmlns:a14="http://schemas.microsoft.com/office/drawing/2010/main" Requires="a14">
+      <mc:AlternateContent xmlns:mc="http://schemas.openxmlformats.org/markup-compatibility/2006" xmlns:a14="http://schemas.microsoft.com/office/drawing/2010/main">
+        <mc:Choice Requires="a14">
           <p:sp>
             <p:nvSpPr>
               <p:cNvPr id="31" name="TextBox 30">
@@ -6592,7 +6597,7 @@
             </p:txBody>
           </p:sp>
         </mc:Choice>
-        <mc:Fallback>
+        <mc:Fallback xmlns="">
           <p:sp>
             <p:nvSpPr>
               <p:cNvPr id="31" name="TextBox 30">
@@ -6865,8 +6870,8 @@
           </a:p>
         </p:txBody>
       </p:sp>
-      <mc:AlternateContent xmlns:mc="http://schemas.openxmlformats.org/markup-compatibility/2006">
-        <mc:Choice xmlns:a14="http://schemas.microsoft.com/office/drawing/2010/main" Requires="a14">
+      <mc:AlternateContent xmlns:mc="http://schemas.openxmlformats.org/markup-compatibility/2006" xmlns:a14="http://schemas.microsoft.com/office/drawing/2010/main">
+        <mc:Choice Requires="a14">
           <p:sp>
             <p:nvSpPr>
               <p:cNvPr id="19" name="TextBox 18">
@@ -6916,7 +6921,7 @@
             </p:txBody>
           </p:sp>
         </mc:Choice>
-        <mc:Fallback>
+        <mc:Fallback xmlns="">
           <p:sp>
             <p:nvSpPr>
               <p:cNvPr id="19" name="TextBox 18">
@@ -7359,8 +7364,8 @@
           </a:p>
         </p:txBody>
       </p:sp>
-      <mc:AlternateContent xmlns:mc="http://schemas.openxmlformats.org/markup-compatibility/2006">
-        <mc:Choice xmlns:a14="http://schemas.microsoft.com/office/drawing/2010/main" Requires="a14">
+      <mc:AlternateContent xmlns:mc="http://schemas.openxmlformats.org/markup-compatibility/2006" xmlns:a14="http://schemas.microsoft.com/office/drawing/2010/main">
+        <mc:Choice Requires="a14">
           <p:sp>
             <p:nvSpPr>
               <p:cNvPr id="26" name="TextBox 25">
@@ -7428,7 +7433,7 @@
             </p:txBody>
           </p:sp>
         </mc:Choice>
-        <mc:Fallback>
+        <mc:Fallback xmlns="">
           <p:sp>
             <p:nvSpPr>
               <p:cNvPr id="26" name="TextBox 25">
@@ -7473,8 +7478,8 @@
           </p:sp>
         </mc:Fallback>
       </mc:AlternateContent>
-      <mc:AlternateContent xmlns:mc="http://schemas.openxmlformats.org/markup-compatibility/2006">
-        <mc:Choice xmlns:a14="http://schemas.microsoft.com/office/drawing/2010/main" Requires="a14">
+      <mc:AlternateContent xmlns:mc="http://schemas.openxmlformats.org/markup-compatibility/2006" xmlns:a14="http://schemas.microsoft.com/office/drawing/2010/main">
+        <mc:Choice Requires="a14">
           <p:sp>
             <p:nvSpPr>
               <p:cNvPr id="28" name="TextBox 27">
@@ -7553,7 +7558,7 @@
             </p:txBody>
           </p:sp>
         </mc:Choice>
-        <mc:Fallback>
+        <mc:Fallback xmlns="">
           <p:sp>
             <p:nvSpPr>
               <p:cNvPr id="28" name="TextBox 27">
@@ -7598,8 +7603,8 @@
           </p:sp>
         </mc:Fallback>
       </mc:AlternateContent>
-      <mc:AlternateContent xmlns:mc="http://schemas.openxmlformats.org/markup-compatibility/2006">
-        <mc:Choice xmlns:a14="http://schemas.microsoft.com/office/drawing/2010/main" Requires="a14">
+      <mc:AlternateContent xmlns:mc="http://schemas.openxmlformats.org/markup-compatibility/2006" xmlns:a14="http://schemas.microsoft.com/office/drawing/2010/main">
+        <mc:Choice Requires="a14">
           <p:sp>
             <p:nvSpPr>
               <p:cNvPr id="29" name="TextBox 28">
@@ -7649,7 +7654,7 @@
             </p:txBody>
           </p:sp>
         </mc:Choice>
-        <mc:Fallback>
+        <mc:Fallback xmlns="">
           <p:sp>
             <p:nvSpPr>
               <p:cNvPr id="29" name="TextBox 28">
@@ -7694,8 +7699,8 @@
           </p:sp>
         </mc:Fallback>
       </mc:AlternateContent>
-      <mc:AlternateContent xmlns:mc="http://schemas.openxmlformats.org/markup-compatibility/2006">
-        <mc:Choice xmlns:a14="http://schemas.microsoft.com/office/drawing/2010/main" Requires="a14">
+      <mc:AlternateContent xmlns:mc="http://schemas.openxmlformats.org/markup-compatibility/2006" xmlns:a14="http://schemas.microsoft.com/office/drawing/2010/main">
+        <mc:Choice Requires="a14">
           <p:sp>
             <p:nvSpPr>
               <p:cNvPr id="30" name="TextBox 29">
@@ -7775,7 +7780,7 @@
             </p:txBody>
           </p:sp>
         </mc:Choice>
-        <mc:Fallback>
+        <mc:Fallback xmlns="">
           <p:sp>
             <p:nvSpPr>
               <p:cNvPr id="30" name="TextBox 29">
@@ -7820,8 +7825,8 @@
           </p:sp>
         </mc:Fallback>
       </mc:AlternateContent>
-      <mc:AlternateContent xmlns:mc="http://schemas.openxmlformats.org/markup-compatibility/2006">
-        <mc:Choice xmlns:a14="http://schemas.microsoft.com/office/drawing/2010/main" Requires="a14">
+      <mc:AlternateContent xmlns:mc="http://schemas.openxmlformats.org/markup-compatibility/2006" xmlns:a14="http://schemas.microsoft.com/office/drawing/2010/main">
+        <mc:Choice Requires="a14">
           <p:sp>
             <p:nvSpPr>
               <p:cNvPr id="31" name="TextBox 30">
@@ -7890,7 +7895,7 @@
             </p:txBody>
           </p:sp>
         </mc:Choice>
-        <mc:Fallback>
+        <mc:Fallback xmlns="">
           <p:sp>
             <p:nvSpPr>
               <p:cNvPr id="31" name="TextBox 30">
@@ -7989,8 +7994,8 @@
           </a:p>
         </p:txBody>
       </p:sp>
-      <mc:AlternateContent xmlns:mc="http://schemas.openxmlformats.org/markup-compatibility/2006">
-        <mc:Choice xmlns:a14="http://schemas.microsoft.com/office/drawing/2010/main" Requires="a14">
+      <mc:AlternateContent xmlns:mc="http://schemas.openxmlformats.org/markup-compatibility/2006" xmlns:a14="http://schemas.microsoft.com/office/drawing/2010/main">
+        <mc:Choice Requires="a14">
           <p:sp>
             <p:nvSpPr>
               <p:cNvPr id="6" name="TextBox 5">
@@ -8040,7 +8045,7 @@
             </p:txBody>
           </p:sp>
         </mc:Choice>
-        <mc:Fallback>
+        <mc:Fallback xmlns="">
           <p:sp>
             <p:nvSpPr>
               <p:cNvPr id="6" name="TextBox 5">
@@ -8329,6 +8334,1491 @@
     <p:extLst>
       <p:ext uri="{BB962C8B-B14F-4D97-AF65-F5344CB8AC3E}">
         <p14:creationId xmlns:p14="http://schemas.microsoft.com/office/powerpoint/2010/main" val="3773729205"/>
+      </p:ext>
+    </p:extLst>
+  </p:cSld>
+  <p:clrMapOvr>
+    <a:masterClrMapping/>
+  </p:clrMapOvr>
+</p:sld>
+</file>
+
+<file path=ppt/slides/slide5.xml><?xml version="1.0" encoding="utf-8"?>
+<p:sld xmlns:a="http://schemas.openxmlformats.org/drawingml/2006/main" xmlns:r="http://schemas.openxmlformats.org/officeDocument/2006/relationships" xmlns:p="http://schemas.openxmlformats.org/presentationml/2006/main">
+  <p:cSld>
+    <p:spTree>
+      <p:nvGrpSpPr>
+        <p:cNvPr id="1" name=""/>
+        <p:cNvGrpSpPr/>
+        <p:nvPr/>
+      </p:nvGrpSpPr>
+      <p:grpSpPr>
+        <a:xfrm>
+          <a:off x="0" y="0"/>
+          <a:ext cx="0" cy="0"/>
+          <a:chOff x="0" y="0"/>
+          <a:chExt cx="0" cy="0"/>
+        </a:xfrm>
+      </p:grpSpPr>
+      <p:cxnSp>
+        <p:nvCxnSpPr>
+          <p:cNvPr id="16" name="Straight Connector 15">
+            <a:extLst>
+              <a:ext uri="{FF2B5EF4-FFF2-40B4-BE49-F238E27FC236}">
+                <a16:creationId xmlns:a16="http://schemas.microsoft.com/office/drawing/2014/main" id="{A42D9E47-D892-1DAD-68B4-E7C1C1D0E6D6}"/>
+              </a:ext>
+            </a:extLst>
+          </p:cNvPr>
+          <p:cNvCxnSpPr>
+            <a:cxnSpLocks/>
+          </p:cNvCxnSpPr>
+          <p:nvPr/>
+        </p:nvCxnSpPr>
+        <p:spPr>
+          <a:xfrm flipV="1">
+            <a:off x="5617029" y="3706836"/>
+            <a:ext cx="0" cy="2200188"/>
+          </a:xfrm>
+          <a:prstGeom prst="line">
+            <a:avLst/>
+          </a:prstGeom>
+          <a:ln w="38100">
+            <a:prstDash val="dash"/>
+          </a:ln>
+        </p:spPr>
+        <p:style>
+          <a:lnRef idx="2">
+            <a:schemeClr val="accent1"/>
+          </a:lnRef>
+          <a:fillRef idx="0">
+            <a:schemeClr val="accent1"/>
+          </a:fillRef>
+          <a:effectRef idx="1">
+            <a:schemeClr val="accent1"/>
+          </a:effectRef>
+          <a:fontRef idx="minor">
+            <a:schemeClr val="tx1"/>
+          </a:fontRef>
+        </p:style>
+      </p:cxnSp>
+      <p:cxnSp>
+        <p:nvCxnSpPr>
+          <p:cNvPr id="18" name="Straight Connector 17">
+            <a:extLst>
+              <a:ext uri="{FF2B5EF4-FFF2-40B4-BE49-F238E27FC236}">
+                <a16:creationId xmlns:a16="http://schemas.microsoft.com/office/drawing/2014/main" id="{FAC75B85-168A-6337-552D-EC9890F20A81}"/>
+              </a:ext>
+            </a:extLst>
+          </p:cNvPr>
+          <p:cNvCxnSpPr>
+            <a:cxnSpLocks/>
+          </p:cNvCxnSpPr>
+          <p:nvPr/>
+        </p:nvCxnSpPr>
+        <p:spPr>
+          <a:xfrm flipV="1">
+            <a:off x="3783875" y="3297066"/>
+            <a:ext cx="0" cy="2582906"/>
+          </a:xfrm>
+          <a:prstGeom prst="line">
+            <a:avLst/>
+          </a:prstGeom>
+          <a:ln w="38100">
+            <a:prstDash val="dash"/>
+          </a:ln>
+        </p:spPr>
+        <p:style>
+          <a:lnRef idx="2">
+            <a:schemeClr val="accent1"/>
+          </a:lnRef>
+          <a:fillRef idx="0">
+            <a:schemeClr val="accent1"/>
+          </a:fillRef>
+          <a:effectRef idx="1">
+            <a:schemeClr val="accent1"/>
+          </a:effectRef>
+          <a:fontRef idx="minor">
+            <a:schemeClr val="tx1"/>
+          </a:fontRef>
+        </p:style>
+      </p:cxnSp>
+      <p:cxnSp>
+        <p:nvCxnSpPr>
+          <p:cNvPr id="22" name="Straight Connector 21">
+            <a:extLst>
+              <a:ext uri="{FF2B5EF4-FFF2-40B4-BE49-F238E27FC236}">
+                <a16:creationId xmlns:a16="http://schemas.microsoft.com/office/drawing/2014/main" id="{91062C6D-FE49-268B-1BB1-717D4E25C04E}"/>
+              </a:ext>
+            </a:extLst>
+          </p:cNvPr>
+          <p:cNvCxnSpPr>
+            <a:cxnSpLocks/>
+          </p:cNvCxnSpPr>
+          <p:nvPr/>
+        </p:nvCxnSpPr>
+        <p:spPr>
+          <a:xfrm>
+            <a:off x="1335789" y="3297066"/>
+            <a:ext cx="2448085" cy="0"/>
+          </a:xfrm>
+          <a:prstGeom prst="line">
+            <a:avLst/>
+          </a:prstGeom>
+          <a:ln w="38100">
+            <a:prstDash val="dash"/>
+          </a:ln>
+        </p:spPr>
+        <p:style>
+          <a:lnRef idx="2">
+            <a:schemeClr val="accent1"/>
+          </a:lnRef>
+          <a:fillRef idx="0">
+            <a:schemeClr val="accent1"/>
+          </a:fillRef>
+          <a:effectRef idx="1">
+            <a:schemeClr val="accent1"/>
+          </a:effectRef>
+          <a:fontRef idx="minor">
+            <a:schemeClr val="tx1"/>
+          </a:fontRef>
+        </p:style>
+      </p:cxnSp>
+      <p:cxnSp>
+        <p:nvCxnSpPr>
+          <p:cNvPr id="25" name="Straight Connector 24">
+            <a:extLst>
+              <a:ext uri="{FF2B5EF4-FFF2-40B4-BE49-F238E27FC236}">
+                <a16:creationId xmlns:a16="http://schemas.microsoft.com/office/drawing/2014/main" id="{CCF87927-AC59-BD11-AEFA-4A86794337F4}"/>
+              </a:ext>
+            </a:extLst>
+          </p:cNvPr>
+          <p:cNvCxnSpPr>
+            <a:cxnSpLocks/>
+          </p:cNvCxnSpPr>
+          <p:nvPr/>
+        </p:nvCxnSpPr>
+        <p:spPr>
+          <a:xfrm>
+            <a:off x="1335789" y="3706836"/>
+            <a:ext cx="4281239" cy="0"/>
+          </a:xfrm>
+          <a:prstGeom prst="line">
+            <a:avLst/>
+          </a:prstGeom>
+          <a:ln w="38100">
+            <a:prstDash val="dash"/>
+          </a:ln>
+        </p:spPr>
+        <p:style>
+          <a:lnRef idx="2">
+            <a:schemeClr val="accent1"/>
+          </a:lnRef>
+          <a:fillRef idx="0">
+            <a:schemeClr val="accent1"/>
+          </a:fillRef>
+          <a:effectRef idx="1">
+            <a:schemeClr val="accent1"/>
+          </a:effectRef>
+          <a:fontRef idx="minor">
+            <a:schemeClr val="tx1"/>
+          </a:fontRef>
+        </p:style>
+      </p:cxnSp>
+      <p:grpSp>
+        <p:nvGrpSpPr>
+          <p:cNvPr id="4" name="Group 3">
+            <a:extLst>
+              <a:ext uri="{FF2B5EF4-FFF2-40B4-BE49-F238E27FC236}">
+                <a16:creationId xmlns:a16="http://schemas.microsoft.com/office/drawing/2014/main" id="{1925731C-2E71-2071-8BE4-630ED06B9E74}"/>
+              </a:ext>
+            </a:extLst>
+          </p:cNvPr>
+          <p:cNvGrpSpPr/>
+          <p:nvPr/>
+        </p:nvGrpSpPr>
+        <p:grpSpPr>
+          <a:xfrm>
+            <a:off x="1297684" y="804672"/>
+            <a:ext cx="9089136" cy="5102352"/>
+            <a:chOff x="1297684" y="804672"/>
+            <a:chExt cx="9089136" cy="5102352"/>
+          </a:xfrm>
+        </p:grpSpPr>
+        <p:cxnSp>
+          <p:nvCxnSpPr>
+            <p:cNvPr id="5" name="Straight Connector 4">
+              <a:extLst>
+                <a:ext uri="{FF2B5EF4-FFF2-40B4-BE49-F238E27FC236}">
+                  <a16:creationId xmlns:a16="http://schemas.microsoft.com/office/drawing/2014/main" id="{16E79B95-F02A-5C8B-2398-E0530D84F686}"/>
+                </a:ext>
+              </a:extLst>
+            </p:cNvPr>
+            <p:cNvCxnSpPr/>
+            <p:nvPr/>
+          </p:nvCxnSpPr>
+          <p:spPr>
+            <a:xfrm>
+              <a:off x="1316736" y="804672"/>
+              <a:ext cx="0" cy="5102352"/>
+            </a:xfrm>
+            <a:prstGeom prst="line">
+              <a:avLst/>
+            </a:prstGeom>
+            <a:ln w="57150">
+              <a:solidFill>
+                <a:schemeClr val="tx1"/>
+              </a:solidFill>
+            </a:ln>
+          </p:spPr>
+          <p:style>
+            <a:lnRef idx="2">
+              <a:schemeClr val="accent1"/>
+            </a:lnRef>
+            <a:fillRef idx="0">
+              <a:schemeClr val="accent1"/>
+            </a:fillRef>
+            <a:effectRef idx="1">
+              <a:schemeClr val="accent1"/>
+            </a:effectRef>
+            <a:fontRef idx="minor">
+              <a:schemeClr val="tx1"/>
+            </a:fontRef>
+          </p:style>
+        </p:cxnSp>
+        <p:cxnSp>
+          <p:nvCxnSpPr>
+            <p:cNvPr id="6" name="Straight Connector 5">
+              <a:extLst>
+                <a:ext uri="{FF2B5EF4-FFF2-40B4-BE49-F238E27FC236}">
+                  <a16:creationId xmlns:a16="http://schemas.microsoft.com/office/drawing/2014/main" id="{4DAA185E-B917-4A93-3425-C04D1E9A069F}"/>
+                </a:ext>
+              </a:extLst>
+            </p:cNvPr>
+            <p:cNvCxnSpPr>
+              <a:cxnSpLocks/>
+            </p:cNvCxnSpPr>
+            <p:nvPr/>
+          </p:nvCxnSpPr>
+          <p:spPr>
+            <a:xfrm flipH="1">
+              <a:off x="1297684" y="5879972"/>
+              <a:ext cx="9089136" cy="0"/>
+            </a:xfrm>
+            <a:prstGeom prst="line">
+              <a:avLst/>
+            </a:prstGeom>
+            <a:ln w="57150">
+              <a:solidFill>
+                <a:schemeClr val="tx1"/>
+              </a:solidFill>
+            </a:ln>
+          </p:spPr>
+          <p:style>
+            <a:lnRef idx="2">
+              <a:schemeClr val="accent1"/>
+            </a:lnRef>
+            <a:fillRef idx="0">
+              <a:schemeClr val="accent1"/>
+            </a:fillRef>
+            <a:effectRef idx="1">
+              <a:schemeClr val="accent1"/>
+            </a:effectRef>
+            <a:fontRef idx="minor">
+              <a:schemeClr val="tx1"/>
+            </a:fontRef>
+          </p:style>
+        </p:cxnSp>
+      </p:grpSp>
+      <p:sp>
+        <p:nvSpPr>
+          <p:cNvPr id="8" name="Freeform 7">
+            <a:extLst>
+              <a:ext uri="{FF2B5EF4-FFF2-40B4-BE49-F238E27FC236}">
+                <a16:creationId xmlns:a16="http://schemas.microsoft.com/office/drawing/2014/main" id="{399A4BB7-A917-FF6E-3D36-F0C917A277F7}"/>
+              </a:ext>
+            </a:extLst>
+          </p:cNvPr>
+          <p:cNvSpPr/>
+          <p:nvPr/>
+        </p:nvSpPr>
+        <p:spPr>
+          <a:xfrm>
+            <a:off x="2646206" y="2089294"/>
+            <a:ext cx="6200503" cy="1676879"/>
+          </a:xfrm>
+          <a:custGeom>
+            <a:avLst/>
+            <a:gdLst>
+              <a:gd name="connsiteX0" fmla="*/ 0 w 6200503"/>
+              <a:gd name="connsiteY0" fmla="*/ 0 h 1676879"/>
+              <a:gd name="connsiteX1" fmla="*/ 3457303 w 6200503"/>
+              <a:gd name="connsiteY1" fmla="*/ 1672046 h 1676879"/>
+              <a:gd name="connsiteX2" fmla="*/ 6200503 w 6200503"/>
+              <a:gd name="connsiteY2" fmla="*/ 409303 h 1676879"/>
+            </a:gdLst>
+            <a:ahLst/>
+            <a:cxnLst>
+              <a:cxn ang="0">
+                <a:pos x="connsiteX0" y="connsiteY0"/>
+              </a:cxn>
+              <a:cxn ang="0">
+                <a:pos x="connsiteX1" y="connsiteY1"/>
+              </a:cxn>
+              <a:cxn ang="0">
+                <a:pos x="connsiteX2" y="connsiteY2"/>
+              </a:cxn>
+            </a:cxnLst>
+            <a:rect l="l" t="t" r="r" b="b"/>
+            <a:pathLst>
+              <a:path w="6200503" h="1676879">
+                <a:moveTo>
+                  <a:pt x="0" y="0"/>
+                </a:moveTo>
+                <a:cubicBezTo>
+                  <a:pt x="1211943" y="801914"/>
+                  <a:pt x="2423886" y="1603829"/>
+                  <a:pt x="3457303" y="1672046"/>
+                </a:cubicBezTo>
+                <a:cubicBezTo>
+                  <a:pt x="4490720" y="1740263"/>
+                  <a:pt x="5345611" y="1074783"/>
+                  <a:pt x="6200503" y="409303"/>
+                </a:cubicBezTo>
+              </a:path>
+            </a:pathLst>
+          </a:custGeom>
+          <a:noFill/>
+          <a:ln w="57150">
+            <a:solidFill>
+              <a:schemeClr val="accent2">
+                <a:lumMod val="75000"/>
+              </a:schemeClr>
+            </a:solidFill>
+          </a:ln>
+        </p:spPr>
+        <p:style>
+          <a:lnRef idx="2">
+            <a:schemeClr val="accent1">
+              <a:shade val="15000"/>
+            </a:schemeClr>
+          </a:lnRef>
+          <a:fillRef idx="1">
+            <a:schemeClr val="accent1"/>
+          </a:fillRef>
+          <a:effectRef idx="0">
+            <a:schemeClr val="accent1"/>
+          </a:effectRef>
+          <a:fontRef idx="minor">
+            <a:schemeClr val="lt1"/>
+          </a:fontRef>
+        </p:style>
+        <p:txBody>
+          <a:bodyPr rtlCol="0" anchor="ctr"/>
+          <a:lstStyle/>
+          <a:p>
+            <a:pPr algn="ctr"/>
+            <a:endParaRPr lang="en-US"/>
+          </a:p>
+        </p:txBody>
+      </p:sp>
+      <p:sp>
+        <p:nvSpPr>
+          <p:cNvPr id="9" name="Freeform 8">
+            <a:extLst>
+              <a:ext uri="{FF2B5EF4-FFF2-40B4-BE49-F238E27FC236}">
+                <a16:creationId xmlns:a16="http://schemas.microsoft.com/office/drawing/2014/main" id="{F38AF82C-9C35-E842-1678-31547E269781}"/>
+              </a:ext>
+            </a:extLst>
+          </p:cNvPr>
+          <p:cNvSpPr/>
+          <p:nvPr/>
+        </p:nvSpPr>
+        <p:spPr>
+          <a:xfrm>
+            <a:off x="2995748" y="2724308"/>
+            <a:ext cx="6200503" cy="1676879"/>
+          </a:xfrm>
+          <a:custGeom>
+            <a:avLst/>
+            <a:gdLst>
+              <a:gd name="connsiteX0" fmla="*/ 0 w 6200503"/>
+              <a:gd name="connsiteY0" fmla="*/ 0 h 1676879"/>
+              <a:gd name="connsiteX1" fmla="*/ 3457303 w 6200503"/>
+              <a:gd name="connsiteY1" fmla="*/ 1672046 h 1676879"/>
+              <a:gd name="connsiteX2" fmla="*/ 6200503 w 6200503"/>
+              <a:gd name="connsiteY2" fmla="*/ 409303 h 1676879"/>
+            </a:gdLst>
+            <a:ahLst/>
+            <a:cxnLst>
+              <a:cxn ang="0">
+                <a:pos x="connsiteX0" y="connsiteY0"/>
+              </a:cxn>
+              <a:cxn ang="0">
+                <a:pos x="connsiteX1" y="connsiteY1"/>
+              </a:cxn>
+              <a:cxn ang="0">
+                <a:pos x="connsiteX2" y="connsiteY2"/>
+              </a:cxn>
+            </a:cxnLst>
+            <a:rect l="l" t="t" r="r" b="b"/>
+            <a:pathLst>
+              <a:path w="6200503" h="1676879">
+                <a:moveTo>
+                  <a:pt x="0" y="0"/>
+                </a:moveTo>
+                <a:cubicBezTo>
+                  <a:pt x="1211943" y="801914"/>
+                  <a:pt x="2423886" y="1603829"/>
+                  <a:pt x="3457303" y="1672046"/>
+                </a:cubicBezTo>
+                <a:cubicBezTo>
+                  <a:pt x="4490720" y="1740263"/>
+                  <a:pt x="5345611" y="1074783"/>
+                  <a:pt x="6200503" y="409303"/>
+                </a:cubicBezTo>
+              </a:path>
+            </a:pathLst>
+          </a:custGeom>
+          <a:noFill/>
+          <a:ln w="57150"/>
+        </p:spPr>
+        <p:style>
+          <a:lnRef idx="2">
+            <a:schemeClr val="accent1">
+              <a:shade val="15000"/>
+            </a:schemeClr>
+          </a:lnRef>
+          <a:fillRef idx="1">
+            <a:schemeClr val="accent1"/>
+          </a:fillRef>
+          <a:effectRef idx="0">
+            <a:schemeClr val="accent1"/>
+          </a:effectRef>
+          <a:fontRef idx="minor">
+            <a:schemeClr val="lt1"/>
+          </a:fontRef>
+        </p:style>
+        <p:txBody>
+          <a:bodyPr rtlCol="0" anchor="ctr"/>
+          <a:lstStyle/>
+          <a:p>
+            <a:pPr algn="ctr"/>
+            <a:endParaRPr lang="en-US"/>
+          </a:p>
+        </p:txBody>
+      </p:sp>
+      <mc:AlternateContent xmlns:mc="http://schemas.openxmlformats.org/markup-compatibility/2006">
+        <mc:Choice xmlns:a14="http://schemas.microsoft.com/office/drawing/2010/main" Requires="a14">
+          <p:sp>
+            <p:nvSpPr>
+              <p:cNvPr id="10" name="TextBox 9">
+                <a:extLst>
+                  <a:ext uri="{FF2B5EF4-FFF2-40B4-BE49-F238E27FC236}">
+                    <a16:creationId xmlns:a16="http://schemas.microsoft.com/office/drawing/2014/main" id="{D4315148-4388-2D7D-14CC-1BACF8A0E182}"/>
+                  </a:ext>
+                </a:extLst>
+              </p:cNvPr>
+              <p:cNvSpPr txBox="1"/>
+              <p:nvPr/>
+            </p:nvSpPr>
+            <p:spPr>
+              <a:xfrm>
+                <a:off x="8621625" y="2175534"/>
+                <a:ext cx="1134237" cy="369332"/>
+              </a:xfrm>
+              <a:prstGeom prst="rect">
+                <a:avLst/>
+              </a:prstGeom>
+              <a:noFill/>
+            </p:spPr>
+            <p:txBody>
+              <a:bodyPr wrap="square" rtlCol="0">
+                <a:spAutoFit/>
+              </a:bodyPr>
+              <a:lstStyle/>
+              <a:p>
+                <a:pPr/>
+                <a14:m>
+                  <m:oMathPara xmlns:m="http://schemas.openxmlformats.org/officeDocument/2006/math">
+                    <m:oMathParaPr>
+                      <m:jc m:val="centerGroup"/>
+                    </m:oMathParaPr>
+                    <m:oMath xmlns:m="http://schemas.openxmlformats.org/officeDocument/2006/math">
+                      <m:r>
+                        <a:rPr lang="en-US" b="1" i="1" smtClean="0">
+                          <a:latin typeface="Cambria Math" panose="02040503050406030204" pitchFamily="18" charset="0"/>
+                        </a:rPr>
+                        <m:t>𝑨𝑻</m:t>
+                      </m:r>
+                      <m:sSub>
+                        <m:sSubPr>
+                          <m:ctrlPr>
+                            <a:rPr lang="en-US" b="1" i="1" smtClean="0">
+                              <a:latin typeface="Cambria Math" panose="02040503050406030204" pitchFamily="18" charset="0"/>
+                            </a:rPr>
+                          </m:ctrlPr>
+                        </m:sSubPr>
+                        <m:e>
+                          <m:r>
+                            <a:rPr lang="en-US" b="1" i="1" smtClean="0">
+                              <a:latin typeface="Cambria Math" panose="02040503050406030204" pitchFamily="18" charset="0"/>
+                            </a:rPr>
+                            <m:t>𝑪</m:t>
+                          </m:r>
+                        </m:e>
+                        <m:sub>
+                          <m:r>
+                            <a:rPr lang="en-US" b="1" i="1" smtClean="0">
+                              <a:latin typeface="Cambria Math" panose="02040503050406030204" pitchFamily="18" charset="0"/>
+                            </a:rPr>
+                            <m:t>𝟏</m:t>
+                          </m:r>
+                        </m:sub>
+                      </m:sSub>
+                    </m:oMath>
+                  </m:oMathPara>
+                </a14:m>
+                <a:endParaRPr lang="en-US" b="1" dirty="0"/>
+              </a:p>
+            </p:txBody>
+          </p:sp>
+        </mc:Choice>
+        <mc:Fallback>
+          <p:sp>
+            <p:nvSpPr>
+              <p:cNvPr id="10" name="TextBox 9">
+                <a:extLst>
+                  <a:ext uri="{FF2B5EF4-FFF2-40B4-BE49-F238E27FC236}">
+                    <a16:creationId xmlns:a16="http://schemas.microsoft.com/office/drawing/2014/main" id="{D4315148-4388-2D7D-14CC-1BACF8A0E182}"/>
+                  </a:ext>
+                </a:extLst>
+              </p:cNvPr>
+              <p:cNvSpPr txBox="1">
+                <a:spLocks noRot="1" noChangeAspect="1" noMove="1" noResize="1" noEditPoints="1" noAdjustHandles="1" noChangeArrowheads="1" noChangeShapeType="1" noTextEdit="1"/>
+              </p:cNvSpPr>
+              <p:nvPr/>
+            </p:nvSpPr>
+            <p:spPr>
+              <a:xfrm>
+                <a:off x="8621625" y="2175534"/>
+                <a:ext cx="1134237" cy="369332"/>
+              </a:xfrm>
+              <a:prstGeom prst="rect">
+                <a:avLst/>
+              </a:prstGeom>
+              <a:blipFill>
+                <a:blip r:embed="rId2"/>
+                <a:stretch>
+                  <a:fillRect/>
+                </a:stretch>
+              </a:blipFill>
+            </p:spPr>
+            <p:txBody>
+              <a:bodyPr/>
+              <a:lstStyle/>
+              <a:p>
+                <a:r>
+                  <a:rPr lang="en-US">
+                    <a:noFill/>
+                  </a:rPr>
+                  <a:t> </a:t>
+                </a:r>
+              </a:p>
+            </p:txBody>
+          </p:sp>
+        </mc:Fallback>
+      </mc:AlternateContent>
+      <mc:AlternateContent xmlns:mc="http://schemas.openxmlformats.org/markup-compatibility/2006">
+        <mc:Choice xmlns:a14="http://schemas.microsoft.com/office/drawing/2010/main" Requires="a14">
+          <p:sp>
+            <p:nvSpPr>
+              <p:cNvPr id="12" name="TextBox 11">
+                <a:extLst>
+                  <a:ext uri="{FF2B5EF4-FFF2-40B4-BE49-F238E27FC236}">
+                    <a16:creationId xmlns:a16="http://schemas.microsoft.com/office/drawing/2014/main" id="{376EF01D-0437-A528-C363-33B94CB81B7A}"/>
+                  </a:ext>
+                </a:extLst>
+              </p:cNvPr>
+              <p:cNvSpPr txBox="1"/>
+              <p:nvPr/>
+            </p:nvSpPr>
+            <p:spPr>
+              <a:xfrm>
+                <a:off x="9009156" y="2927734"/>
+                <a:ext cx="1134237" cy="369332"/>
+              </a:xfrm>
+              <a:prstGeom prst="rect">
+                <a:avLst/>
+              </a:prstGeom>
+              <a:noFill/>
+            </p:spPr>
+            <p:txBody>
+              <a:bodyPr wrap="square" rtlCol="0">
+                <a:spAutoFit/>
+              </a:bodyPr>
+              <a:lstStyle/>
+              <a:p>
+                <a:pPr/>
+                <a14:m>
+                  <m:oMathPara xmlns:m="http://schemas.openxmlformats.org/officeDocument/2006/math">
+                    <m:oMathParaPr>
+                      <m:jc m:val="centerGroup"/>
+                    </m:oMathParaPr>
+                    <m:oMath xmlns:m="http://schemas.openxmlformats.org/officeDocument/2006/math">
+                      <m:r>
+                        <a:rPr lang="en-US" b="1" i="1" smtClean="0">
+                          <a:latin typeface="Cambria Math" panose="02040503050406030204" pitchFamily="18" charset="0"/>
+                        </a:rPr>
+                        <m:t>𝑨𝑻</m:t>
+                      </m:r>
+                      <m:sSub>
+                        <m:sSubPr>
+                          <m:ctrlPr>
+                            <a:rPr lang="en-US" b="1" i="1" smtClean="0">
+                              <a:latin typeface="Cambria Math" panose="02040503050406030204" pitchFamily="18" charset="0"/>
+                            </a:rPr>
+                          </m:ctrlPr>
+                        </m:sSubPr>
+                        <m:e>
+                          <m:r>
+                            <a:rPr lang="en-US" b="1" i="1" smtClean="0">
+                              <a:latin typeface="Cambria Math" panose="02040503050406030204" pitchFamily="18" charset="0"/>
+                            </a:rPr>
+                            <m:t>𝑪</m:t>
+                          </m:r>
+                        </m:e>
+                        <m:sub>
+                          <m:r>
+                            <a:rPr lang="en-US" b="1" i="1" smtClean="0">
+                              <a:latin typeface="Cambria Math" panose="02040503050406030204" pitchFamily="18" charset="0"/>
+                            </a:rPr>
+                            <m:t>𝟐</m:t>
+                          </m:r>
+                        </m:sub>
+                      </m:sSub>
+                    </m:oMath>
+                  </m:oMathPara>
+                </a14:m>
+                <a:endParaRPr lang="en-US" b="1" dirty="0"/>
+              </a:p>
+            </p:txBody>
+          </p:sp>
+        </mc:Choice>
+        <mc:Fallback>
+          <p:sp>
+            <p:nvSpPr>
+              <p:cNvPr id="12" name="TextBox 11">
+                <a:extLst>
+                  <a:ext uri="{FF2B5EF4-FFF2-40B4-BE49-F238E27FC236}">
+                    <a16:creationId xmlns:a16="http://schemas.microsoft.com/office/drawing/2014/main" id="{376EF01D-0437-A528-C363-33B94CB81B7A}"/>
+                  </a:ext>
+                </a:extLst>
+              </p:cNvPr>
+              <p:cNvSpPr txBox="1">
+                <a:spLocks noRot="1" noChangeAspect="1" noMove="1" noResize="1" noEditPoints="1" noAdjustHandles="1" noChangeArrowheads="1" noChangeShapeType="1" noTextEdit="1"/>
+              </p:cNvSpPr>
+              <p:nvPr/>
+            </p:nvSpPr>
+            <p:spPr>
+              <a:xfrm>
+                <a:off x="9009156" y="2927734"/>
+                <a:ext cx="1134237" cy="369332"/>
+              </a:xfrm>
+              <a:prstGeom prst="rect">
+                <a:avLst/>
+              </a:prstGeom>
+              <a:blipFill>
+                <a:blip r:embed="rId3"/>
+                <a:stretch>
+                  <a:fillRect/>
+                </a:stretch>
+              </a:blipFill>
+            </p:spPr>
+            <p:txBody>
+              <a:bodyPr/>
+              <a:lstStyle/>
+              <a:p>
+                <a:r>
+                  <a:rPr lang="en-US">
+                    <a:noFill/>
+                  </a:rPr>
+                  <a:t> </a:t>
+                </a:r>
+              </a:p>
+            </p:txBody>
+          </p:sp>
+        </mc:Fallback>
+      </mc:AlternateContent>
+      <mc:AlternateContent xmlns:mc="http://schemas.openxmlformats.org/markup-compatibility/2006">
+        <mc:Choice xmlns:a14="http://schemas.microsoft.com/office/drawing/2010/main" Requires="a14">
+          <p:sp>
+            <p:nvSpPr>
+              <p:cNvPr id="13" name="TextBox 12">
+                <a:extLst>
+                  <a:ext uri="{FF2B5EF4-FFF2-40B4-BE49-F238E27FC236}">
+                    <a16:creationId xmlns:a16="http://schemas.microsoft.com/office/drawing/2014/main" id="{93E7BB5E-A1E6-4837-D8E7-6A6AA2B6C3D9}"/>
+                  </a:ext>
+                </a:extLst>
+              </p:cNvPr>
+              <p:cNvSpPr txBox="1"/>
+              <p:nvPr/>
+            </p:nvSpPr>
+            <p:spPr>
+              <a:xfrm>
+                <a:off x="387670" y="435340"/>
+                <a:ext cx="1134237" cy="369332"/>
+              </a:xfrm>
+              <a:prstGeom prst="rect">
+                <a:avLst/>
+              </a:prstGeom>
+              <a:noFill/>
+            </p:spPr>
+            <p:txBody>
+              <a:bodyPr wrap="square" rtlCol="0">
+                <a:spAutoFit/>
+              </a:bodyPr>
+              <a:lstStyle/>
+              <a:p>
+                <a:pPr/>
+                <a14:m>
+                  <m:oMathPara xmlns:m="http://schemas.openxmlformats.org/officeDocument/2006/math">
+                    <m:oMathParaPr>
+                      <m:jc m:val="centerGroup"/>
+                    </m:oMathParaPr>
+                    <m:oMath xmlns:m="http://schemas.openxmlformats.org/officeDocument/2006/math">
+                      <m:r>
+                        <a:rPr lang="en-US" b="1" i="1" smtClean="0">
+                          <a:latin typeface="Cambria Math" panose="02040503050406030204" pitchFamily="18" charset="0"/>
+                        </a:rPr>
+                        <m:t>$/</m:t>
+                      </m:r>
+                      <m:r>
+                        <a:rPr lang="en-US" b="1" i="1" smtClean="0">
+                          <a:latin typeface="Cambria Math" panose="02040503050406030204" pitchFamily="18" charset="0"/>
+                        </a:rPr>
+                        <m:t>𝒖𝒏𝒊𝒕</m:t>
+                      </m:r>
+                    </m:oMath>
+                  </m:oMathPara>
+                </a14:m>
+                <a:endParaRPr lang="en-US" b="1" dirty="0"/>
+              </a:p>
+            </p:txBody>
+          </p:sp>
+        </mc:Choice>
+        <mc:Fallback>
+          <p:sp>
+            <p:nvSpPr>
+              <p:cNvPr id="13" name="TextBox 12">
+                <a:extLst>
+                  <a:ext uri="{FF2B5EF4-FFF2-40B4-BE49-F238E27FC236}">
+                    <a16:creationId xmlns:a16="http://schemas.microsoft.com/office/drawing/2014/main" id="{93E7BB5E-A1E6-4837-D8E7-6A6AA2B6C3D9}"/>
+                  </a:ext>
+                </a:extLst>
+              </p:cNvPr>
+              <p:cNvSpPr txBox="1">
+                <a:spLocks noRot="1" noChangeAspect="1" noMove="1" noResize="1" noEditPoints="1" noAdjustHandles="1" noChangeArrowheads="1" noChangeShapeType="1" noTextEdit="1"/>
+              </p:cNvSpPr>
+              <p:nvPr/>
+            </p:nvSpPr>
+            <p:spPr>
+              <a:xfrm>
+                <a:off x="387670" y="435340"/>
+                <a:ext cx="1134237" cy="369332"/>
+              </a:xfrm>
+              <a:prstGeom prst="rect">
+                <a:avLst/>
+              </a:prstGeom>
+              <a:blipFill>
+                <a:blip r:embed="rId4"/>
+                <a:stretch>
+                  <a:fillRect b="-13333"/>
+                </a:stretch>
+              </a:blipFill>
+            </p:spPr>
+            <p:txBody>
+              <a:bodyPr/>
+              <a:lstStyle/>
+              <a:p>
+                <a:r>
+                  <a:rPr lang="en-US">
+                    <a:noFill/>
+                  </a:rPr>
+                  <a:t> </a:t>
+                </a:r>
+              </a:p>
+            </p:txBody>
+          </p:sp>
+        </mc:Fallback>
+      </mc:AlternateContent>
+      <mc:AlternateContent xmlns:mc="http://schemas.openxmlformats.org/markup-compatibility/2006">
+        <mc:Choice xmlns:a14="http://schemas.microsoft.com/office/drawing/2010/main" Requires="a14">
+          <p:sp>
+            <p:nvSpPr>
+              <p:cNvPr id="14" name="TextBox 13">
+                <a:extLst>
+                  <a:ext uri="{FF2B5EF4-FFF2-40B4-BE49-F238E27FC236}">
+                    <a16:creationId xmlns:a16="http://schemas.microsoft.com/office/drawing/2014/main" id="{48AA51F3-ADC4-88D0-C056-7FF3D1D611FA}"/>
+                  </a:ext>
+                </a:extLst>
+              </p:cNvPr>
+              <p:cNvSpPr txBox="1"/>
+              <p:nvPr/>
+            </p:nvSpPr>
+            <p:spPr>
+              <a:xfrm>
+                <a:off x="10092088" y="5722358"/>
+                <a:ext cx="1134237" cy="369332"/>
+              </a:xfrm>
+              <a:prstGeom prst="rect">
+                <a:avLst/>
+              </a:prstGeom>
+              <a:noFill/>
+            </p:spPr>
+            <p:txBody>
+              <a:bodyPr wrap="square" rtlCol="0">
+                <a:spAutoFit/>
+              </a:bodyPr>
+              <a:lstStyle/>
+              <a:p>
+                <a:pPr/>
+                <a14:m>
+                  <m:oMathPara xmlns:m="http://schemas.openxmlformats.org/officeDocument/2006/math">
+                    <m:oMathParaPr>
+                      <m:jc m:val="centerGroup"/>
+                    </m:oMathParaPr>
+                    <m:oMath xmlns:m="http://schemas.openxmlformats.org/officeDocument/2006/math">
+                      <m:r>
+                        <a:rPr lang="en-US" b="1" i="1" smtClean="0">
+                          <a:latin typeface="Cambria Math" panose="02040503050406030204" pitchFamily="18" charset="0"/>
+                        </a:rPr>
+                        <m:t>𝑸</m:t>
+                      </m:r>
+                    </m:oMath>
+                  </m:oMathPara>
+                </a14:m>
+                <a:endParaRPr lang="en-US" b="1" dirty="0"/>
+              </a:p>
+            </p:txBody>
+          </p:sp>
+        </mc:Choice>
+        <mc:Fallback>
+          <p:sp>
+            <p:nvSpPr>
+              <p:cNvPr id="14" name="TextBox 13">
+                <a:extLst>
+                  <a:ext uri="{FF2B5EF4-FFF2-40B4-BE49-F238E27FC236}">
+                    <a16:creationId xmlns:a16="http://schemas.microsoft.com/office/drawing/2014/main" id="{48AA51F3-ADC4-88D0-C056-7FF3D1D611FA}"/>
+                  </a:ext>
+                </a:extLst>
+              </p:cNvPr>
+              <p:cNvSpPr txBox="1">
+                <a:spLocks noRot="1" noChangeAspect="1" noMove="1" noResize="1" noEditPoints="1" noAdjustHandles="1" noChangeArrowheads="1" noChangeShapeType="1" noTextEdit="1"/>
+              </p:cNvSpPr>
+              <p:nvPr/>
+            </p:nvSpPr>
+            <p:spPr>
+              <a:xfrm>
+                <a:off x="10092088" y="5722358"/>
+                <a:ext cx="1134237" cy="369332"/>
+              </a:xfrm>
+              <a:prstGeom prst="rect">
+                <a:avLst/>
+              </a:prstGeom>
+              <a:blipFill>
+                <a:blip r:embed="rId5"/>
+                <a:stretch>
+                  <a:fillRect b="-6667"/>
+                </a:stretch>
+              </a:blipFill>
+            </p:spPr>
+            <p:txBody>
+              <a:bodyPr/>
+              <a:lstStyle/>
+              <a:p>
+                <a:r>
+                  <a:rPr lang="en-US">
+                    <a:noFill/>
+                  </a:rPr>
+                  <a:t> </a:t>
+                </a:r>
+              </a:p>
+            </p:txBody>
+          </p:sp>
+        </mc:Fallback>
+      </mc:AlternateContent>
+      <mc:AlternateContent xmlns:mc="http://schemas.openxmlformats.org/markup-compatibility/2006">
+        <mc:Choice xmlns:a14="http://schemas.microsoft.com/office/drawing/2010/main" Requires="a14">
+          <p:sp>
+            <p:nvSpPr>
+              <p:cNvPr id="20" name="TextBox 19">
+                <a:extLst>
+                  <a:ext uri="{FF2B5EF4-FFF2-40B4-BE49-F238E27FC236}">
+                    <a16:creationId xmlns:a16="http://schemas.microsoft.com/office/drawing/2014/main" id="{130395BE-3F34-7068-6CEE-693FD3056B7B}"/>
+                  </a:ext>
+                </a:extLst>
+              </p:cNvPr>
+              <p:cNvSpPr txBox="1"/>
+              <p:nvPr/>
+            </p:nvSpPr>
+            <p:spPr>
+              <a:xfrm>
+                <a:off x="5049909" y="5947461"/>
+                <a:ext cx="1134237" cy="369332"/>
+              </a:xfrm>
+              <a:prstGeom prst="rect">
+                <a:avLst/>
+              </a:prstGeom>
+              <a:noFill/>
+            </p:spPr>
+            <p:txBody>
+              <a:bodyPr wrap="square" rtlCol="0">
+                <a:spAutoFit/>
+              </a:bodyPr>
+              <a:lstStyle/>
+              <a:p>
+                <a:pPr/>
+                <a14:m>
+                  <m:oMathPara xmlns:m="http://schemas.openxmlformats.org/officeDocument/2006/math">
+                    <m:oMathParaPr>
+                      <m:jc m:val="centerGroup"/>
+                    </m:oMathParaPr>
+                    <m:oMath xmlns:m="http://schemas.openxmlformats.org/officeDocument/2006/math">
+                      <m:sSub>
+                        <m:sSubPr>
+                          <m:ctrlPr>
+                            <a:rPr lang="en-US" b="1" i="1" smtClean="0">
+                              <a:latin typeface="Cambria Math" panose="02040503050406030204" pitchFamily="18" charset="0"/>
+                            </a:rPr>
+                          </m:ctrlPr>
+                        </m:sSubPr>
+                        <m:e>
+                          <m:r>
+                            <a:rPr lang="en-US" b="1" i="1" smtClean="0">
+                              <a:latin typeface="Cambria Math" panose="02040503050406030204" pitchFamily="18" charset="0"/>
+                            </a:rPr>
+                            <m:t>𝑸</m:t>
+                          </m:r>
+                        </m:e>
+                        <m:sub>
+                          <m:r>
+                            <a:rPr lang="en-US" b="1" i="1" smtClean="0">
+                              <a:latin typeface="Cambria Math" panose="02040503050406030204" pitchFamily="18" charset="0"/>
+                            </a:rPr>
+                            <m:t>𝟏</m:t>
+                          </m:r>
+                        </m:sub>
+                      </m:sSub>
+                    </m:oMath>
+                  </m:oMathPara>
+                </a14:m>
+                <a:endParaRPr lang="en-US" b="1" dirty="0"/>
+              </a:p>
+            </p:txBody>
+          </p:sp>
+        </mc:Choice>
+        <mc:Fallback>
+          <p:sp>
+            <p:nvSpPr>
+              <p:cNvPr id="20" name="TextBox 19">
+                <a:extLst>
+                  <a:ext uri="{FF2B5EF4-FFF2-40B4-BE49-F238E27FC236}">
+                    <a16:creationId xmlns:a16="http://schemas.microsoft.com/office/drawing/2014/main" id="{130395BE-3F34-7068-6CEE-693FD3056B7B}"/>
+                  </a:ext>
+                </a:extLst>
+              </p:cNvPr>
+              <p:cNvSpPr txBox="1">
+                <a:spLocks noRot="1" noChangeAspect="1" noMove="1" noResize="1" noEditPoints="1" noAdjustHandles="1" noChangeArrowheads="1" noChangeShapeType="1" noTextEdit="1"/>
+              </p:cNvSpPr>
+              <p:nvPr/>
+            </p:nvSpPr>
+            <p:spPr>
+              <a:xfrm>
+                <a:off x="5049909" y="5947461"/>
+                <a:ext cx="1134237" cy="369332"/>
+              </a:xfrm>
+              <a:prstGeom prst="rect">
+                <a:avLst/>
+              </a:prstGeom>
+              <a:blipFill>
+                <a:blip r:embed="rId6"/>
+                <a:stretch>
+                  <a:fillRect b="-6667"/>
+                </a:stretch>
+              </a:blipFill>
+            </p:spPr>
+            <p:txBody>
+              <a:bodyPr/>
+              <a:lstStyle/>
+              <a:p>
+                <a:r>
+                  <a:rPr lang="en-US">
+                    <a:noFill/>
+                  </a:rPr>
+                  <a:t> </a:t>
+                </a:r>
+              </a:p>
+            </p:txBody>
+          </p:sp>
+        </mc:Fallback>
+      </mc:AlternateContent>
+      <mc:AlternateContent xmlns:mc="http://schemas.openxmlformats.org/markup-compatibility/2006">
+        <mc:Choice xmlns:a14="http://schemas.microsoft.com/office/drawing/2010/main" Requires="a14">
+          <p:sp>
+            <p:nvSpPr>
+              <p:cNvPr id="21" name="TextBox 20">
+                <a:extLst>
+                  <a:ext uri="{FF2B5EF4-FFF2-40B4-BE49-F238E27FC236}">
+                    <a16:creationId xmlns:a16="http://schemas.microsoft.com/office/drawing/2014/main" id="{049F5E24-7AC7-4B93-EE8A-A2E591BA5206}"/>
+                  </a:ext>
+                </a:extLst>
+              </p:cNvPr>
+              <p:cNvSpPr txBox="1"/>
+              <p:nvPr/>
+            </p:nvSpPr>
+            <p:spPr>
+              <a:xfrm>
+                <a:off x="3216756" y="5947462"/>
+                <a:ext cx="1134237" cy="369332"/>
+              </a:xfrm>
+              <a:prstGeom prst="rect">
+                <a:avLst/>
+              </a:prstGeom>
+              <a:noFill/>
+            </p:spPr>
+            <p:txBody>
+              <a:bodyPr wrap="square" rtlCol="0">
+                <a:spAutoFit/>
+              </a:bodyPr>
+              <a:lstStyle/>
+              <a:p>
+                <a:pPr/>
+                <a14:m>
+                  <m:oMathPara xmlns:m="http://schemas.openxmlformats.org/officeDocument/2006/math">
+                    <m:oMathParaPr>
+                      <m:jc m:val="centerGroup"/>
+                    </m:oMathParaPr>
+                    <m:oMath xmlns:m="http://schemas.openxmlformats.org/officeDocument/2006/math">
+                      <m:sSub>
+                        <m:sSubPr>
+                          <m:ctrlPr>
+                            <a:rPr lang="en-US" b="1" i="1" smtClean="0">
+                              <a:latin typeface="Cambria Math" panose="02040503050406030204" pitchFamily="18" charset="0"/>
+                            </a:rPr>
+                          </m:ctrlPr>
+                        </m:sSubPr>
+                        <m:e>
+                          <m:r>
+                            <a:rPr lang="en-US" b="1" i="1" smtClean="0">
+                              <a:latin typeface="Cambria Math" panose="02040503050406030204" pitchFamily="18" charset="0"/>
+                            </a:rPr>
+                            <m:t>𝑸</m:t>
+                          </m:r>
+                        </m:e>
+                        <m:sub>
+                          <m:r>
+                            <a:rPr lang="en-US" b="1" i="1" smtClean="0">
+                              <a:latin typeface="Cambria Math" panose="02040503050406030204" pitchFamily="18" charset="0"/>
+                            </a:rPr>
+                            <m:t>𝟐</m:t>
+                          </m:r>
+                        </m:sub>
+                      </m:sSub>
+                    </m:oMath>
+                  </m:oMathPara>
+                </a14:m>
+                <a:endParaRPr lang="en-US" b="1" dirty="0"/>
+              </a:p>
+            </p:txBody>
+          </p:sp>
+        </mc:Choice>
+        <mc:Fallback>
+          <p:sp>
+            <p:nvSpPr>
+              <p:cNvPr id="21" name="TextBox 20">
+                <a:extLst>
+                  <a:ext uri="{FF2B5EF4-FFF2-40B4-BE49-F238E27FC236}">
+                    <a16:creationId xmlns:a16="http://schemas.microsoft.com/office/drawing/2014/main" id="{049F5E24-7AC7-4B93-EE8A-A2E591BA5206}"/>
+                  </a:ext>
+                </a:extLst>
+              </p:cNvPr>
+              <p:cNvSpPr txBox="1">
+                <a:spLocks noRot="1" noChangeAspect="1" noMove="1" noResize="1" noEditPoints="1" noAdjustHandles="1" noChangeArrowheads="1" noChangeShapeType="1" noTextEdit="1"/>
+              </p:cNvSpPr>
+              <p:nvPr/>
+            </p:nvSpPr>
+            <p:spPr>
+              <a:xfrm>
+                <a:off x="3216756" y="5947462"/>
+                <a:ext cx="1134237" cy="369332"/>
+              </a:xfrm>
+              <a:prstGeom prst="rect">
+                <a:avLst/>
+              </a:prstGeom>
+              <a:blipFill>
+                <a:blip r:embed="rId7"/>
+                <a:stretch>
+                  <a:fillRect b="-6667"/>
+                </a:stretch>
+              </a:blipFill>
+            </p:spPr>
+            <p:txBody>
+              <a:bodyPr/>
+              <a:lstStyle/>
+              <a:p>
+                <a:r>
+                  <a:rPr lang="en-US">
+                    <a:noFill/>
+                  </a:rPr>
+                  <a:t> </a:t>
+                </a:r>
+              </a:p>
+            </p:txBody>
+          </p:sp>
+        </mc:Fallback>
+      </mc:AlternateContent>
+      <p:sp>
+        <p:nvSpPr>
+          <p:cNvPr id="28" name="Oval 27">
+            <a:extLst>
+              <a:ext uri="{FF2B5EF4-FFF2-40B4-BE49-F238E27FC236}">
+                <a16:creationId xmlns:a16="http://schemas.microsoft.com/office/drawing/2014/main" id="{7B847CE6-3F7E-9911-B52A-93E2AE789DCD}"/>
+              </a:ext>
+            </a:extLst>
+          </p:cNvPr>
+          <p:cNvSpPr/>
+          <p:nvPr/>
+        </p:nvSpPr>
+        <p:spPr>
+          <a:xfrm>
+            <a:off x="3728486" y="3188286"/>
+            <a:ext cx="147731" cy="154781"/>
+          </a:xfrm>
+          <a:prstGeom prst="ellipse">
+            <a:avLst/>
+          </a:prstGeom>
+          <a:solidFill>
+            <a:srgbClr val="C00000"/>
+          </a:solidFill>
+          <a:ln>
+            <a:solidFill>
+              <a:schemeClr val="tx1"/>
+            </a:solidFill>
+          </a:ln>
+        </p:spPr>
+        <p:style>
+          <a:lnRef idx="2">
+            <a:schemeClr val="accent1">
+              <a:shade val="15000"/>
+            </a:schemeClr>
+          </a:lnRef>
+          <a:fillRef idx="1">
+            <a:schemeClr val="accent1"/>
+          </a:fillRef>
+          <a:effectRef idx="0">
+            <a:schemeClr val="accent1"/>
+          </a:effectRef>
+          <a:fontRef idx="minor">
+            <a:schemeClr val="lt1"/>
+          </a:fontRef>
+        </p:style>
+        <p:txBody>
+          <a:bodyPr rtlCol="0" anchor="ctr"/>
+          <a:lstStyle/>
+          <a:p>
+            <a:pPr algn="ctr"/>
+            <a:endParaRPr lang="en-US"/>
+          </a:p>
+        </p:txBody>
+      </p:sp>
+      <p:sp>
+        <p:nvSpPr>
+          <p:cNvPr id="29" name="Oval 28">
+            <a:extLst>
+              <a:ext uri="{FF2B5EF4-FFF2-40B4-BE49-F238E27FC236}">
+                <a16:creationId xmlns:a16="http://schemas.microsoft.com/office/drawing/2014/main" id="{EA1D7DEC-6C55-B04A-EF45-E36EC97A1C89}"/>
+              </a:ext>
+            </a:extLst>
+          </p:cNvPr>
+          <p:cNvSpPr/>
+          <p:nvPr/>
+        </p:nvSpPr>
+        <p:spPr>
+          <a:xfrm>
+            <a:off x="5534455" y="3588957"/>
+            <a:ext cx="147731" cy="154781"/>
+          </a:xfrm>
+          <a:prstGeom prst="ellipse">
+            <a:avLst/>
+          </a:prstGeom>
+          <a:solidFill>
+            <a:srgbClr val="C00000"/>
+          </a:solidFill>
+          <a:ln>
+            <a:solidFill>
+              <a:schemeClr val="tx1"/>
+            </a:solidFill>
+          </a:ln>
+        </p:spPr>
+        <p:style>
+          <a:lnRef idx="2">
+            <a:schemeClr val="accent1">
+              <a:shade val="15000"/>
+            </a:schemeClr>
+          </a:lnRef>
+          <a:fillRef idx="1">
+            <a:schemeClr val="accent1"/>
+          </a:fillRef>
+          <a:effectRef idx="0">
+            <a:schemeClr val="accent1"/>
+          </a:effectRef>
+          <a:fontRef idx="minor">
+            <a:schemeClr val="lt1"/>
+          </a:fontRef>
+        </p:style>
+        <p:txBody>
+          <a:bodyPr rtlCol="0" anchor="ctr"/>
+          <a:lstStyle/>
+          <a:p>
+            <a:pPr algn="ctr"/>
+            <a:endParaRPr lang="en-US"/>
+          </a:p>
+        </p:txBody>
+      </p:sp>
+      <mc:AlternateContent xmlns:mc="http://schemas.openxmlformats.org/markup-compatibility/2006">
+        <mc:Choice xmlns:a14="http://schemas.microsoft.com/office/drawing/2010/main" Requires="a14">
+          <p:sp>
+            <p:nvSpPr>
+              <p:cNvPr id="30" name="TextBox 29">
+                <a:extLst>
+                  <a:ext uri="{FF2B5EF4-FFF2-40B4-BE49-F238E27FC236}">
+                    <a16:creationId xmlns:a16="http://schemas.microsoft.com/office/drawing/2014/main" id="{F27864EE-0230-2014-D924-3139CD12A939}"/>
+                  </a:ext>
+                </a:extLst>
+              </p:cNvPr>
+              <p:cNvSpPr txBox="1"/>
+              <p:nvPr/>
+            </p:nvSpPr>
+            <p:spPr>
+              <a:xfrm>
+                <a:off x="374607" y="3093899"/>
+                <a:ext cx="1134237" cy="369332"/>
+              </a:xfrm>
+              <a:prstGeom prst="rect">
+                <a:avLst/>
+              </a:prstGeom>
+              <a:noFill/>
+            </p:spPr>
+            <p:txBody>
+              <a:bodyPr wrap="square" rtlCol="0">
+                <a:spAutoFit/>
+              </a:bodyPr>
+              <a:lstStyle/>
+              <a:p>
+                <a:pPr/>
+                <a14:m>
+                  <m:oMathPara xmlns:m="http://schemas.openxmlformats.org/officeDocument/2006/math">
+                    <m:oMathParaPr>
+                      <m:jc m:val="centerGroup"/>
+                    </m:oMathParaPr>
+                    <m:oMath xmlns:m="http://schemas.openxmlformats.org/officeDocument/2006/math">
+                      <m:sSub>
+                        <m:sSubPr>
+                          <m:ctrlPr>
+                            <a:rPr lang="en-US" b="1" i="1" smtClean="0">
+                              <a:latin typeface="Cambria Math" panose="02040503050406030204" pitchFamily="18" charset="0"/>
+                            </a:rPr>
+                          </m:ctrlPr>
+                        </m:sSubPr>
+                        <m:e>
+                          <m:r>
+                            <a:rPr lang="en-US" b="1" i="1" smtClean="0">
+                              <a:latin typeface="Cambria Math" panose="02040503050406030204" pitchFamily="18" charset="0"/>
+                            </a:rPr>
+                            <m:t>𝑪𝒐𝒔𝒕</m:t>
+                          </m:r>
+                        </m:e>
+                        <m:sub>
+                          <m:r>
+                            <a:rPr lang="en-US" b="1" i="1" smtClean="0">
+                              <a:latin typeface="Cambria Math" panose="02040503050406030204" pitchFamily="18" charset="0"/>
+                            </a:rPr>
+                            <m:t>𝟐</m:t>
+                          </m:r>
+                        </m:sub>
+                      </m:sSub>
+                    </m:oMath>
+                  </m:oMathPara>
+                </a14:m>
+                <a:endParaRPr lang="en-US" b="1" dirty="0"/>
+              </a:p>
+            </p:txBody>
+          </p:sp>
+        </mc:Choice>
+        <mc:Fallback>
+          <p:sp>
+            <p:nvSpPr>
+              <p:cNvPr id="30" name="TextBox 29">
+                <a:extLst>
+                  <a:ext uri="{FF2B5EF4-FFF2-40B4-BE49-F238E27FC236}">
+                    <a16:creationId xmlns:a16="http://schemas.microsoft.com/office/drawing/2014/main" id="{F27864EE-0230-2014-D924-3139CD12A939}"/>
+                  </a:ext>
+                </a:extLst>
+              </p:cNvPr>
+              <p:cNvSpPr txBox="1">
+                <a:spLocks noRot="1" noChangeAspect="1" noMove="1" noResize="1" noEditPoints="1" noAdjustHandles="1" noChangeArrowheads="1" noChangeShapeType="1" noTextEdit="1"/>
+              </p:cNvSpPr>
+              <p:nvPr/>
+            </p:nvSpPr>
+            <p:spPr>
+              <a:xfrm>
+                <a:off x="374607" y="3093899"/>
+                <a:ext cx="1134237" cy="369332"/>
+              </a:xfrm>
+              <a:prstGeom prst="rect">
+                <a:avLst/>
+              </a:prstGeom>
+              <a:blipFill>
+                <a:blip r:embed="rId8"/>
+                <a:stretch>
+                  <a:fillRect/>
+                </a:stretch>
+              </a:blipFill>
+            </p:spPr>
+            <p:txBody>
+              <a:bodyPr/>
+              <a:lstStyle/>
+              <a:p>
+                <a:r>
+                  <a:rPr lang="en-US">
+                    <a:noFill/>
+                  </a:rPr>
+                  <a:t> </a:t>
+                </a:r>
+              </a:p>
+            </p:txBody>
+          </p:sp>
+        </mc:Fallback>
+      </mc:AlternateContent>
+      <mc:AlternateContent xmlns:mc="http://schemas.openxmlformats.org/markup-compatibility/2006">
+        <mc:Choice xmlns:a14="http://schemas.microsoft.com/office/drawing/2010/main" Requires="a14">
+          <p:sp>
+            <p:nvSpPr>
+              <p:cNvPr id="31" name="TextBox 30">
+                <a:extLst>
+                  <a:ext uri="{FF2B5EF4-FFF2-40B4-BE49-F238E27FC236}">
+                    <a16:creationId xmlns:a16="http://schemas.microsoft.com/office/drawing/2014/main" id="{811E1B57-62A0-721B-0427-2B499F500801}"/>
+                  </a:ext>
+                </a:extLst>
+              </p:cNvPr>
+              <p:cNvSpPr txBox="1"/>
+              <p:nvPr/>
+            </p:nvSpPr>
+            <p:spPr>
+              <a:xfrm>
+                <a:off x="374606" y="3500493"/>
+                <a:ext cx="1134237" cy="369332"/>
+              </a:xfrm>
+              <a:prstGeom prst="rect">
+                <a:avLst/>
+              </a:prstGeom>
+              <a:noFill/>
+            </p:spPr>
+            <p:txBody>
+              <a:bodyPr wrap="square" rtlCol="0">
+                <a:spAutoFit/>
+              </a:bodyPr>
+              <a:lstStyle/>
+              <a:p>
+                <a:pPr/>
+                <a14:m>
+                  <m:oMathPara xmlns:m="http://schemas.openxmlformats.org/officeDocument/2006/math">
+                    <m:oMathParaPr>
+                      <m:jc m:val="centerGroup"/>
+                    </m:oMathParaPr>
+                    <m:oMath xmlns:m="http://schemas.openxmlformats.org/officeDocument/2006/math">
+                      <m:sSub>
+                        <m:sSubPr>
+                          <m:ctrlPr>
+                            <a:rPr lang="en-US" b="1" i="1" smtClean="0">
+                              <a:latin typeface="Cambria Math" panose="02040503050406030204" pitchFamily="18" charset="0"/>
+                            </a:rPr>
+                          </m:ctrlPr>
+                        </m:sSubPr>
+                        <m:e>
+                          <m:r>
+                            <a:rPr lang="en-US" b="1" i="1" smtClean="0">
+                              <a:latin typeface="Cambria Math" panose="02040503050406030204" pitchFamily="18" charset="0"/>
+                            </a:rPr>
+                            <m:t>𝑪𝒐𝒔𝒕</m:t>
+                          </m:r>
+                        </m:e>
+                        <m:sub>
+                          <m:r>
+                            <a:rPr lang="en-US" b="1" i="1" smtClean="0">
+                              <a:latin typeface="Cambria Math" panose="02040503050406030204" pitchFamily="18" charset="0"/>
+                            </a:rPr>
+                            <m:t>𝟏</m:t>
+                          </m:r>
+                        </m:sub>
+                      </m:sSub>
+                    </m:oMath>
+                  </m:oMathPara>
+                </a14:m>
+                <a:endParaRPr lang="en-US" b="1" dirty="0"/>
+              </a:p>
+            </p:txBody>
+          </p:sp>
+        </mc:Choice>
+        <mc:Fallback>
+          <p:sp>
+            <p:nvSpPr>
+              <p:cNvPr id="31" name="TextBox 30">
+                <a:extLst>
+                  <a:ext uri="{FF2B5EF4-FFF2-40B4-BE49-F238E27FC236}">
+                    <a16:creationId xmlns:a16="http://schemas.microsoft.com/office/drawing/2014/main" id="{811E1B57-62A0-721B-0427-2B499F500801}"/>
+                  </a:ext>
+                </a:extLst>
+              </p:cNvPr>
+              <p:cNvSpPr txBox="1">
+                <a:spLocks noRot="1" noChangeAspect="1" noMove="1" noResize="1" noEditPoints="1" noAdjustHandles="1" noChangeArrowheads="1" noChangeShapeType="1" noTextEdit="1"/>
+              </p:cNvSpPr>
+              <p:nvPr/>
+            </p:nvSpPr>
+            <p:spPr>
+              <a:xfrm>
+                <a:off x="374606" y="3500493"/>
+                <a:ext cx="1134237" cy="369332"/>
+              </a:xfrm>
+              <a:prstGeom prst="rect">
+                <a:avLst/>
+              </a:prstGeom>
+              <a:blipFill>
+                <a:blip r:embed="rId9"/>
+                <a:stretch>
+                  <a:fillRect/>
+                </a:stretch>
+              </a:blipFill>
+            </p:spPr>
+            <p:txBody>
+              <a:bodyPr/>
+              <a:lstStyle/>
+              <a:p>
+                <a:r>
+                  <a:rPr lang="en-US">
+                    <a:noFill/>
+                  </a:rPr>
+                  <a:t> </a:t>
+                </a:r>
+              </a:p>
+            </p:txBody>
+          </p:sp>
+        </mc:Fallback>
+      </mc:AlternateContent>
+    </p:spTree>
+    <p:extLst>
+      <p:ext uri="{BB962C8B-B14F-4D97-AF65-F5344CB8AC3E}">
+        <p14:creationId xmlns:p14="http://schemas.microsoft.com/office/powerpoint/2010/main" val="201436361"/>
       </p:ext>
     </p:extLst>
   </p:cSld>

--- a/Lectures/graph-maker-pp.pptx
+++ b/Lectures/graph-maker-pp.pptx
@@ -10,6 +10,7 @@
     <p:sldId id="259" r:id="rId4"/>
     <p:sldId id="260" r:id="rId5"/>
     <p:sldId id="261" r:id="rId6"/>
+    <p:sldId id="262" r:id="rId7"/>
   </p:sldIdLst>
   <p:sldSz cx="12192000" cy="6858000"/>
   <p:notesSz cx="6858000" cy="9144000"/>
@@ -263,7 +264,7 @@
           <a:p>
             <a:fld id="{67B564A3-C150-4636-B8BE-2AA93CC227AD}" type="datetimeFigureOut">
               <a:rPr lang="en-US" smtClean="0"/>
-              <a:t>10/15/25</a:t>
+              <a:t>10/20/25</a:t>
             </a:fld>
             <a:endParaRPr lang="en-US"/>
           </a:p>
@@ -461,7 +462,7 @@
           <a:p>
             <a:fld id="{67B564A3-C150-4636-B8BE-2AA93CC227AD}" type="datetimeFigureOut">
               <a:rPr lang="en-US" smtClean="0"/>
-              <a:t>10/15/25</a:t>
+              <a:t>10/20/25</a:t>
             </a:fld>
             <a:endParaRPr lang="en-US"/>
           </a:p>
@@ -669,7 +670,7 @@
           <a:p>
             <a:fld id="{67B564A3-C150-4636-B8BE-2AA93CC227AD}" type="datetimeFigureOut">
               <a:rPr lang="en-US" smtClean="0"/>
-              <a:t>10/15/25</a:t>
+              <a:t>10/20/25</a:t>
             </a:fld>
             <a:endParaRPr lang="en-US"/>
           </a:p>
@@ -867,7 +868,7 @@
           <a:p>
             <a:fld id="{67B564A3-C150-4636-B8BE-2AA93CC227AD}" type="datetimeFigureOut">
               <a:rPr lang="en-US" smtClean="0"/>
-              <a:t>10/15/25</a:t>
+              <a:t>10/20/25</a:t>
             </a:fld>
             <a:endParaRPr lang="en-US"/>
           </a:p>
@@ -1142,7 +1143,7 @@
           <a:p>
             <a:fld id="{67B564A3-C150-4636-B8BE-2AA93CC227AD}" type="datetimeFigureOut">
               <a:rPr lang="en-US" smtClean="0"/>
-              <a:t>10/15/25</a:t>
+              <a:t>10/20/25</a:t>
             </a:fld>
             <a:endParaRPr lang="en-US"/>
           </a:p>
@@ -1407,7 +1408,7 @@
           <a:p>
             <a:fld id="{67B564A3-C150-4636-B8BE-2AA93CC227AD}" type="datetimeFigureOut">
               <a:rPr lang="en-US" smtClean="0"/>
-              <a:t>10/15/25</a:t>
+              <a:t>10/20/25</a:t>
             </a:fld>
             <a:endParaRPr lang="en-US"/>
           </a:p>
@@ -1819,7 +1820,7 @@
           <a:p>
             <a:fld id="{67B564A3-C150-4636-B8BE-2AA93CC227AD}" type="datetimeFigureOut">
               <a:rPr lang="en-US" smtClean="0"/>
-              <a:t>10/15/25</a:t>
+              <a:t>10/20/25</a:t>
             </a:fld>
             <a:endParaRPr lang="en-US"/>
           </a:p>
@@ -1960,7 +1961,7 @@
           <a:p>
             <a:fld id="{67B564A3-C150-4636-B8BE-2AA93CC227AD}" type="datetimeFigureOut">
               <a:rPr lang="en-US" smtClean="0"/>
-              <a:t>10/15/25</a:t>
+              <a:t>10/20/25</a:t>
             </a:fld>
             <a:endParaRPr lang="en-US"/>
           </a:p>
@@ -2073,7 +2074,7 @@
           <a:p>
             <a:fld id="{67B564A3-C150-4636-B8BE-2AA93CC227AD}" type="datetimeFigureOut">
               <a:rPr lang="en-US" smtClean="0"/>
-              <a:t>10/15/25</a:t>
+              <a:t>10/20/25</a:t>
             </a:fld>
             <a:endParaRPr lang="en-US"/>
           </a:p>
@@ -2384,7 +2385,7 @@
           <a:p>
             <a:fld id="{67B564A3-C150-4636-B8BE-2AA93CC227AD}" type="datetimeFigureOut">
               <a:rPr lang="en-US" smtClean="0"/>
-              <a:t>10/15/25</a:t>
+              <a:t>10/20/25</a:t>
             </a:fld>
             <a:endParaRPr lang="en-US"/>
           </a:p>
@@ -2672,7 +2673,7 @@
           <a:p>
             <a:fld id="{67B564A3-C150-4636-B8BE-2AA93CC227AD}" type="datetimeFigureOut">
               <a:rPr lang="en-US" smtClean="0"/>
-              <a:t>10/15/25</a:t>
+              <a:t>10/20/25</a:t>
             </a:fld>
             <a:endParaRPr lang="en-US"/>
           </a:p>
@@ -2913,7 +2914,7 @@
           <a:p>
             <a:fld id="{67B564A3-C150-4636-B8BE-2AA93CC227AD}" type="datetimeFigureOut">
               <a:rPr lang="en-US" smtClean="0"/>
-              <a:t>10/15/25</a:t>
+              <a:t>10/20/25</a:t>
             </a:fld>
             <a:endParaRPr lang="en-US"/>
           </a:p>
@@ -8807,8 +8808,8 @@
           </a:p>
         </p:txBody>
       </p:sp>
-      <mc:AlternateContent xmlns:mc="http://schemas.openxmlformats.org/markup-compatibility/2006">
-        <mc:Choice xmlns:a14="http://schemas.microsoft.com/office/drawing/2010/main" Requires="a14">
+      <mc:AlternateContent xmlns:mc="http://schemas.openxmlformats.org/markup-compatibility/2006" xmlns:a14="http://schemas.microsoft.com/office/drawing/2010/main">
+        <mc:Choice Requires="a14">
           <p:sp>
             <p:nvSpPr>
               <p:cNvPr id="10" name="TextBox 9">
@@ -8883,7 +8884,7 @@
             </p:txBody>
           </p:sp>
         </mc:Choice>
-        <mc:Fallback>
+        <mc:Fallback xmlns="">
           <p:sp>
             <p:nvSpPr>
               <p:cNvPr id="10" name="TextBox 9">
@@ -8928,8 +8929,8 @@
           </p:sp>
         </mc:Fallback>
       </mc:AlternateContent>
-      <mc:AlternateContent xmlns:mc="http://schemas.openxmlformats.org/markup-compatibility/2006">
-        <mc:Choice xmlns:a14="http://schemas.microsoft.com/office/drawing/2010/main" Requires="a14">
+      <mc:AlternateContent xmlns:mc="http://schemas.openxmlformats.org/markup-compatibility/2006" xmlns:a14="http://schemas.microsoft.com/office/drawing/2010/main">
+        <mc:Choice Requires="a14">
           <p:sp>
             <p:nvSpPr>
               <p:cNvPr id="12" name="TextBox 11">
@@ -9004,7 +9005,7 @@
             </p:txBody>
           </p:sp>
         </mc:Choice>
-        <mc:Fallback>
+        <mc:Fallback xmlns="">
           <p:sp>
             <p:nvSpPr>
               <p:cNvPr id="12" name="TextBox 11">
@@ -9049,8 +9050,8 @@
           </p:sp>
         </mc:Fallback>
       </mc:AlternateContent>
-      <mc:AlternateContent xmlns:mc="http://schemas.openxmlformats.org/markup-compatibility/2006">
-        <mc:Choice xmlns:a14="http://schemas.microsoft.com/office/drawing/2010/main" Requires="a14">
+      <mc:AlternateContent xmlns:mc="http://schemas.openxmlformats.org/markup-compatibility/2006" xmlns:a14="http://schemas.microsoft.com/office/drawing/2010/main">
+        <mc:Choice Requires="a14">
           <p:sp>
             <p:nvSpPr>
               <p:cNvPr id="13" name="TextBox 12">
@@ -9106,7 +9107,7 @@
             </p:txBody>
           </p:sp>
         </mc:Choice>
-        <mc:Fallback>
+        <mc:Fallback xmlns="">
           <p:sp>
             <p:nvSpPr>
               <p:cNvPr id="13" name="TextBox 12">
@@ -9151,8 +9152,8 @@
           </p:sp>
         </mc:Fallback>
       </mc:AlternateContent>
-      <mc:AlternateContent xmlns:mc="http://schemas.openxmlformats.org/markup-compatibility/2006">
-        <mc:Choice xmlns:a14="http://schemas.microsoft.com/office/drawing/2010/main" Requires="a14">
+      <mc:AlternateContent xmlns:mc="http://schemas.openxmlformats.org/markup-compatibility/2006" xmlns:a14="http://schemas.microsoft.com/office/drawing/2010/main">
+        <mc:Choice Requires="a14">
           <p:sp>
             <p:nvSpPr>
               <p:cNvPr id="14" name="TextBox 13">
@@ -9202,7 +9203,7 @@
             </p:txBody>
           </p:sp>
         </mc:Choice>
-        <mc:Fallback>
+        <mc:Fallback xmlns="">
           <p:sp>
             <p:nvSpPr>
               <p:cNvPr id="14" name="TextBox 13">
@@ -9247,8 +9248,8 @@
           </p:sp>
         </mc:Fallback>
       </mc:AlternateContent>
-      <mc:AlternateContent xmlns:mc="http://schemas.openxmlformats.org/markup-compatibility/2006">
-        <mc:Choice xmlns:a14="http://schemas.microsoft.com/office/drawing/2010/main" Requires="a14">
+      <mc:AlternateContent xmlns:mc="http://schemas.openxmlformats.org/markup-compatibility/2006" xmlns:a14="http://schemas.microsoft.com/office/drawing/2010/main">
+        <mc:Choice Requires="a14">
           <p:sp>
             <p:nvSpPr>
               <p:cNvPr id="20" name="TextBox 19">
@@ -9317,7 +9318,7 @@
             </p:txBody>
           </p:sp>
         </mc:Choice>
-        <mc:Fallback>
+        <mc:Fallback xmlns="">
           <p:sp>
             <p:nvSpPr>
               <p:cNvPr id="20" name="TextBox 19">
@@ -9362,8 +9363,8 @@
           </p:sp>
         </mc:Fallback>
       </mc:AlternateContent>
-      <mc:AlternateContent xmlns:mc="http://schemas.openxmlformats.org/markup-compatibility/2006">
-        <mc:Choice xmlns:a14="http://schemas.microsoft.com/office/drawing/2010/main" Requires="a14">
+      <mc:AlternateContent xmlns:mc="http://schemas.openxmlformats.org/markup-compatibility/2006" xmlns:a14="http://schemas.microsoft.com/office/drawing/2010/main">
+        <mc:Choice Requires="a14">
           <p:sp>
             <p:nvSpPr>
               <p:cNvPr id="21" name="TextBox 20">
@@ -9432,7 +9433,7 @@
             </p:txBody>
           </p:sp>
         </mc:Choice>
-        <mc:Fallback>
+        <mc:Fallback xmlns="">
           <p:sp>
             <p:nvSpPr>
               <p:cNvPr id="21" name="TextBox 20">
@@ -9585,8 +9586,8 @@
           </a:p>
         </p:txBody>
       </p:sp>
-      <mc:AlternateContent xmlns:mc="http://schemas.openxmlformats.org/markup-compatibility/2006">
-        <mc:Choice xmlns:a14="http://schemas.microsoft.com/office/drawing/2010/main" Requires="a14">
+      <mc:AlternateContent xmlns:mc="http://schemas.openxmlformats.org/markup-compatibility/2006" xmlns:a14="http://schemas.microsoft.com/office/drawing/2010/main">
+        <mc:Choice Requires="a14">
           <p:sp>
             <p:nvSpPr>
               <p:cNvPr id="30" name="TextBox 29">
@@ -9655,7 +9656,7 @@
             </p:txBody>
           </p:sp>
         </mc:Choice>
-        <mc:Fallback>
+        <mc:Fallback xmlns="">
           <p:sp>
             <p:nvSpPr>
               <p:cNvPr id="30" name="TextBox 29">
@@ -9700,8 +9701,8 @@
           </p:sp>
         </mc:Fallback>
       </mc:AlternateContent>
-      <mc:AlternateContent xmlns:mc="http://schemas.openxmlformats.org/markup-compatibility/2006">
-        <mc:Choice xmlns:a14="http://schemas.microsoft.com/office/drawing/2010/main" Requires="a14">
+      <mc:AlternateContent xmlns:mc="http://schemas.openxmlformats.org/markup-compatibility/2006" xmlns:a14="http://schemas.microsoft.com/office/drawing/2010/main">
+        <mc:Choice Requires="a14">
           <p:sp>
             <p:nvSpPr>
               <p:cNvPr id="31" name="TextBox 30">
@@ -9770,7 +9771,7 @@
             </p:txBody>
           </p:sp>
         </mc:Choice>
-        <mc:Fallback>
+        <mc:Fallback xmlns="">
           <p:sp>
             <p:nvSpPr>
               <p:cNvPr id="31" name="TextBox 30">
@@ -9819,6 +9820,503 @@
     <p:extLst>
       <p:ext uri="{BB962C8B-B14F-4D97-AF65-F5344CB8AC3E}">
         <p14:creationId xmlns:p14="http://schemas.microsoft.com/office/powerpoint/2010/main" val="201436361"/>
+      </p:ext>
+    </p:extLst>
+  </p:cSld>
+  <p:clrMapOvr>
+    <a:masterClrMapping/>
+  </p:clrMapOvr>
+</p:sld>
+</file>
+
+<file path=ppt/slides/slide6.xml><?xml version="1.0" encoding="utf-8"?>
+<p:sld xmlns:a="http://schemas.openxmlformats.org/drawingml/2006/main" xmlns:r="http://schemas.openxmlformats.org/officeDocument/2006/relationships" xmlns:p="http://schemas.openxmlformats.org/presentationml/2006/main">
+  <p:cSld>
+    <p:spTree>
+      <p:nvGrpSpPr>
+        <p:cNvPr id="1" name=""/>
+        <p:cNvGrpSpPr/>
+        <p:nvPr/>
+      </p:nvGrpSpPr>
+      <p:grpSpPr>
+        <a:xfrm>
+          <a:off x="0" y="0"/>
+          <a:ext cx="0" cy="0"/>
+          <a:chOff x="0" y="0"/>
+          <a:chExt cx="0" cy="0"/>
+        </a:xfrm>
+      </p:grpSpPr>
+      <p:cxnSp>
+        <p:nvCxnSpPr>
+          <p:cNvPr id="13" name="Straight Connector 12">
+            <a:extLst>
+              <a:ext uri="{FF2B5EF4-FFF2-40B4-BE49-F238E27FC236}">
+                <a16:creationId xmlns:a16="http://schemas.microsoft.com/office/drawing/2014/main" id="{D0F4D7E7-FB3F-7200-179D-35D67C4E4B9A}"/>
+              </a:ext>
+            </a:extLst>
+          </p:cNvPr>
+          <p:cNvCxnSpPr>
+            <a:cxnSpLocks/>
+          </p:cNvCxnSpPr>
+          <p:nvPr/>
+        </p:nvCxnSpPr>
+        <p:spPr>
+          <a:xfrm flipV="1">
+            <a:off x="4535361" y="3847171"/>
+            <a:ext cx="0" cy="2032801"/>
+          </a:xfrm>
+          <a:prstGeom prst="line">
+            <a:avLst/>
+          </a:prstGeom>
+          <a:ln w="38100">
+            <a:prstDash val="dash"/>
+          </a:ln>
+        </p:spPr>
+        <p:style>
+          <a:lnRef idx="2">
+            <a:schemeClr val="accent1"/>
+          </a:lnRef>
+          <a:fillRef idx="0">
+            <a:schemeClr val="accent1"/>
+          </a:fillRef>
+          <a:effectRef idx="1">
+            <a:schemeClr val="accent1"/>
+          </a:effectRef>
+          <a:fontRef idx="minor">
+            <a:schemeClr val="tx1"/>
+          </a:fontRef>
+        </p:style>
+      </p:cxnSp>
+      <p:grpSp>
+        <p:nvGrpSpPr>
+          <p:cNvPr id="4" name="Group 3">
+            <a:extLst>
+              <a:ext uri="{FF2B5EF4-FFF2-40B4-BE49-F238E27FC236}">
+                <a16:creationId xmlns:a16="http://schemas.microsoft.com/office/drawing/2014/main" id="{36AE7060-3674-AD94-1648-EB0E1E430E51}"/>
+              </a:ext>
+            </a:extLst>
+          </p:cNvPr>
+          <p:cNvGrpSpPr/>
+          <p:nvPr/>
+        </p:nvGrpSpPr>
+        <p:grpSpPr>
+          <a:xfrm>
+            <a:off x="1297684" y="804672"/>
+            <a:ext cx="9089136" cy="5102352"/>
+            <a:chOff x="1297684" y="804672"/>
+            <a:chExt cx="9089136" cy="5102352"/>
+          </a:xfrm>
+        </p:grpSpPr>
+        <p:cxnSp>
+          <p:nvCxnSpPr>
+            <p:cNvPr id="5" name="Straight Connector 4">
+              <a:extLst>
+                <a:ext uri="{FF2B5EF4-FFF2-40B4-BE49-F238E27FC236}">
+                  <a16:creationId xmlns:a16="http://schemas.microsoft.com/office/drawing/2014/main" id="{E4A8961A-BD11-83EB-B13E-42E0F4BD8334}"/>
+                </a:ext>
+              </a:extLst>
+            </p:cNvPr>
+            <p:cNvCxnSpPr/>
+            <p:nvPr/>
+          </p:nvCxnSpPr>
+          <p:spPr>
+            <a:xfrm>
+              <a:off x="1316736" y="804672"/>
+              <a:ext cx="0" cy="5102352"/>
+            </a:xfrm>
+            <a:prstGeom prst="line">
+              <a:avLst/>
+            </a:prstGeom>
+            <a:ln w="57150">
+              <a:solidFill>
+                <a:schemeClr val="tx1"/>
+              </a:solidFill>
+            </a:ln>
+          </p:spPr>
+          <p:style>
+            <a:lnRef idx="2">
+              <a:schemeClr val="accent1"/>
+            </a:lnRef>
+            <a:fillRef idx="0">
+              <a:schemeClr val="accent1"/>
+            </a:fillRef>
+            <a:effectRef idx="1">
+              <a:schemeClr val="accent1"/>
+            </a:effectRef>
+            <a:fontRef idx="minor">
+              <a:schemeClr val="tx1"/>
+            </a:fontRef>
+          </p:style>
+        </p:cxnSp>
+        <p:cxnSp>
+          <p:nvCxnSpPr>
+            <p:cNvPr id="6" name="Straight Connector 5">
+              <a:extLst>
+                <a:ext uri="{FF2B5EF4-FFF2-40B4-BE49-F238E27FC236}">
+                  <a16:creationId xmlns:a16="http://schemas.microsoft.com/office/drawing/2014/main" id="{04CF508D-64F2-8460-DC17-444A3B56F61B}"/>
+                </a:ext>
+              </a:extLst>
+            </p:cNvPr>
+            <p:cNvCxnSpPr>
+              <a:cxnSpLocks/>
+            </p:cNvCxnSpPr>
+            <p:nvPr/>
+          </p:nvCxnSpPr>
+          <p:spPr>
+            <a:xfrm flipH="1">
+              <a:off x="1297684" y="5879972"/>
+              <a:ext cx="9089136" cy="0"/>
+            </a:xfrm>
+            <a:prstGeom prst="line">
+              <a:avLst/>
+            </a:prstGeom>
+            <a:ln w="57150">
+              <a:solidFill>
+                <a:schemeClr val="tx1"/>
+              </a:solidFill>
+            </a:ln>
+          </p:spPr>
+          <p:style>
+            <a:lnRef idx="2">
+              <a:schemeClr val="accent1"/>
+            </a:lnRef>
+            <a:fillRef idx="0">
+              <a:schemeClr val="accent1"/>
+            </a:fillRef>
+            <a:effectRef idx="1">
+              <a:schemeClr val="accent1"/>
+            </a:effectRef>
+            <a:fontRef idx="minor">
+              <a:schemeClr val="tx1"/>
+            </a:fontRef>
+          </p:style>
+        </p:cxnSp>
+      </p:grpSp>
+      <p:cxnSp>
+        <p:nvCxnSpPr>
+          <p:cNvPr id="7" name="Straight Connector 6">
+            <a:extLst>
+              <a:ext uri="{FF2B5EF4-FFF2-40B4-BE49-F238E27FC236}">
+                <a16:creationId xmlns:a16="http://schemas.microsoft.com/office/drawing/2014/main" id="{E8F4A5C1-4EC1-378F-86C1-A4E947DD60A1}"/>
+              </a:ext>
+            </a:extLst>
+          </p:cNvPr>
+          <p:cNvCxnSpPr>
+            <a:cxnSpLocks/>
+          </p:cNvCxnSpPr>
+          <p:nvPr/>
+        </p:nvCxnSpPr>
+        <p:spPr>
+          <a:xfrm flipV="1">
+            <a:off x="1307976" y="804672"/>
+            <a:ext cx="8081351" cy="5075681"/>
+          </a:xfrm>
+          <a:prstGeom prst="line">
+            <a:avLst/>
+          </a:prstGeom>
+          <a:ln w="38100"/>
+        </p:spPr>
+        <p:style>
+          <a:lnRef idx="2">
+            <a:schemeClr val="accent1"/>
+          </a:lnRef>
+          <a:fillRef idx="0">
+            <a:schemeClr val="accent1"/>
+          </a:fillRef>
+          <a:effectRef idx="1">
+            <a:schemeClr val="accent1"/>
+          </a:effectRef>
+          <a:fontRef idx="minor">
+            <a:schemeClr val="tx1"/>
+          </a:fontRef>
+        </p:style>
+      </p:cxnSp>
+      <p:sp>
+        <p:nvSpPr>
+          <p:cNvPr id="11" name="TextBox 10">
+            <a:extLst>
+              <a:ext uri="{FF2B5EF4-FFF2-40B4-BE49-F238E27FC236}">
+                <a16:creationId xmlns:a16="http://schemas.microsoft.com/office/drawing/2014/main" id="{BB1DF412-5B60-26F4-277D-D04F77A738C5}"/>
+              </a:ext>
+            </a:extLst>
+          </p:cNvPr>
+          <p:cNvSpPr txBox="1"/>
+          <p:nvPr/>
+        </p:nvSpPr>
+        <p:spPr>
+          <a:xfrm rot="16200000">
+            <a:off x="-1158394" y="2987777"/>
+            <a:ext cx="4070195" cy="523220"/>
+          </a:xfrm>
+          <a:prstGeom prst="rect">
+            <a:avLst/>
+          </a:prstGeom>
+          <a:noFill/>
+        </p:spPr>
+        <p:txBody>
+          <a:bodyPr wrap="square" rtlCol="0">
+            <a:spAutoFit/>
+          </a:bodyPr>
+          <a:lstStyle/>
+          <a:p>
+            <a:r>
+              <a:rPr lang="en-US" sz="2800" b="1" dirty="0"/>
+              <a:t>Individual Investment</a:t>
+            </a:r>
+          </a:p>
+        </p:txBody>
+      </p:sp>
+      <p:sp>
+        <p:nvSpPr>
+          <p:cNvPr id="12" name="TextBox 11">
+            <a:extLst>
+              <a:ext uri="{FF2B5EF4-FFF2-40B4-BE49-F238E27FC236}">
+                <a16:creationId xmlns:a16="http://schemas.microsoft.com/office/drawing/2014/main" id="{7DFA629B-2CF4-357B-3EC0-FE2A4625E870}"/>
+              </a:ext>
+            </a:extLst>
+          </p:cNvPr>
+          <p:cNvSpPr txBox="1"/>
+          <p:nvPr/>
+        </p:nvSpPr>
+        <p:spPr>
+          <a:xfrm>
+            <a:off x="6271574" y="6027980"/>
+            <a:ext cx="3452290" cy="523220"/>
+          </a:xfrm>
+          <a:prstGeom prst="rect">
+            <a:avLst/>
+          </a:prstGeom>
+          <a:noFill/>
+        </p:spPr>
+        <p:txBody>
+          <a:bodyPr wrap="square" rtlCol="0">
+            <a:spAutoFit/>
+          </a:bodyPr>
+          <a:lstStyle/>
+          <a:p>
+            <a:r>
+              <a:rPr lang="en-US" sz="2800" b="1" dirty="0"/>
+              <a:t>Average Investment</a:t>
+            </a:r>
+          </a:p>
+        </p:txBody>
+      </p:sp>
+      <mc:AlternateContent xmlns:mc="http://schemas.openxmlformats.org/markup-compatibility/2006">
+        <mc:Choice xmlns:a14="http://schemas.microsoft.com/office/drawing/2010/main" Requires="a14">
+          <p:sp>
+            <p:nvSpPr>
+              <p:cNvPr id="15" name="TextBox 14">
+                <a:extLst>
+                  <a:ext uri="{FF2B5EF4-FFF2-40B4-BE49-F238E27FC236}">
+                    <a16:creationId xmlns:a16="http://schemas.microsoft.com/office/drawing/2014/main" id="{11EBDE9F-4BB2-F66F-4676-3BF8BE953CAF}"/>
+                  </a:ext>
+                </a:extLst>
+              </p:cNvPr>
+              <p:cNvSpPr txBox="1"/>
+              <p:nvPr/>
+            </p:nvSpPr>
+            <p:spPr>
+              <a:xfrm>
+                <a:off x="4230561" y="6027980"/>
+                <a:ext cx="609600" cy="369332"/>
+              </a:xfrm>
+              <a:prstGeom prst="rect">
+                <a:avLst/>
+              </a:prstGeom>
+              <a:noFill/>
+            </p:spPr>
+            <p:txBody>
+              <a:bodyPr wrap="square" rtlCol="0">
+                <a:spAutoFit/>
+              </a:bodyPr>
+              <a:lstStyle/>
+              <a:p>
+                <a:pPr/>
+                <a14:m>
+                  <m:oMathPara xmlns:m="http://schemas.openxmlformats.org/officeDocument/2006/math">
+                    <m:oMathParaPr>
+                      <m:jc m:val="centerGroup"/>
+                    </m:oMathParaPr>
+                    <m:oMath xmlns:m="http://schemas.openxmlformats.org/officeDocument/2006/math">
+                      <m:r>
+                        <a:rPr lang="en-US" b="1" i="1" smtClean="0">
+                          <a:latin typeface="Cambria Math" panose="02040503050406030204" pitchFamily="18" charset="0"/>
+                        </a:rPr>
+                        <m:t>𝑨</m:t>
+                      </m:r>
+                    </m:oMath>
+                  </m:oMathPara>
+                </a14:m>
+                <a:endParaRPr lang="en-US" b="1" dirty="0"/>
+              </a:p>
+            </p:txBody>
+          </p:sp>
+        </mc:Choice>
+        <mc:Fallback>
+          <p:sp>
+            <p:nvSpPr>
+              <p:cNvPr id="15" name="TextBox 14">
+                <a:extLst>
+                  <a:ext uri="{FF2B5EF4-FFF2-40B4-BE49-F238E27FC236}">
+                    <a16:creationId xmlns:a16="http://schemas.microsoft.com/office/drawing/2014/main" id="{11EBDE9F-4BB2-F66F-4676-3BF8BE953CAF}"/>
+                  </a:ext>
+                </a:extLst>
+              </p:cNvPr>
+              <p:cNvSpPr txBox="1">
+                <a:spLocks noRot="1" noChangeAspect="1" noMove="1" noResize="1" noEditPoints="1" noAdjustHandles="1" noChangeArrowheads="1" noChangeShapeType="1" noTextEdit="1"/>
+              </p:cNvSpPr>
+              <p:nvPr/>
+            </p:nvSpPr>
+            <p:spPr>
+              <a:xfrm>
+                <a:off x="4230561" y="6027980"/>
+                <a:ext cx="609600" cy="369332"/>
+              </a:xfrm>
+              <a:prstGeom prst="rect">
+                <a:avLst/>
+              </a:prstGeom>
+              <a:blipFill>
+                <a:blip r:embed="rId2"/>
+                <a:stretch>
+                  <a:fillRect/>
+                </a:stretch>
+              </a:blipFill>
+            </p:spPr>
+            <p:txBody>
+              <a:bodyPr/>
+              <a:lstStyle/>
+              <a:p>
+                <a:r>
+                  <a:rPr lang="en-US">
+                    <a:noFill/>
+                  </a:rPr>
+                  <a:t> </a:t>
+                </a:r>
+              </a:p>
+            </p:txBody>
+          </p:sp>
+        </mc:Fallback>
+      </mc:AlternateContent>
+      <p:sp>
+        <p:nvSpPr>
+          <p:cNvPr id="17" name="Freeform 16">
+            <a:extLst>
+              <a:ext uri="{FF2B5EF4-FFF2-40B4-BE49-F238E27FC236}">
+                <a16:creationId xmlns:a16="http://schemas.microsoft.com/office/drawing/2014/main" id="{CBA51270-9D56-F9B4-93F2-3B38B988631E}"/>
+              </a:ext>
+            </a:extLst>
+          </p:cNvPr>
+          <p:cNvSpPr/>
+          <p:nvPr/>
+        </p:nvSpPr>
+        <p:spPr>
+          <a:xfrm>
+            <a:off x="1349299" y="1059370"/>
+            <a:ext cx="8541834" cy="4293215"/>
+          </a:xfrm>
+          <a:custGeom>
+            <a:avLst/>
+            <a:gdLst>
+              <a:gd name="connsiteX0" fmla="*/ 0 w 9177453"/>
+              <a:gd name="connsiteY0" fmla="*/ 4832345 h 4832345"/>
+              <a:gd name="connsiteX1" fmla="*/ 1984917 w 9177453"/>
+              <a:gd name="connsiteY1" fmla="*/ 4486658 h 4832345"/>
+              <a:gd name="connsiteX2" fmla="*/ 2587082 w 9177453"/>
+              <a:gd name="connsiteY2" fmla="*/ 2836277 h 4832345"/>
+              <a:gd name="connsiteX3" fmla="*/ 5843239 w 9177453"/>
+              <a:gd name="connsiteY3" fmla="*/ 2044540 h 4832345"/>
+              <a:gd name="connsiteX4" fmla="*/ 7014117 w 9177453"/>
+              <a:gd name="connsiteY4" fmla="*/ 204589 h 4832345"/>
+              <a:gd name="connsiteX5" fmla="*/ 9177453 w 9177453"/>
+              <a:gd name="connsiteY5" fmla="*/ 126531 h 4832345"/>
+            </a:gdLst>
+            <a:ahLst/>
+            <a:cxnLst>
+              <a:cxn ang="0">
+                <a:pos x="connsiteX0" y="connsiteY0"/>
+              </a:cxn>
+              <a:cxn ang="0">
+                <a:pos x="connsiteX1" y="connsiteY1"/>
+              </a:cxn>
+              <a:cxn ang="0">
+                <a:pos x="connsiteX2" y="connsiteY2"/>
+              </a:cxn>
+              <a:cxn ang="0">
+                <a:pos x="connsiteX3" y="connsiteY3"/>
+              </a:cxn>
+              <a:cxn ang="0">
+                <a:pos x="connsiteX4" y="connsiteY4"/>
+              </a:cxn>
+              <a:cxn ang="0">
+                <a:pos x="connsiteX5" y="connsiteY5"/>
+              </a:cxn>
+            </a:cxnLst>
+            <a:rect l="l" t="t" r="r" b="b"/>
+            <a:pathLst>
+              <a:path w="9177453" h="4832345">
+                <a:moveTo>
+                  <a:pt x="0" y="4832345"/>
+                </a:moveTo>
+                <a:cubicBezTo>
+                  <a:pt x="776868" y="4825840"/>
+                  <a:pt x="1553737" y="4819336"/>
+                  <a:pt x="1984917" y="4486658"/>
+                </a:cubicBezTo>
+                <a:cubicBezTo>
+                  <a:pt x="2416097" y="4153980"/>
+                  <a:pt x="1944029" y="3243297"/>
+                  <a:pt x="2587082" y="2836277"/>
+                </a:cubicBezTo>
+                <a:cubicBezTo>
+                  <a:pt x="3230135" y="2429257"/>
+                  <a:pt x="5105400" y="2483155"/>
+                  <a:pt x="5843239" y="2044540"/>
+                </a:cubicBezTo>
+                <a:cubicBezTo>
+                  <a:pt x="6581078" y="1605925"/>
+                  <a:pt x="6458415" y="524257"/>
+                  <a:pt x="7014117" y="204589"/>
+                </a:cubicBezTo>
+                <a:cubicBezTo>
+                  <a:pt x="7569819" y="-115079"/>
+                  <a:pt x="8373636" y="5726"/>
+                  <a:pt x="9177453" y="126531"/>
+                </a:cubicBezTo>
+              </a:path>
+            </a:pathLst>
+          </a:custGeom>
+          <a:noFill/>
+          <a:ln w="38100"/>
+        </p:spPr>
+        <p:style>
+          <a:lnRef idx="2">
+            <a:schemeClr val="accent1">
+              <a:shade val="15000"/>
+            </a:schemeClr>
+          </a:lnRef>
+          <a:fillRef idx="1">
+            <a:schemeClr val="accent1"/>
+          </a:fillRef>
+          <a:effectRef idx="0">
+            <a:schemeClr val="accent1"/>
+          </a:effectRef>
+          <a:fontRef idx="minor">
+            <a:schemeClr val="lt1"/>
+          </a:fontRef>
+        </p:style>
+        <p:txBody>
+          <a:bodyPr rtlCol="0" anchor="ctr"/>
+          <a:lstStyle/>
+          <a:p>
+            <a:pPr algn="ctr"/>
+            <a:endParaRPr lang="en-US"/>
+          </a:p>
+        </p:txBody>
+      </p:sp>
+    </p:spTree>
+    <p:extLst>
+      <p:ext uri="{BB962C8B-B14F-4D97-AF65-F5344CB8AC3E}">
+        <p14:creationId xmlns:p14="http://schemas.microsoft.com/office/powerpoint/2010/main" val="1476142128"/>
       </p:ext>
     </p:extLst>
   </p:cSld>

--- a/Lectures/graph-maker-pp.pptx
+++ b/Lectures/graph-maker-pp.pptx
@@ -11,6 +11,12 @@
     <p:sldId id="260" r:id="rId5"/>
     <p:sldId id="261" r:id="rId6"/>
     <p:sldId id="262" r:id="rId7"/>
+    <p:sldId id="264" r:id="rId8"/>
+    <p:sldId id="263" r:id="rId9"/>
+    <p:sldId id="265" r:id="rId10"/>
+    <p:sldId id="266" r:id="rId11"/>
+    <p:sldId id="267" r:id="rId12"/>
+    <p:sldId id="268" r:id="rId13"/>
   </p:sldIdLst>
   <p:sldSz cx="12192000" cy="6858000"/>
   <p:notesSz cx="6858000" cy="9144000"/>
@@ -264,7 +270,7 @@
           <a:p>
             <a:fld id="{67B564A3-C150-4636-B8BE-2AA93CC227AD}" type="datetimeFigureOut">
               <a:rPr lang="en-US" smtClean="0"/>
-              <a:t>10/20/25</a:t>
+              <a:t>11/8/25</a:t>
             </a:fld>
             <a:endParaRPr lang="en-US"/>
           </a:p>
@@ -462,7 +468,7 @@
           <a:p>
             <a:fld id="{67B564A3-C150-4636-B8BE-2AA93CC227AD}" type="datetimeFigureOut">
               <a:rPr lang="en-US" smtClean="0"/>
-              <a:t>10/20/25</a:t>
+              <a:t>11/8/25</a:t>
             </a:fld>
             <a:endParaRPr lang="en-US"/>
           </a:p>
@@ -670,7 +676,7 @@
           <a:p>
             <a:fld id="{67B564A3-C150-4636-B8BE-2AA93CC227AD}" type="datetimeFigureOut">
               <a:rPr lang="en-US" smtClean="0"/>
-              <a:t>10/20/25</a:t>
+              <a:t>11/8/25</a:t>
             </a:fld>
             <a:endParaRPr lang="en-US"/>
           </a:p>
@@ -868,7 +874,7 @@
           <a:p>
             <a:fld id="{67B564A3-C150-4636-B8BE-2AA93CC227AD}" type="datetimeFigureOut">
               <a:rPr lang="en-US" smtClean="0"/>
-              <a:t>10/20/25</a:t>
+              <a:t>11/8/25</a:t>
             </a:fld>
             <a:endParaRPr lang="en-US"/>
           </a:p>
@@ -1143,7 +1149,7 @@
           <a:p>
             <a:fld id="{67B564A3-C150-4636-B8BE-2AA93CC227AD}" type="datetimeFigureOut">
               <a:rPr lang="en-US" smtClean="0"/>
-              <a:t>10/20/25</a:t>
+              <a:t>11/8/25</a:t>
             </a:fld>
             <a:endParaRPr lang="en-US"/>
           </a:p>
@@ -1408,7 +1414,7 @@
           <a:p>
             <a:fld id="{67B564A3-C150-4636-B8BE-2AA93CC227AD}" type="datetimeFigureOut">
               <a:rPr lang="en-US" smtClean="0"/>
-              <a:t>10/20/25</a:t>
+              <a:t>11/8/25</a:t>
             </a:fld>
             <a:endParaRPr lang="en-US"/>
           </a:p>
@@ -1820,7 +1826,7 @@
           <a:p>
             <a:fld id="{67B564A3-C150-4636-B8BE-2AA93CC227AD}" type="datetimeFigureOut">
               <a:rPr lang="en-US" smtClean="0"/>
-              <a:t>10/20/25</a:t>
+              <a:t>11/8/25</a:t>
             </a:fld>
             <a:endParaRPr lang="en-US"/>
           </a:p>
@@ -1961,7 +1967,7 @@
           <a:p>
             <a:fld id="{67B564A3-C150-4636-B8BE-2AA93CC227AD}" type="datetimeFigureOut">
               <a:rPr lang="en-US" smtClean="0"/>
-              <a:t>10/20/25</a:t>
+              <a:t>11/8/25</a:t>
             </a:fld>
             <a:endParaRPr lang="en-US"/>
           </a:p>
@@ -2074,7 +2080,7 @@
           <a:p>
             <a:fld id="{67B564A3-C150-4636-B8BE-2AA93CC227AD}" type="datetimeFigureOut">
               <a:rPr lang="en-US" smtClean="0"/>
-              <a:t>10/20/25</a:t>
+              <a:t>11/8/25</a:t>
             </a:fld>
             <a:endParaRPr lang="en-US"/>
           </a:p>
@@ -2385,7 +2391,7 @@
           <a:p>
             <a:fld id="{67B564A3-C150-4636-B8BE-2AA93CC227AD}" type="datetimeFigureOut">
               <a:rPr lang="en-US" smtClean="0"/>
-              <a:t>10/20/25</a:t>
+              <a:t>11/8/25</a:t>
             </a:fld>
             <a:endParaRPr lang="en-US"/>
           </a:p>
@@ -2673,7 +2679,7 @@
           <a:p>
             <a:fld id="{67B564A3-C150-4636-B8BE-2AA93CC227AD}" type="datetimeFigureOut">
               <a:rPr lang="en-US" smtClean="0"/>
-              <a:t>10/20/25</a:t>
+              <a:t>11/8/25</a:t>
             </a:fld>
             <a:endParaRPr lang="en-US"/>
           </a:p>
@@ -2914,7 +2920,7 @@
           <a:p>
             <a:fld id="{67B564A3-C150-4636-B8BE-2AA93CC227AD}" type="datetimeFigureOut">
               <a:rPr lang="en-US" smtClean="0"/>
-              <a:t>10/20/25</a:t>
+              <a:t>11/8/25</a:t>
             </a:fld>
             <a:endParaRPr lang="en-US"/>
           </a:p>
@@ -4232,6 +4238,3098 @@
     <p:extLst>
       <p:ext uri="{BB962C8B-B14F-4D97-AF65-F5344CB8AC3E}">
         <p14:creationId xmlns:p14="http://schemas.microsoft.com/office/powerpoint/2010/main" val="1082280689"/>
+      </p:ext>
+    </p:extLst>
+  </p:cSld>
+  <p:clrMapOvr>
+    <a:masterClrMapping/>
+  </p:clrMapOvr>
+</p:sld>
+</file>
+
+<file path=ppt/slides/slide10.xml><?xml version="1.0" encoding="utf-8"?>
+<p:sld xmlns:a="http://schemas.openxmlformats.org/drawingml/2006/main" xmlns:r="http://schemas.openxmlformats.org/officeDocument/2006/relationships" xmlns:p="http://schemas.openxmlformats.org/presentationml/2006/main">
+  <p:cSld>
+    <p:spTree>
+      <p:nvGrpSpPr>
+        <p:cNvPr id="1" name="">
+          <a:extLst>
+            <a:ext uri="{FF2B5EF4-FFF2-40B4-BE49-F238E27FC236}">
+              <a16:creationId xmlns:a16="http://schemas.microsoft.com/office/drawing/2014/main" id="{BD6D3701-635B-C05F-AE94-9084E64D52E3}"/>
+            </a:ext>
+          </a:extLst>
+        </p:cNvPr>
+        <p:cNvGrpSpPr/>
+        <p:nvPr/>
+      </p:nvGrpSpPr>
+      <p:grpSpPr>
+        <a:xfrm>
+          <a:off x="0" y="0"/>
+          <a:ext cx="0" cy="0"/>
+          <a:chOff x="0" y="0"/>
+          <a:chExt cx="0" cy="0"/>
+        </a:xfrm>
+      </p:grpSpPr>
+      <p:cxnSp>
+        <p:nvCxnSpPr>
+          <p:cNvPr id="6" name="Straight Connector 5">
+            <a:extLst>
+              <a:ext uri="{FF2B5EF4-FFF2-40B4-BE49-F238E27FC236}">
+                <a16:creationId xmlns:a16="http://schemas.microsoft.com/office/drawing/2014/main" id="{733D9148-EB2D-2B56-F9AB-F8DFF9BEE5B3}"/>
+              </a:ext>
+            </a:extLst>
+          </p:cNvPr>
+          <p:cNvCxnSpPr>
+            <a:cxnSpLocks/>
+          </p:cNvCxnSpPr>
+          <p:nvPr/>
+        </p:nvCxnSpPr>
+        <p:spPr>
+          <a:xfrm>
+            <a:off x="1335789" y="2943922"/>
+            <a:ext cx="7640943" cy="2936050"/>
+          </a:xfrm>
+          <a:prstGeom prst="line">
+            <a:avLst/>
+          </a:prstGeom>
+          <a:ln w="38100">
+            <a:solidFill>
+              <a:srgbClr val="FFC000"/>
+            </a:solidFill>
+          </a:ln>
+        </p:spPr>
+        <p:style>
+          <a:lnRef idx="2">
+            <a:schemeClr val="accent1"/>
+          </a:lnRef>
+          <a:fillRef idx="0">
+            <a:schemeClr val="accent1"/>
+          </a:fillRef>
+          <a:effectRef idx="1">
+            <a:schemeClr val="accent1"/>
+          </a:effectRef>
+          <a:fontRef idx="minor">
+            <a:schemeClr val="tx1"/>
+          </a:fontRef>
+        </p:style>
+      </p:cxnSp>
+      <p:sp>
+        <p:nvSpPr>
+          <p:cNvPr id="2" name="Triangle 1">
+            <a:extLst>
+              <a:ext uri="{FF2B5EF4-FFF2-40B4-BE49-F238E27FC236}">
+                <a16:creationId xmlns:a16="http://schemas.microsoft.com/office/drawing/2014/main" id="{C1A2355D-2193-A6F5-3DF1-F852BDEC49D9}"/>
+              </a:ext>
+            </a:extLst>
+          </p:cNvPr>
+          <p:cNvSpPr/>
+          <p:nvPr/>
+        </p:nvSpPr>
+        <p:spPr>
+          <a:xfrm>
+            <a:off x="1335788" y="1382750"/>
+            <a:ext cx="3175247" cy="1857497"/>
+          </a:xfrm>
+          <a:prstGeom prst="triangle">
+            <a:avLst>
+              <a:gd name="adj" fmla="val 0"/>
+            </a:avLst>
+          </a:prstGeom>
+          <a:solidFill>
+            <a:schemeClr val="accent5">
+              <a:lumMod val="40000"/>
+              <a:lumOff val="60000"/>
+            </a:schemeClr>
+          </a:solidFill>
+        </p:spPr>
+        <p:style>
+          <a:lnRef idx="2">
+            <a:schemeClr val="accent1">
+              <a:shade val="15000"/>
+            </a:schemeClr>
+          </a:lnRef>
+          <a:fillRef idx="1">
+            <a:schemeClr val="accent1"/>
+          </a:fillRef>
+          <a:effectRef idx="0">
+            <a:schemeClr val="accent1"/>
+          </a:effectRef>
+          <a:fontRef idx="minor">
+            <a:schemeClr val="lt1"/>
+          </a:fontRef>
+        </p:style>
+        <p:txBody>
+          <a:bodyPr rtlCol="0" anchor="ctr"/>
+          <a:lstStyle/>
+          <a:p>
+            <a:pPr algn="ctr"/>
+            <a:endParaRPr lang="en-US"/>
+          </a:p>
+        </p:txBody>
+      </p:sp>
+      <p:cxnSp>
+        <p:nvCxnSpPr>
+          <p:cNvPr id="4" name="Straight Connector 3">
+            <a:extLst>
+              <a:ext uri="{FF2B5EF4-FFF2-40B4-BE49-F238E27FC236}">
+                <a16:creationId xmlns:a16="http://schemas.microsoft.com/office/drawing/2014/main" id="{390F3B56-62A1-CC7B-1BA3-206F2D562198}"/>
+              </a:ext>
+            </a:extLst>
+          </p:cNvPr>
+          <p:cNvCxnSpPr>
+            <a:cxnSpLocks/>
+          </p:cNvCxnSpPr>
+          <p:nvPr/>
+        </p:nvCxnSpPr>
+        <p:spPr>
+          <a:xfrm>
+            <a:off x="1316736" y="3267307"/>
+            <a:ext cx="8763966" cy="0"/>
+          </a:xfrm>
+          <a:prstGeom prst="line">
+            <a:avLst/>
+          </a:prstGeom>
+          <a:ln w="38100"/>
+        </p:spPr>
+        <p:style>
+          <a:lnRef idx="2">
+            <a:schemeClr val="accent1"/>
+          </a:lnRef>
+          <a:fillRef idx="0">
+            <a:schemeClr val="accent1"/>
+          </a:fillRef>
+          <a:effectRef idx="1">
+            <a:schemeClr val="accent1"/>
+          </a:effectRef>
+          <a:fontRef idx="minor">
+            <a:schemeClr val="tx1"/>
+          </a:fontRef>
+        </p:style>
+      </p:cxnSp>
+      <p:cxnSp>
+        <p:nvCxnSpPr>
+          <p:cNvPr id="5" name="Straight Connector 4">
+            <a:extLst>
+              <a:ext uri="{FF2B5EF4-FFF2-40B4-BE49-F238E27FC236}">
+                <a16:creationId xmlns:a16="http://schemas.microsoft.com/office/drawing/2014/main" id="{0C2114F5-A449-4BF1-4993-CD3CE23D3648}"/>
+              </a:ext>
+            </a:extLst>
+          </p:cNvPr>
+          <p:cNvCxnSpPr>
+            <a:cxnSpLocks/>
+          </p:cNvCxnSpPr>
+          <p:nvPr/>
+        </p:nvCxnSpPr>
+        <p:spPr>
+          <a:xfrm>
+            <a:off x="1297684" y="1382751"/>
+            <a:ext cx="7679048" cy="4497221"/>
+          </a:xfrm>
+          <a:prstGeom prst="line">
+            <a:avLst/>
+          </a:prstGeom>
+          <a:ln w="38100">
+            <a:solidFill>
+              <a:schemeClr val="accent5">
+                <a:lumMod val="60000"/>
+                <a:lumOff val="40000"/>
+              </a:schemeClr>
+            </a:solidFill>
+          </a:ln>
+        </p:spPr>
+        <p:style>
+          <a:lnRef idx="2">
+            <a:schemeClr val="accent1"/>
+          </a:lnRef>
+          <a:fillRef idx="0">
+            <a:schemeClr val="accent1"/>
+          </a:fillRef>
+          <a:effectRef idx="1">
+            <a:schemeClr val="accent1"/>
+          </a:effectRef>
+          <a:fontRef idx="minor">
+            <a:schemeClr val="tx1"/>
+          </a:fontRef>
+        </p:style>
+      </p:cxnSp>
+      <p:grpSp>
+        <p:nvGrpSpPr>
+          <p:cNvPr id="7" name="Group 6">
+            <a:extLst>
+              <a:ext uri="{FF2B5EF4-FFF2-40B4-BE49-F238E27FC236}">
+                <a16:creationId xmlns:a16="http://schemas.microsoft.com/office/drawing/2014/main" id="{34CBED17-2BF0-952B-E64A-7E7B51064CAA}"/>
+              </a:ext>
+            </a:extLst>
+          </p:cNvPr>
+          <p:cNvGrpSpPr/>
+          <p:nvPr/>
+        </p:nvGrpSpPr>
+        <p:grpSpPr>
+          <a:xfrm>
+            <a:off x="1297684" y="804672"/>
+            <a:ext cx="9089136" cy="5102352"/>
+            <a:chOff x="1297684" y="804672"/>
+            <a:chExt cx="9089136" cy="5102352"/>
+          </a:xfrm>
+        </p:grpSpPr>
+        <p:cxnSp>
+          <p:nvCxnSpPr>
+            <p:cNvPr id="8" name="Straight Connector 7">
+              <a:extLst>
+                <a:ext uri="{FF2B5EF4-FFF2-40B4-BE49-F238E27FC236}">
+                  <a16:creationId xmlns:a16="http://schemas.microsoft.com/office/drawing/2014/main" id="{89F23CD3-05AB-02C6-6828-D89DD9FA6E5A}"/>
+                </a:ext>
+              </a:extLst>
+            </p:cNvPr>
+            <p:cNvCxnSpPr/>
+            <p:nvPr/>
+          </p:nvCxnSpPr>
+          <p:spPr>
+            <a:xfrm>
+              <a:off x="1316736" y="804672"/>
+              <a:ext cx="0" cy="5102352"/>
+            </a:xfrm>
+            <a:prstGeom prst="line">
+              <a:avLst/>
+            </a:prstGeom>
+            <a:ln w="57150">
+              <a:solidFill>
+                <a:schemeClr val="tx1"/>
+              </a:solidFill>
+            </a:ln>
+          </p:spPr>
+          <p:style>
+            <a:lnRef idx="2">
+              <a:schemeClr val="accent1"/>
+            </a:lnRef>
+            <a:fillRef idx="0">
+              <a:schemeClr val="accent1"/>
+            </a:fillRef>
+            <a:effectRef idx="1">
+              <a:schemeClr val="accent1"/>
+            </a:effectRef>
+            <a:fontRef idx="minor">
+              <a:schemeClr val="tx1"/>
+            </a:fontRef>
+          </p:style>
+        </p:cxnSp>
+        <p:cxnSp>
+          <p:nvCxnSpPr>
+            <p:cNvPr id="9" name="Straight Connector 8">
+              <a:extLst>
+                <a:ext uri="{FF2B5EF4-FFF2-40B4-BE49-F238E27FC236}">
+                  <a16:creationId xmlns:a16="http://schemas.microsoft.com/office/drawing/2014/main" id="{FF40AF90-A19B-0A5D-31E5-494274232B63}"/>
+                </a:ext>
+              </a:extLst>
+            </p:cNvPr>
+            <p:cNvCxnSpPr>
+              <a:cxnSpLocks/>
+            </p:cNvCxnSpPr>
+            <p:nvPr/>
+          </p:nvCxnSpPr>
+          <p:spPr>
+            <a:xfrm flipH="1">
+              <a:off x="1297684" y="5879972"/>
+              <a:ext cx="9089136" cy="0"/>
+            </a:xfrm>
+            <a:prstGeom prst="line">
+              <a:avLst/>
+            </a:prstGeom>
+            <a:ln w="57150">
+              <a:solidFill>
+                <a:schemeClr val="tx1"/>
+              </a:solidFill>
+            </a:ln>
+          </p:spPr>
+          <p:style>
+            <a:lnRef idx="2">
+              <a:schemeClr val="accent1"/>
+            </a:lnRef>
+            <a:fillRef idx="0">
+              <a:schemeClr val="accent1"/>
+            </a:fillRef>
+            <a:effectRef idx="1">
+              <a:schemeClr val="accent1"/>
+            </a:effectRef>
+            <a:fontRef idx="minor">
+              <a:schemeClr val="tx1"/>
+            </a:fontRef>
+          </p:style>
+        </p:cxnSp>
+      </p:grpSp>
+      <p:sp>
+        <p:nvSpPr>
+          <p:cNvPr id="10" name="TextBox 9">
+            <a:extLst>
+              <a:ext uri="{FF2B5EF4-FFF2-40B4-BE49-F238E27FC236}">
+                <a16:creationId xmlns:a16="http://schemas.microsoft.com/office/drawing/2014/main" id="{AA9EAB98-687C-63E1-B8BE-339B5C40207D}"/>
+              </a:ext>
+            </a:extLst>
+          </p:cNvPr>
+          <p:cNvSpPr txBox="1"/>
+          <p:nvPr/>
+        </p:nvSpPr>
+        <p:spPr>
+          <a:xfrm rot="16200000">
+            <a:off x="141319" y="1278446"/>
+            <a:ext cx="1470768" cy="523220"/>
+          </a:xfrm>
+          <a:prstGeom prst="rect">
+            <a:avLst/>
+          </a:prstGeom>
+          <a:noFill/>
+        </p:spPr>
+        <p:txBody>
+          <a:bodyPr wrap="square" rtlCol="0">
+            <a:spAutoFit/>
+          </a:bodyPr>
+          <a:lstStyle/>
+          <a:p>
+            <a:r>
+              <a:rPr lang="en-US" sz="2800" b="1" dirty="0"/>
+              <a:t>Output</a:t>
+            </a:r>
+          </a:p>
+        </p:txBody>
+      </p:sp>
+      <p:sp>
+        <p:nvSpPr>
+          <p:cNvPr id="11" name="TextBox 10">
+            <a:extLst>
+              <a:ext uri="{FF2B5EF4-FFF2-40B4-BE49-F238E27FC236}">
+                <a16:creationId xmlns:a16="http://schemas.microsoft.com/office/drawing/2014/main" id="{5E408865-A8D1-C1BD-045F-2EF24AC48AA0}"/>
+              </a:ext>
+            </a:extLst>
+          </p:cNvPr>
+          <p:cNvSpPr txBox="1"/>
+          <p:nvPr/>
+        </p:nvSpPr>
+        <p:spPr>
+          <a:xfrm>
+            <a:off x="9175926" y="6039131"/>
+            <a:ext cx="1210894" cy="523220"/>
+          </a:xfrm>
+          <a:prstGeom prst="rect">
+            <a:avLst/>
+          </a:prstGeom>
+          <a:noFill/>
+        </p:spPr>
+        <p:txBody>
+          <a:bodyPr wrap="square" rtlCol="0">
+            <a:spAutoFit/>
+          </a:bodyPr>
+          <a:lstStyle/>
+          <a:p>
+            <a:r>
+              <a:rPr lang="en-US" sz="2800" b="1" dirty="0"/>
+              <a:t>Labor</a:t>
+            </a:r>
+          </a:p>
+        </p:txBody>
+      </p:sp>
+      <p:sp>
+        <p:nvSpPr>
+          <p:cNvPr id="12" name="TextBox 11">
+            <a:extLst>
+              <a:ext uri="{FF2B5EF4-FFF2-40B4-BE49-F238E27FC236}">
+                <a16:creationId xmlns:a16="http://schemas.microsoft.com/office/drawing/2014/main" id="{3F755126-311C-7DDD-3FD8-E8F9166947F1}"/>
+              </a:ext>
+            </a:extLst>
+          </p:cNvPr>
+          <p:cNvSpPr txBox="1"/>
+          <p:nvPr/>
+        </p:nvSpPr>
+        <p:spPr>
+          <a:xfrm>
+            <a:off x="3346706" y="932375"/>
+            <a:ext cx="2938268" cy="1569660"/>
+          </a:xfrm>
+          <a:prstGeom prst="rect">
+            <a:avLst/>
+          </a:prstGeom>
+          <a:noFill/>
+        </p:spPr>
+        <p:txBody>
+          <a:bodyPr wrap="square" rtlCol="0">
+            <a:spAutoFit/>
+          </a:bodyPr>
+          <a:lstStyle/>
+          <a:p>
+            <a:r>
+              <a:rPr lang="en-US" sz="3200" b="1" dirty="0">
+                <a:solidFill>
+                  <a:schemeClr val="accent5">
+                    <a:lumMod val="60000"/>
+                    <a:lumOff val="40000"/>
+                  </a:schemeClr>
+                </a:solidFill>
+              </a:rPr>
+              <a:t>Profit from Working on the Farm</a:t>
+            </a:r>
+          </a:p>
+        </p:txBody>
+      </p:sp>
+      <p:cxnSp>
+        <p:nvCxnSpPr>
+          <p:cNvPr id="15" name="Straight Connector 14">
+            <a:extLst>
+              <a:ext uri="{FF2B5EF4-FFF2-40B4-BE49-F238E27FC236}">
+                <a16:creationId xmlns:a16="http://schemas.microsoft.com/office/drawing/2014/main" id="{D1C6A9A1-A00E-82DE-69DC-58281BCF2F3B}"/>
+              </a:ext>
+            </a:extLst>
+          </p:cNvPr>
+          <p:cNvCxnSpPr>
+            <a:cxnSpLocks/>
+          </p:cNvCxnSpPr>
+          <p:nvPr/>
+        </p:nvCxnSpPr>
+        <p:spPr>
+          <a:xfrm flipV="1">
+            <a:off x="4511040" y="3355848"/>
+            <a:ext cx="0" cy="2524124"/>
+          </a:xfrm>
+          <a:prstGeom prst="line">
+            <a:avLst/>
+          </a:prstGeom>
+          <a:ln w="38100">
+            <a:prstDash val="dash"/>
+          </a:ln>
+        </p:spPr>
+        <p:style>
+          <a:lnRef idx="2">
+            <a:schemeClr val="accent1"/>
+          </a:lnRef>
+          <a:fillRef idx="0">
+            <a:schemeClr val="accent1"/>
+          </a:fillRef>
+          <a:effectRef idx="1">
+            <a:schemeClr val="accent1"/>
+          </a:effectRef>
+          <a:fontRef idx="minor">
+            <a:schemeClr val="tx1"/>
+          </a:fontRef>
+        </p:style>
+      </p:cxnSp>
+      <p:sp>
+        <p:nvSpPr>
+          <p:cNvPr id="16" name="Oval 15">
+            <a:extLst>
+              <a:ext uri="{FF2B5EF4-FFF2-40B4-BE49-F238E27FC236}">
+                <a16:creationId xmlns:a16="http://schemas.microsoft.com/office/drawing/2014/main" id="{13F7D2CD-784C-39CF-00AF-160A822D9AA6}"/>
+              </a:ext>
+            </a:extLst>
+          </p:cNvPr>
+          <p:cNvSpPr/>
+          <p:nvPr/>
+        </p:nvSpPr>
+        <p:spPr>
+          <a:xfrm>
+            <a:off x="4437175" y="3201067"/>
+            <a:ext cx="147731" cy="154781"/>
+          </a:xfrm>
+          <a:prstGeom prst="ellipse">
+            <a:avLst/>
+          </a:prstGeom>
+          <a:solidFill>
+            <a:srgbClr val="C00000"/>
+          </a:solidFill>
+          <a:ln>
+            <a:solidFill>
+              <a:schemeClr val="tx1"/>
+            </a:solidFill>
+          </a:ln>
+        </p:spPr>
+        <p:style>
+          <a:lnRef idx="2">
+            <a:schemeClr val="accent1">
+              <a:shade val="15000"/>
+            </a:schemeClr>
+          </a:lnRef>
+          <a:fillRef idx="1">
+            <a:schemeClr val="accent1"/>
+          </a:fillRef>
+          <a:effectRef idx="0">
+            <a:schemeClr val="accent1"/>
+          </a:effectRef>
+          <a:fontRef idx="minor">
+            <a:schemeClr val="lt1"/>
+          </a:fontRef>
+        </p:style>
+        <p:txBody>
+          <a:bodyPr rtlCol="0" anchor="ctr"/>
+          <a:lstStyle/>
+          <a:p>
+            <a:pPr algn="ctr"/>
+            <a:endParaRPr lang="en-US"/>
+          </a:p>
+        </p:txBody>
+      </p:sp>
+      <p:cxnSp>
+        <p:nvCxnSpPr>
+          <p:cNvPr id="17" name="Straight Connector 16">
+            <a:extLst>
+              <a:ext uri="{FF2B5EF4-FFF2-40B4-BE49-F238E27FC236}">
+                <a16:creationId xmlns:a16="http://schemas.microsoft.com/office/drawing/2014/main" id="{B0CD7954-4D5B-F845-8E0E-31924818DADD}"/>
+              </a:ext>
+            </a:extLst>
+          </p:cNvPr>
+          <p:cNvCxnSpPr>
+            <a:cxnSpLocks/>
+          </p:cNvCxnSpPr>
+          <p:nvPr/>
+        </p:nvCxnSpPr>
+        <p:spPr>
+          <a:xfrm flipV="1">
+            <a:off x="2127797" y="3355848"/>
+            <a:ext cx="0" cy="2524124"/>
+          </a:xfrm>
+          <a:prstGeom prst="line">
+            <a:avLst/>
+          </a:prstGeom>
+          <a:ln w="38100">
+            <a:prstDash val="dash"/>
+          </a:ln>
+        </p:spPr>
+        <p:style>
+          <a:lnRef idx="2">
+            <a:schemeClr val="accent1"/>
+          </a:lnRef>
+          <a:fillRef idx="0">
+            <a:schemeClr val="accent1"/>
+          </a:fillRef>
+          <a:effectRef idx="1">
+            <a:schemeClr val="accent1"/>
+          </a:effectRef>
+          <a:fontRef idx="minor">
+            <a:schemeClr val="tx1"/>
+          </a:fontRef>
+        </p:style>
+      </p:cxnSp>
+      <p:sp>
+        <p:nvSpPr>
+          <p:cNvPr id="18" name="Oval 17">
+            <a:extLst>
+              <a:ext uri="{FF2B5EF4-FFF2-40B4-BE49-F238E27FC236}">
+                <a16:creationId xmlns:a16="http://schemas.microsoft.com/office/drawing/2014/main" id="{352E136E-46E2-F92A-5257-7958DF481F6A}"/>
+              </a:ext>
+            </a:extLst>
+          </p:cNvPr>
+          <p:cNvSpPr/>
+          <p:nvPr/>
+        </p:nvSpPr>
+        <p:spPr>
+          <a:xfrm>
+            <a:off x="2053932" y="3201067"/>
+            <a:ext cx="147731" cy="154781"/>
+          </a:xfrm>
+          <a:prstGeom prst="ellipse">
+            <a:avLst/>
+          </a:prstGeom>
+          <a:solidFill>
+            <a:srgbClr val="C00000"/>
+          </a:solidFill>
+          <a:ln>
+            <a:solidFill>
+              <a:schemeClr val="tx1"/>
+            </a:solidFill>
+          </a:ln>
+        </p:spPr>
+        <p:style>
+          <a:lnRef idx="2">
+            <a:schemeClr val="accent1">
+              <a:shade val="15000"/>
+            </a:schemeClr>
+          </a:lnRef>
+          <a:fillRef idx="1">
+            <a:schemeClr val="accent1"/>
+          </a:fillRef>
+          <a:effectRef idx="0">
+            <a:schemeClr val="accent1"/>
+          </a:effectRef>
+          <a:fontRef idx="minor">
+            <a:schemeClr val="lt1"/>
+          </a:fontRef>
+        </p:style>
+        <p:txBody>
+          <a:bodyPr rtlCol="0" anchor="ctr"/>
+          <a:lstStyle/>
+          <a:p>
+            <a:pPr algn="ctr"/>
+            <a:endParaRPr lang="en-US"/>
+          </a:p>
+        </p:txBody>
+      </p:sp>
+      <mc:AlternateContent xmlns:mc="http://schemas.openxmlformats.org/markup-compatibility/2006">
+        <mc:Choice xmlns:a14="http://schemas.microsoft.com/office/drawing/2010/main" Requires="a14">
+          <p:sp>
+            <p:nvSpPr>
+              <p:cNvPr id="19" name="TextBox 18">
+                <a:extLst>
+                  <a:ext uri="{FF2B5EF4-FFF2-40B4-BE49-F238E27FC236}">
+                    <a16:creationId xmlns:a16="http://schemas.microsoft.com/office/drawing/2014/main" id="{9414D245-3A6B-1FE1-F1D4-AD148C272AA8}"/>
+                  </a:ext>
+                </a:extLst>
+              </p:cNvPr>
+              <p:cNvSpPr txBox="1"/>
+              <p:nvPr/>
+            </p:nvSpPr>
+            <p:spPr>
+              <a:xfrm>
+                <a:off x="4206240" y="5968512"/>
+                <a:ext cx="609600" cy="369332"/>
+              </a:xfrm>
+              <a:prstGeom prst="rect">
+                <a:avLst/>
+              </a:prstGeom>
+              <a:noFill/>
+            </p:spPr>
+            <p:txBody>
+              <a:bodyPr wrap="square" rtlCol="0">
+                <a:spAutoFit/>
+              </a:bodyPr>
+              <a:lstStyle/>
+              <a:p>
+                <a:pPr/>
+                <a14:m>
+                  <m:oMathPara xmlns:m="http://schemas.openxmlformats.org/officeDocument/2006/math">
+                    <m:oMathParaPr>
+                      <m:jc m:val="centerGroup"/>
+                    </m:oMathParaPr>
+                    <m:oMath xmlns:m="http://schemas.openxmlformats.org/officeDocument/2006/math">
+                      <m:sSup>
+                        <m:sSupPr>
+                          <m:ctrlPr>
+                            <a:rPr lang="en-US" b="1" i="1" smtClean="0">
+                              <a:latin typeface="Cambria Math" panose="02040503050406030204" pitchFamily="18" charset="0"/>
+                            </a:rPr>
+                          </m:ctrlPr>
+                        </m:sSupPr>
+                        <m:e>
+                          <m:r>
+                            <a:rPr lang="en-US" b="1" i="1" smtClean="0">
+                              <a:latin typeface="Cambria Math" panose="02040503050406030204" pitchFamily="18" charset="0"/>
+                            </a:rPr>
+                            <m:t>𝑳</m:t>
+                          </m:r>
+                        </m:e>
+                        <m:sup>
+                          <m:r>
+                            <a:rPr lang="en-US" b="1" i="1" smtClean="0">
+                              <a:latin typeface="Cambria Math" panose="02040503050406030204" pitchFamily="18" charset="0"/>
+                            </a:rPr>
+                            <m:t>∗</m:t>
+                          </m:r>
+                        </m:sup>
+                      </m:sSup>
+                    </m:oMath>
+                  </m:oMathPara>
+                </a14:m>
+                <a:endParaRPr lang="en-US" b="1" dirty="0"/>
+              </a:p>
+            </p:txBody>
+          </p:sp>
+        </mc:Choice>
+        <mc:Fallback>
+          <p:sp>
+            <p:nvSpPr>
+              <p:cNvPr id="19" name="TextBox 18">
+                <a:extLst>
+                  <a:ext uri="{FF2B5EF4-FFF2-40B4-BE49-F238E27FC236}">
+                    <a16:creationId xmlns:a16="http://schemas.microsoft.com/office/drawing/2014/main" id="{9414D245-3A6B-1FE1-F1D4-AD148C272AA8}"/>
+                  </a:ext>
+                </a:extLst>
+              </p:cNvPr>
+              <p:cNvSpPr txBox="1">
+                <a:spLocks noRot="1" noChangeAspect="1" noMove="1" noResize="1" noEditPoints="1" noAdjustHandles="1" noChangeArrowheads="1" noChangeShapeType="1" noTextEdit="1"/>
+              </p:cNvSpPr>
+              <p:nvPr/>
+            </p:nvSpPr>
+            <p:spPr>
+              <a:xfrm>
+                <a:off x="4206240" y="5968512"/>
+                <a:ext cx="609600" cy="369332"/>
+              </a:xfrm>
+              <a:prstGeom prst="rect">
+                <a:avLst/>
+              </a:prstGeom>
+              <a:blipFill>
+                <a:blip r:embed="rId2"/>
+                <a:stretch>
+                  <a:fillRect/>
+                </a:stretch>
+              </a:blipFill>
+            </p:spPr>
+            <p:txBody>
+              <a:bodyPr/>
+              <a:lstStyle/>
+              <a:p>
+                <a:r>
+                  <a:rPr lang="en-US">
+                    <a:noFill/>
+                  </a:rPr>
+                  <a:t> </a:t>
+                </a:r>
+              </a:p>
+            </p:txBody>
+          </p:sp>
+        </mc:Fallback>
+      </mc:AlternateContent>
+      <mc:AlternateContent xmlns:mc="http://schemas.openxmlformats.org/markup-compatibility/2006">
+        <mc:Choice xmlns:a14="http://schemas.microsoft.com/office/drawing/2010/main" Requires="a14">
+          <p:sp>
+            <p:nvSpPr>
+              <p:cNvPr id="20" name="TextBox 19">
+                <a:extLst>
+                  <a:ext uri="{FF2B5EF4-FFF2-40B4-BE49-F238E27FC236}">
+                    <a16:creationId xmlns:a16="http://schemas.microsoft.com/office/drawing/2014/main" id="{9B955334-893C-2344-207D-23731A36DAA8}"/>
+                  </a:ext>
+                </a:extLst>
+              </p:cNvPr>
+              <p:cNvSpPr txBox="1"/>
+              <p:nvPr/>
+            </p:nvSpPr>
+            <p:spPr>
+              <a:xfrm>
+                <a:off x="1822997" y="5931409"/>
+                <a:ext cx="609600" cy="369332"/>
+              </a:xfrm>
+              <a:prstGeom prst="rect">
+                <a:avLst/>
+              </a:prstGeom>
+              <a:noFill/>
+            </p:spPr>
+            <p:txBody>
+              <a:bodyPr wrap="square" rtlCol="0">
+                <a:spAutoFit/>
+              </a:bodyPr>
+              <a:lstStyle/>
+              <a:p>
+                <a:pPr/>
+                <a14:m>
+                  <m:oMathPara xmlns:m="http://schemas.openxmlformats.org/officeDocument/2006/math">
+                    <m:oMathParaPr>
+                      <m:jc m:val="centerGroup"/>
+                    </m:oMathParaPr>
+                    <m:oMath xmlns:m="http://schemas.openxmlformats.org/officeDocument/2006/math">
+                      <m:sSubSup>
+                        <m:sSubSupPr>
+                          <m:ctrlPr>
+                            <a:rPr lang="en-US" b="1" i="1" smtClean="0">
+                              <a:latin typeface="Cambria Math" panose="02040503050406030204" pitchFamily="18" charset="0"/>
+                            </a:rPr>
+                          </m:ctrlPr>
+                        </m:sSubSupPr>
+                        <m:e>
+                          <m:r>
+                            <a:rPr lang="en-US" b="1" i="1" smtClean="0">
+                              <a:latin typeface="Cambria Math" panose="02040503050406030204" pitchFamily="18" charset="0"/>
+                            </a:rPr>
+                            <m:t>𝑳</m:t>
+                          </m:r>
+                        </m:e>
+                        <m:sub>
+                          <m:r>
+                            <a:rPr lang="en-US" b="1" i="1" smtClean="0">
+                              <a:latin typeface="Cambria Math" panose="02040503050406030204" pitchFamily="18" charset="0"/>
+                            </a:rPr>
+                            <m:t>𝑵𝑬𝑾</m:t>
+                          </m:r>
+                        </m:sub>
+                        <m:sup>
+                          <m:r>
+                            <a:rPr lang="en-US" b="1" i="1" smtClean="0">
+                              <a:latin typeface="Cambria Math" panose="02040503050406030204" pitchFamily="18" charset="0"/>
+                            </a:rPr>
+                            <m:t>∗</m:t>
+                          </m:r>
+                        </m:sup>
+                      </m:sSubSup>
+                    </m:oMath>
+                  </m:oMathPara>
+                </a14:m>
+                <a:endParaRPr lang="en-US" b="1" dirty="0"/>
+              </a:p>
+            </p:txBody>
+          </p:sp>
+        </mc:Choice>
+        <mc:Fallback>
+          <p:sp>
+            <p:nvSpPr>
+              <p:cNvPr id="20" name="TextBox 19">
+                <a:extLst>
+                  <a:ext uri="{FF2B5EF4-FFF2-40B4-BE49-F238E27FC236}">
+                    <a16:creationId xmlns:a16="http://schemas.microsoft.com/office/drawing/2014/main" id="{9B955334-893C-2344-207D-23731A36DAA8}"/>
+                  </a:ext>
+                </a:extLst>
+              </p:cNvPr>
+              <p:cNvSpPr txBox="1">
+                <a:spLocks noRot="1" noChangeAspect="1" noMove="1" noResize="1" noEditPoints="1" noAdjustHandles="1" noChangeArrowheads="1" noChangeShapeType="1" noTextEdit="1"/>
+              </p:cNvSpPr>
+              <p:nvPr/>
+            </p:nvSpPr>
+            <p:spPr>
+              <a:xfrm>
+                <a:off x="1822997" y="5931409"/>
+                <a:ext cx="609600" cy="369332"/>
+              </a:xfrm>
+              <a:prstGeom prst="rect">
+                <a:avLst/>
+              </a:prstGeom>
+              <a:blipFill>
+                <a:blip r:embed="rId3"/>
+                <a:stretch>
+                  <a:fillRect r="-12245"/>
+                </a:stretch>
+              </a:blipFill>
+            </p:spPr>
+            <p:txBody>
+              <a:bodyPr/>
+              <a:lstStyle/>
+              <a:p>
+                <a:r>
+                  <a:rPr lang="en-US">
+                    <a:noFill/>
+                  </a:rPr>
+                  <a:t> </a:t>
+                </a:r>
+              </a:p>
+            </p:txBody>
+          </p:sp>
+        </mc:Fallback>
+      </mc:AlternateContent>
+      <p:sp>
+        <p:nvSpPr>
+          <p:cNvPr id="3" name="TextBox 2">
+            <a:extLst>
+              <a:ext uri="{FF2B5EF4-FFF2-40B4-BE49-F238E27FC236}">
+                <a16:creationId xmlns:a16="http://schemas.microsoft.com/office/drawing/2014/main" id="{8C1EAE47-39B4-502F-2609-78DBBE6F0E49}"/>
+              </a:ext>
+            </a:extLst>
+          </p:cNvPr>
+          <p:cNvSpPr txBox="1"/>
+          <p:nvPr/>
+        </p:nvSpPr>
+        <p:spPr>
+          <a:xfrm>
+            <a:off x="6096000" y="3878540"/>
+            <a:ext cx="3768996" cy="369332"/>
+          </a:xfrm>
+          <a:prstGeom prst="rect">
+            <a:avLst/>
+          </a:prstGeom>
+          <a:noFill/>
+        </p:spPr>
+        <p:txBody>
+          <a:bodyPr wrap="square" rtlCol="0">
+            <a:spAutoFit/>
+          </a:bodyPr>
+          <a:lstStyle/>
+          <a:p>
+            <a:r>
+              <a:rPr lang="en-US" b="1" dirty="0">
+                <a:solidFill>
+                  <a:schemeClr val="accent5">
+                    <a:lumMod val="60000"/>
+                    <a:lumOff val="40000"/>
+                  </a:schemeClr>
+                </a:solidFill>
+              </a:rPr>
+              <a:t>Value of Marginal Product of Labor</a:t>
+            </a:r>
+          </a:p>
+        </p:txBody>
+      </p:sp>
+    </p:spTree>
+    <p:extLst>
+      <p:ext uri="{BB962C8B-B14F-4D97-AF65-F5344CB8AC3E}">
+        <p14:creationId xmlns:p14="http://schemas.microsoft.com/office/powerpoint/2010/main" val="958963762"/>
+      </p:ext>
+    </p:extLst>
+  </p:cSld>
+  <p:clrMapOvr>
+    <a:masterClrMapping/>
+  </p:clrMapOvr>
+</p:sld>
+</file>
+
+<file path=ppt/slides/slide11.xml><?xml version="1.0" encoding="utf-8"?>
+<p:sld xmlns:a="http://schemas.openxmlformats.org/drawingml/2006/main" xmlns:r="http://schemas.openxmlformats.org/officeDocument/2006/relationships" xmlns:p="http://schemas.openxmlformats.org/presentationml/2006/main">
+  <p:cSld>
+    <p:spTree>
+      <p:nvGrpSpPr>
+        <p:cNvPr id="1" name="">
+          <a:extLst>
+            <a:ext uri="{FF2B5EF4-FFF2-40B4-BE49-F238E27FC236}">
+              <a16:creationId xmlns:a16="http://schemas.microsoft.com/office/drawing/2014/main" id="{6D5AF938-985F-14E5-70DA-9CBC469BFB29}"/>
+            </a:ext>
+          </a:extLst>
+        </p:cNvPr>
+        <p:cNvGrpSpPr/>
+        <p:nvPr/>
+      </p:nvGrpSpPr>
+      <p:grpSpPr>
+        <a:xfrm>
+          <a:off x="0" y="0"/>
+          <a:ext cx="0" cy="0"/>
+          <a:chOff x="0" y="0"/>
+          <a:chExt cx="0" cy="0"/>
+        </a:xfrm>
+      </p:grpSpPr>
+      <p:sp>
+        <p:nvSpPr>
+          <p:cNvPr id="24" name="Triangle 23">
+            <a:extLst>
+              <a:ext uri="{FF2B5EF4-FFF2-40B4-BE49-F238E27FC236}">
+                <a16:creationId xmlns:a16="http://schemas.microsoft.com/office/drawing/2014/main" id="{292035BC-5862-F8B4-DDAA-7ABCE49806FA}"/>
+              </a:ext>
+            </a:extLst>
+          </p:cNvPr>
+          <p:cNvSpPr/>
+          <p:nvPr/>
+        </p:nvSpPr>
+        <p:spPr>
+          <a:xfrm>
+            <a:off x="1335784" y="1407595"/>
+            <a:ext cx="792006" cy="458569"/>
+          </a:xfrm>
+          <a:prstGeom prst="triangle">
+            <a:avLst>
+              <a:gd name="adj" fmla="val 0"/>
+            </a:avLst>
+          </a:prstGeom>
+          <a:solidFill>
+            <a:srgbClr val="C00000"/>
+          </a:solidFill>
+          <a:ln>
+            <a:noFill/>
+          </a:ln>
+        </p:spPr>
+        <p:style>
+          <a:lnRef idx="2">
+            <a:schemeClr val="accent1">
+              <a:shade val="15000"/>
+            </a:schemeClr>
+          </a:lnRef>
+          <a:fillRef idx="1">
+            <a:schemeClr val="accent1"/>
+          </a:fillRef>
+          <a:effectRef idx="0">
+            <a:schemeClr val="accent1"/>
+          </a:effectRef>
+          <a:fontRef idx="minor">
+            <a:schemeClr val="lt1"/>
+          </a:fontRef>
+        </p:style>
+        <p:txBody>
+          <a:bodyPr rtlCol="0" anchor="ctr"/>
+          <a:lstStyle/>
+          <a:p>
+            <a:pPr algn="ctr"/>
+            <a:endParaRPr lang="en-US"/>
+          </a:p>
+        </p:txBody>
+      </p:sp>
+      <p:sp>
+        <p:nvSpPr>
+          <p:cNvPr id="23" name="Rectangle 22">
+            <a:extLst>
+              <a:ext uri="{FF2B5EF4-FFF2-40B4-BE49-F238E27FC236}">
+                <a16:creationId xmlns:a16="http://schemas.microsoft.com/office/drawing/2014/main" id="{91784656-4C1A-F6A6-0B44-ED89CBD0327E}"/>
+              </a:ext>
+            </a:extLst>
+          </p:cNvPr>
+          <p:cNvSpPr/>
+          <p:nvPr/>
+        </p:nvSpPr>
+        <p:spPr>
+          <a:xfrm>
+            <a:off x="1335789" y="1866165"/>
+            <a:ext cx="792003" cy="1374091"/>
+          </a:xfrm>
+          <a:prstGeom prst="rect">
+            <a:avLst/>
+          </a:prstGeom>
+          <a:solidFill>
+            <a:srgbClr val="C00000"/>
+          </a:solidFill>
+          <a:ln>
+            <a:noFill/>
+          </a:ln>
+        </p:spPr>
+        <p:style>
+          <a:lnRef idx="2">
+            <a:schemeClr val="accent1">
+              <a:shade val="15000"/>
+            </a:schemeClr>
+          </a:lnRef>
+          <a:fillRef idx="1">
+            <a:schemeClr val="accent1"/>
+          </a:fillRef>
+          <a:effectRef idx="0">
+            <a:schemeClr val="accent1"/>
+          </a:effectRef>
+          <a:fontRef idx="minor">
+            <a:schemeClr val="lt1"/>
+          </a:fontRef>
+        </p:style>
+        <p:txBody>
+          <a:bodyPr rtlCol="0" anchor="ctr"/>
+          <a:lstStyle/>
+          <a:p>
+            <a:pPr algn="ctr"/>
+            <a:endParaRPr lang="en-US"/>
+          </a:p>
+        </p:txBody>
+      </p:sp>
+      <p:sp>
+        <p:nvSpPr>
+          <p:cNvPr id="3" name="Triangle 2">
+            <a:extLst>
+              <a:ext uri="{FF2B5EF4-FFF2-40B4-BE49-F238E27FC236}">
+                <a16:creationId xmlns:a16="http://schemas.microsoft.com/office/drawing/2014/main" id="{7B0CAD31-6FE3-AFB5-7363-8781E07FCFBF}"/>
+              </a:ext>
+            </a:extLst>
+          </p:cNvPr>
+          <p:cNvSpPr/>
+          <p:nvPr/>
+        </p:nvSpPr>
+        <p:spPr>
+          <a:xfrm>
+            <a:off x="1316735" y="2943923"/>
+            <a:ext cx="792005" cy="296334"/>
+          </a:xfrm>
+          <a:prstGeom prst="triangle">
+            <a:avLst>
+              <a:gd name="adj" fmla="val 1894"/>
+            </a:avLst>
+          </a:prstGeom>
+          <a:solidFill>
+            <a:schemeClr val="accent3">
+              <a:lumMod val="60000"/>
+              <a:lumOff val="40000"/>
+            </a:schemeClr>
+          </a:solidFill>
+        </p:spPr>
+        <p:style>
+          <a:lnRef idx="2">
+            <a:schemeClr val="accent1">
+              <a:shade val="15000"/>
+            </a:schemeClr>
+          </a:lnRef>
+          <a:fillRef idx="1">
+            <a:schemeClr val="accent1"/>
+          </a:fillRef>
+          <a:effectRef idx="0">
+            <a:schemeClr val="accent1"/>
+          </a:effectRef>
+          <a:fontRef idx="minor">
+            <a:schemeClr val="lt1"/>
+          </a:fontRef>
+        </p:style>
+        <p:txBody>
+          <a:bodyPr rtlCol="0" anchor="ctr"/>
+          <a:lstStyle/>
+          <a:p>
+            <a:pPr algn="ctr"/>
+            <a:endParaRPr lang="en-US" dirty="0"/>
+          </a:p>
+        </p:txBody>
+      </p:sp>
+      <p:cxnSp>
+        <p:nvCxnSpPr>
+          <p:cNvPr id="4" name="Straight Connector 3">
+            <a:extLst>
+              <a:ext uri="{FF2B5EF4-FFF2-40B4-BE49-F238E27FC236}">
+                <a16:creationId xmlns:a16="http://schemas.microsoft.com/office/drawing/2014/main" id="{1C9FCBEB-0EAC-6012-2239-7158E98A8F7B}"/>
+              </a:ext>
+            </a:extLst>
+          </p:cNvPr>
+          <p:cNvCxnSpPr>
+            <a:cxnSpLocks/>
+          </p:cNvCxnSpPr>
+          <p:nvPr/>
+        </p:nvCxnSpPr>
+        <p:spPr>
+          <a:xfrm>
+            <a:off x="1316736" y="3267307"/>
+            <a:ext cx="8763966" cy="0"/>
+          </a:xfrm>
+          <a:prstGeom prst="line">
+            <a:avLst/>
+          </a:prstGeom>
+          <a:ln w="38100"/>
+        </p:spPr>
+        <p:style>
+          <a:lnRef idx="2">
+            <a:schemeClr val="accent1"/>
+          </a:lnRef>
+          <a:fillRef idx="0">
+            <a:schemeClr val="accent1"/>
+          </a:fillRef>
+          <a:effectRef idx="1">
+            <a:schemeClr val="accent1"/>
+          </a:effectRef>
+          <a:fontRef idx="minor">
+            <a:schemeClr val="tx1"/>
+          </a:fontRef>
+        </p:style>
+      </p:cxnSp>
+      <p:cxnSp>
+        <p:nvCxnSpPr>
+          <p:cNvPr id="5" name="Straight Connector 4">
+            <a:extLst>
+              <a:ext uri="{FF2B5EF4-FFF2-40B4-BE49-F238E27FC236}">
+                <a16:creationId xmlns:a16="http://schemas.microsoft.com/office/drawing/2014/main" id="{B1BA8A74-2641-6FAA-F51D-0555583B37A4}"/>
+              </a:ext>
+            </a:extLst>
+          </p:cNvPr>
+          <p:cNvCxnSpPr>
+            <a:cxnSpLocks/>
+          </p:cNvCxnSpPr>
+          <p:nvPr/>
+        </p:nvCxnSpPr>
+        <p:spPr>
+          <a:xfrm>
+            <a:off x="1297684" y="1382751"/>
+            <a:ext cx="7679048" cy="4497221"/>
+          </a:xfrm>
+          <a:prstGeom prst="line">
+            <a:avLst/>
+          </a:prstGeom>
+          <a:ln w="38100">
+            <a:solidFill>
+              <a:schemeClr val="accent5">
+                <a:lumMod val="60000"/>
+                <a:lumOff val="40000"/>
+              </a:schemeClr>
+            </a:solidFill>
+          </a:ln>
+        </p:spPr>
+        <p:style>
+          <a:lnRef idx="2">
+            <a:schemeClr val="accent1"/>
+          </a:lnRef>
+          <a:fillRef idx="0">
+            <a:schemeClr val="accent1"/>
+          </a:fillRef>
+          <a:effectRef idx="1">
+            <a:schemeClr val="accent1"/>
+          </a:effectRef>
+          <a:fontRef idx="minor">
+            <a:schemeClr val="tx1"/>
+          </a:fontRef>
+        </p:style>
+      </p:cxnSp>
+      <p:cxnSp>
+        <p:nvCxnSpPr>
+          <p:cNvPr id="6" name="Straight Connector 5">
+            <a:extLst>
+              <a:ext uri="{FF2B5EF4-FFF2-40B4-BE49-F238E27FC236}">
+                <a16:creationId xmlns:a16="http://schemas.microsoft.com/office/drawing/2014/main" id="{E28D2EFD-04C5-1CD2-5658-361F7E25DCAA}"/>
+              </a:ext>
+            </a:extLst>
+          </p:cNvPr>
+          <p:cNvCxnSpPr>
+            <a:cxnSpLocks/>
+          </p:cNvCxnSpPr>
+          <p:nvPr/>
+        </p:nvCxnSpPr>
+        <p:spPr>
+          <a:xfrm>
+            <a:off x="1335789" y="2943922"/>
+            <a:ext cx="7640943" cy="2936050"/>
+          </a:xfrm>
+          <a:prstGeom prst="line">
+            <a:avLst/>
+          </a:prstGeom>
+          <a:ln w="38100">
+            <a:solidFill>
+              <a:srgbClr val="FFC000"/>
+            </a:solidFill>
+          </a:ln>
+        </p:spPr>
+        <p:style>
+          <a:lnRef idx="2">
+            <a:schemeClr val="accent1"/>
+          </a:lnRef>
+          <a:fillRef idx="0">
+            <a:schemeClr val="accent1"/>
+          </a:fillRef>
+          <a:effectRef idx="1">
+            <a:schemeClr val="accent1"/>
+          </a:effectRef>
+          <a:fontRef idx="minor">
+            <a:schemeClr val="tx1"/>
+          </a:fontRef>
+        </p:style>
+      </p:cxnSp>
+      <p:grpSp>
+        <p:nvGrpSpPr>
+          <p:cNvPr id="7" name="Group 6">
+            <a:extLst>
+              <a:ext uri="{FF2B5EF4-FFF2-40B4-BE49-F238E27FC236}">
+                <a16:creationId xmlns:a16="http://schemas.microsoft.com/office/drawing/2014/main" id="{E2BABBBE-44C4-56C7-8357-5B7D5B8C16EB}"/>
+              </a:ext>
+            </a:extLst>
+          </p:cNvPr>
+          <p:cNvGrpSpPr/>
+          <p:nvPr/>
+        </p:nvGrpSpPr>
+        <p:grpSpPr>
+          <a:xfrm>
+            <a:off x="1297684" y="804672"/>
+            <a:ext cx="9089136" cy="5102352"/>
+            <a:chOff x="1297684" y="804672"/>
+            <a:chExt cx="9089136" cy="5102352"/>
+          </a:xfrm>
+        </p:grpSpPr>
+        <p:cxnSp>
+          <p:nvCxnSpPr>
+            <p:cNvPr id="8" name="Straight Connector 7">
+              <a:extLst>
+                <a:ext uri="{FF2B5EF4-FFF2-40B4-BE49-F238E27FC236}">
+                  <a16:creationId xmlns:a16="http://schemas.microsoft.com/office/drawing/2014/main" id="{3C2C411C-CEE6-8411-4FE4-74CC79FFDC9A}"/>
+                </a:ext>
+              </a:extLst>
+            </p:cNvPr>
+            <p:cNvCxnSpPr/>
+            <p:nvPr/>
+          </p:nvCxnSpPr>
+          <p:spPr>
+            <a:xfrm>
+              <a:off x="1316736" y="804672"/>
+              <a:ext cx="0" cy="5102352"/>
+            </a:xfrm>
+            <a:prstGeom prst="line">
+              <a:avLst/>
+            </a:prstGeom>
+            <a:ln w="57150">
+              <a:solidFill>
+                <a:schemeClr val="tx1"/>
+              </a:solidFill>
+            </a:ln>
+          </p:spPr>
+          <p:style>
+            <a:lnRef idx="2">
+              <a:schemeClr val="accent1"/>
+            </a:lnRef>
+            <a:fillRef idx="0">
+              <a:schemeClr val="accent1"/>
+            </a:fillRef>
+            <a:effectRef idx="1">
+              <a:schemeClr val="accent1"/>
+            </a:effectRef>
+            <a:fontRef idx="minor">
+              <a:schemeClr val="tx1"/>
+            </a:fontRef>
+          </p:style>
+        </p:cxnSp>
+        <p:cxnSp>
+          <p:nvCxnSpPr>
+            <p:cNvPr id="9" name="Straight Connector 8">
+              <a:extLst>
+                <a:ext uri="{FF2B5EF4-FFF2-40B4-BE49-F238E27FC236}">
+                  <a16:creationId xmlns:a16="http://schemas.microsoft.com/office/drawing/2014/main" id="{1FA33C24-A0A9-754E-4C84-8985934D4379}"/>
+                </a:ext>
+              </a:extLst>
+            </p:cNvPr>
+            <p:cNvCxnSpPr>
+              <a:cxnSpLocks/>
+            </p:cNvCxnSpPr>
+            <p:nvPr/>
+          </p:nvCxnSpPr>
+          <p:spPr>
+            <a:xfrm flipH="1">
+              <a:off x="1297684" y="5879972"/>
+              <a:ext cx="9089136" cy="0"/>
+            </a:xfrm>
+            <a:prstGeom prst="line">
+              <a:avLst/>
+            </a:prstGeom>
+            <a:ln w="57150">
+              <a:solidFill>
+                <a:schemeClr val="tx1"/>
+              </a:solidFill>
+            </a:ln>
+          </p:spPr>
+          <p:style>
+            <a:lnRef idx="2">
+              <a:schemeClr val="accent1"/>
+            </a:lnRef>
+            <a:fillRef idx="0">
+              <a:schemeClr val="accent1"/>
+            </a:fillRef>
+            <a:effectRef idx="1">
+              <a:schemeClr val="accent1"/>
+            </a:effectRef>
+            <a:fontRef idx="minor">
+              <a:schemeClr val="tx1"/>
+            </a:fontRef>
+          </p:style>
+        </p:cxnSp>
+      </p:grpSp>
+      <p:sp>
+        <p:nvSpPr>
+          <p:cNvPr id="10" name="TextBox 9">
+            <a:extLst>
+              <a:ext uri="{FF2B5EF4-FFF2-40B4-BE49-F238E27FC236}">
+                <a16:creationId xmlns:a16="http://schemas.microsoft.com/office/drawing/2014/main" id="{68AA95C1-AA9B-F849-37F4-95EEE15A105E}"/>
+              </a:ext>
+            </a:extLst>
+          </p:cNvPr>
+          <p:cNvSpPr txBox="1"/>
+          <p:nvPr/>
+        </p:nvSpPr>
+        <p:spPr>
+          <a:xfrm rot="16200000">
+            <a:off x="141319" y="1278446"/>
+            <a:ext cx="1470768" cy="523220"/>
+          </a:xfrm>
+          <a:prstGeom prst="rect">
+            <a:avLst/>
+          </a:prstGeom>
+          <a:noFill/>
+        </p:spPr>
+        <p:txBody>
+          <a:bodyPr wrap="square" rtlCol="0">
+            <a:spAutoFit/>
+          </a:bodyPr>
+          <a:lstStyle/>
+          <a:p>
+            <a:r>
+              <a:rPr lang="en-US" sz="2800" b="1" dirty="0"/>
+              <a:t>Output</a:t>
+            </a:r>
+          </a:p>
+        </p:txBody>
+      </p:sp>
+      <p:sp>
+        <p:nvSpPr>
+          <p:cNvPr id="11" name="TextBox 10">
+            <a:extLst>
+              <a:ext uri="{FF2B5EF4-FFF2-40B4-BE49-F238E27FC236}">
+                <a16:creationId xmlns:a16="http://schemas.microsoft.com/office/drawing/2014/main" id="{C706FF4F-A5B6-0CC6-6EF5-6996B0059EE1}"/>
+              </a:ext>
+            </a:extLst>
+          </p:cNvPr>
+          <p:cNvSpPr txBox="1"/>
+          <p:nvPr/>
+        </p:nvSpPr>
+        <p:spPr>
+          <a:xfrm>
+            <a:off x="9175926" y="6039131"/>
+            <a:ext cx="1210894" cy="523220"/>
+          </a:xfrm>
+          <a:prstGeom prst="rect">
+            <a:avLst/>
+          </a:prstGeom>
+          <a:noFill/>
+        </p:spPr>
+        <p:txBody>
+          <a:bodyPr wrap="square" rtlCol="0">
+            <a:spAutoFit/>
+          </a:bodyPr>
+          <a:lstStyle/>
+          <a:p>
+            <a:r>
+              <a:rPr lang="en-US" sz="2800" b="1" dirty="0"/>
+              <a:t>Labor</a:t>
+            </a:r>
+          </a:p>
+        </p:txBody>
+      </p:sp>
+      <p:sp>
+        <p:nvSpPr>
+          <p:cNvPr id="12" name="TextBox 11">
+            <a:extLst>
+              <a:ext uri="{FF2B5EF4-FFF2-40B4-BE49-F238E27FC236}">
+                <a16:creationId xmlns:a16="http://schemas.microsoft.com/office/drawing/2014/main" id="{6369768E-1BDA-1FBD-6479-FE2BD4E4B500}"/>
+              </a:ext>
+            </a:extLst>
+          </p:cNvPr>
+          <p:cNvSpPr txBox="1"/>
+          <p:nvPr/>
+        </p:nvSpPr>
+        <p:spPr>
+          <a:xfrm>
+            <a:off x="1682681" y="1094090"/>
+            <a:ext cx="3768996" cy="584775"/>
+          </a:xfrm>
+          <a:prstGeom prst="rect">
+            <a:avLst/>
+          </a:prstGeom>
+          <a:noFill/>
+        </p:spPr>
+        <p:txBody>
+          <a:bodyPr wrap="square" rtlCol="0">
+            <a:spAutoFit/>
+          </a:bodyPr>
+          <a:lstStyle/>
+          <a:p>
+            <a:r>
+              <a:rPr lang="en-US" sz="3200" b="1" dirty="0">
+                <a:solidFill>
+                  <a:srgbClr val="C00000"/>
+                </a:solidFill>
+              </a:rPr>
+              <a:t>Landlord Profit</a:t>
+            </a:r>
+          </a:p>
+        </p:txBody>
+      </p:sp>
+      <p:sp>
+        <p:nvSpPr>
+          <p:cNvPr id="13" name="TextBox 12">
+            <a:extLst>
+              <a:ext uri="{FF2B5EF4-FFF2-40B4-BE49-F238E27FC236}">
+                <a16:creationId xmlns:a16="http://schemas.microsoft.com/office/drawing/2014/main" id="{A62C5036-01D0-5B52-B37F-4D0787E69DBA}"/>
+              </a:ext>
+            </a:extLst>
+          </p:cNvPr>
+          <p:cNvSpPr txBox="1"/>
+          <p:nvPr/>
+        </p:nvSpPr>
+        <p:spPr>
+          <a:xfrm>
+            <a:off x="2146844" y="2619640"/>
+            <a:ext cx="3025124" cy="584775"/>
+          </a:xfrm>
+          <a:prstGeom prst="rect">
+            <a:avLst/>
+          </a:prstGeom>
+          <a:noFill/>
+        </p:spPr>
+        <p:txBody>
+          <a:bodyPr wrap="square" rtlCol="0">
+            <a:spAutoFit/>
+          </a:bodyPr>
+          <a:lstStyle/>
+          <a:p>
+            <a:r>
+              <a:rPr lang="en-US" sz="3200" b="1" dirty="0">
+                <a:solidFill>
+                  <a:srgbClr val="92D050"/>
+                </a:solidFill>
+              </a:rPr>
+              <a:t>Farmer Profit</a:t>
+            </a:r>
+          </a:p>
+        </p:txBody>
+      </p:sp>
+      <p:sp>
+        <p:nvSpPr>
+          <p:cNvPr id="14" name="TextBox 13">
+            <a:extLst>
+              <a:ext uri="{FF2B5EF4-FFF2-40B4-BE49-F238E27FC236}">
+                <a16:creationId xmlns:a16="http://schemas.microsoft.com/office/drawing/2014/main" id="{8FECBF0A-F0BB-9EA0-3A11-2418990596D1}"/>
+              </a:ext>
+            </a:extLst>
+          </p:cNvPr>
+          <p:cNvSpPr txBox="1"/>
+          <p:nvPr/>
+        </p:nvSpPr>
+        <p:spPr>
+          <a:xfrm>
+            <a:off x="7125320" y="2541178"/>
+            <a:ext cx="3768996" cy="646331"/>
+          </a:xfrm>
+          <a:prstGeom prst="rect">
+            <a:avLst/>
+          </a:prstGeom>
+          <a:noFill/>
+        </p:spPr>
+        <p:txBody>
+          <a:bodyPr wrap="square" rtlCol="0">
+            <a:spAutoFit/>
+          </a:bodyPr>
+          <a:lstStyle/>
+          <a:p>
+            <a:r>
+              <a:rPr lang="en-US" b="1" dirty="0">
+                <a:solidFill>
+                  <a:schemeClr val="tx2">
+                    <a:lumMod val="75000"/>
+                    <a:lumOff val="25000"/>
+                  </a:schemeClr>
+                </a:solidFill>
+              </a:rPr>
+              <a:t>Wage of Outside Option (Opportunity Cost of Farming)</a:t>
+            </a:r>
+          </a:p>
+        </p:txBody>
+      </p:sp>
+      <p:cxnSp>
+        <p:nvCxnSpPr>
+          <p:cNvPr id="15" name="Straight Connector 14">
+            <a:extLst>
+              <a:ext uri="{FF2B5EF4-FFF2-40B4-BE49-F238E27FC236}">
+                <a16:creationId xmlns:a16="http://schemas.microsoft.com/office/drawing/2014/main" id="{0E587EA9-7C85-BD9F-0A99-A887E651D464}"/>
+              </a:ext>
+            </a:extLst>
+          </p:cNvPr>
+          <p:cNvCxnSpPr>
+            <a:cxnSpLocks/>
+          </p:cNvCxnSpPr>
+          <p:nvPr/>
+        </p:nvCxnSpPr>
+        <p:spPr>
+          <a:xfrm flipV="1">
+            <a:off x="4511040" y="3355848"/>
+            <a:ext cx="0" cy="2524124"/>
+          </a:xfrm>
+          <a:prstGeom prst="line">
+            <a:avLst/>
+          </a:prstGeom>
+          <a:ln w="38100">
+            <a:prstDash val="dash"/>
+          </a:ln>
+        </p:spPr>
+        <p:style>
+          <a:lnRef idx="2">
+            <a:schemeClr val="accent1"/>
+          </a:lnRef>
+          <a:fillRef idx="0">
+            <a:schemeClr val="accent1"/>
+          </a:fillRef>
+          <a:effectRef idx="1">
+            <a:schemeClr val="accent1"/>
+          </a:effectRef>
+          <a:fontRef idx="minor">
+            <a:schemeClr val="tx1"/>
+          </a:fontRef>
+        </p:style>
+      </p:cxnSp>
+      <p:sp>
+        <p:nvSpPr>
+          <p:cNvPr id="16" name="Oval 15">
+            <a:extLst>
+              <a:ext uri="{FF2B5EF4-FFF2-40B4-BE49-F238E27FC236}">
+                <a16:creationId xmlns:a16="http://schemas.microsoft.com/office/drawing/2014/main" id="{68B1906A-1DC3-B867-A623-7DC0D7545AA8}"/>
+              </a:ext>
+            </a:extLst>
+          </p:cNvPr>
+          <p:cNvSpPr/>
+          <p:nvPr/>
+        </p:nvSpPr>
+        <p:spPr>
+          <a:xfrm>
+            <a:off x="4437175" y="3201067"/>
+            <a:ext cx="147731" cy="154781"/>
+          </a:xfrm>
+          <a:prstGeom prst="ellipse">
+            <a:avLst/>
+          </a:prstGeom>
+          <a:solidFill>
+            <a:srgbClr val="C00000"/>
+          </a:solidFill>
+          <a:ln>
+            <a:solidFill>
+              <a:schemeClr val="tx1"/>
+            </a:solidFill>
+          </a:ln>
+        </p:spPr>
+        <p:style>
+          <a:lnRef idx="2">
+            <a:schemeClr val="accent1">
+              <a:shade val="15000"/>
+            </a:schemeClr>
+          </a:lnRef>
+          <a:fillRef idx="1">
+            <a:schemeClr val="accent1"/>
+          </a:fillRef>
+          <a:effectRef idx="0">
+            <a:schemeClr val="accent1"/>
+          </a:effectRef>
+          <a:fontRef idx="minor">
+            <a:schemeClr val="lt1"/>
+          </a:fontRef>
+        </p:style>
+        <p:txBody>
+          <a:bodyPr rtlCol="0" anchor="ctr"/>
+          <a:lstStyle/>
+          <a:p>
+            <a:pPr algn="ctr"/>
+            <a:endParaRPr lang="en-US"/>
+          </a:p>
+        </p:txBody>
+      </p:sp>
+      <p:cxnSp>
+        <p:nvCxnSpPr>
+          <p:cNvPr id="17" name="Straight Connector 16">
+            <a:extLst>
+              <a:ext uri="{FF2B5EF4-FFF2-40B4-BE49-F238E27FC236}">
+                <a16:creationId xmlns:a16="http://schemas.microsoft.com/office/drawing/2014/main" id="{FD2E8DA0-E8AD-14A3-A894-26FECBB6D7A9}"/>
+              </a:ext>
+            </a:extLst>
+          </p:cNvPr>
+          <p:cNvCxnSpPr>
+            <a:cxnSpLocks/>
+          </p:cNvCxnSpPr>
+          <p:nvPr/>
+        </p:nvCxnSpPr>
+        <p:spPr>
+          <a:xfrm flipV="1">
+            <a:off x="2127797" y="1910080"/>
+            <a:ext cx="0" cy="3969892"/>
+          </a:xfrm>
+          <a:prstGeom prst="line">
+            <a:avLst/>
+          </a:prstGeom>
+          <a:ln w="38100">
+            <a:prstDash val="dash"/>
+          </a:ln>
+        </p:spPr>
+        <p:style>
+          <a:lnRef idx="2">
+            <a:schemeClr val="accent1"/>
+          </a:lnRef>
+          <a:fillRef idx="0">
+            <a:schemeClr val="accent1"/>
+          </a:fillRef>
+          <a:effectRef idx="1">
+            <a:schemeClr val="accent1"/>
+          </a:effectRef>
+          <a:fontRef idx="minor">
+            <a:schemeClr val="tx1"/>
+          </a:fontRef>
+        </p:style>
+      </p:cxnSp>
+      <p:sp>
+        <p:nvSpPr>
+          <p:cNvPr id="18" name="Oval 17">
+            <a:extLst>
+              <a:ext uri="{FF2B5EF4-FFF2-40B4-BE49-F238E27FC236}">
+                <a16:creationId xmlns:a16="http://schemas.microsoft.com/office/drawing/2014/main" id="{6D06C612-77F0-0530-CD91-4C2FEDF27DF5}"/>
+              </a:ext>
+            </a:extLst>
+          </p:cNvPr>
+          <p:cNvSpPr/>
+          <p:nvPr/>
+        </p:nvSpPr>
+        <p:spPr>
+          <a:xfrm>
+            <a:off x="2053932" y="3201067"/>
+            <a:ext cx="147731" cy="154781"/>
+          </a:xfrm>
+          <a:prstGeom prst="ellipse">
+            <a:avLst/>
+          </a:prstGeom>
+          <a:solidFill>
+            <a:srgbClr val="C00000"/>
+          </a:solidFill>
+          <a:ln>
+            <a:solidFill>
+              <a:schemeClr val="tx1"/>
+            </a:solidFill>
+          </a:ln>
+        </p:spPr>
+        <p:style>
+          <a:lnRef idx="2">
+            <a:schemeClr val="accent1">
+              <a:shade val="15000"/>
+            </a:schemeClr>
+          </a:lnRef>
+          <a:fillRef idx="1">
+            <a:schemeClr val="accent1"/>
+          </a:fillRef>
+          <a:effectRef idx="0">
+            <a:schemeClr val="accent1"/>
+          </a:effectRef>
+          <a:fontRef idx="minor">
+            <a:schemeClr val="lt1"/>
+          </a:fontRef>
+        </p:style>
+        <p:txBody>
+          <a:bodyPr rtlCol="0" anchor="ctr"/>
+          <a:lstStyle/>
+          <a:p>
+            <a:pPr algn="ctr"/>
+            <a:endParaRPr lang="en-US"/>
+          </a:p>
+        </p:txBody>
+      </p:sp>
+      <mc:AlternateContent xmlns:mc="http://schemas.openxmlformats.org/markup-compatibility/2006">
+        <mc:Choice xmlns:a14="http://schemas.microsoft.com/office/drawing/2010/main" Requires="a14">
+          <p:sp>
+            <p:nvSpPr>
+              <p:cNvPr id="19" name="TextBox 18">
+                <a:extLst>
+                  <a:ext uri="{FF2B5EF4-FFF2-40B4-BE49-F238E27FC236}">
+                    <a16:creationId xmlns:a16="http://schemas.microsoft.com/office/drawing/2014/main" id="{D0EF41FF-B5A4-B199-3AA6-2D9236B52258}"/>
+                  </a:ext>
+                </a:extLst>
+              </p:cNvPr>
+              <p:cNvSpPr txBox="1"/>
+              <p:nvPr/>
+            </p:nvSpPr>
+            <p:spPr>
+              <a:xfrm>
+                <a:off x="4206240" y="5968512"/>
+                <a:ext cx="609600" cy="369332"/>
+              </a:xfrm>
+              <a:prstGeom prst="rect">
+                <a:avLst/>
+              </a:prstGeom>
+              <a:noFill/>
+            </p:spPr>
+            <p:txBody>
+              <a:bodyPr wrap="square" rtlCol="0">
+                <a:spAutoFit/>
+              </a:bodyPr>
+              <a:lstStyle/>
+              <a:p>
+                <a:pPr/>
+                <a14:m>
+                  <m:oMathPara xmlns:m="http://schemas.openxmlformats.org/officeDocument/2006/math">
+                    <m:oMathParaPr>
+                      <m:jc m:val="centerGroup"/>
+                    </m:oMathParaPr>
+                    <m:oMath xmlns:m="http://schemas.openxmlformats.org/officeDocument/2006/math">
+                      <m:sSup>
+                        <m:sSupPr>
+                          <m:ctrlPr>
+                            <a:rPr lang="en-US" b="1" i="1" smtClean="0">
+                              <a:latin typeface="Cambria Math" panose="02040503050406030204" pitchFamily="18" charset="0"/>
+                            </a:rPr>
+                          </m:ctrlPr>
+                        </m:sSupPr>
+                        <m:e>
+                          <m:r>
+                            <a:rPr lang="en-US" b="1" i="1" smtClean="0">
+                              <a:latin typeface="Cambria Math" panose="02040503050406030204" pitchFamily="18" charset="0"/>
+                            </a:rPr>
+                            <m:t>𝑳</m:t>
+                          </m:r>
+                        </m:e>
+                        <m:sup>
+                          <m:r>
+                            <a:rPr lang="en-US" b="1" i="1" smtClean="0">
+                              <a:latin typeface="Cambria Math" panose="02040503050406030204" pitchFamily="18" charset="0"/>
+                            </a:rPr>
+                            <m:t>∗</m:t>
+                          </m:r>
+                        </m:sup>
+                      </m:sSup>
+                    </m:oMath>
+                  </m:oMathPara>
+                </a14:m>
+                <a:endParaRPr lang="en-US" b="1" dirty="0"/>
+              </a:p>
+            </p:txBody>
+          </p:sp>
+        </mc:Choice>
+        <mc:Fallback>
+          <p:sp>
+            <p:nvSpPr>
+              <p:cNvPr id="19" name="TextBox 18">
+                <a:extLst>
+                  <a:ext uri="{FF2B5EF4-FFF2-40B4-BE49-F238E27FC236}">
+                    <a16:creationId xmlns:a16="http://schemas.microsoft.com/office/drawing/2014/main" id="{D0EF41FF-B5A4-B199-3AA6-2D9236B52258}"/>
+                  </a:ext>
+                </a:extLst>
+              </p:cNvPr>
+              <p:cNvSpPr txBox="1">
+                <a:spLocks noRot="1" noChangeAspect="1" noMove="1" noResize="1" noEditPoints="1" noAdjustHandles="1" noChangeArrowheads="1" noChangeShapeType="1" noTextEdit="1"/>
+              </p:cNvSpPr>
+              <p:nvPr/>
+            </p:nvSpPr>
+            <p:spPr>
+              <a:xfrm>
+                <a:off x="4206240" y="5968512"/>
+                <a:ext cx="609600" cy="369332"/>
+              </a:xfrm>
+              <a:prstGeom prst="rect">
+                <a:avLst/>
+              </a:prstGeom>
+              <a:blipFill>
+                <a:blip r:embed="rId2"/>
+                <a:stretch>
+                  <a:fillRect/>
+                </a:stretch>
+              </a:blipFill>
+            </p:spPr>
+            <p:txBody>
+              <a:bodyPr/>
+              <a:lstStyle/>
+              <a:p>
+                <a:r>
+                  <a:rPr lang="en-US">
+                    <a:noFill/>
+                  </a:rPr>
+                  <a:t> </a:t>
+                </a:r>
+              </a:p>
+            </p:txBody>
+          </p:sp>
+        </mc:Fallback>
+      </mc:AlternateContent>
+      <mc:AlternateContent xmlns:mc="http://schemas.openxmlformats.org/markup-compatibility/2006">
+        <mc:Choice xmlns:a14="http://schemas.microsoft.com/office/drawing/2010/main" Requires="a14">
+          <p:sp>
+            <p:nvSpPr>
+              <p:cNvPr id="20" name="TextBox 19">
+                <a:extLst>
+                  <a:ext uri="{FF2B5EF4-FFF2-40B4-BE49-F238E27FC236}">
+                    <a16:creationId xmlns:a16="http://schemas.microsoft.com/office/drawing/2014/main" id="{960C1EAE-4E2F-AC10-F815-B7B09882D33B}"/>
+                  </a:ext>
+                </a:extLst>
+              </p:cNvPr>
+              <p:cNvSpPr txBox="1"/>
+              <p:nvPr/>
+            </p:nvSpPr>
+            <p:spPr>
+              <a:xfrm>
+                <a:off x="1822997" y="5931409"/>
+                <a:ext cx="609600" cy="369332"/>
+              </a:xfrm>
+              <a:prstGeom prst="rect">
+                <a:avLst/>
+              </a:prstGeom>
+              <a:noFill/>
+            </p:spPr>
+            <p:txBody>
+              <a:bodyPr wrap="square" rtlCol="0">
+                <a:spAutoFit/>
+              </a:bodyPr>
+              <a:lstStyle/>
+              <a:p>
+                <a:pPr/>
+                <a14:m>
+                  <m:oMathPara xmlns:m="http://schemas.openxmlformats.org/officeDocument/2006/math">
+                    <m:oMathParaPr>
+                      <m:jc m:val="centerGroup"/>
+                    </m:oMathParaPr>
+                    <m:oMath xmlns:m="http://schemas.openxmlformats.org/officeDocument/2006/math">
+                      <m:sSubSup>
+                        <m:sSubSupPr>
+                          <m:ctrlPr>
+                            <a:rPr lang="en-US" b="1" i="1" smtClean="0">
+                              <a:latin typeface="Cambria Math" panose="02040503050406030204" pitchFamily="18" charset="0"/>
+                            </a:rPr>
+                          </m:ctrlPr>
+                        </m:sSubSupPr>
+                        <m:e>
+                          <m:r>
+                            <a:rPr lang="en-US" b="1" i="1" smtClean="0">
+                              <a:latin typeface="Cambria Math" panose="02040503050406030204" pitchFamily="18" charset="0"/>
+                            </a:rPr>
+                            <m:t>𝑳</m:t>
+                          </m:r>
+                        </m:e>
+                        <m:sub>
+                          <m:r>
+                            <a:rPr lang="en-US" b="1" i="1" smtClean="0">
+                              <a:latin typeface="Cambria Math" panose="02040503050406030204" pitchFamily="18" charset="0"/>
+                            </a:rPr>
+                            <m:t>𝑵𝑬𝑾</m:t>
+                          </m:r>
+                        </m:sub>
+                        <m:sup>
+                          <m:r>
+                            <a:rPr lang="en-US" b="1" i="1" smtClean="0">
+                              <a:latin typeface="Cambria Math" panose="02040503050406030204" pitchFamily="18" charset="0"/>
+                            </a:rPr>
+                            <m:t>∗</m:t>
+                          </m:r>
+                        </m:sup>
+                      </m:sSubSup>
+                    </m:oMath>
+                  </m:oMathPara>
+                </a14:m>
+                <a:endParaRPr lang="en-US" b="1" dirty="0"/>
+              </a:p>
+            </p:txBody>
+          </p:sp>
+        </mc:Choice>
+        <mc:Fallback>
+          <p:sp>
+            <p:nvSpPr>
+              <p:cNvPr id="20" name="TextBox 19">
+                <a:extLst>
+                  <a:ext uri="{FF2B5EF4-FFF2-40B4-BE49-F238E27FC236}">
+                    <a16:creationId xmlns:a16="http://schemas.microsoft.com/office/drawing/2014/main" id="{960C1EAE-4E2F-AC10-F815-B7B09882D33B}"/>
+                  </a:ext>
+                </a:extLst>
+              </p:cNvPr>
+              <p:cNvSpPr txBox="1">
+                <a:spLocks noRot="1" noChangeAspect="1" noMove="1" noResize="1" noEditPoints="1" noAdjustHandles="1" noChangeArrowheads="1" noChangeShapeType="1" noTextEdit="1"/>
+              </p:cNvSpPr>
+              <p:nvPr/>
+            </p:nvSpPr>
+            <p:spPr>
+              <a:xfrm>
+                <a:off x="1822997" y="5931409"/>
+                <a:ext cx="609600" cy="369332"/>
+              </a:xfrm>
+              <a:prstGeom prst="rect">
+                <a:avLst/>
+              </a:prstGeom>
+              <a:blipFill>
+                <a:blip r:embed="rId3"/>
+                <a:stretch>
+                  <a:fillRect r="-12245"/>
+                </a:stretch>
+              </a:blipFill>
+            </p:spPr>
+            <p:txBody>
+              <a:bodyPr/>
+              <a:lstStyle/>
+              <a:p>
+                <a:r>
+                  <a:rPr lang="en-US">
+                    <a:noFill/>
+                  </a:rPr>
+                  <a:t> </a:t>
+                </a:r>
+              </a:p>
+            </p:txBody>
+          </p:sp>
+        </mc:Fallback>
+      </mc:AlternateContent>
+    </p:spTree>
+    <p:extLst>
+      <p:ext uri="{BB962C8B-B14F-4D97-AF65-F5344CB8AC3E}">
+        <p14:creationId xmlns:p14="http://schemas.microsoft.com/office/powerpoint/2010/main" val="1937366708"/>
+      </p:ext>
+    </p:extLst>
+  </p:cSld>
+  <p:clrMapOvr>
+    <a:masterClrMapping/>
+  </p:clrMapOvr>
+</p:sld>
+</file>
+
+<file path=ppt/slides/slide12.xml><?xml version="1.0" encoding="utf-8"?>
+<p:sld xmlns:a="http://schemas.openxmlformats.org/drawingml/2006/main" xmlns:r="http://schemas.openxmlformats.org/officeDocument/2006/relationships" xmlns:p="http://schemas.openxmlformats.org/presentationml/2006/main">
+  <p:cSld>
+    <p:spTree>
+      <p:nvGrpSpPr>
+        <p:cNvPr id="1" name="">
+          <a:extLst>
+            <a:ext uri="{FF2B5EF4-FFF2-40B4-BE49-F238E27FC236}">
+              <a16:creationId xmlns:a16="http://schemas.microsoft.com/office/drawing/2014/main" id="{E4C1D0F3-1E57-C39F-4D41-F9864B8F3538}"/>
+            </a:ext>
+          </a:extLst>
+        </p:cNvPr>
+        <p:cNvGrpSpPr/>
+        <p:nvPr/>
+      </p:nvGrpSpPr>
+      <p:grpSpPr>
+        <a:xfrm>
+          <a:off x="0" y="0"/>
+          <a:ext cx="0" cy="0"/>
+          <a:chOff x="0" y="0"/>
+          <a:chExt cx="0" cy="0"/>
+        </a:xfrm>
+      </p:grpSpPr>
+      <p:sp>
+        <p:nvSpPr>
+          <p:cNvPr id="2" name="Triangle 1">
+            <a:extLst>
+              <a:ext uri="{FF2B5EF4-FFF2-40B4-BE49-F238E27FC236}">
+                <a16:creationId xmlns:a16="http://schemas.microsoft.com/office/drawing/2014/main" id="{B3894A9F-7134-2975-F6B9-B239350DC68C}"/>
+              </a:ext>
+            </a:extLst>
+          </p:cNvPr>
+          <p:cNvSpPr/>
+          <p:nvPr/>
+        </p:nvSpPr>
+        <p:spPr>
+          <a:xfrm>
+            <a:off x="2127790" y="1858644"/>
+            <a:ext cx="2350992" cy="1408659"/>
+          </a:xfrm>
+          <a:prstGeom prst="triangle">
+            <a:avLst>
+              <a:gd name="adj" fmla="val 0"/>
+            </a:avLst>
+          </a:prstGeom>
+          <a:solidFill>
+            <a:srgbClr val="00B0F0"/>
+          </a:solidFill>
+          <a:ln>
+            <a:noFill/>
+          </a:ln>
+        </p:spPr>
+        <p:style>
+          <a:lnRef idx="2">
+            <a:schemeClr val="accent1">
+              <a:shade val="15000"/>
+            </a:schemeClr>
+          </a:lnRef>
+          <a:fillRef idx="1">
+            <a:schemeClr val="accent1"/>
+          </a:fillRef>
+          <a:effectRef idx="0">
+            <a:schemeClr val="accent1"/>
+          </a:effectRef>
+          <a:fontRef idx="minor">
+            <a:schemeClr val="lt1"/>
+          </a:fontRef>
+        </p:style>
+        <p:txBody>
+          <a:bodyPr rtlCol="0" anchor="ctr"/>
+          <a:lstStyle/>
+          <a:p>
+            <a:pPr algn="ctr"/>
+            <a:endParaRPr lang="en-US" dirty="0"/>
+          </a:p>
+        </p:txBody>
+      </p:sp>
+      <p:sp>
+        <p:nvSpPr>
+          <p:cNvPr id="24" name="Triangle 23">
+            <a:extLst>
+              <a:ext uri="{FF2B5EF4-FFF2-40B4-BE49-F238E27FC236}">
+                <a16:creationId xmlns:a16="http://schemas.microsoft.com/office/drawing/2014/main" id="{925F9E1F-F99E-EB1A-A643-DC2301365E63}"/>
+              </a:ext>
+            </a:extLst>
+          </p:cNvPr>
+          <p:cNvSpPr/>
+          <p:nvPr/>
+        </p:nvSpPr>
+        <p:spPr>
+          <a:xfrm>
+            <a:off x="1335784" y="1407595"/>
+            <a:ext cx="792006" cy="458569"/>
+          </a:xfrm>
+          <a:prstGeom prst="triangle">
+            <a:avLst>
+              <a:gd name="adj" fmla="val 0"/>
+            </a:avLst>
+          </a:prstGeom>
+          <a:solidFill>
+            <a:srgbClr val="C00000"/>
+          </a:solidFill>
+          <a:ln>
+            <a:noFill/>
+          </a:ln>
+        </p:spPr>
+        <p:style>
+          <a:lnRef idx="2">
+            <a:schemeClr val="accent1">
+              <a:shade val="15000"/>
+            </a:schemeClr>
+          </a:lnRef>
+          <a:fillRef idx="1">
+            <a:schemeClr val="accent1"/>
+          </a:fillRef>
+          <a:effectRef idx="0">
+            <a:schemeClr val="accent1"/>
+          </a:effectRef>
+          <a:fontRef idx="minor">
+            <a:schemeClr val="lt1"/>
+          </a:fontRef>
+        </p:style>
+        <p:txBody>
+          <a:bodyPr rtlCol="0" anchor="ctr"/>
+          <a:lstStyle/>
+          <a:p>
+            <a:pPr algn="ctr"/>
+            <a:endParaRPr lang="en-US"/>
+          </a:p>
+        </p:txBody>
+      </p:sp>
+      <p:sp>
+        <p:nvSpPr>
+          <p:cNvPr id="23" name="Rectangle 22">
+            <a:extLst>
+              <a:ext uri="{FF2B5EF4-FFF2-40B4-BE49-F238E27FC236}">
+                <a16:creationId xmlns:a16="http://schemas.microsoft.com/office/drawing/2014/main" id="{EC194A7C-6C8B-69AE-48D5-C4E273158CC0}"/>
+              </a:ext>
+            </a:extLst>
+          </p:cNvPr>
+          <p:cNvSpPr/>
+          <p:nvPr/>
+        </p:nvSpPr>
+        <p:spPr>
+          <a:xfrm>
+            <a:off x="1335789" y="1866165"/>
+            <a:ext cx="792003" cy="1374091"/>
+          </a:xfrm>
+          <a:prstGeom prst="rect">
+            <a:avLst/>
+          </a:prstGeom>
+          <a:solidFill>
+            <a:srgbClr val="C00000"/>
+          </a:solidFill>
+          <a:ln>
+            <a:noFill/>
+          </a:ln>
+        </p:spPr>
+        <p:style>
+          <a:lnRef idx="2">
+            <a:schemeClr val="accent1">
+              <a:shade val="15000"/>
+            </a:schemeClr>
+          </a:lnRef>
+          <a:fillRef idx="1">
+            <a:schemeClr val="accent1"/>
+          </a:fillRef>
+          <a:effectRef idx="0">
+            <a:schemeClr val="accent1"/>
+          </a:effectRef>
+          <a:fontRef idx="minor">
+            <a:schemeClr val="lt1"/>
+          </a:fontRef>
+        </p:style>
+        <p:txBody>
+          <a:bodyPr rtlCol="0" anchor="ctr"/>
+          <a:lstStyle/>
+          <a:p>
+            <a:pPr algn="ctr"/>
+            <a:endParaRPr lang="en-US"/>
+          </a:p>
+        </p:txBody>
+      </p:sp>
+      <p:sp>
+        <p:nvSpPr>
+          <p:cNvPr id="3" name="Triangle 2">
+            <a:extLst>
+              <a:ext uri="{FF2B5EF4-FFF2-40B4-BE49-F238E27FC236}">
+                <a16:creationId xmlns:a16="http://schemas.microsoft.com/office/drawing/2014/main" id="{6E5C5D82-D8F7-D091-C381-1249CD77E311}"/>
+              </a:ext>
+            </a:extLst>
+          </p:cNvPr>
+          <p:cNvSpPr/>
+          <p:nvPr/>
+        </p:nvSpPr>
+        <p:spPr>
+          <a:xfrm>
+            <a:off x="1316735" y="2943923"/>
+            <a:ext cx="792005" cy="296334"/>
+          </a:xfrm>
+          <a:prstGeom prst="triangle">
+            <a:avLst>
+              <a:gd name="adj" fmla="val 1894"/>
+            </a:avLst>
+          </a:prstGeom>
+          <a:solidFill>
+            <a:schemeClr val="accent3">
+              <a:lumMod val="60000"/>
+              <a:lumOff val="40000"/>
+            </a:schemeClr>
+          </a:solidFill>
+        </p:spPr>
+        <p:style>
+          <a:lnRef idx="2">
+            <a:schemeClr val="accent1">
+              <a:shade val="15000"/>
+            </a:schemeClr>
+          </a:lnRef>
+          <a:fillRef idx="1">
+            <a:schemeClr val="accent1"/>
+          </a:fillRef>
+          <a:effectRef idx="0">
+            <a:schemeClr val="accent1"/>
+          </a:effectRef>
+          <a:fontRef idx="minor">
+            <a:schemeClr val="lt1"/>
+          </a:fontRef>
+        </p:style>
+        <p:txBody>
+          <a:bodyPr rtlCol="0" anchor="ctr"/>
+          <a:lstStyle/>
+          <a:p>
+            <a:pPr algn="ctr"/>
+            <a:endParaRPr lang="en-US" dirty="0"/>
+          </a:p>
+        </p:txBody>
+      </p:sp>
+      <p:cxnSp>
+        <p:nvCxnSpPr>
+          <p:cNvPr id="4" name="Straight Connector 3">
+            <a:extLst>
+              <a:ext uri="{FF2B5EF4-FFF2-40B4-BE49-F238E27FC236}">
+                <a16:creationId xmlns:a16="http://schemas.microsoft.com/office/drawing/2014/main" id="{3A9E6A04-0B2A-7D39-ECF5-2B51FC860C6B}"/>
+              </a:ext>
+            </a:extLst>
+          </p:cNvPr>
+          <p:cNvCxnSpPr>
+            <a:cxnSpLocks/>
+          </p:cNvCxnSpPr>
+          <p:nvPr/>
+        </p:nvCxnSpPr>
+        <p:spPr>
+          <a:xfrm>
+            <a:off x="1316736" y="3267307"/>
+            <a:ext cx="8763966" cy="0"/>
+          </a:xfrm>
+          <a:prstGeom prst="line">
+            <a:avLst/>
+          </a:prstGeom>
+          <a:ln w="38100"/>
+        </p:spPr>
+        <p:style>
+          <a:lnRef idx="2">
+            <a:schemeClr val="accent1"/>
+          </a:lnRef>
+          <a:fillRef idx="0">
+            <a:schemeClr val="accent1"/>
+          </a:fillRef>
+          <a:effectRef idx="1">
+            <a:schemeClr val="accent1"/>
+          </a:effectRef>
+          <a:fontRef idx="minor">
+            <a:schemeClr val="tx1"/>
+          </a:fontRef>
+        </p:style>
+      </p:cxnSp>
+      <p:cxnSp>
+        <p:nvCxnSpPr>
+          <p:cNvPr id="5" name="Straight Connector 4">
+            <a:extLst>
+              <a:ext uri="{FF2B5EF4-FFF2-40B4-BE49-F238E27FC236}">
+                <a16:creationId xmlns:a16="http://schemas.microsoft.com/office/drawing/2014/main" id="{3966E086-C6C1-5F09-E494-74CA4F913C54}"/>
+              </a:ext>
+            </a:extLst>
+          </p:cNvPr>
+          <p:cNvCxnSpPr>
+            <a:cxnSpLocks/>
+          </p:cNvCxnSpPr>
+          <p:nvPr/>
+        </p:nvCxnSpPr>
+        <p:spPr>
+          <a:xfrm>
+            <a:off x="1297684" y="1382751"/>
+            <a:ext cx="7679048" cy="4497221"/>
+          </a:xfrm>
+          <a:prstGeom prst="line">
+            <a:avLst/>
+          </a:prstGeom>
+          <a:ln w="38100">
+            <a:solidFill>
+              <a:schemeClr val="accent5">
+                <a:lumMod val="60000"/>
+                <a:lumOff val="40000"/>
+              </a:schemeClr>
+            </a:solidFill>
+          </a:ln>
+        </p:spPr>
+        <p:style>
+          <a:lnRef idx="2">
+            <a:schemeClr val="accent1"/>
+          </a:lnRef>
+          <a:fillRef idx="0">
+            <a:schemeClr val="accent1"/>
+          </a:fillRef>
+          <a:effectRef idx="1">
+            <a:schemeClr val="accent1"/>
+          </a:effectRef>
+          <a:fontRef idx="minor">
+            <a:schemeClr val="tx1"/>
+          </a:fontRef>
+        </p:style>
+      </p:cxnSp>
+      <p:cxnSp>
+        <p:nvCxnSpPr>
+          <p:cNvPr id="6" name="Straight Connector 5">
+            <a:extLst>
+              <a:ext uri="{FF2B5EF4-FFF2-40B4-BE49-F238E27FC236}">
+                <a16:creationId xmlns:a16="http://schemas.microsoft.com/office/drawing/2014/main" id="{155549AC-705E-F24E-0D7B-98840E5F6CDC}"/>
+              </a:ext>
+            </a:extLst>
+          </p:cNvPr>
+          <p:cNvCxnSpPr>
+            <a:cxnSpLocks/>
+          </p:cNvCxnSpPr>
+          <p:nvPr/>
+        </p:nvCxnSpPr>
+        <p:spPr>
+          <a:xfrm>
+            <a:off x="1335789" y="2943922"/>
+            <a:ext cx="7640943" cy="2936050"/>
+          </a:xfrm>
+          <a:prstGeom prst="line">
+            <a:avLst/>
+          </a:prstGeom>
+          <a:ln w="38100">
+            <a:solidFill>
+              <a:srgbClr val="FFC000"/>
+            </a:solidFill>
+          </a:ln>
+        </p:spPr>
+        <p:style>
+          <a:lnRef idx="2">
+            <a:schemeClr val="accent1"/>
+          </a:lnRef>
+          <a:fillRef idx="0">
+            <a:schemeClr val="accent1"/>
+          </a:fillRef>
+          <a:effectRef idx="1">
+            <a:schemeClr val="accent1"/>
+          </a:effectRef>
+          <a:fontRef idx="minor">
+            <a:schemeClr val="tx1"/>
+          </a:fontRef>
+        </p:style>
+      </p:cxnSp>
+      <p:grpSp>
+        <p:nvGrpSpPr>
+          <p:cNvPr id="7" name="Group 6">
+            <a:extLst>
+              <a:ext uri="{FF2B5EF4-FFF2-40B4-BE49-F238E27FC236}">
+                <a16:creationId xmlns:a16="http://schemas.microsoft.com/office/drawing/2014/main" id="{AB256D1C-B15D-B35D-145B-BBAE1BC3FCA6}"/>
+              </a:ext>
+            </a:extLst>
+          </p:cNvPr>
+          <p:cNvGrpSpPr/>
+          <p:nvPr/>
+        </p:nvGrpSpPr>
+        <p:grpSpPr>
+          <a:xfrm>
+            <a:off x="1297684" y="804672"/>
+            <a:ext cx="9089136" cy="5102352"/>
+            <a:chOff x="1297684" y="804672"/>
+            <a:chExt cx="9089136" cy="5102352"/>
+          </a:xfrm>
+        </p:grpSpPr>
+        <p:cxnSp>
+          <p:nvCxnSpPr>
+            <p:cNvPr id="8" name="Straight Connector 7">
+              <a:extLst>
+                <a:ext uri="{FF2B5EF4-FFF2-40B4-BE49-F238E27FC236}">
+                  <a16:creationId xmlns:a16="http://schemas.microsoft.com/office/drawing/2014/main" id="{D88E9D05-8220-B3C3-DECC-D0F3BB85D2EE}"/>
+                </a:ext>
+              </a:extLst>
+            </p:cNvPr>
+            <p:cNvCxnSpPr/>
+            <p:nvPr/>
+          </p:nvCxnSpPr>
+          <p:spPr>
+            <a:xfrm>
+              <a:off x="1316736" y="804672"/>
+              <a:ext cx="0" cy="5102352"/>
+            </a:xfrm>
+            <a:prstGeom prst="line">
+              <a:avLst/>
+            </a:prstGeom>
+            <a:ln w="57150">
+              <a:solidFill>
+                <a:schemeClr val="tx1"/>
+              </a:solidFill>
+            </a:ln>
+          </p:spPr>
+          <p:style>
+            <a:lnRef idx="2">
+              <a:schemeClr val="accent1"/>
+            </a:lnRef>
+            <a:fillRef idx="0">
+              <a:schemeClr val="accent1"/>
+            </a:fillRef>
+            <a:effectRef idx="1">
+              <a:schemeClr val="accent1"/>
+            </a:effectRef>
+            <a:fontRef idx="minor">
+              <a:schemeClr val="tx1"/>
+            </a:fontRef>
+          </p:style>
+        </p:cxnSp>
+        <p:cxnSp>
+          <p:nvCxnSpPr>
+            <p:cNvPr id="9" name="Straight Connector 8">
+              <a:extLst>
+                <a:ext uri="{FF2B5EF4-FFF2-40B4-BE49-F238E27FC236}">
+                  <a16:creationId xmlns:a16="http://schemas.microsoft.com/office/drawing/2014/main" id="{0274D75B-44DA-8B4A-7508-22CD187A6AA1}"/>
+                </a:ext>
+              </a:extLst>
+            </p:cNvPr>
+            <p:cNvCxnSpPr>
+              <a:cxnSpLocks/>
+            </p:cNvCxnSpPr>
+            <p:nvPr/>
+          </p:nvCxnSpPr>
+          <p:spPr>
+            <a:xfrm flipH="1">
+              <a:off x="1297684" y="5879972"/>
+              <a:ext cx="9089136" cy="0"/>
+            </a:xfrm>
+            <a:prstGeom prst="line">
+              <a:avLst/>
+            </a:prstGeom>
+            <a:ln w="57150">
+              <a:solidFill>
+                <a:schemeClr val="tx1"/>
+              </a:solidFill>
+            </a:ln>
+          </p:spPr>
+          <p:style>
+            <a:lnRef idx="2">
+              <a:schemeClr val="accent1"/>
+            </a:lnRef>
+            <a:fillRef idx="0">
+              <a:schemeClr val="accent1"/>
+            </a:fillRef>
+            <a:effectRef idx="1">
+              <a:schemeClr val="accent1"/>
+            </a:effectRef>
+            <a:fontRef idx="minor">
+              <a:schemeClr val="tx1"/>
+            </a:fontRef>
+          </p:style>
+        </p:cxnSp>
+      </p:grpSp>
+      <p:sp>
+        <p:nvSpPr>
+          <p:cNvPr id="10" name="TextBox 9">
+            <a:extLst>
+              <a:ext uri="{FF2B5EF4-FFF2-40B4-BE49-F238E27FC236}">
+                <a16:creationId xmlns:a16="http://schemas.microsoft.com/office/drawing/2014/main" id="{275B12E0-B95C-232C-A4EC-8CF3F3C3D1D9}"/>
+              </a:ext>
+            </a:extLst>
+          </p:cNvPr>
+          <p:cNvSpPr txBox="1"/>
+          <p:nvPr/>
+        </p:nvSpPr>
+        <p:spPr>
+          <a:xfrm rot="16200000">
+            <a:off x="141319" y="1278446"/>
+            <a:ext cx="1470768" cy="523220"/>
+          </a:xfrm>
+          <a:prstGeom prst="rect">
+            <a:avLst/>
+          </a:prstGeom>
+          <a:noFill/>
+        </p:spPr>
+        <p:txBody>
+          <a:bodyPr wrap="square" rtlCol="0">
+            <a:spAutoFit/>
+          </a:bodyPr>
+          <a:lstStyle/>
+          <a:p>
+            <a:r>
+              <a:rPr lang="en-US" sz="2800" b="1" dirty="0"/>
+              <a:t>Output</a:t>
+            </a:r>
+          </a:p>
+        </p:txBody>
+      </p:sp>
+      <p:sp>
+        <p:nvSpPr>
+          <p:cNvPr id="11" name="TextBox 10">
+            <a:extLst>
+              <a:ext uri="{FF2B5EF4-FFF2-40B4-BE49-F238E27FC236}">
+                <a16:creationId xmlns:a16="http://schemas.microsoft.com/office/drawing/2014/main" id="{1C5235DA-9BD8-02F9-D7E7-5E26BC773FB5}"/>
+              </a:ext>
+            </a:extLst>
+          </p:cNvPr>
+          <p:cNvSpPr txBox="1"/>
+          <p:nvPr/>
+        </p:nvSpPr>
+        <p:spPr>
+          <a:xfrm>
+            <a:off x="9175926" y="6039131"/>
+            <a:ext cx="1210894" cy="523220"/>
+          </a:xfrm>
+          <a:prstGeom prst="rect">
+            <a:avLst/>
+          </a:prstGeom>
+          <a:noFill/>
+        </p:spPr>
+        <p:txBody>
+          <a:bodyPr wrap="square" rtlCol="0">
+            <a:spAutoFit/>
+          </a:bodyPr>
+          <a:lstStyle/>
+          <a:p>
+            <a:r>
+              <a:rPr lang="en-US" sz="2800" b="1" dirty="0"/>
+              <a:t>Labor</a:t>
+            </a:r>
+          </a:p>
+        </p:txBody>
+      </p:sp>
+      <p:sp>
+        <p:nvSpPr>
+          <p:cNvPr id="12" name="TextBox 11">
+            <a:extLst>
+              <a:ext uri="{FF2B5EF4-FFF2-40B4-BE49-F238E27FC236}">
+                <a16:creationId xmlns:a16="http://schemas.microsoft.com/office/drawing/2014/main" id="{8FA9584D-68B7-2047-766C-3C91C68B0658}"/>
+              </a:ext>
+            </a:extLst>
+          </p:cNvPr>
+          <p:cNvSpPr txBox="1"/>
+          <p:nvPr/>
+        </p:nvSpPr>
+        <p:spPr>
+          <a:xfrm>
+            <a:off x="1682681" y="1094090"/>
+            <a:ext cx="3768996" cy="369332"/>
+          </a:xfrm>
+          <a:prstGeom prst="rect">
+            <a:avLst/>
+          </a:prstGeom>
+          <a:noFill/>
+        </p:spPr>
+        <p:txBody>
+          <a:bodyPr wrap="square" rtlCol="0">
+            <a:spAutoFit/>
+          </a:bodyPr>
+          <a:lstStyle/>
+          <a:p>
+            <a:r>
+              <a:rPr lang="en-US" b="1" dirty="0">
+                <a:solidFill>
+                  <a:srgbClr val="C00000"/>
+                </a:solidFill>
+              </a:rPr>
+              <a:t>Landlord Profit</a:t>
+            </a:r>
+          </a:p>
+        </p:txBody>
+      </p:sp>
+      <p:sp>
+        <p:nvSpPr>
+          <p:cNvPr id="13" name="TextBox 12">
+            <a:extLst>
+              <a:ext uri="{FF2B5EF4-FFF2-40B4-BE49-F238E27FC236}">
+                <a16:creationId xmlns:a16="http://schemas.microsoft.com/office/drawing/2014/main" id="{D5741ED7-0993-539F-F56F-1B7E1EA9392F}"/>
+              </a:ext>
+            </a:extLst>
+          </p:cNvPr>
+          <p:cNvSpPr txBox="1"/>
+          <p:nvPr/>
+        </p:nvSpPr>
+        <p:spPr>
+          <a:xfrm>
+            <a:off x="336449" y="2942761"/>
+            <a:ext cx="999335" cy="646331"/>
+          </a:xfrm>
+          <a:prstGeom prst="rect">
+            <a:avLst/>
+          </a:prstGeom>
+          <a:noFill/>
+        </p:spPr>
+        <p:txBody>
+          <a:bodyPr wrap="square" rtlCol="0">
+            <a:spAutoFit/>
+          </a:bodyPr>
+          <a:lstStyle/>
+          <a:p>
+            <a:r>
+              <a:rPr lang="en-US" b="1" dirty="0">
+                <a:solidFill>
+                  <a:srgbClr val="92D050"/>
+                </a:solidFill>
+              </a:rPr>
+              <a:t>Farmer Profit</a:t>
+            </a:r>
+          </a:p>
+        </p:txBody>
+      </p:sp>
+      <p:sp>
+        <p:nvSpPr>
+          <p:cNvPr id="14" name="TextBox 13">
+            <a:extLst>
+              <a:ext uri="{FF2B5EF4-FFF2-40B4-BE49-F238E27FC236}">
+                <a16:creationId xmlns:a16="http://schemas.microsoft.com/office/drawing/2014/main" id="{ECB28F70-FA0D-F568-74DA-E65CE22116D9}"/>
+              </a:ext>
+            </a:extLst>
+          </p:cNvPr>
+          <p:cNvSpPr txBox="1"/>
+          <p:nvPr/>
+        </p:nvSpPr>
+        <p:spPr>
+          <a:xfrm>
+            <a:off x="7125320" y="2541178"/>
+            <a:ext cx="3768996" cy="646331"/>
+          </a:xfrm>
+          <a:prstGeom prst="rect">
+            <a:avLst/>
+          </a:prstGeom>
+          <a:noFill/>
+        </p:spPr>
+        <p:txBody>
+          <a:bodyPr wrap="square" rtlCol="0">
+            <a:spAutoFit/>
+          </a:bodyPr>
+          <a:lstStyle/>
+          <a:p>
+            <a:r>
+              <a:rPr lang="en-US" b="1" dirty="0">
+                <a:solidFill>
+                  <a:schemeClr val="tx2">
+                    <a:lumMod val="75000"/>
+                    <a:lumOff val="25000"/>
+                  </a:schemeClr>
+                </a:solidFill>
+              </a:rPr>
+              <a:t>Wage of Outside Option (Opportunity Cost of Farming)</a:t>
+            </a:r>
+          </a:p>
+        </p:txBody>
+      </p:sp>
+      <p:cxnSp>
+        <p:nvCxnSpPr>
+          <p:cNvPr id="15" name="Straight Connector 14">
+            <a:extLst>
+              <a:ext uri="{FF2B5EF4-FFF2-40B4-BE49-F238E27FC236}">
+                <a16:creationId xmlns:a16="http://schemas.microsoft.com/office/drawing/2014/main" id="{A39045E1-4F7A-845E-9DE7-1A315BD4A804}"/>
+              </a:ext>
+            </a:extLst>
+          </p:cNvPr>
+          <p:cNvCxnSpPr>
+            <a:cxnSpLocks/>
+          </p:cNvCxnSpPr>
+          <p:nvPr/>
+        </p:nvCxnSpPr>
+        <p:spPr>
+          <a:xfrm flipV="1">
+            <a:off x="4511040" y="3355848"/>
+            <a:ext cx="0" cy="2524124"/>
+          </a:xfrm>
+          <a:prstGeom prst="line">
+            <a:avLst/>
+          </a:prstGeom>
+          <a:ln w="38100">
+            <a:prstDash val="dash"/>
+          </a:ln>
+        </p:spPr>
+        <p:style>
+          <a:lnRef idx="2">
+            <a:schemeClr val="accent1"/>
+          </a:lnRef>
+          <a:fillRef idx="0">
+            <a:schemeClr val="accent1"/>
+          </a:fillRef>
+          <a:effectRef idx="1">
+            <a:schemeClr val="accent1"/>
+          </a:effectRef>
+          <a:fontRef idx="minor">
+            <a:schemeClr val="tx1"/>
+          </a:fontRef>
+        </p:style>
+      </p:cxnSp>
+      <p:sp>
+        <p:nvSpPr>
+          <p:cNvPr id="16" name="Oval 15">
+            <a:extLst>
+              <a:ext uri="{FF2B5EF4-FFF2-40B4-BE49-F238E27FC236}">
+                <a16:creationId xmlns:a16="http://schemas.microsoft.com/office/drawing/2014/main" id="{F9A452B6-D62B-79C5-7B5B-80BFEDC62515}"/>
+              </a:ext>
+            </a:extLst>
+          </p:cNvPr>
+          <p:cNvSpPr/>
+          <p:nvPr/>
+        </p:nvSpPr>
+        <p:spPr>
+          <a:xfrm>
+            <a:off x="4437175" y="3201067"/>
+            <a:ext cx="147731" cy="154781"/>
+          </a:xfrm>
+          <a:prstGeom prst="ellipse">
+            <a:avLst/>
+          </a:prstGeom>
+          <a:solidFill>
+            <a:srgbClr val="C00000"/>
+          </a:solidFill>
+          <a:ln>
+            <a:solidFill>
+              <a:schemeClr val="tx1"/>
+            </a:solidFill>
+          </a:ln>
+        </p:spPr>
+        <p:style>
+          <a:lnRef idx="2">
+            <a:schemeClr val="accent1">
+              <a:shade val="15000"/>
+            </a:schemeClr>
+          </a:lnRef>
+          <a:fillRef idx="1">
+            <a:schemeClr val="accent1"/>
+          </a:fillRef>
+          <a:effectRef idx="0">
+            <a:schemeClr val="accent1"/>
+          </a:effectRef>
+          <a:fontRef idx="minor">
+            <a:schemeClr val="lt1"/>
+          </a:fontRef>
+        </p:style>
+        <p:txBody>
+          <a:bodyPr rtlCol="0" anchor="ctr"/>
+          <a:lstStyle/>
+          <a:p>
+            <a:pPr algn="ctr"/>
+            <a:endParaRPr lang="en-US"/>
+          </a:p>
+        </p:txBody>
+      </p:sp>
+      <p:cxnSp>
+        <p:nvCxnSpPr>
+          <p:cNvPr id="17" name="Straight Connector 16">
+            <a:extLst>
+              <a:ext uri="{FF2B5EF4-FFF2-40B4-BE49-F238E27FC236}">
+                <a16:creationId xmlns:a16="http://schemas.microsoft.com/office/drawing/2014/main" id="{A0B3FB9D-79A5-F5B8-9A21-ACD9749B44CB}"/>
+              </a:ext>
+            </a:extLst>
+          </p:cNvPr>
+          <p:cNvCxnSpPr>
+            <a:cxnSpLocks/>
+          </p:cNvCxnSpPr>
+          <p:nvPr/>
+        </p:nvCxnSpPr>
+        <p:spPr>
+          <a:xfrm flipV="1">
+            <a:off x="2127797" y="1910080"/>
+            <a:ext cx="0" cy="3969892"/>
+          </a:xfrm>
+          <a:prstGeom prst="line">
+            <a:avLst/>
+          </a:prstGeom>
+          <a:ln w="38100">
+            <a:prstDash val="dash"/>
+          </a:ln>
+        </p:spPr>
+        <p:style>
+          <a:lnRef idx="2">
+            <a:schemeClr val="accent1"/>
+          </a:lnRef>
+          <a:fillRef idx="0">
+            <a:schemeClr val="accent1"/>
+          </a:fillRef>
+          <a:effectRef idx="1">
+            <a:schemeClr val="accent1"/>
+          </a:effectRef>
+          <a:fontRef idx="minor">
+            <a:schemeClr val="tx1"/>
+          </a:fontRef>
+        </p:style>
+      </p:cxnSp>
+      <p:sp>
+        <p:nvSpPr>
+          <p:cNvPr id="18" name="Oval 17">
+            <a:extLst>
+              <a:ext uri="{FF2B5EF4-FFF2-40B4-BE49-F238E27FC236}">
+                <a16:creationId xmlns:a16="http://schemas.microsoft.com/office/drawing/2014/main" id="{B993B6DA-41DE-8E8E-E166-2080D6AB07D6}"/>
+              </a:ext>
+            </a:extLst>
+          </p:cNvPr>
+          <p:cNvSpPr/>
+          <p:nvPr/>
+        </p:nvSpPr>
+        <p:spPr>
+          <a:xfrm>
+            <a:off x="2053932" y="3201067"/>
+            <a:ext cx="147731" cy="154781"/>
+          </a:xfrm>
+          <a:prstGeom prst="ellipse">
+            <a:avLst/>
+          </a:prstGeom>
+          <a:solidFill>
+            <a:srgbClr val="C00000"/>
+          </a:solidFill>
+          <a:ln>
+            <a:solidFill>
+              <a:schemeClr val="tx1"/>
+            </a:solidFill>
+          </a:ln>
+        </p:spPr>
+        <p:style>
+          <a:lnRef idx="2">
+            <a:schemeClr val="accent1">
+              <a:shade val="15000"/>
+            </a:schemeClr>
+          </a:lnRef>
+          <a:fillRef idx="1">
+            <a:schemeClr val="accent1"/>
+          </a:fillRef>
+          <a:effectRef idx="0">
+            <a:schemeClr val="accent1"/>
+          </a:effectRef>
+          <a:fontRef idx="minor">
+            <a:schemeClr val="lt1"/>
+          </a:fontRef>
+        </p:style>
+        <p:txBody>
+          <a:bodyPr rtlCol="0" anchor="ctr"/>
+          <a:lstStyle/>
+          <a:p>
+            <a:pPr algn="ctr"/>
+            <a:endParaRPr lang="en-US"/>
+          </a:p>
+        </p:txBody>
+      </p:sp>
+      <mc:AlternateContent xmlns:mc="http://schemas.openxmlformats.org/markup-compatibility/2006">
+        <mc:Choice xmlns:a14="http://schemas.microsoft.com/office/drawing/2010/main" Requires="a14">
+          <p:sp>
+            <p:nvSpPr>
+              <p:cNvPr id="19" name="TextBox 18">
+                <a:extLst>
+                  <a:ext uri="{FF2B5EF4-FFF2-40B4-BE49-F238E27FC236}">
+                    <a16:creationId xmlns:a16="http://schemas.microsoft.com/office/drawing/2014/main" id="{E98C7CCC-1089-0CE2-8B70-EDB364F61FFF}"/>
+                  </a:ext>
+                </a:extLst>
+              </p:cNvPr>
+              <p:cNvSpPr txBox="1"/>
+              <p:nvPr/>
+            </p:nvSpPr>
+            <p:spPr>
+              <a:xfrm>
+                <a:off x="4206240" y="5968512"/>
+                <a:ext cx="609600" cy="369332"/>
+              </a:xfrm>
+              <a:prstGeom prst="rect">
+                <a:avLst/>
+              </a:prstGeom>
+              <a:noFill/>
+            </p:spPr>
+            <p:txBody>
+              <a:bodyPr wrap="square" rtlCol="0">
+                <a:spAutoFit/>
+              </a:bodyPr>
+              <a:lstStyle/>
+              <a:p>
+                <a:pPr/>
+                <a14:m>
+                  <m:oMathPara xmlns:m="http://schemas.openxmlformats.org/officeDocument/2006/math">
+                    <m:oMathParaPr>
+                      <m:jc m:val="centerGroup"/>
+                    </m:oMathParaPr>
+                    <m:oMath xmlns:m="http://schemas.openxmlformats.org/officeDocument/2006/math">
+                      <m:sSup>
+                        <m:sSupPr>
+                          <m:ctrlPr>
+                            <a:rPr lang="en-US" b="1" i="1" smtClean="0">
+                              <a:latin typeface="Cambria Math" panose="02040503050406030204" pitchFamily="18" charset="0"/>
+                            </a:rPr>
+                          </m:ctrlPr>
+                        </m:sSupPr>
+                        <m:e>
+                          <m:r>
+                            <a:rPr lang="en-US" b="1" i="1" smtClean="0">
+                              <a:latin typeface="Cambria Math" panose="02040503050406030204" pitchFamily="18" charset="0"/>
+                            </a:rPr>
+                            <m:t>𝑳</m:t>
+                          </m:r>
+                        </m:e>
+                        <m:sup>
+                          <m:r>
+                            <a:rPr lang="en-US" b="1" i="1" smtClean="0">
+                              <a:latin typeface="Cambria Math" panose="02040503050406030204" pitchFamily="18" charset="0"/>
+                            </a:rPr>
+                            <m:t>∗</m:t>
+                          </m:r>
+                        </m:sup>
+                      </m:sSup>
+                    </m:oMath>
+                  </m:oMathPara>
+                </a14:m>
+                <a:endParaRPr lang="en-US" b="1" dirty="0"/>
+              </a:p>
+            </p:txBody>
+          </p:sp>
+        </mc:Choice>
+        <mc:Fallback>
+          <p:sp>
+            <p:nvSpPr>
+              <p:cNvPr id="19" name="TextBox 18">
+                <a:extLst>
+                  <a:ext uri="{FF2B5EF4-FFF2-40B4-BE49-F238E27FC236}">
+                    <a16:creationId xmlns:a16="http://schemas.microsoft.com/office/drawing/2014/main" id="{E98C7CCC-1089-0CE2-8B70-EDB364F61FFF}"/>
+                  </a:ext>
+                </a:extLst>
+              </p:cNvPr>
+              <p:cNvSpPr txBox="1">
+                <a:spLocks noRot="1" noChangeAspect="1" noMove="1" noResize="1" noEditPoints="1" noAdjustHandles="1" noChangeArrowheads="1" noChangeShapeType="1" noTextEdit="1"/>
+              </p:cNvSpPr>
+              <p:nvPr/>
+            </p:nvSpPr>
+            <p:spPr>
+              <a:xfrm>
+                <a:off x="4206240" y="5968512"/>
+                <a:ext cx="609600" cy="369332"/>
+              </a:xfrm>
+              <a:prstGeom prst="rect">
+                <a:avLst/>
+              </a:prstGeom>
+              <a:blipFill>
+                <a:blip r:embed="rId2"/>
+                <a:stretch>
+                  <a:fillRect/>
+                </a:stretch>
+              </a:blipFill>
+            </p:spPr>
+            <p:txBody>
+              <a:bodyPr/>
+              <a:lstStyle/>
+              <a:p>
+                <a:r>
+                  <a:rPr lang="en-US">
+                    <a:noFill/>
+                  </a:rPr>
+                  <a:t> </a:t>
+                </a:r>
+              </a:p>
+            </p:txBody>
+          </p:sp>
+        </mc:Fallback>
+      </mc:AlternateContent>
+      <mc:AlternateContent xmlns:mc="http://schemas.openxmlformats.org/markup-compatibility/2006">
+        <mc:Choice xmlns:a14="http://schemas.microsoft.com/office/drawing/2010/main" Requires="a14">
+          <p:sp>
+            <p:nvSpPr>
+              <p:cNvPr id="20" name="TextBox 19">
+                <a:extLst>
+                  <a:ext uri="{FF2B5EF4-FFF2-40B4-BE49-F238E27FC236}">
+                    <a16:creationId xmlns:a16="http://schemas.microsoft.com/office/drawing/2014/main" id="{9091028B-0066-D2D1-47A2-EDDF5C995D5F}"/>
+                  </a:ext>
+                </a:extLst>
+              </p:cNvPr>
+              <p:cNvSpPr txBox="1"/>
+              <p:nvPr/>
+            </p:nvSpPr>
+            <p:spPr>
+              <a:xfrm>
+                <a:off x="1822997" y="5931409"/>
+                <a:ext cx="609600" cy="369332"/>
+              </a:xfrm>
+              <a:prstGeom prst="rect">
+                <a:avLst/>
+              </a:prstGeom>
+              <a:noFill/>
+            </p:spPr>
+            <p:txBody>
+              <a:bodyPr wrap="square" rtlCol="0">
+                <a:spAutoFit/>
+              </a:bodyPr>
+              <a:lstStyle/>
+              <a:p>
+                <a:pPr/>
+                <a14:m>
+                  <m:oMathPara xmlns:m="http://schemas.openxmlformats.org/officeDocument/2006/math">
+                    <m:oMathParaPr>
+                      <m:jc m:val="centerGroup"/>
+                    </m:oMathParaPr>
+                    <m:oMath xmlns:m="http://schemas.openxmlformats.org/officeDocument/2006/math">
+                      <m:sSubSup>
+                        <m:sSubSupPr>
+                          <m:ctrlPr>
+                            <a:rPr lang="en-US" b="1" i="1" smtClean="0">
+                              <a:latin typeface="Cambria Math" panose="02040503050406030204" pitchFamily="18" charset="0"/>
+                            </a:rPr>
+                          </m:ctrlPr>
+                        </m:sSubSupPr>
+                        <m:e>
+                          <m:r>
+                            <a:rPr lang="en-US" b="1" i="1" smtClean="0">
+                              <a:latin typeface="Cambria Math" panose="02040503050406030204" pitchFamily="18" charset="0"/>
+                            </a:rPr>
+                            <m:t>𝑳</m:t>
+                          </m:r>
+                        </m:e>
+                        <m:sub>
+                          <m:r>
+                            <a:rPr lang="en-US" b="1" i="1" smtClean="0">
+                              <a:latin typeface="Cambria Math" panose="02040503050406030204" pitchFamily="18" charset="0"/>
+                            </a:rPr>
+                            <m:t>𝑵𝑬𝑾</m:t>
+                          </m:r>
+                        </m:sub>
+                        <m:sup>
+                          <m:r>
+                            <a:rPr lang="en-US" b="1" i="1" smtClean="0">
+                              <a:latin typeface="Cambria Math" panose="02040503050406030204" pitchFamily="18" charset="0"/>
+                            </a:rPr>
+                            <m:t>∗</m:t>
+                          </m:r>
+                        </m:sup>
+                      </m:sSubSup>
+                    </m:oMath>
+                  </m:oMathPara>
+                </a14:m>
+                <a:endParaRPr lang="en-US" b="1" dirty="0"/>
+              </a:p>
+            </p:txBody>
+          </p:sp>
+        </mc:Choice>
+        <mc:Fallback>
+          <p:sp>
+            <p:nvSpPr>
+              <p:cNvPr id="20" name="TextBox 19">
+                <a:extLst>
+                  <a:ext uri="{FF2B5EF4-FFF2-40B4-BE49-F238E27FC236}">
+                    <a16:creationId xmlns:a16="http://schemas.microsoft.com/office/drawing/2014/main" id="{9091028B-0066-D2D1-47A2-EDDF5C995D5F}"/>
+                  </a:ext>
+                </a:extLst>
+              </p:cNvPr>
+              <p:cNvSpPr txBox="1">
+                <a:spLocks noRot="1" noChangeAspect="1" noMove="1" noResize="1" noEditPoints="1" noAdjustHandles="1" noChangeArrowheads="1" noChangeShapeType="1" noTextEdit="1"/>
+              </p:cNvSpPr>
+              <p:nvPr/>
+            </p:nvSpPr>
+            <p:spPr>
+              <a:xfrm>
+                <a:off x="1822997" y="5931409"/>
+                <a:ext cx="609600" cy="369332"/>
+              </a:xfrm>
+              <a:prstGeom prst="rect">
+                <a:avLst/>
+              </a:prstGeom>
+              <a:blipFill>
+                <a:blip r:embed="rId3"/>
+                <a:stretch>
+                  <a:fillRect r="-12245"/>
+                </a:stretch>
+              </a:blipFill>
+            </p:spPr>
+            <p:txBody>
+              <a:bodyPr/>
+              <a:lstStyle/>
+              <a:p>
+                <a:r>
+                  <a:rPr lang="en-US">
+                    <a:noFill/>
+                  </a:rPr>
+                  <a:t> </a:t>
+                </a:r>
+              </a:p>
+            </p:txBody>
+          </p:sp>
+        </mc:Fallback>
+      </mc:AlternateContent>
+      <p:sp>
+        <p:nvSpPr>
+          <p:cNvPr id="21" name="TextBox 20">
+            <a:extLst>
+              <a:ext uri="{FF2B5EF4-FFF2-40B4-BE49-F238E27FC236}">
+                <a16:creationId xmlns:a16="http://schemas.microsoft.com/office/drawing/2014/main" id="{3B3EC6CA-3C0D-2CA2-640A-1D93E22C3A03}"/>
+              </a:ext>
+            </a:extLst>
+          </p:cNvPr>
+          <p:cNvSpPr txBox="1"/>
+          <p:nvPr/>
+        </p:nvSpPr>
+        <p:spPr>
+          <a:xfrm>
+            <a:off x="3664914" y="1807208"/>
+            <a:ext cx="2606795" cy="954107"/>
+          </a:xfrm>
+          <a:prstGeom prst="rect">
+            <a:avLst/>
+          </a:prstGeom>
+          <a:noFill/>
+        </p:spPr>
+        <p:txBody>
+          <a:bodyPr wrap="square" rtlCol="0">
+            <a:spAutoFit/>
+          </a:bodyPr>
+          <a:lstStyle/>
+          <a:p>
+            <a:r>
+              <a:rPr lang="en-US" sz="2800" b="1" dirty="0">
+                <a:solidFill>
+                  <a:srgbClr val="00B0F0"/>
+                </a:solidFill>
+              </a:rPr>
+              <a:t>Deadweight Loss</a:t>
+            </a:r>
+          </a:p>
+        </p:txBody>
+      </p:sp>
+    </p:spTree>
+    <p:extLst>
+      <p:ext uri="{BB962C8B-B14F-4D97-AF65-F5344CB8AC3E}">
+        <p14:creationId xmlns:p14="http://schemas.microsoft.com/office/powerpoint/2010/main" val="3915199808"/>
       </p:ext>
     </p:extLst>
   </p:cSld>
@@ -10101,8 +13199,8 @@
           </a:p>
         </p:txBody>
       </p:sp>
-      <mc:AlternateContent xmlns:mc="http://schemas.openxmlformats.org/markup-compatibility/2006">
-        <mc:Choice xmlns:a14="http://schemas.microsoft.com/office/drawing/2010/main" Requires="a14">
+      <mc:AlternateContent xmlns:mc="http://schemas.openxmlformats.org/markup-compatibility/2006" xmlns:a14="http://schemas.microsoft.com/office/drawing/2010/main">
+        <mc:Choice Requires="a14">
           <p:sp>
             <p:nvSpPr>
               <p:cNvPr id="15" name="TextBox 14">
@@ -10152,7 +13250,7 @@
             </p:txBody>
           </p:sp>
         </mc:Choice>
-        <mc:Fallback>
+        <mc:Fallback xmlns="">
           <p:sp>
             <p:nvSpPr>
               <p:cNvPr id="15" name="TextBox 14">
@@ -10317,6 +13415,2163 @@
     <p:extLst>
       <p:ext uri="{BB962C8B-B14F-4D97-AF65-F5344CB8AC3E}">
         <p14:creationId xmlns:p14="http://schemas.microsoft.com/office/powerpoint/2010/main" val="1476142128"/>
+      </p:ext>
+    </p:extLst>
+  </p:cSld>
+  <p:clrMapOvr>
+    <a:masterClrMapping/>
+  </p:clrMapOvr>
+</p:sld>
+</file>
+
+<file path=ppt/slides/slide7.xml><?xml version="1.0" encoding="utf-8"?>
+<p:sld xmlns:a="http://schemas.openxmlformats.org/drawingml/2006/main" xmlns:r="http://schemas.openxmlformats.org/officeDocument/2006/relationships" xmlns:p="http://schemas.openxmlformats.org/presentationml/2006/main">
+  <p:cSld>
+    <p:spTree>
+      <p:nvGrpSpPr>
+        <p:cNvPr id="1" name=""/>
+        <p:cNvGrpSpPr/>
+        <p:nvPr/>
+      </p:nvGrpSpPr>
+      <p:grpSpPr>
+        <a:xfrm>
+          <a:off x="0" y="0"/>
+          <a:ext cx="0" cy="0"/>
+          <a:chOff x="0" y="0"/>
+          <a:chExt cx="0" cy="0"/>
+        </a:xfrm>
+      </p:grpSpPr>
+      <p:cxnSp>
+        <p:nvCxnSpPr>
+          <p:cNvPr id="15" name="Straight Connector 14">
+            <a:extLst>
+              <a:ext uri="{FF2B5EF4-FFF2-40B4-BE49-F238E27FC236}">
+                <a16:creationId xmlns:a16="http://schemas.microsoft.com/office/drawing/2014/main" id="{9DF9DB67-769D-3764-A391-03792291D448}"/>
+              </a:ext>
+            </a:extLst>
+          </p:cNvPr>
+          <p:cNvCxnSpPr>
+            <a:cxnSpLocks/>
+          </p:cNvCxnSpPr>
+          <p:nvPr/>
+        </p:nvCxnSpPr>
+        <p:spPr>
+          <a:xfrm flipV="1">
+            <a:off x="4511040" y="3355848"/>
+            <a:ext cx="0" cy="2524124"/>
+          </a:xfrm>
+          <a:prstGeom prst="line">
+            <a:avLst/>
+          </a:prstGeom>
+          <a:ln w="38100">
+            <a:prstDash val="dash"/>
+          </a:ln>
+        </p:spPr>
+        <p:style>
+          <a:lnRef idx="2">
+            <a:schemeClr val="accent1"/>
+          </a:lnRef>
+          <a:fillRef idx="0">
+            <a:schemeClr val="accent1"/>
+          </a:fillRef>
+          <a:effectRef idx="1">
+            <a:schemeClr val="accent1"/>
+          </a:effectRef>
+          <a:fontRef idx="minor">
+            <a:schemeClr val="tx1"/>
+          </a:fontRef>
+        </p:style>
+      </p:cxnSp>
+      <p:cxnSp>
+        <p:nvCxnSpPr>
+          <p:cNvPr id="4" name="Straight Connector 3">
+            <a:extLst>
+              <a:ext uri="{FF2B5EF4-FFF2-40B4-BE49-F238E27FC236}">
+                <a16:creationId xmlns:a16="http://schemas.microsoft.com/office/drawing/2014/main" id="{8DC8AFC6-535F-B2CB-6E9A-9851DEB72E1D}"/>
+              </a:ext>
+            </a:extLst>
+          </p:cNvPr>
+          <p:cNvCxnSpPr>
+            <a:cxnSpLocks/>
+          </p:cNvCxnSpPr>
+          <p:nvPr/>
+        </p:nvCxnSpPr>
+        <p:spPr>
+          <a:xfrm>
+            <a:off x="1316736" y="3267307"/>
+            <a:ext cx="8763966" cy="0"/>
+          </a:xfrm>
+          <a:prstGeom prst="line">
+            <a:avLst/>
+          </a:prstGeom>
+          <a:ln w="38100"/>
+        </p:spPr>
+        <p:style>
+          <a:lnRef idx="2">
+            <a:schemeClr val="accent1"/>
+          </a:lnRef>
+          <a:fillRef idx="0">
+            <a:schemeClr val="accent1"/>
+          </a:fillRef>
+          <a:effectRef idx="1">
+            <a:schemeClr val="accent1"/>
+          </a:effectRef>
+          <a:fontRef idx="minor">
+            <a:schemeClr val="tx1"/>
+          </a:fontRef>
+        </p:style>
+      </p:cxnSp>
+      <p:cxnSp>
+        <p:nvCxnSpPr>
+          <p:cNvPr id="5" name="Straight Connector 4">
+            <a:extLst>
+              <a:ext uri="{FF2B5EF4-FFF2-40B4-BE49-F238E27FC236}">
+                <a16:creationId xmlns:a16="http://schemas.microsoft.com/office/drawing/2014/main" id="{5140AB92-978F-B1C3-1927-B3617A3D4F01}"/>
+              </a:ext>
+            </a:extLst>
+          </p:cNvPr>
+          <p:cNvCxnSpPr>
+            <a:cxnSpLocks/>
+          </p:cNvCxnSpPr>
+          <p:nvPr/>
+        </p:nvCxnSpPr>
+        <p:spPr>
+          <a:xfrm>
+            <a:off x="1297684" y="1382751"/>
+            <a:ext cx="7679048" cy="4497221"/>
+          </a:xfrm>
+          <a:prstGeom prst="line">
+            <a:avLst/>
+          </a:prstGeom>
+          <a:ln w="38100">
+            <a:solidFill>
+              <a:schemeClr val="accent5">
+                <a:lumMod val="60000"/>
+                <a:lumOff val="40000"/>
+              </a:schemeClr>
+            </a:solidFill>
+          </a:ln>
+        </p:spPr>
+        <p:style>
+          <a:lnRef idx="2">
+            <a:schemeClr val="accent1"/>
+          </a:lnRef>
+          <a:fillRef idx="0">
+            <a:schemeClr val="accent1"/>
+          </a:fillRef>
+          <a:effectRef idx="1">
+            <a:schemeClr val="accent1"/>
+          </a:effectRef>
+          <a:fontRef idx="minor">
+            <a:schemeClr val="tx1"/>
+          </a:fontRef>
+        </p:style>
+      </p:cxnSp>
+      <p:grpSp>
+        <p:nvGrpSpPr>
+          <p:cNvPr id="7" name="Group 6">
+            <a:extLst>
+              <a:ext uri="{FF2B5EF4-FFF2-40B4-BE49-F238E27FC236}">
+                <a16:creationId xmlns:a16="http://schemas.microsoft.com/office/drawing/2014/main" id="{8D9E73C0-7BDF-7BE0-470A-EAB3D9816CBD}"/>
+              </a:ext>
+            </a:extLst>
+          </p:cNvPr>
+          <p:cNvGrpSpPr/>
+          <p:nvPr/>
+        </p:nvGrpSpPr>
+        <p:grpSpPr>
+          <a:xfrm>
+            <a:off x="1297684" y="804672"/>
+            <a:ext cx="9089136" cy="5102352"/>
+            <a:chOff x="1297684" y="804672"/>
+            <a:chExt cx="9089136" cy="5102352"/>
+          </a:xfrm>
+        </p:grpSpPr>
+        <p:cxnSp>
+          <p:nvCxnSpPr>
+            <p:cNvPr id="8" name="Straight Connector 7">
+              <a:extLst>
+                <a:ext uri="{FF2B5EF4-FFF2-40B4-BE49-F238E27FC236}">
+                  <a16:creationId xmlns:a16="http://schemas.microsoft.com/office/drawing/2014/main" id="{1A25349E-9E41-B536-9B8F-282D3B45D362}"/>
+                </a:ext>
+              </a:extLst>
+            </p:cNvPr>
+            <p:cNvCxnSpPr/>
+            <p:nvPr/>
+          </p:nvCxnSpPr>
+          <p:spPr>
+            <a:xfrm>
+              <a:off x="1316736" y="804672"/>
+              <a:ext cx="0" cy="5102352"/>
+            </a:xfrm>
+            <a:prstGeom prst="line">
+              <a:avLst/>
+            </a:prstGeom>
+            <a:ln w="57150">
+              <a:solidFill>
+                <a:schemeClr val="tx1"/>
+              </a:solidFill>
+            </a:ln>
+          </p:spPr>
+          <p:style>
+            <a:lnRef idx="2">
+              <a:schemeClr val="accent1"/>
+            </a:lnRef>
+            <a:fillRef idx="0">
+              <a:schemeClr val="accent1"/>
+            </a:fillRef>
+            <a:effectRef idx="1">
+              <a:schemeClr val="accent1"/>
+            </a:effectRef>
+            <a:fontRef idx="minor">
+              <a:schemeClr val="tx1"/>
+            </a:fontRef>
+          </p:style>
+        </p:cxnSp>
+        <p:cxnSp>
+          <p:nvCxnSpPr>
+            <p:cNvPr id="9" name="Straight Connector 8">
+              <a:extLst>
+                <a:ext uri="{FF2B5EF4-FFF2-40B4-BE49-F238E27FC236}">
+                  <a16:creationId xmlns:a16="http://schemas.microsoft.com/office/drawing/2014/main" id="{CC8264A2-E3FB-0854-DE81-AB209B03CF03}"/>
+                </a:ext>
+              </a:extLst>
+            </p:cNvPr>
+            <p:cNvCxnSpPr>
+              <a:cxnSpLocks/>
+            </p:cNvCxnSpPr>
+            <p:nvPr/>
+          </p:nvCxnSpPr>
+          <p:spPr>
+            <a:xfrm flipH="1">
+              <a:off x="1297684" y="5879972"/>
+              <a:ext cx="9089136" cy="0"/>
+            </a:xfrm>
+            <a:prstGeom prst="line">
+              <a:avLst/>
+            </a:prstGeom>
+            <a:ln w="57150">
+              <a:solidFill>
+                <a:schemeClr val="tx1"/>
+              </a:solidFill>
+            </a:ln>
+          </p:spPr>
+          <p:style>
+            <a:lnRef idx="2">
+              <a:schemeClr val="accent1"/>
+            </a:lnRef>
+            <a:fillRef idx="0">
+              <a:schemeClr val="accent1"/>
+            </a:fillRef>
+            <a:effectRef idx="1">
+              <a:schemeClr val="accent1"/>
+            </a:effectRef>
+            <a:fontRef idx="minor">
+              <a:schemeClr val="tx1"/>
+            </a:fontRef>
+          </p:style>
+        </p:cxnSp>
+      </p:grpSp>
+      <p:sp>
+        <p:nvSpPr>
+          <p:cNvPr id="10" name="TextBox 9">
+            <a:extLst>
+              <a:ext uri="{FF2B5EF4-FFF2-40B4-BE49-F238E27FC236}">
+                <a16:creationId xmlns:a16="http://schemas.microsoft.com/office/drawing/2014/main" id="{73585855-8E30-ACC7-A093-C8E43ED8FB56}"/>
+              </a:ext>
+            </a:extLst>
+          </p:cNvPr>
+          <p:cNvSpPr txBox="1"/>
+          <p:nvPr/>
+        </p:nvSpPr>
+        <p:spPr>
+          <a:xfrm rot="16200000">
+            <a:off x="141319" y="1278446"/>
+            <a:ext cx="1470768" cy="523220"/>
+          </a:xfrm>
+          <a:prstGeom prst="rect">
+            <a:avLst/>
+          </a:prstGeom>
+          <a:noFill/>
+        </p:spPr>
+        <p:txBody>
+          <a:bodyPr wrap="square" rtlCol="0">
+            <a:spAutoFit/>
+          </a:bodyPr>
+          <a:lstStyle/>
+          <a:p>
+            <a:r>
+              <a:rPr lang="en-US" sz="2800" b="1" dirty="0"/>
+              <a:t>Output</a:t>
+            </a:r>
+          </a:p>
+        </p:txBody>
+      </p:sp>
+      <p:sp>
+        <p:nvSpPr>
+          <p:cNvPr id="11" name="TextBox 10">
+            <a:extLst>
+              <a:ext uri="{FF2B5EF4-FFF2-40B4-BE49-F238E27FC236}">
+                <a16:creationId xmlns:a16="http://schemas.microsoft.com/office/drawing/2014/main" id="{3A61EF11-3A3B-E352-61FA-6DCE4D124EBA}"/>
+              </a:ext>
+            </a:extLst>
+          </p:cNvPr>
+          <p:cNvSpPr txBox="1"/>
+          <p:nvPr/>
+        </p:nvSpPr>
+        <p:spPr>
+          <a:xfrm>
+            <a:off x="9175926" y="6039131"/>
+            <a:ext cx="1210894" cy="523220"/>
+          </a:xfrm>
+          <a:prstGeom prst="rect">
+            <a:avLst/>
+          </a:prstGeom>
+          <a:noFill/>
+        </p:spPr>
+        <p:txBody>
+          <a:bodyPr wrap="square" rtlCol="0">
+            <a:spAutoFit/>
+          </a:bodyPr>
+          <a:lstStyle/>
+          <a:p>
+            <a:r>
+              <a:rPr lang="en-US" sz="2800" b="1" dirty="0"/>
+              <a:t>Labor</a:t>
+            </a:r>
+          </a:p>
+        </p:txBody>
+      </p:sp>
+      <p:sp>
+        <p:nvSpPr>
+          <p:cNvPr id="12" name="TextBox 11">
+            <a:extLst>
+              <a:ext uri="{FF2B5EF4-FFF2-40B4-BE49-F238E27FC236}">
+                <a16:creationId xmlns:a16="http://schemas.microsoft.com/office/drawing/2014/main" id="{B5DA6F36-FB29-2CE7-065F-63EEBEF2363C}"/>
+              </a:ext>
+            </a:extLst>
+          </p:cNvPr>
+          <p:cNvSpPr txBox="1"/>
+          <p:nvPr/>
+        </p:nvSpPr>
+        <p:spPr>
+          <a:xfrm>
+            <a:off x="1682681" y="1094090"/>
+            <a:ext cx="3768996" cy="369332"/>
+          </a:xfrm>
+          <a:prstGeom prst="rect">
+            <a:avLst/>
+          </a:prstGeom>
+          <a:noFill/>
+        </p:spPr>
+        <p:txBody>
+          <a:bodyPr wrap="square" rtlCol="0">
+            <a:spAutoFit/>
+          </a:bodyPr>
+          <a:lstStyle/>
+          <a:p>
+            <a:r>
+              <a:rPr lang="en-US" b="1" dirty="0">
+                <a:solidFill>
+                  <a:schemeClr val="accent5">
+                    <a:lumMod val="60000"/>
+                    <a:lumOff val="40000"/>
+                  </a:schemeClr>
+                </a:solidFill>
+              </a:rPr>
+              <a:t>Value of Marginal Product of Labor</a:t>
+            </a:r>
+          </a:p>
+        </p:txBody>
+      </p:sp>
+      <p:sp>
+        <p:nvSpPr>
+          <p:cNvPr id="14" name="TextBox 13">
+            <a:extLst>
+              <a:ext uri="{FF2B5EF4-FFF2-40B4-BE49-F238E27FC236}">
+                <a16:creationId xmlns:a16="http://schemas.microsoft.com/office/drawing/2014/main" id="{F2FA126C-2359-B1AB-C03B-AB4536E41DDD}"/>
+              </a:ext>
+            </a:extLst>
+          </p:cNvPr>
+          <p:cNvSpPr txBox="1"/>
+          <p:nvPr/>
+        </p:nvSpPr>
+        <p:spPr>
+          <a:xfrm>
+            <a:off x="7125320" y="2541178"/>
+            <a:ext cx="3768996" cy="646331"/>
+          </a:xfrm>
+          <a:prstGeom prst="rect">
+            <a:avLst/>
+          </a:prstGeom>
+          <a:noFill/>
+        </p:spPr>
+        <p:txBody>
+          <a:bodyPr wrap="square" rtlCol="0">
+            <a:spAutoFit/>
+          </a:bodyPr>
+          <a:lstStyle/>
+          <a:p>
+            <a:r>
+              <a:rPr lang="en-US" b="1" dirty="0">
+                <a:solidFill>
+                  <a:schemeClr val="tx2">
+                    <a:lumMod val="75000"/>
+                    <a:lumOff val="25000"/>
+                  </a:schemeClr>
+                </a:solidFill>
+              </a:rPr>
+              <a:t>Wage of Outside Option (Opportunity Cost of Farming)</a:t>
+            </a:r>
+          </a:p>
+        </p:txBody>
+      </p:sp>
+      <p:sp>
+        <p:nvSpPr>
+          <p:cNvPr id="17" name="Oval 16">
+            <a:extLst>
+              <a:ext uri="{FF2B5EF4-FFF2-40B4-BE49-F238E27FC236}">
+                <a16:creationId xmlns:a16="http://schemas.microsoft.com/office/drawing/2014/main" id="{61C5F692-7162-212A-894C-F708E60756CE}"/>
+              </a:ext>
+            </a:extLst>
+          </p:cNvPr>
+          <p:cNvSpPr/>
+          <p:nvPr/>
+        </p:nvSpPr>
+        <p:spPr>
+          <a:xfrm>
+            <a:off x="4437175" y="3201067"/>
+            <a:ext cx="147731" cy="154781"/>
+          </a:xfrm>
+          <a:prstGeom prst="ellipse">
+            <a:avLst/>
+          </a:prstGeom>
+          <a:solidFill>
+            <a:srgbClr val="C00000"/>
+          </a:solidFill>
+          <a:ln>
+            <a:solidFill>
+              <a:schemeClr val="tx1"/>
+            </a:solidFill>
+          </a:ln>
+        </p:spPr>
+        <p:style>
+          <a:lnRef idx="2">
+            <a:schemeClr val="accent1">
+              <a:shade val="15000"/>
+            </a:schemeClr>
+          </a:lnRef>
+          <a:fillRef idx="1">
+            <a:schemeClr val="accent1"/>
+          </a:fillRef>
+          <a:effectRef idx="0">
+            <a:schemeClr val="accent1"/>
+          </a:effectRef>
+          <a:fontRef idx="minor">
+            <a:schemeClr val="lt1"/>
+          </a:fontRef>
+        </p:style>
+        <p:txBody>
+          <a:bodyPr rtlCol="0" anchor="ctr"/>
+          <a:lstStyle/>
+          <a:p>
+            <a:pPr algn="ctr"/>
+            <a:endParaRPr lang="en-US"/>
+          </a:p>
+        </p:txBody>
+      </p:sp>
+    </p:spTree>
+    <p:extLst>
+      <p:ext uri="{BB962C8B-B14F-4D97-AF65-F5344CB8AC3E}">
+        <p14:creationId xmlns:p14="http://schemas.microsoft.com/office/powerpoint/2010/main" val="2299994204"/>
+      </p:ext>
+    </p:extLst>
+  </p:cSld>
+  <p:clrMapOvr>
+    <a:masterClrMapping/>
+  </p:clrMapOvr>
+</p:sld>
+</file>
+
+<file path=ppt/slides/slide8.xml><?xml version="1.0" encoding="utf-8"?>
+<p:sld xmlns:a="http://schemas.openxmlformats.org/drawingml/2006/main" xmlns:r="http://schemas.openxmlformats.org/officeDocument/2006/relationships" xmlns:p="http://schemas.openxmlformats.org/presentationml/2006/main">
+  <p:cSld>
+    <p:spTree>
+      <p:nvGrpSpPr>
+        <p:cNvPr id="1" name=""/>
+        <p:cNvGrpSpPr/>
+        <p:nvPr/>
+      </p:nvGrpSpPr>
+      <p:grpSpPr>
+        <a:xfrm>
+          <a:off x="0" y="0"/>
+          <a:ext cx="0" cy="0"/>
+          <a:chOff x="0" y="0"/>
+          <a:chExt cx="0" cy="0"/>
+        </a:xfrm>
+      </p:grpSpPr>
+      <p:cxnSp>
+        <p:nvCxnSpPr>
+          <p:cNvPr id="10" name="Straight Connector 9">
+            <a:extLst>
+              <a:ext uri="{FF2B5EF4-FFF2-40B4-BE49-F238E27FC236}">
+                <a16:creationId xmlns:a16="http://schemas.microsoft.com/office/drawing/2014/main" id="{03D7D2BE-6F43-4194-D8E4-B43F8A5C396C}"/>
+              </a:ext>
+            </a:extLst>
+          </p:cNvPr>
+          <p:cNvCxnSpPr>
+            <a:cxnSpLocks/>
+          </p:cNvCxnSpPr>
+          <p:nvPr/>
+        </p:nvCxnSpPr>
+        <p:spPr>
+          <a:xfrm>
+            <a:off x="1316736" y="3267307"/>
+            <a:ext cx="8763966" cy="0"/>
+          </a:xfrm>
+          <a:prstGeom prst="line">
+            <a:avLst/>
+          </a:prstGeom>
+          <a:ln w="38100"/>
+        </p:spPr>
+        <p:style>
+          <a:lnRef idx="2">
+            <a:schemeClr val="accent1"/>
+          </a:lnRef>
+          <a:fillRef idx="0">
+            <a:schemeClr val="accent1"/>
+          </a:fillRef>
+          <a:effectRef idx="1">
+            <a:schemeClr val="accent1"/>
+          </a:effectRef>
+          <a:fontRef idx="minor">
+            <a:schemeClr val="tx1"/>
+          </a:fontRef>
+        </p:style>
+      </p:cxnSp>
+      <p:cxnSp>
+        <p:nvCxnSpPr>
+          <p:cNvPr id="12" name="Straight Connector 11">
+            <a:extLst>
+              <a:ext uri="{FF2B5EF4-FFF2-40B4-BE49-F238E27FC236}">
+                <a16:creationId xmlns:a16="http://schemas.microsoft.com/office/drawing/2014/main" id="{6277E06C-D1FF-BDBE-13DC-9CC9E163634B}"/>
+              </a:ext>
+            </a:extLst>
+          </p:cNvPr>
+          <p:cNvCxnSpPr>
+            <a:cxnSpLocks/>
+          </p:cNvCxnSpPr>
+          <p:nvPr/>
+        </p:nvCxnSpPr>
+        <p:spPr>
+          <a:xfrm>
+            <a:off x="1297684" y="1382751"/>
+            <a:ext cx="7679048" cy="4497221"/>
+          </a:xfrm>
+          <a:prstGeom prst="line">
+            <a:avLst/>
+          </a:prstGeom>
+          <a:ln w="38100">
+            <a:solidFill>
+              <a:schemeClr val="accent5">
+                <a:lumMod val="60000"/>
+                <a:lumOff val="40000"/>
+              </a:schemeClr>
+            </a:solidFill>
+          </a:ln>
+        </p:spPr>
+        <p:style>
+          <a:lnRef idx="2">
+            <a:schemeClr val="accent1"/>
+          </a:lnRef>
+          <a:fillRef idx="0">
+            <a:schemeClr val="accent1"/>
+          </a:fillRef>
+          <a:effectRef idx="1">
+            <a:schemeClr val="accent1"/>
+          </a:effectRef>
+          <a:fontRef idx="minor">
+            <a:schemeClr val="tx1"/>
+          </a:fontRef>
+        </p:style>
+      </p:cxnSp>
+      <p:cxnSp>
+        <p:nvCxnSpPr>
+          <p:cNvPr id="15" name="Straight Connector 14">
+            <a:extLst>
+              <a:ext uri="{FF2B5EF4-FFF2-40B4-BE49-F238E27FC236}">
+                <a16:creationId xmlns:a16="http://schemas.microsoft.com/office/drawing/2014/main" id="{F8D2E50A-E00C-46B2-ECC0-772C60EEB28D}"/>
+              </a:ext>
+            </a:extLst>
+          </p:cNvPr>
+          <p:cNvCxnSpPr>
+            <a:cxnSpLocks/>
+          </p:cNvCxnSpPr>
+          <p:nvPr/>
+        </p:nvCxnSpPr>
+        <p:spPr>
+          <a:xfrm>
+            <a:off x="1335789" y="2943922"/>
+            <a:ext cx="7640943" cy="2936050"/>
+          </a:xfrm>
+          <a:prstGeom prst="line">
+            <a:avLst/>
+          </a:prstGeom>
+          <a:ln w="38100">
+            <a:solidFill>
+              <a:srgbClr val="FFC000"/>
+            </a:solidFill>
+          </a:ln>
+        </p:spPr>
+        <p:style>
+          <a:lnRef idx="2">
+            <a:schemeClr val="accent1"/>
+          </a:lnRef>
+          <a:fillRef idx="0">
+            <a:schemeClr val="accent1"/>
+          </a:fillRef>
+          <a:effectRef idx="1">
+            <a:schemeClr val="accent1"/>
+          </a:effectRef>
+          <a:fontRef idx="minor">
+            <a:schemeClr val="tx1"/>
+          </a:fontRef>
+        </p:style>
+      </p:cxnSp>
+      <p:grpSp>
+        <p:nvGrpSpPr>
+          <p:cNvPr id="4" name="Group 3">
+            <a:extLst>
+              <a:ext uri="{FF2B5EF4-FFF2-40B4-BE49-F238E27FC236}">
+                <a16:creationId xmlns:a16="http://schemas.microsoft.com/office/drawing/2014/main" id="{7D416059-BEB8-DEBF-4724-73C737D4BEFF}"/>
+              </a:ext>
+            </a:extLst>
+          </p:cNvPr>
+          <p:cNvGrpSpPr/>
+          <p:nvPr/>
+        </p:nvGrpSpPr>
+        <p:grpSpPr>
+          <a:xfrm>
+            <a:off x="1297684" y="804672"/>
+            <a:ext cx="9089136" cy="5102352"/>
+            <a:chOff x="1297684" y="804672"/>
+            <a:chExt cx="9089136" cy="5102352"/>
+          </a:xfrm>
+        </p:grpSpPr>
+        <p:cxnSp>
+          <p:nvCxnSpPr>
+            <p:cNvPr id="5" name="Straight Connector 4">
+              <a:extLst>
+                <a:ext uri="{FF2B5EF4-FFF2-40B4-BE49-F238E27FC236}">
+                  <a16:creationId xmlns:a16="http://schemas.microsoft.com/office/drawing/2014/main" id="{3AF7D46D-4C90-CFBD-CC21-F5CB69D606BB}"/>
+                </a:ext>
+              </a:extLst>
+            </p:cNvPr>
+            <p:cNvCxnSpPr/>
+            <p:nvPr/>
+          </p:nvCxnSpPr>
+          <p:spPr>
+            <a:xfrm>
+              <a:off x="1316736" y="804672"/>
+              <a:ext cx="0" cy="5102352"/>
+            </a:xfrm>
+            <a:prstGeom prst="line">
+              <a:avLst/>
+            </a:prstGeom>
+            <a:ln w="57150">
+              <a:solidFill>
+                <a:schemeClr val="tx1"/>
+              </a:solidFill>
+            </a:ln>
+          </p:spPr>
+          <p:style>
+            <a:lnRef idx="2">
+              <a:schemeClr val="accent1"/>
+            </a:lnRef>
+            <a:fillRef idx="0">
+              <a:schemeClr val="accent1"/>
+            </a:fillRef>
+            <a:effectRef idx="1">
+              <a:schemeClr val="accent1"/>
+            </a:effectRef>
+            <a:fontRef idx="minor">
+              <a:schemeClr val="tx1"/>
+            </a:fontRef>
+          </p:style>
+        </p:cxnSp>
+        <p:cxnSp>
+          <p:nvCxnSpPr>
+            <p:cNvPr id="6" name="Straight Connector 5">
+              <a:extLst>
+                <a:ext uri="{FF2B5EF4-FFF2-40B4-BE49-F238E27FC236}">
+                  <a16:creationId xmlns:a16="http://schemas.microsoft.com/office/drawing/2014/main" id="{EC75ECE7-01E5-B0BA-E5FD-B9C987A64445}"/>
+                </a:ext>
+              </a:extLst>
+            </p:cNvPr>
+            <p:cNvCxnSpPr>
+              <a:cxnSpLocks/>
+            </p:cNvCxnSpPr>
+            <p:nvPr/>
+          </p:nvCxnSpPr>
+          <p:spPr>
+            <a:xfrm flipH="1">
+              <a:off x="1297684" y="5879972"/>
+              <a:ext cx="9089136" cy="0"/>
+            </a:xfrm>
+            <a:prstGeom prst="line">
+              <a:avLst/>
+            </a:prstGeom>
+            <a:ln w="57150">
+              <a:solidFill>
+                <a:schemeClr val="tx1"/>
+              </a:solidFill>
+            </a:ln>
+          </p:spPr>
+          <p:style>
+            <a:lnRef idx="2">
+              <a:schemeClr val="accent1"/>
+            </a:lnRef>
+            <a:fillRef idx="0">
+              <a:schemeClr val="accent1"/>
+            </a:fillRef>
+            <a:effectRef idx="1">
+              <a:schemeClr val="accent1"/>
+            </a:effectRef>
+            <a:fontRef idx="minor">
+              <a:schemeClr val="tx1"/>
+            </a:fontRef>
+          </p:style>
+        </p:cxnSp>
+      </p:grpSp>
+      <p:sp>
+        <p:nvSpPr>
+          <p:cNvPr id="7" name="TextBox 6">
+            <a:extLst>
+              <a:ext uri="{FF2B5EF4-FFF2-40B4-BE49-F238E27FC236}">
+                <a16:creationId xmlns:a16="http://schemas.microsoft.com/office/drawing/2014/main" id="{BED5AEB8-3D85-FFF8-D75E-64578E8245D1}"/>
+              </a:ext>
+            </a:extLst>
+          </p:cNvPr>
+          <p:cNvSpPr txBox="1"/>
+          <p:nvPr/>
+        </p:nvSpPr>
+        <p:spPr>
+          <a:xfrm rot="16200000">
+            <a:off x="141319" y="1278446"/>
+            <a:ext cx="1470768" cy="523220"/>
+          </a:xfrm>
+          <a:prstGeom prst="rect">
+            <a:avLst/>
+          </a:prstGeom>
+          <a:noFill/>
+        </p:spPr>
+        <p:txBody>
+          <a:bodyPr wrap="square" rtlCol="0">
+            <a:spAutoFit/>
+          </a:bodyPr>
+          <a:lstStyle/>
+          <a:p>
+            <a:r>
+              <a:rPr lang="en-US" sz="2800" b="1" dirty="0"/>
+              <a:t>Output</a:t>
+            </a:r>
+          </a:p>
+        </p:txBody>
+      </p:sp>
+      <p:sp>
+        <p:nvSpPr>
+          <p:cNvPr id="8" name="TextBox 7">
+            <a:extLst>
+              <a:ext uri="{FF2B5EF4-FFF2-40B4-BE49-F238E27FC236}">
+                <a16:creationId xmlns:a16="http://schemas.microsoft.com/office/drawing/2014/main" id="{BD1B2619-A12A-EC13-3F5C-32315908C787}"/>
+              </a:ext>
+            </a:extLst>
+          </p:cNvPr>
+          <p:cNvSpPr txBox="1"/>
+          <p:nvPr/>
+        </p:nvSpPr>
+        <p:spPr>
+          <a:xfrm>
+            <a:off x="9175926" y="6039131"/>
+            <a:ext cx="1210894" cy="523220"/>
+          </a:xfrm>
+          <a:prstGeom prst="rect">
+            <a:avLst/>
+          </a:prstGeom>
+          <a:noFill/>
+        </p:spPr>
+        <p:txBody>
+          <a:bodyPr wrap="square" rtlCol="0">
+            <a:spAutoFit/>
+          </a:bodyPr>
+          <a:lstStyle/>
+          <a:p>
+            <a:r>
+              <a:rPr lang="en-US" sz="2800" b="1" dirty="0"/>
+              <a:t>Labor</a:t>
+            </a:r>
+          </a:p>
+        </p:txBody>
+      </p:sp>
+      <p:sp>
+        <p:nvSpPr>
+          <p:cNvPr id="19" name="TextBox 18">
+            <a:extLst>
+              <a:ext uri="{FF2B5EF4-FFF2-40B4-BE49-F238E27FC236}">
+                <a16:creationId xmlns:a16="http://schemas.microsoft.com/office/drawing/2014/main" id="{61E30C12-4CA4-6CAF-8A7A-248BC997C845}"/>
+              </a:ext>
+            </a:extLst>
+          </p:cNvPr>
+          <p:cNvSpPr txBox="1"/>
+          <p:nvPr/>
+        </p:nvSpPr>
+        <p:spPr>
+          <a:xfrm>
+            <a:off x="1682681" y="1094090"/>
+            <a:ext cx="3768996" cy="369332"/>
+          </a:xfrm>
+          <a:prstGeom prst="rect">
+            <a:avLst/>
+          </a:prstGeom>
+          <a:noFill/>
+        </p:spPr>
+        <p:txBody>
+          <a:bodyPr wrap="square" rtlCol="0">
+            <a:spAutoFit/>
+          </a:bodyPr>
+          <a:lstStyle/>
+          <a:p>
+            <a:r>
+              <a:rPr lang="en-US" b="1" dirty="0">
+                <a:solidFill>
+                  <a:schemeClr val="accent5">
+                    <a:lumMod val="60000"/>
+                    <a:lumOff val="40000"/>
+                  </a:schemeClr>
+                </a:solidFill>
+              </a:rPr>
+              <a:t>Value of Marginal Product of Labor</a:t>
+            </a:r>
+          </a:p>
+        </p:txBody>
+      </p:sp>
+      <mc:AlternateContent xmlns:mc="http://schemas.openxmlformats.org/markup-compatibility/2006">
+        <mc:Choice xmlns:a14="http://schemas.microsoft.com/office/drawing/2010/main" Requires="a14">
+          <p:sp>
+            <p:nvSpPr>
+              <p:cNvPr id="20" name="TextBox 19">
+                <a:extLst>
+                  <a:ext uri="{FF2B5EF4-FFF2-40B4-BE49-F238E27FC236}">
+                    <a16:creationId xmlns:a16="http://schemas.microsoft.com/office/drawing/2014/main" id="{322617FE-239B-9713-E588-A6EF91FA3B89}"/>
+                  </a:ext>
+                </a:extLst>
+              </p:cNvPr>
+              <p:cNvSpPr txBox="1"/>
+              <p:nvPr/>
+            </p:nvSpPr>
+            <p:spPr>
+              <a:xfrm>
+                <a:off x="1682681" y="3650310"/>
+                <a:ext cx="2514850" cy="923330"/>
+              </a:xfrm>
+              <a:prstGeom prst="rect">
+                <a:avLst/>
+              </a:prstGeom>
+              <a:noFill/>
+            </p:spPr>
+            <p:txBody>
+              <a:bodyPr wrap="square" rtlCol="0">
+                <a:spAutoFit/>
+              </a:bodyPr>
+              <a:lstStyle/>
+              <a:p>
+                <a:r>
+                  <a:rPr lang="en-US" b="1" dirty="0">
+                    <a:solidFill>
+                      <a:srgbClr val="FFC000"/>
+                    </a:solidFill>
+                  </a:rPr>
+                  <a:t>0.6 </a:t>
+                </a:r>
+                <a14:m>
+                  <m:oMath xmlns:m="http://schemas.openxmlformats.org/officeDocument/2006/math">
+                    <m:r>
+                      <a:rPr lang="en-US" b="1" i="1" smtClean="0">
+                        <a:solidFill>
+                          <a:srgbClr val="FFC000"/>
+                        </a:solidFill>
+                        <a:latin typeface="Cambria Math" panose="02040503050406030204" pitchFamily="18" charset="0"/>
+                      </a:rPr>
+                      <m:t>×</m:t>
+                    </m:r>
+                  </m:oMath>
+                </a14:m>
+                <a:r>
+                  <a:rPr lang="en-US" b="1" dirty="0">
+                    <a:solidFill>
+                      <a:srgbClr val="FFC000"/>
+                    </a:solidFill>
+                  </a:rPr>
+                  <a:t> Value of Marginal Product of Labor</a:t>
+                </a:r>
+              </a:p>
+            </p:txBody>
+          </p:sp>
+        </mc:Choice>
+        <mc:Fallback>
+          <p:sp>
+            <p:nvSpPr>
+              <p:cNvPr id="20" name="TextBox 19">
+                <a:extLst>
+                  <a:ext uri="{FF2B5EF4-FFF2-40B4-BE49-F238E27FC236}">
+                    <a16:creationId xmlns:a16="http://schemas.microsoft.com/office/drawing/2014/main" id="{322617FE-239B-9713-E588-A6EF91FA3B89}"/>
+                  </a:ext>
+                </a:extLst>
+              </p:cNvPr>
+              <p:cNvSpPr txBox="1">
+                <a:spLocks noRot="1" noChangeAspect="1" noMove="1" noResize="1" noEditPoints="1" noAdjustHandles="1" noChangeArrowheads="1" noChangeShapeType="1" noTextEdit="1"/>
+              </p:cNvSpPr>
+              <p:nvPr/>
+            </p:nvSpPr>
+            <p:spPr>
+              <a:xfrm>
+                <a:off x="1682681" y="3650310"/>
+                <a:ext cx="2514850" cy="923330"/>
+              </a:xfrm>
+              <a:prstGeom prst="rect">
+                <a:avLst/>
+              </a:prstGeom>
+              <a:blipFill>
+                <a:blip r:embed="rId2"/>
+                <a:stretch>
+                  <a:fillRect l="-2010" t="-2740" b="-10959"/>
+                </a:stretch>
+              </a:blipFill>
+            </p:spPr>
+            <p:txBody>
+              <a:bodyPr/>
+              <a:lstStyle/>
+              <a:p>
+                <a:r>
+                  <a:rPr lang="en-US">
+                    <a:noFill/>
+                  </a:rPr>
+                  <a:t> </a:t>
+                </a:r>
+              </a:p>
+            </p:txBody>
+          </p:sp>
+        </mc:Fallback>
+      </mc:AlternateContent>
+      <p:sp>
+        <p:nvSpPr>
+          <p:cNvPr id="21" name="TextBox 20">
+            <a:extLst>
+              <a:ext uri="{FF2B5EF4-FFF2-40B4-BE49-F238E27FC236}">
+                <a16:creationId xmlns:a16="http://schemas.microsoft.com/office/drawing/2014/main" id="{52E3BFBA-BB09-0BC1-670A-7A2AC9DDC268}"/>
+              </a:ext>
+            </a:extLst>
+          </p:cNvPr>
+          <p:cNvSpPr txBox="1"/>
+          <p:nvPr/>
+        </p:nvSpPr>
+        <p:spPr>
+          <a:xfrm>
+            <a:off x="7125320" y="2541178"/>
+            <a:ext cx="3768996" cy="646331"/>
+          </a:xfrm>
+          <a:prstGeom prst="rect">
+            <a:avLst/>
+          </a:prstGeom>
+          <a:noFill/>
+        </p:spPr>
+        <p:txBody>
+          <a:bodyPr wrap="square" rtlCol="0">
+            <a:spAutoFit/>
+          </a:bodyPr>
+          <a:lstStyle/>
+          <a:p>
+            <a:r>
+              <a:rPr lang="en-US" b="1" dirty="0">
+                <a:solidFill>
+                  <a:schemeClr val="tx2">
+                    <a:lumMod val="75000"/>
+                    <a:lumOff val="25000"/>
+                  </a:schemeClr>
+                </a:solidFill>
+              </a:rPr>
+              <a:t>Wage of Outside Option (Opportunity Cost of Farming)</a:t>
+            </a:r>
+          </a:p>
+        </p:txBody>
+      </p:sp>
+      <p:cxnSp>
+        <p:nvCxnSpPr>
+          <p:cNvPr id="22" name="Straight Connector 21">
+            <a:extLst>
+              <a:ext uri="{FF2B5EF4-FFF2-40B4-BE49-F238E27FC236}">
+                <a16:creationId xmlns:a16="http://schemas.microsoft.com/office/drawing/2014/main" id="{E70B12DA-E0A8-F13E-708A-1154CB4D0298}"/>
+              </a:ext>
+            </a:extLst>
+          </p:cNvPr>
+          <p:cNvCxnSpPr>
+            <a:cxnSpLocks/>
+          </p:cNvCxnSpPr>
+          <p:nvPr/>
+        </p:nvCxnSpPr>
+        <p:spPr>
+          <a:xfrm flipV="1">
+            <a:off x="4511040" y="3355848"/>
+            <a:ext cx="0" cy="2524124"/>
+          </a:xfrm>
+          <a:prstGeom prst="line">
+            <a:avLst/>
+          </a:prstGeom>
+          <a:ln w="38100">
+            <a:prstDash val="dash"/>
+          </a:ln>
+        </p:spPr>
+        <p:style>
+          <a:lnRef idx="2">
+            <a:schemeClr val="accent1"/>
+          </a:lnRef>
+          <a:fillRef idx="0">
+            <a:schemeClr val="accent1"/>
+          </a:fillRef>
+          <a:effectRef idx="1">
+            <a:schemeClr val="accent1"/>
+          </a:effectRef>
+          <a:fontRef idx="minor">
+            <a:schemeClr val="tx1"/>
+          </a:fontRef>
+        </p:style>
+      </p:cxnSp>
+      <p:sp>
+        <p:nvSpPr>
+          <p:cNvPr id="23" name="Oval 22">
+            <a:extLst>
+              <a:ext uri="{FF2B5EF4-FFF2-40B4-BE49-F238E27FC236}">
+                <a16:creationId xmlns:a16="http://schemas.microsoft.com/office/drawing/2014/main" id="{E083B110-6A70-20D2-C3BE-43DC94E804ED}"/>
+              </a:ext>
+            </a:extLst>
+          </p:cNvPr>
+          <p:cNvSpPr/>
+          <p:nvPr/>
+        </p:nvSpPr>
+        <p:spPr>
+          <a:xfrm>
+            <a:off x="4437175" y="3201067"/>
+            <a:ext cx="147731" cy="154781"/>
+          </a:xfrm>
+          <a:prstGeom prst="ellipse">
+            <a:avLst/>
+          </a:prstGeom>
+          <a:solidFill>
+            <a:srgbClr val="C00000"/>
+          </a:solidFill>
+          <a:ln>
+            <a:solidFill>
+              <a:schemeClr val="tx1"/>
+            </a:solidFill>
+          </a:ln>
+        </p:spPr>
+        <p:style>
+          <a:lnRef idx="2">
+            <a:schemeClr val="accent1">
+              <a:shade val="15000"/>
+            </a:schemeClr>
+          </a:lnRef>
+          <a:fillRef idx="1">
+            <a:schemeClr val="accent1"/>
+          </a:fillRef>
+          <a:effectRef idx="0">
+            <a:schemeClr val="accent1"/>
+          </a:effectRef>
+          <a:fontRef idx="minor">
+            <a:schemeClr val="lt1"/>
+          </a:fontRef>
+        </p:style>
+        <p:txBody>
+          <a:bodyPr rtlCol="0" anchor="ctr"/>
+          <a:lstStyle/>
+          <a:p>
+            <a:pPr algn="ctr"/>
+            <a:endParaRPr lang="en-US"/>
+          </a:p>
+        </p:txBody>
+      </p:sp>
+      <mc:AlternateContent xmlns:mc="http://schemas.openxmlformats.org/markup-compatibility/2006">
+        <mc:Choice xmlns:a14="http://schemas.microsoft.com/office/drawing/2010/main" Requires="a14">
+          <p:sp>
+            <p:nvSpPr>
+              <p:cNvPr id="24" name="TextBox 23">
+                <a:extLst>
+                  <a:ext uri="{FF2B5EF4-FFF2-40B4-BE49-F238E27FC236}">
+                    <a16:creationId xmlns:a16="http://schemas.microsoft.com/office/drawing/2014/main" id="{168C2772-D0DD-6707-75B3-08B5A319B984}"/>
+                  </a:ext>
+                </a:extLst>
+              </p:cNvPr>
+              <p:cNvSpPr txBox="1"/>
+              <p:nvPr/>
+            </p:nvSpPr>
+            <p:spPr>
+              <a:xfrm>
+                <a:off x="4206240" y="5968512"/>
+                <a:ext cx="609600" cy="369332"/>
+              </a:xfrm>
+              <a:prstGeom prst="rect">
+                <a:avLst/>
+              </a:prstGeom>
+              <a:noFill/>
+            </p:spPr>
+            <p:txBody>
+              <a:bodyPr wrap="square" rtlCol="0">
+                <a:spAutoFit/>
+              </a:bodyPr>
+              <a:lstStyle/>
+              <a:p>
+                <a:pPr/>
+                <a14:m>
+                  <m:oMathPara xmlns:m="http://schemas.openxmlformats.org/officeDocument/2006/math">
+                    <m:oMathParaPr>
+                      <m:jc m:val="centerGroup"/>
+                    </m:oMathParaPr>
+                    <m:oMath xmlns:m="http://schemas.openxmlformats.org/officeDocument/2006/math">
+                      <m:sSup>
+                        <m:sSupPr>
+                          <m:ctrlPr>
+                            <a:rPr lang="en-US" b="1" i="1" smtClean="0">
+                              <a:latin typeface="Cambria Math" panose="02040503050406030204" pitchFamily="18" charset="0"/>
+                            </a:rPr>
+                          </m:ctrlPr>
+                        </m:sSupPr>
+                        <m:e>
+                          <m:r>
+                            <a:rPr lang="en-US" b="1" i="1" smtClean="0">
+                              <a:latin typeface="Cambria Math" panose="02040503050406030204" pitchFamily="18" charset="0"/>
+                            </a:rPr>
+                            <m:t>𝑳</m:t>
+                          </m:r>
+                        </m:e>
+                        <m:sup>
+                          <m:r>
+                            <a:rPr lang="en-US" b="1" i="1" smtClean="0">
+                              <a:latin typeface="Cambria Math" panose="02040503050406030204" pitchFamily="18" charset="0"/>
+                            </a:rPr>
+                            <m:t>∗</m:t>
+                          </m:r>
+                        </m:sup>
+                      </m:sSup>
+                    </m:oMath>
+                  </m:oMathPara>
+                </a14:m>
+                <a:endParaRPr lang="en-US" b="1" dirty="0"/>
+              </a:p>
+            </p:txBody>
+          </p:sp>
+        </mc:Choice>
+        <mc:Fallback>
+          <p:sp>
+            <p:nvSpPr>
+              <p:cNvPr id="24" name="TextBox 23">
+                <a:extLst>
+                  <a:ext uri="{FF2B5EF4-FFF2-40B4-BE49-F238E27FC236}">
+                    <a16:creationId xmlns:a16="http://schemas.microsoft.com/office/drawing/2014/main" id="{168C2772-D0DD-6707-75B3-08B5A319B984}"/>
+                  </a:ext>
+                </a:extLst>
+              </p:cNvPr>
+              <p:cNvSpPr txBox="1">
+                <a:spLocks noRot="1" noChangeAspect="1" noMove="1" noResize="1" noEditPoints="1" noAdjustHandles="1" noChangeArrowheads="1" noChangeShapeType="1" noTextEdit="1"/>
+              </p:cNvSpPr>
+              <p:nvPr/>
+            </p:nvSpPr>
+            <p:spPr>
+              <a:xfrm>
+                <a:off x="4206240" y="5968512"/>
+                <a:ext cx="609600" cy="369332"/>
+              </a:xfrm>
+              <a:prstGeom prst="rect">
+                <a:avLst/>
+              </a:prstGeom>
+              <a:blipFill>
+                <a:blip r:embed="rId3"/>
+                <a:stretch>
+                  <a:fillRect/>
+                </a:stretch>
+              </a:blipFill>
+            </p:spPr>
+            <p:txBody>
+              <a:bodyPr/>
+              <a:lstStyle/>
+              <a:p>
+                <a:r>
+                  <a:rPr lang="en-US">
+                    <a:noFill/>
+                  </a:rPr>
+                  <a:t> </a:t>
+                </a:r>
+              </a:p>
+            </p:txBody>
+          </p:sp>
+        </mc:Fallback>
+      </mc:AlternateContent>
+    </p:spTree>
+    <p:extLst>
+      <p:ext uri="{BB962C8B-B14F-4D97-AF65-F5344CB8AC3E}">
+        <p14:creationId xmlns:p14="http://schemas.microsoft.com/office/powerpoint/2010/main" val="406768666"/>
+      </p:ext>
+    </p:extLst>
+  </p:cSld>
+  <p:clrMapOvr>
+    <a:masterClrMapping/>
+  </p:clrMapOvr>
+</p:sld>
+</file>
+
+<file path=ppt/slides/slide9.xml><?xml version="1.0" encoding="utf-8"?>
+<p:sld xmlns:a="http://schemas.openxmlformats.org/drawingml/2006/main" xmlns:r="http://schemas.openxmlformats.org/officeDocument/2006/relationships" xmlns:p="http://schemas.openxmlformats.org/presentationml/2006/main">
+  <p:cSld>
+    <p:spTree>
+      <p:nvGrpSpPr>
+        <p:cNvPr id="1" name=""/>
+        <p:cNvGrpSpPr/>
+        <p:nvPr/>
+      </p:nvGrpSpPr>
+      <p:grpSpPr>
+        <a:xfrm>
+          <a:off x="0" y="0"/>
+          <a:ext cx="0" cy="0"/>
+          <a:chOff x="0" y="0"/>
+          <a:chExt cx="0" cy="0"/>
+        </a:xfrm>
+      </p:grpSpPr>
+      <p:cxnSp>
+        <p:nvCxnSpPr>
+          <p:cNvPr id="4" name="Straight Connector 3">
+            <a:extLst>
+              <a:ext uri="{FF2B5EF4-FFF2-40B4-BE49-F238E27FC236}">
+                <a16:creationId xmlns:a16="http://schemas.microsoft.com/office/drawing/2014/main" id="{08F7DC21-6BA3-8472-7EE7-E22EFBCDDFEA}"/>
+              </a:ext>
+            </a:extLst>
+          </p:cNvPr>
+          <p:cNvCxnSpPr>
+            <a:cxnSpLocks/>
+          </p:cNvCxnSpPr>
+          <p:nvPr/>
+        </p:nvCxnSpPr>
+        <p:spPr>
+          <a:xfrm>
+            <a:off x="1316736" y="3267307"/>
+            <a:ext cx="8763966" cy="0"/>
+          </a:xfrm>
+          <a:prstGeom prst="line">
+            <a:avLst/>
+          </a:prstGeom>
+          <a:ln w="38100"/>
+        </p:spPr>
+        <p:style>
+          <a:lnRef idx="2">
+            <a:schemeClr val="accent1"/>
+          </a:lnRef>
+          <a:fillRef idx="0">
+            <a:schemeClr val="accent1"/>
+          </a:fillRef>
+          <a:effectRef idx="1">
+            <a:schemeClr val="accent1"/>
+          </a:effectRef>
+          <a:fontRef idx="minor">
+            <a:schemeClr val="tx1"/>
+          </a:fontRef>
+        </p:style>
+      </p:cxnSp>
+      <p:cxnSp>
+        <p:nvCxnSpPr>
+          <p:cNvPr id="5" name="Straight Connector 4">
+            <a:extLst>
+              <a:ext uri="{FF2B5EF4-FFF2-40B4-BE49-F238E27FC236}">
+                <a16:creationId xmlns:a16="http://schemas.microsoft.com/office/drawing/2014/main" id="{4ED3A756-1184-0754-788C-F3935FCB0C5F}"/>
+              </a:ext>
+            </a:extLst>
+          </p:cNvPr>
+          <p:cNvCxnSpPr>
+            <a:cxnSpLocks/>
+          </p:cNvCxnSpPr>
+          <p:nvPr/>
+        </p:nvCxnSpPr>
+        <p:spPr>
+          <a:xfrm>
+            <a:off x="1297684" y="1382751"/>
+            <a:ext cx="7679048" cy="4497221"/>
+          </a:xfrm>
+          <a:prstGeom prst="line">
+            <a:avLst/>
+          </a:prstGeom>
+          <a:ln w="38100">
+            <a:solidFill>
+              <a:schemeClr val="accent5">
+                <a:lumMod val="60000"/>
+                <a:lumOff val="40000"/>
+              </a:schemeClr>
+            </a:solidFill>
+          </a:ln>
+        </p:spPr>
+        <p:style>
+          <a:lnRef idx="2">
+            <a:schemeClr val="accent1"/>
+          </a:lnRef>
+          <a:fillRef idx="0">
+            <a:schemeClr val="accent1"/>
+          </a:fillRef>
+          <a:effectRef idx="1">
+            <a:schemeClr val="accent1"/>
+          </a:effectRef>
+          <a:fontRef idx="minor">
+            <a:schemeClr val="tx1"/>
+          </a:fontRef>
+        </p:style>
+      </p:cxnSp>
+      <p:cxnSp>
+        <p:nvCxnSpPr>
+          <p:cNvPr id="6" name="Straight Connector 5">
+            <a:extLst>
+              <a:ext uri="{FF2B5EF4-FFF2-40B4-BE49-F238E27FC236}">
+                <a16:creationId xmlns:a16="http://schemas.microsoft.com/office/drawing/2014/main" id="{342D5D42-1F16-5DA3-9BDA-6119C66538D0}"/>
+              </a:ext>
+            </a:extLst>
+          </p:cNvPr>
+          <p:cNvCxnSpPr>
+            <a:cxnSpLocks/>
+          </p:cNvCxnSpPr>
+          <p:nvPr/>
+        </p:nvCxnSpPr>
+        <p:spPr>
+          <a:xfrm>
+            <a:off x="1335789" y="2943922"/>
+            <a:ext cx="7640943" cy="2936050"/>
+          </a:xfrm>
+          <a:prstGeom prst="line">
+            <a:avLst/>
+          </a:prstGeom>
+          <a:ln w="38100">
+            <a:solidFill>
+              <a:srgbClr val="FFC000"/>
+            </a:solidFill>
+          </a:ln>
+        </p:spPr>
+        <p:style>
+          <a:lnRef idx="2">
+            <a:schemeClr val="accent1"/>
+          </a:lnRef>
+          <a:fillRef idx="0">
+            <a:schemeClr val="accent1"/>
+          </a:fillRef>
+          <a:effectRef idx="1">
+            <a:schemeClr val="accent1"/>
+          </a:effectRef>
+          <a:fontRef idx="minor">
+            <a:schemeClr val="tx1"/>
+          </a:fontRef>
+        </p:style>
+      </p:cxnSp>
+      <p:grpSp>
+        <p:nvGrpSpPr>
+          <p:cNvPr id="7" name="Group 6">
+            <a:extLst>
+              <a:ext uri="{FF2B5EF4-FFF2-40B4-BE49-F238E27FC236}">
+                <a16:creationId xmlns:a16="http://schemas.microsoft.com/office/drawing/2014/main" id="{A3283ABA-2B68-7DC8-4A54-C0A3CFEF5D44}"/>
+              </a:ext>
+            </a:extLst>
+          </p:cNvPr>
+          <p:cNvGrpSpPr/>
+          <p:nvPr/>
+        </p:nvGrpSpPr>
+        <p:grpSpPr>
+          <a:xfrm>
+            <a:off x="1297684" y="804672"/>
+            <a:ext cx="9089136" cy="5102352"/>
+            <a:chOff x="1297684" y="804672"/>
+            <a:chExt cx="9089136" cy="5102352"/>
+          </a:xfrm>
+        </p:grpSpPr>
+        <p:cxnSp>
+          <p:nvCxnSpPr>
+            <p:cNvPr id="8" name="Straight Connector 7">
+              <a:extLst>
+                <a:ext uri="{FF2B5EF4-FFF2-40B4-BE49-F238E27FC236}">
+                  <a16:creationId xmlns:a16="http://schemas.microsoft.com/office/drawing/2014/main" id="{2874B9C9-001F-7838-189E-71A07FCDD798}"/>
+                </a:ext>
+              </a:extLst>
+            </p:cNvPr>
+            <p:cNvCxnSpPr/>
+            <p:nvPr/>
+          </p:nvCxnSpPr>
+          <p:spPr>
+            <a:xfrm>
+              <a:off x="1316736" y="804672"/>
+              <a:ext cx="0" cy="5102352"/>
+            </a:xfrm>
+            <a:prstGeom prst="line">
+              <a:avLst/>
+            </a:prstGeom>
+            <a:ln w="57150">
+              <a:solidFill>
+                <a:schemeClr val="tx1"/>
+              </a:solidFill>
+            </a:ln>
+          </p:spPr>
+          <p:style>
+            <a:lnRef idx="2">
+              <a:schemeClr val="accent1"/>
+            </a:lnRef>
+            <a:fillRef idx="0">
+              <a:schemeClr val="accent1"/>
+            </a:fillRef>
+            <a:effectRef idx="1">
+              <a:schemeClr val="accent1"/>
+            </a:effectRef>
+            <a:fontRef idx="minor">
+              <a:schemeClr val="tx1"/>
+            </a:fontRef>
+          </p:style>
+        </p:cxnSp>
+        <p:cxnSp>
+          <p:nvCxnSpPr>
+            <p:cNvPr id="9" name="Straight Connector 8">
+              <a:extLst>
+                <a:ext uri="{FF2B5EF4-FFF2-40B4-BE49-F238E27FC236}">
+                  <a16:creationId xmlns:a16="http://schemas.microsoft.com/office/drawing/2014/main" id="{1BFF5613-CD33-3B97-7DF8-6D079B4363C5}"/>
+                </a:ext>
+              </a:extLst>
+            </p:cNvPr>
+            <p:cNvCxnSpPr>
+              <a:cxnSpLocks/>
+            </p:cNvCxnSpPr>
+            <p:nvPr/>
+          </p:nvCxnSpPr>
+          <p:spPr>
+            <a:xfrm flipH="1">
+              <a:off x="1297684" y="5879972"/>
+              <a:ext cx="9089136" cy="0"/>
+            </a:xfrm>
+            <a:prstGeom prst="line">
+              <a:avLst/>
+            </a:prstGeom>
+            <a:ln w="57150">
+              <a:solidFill>
+                <a:schemeClr val="tx1"/>
+              </a:solidFill>
+            </a:ln>
+          </p:spPr>
+          <p:style>
+            <a:lnRef idx="2">
+              <a:schemeClr val="accent1"/>
+            </a:lnRef>
+            <a:fillRef idx="0">
+              <a:schemeClr val="accent1"/>
+            </a:fillRef>
+            <a:effectRef idx="1">
+              <a:schemeClr val="accent1"/>
+            </a:effectRef>
+            <a:fontRef idx="minor">
+              <a:schemeClr val="tx1"/>
+            </a:fontRef>
+          </p:style>
+        </p:cxnSp>
+      </p:grpSp>
+      <p:sp>
+        <p:nvSpPr>
+          <p:cNvPr id="10" name="TextBox 9">
+            <a:extLst>
+              <a:ext uri="{FF2B5EF4-FFF2-40B4-BE49-F238E27FC236}">
+                <a16:creationId xmlns:a16="http://schemas.microsoft.com/office/drawing/2014/main" id="{51D2227F-3D25-F839-E2BB-E450C3E328CA}"/>
+              </a:ext>
+            </a:extLst>
+          </p:cNvPr>
+          <p:cNvSpPr txBox="1"/>
+          <p:nvPr/>
+        </p:nvSpPr>
+        <p:spPr>
+          <a:xfrm rot="16200000">
+            <a:off x="141319" y="1278446"/>
+            <a:ext cx="1470768" cy="523220"/>
+          </a:xfrm>
+          <a:prstGeom prst="rect">
+            <a:avLst/>
+          </a:prstGeom>
+          <a:noFill/>
+        </p:spPr>
+        <p:txBody>
+          <a:bodyPr wrap="square" rtlCol="0">
+            <a:spAutoFit/>
+          </a:bodyPr>
+          <a:lstStyle/>
+          <a:p>
+            <a:r>
+              <a:rPr lang="en-US" sz="2800" b="1" dirty="0"/>
+              <a:t>Output</a:t>
+            </a:r>
+          </a:p>
+        </p:txBody>
+      </p:sp>
+      <p:sp>
+        <p:nvSpPr>
+          <p:cNvPr id="11" name="TextBox 10">
+            <a:extLst>
+              <a:ext uri="{FF2B5EF4-FFF2-40B4-BE49-F238E27FC236}">
+                <a16:creationId xmlns:a16="http://schemas.microsoft.com/office/drawing/2014/main" id="{2D80EC04-176F-50A7-02F0-4AEAD6BC451C}"/>
+              </a:ext>
+            </a:extLst>
+          </p:cNvPr>
+          <p:cNvSpPr txBox="1"/>
+          <p:nvPr/>
+        </p:nvSpPr>
+        <p:spPr>
+          <a:xfrm>
+            <a:off x="9175926" y="6039131"/>
+            <a:ext cx="1210894" cy="523220"/>
+          </a:xfrm>
+          <a:prstGeom prst="rect">
+            <a:avLst/>
+          </a:prstGeom>
+          <a:noFill/>
+        </p:spPr>
+        <p:txBody>
+          <a:bodyPr wrap="square" rtlCol="0">
+            <a:spAutoFit/>
+          </a:bodyPr>
+          <a:lstStyle/>
+          <a:p>
+            <a:r>
+              <a:rPr lang="en-US" sz="2800" b="1" dirty="0"/>
+              <a:t>Labor</a:t>
+            </a:r>
+          </a:p>
+        </p:txBody>
+      </p:sp>
+      <p:sp>
+        <p:nvSpPr>
+          <p:cNvPr id="12" name="TextBox 11">
+            <a:extLst>
+              <a:ext uri="{FF2B5EF4-FFF2-40B4-BE49-F238E27FC236}">
+                <a16:creationId xmlns:a16="http://schemas.microsoft.com/office/drawing/2014/main" id="{D9E96600-5A0E-4037-8A83-D320CB0E9EE9}"/>
+              </a:ext>
+            </a:extLst>
+          </p:cNvPr>
+          <p:cNvSpPr txBox="1"/>
+          <p:nvPr/>
+        </p:nvSpPr>
+        <p:spPr>
+          <a:xfrm>
+            <a:off x="1682681" y="1094090"/>
+            <a:ext cx="3768996" cy="369332"/>
+          </a:xfrm>
+          <a:prstGeom prst="rect">
+            <a:avLst/>
+          </a:prstGeom>
+          <a:noFill/>
+        </p:spPr>
+        <p:txBody>
+          <a:bodyPr wrap="square" rtlCol="0">
+            <a:spAutoFit/>
+          </a:bodyPr>
+          <a:lstStyle/>
+          <a:p>
+            <a:r>
+              <a:rPr lang="en-US" b="1" dirty="0">
+                <a:solidFill>
+                  <a:schemeClr val="accent5">
+                    <a:lumMod val="60000"/>
+                    <a:lumOff val="40000"/>
+                  </a:schemeClr>
+                </a:solidFill>
+              </a:rPr>
+              <a:t>Value of Marginal Product of Labor</a:t>
+            </a:r>
+          </a:p>
+        </p:txBody>
+      </p:sp>
+      <mc:AlternateContent xmlns:mc="http://schemas.openxmlformats.org/markup-compatibility/2006">
+        <mc:Choice xmlns:a14="http://schemas.microsoft.com/office/drawing/2010/main" Requires="a14">
+          <p:sp>
+            <p:nvSpPr>
+              <p:cNvPr id="13" name="TextBox 12">
+                <a:extLst>
+                  <a:ext uri="{FF2B5EF4-FFF2-40B4-BE49-F238E27FC236}">
+                    <a16:creationId xmlns:a16="http://schemas.microsoft.com/office/drawing/2014/main" id="{A3B5B517-22F2-D04E-5CA6-90B917D6B55E}"/>
+                  </a:ext>
+                </a:extLst>
+              </p:cNvPr>
+              <p:cNvSpPr txBox="1"/>
+              <p:nvPr/>
+            </p:nvSpPr>
+            <p:spPr>
+              <a:xfrm>
+                <a:off x="4838575" y="4868102"/>
+                <a:ext cx="2514850" cy="923330"/>
+              </a:xfrm>
+              <a:prstGeom prst="rect">
+                <a:avLst/>
+              </a:prstGeom>
+              <a:noFill/>
+            </p:spPr>
+            <p:txBody>
+              <a:bodyPr wrap="square" rtlCol="0">
+                <a:spAutoFit/>
+              </a:bodyPr>
+              <a:lstStyle/>
+              <a:p>
+                <a:r>
+                  <a:rPr lang="en-US" b="1" dirty="0">
+                    <a:solidFill>
+                      <a:srgbClr val="FFC000"/>
+                    </a:solidFill>
+                  </a:rPr>
+                  <a:t>0.6 </a:t>
+                </a:r>
+                <a14:m>
+                  <m:oMath xmlns:m="http://schemas.openxmlformats.org/officeDocument/2006/math">
+                    <m:r>
+                      <a:rPr lang="en-US" b="1" i="1" smtClean="0">
+                        <a:solidFill>
+                          <a:srgbClr val="FFC000"/>
+                        </a:solidFill>
+                        <a:latin typeface="Cambria Math" panose="02040503050406030204" pitchFamily="18" charset="0"/>
+                      </a:rPr>
+                      <m:t>×</m:t>
+                    </m:r>
+                  </m:oMath>
+                </a14:m>
+                <a:r>
+                  <a:rPr lang="en-US" b="1" dirty="0">
+                    <a:solidFill>
+                      <a:srgbClr val="FFC000"/>
+                    </a:solidFill>
+                  </a:rPr>
+                  <a:t> Value of Marginal Product of Labor</a:t>
+                </a:r>
+              </a:p>
+            </p:txBody>
+          </p:sp>
+        </mc:Choice>
+        <mc:Fallback>
+          <p:sp>
+            <p:nvSpPr>
+              <p:cNvPr id="13" name="TextBox 12">
+                <a:extLst>
+                  <a:ext uri="{FF2B5EF4-FFF2-40B4-BE49-F238E27FC236}">
+                    <a16:creationId xmlns:a16="http://schemas.microsoft.com/office/drawing/2014/main" id="{A3B5B517-22F2-D04E-5CA6-90B917D6B55E}"/>
+                  </a:ext>
+                </a:extLst>
+              </p:cNvPr>
+              <p:cNvSpPr txBox="1">
+                <a:spLocks noRot="1" noChangeAspect="1" noMove="1" noResize="1" noEditPoints="1" noAdjustHandles="1" noChangeArrowheads="1" noChangeShapeType="1" noTextEdit="1"/>
+              </p:cNvSpPr>
+              <p:nvPr/>
+            </p:nvSpPr>
+            <p:spPr>
+              <a:xfrm>
+                <a:off x="4838575" y="4868102"/>
+                <a:ext cx="2514850" cy="923330"/>
+              </a:xfrm>
+              <a:prstGeom prst="rect">
+                <a:avLst/>
+              </a:prstGeom>
+              <a:blipFill>
+                <a:blip r:embed="rId2"/>
+                <a:stretch>
+                  <a:fillRect l="-2525" t="-2703" b="-9459"/>
+                </a:stretch>
+              </a:blipFill>
+            </p:spPr>
+            <p:txBody>
+              <a:bodyPr/>
+              <a:lstStyle/>
+              <a:p>
+                <a:r>
+                  <a:rPr lang="en-US">
+                    <a:noFill/>
+                  </a:rPr>
+                  <a:t> </a:t>
+                </a:r>
+              </a:p>
+            </p:txBody>
+          </p:sp>
+        </mc:Fallback>
+      </mc:AlternateContent>
+      <p:sp>
+        <p:nvSpPr>
+          <p:cNvPr id="14" name="TextBox 13">
+            <a:extLst>
+              <a:ext uri="{FF2B5EF4-FFF2-40B4-BE49-F238E27FC236}">
+                <a16:creationId xmlns:a16="http://schemas.microsoft.com/office/drawing/2014/main" id="{01FA8328-7FE3-D634-AA4B-1E6282D9483A}"/>
+              </a:ext>
+            </a:extLst>
+          </p:cNvPr>
+          <p:cNvSpPr txBox="1"/>
+          <p:nvPr/>
+        </p:nvSpPr>
+        <p:spPr>
+          <a:xfrm>
+            <a:off x="7125320" y="2541178"/>
+            <a:ext cx="3768996" cy="646331"/>
+          </a:xfrm>
+          <a:prstGeom prst="rect">
+            <a:avLst/>
+          </a:prstGeom>
+          <a:noFill/>
+        </p:spPr>
+        <p:txBody>
+          <a:bodyPr wrap="square" rtlCol="0">
+            <a:spAutoFit/>
+          </a:bodyPr>
+          <a:lstStyle/>
+          <a:p>
+            <a:r>
+              <a:rPr lang="en-US" b="1" dirty="0">
+                <a:solidFill>
+                  <a:schemeClr val="tx2">
+                    <a:lumMod val="75000"/>
+                    <a:lumOff val="25000"/>
+                  </a:schemeClr>
+                </a:solidFill>
+              </a:rPr>
+              <a:t>Wage of Outside Option (Opportunity Cost of Farming)</a:t>
+            </a:r>
+          </a:p>
+        </p:txBody>
+      </p:sp>
+      <p:cxnSp>
+        <p:nvCxnSpPr>
+          <p:cNvPr id="15" name="Straight Connector 14">
+            <a:extLst>
+              <a:ext uri="{FF2B5EF4-FFF2-40B4-BE49-F238E27FC236}">
+                <a16:creationId xmlns:a16="http://schemas.microsoft.com/office/drawing/2014/main" id="{D6D85741-B9B9-2505-3A3B-D32EA4185FAF}"/>
+              </a:ext>
+            </a:extLst>
+          </p:cNvPr>
+          <p:cNvCxnSpPr>
+            <a:cxnSpLocks/>
+          </p:cNvCxnSpPr>
+          <p:nvPr/>
+        </p:nvCxnSpPr>
+        <p:spPr>
+          <a:xfrm flipV="1">
+            <a:off x="4511040" y="3355848"/>
+            <a:ext cx="0" cy="2524124"/>
+          </a:xfrm>
+          <a:prstGeom prst="line">
+            <a:avLst/>
+          </a:prstGeom>
+          <a:ln w="38100">
+            <a:prstDash val="dash"/>
+          </a:ln>
+        </p:spPr>
+        <p:style>
+          <a:lnRef idx="2">
+            <a:schemeClr val="accent1"/>
+          </a:lnRef>
+          <a:fillRef idx="0">
+            <a:schemeClr val="accent1"/>
+          </a:fillRef>
+          <a:effectRef idx="1">
+            <a:schemeClr val="accent1"/>
+          </a:effectRef>
+          <a:fontRef idx="minor">
+            <a:schemeClr val="tx1"/>
+          </a:fontRef>
+        </p:style>
+      </p:cxnSp>
+      <p:sp>
+        <p:nvSpPr>
+          <p:cNvPr id="16" name="Oval 15">
+            <a:extLst>
+              <a:ext uri="{FF2B5EF4-FFF2-40B4-BE49-F238E27FC236}">
+                <a16:creationId xmlns:a16="http://schemas.microsoft.com/office/drawing/2014/main" id="{9B611504-BDBB-8EFE-33F3-5366978673E1}"/>
+              </a:ext>
+            </a:extLst>
+          </p:cNvPr>
+          <p:cNvSpPr/>
+          <p:nvPr/>
+        </p:nvSpPr>
+        <p:spPr>
+          <a:xfrm>
+            <a:off x="4437175" y="3201067"/>
+            <a:ext cx="147731" cy="154781"/>
+          </a:xfrm>
+          <a:prstGeom prst="ellipse">
+            <a:avLst/>
+          </a:prstGeom>
+          <a:solidFill>
+            <a:srgbClr val="C00000"/>
+          </a:solidFill>
+          <a:ln>
+            <a:solidFill>
+              <a:schemeClr val="tx1"/>
+            </a:solidFill>
+          </a:ln>
+        </p:spPr>
+        <p:style>
+          <a:lnRef idx="2">
+            <a:schemeClr val="accent1">
+              <a:shade val="15000"/>
+            </a:schemeClr>
+          </a:lnRef>
+          <a:fillRef idx="1">
+            <a:schemeClr val="accent1"/>
+          </a:fillRef>
+          <a:effectRef idx="0">
+            <a:schemeClr val="accent1"/>
+          </a:effectRef>
+          <a:fontRef idx="minor">
+            <a:schemeClr val="lt1"/>
+          </a:fontRef>
+        </p:style>
+        <p:txBody>
+          <a:bodyPr rtlCol="0" anchor="ctr"/>
+          <a:lstStyle/>
+          <a:p>
+            <a:pPr algn="ctr"/>
+            <a:endParaRPr lang="en-US"/>
+          </a:p>
+        </p:txBody>
+      </p:sp>
+      <p:cxnSp>
+        <p:nvCxnSpPr>
+          <p:cNvPr id="17" name="Straight Connector 16">
+            <a:extLst>
+              <a:ext uri="{FF2B5EF4-FFF2-40B4-BE49-F238E27FC236}">
+                <a16:creationId xmlns:a16="http://schemas.microsoft.com/office/drawing/2014/main" id="{137AFF45-D622-0470-77A3-3A38376E5209}"/>
+              </a:ext>
+            </a:extLst>
+          </p:cNvPr>
+          <p:cNvCxnSpPr>
+            <a:cxnSpLocks/>
+          </p:cNvCxnSpPr>
+          <p:nvPr/>
+        </p:nvCxnSpPr>
+        <p:spPr>
+          <a:xfrm flipV="1">
+            <a:off x="2127797" y="3355848"/>
+            <a:ext cx="0" cy="2524124"/>
+          </a:xfrm>
+          <a:prstGeom prst="line">
+            <a:avLst/>
+          </a:prstGeom>
+          <a:ln w="38100">
+            <a:prstDash val="dash"/>
+          </a:ln>
+        </p:spPr>
+        <p:style>
+          <a:lnRef idx="2">
+            <a:schemeClr val="accent1"/>
+          </a:lnRef>
+          <a:fillRef idx="0">
+            <a:schemeClr val="accent1"/>
+          </a:fillRef>
+          <a:effectRef idx="1">
+            <a:schemeClr val="accent1"/>
+          </a:effectRef>
+          <a:fontRef idx="minor">
+            <a:schemeClr val="tx1"/>
+          </a:fontRef>
+        </p:style>
+      </p:cxnSp>
+      <p:sp>
+        <p:nvSpPr>
+          <p:cNvPr id="18" name="Oval 17">
+            <a:extLst>
+              <a:ext uri="{FF2B5EF4-FFF2-40B4-BE49-F238E27FC236}">
+                <a16:creationId xmlns:a16="http://schemas.microsoft.com/office/drawing/2014/main" id="{5D302D86-BF42-BBD3-1C36-06F794DA8654}"/>
+              </a:ext>
+            </a:extLst>
+          </p:cNvPr>
+          <p:cNvSpPr/>
+          <p:nvPr/>
+        </p:nvSpPr>
+        <p:spPr>
+          <a:xfrm>
+            <a:off x="2053932" y="3201067"/>
+            <a:ext cx="147731" cy="154781"/>
+          </a:xfrm>
+          <a:prstGeom prst="ellipse">
+            <a:avLst/>
+          </a:prstGeom>
+          <a:solidFill>
+            <a:srgbClr val="C00000"/>
+          </a:solidFill>
+          <a:ln>
+            <a:solidFill>
+              <a:schemeClr val="tx1"/>
+            </a:solidFill>
+          </a:ln>
+        </p:spPr>
+        <p:style>
+          <a:lnRef idx="2">
+            <a:schemeClr val="accent1">
+              <a:shade val="15000"/>
+            </a:schemeClr>
+          </a:lnRef>
+          <a:fillRef idx="1">
+            <a:schemeClr val="accent1"/>
+          </a:fillRef>
+          <a:effectRef idx="0">
+            <a:schemeClr val="accent1"/>
+          </a:effectRef>
+          <a:fontRef idx="minor">
+            <a:schemeClr val="lt1"/>
+          </a:fontRef>
+        </p:style>
+        <p:txBody>
+          <a:bodyPr rtlCol="0" anchor="ctr"/>
+          <a:lstStyle/>
+          <a:p>
+            <a:pPr algn="ctr"/>
+            <a:endParaRPr lang="en-US"/>
+          </a:p>
+        </p:txBody>
+      </p:sp>
+      <mc:AlternateContent xmlns:mc="http://schemas.openxmlformats.org/markup-compatibility/2006">
+        <mc:Choice xmlns:a14="http://schemas.microsoft.com/office/drawing/2010/main" Requires="a14">
+          <p:sp>
+            <p:nvSpPr>
+              <p:cNvPr id="19" name="TextBox 18">
+                <a:extLst>
+                  <a:ext uri="{FF2B5EF4-FFF2-40B4-BE49-F238E27FC236}">
+                    <a16:creationId xmlns:a16="http://schemas.microsoft.com/office/drawing/2014/main" id="{F68B495D-7F3A-46AB-D02E-0FD13E7DC800}"/>
+                  </a:ext>
+                </a:extLst>
+              </p:cNvPr>
+              <p:cNvSpPr txBox="1"/>
+              <p:nvPr/>
+            </p:nvSpPr>
+            <p:spPr>
+              <a:xfrm>
+                <a:off x="4206240" y="5968512"/>
+                <a:ext cx="609600" cy="369332"/>
+              </a:xfrm>
+              <a:prstGeom prst="rect">
+                <a:avLst/>
+              </a:prstGeom>
+              <a:noFill/>
+            </p:spPr>
+            <p:txBody>
+              <a:bodyPr wrap="square" rtlCol="0">
+                <a:spAutoFit/>
+              </a:bodyPr>
+              <a:lstStyle/>
+              <a:p>
+                <a:pPr/>
+                <a14:m>
+                  <m:oMathPara xmlns:m="http://schemas.openxmlformats.org/officeDocument/2006/math">
+                    <m:oMathParaPr>
+                      <m:jc m:val="centerGroup"/>
+                    </m:oMathParaPr>
+                    <m:oMath xmlns:m="http://schemas.openxmlformats.org/officeDocument/2006/math">
+                      <m:sSup>
+                        <m:sSupPr>
+                          <m:ctrlPr>
+                            <a:rPr lang="en-US" b="1" i="1" smtClean="0">
+                              <a:latin typeface="Cambria Math" panose="02040503050406030204" pitchFamily="18" charset="0"/>
+                            </a:rPr>
+                          </m:ctrlPr>
+                        </m:sSupPr>
+                        <m:e>
+                          <m:r>
+                            <a:rPr lang="en-US" b="1" i="1" smtClean="0">
+                              <a:latin typeface="Cambria Math" panose="02040503050406030204" pitchFamily="18" charset="0"/>
+                            </a:rPr>
+                            <m:t>𝑳</m:t>
+                          </m:r>
+                        </m:e>
+                        <m:sup>
+                          <m:r>
+                            <a:rPr lang="en-US" b="1" i="1" smtClean="0">
+                              <a:latin typeface="Cambria Math" panose="02040503050406030204" pitchFamily="18" charset="0"/>
+                            </a:rPr>
+                            <m:t>∗</m:t>
+                          </m:r>
+                        </m:sup>
+                      </m:sSup>
+                    </m:oMath>
+                  </m:oMathPara>
+                </a14:m>
+                <a:endParaRPr lang="en-US" b="1" dirty="0"/>
+              </a:p>
+            </p:txBody>
+          </p:sp>
+        </mc:Choice>
+        <mc:Fallback>
+          <p:sp>
+            <p:nvSpPr>
+              <p:cNvPr id="19" name="TextBox 18">
+                <a:extLst>
+                  <a:ext uri="{FF2B5EF4-FFF2-40B4-BE49-F238E27FC236}">
+                    <a16:creationId xmlns:a16="http://schemas.microsoft.com/office/drawing/2014/main" id="{F68B495D-7F3A-46AB-D02E-0FD13E7DC800}"/>
+                  </a:ext>
+                </a:extLst>
+              </p:cNvPr>
+              <p:cNvSpPr txBox="1">
+                <a:spLocks noRot="1" noChangeAspect="1" noMove="1" noResize="1" noEditPoints="1" noAdjustHandles="1" noChangeArrowheads="1" noChangeShapeType="1" noTextEdit="1"/>
+              </p:cNvSpPr>
+              <p:nvPr/>
+            </p:nvSpPr>
+            <p:spPr>
+              <a:xfrm>
+                <a:off x="4206240" y="5968512"/>
+                <a:ext cx="609600" cy="369332"/>
+              </a:xfrm>
+              <a:prstGeom prst="rect">
+                <a:avLst/>
+              </a:prstGeom>
+              <a:blipFill>
+                <a:blip r:embed="rId3"/>
+                <a:stretch>
+                  <a:fillRect/>
+                </a:stretch>
+              </a:blipFill>
+            </p:spPr>
+            <p:txBody>
+              <a:bodyPr/>
+              <a:lstStyle/>
+              <a:p>
+                <a:r>
+                  <a:rPr lang="en-US">
+                    <a:noFill/>
+                  </a:rPr>
+                  <a:t> </a:t>
+                </a:r>
+              </a:p>
+            </p:txBody>
+          </p:sp>
+        </mc:Fallback>
+      </mc:AlternateContent>
+      <mc:AlternateContent xmlns:mc="http://schemas.openxmlformats.org/markup-compatibility/2006">
+        <mc:Choice xmlns:a14="http://schemas.microsoft.com/office/drawing/2010/main" Requires="a14">
+          <p:sp>
+            <p:nvSpPr>
+              <p:cNvPr id="20" name="TextBox 19">
+                <a:extLst>
+                  <a:ext uri="{FF2B5EF4-FFF2-40B4-BE49-F238E27FC236}">
+                    <a16:creationId xmlns:a16="http://schemas.microsoft.com/office/drawing/2014/main" id="{84824D4C-677A-839F-B359-639B59B50350}"/>
+                  </a:ext>
+                </a:extLst>
+              </p:cNvPr>
+              <p:cNvSpPr txBox="1"/>
+              <p:nvPr/>
+            </p:nvSpPr>
+            <p:spPr>
+              <a:xfrm>
+                <a:off x="1822997" y="5931409"/>
+                <a:ext cx="609600" cy="369332"/>
+              </a:xfrm>
+              <a:prstGeom prst="rect">
+                <a:avLst/>
+              </a:prstGeom>
+              <a:noFill/>
+            </p:spPr>
+            <p:txBody>
+              <a:bodyPr wrap="square" rtlCol="0">
+                <a:spAutoFit/>
+              </a:bodyPr>
+              <a:lstStyle/>
+              <a:p>
+                <a:pPr/>
+                <a14:m>
+                  <m:oMathPara xmlns:m="http://schemas.openxmlformats.org/officeDocument/2006/math">
+                    <m:oMathParaPr>
+                      <m:jc m:val="centerGroup"/>
+                    </m:oMathParaPr>
+                    <m:oMath xmlns:m="http://schemas.openxmlformats.org/officeDocument/2006/math">
+                      <m:sSubSup>
+                        <m:sSubSupPr>
+                          <m:ctrlPr>
+                            <a:rPr lang="en-US" b="1" i="1" smtClean="0">
+                              <a:latin typeface="Cambria Math" panose="02040503050406030204" pitchFamily="18" charset="0"/>
+                            </a:rPr>
+                          </m:ctrlPr>
+                        </m:sSubSupPr>
+                        <m:e>
+                          <m:r>
+                            <a:rPr lang="en-US" b="1" i="1" smtClean="0">
+                              <a:latin typeface="Cambria Math" panose="02040503050406030204" pitchFamily="18" charset="0"/>
+                            </a:rPr>
+                            <m:t>𝑳</m:t>
+                          </m:r>
+                        </m:e>
+                        <m:sub>
+                          <m:r>
+                            <a:rPr lang="en-US" b="1" i="1" smtClean="0">
+                              <a:latin typeface="Cambria Math" panose="02040503050406030204" pitchFamily="18" charset="0"/>
+                            </a:rPr>
+                            <m:t>𝑵𝑬𝑾</m:t>
+                          </m:r>
+                        </m:sub>
+                        <m:sup>
+                          <m:r>
+                            <a:rPr lang="en-US" b="1" i="1" smtClean="0">
+                              <a:latin typeface="Cambria Math" panose="02040503050406030204" pitchFamily="18" charset="0"/>
+                            </a:rPr>
+                            <m:t>∗</m:t>
+                          </m:r>
+                        </m:sup>
+                      </m:sSubSup>
+                    </m:oMath>
+                  </m:oMathPara>
+                </a14:m>
+                <a:endParaRPr lang="en-US" b="1" dirty="0"/>
+              </a:p>
+            </p:txBody>
+          </p:sp>
+        </mc:Choice>
+        <mc:Fallback>
+          <p:sp>
+            <p:nvSpPr>
+              <p:cNvPr id="20" name="TextBox 19">
+                <a:extLst>
+                  <a:ext uri="{FF2B5EF4-FFF2-40B4-BE49-F238E27FC236}">
+                    <a16:creationId xmlns:a16="http://schemas.microsoft.com/office/drawing/2014/main" id="{84824D4C-677A-839F-B359-639B59B50350}"/>
+                  </a:ext>
+                </a:extLst>
+              </p:cNvPr>
+              <p:cNvSpPr txBox="1">
+                <a:spLocks noRot="1" noChangeAspect="1" noMove="1" noResize="1" noEditPoints="1" noAdjustHandles="1" noChangeArrowheads="1" noChangeShapeType="1" noTextEdit="1"/>
+              </p:cNvSpPr>
+              <p:nvPr/>
+            </p:nvSpPr>
+            <p:spPr>
+              <a:xfrm>
+                <a:off x="1822997" y="5931409"/>
+                <a:ext cx="609600" cy="369332"/>
+              </a:xfrm>
+              <a:prstGeom prst="rect">
+                <a:avLst/>
+              </a:prstGeom>
+              <a:blipFill>
+                <a:blip r:embed="rId4"/>
+                <a:stretch>
+                  <a:fillRect r="-12245"/>
+                </a:stretch>
+              </a:blipFill>
+            </p:spPr>
+            <p:txBody>
+              <a:bodyPr/>
+              <a:lstStyle/>
+              <a:p>
+                <a:r>
+                  <a:rPr lang="en-US">
+                    <a:noFill/>
+                  </a:rPr>
+                  <a:t> </a:t>
+                </a:r>
+              </a:p>
+            </p:txBody>
+          </p:sp>
+        </mc:Fallback>
+      </mc:AlternateContent>
+    </p:spTree>
+    <p:extLst>
+      <p:ext uri="{BB962C8B-B14F-4D97-AF65-F5344CB8AC3E}">
+        <p14:creationId xmlns:p14="http://schemas.microsoft.com/office/powerpoint/2010/main" val="2375218292"/>
       </p:ext>
     </p:extLst>
   </p:cSld>

--- a/Lectures/graph-maker-pp.pptx
+++ b/Lectures/graph-maker-pp.pptx
@@ -17,6 +17,12 @@
     <p:sldId id="266" r:id="rId11"/>
     <p:sldId id="267" r:id="rId12"/>
     <p:sldId id="268" r:id="rId13"/>
+    <p:sldId id="269" r:id="rId14"/>
+    <p:sldId id="270" r:id="rId15"/>
+    <p:sldId id="271" r:id="rId16"/>
+    <p:sldId id="272" r:id="rId17"/>
+    <p:sldId id="273" r:id="rId18"/>
+    <p:sldId id="274" r:id="rId19"/>
   </p:sldIdLst>
   <p:sldSz cx="12192000" cy="6858000"/>
   <p:notesSz cx="6858000" cy="9144000"/>
@@ -270,7 +276,7 @@
           <a:p>
             <a:fld id="{67B564A3-C150-4636-B8BE-2AA93CC227AD}" type="datetimeFigureOut">
               <a:rPr lang="en-US" smtClean="0"/>
-              <a:t>11/8/25</a:t>
+              <a:t>11/9/25</a:t>
             </a:fld>
             <a:endParaRPr lang="en-US"/>
           </a:p>
@@ -468,7 +474,7 @@
           <a:p>
             <a:fld id="{67B564A3-C150-4636-B8BE-2AA93CC227AD}" type="datetimeFigureOut">
               <a:rPr lang="en-US" smtClean="0"/>
-              <a:t>11/8/25</a:t>
+              <a:t>11/9/25</a:t>
             </a:fld>
             <a:endParaRPr lang="en-US"/>
           </a:p>
@@ -676,7 +682,7 @@
           <a:p>
             <a:fld id="{67B564A3-C150-4636-B8BE-2AA93CC227AD}" type="datetimeFigureOut">
               <a:rPr lang="en-US" smtClean="0"/>
-              <a:t>11/8/25</a:t>
+              <a:t>11/9/25</a:t>
             </a:fld>
             <a:endParaRPr lang="en-US"/>
           </a:p>
@@ -874,7 +880,7 @@
           <a:p>
             <a:fld id="{67B564A3-C150-4636-B8BE-2AA93CC227AD}" type="datetimeFigureOut">
               <a:rPr lang="en-US" smtClean="0"/>
-              <a:t>11/8/25</a:t>
+              <a:t>11/9/25</a:t>
             </a:fld>
             <a:endParaRPr lang="en-US"/>
           </a:p>
@@ -1149,7 +1155,7 @@
           <a:p>
             <a:fld id="{67B564A3-C150-4636-B8BE-2AA93CC227AD}" type="datetimeFigureOut">
               <a:rPr lang="en-US" smtClean="0"/>
-              <a:t>11/8/25</a:t>
+              <a:t>11/9/25</a:t>
             </a:fld>
             <a:endParaRPr lang="en-US"/>
           </a:p>
@@ -1414,7 +1420,7 @@
           <a:p>
             <a:fld id="{67B564A3-C150-4636-B8BE-2AA93CC227AD}" type="datetimeFigureOut">
               <a:rPr lang="en-US" smtClean="0"/>
-              <a:t>11/8/25</a:t>
+              <a:t>11/9/25</a:t>
             </a:fld>
             <a:endParaRPr lang="en-US"/>
           </a:p>
@@ -1826,7 +1832,7 @@
           <a:p>
             <a:fld id="{67B564A3-C150-4636-B8BE-2AA93CC227AD}" type="datetimeFigureOut">
               <a:rPr lang="en-US" smtClean="0"/>
-              <a:t>11/8/25</a:t>
+              <a:t>11/9/25</a:t>
             </a:fld>
             <a:endParaRPr lang="en-US"/>
           </a:p>
@@ -1967,7 +1973,7 @@
           <a:p>
             <a:fld id="{67B564A3-C150-4636-B8BE-2AA93CC227AD}" type="datetimeFigureOut">
               <a:rPr lang="en-US" smtClean="0"/>
-              <a:t>11/8/25</a:t>
+              <a:t>11/9/25</a:t>
             </a:fld>
             <a:endParaRPr lang="en-US"/>
           </a:p>
@@ -2080,7 +2086,7 @@
           <a:p>
             <a:fld id="{67B564A3-C150-4636-B8BE-2AA93CC227AD}" type="datetimeFigureOut">
               <a:rPr lang="en-US" smtClean="0"/>
-              <a:t>11/8/25</a:t>
+              <a:t>11/9/25</a:t>
             </a:fld>
             <a:endParaRPr lang="en-US"/>
           </a:p>
@@ -2391,7 +2397,7 @@
           <a:p>
             <a:fld id="{67B564A3-C150-4636-B8BE-2AA93CC227AD}" type="datetimeFigureOut">
               <a:rPr lang="en-US" smtClean="0"/>
-              <a:t>11/8/25</a:t>
+              <a:t>11/9/25</a:t>
             </a:fld>
             <a:endParaRPr lang="en-US"/>
           </a:p>
@@ -2679,7 +2685,7 @@
           <a:p>
             <a:fld id="{67B564A3-C150-4636-B8BE-2AA93CC227AD}" type="datetimeFigureOut">
               <a:rPr lang="en-US" smtClean="0"/>
-              <a:t>11/8/25</a:t>
+              <a:t>11/9/25</a:t>
             </a:fld>
             <a:endParaRPr lang="en-US"/>
           </a:p>
@@ -2920,7 +2926,7 @@
           <a:p>
             <a:fld id="{67B564A3-C150-4636-B8BE-2AA93CC227AD}" type="datetimeFigureOut">
               <a:rPr lang="en-US" smtClean="0"/>
-              <a:t>11/8/25</a:t>
+              <a:t>11/9/25</a:t>
             </a:fld>
             <a:endParaRPr lang="en-US"/>
           </a:p>
@@ -4859,8 +4865,8 @@
           </a:p>
         </p:txBody>
       </p:sp>
-      <mc:AlternateContent xmlns:mc="http://schemas.openxmlformats.org/markup-compatibility/2006">
-        <mc:Choice xmlns:a14="http://schemas.microsoft.com/office/drawing/2010/main" Requires="a14">
+      <mc:AlternateContent xmlns:mc="http://schemas.openxmlformats.org/markup-compatibility/2006" xmlns:a14="http://schemas.microsoft.com/office/drawing/2010/main">
+        <mc:Choice Requires="a14">
           <p:sp>
             <p:nvSpPr>
               <p:cNvPr id="19" name="TextBox 18">
@@ -4929,7 +4935,7 @@
             </p:txBody>
           </p:sp>
         </mc:Choice>
-        <mc:Fallback>
+        <mc:Fallback xmlns="">
           <p:sp>
             <p:nvSpPr>
               <p:cNvPr id="19" name="TextBox 18">
@@ -4974,8 +4980,8 @@
           </p:sp>
         </mc:Fallback>
       </mc:AlternateContent>
-      <mc:AlternateContent xmlns:mc="http://schemas.openxmlformats.org/markup-compatibility/2006">
-        <mc:Choice xmlns:a14="http://schemas.microsoft.com/office/drawing/2010/main" Requires="a14">
+      <mc:AlternateContent xmlns:mc="http://schemas.openxmlformats.org/markup-compatibility/2006" xmlns:a14="http://schemas.microsoft.com/office/drawing/2010/main">
+        <mc:Choice Requires="a14">
           <p:sp>
             <p:nvSpPr>
               <p:cNvPr id="20" name="TextBox 19">
@@ -5052,7 +5058,7 @@
             </p:txBody>
           </p:sp>
         </mc:Choice>
-        <mc:Fallback>
+        <mc:Fallback xmlns="">
           <p:sp>
             <p:nvSpPr>
               <p:cNvPr id="20" name="TextBox 19">
@@ -5948,8 +5954,8 @@
           </a:p>
         </p:txBody>
       </p:sp>
-      <mc:AlternateContent xmlns:mc="http://schemas.openxmlformats.org/markup-compatibility/2006">
-        <mc:Choice xmlns:a14="http://schemas.microsoft.com/office/drawing/2010/main" Requires="a14">
+      <mc:AlternateContent xmlns:mc="http://schemas.openxmlformats.org/markup-compatibility/2006" xmlns:a14="http://schemas.microsoft.com/office/drawing/2010/main">
+        <mc:Choice Requires="a14">
           <p:sp>
             <p:nvSpPr>
               <p:cNvPr id="19" name="TextBox 18">
@@ -6018,7 +6024,7 @@
             </p:txBody>
           </p:sp>
         </mc:Choice>
-        <mc:Fallback>
+        <mc:Fallback xmlns="">
           <p:sp>
             <p:nvSpPr>
               <p:cNvPr id="19" name="TextBox 18">
@@ -6063,8 +6069,8 @@
           </p:sp>
         </mc:Fallback>
       </mc:AlternateContent>
-      <mc:AlternateContent xmlns:mc="http://schemas.openxmlformats.org/markup-compatibility/2006">
-        <mc:Choice xmlns:a14="http://schemas.microsoft.com/office/drawing/2010/main" Requires="a14">
+      <mc:AlternateContent xmlns:mc="http://schemas.openxmlformats.org/markup-compatibility/2006" xmlns:a14="http://schemas.microsoft.com/office/drawing/2010/main">
+        <mc:Choice Requires="a14">
           <p:sp>
             <p:nvSpPr>
               <p:cNvPr id="20" name="TextBox 19">
@@ -6141,7 +6147,7 @@
             </p:txBody>
           </p:sp>
         </mc:Choice>
-        <mc:Fallback>
+        <mc:Fallback xmlns="">
           <p:sp>
             <p:nvSpPr>
               <p:cNvPr id="20" name="TextBox 19">
@@ -7049,8 +7055,8 @@
           </a:p>
         </p:txBody>
       </p:sp>
-      <mc:AlternateContent xmlns:mc="http://schemas.openxmlformats.org/markup-compatibility/2006">
-        <mc:Choice xmlns:a14="http://schemas.microsoft.com/office/drawing/2010/main" Requires="a14">
+      <mc:AlternateContent xmlns:mc="http://schemas.openxmlformats.org/markup-compatibility/2006" xmlns:a14="http://schemas.microsoft.com/office/drawing/2010/main">
+        <mc:Choice Requires="a14">
           <p:sp>
             <p:nvSpPr>
               <p:cNvPr id="19" name="TextBox 18">
@@ -7119,7 +7125,7 @@
             </p:txBody>
           </p:sp>
         </mc:Choice>
-        <mc:Fallback>
+        <mc:Fallback xmlns="">
           <p:sp>
             <p:nvSpPr>
               <p:cNvPr id="19" name="TextBox 18">
@@ -7164,8 +7170,8 @@
           </p:sp>
         </mc:Fallback>
       </mc:AlternateContent>
-      <mc:AlternateContent xmlns:mc="http://schemas.openxmlformats.org/markup-compatibility/2006">
-        <mc:Choice xmlns:a14="http://schemas.microsoft.com/office/drawing/2010/main" Requires="a14">
+      <mc:AlternateContent xmlns:mc="http://schemas.openxmlformats.org/markup-compatibility/2006" xmlns:a14="http://schemas.microsoft.com/office/drawing/2010/main">
+        <mc:Choice Requires="a14">
           <p:sp>
             <p:nvSpPr>
               <p:cNvPr id="20" name="TextBox 19">
@@ -7242,7 +7248,7 @@
             </p:txBody>
           </p:sp>
         </mc:Choice>
-        <mc:Fallback>
+        <mc:Fallback xmlns="">
           <p:sp>
             <p:nvSpPr>
               <p:cNvPr id="20" name="TextBox 19">
@@ -7330,6 +7336,7054 @@
     <p:extLst>
       <p:ext uri="{BB962C8B-B14F-4D97-AF65-F5344CB8AC3E}">
         <p14:creationId xmlns:p14="http://schemas.microsoft.com/office/powerpoint/2010/main" val="3915199808"/>
+      </p:ext>
+    </p:extLst>
+  </p:cSld>
+  <p:clrMapOvr>
+    <a:masterClrMapping/>
+  </p:clrMapOvr>
+</p:sld>
+</file>
+
+<file path=ppt/slides/slide13.xml><?xml version="1.0" encoding="utf-8"?>
+<p:sld xmlns:a="http://schemas.openxmlformats.org/drawingml/2006/main" xmlns:r="http://schemas.openxmlformats.org/officeDocument/2006/relationships" xmlns:p="http://schemas.openxmlformats.org/presentationml/2006/main">
+  <p:cSld>
+    <p:spTree>
+      <p:nvGrpSpPr>
+        <p:cNvPr id="1" name=""/>
+        <p:cNvGrpSpPr/>
+        <p:nvPr/>
+      </p:nvGrpSpPr>
+      <p:grpSpPr>
+        <a:xfrm>
+          <a:off x="0" y="0"/>
+          <a:ext cx="0" cy="0"/>
+          <a:chOff x="0" y="0"/>
+          <a:chExt cx="0" cy="0"/>
+        </a:xfrm>
+      </p:grpSpPr>
+      <p:grpSp>
+        <p:nvGrpSpPr>
+          <p:cNvPr id="4" name="Group 3">
+            <a:extLst>
+              <a:ext uri="{FF2B5EF4-FFF2-40B4-BE49-F238E27FC236}">
+                <a16:creationId xmlns:a16="http://schemas.microsoft.com/office/drawing/2014/main" id="{82042F24-8C9E-D3DA-60E2-1A1955CD00BC}"/>
+              </a:ext>
+            </a:extLst>
+          </p:cNvPr>
+          <p:cNvGrpSpPr/>
+          <p:nvPr/>
+        </p:nvGrpSpPr>
+        <p:grpSpPr>
+          <a:xfrm>
+            <a:off x="1297684" y="804672"/>
+            <a:ext cx="9089136" cy="5189854"/>
+            <a:chOff x="1297684" y="804672"/>
+            <a:chExt cx="9089136" cy="5102352"/>
+          </a:xfrm>
+        </p:grpSpPr>
+        <p:cxnSp>
+          <p:nvCxnSpPr>
+            <p:cNvPr id="5" name="Straight Connector 4">
+              <a:extLst>
+                <a:ext uri="{FF2B5EF4-FFF2-40B4-BE49-F238E27FC236}">
+                  <a16:creationId xmlns:a16="http://schemas.microsoft.com/office/drawing/2014/main" id="{D55152A7-8C70-1AF6-4FFC-01BD8F8AE66F}"/>
+                </a:ext>
+              </a:extLst>
+            </p:cNvPr>
+            <p:cNvCxnSpPr/>
+            <p:nvPr/>
+          </p:nvCxnSpPr>
+          <p:spPr>
+            <a:xfrm>
+              <a:off x="1316736" y="804672"/>
+              <a:ext cx="0" cy="5102352"/>
+            </a:xfrm>
+            <a:prstGeom prst="line">
+              <a:avLst/>
+            </a:prstGeom>
+            <a:ln w="57150">
+              <a:solidFill>
+                <a:schemeClr val="tx1"/>
+              </a:solidFill>
+            </a:ln>
+          </p:spPr>
+          <p:style>
+            <a:lnRef idx="2">
+              <a:schemeClr val="accent1"/>
+            </a:lnRef>
+            <a:fillRef idx="0">
+              <a:schemeClr val="accent1"/>
+            </a:fillRef>
+            <a:effectRef idx="1">
+              <a:schemeClr val="accent1"/>
+            </a:effectRef>
+            <a:fontRef idx="minor">
+              <a:schemeClr val="tx1"/>
+            </a:fontRef>
+          </p:style>
+        </p:cxnSp>
+        <p:cxnSp>
+          <p:nvCxnSpPr>
+            <p:cNvPr id="6" name="Straight Connector 5">
+              <a:extLst>
+                <a:ext uri="{FF2B5EF4-FFF2-40B4-BE49-F238E27FC236}">
+                  <a16:creationId xmlns:a16="http://schemas.microsoft.com/office/drawing/2014/main" id="{598DC8A5-445A-530D-398F-E00A4565AC78}"/>
+                </a:ext>
+              </a:extLst>
+            </p:cNvPr>
+            <p:cNvCxnSpPr>
+              <a:cxnSpLocks/>
+            </p:cNvCxnSpPr>
+            <p:nvPr/>
+          </p:nvCxnSpPr>
+          <p:spPr>
+            <a:xfrm flipH="1">
+              <a:off x="1297684" y="5879972"/>
+              <a:ext cx="9089136" cy="0"/>
+            </a:xfrm>
+            <a:prstGeom prst="line">
+              <a:avLst/>
+            </a:prstGeom>
+            <a:ln w="57150">
+              <a:solidFill>
+                <a:schemeClr val="tx1"/>
+              </a:solidFill>
+            </a:ln>
+          </p:spPr>
+          <p:style>
+            <a:lnRef idx="2">
+              <a:schemeClr val="accent1"/>
+            </a:lnRef>
+            <a:fillRef idx="0">
+              <a:schemeClr val="accent1"/>
+            </a:fillRef>
+            <a:effectRef idx="1">
+              <a:schemeClr val="accent1"/>
+            </a:effectRef>
+            <a:fontRef idx="minor">
+              <a:schemeClr val="tx1"/>
+            </a:fontRef>
+          </p:style>
+        </p:cxnSp>
+      </p:grpSp>
+      <p:sp>
+        <p:nvSpPr>
+          <p:cNvPr id="7" name="TextBox 6">
+            <a:extLst>
+              <a:ext uri="{FF2B5EF4-FFF2-40B4-BE49-F238E27FC236}">
+                <a16:creationId xmlns:a16="http://schemas.microsoft.com/office/drawing/2014/main" id="{3D5062A7-9993-FA9E-2BD4-4671CE3CD66F}"/>
+              </a:ext>
+            </a:extLst>
+          </p:cNvPr>
+          <p:cNvSpPr txBox="1"/>
+          <p:nvPr/>
+        </p:nvSpPr>
+        <p:spPr>
+          <a:xfrm rot="16200000">
+            <a:off x="79097" y="1362973"/>
+            <a:ext cx="1639821" cy="523220"/>
+          </a:xfrm>
+          <a:prstGeom prst="rect">
+            <a:avLst/>
+          </a:prstGeom>
+          <a:noFill/>
+        </p:spPr>
+        <p:txBody>
+          <a:bodyPr wrap="square" rtlCol="0">
+            <a:spAutoFit/>
+          </a:bodyPr>
+          <a:lstStyle/>
+          <a:p>
+            <a:r>
+              <a:rPr lang="en-US" sz="2800" b="1" dirty="0"/>
+              <a:t>Children</a:t>
+            </a:r>
+          </a:p>
+        </p:txBody>
+      </p:sp>
+      <p:sp>
+        <p:nvSpPr>
+          <p:cNvPr id="8" name="TextBox 7">
+            <a:extLst>
+              <a:ext uri="{FF2B5EF4-FFF2-40B4-BE49-F238E27FC236}">
+                <a16:creationId xmlns:a16="http://schemas.microsoft.com/office/drawing/2014/main" id="{7F28B8E2-9871-8FC7-5DDE-855D56270F66}"/>
+              </a:ext>
+            </a:extLst>
+          </p:cNvPr>
+          <p:cNvSpPr txBox="1"/>
+          <p:nvPr/>
+        </p:nvSpPr>
+        <p:spPr>
+          <a:xfrm>
+            <a:off x="9309741" y="5994526"/>
+            <a:ext cx="1077079" cy="523220"/>
+          </a:xfrm>
+          <a:prstGeom prst="rect">
+            <a:avLst/>
+          </a:prstGeom>
+          <a:noFill/>
+        </p:spPr>
+        <p:txBody>
+          <a:bodyPr wrap="square" rtlCol="0">
+            <a:spAutoFit/>
+          </a:bodyPr>
+          <a:lstStyle/>
+          <a:p>
+            <a:r>
+              <a:rPr lang="en-US" sz="2800" b="1" dirty="0"/>
+              <a:t>Food</a:t>
+            </a:r>
+          </a:p>
+        </p:txBody>
+      </p:sp>
+      <p:sp>
+        <p:nvSpPr>
+          <p:cNvPr id="16" name="Freeform 15">
+            <a:extLst>
+              <a:ext uri="{FF2B5EF4-FFF2-40B4-BE49-F238E27FC236}">
+                <a16:creationId xmlns:a16="http://schemas.microsoft.com/office/drawing/2014/main" id="{12B8E032-6ABC-B56D-BA19-D9A66B2783C3}"/>
+              </a:ext>
+            </a:extLst>
+          </p:cNvPr>
+          <p:cNvSpPr/>
+          <p:nvPr/>
+        </p:nvSpPr>
+        <p:spPr>
+          <a:xfrm>
+            <a:off x="1601322" y="1064854"/>
+            <a:ext cx="4736238" cy="4783866"/>
+          </a:xfrm>
+          <a:custGeom>
+            <a:avLst/>
+            <a:gdLst>
+              <a:gd name="connsiteX0" fmla="*/ 482345 w 4953984"/>
+              <a:gd name="connsiteY0" fmla="*/ 0 h 4538546"/>
+              <a:gd name="connsiteX1" fmla="*/ 415437 w 4953984"/>
+              <a:gd name="connsiteY1" fmla="*/ 2854712 h 4538546"/>
+              <a:gd name="connsiteX2" fmla="*/ 4953984 w 4953984"/>
+              <a:gd name="connsiteY2" fmla="*/ 4538546 h 4538546"/>
+              <a:gd name="connsiteX0" fmla="*/ 482345 w 6277479"/>
+              <a:gd name="connsiteY0" fmla="*/ 0 h 4028920"/>
+              <a:gd name="connsiteX1" fmla="*/ 415437 w 6277479"/>
+              <a:gd name="connsiteY1" fmla="*/ 2854712 h 4028920"/>
+              <a:gd name="connsiteX2" fmla="*/ 6277479 w 6277479"/>
+              <a:gd name="connsiteY2" fmla="*/ 4028920 h 4028920"/>
+              <a:gd name="connsiteX0" fmla="*/ 401809 w 6330506"/>
+              <a:gd name="connsiteY0" fmla="*/ 0 h 4028920"/>
+              <a:gd name="connsiteX1" fmla="*/ 468464 w 6330506"/>
+              <a:gd name="connsiteY1" fmla="*/ 2854712 h 4028920"/>
+              <a:gd name="connsiteX2" fmla="*/ 6330506 w 6330506"/>
+              <a:gd name="connsiteY2" fmla="*/ 4028920 h 4028920"/>
+              <a:gd name="connsiteX0" fmla="*/ 201950 w 6130647"/>
+              <a:gd name="connsiteY0" fmla="*/ 0 h 4028920"/>
+              <a:gd name="connsiteX1" fmla="*/ 268605 w 6130647"/>
+              <a:gd name="connsiteY1" fmla="*/ 2854712 h 4028920"/>
+              <a:gd name="connsiteX2" fmla="*/ 6130647 w 6130647"/>
+              <a:gd name="connsiteY2" fmla="*/ 4028920 h 4028920"/>
+              <a:gd name="connsiteX0" fmla="*/ 448901 w 6377598"/>
+              <a:gd name="connsiteY0" fmla="*/ 0 h 4028920"/>
+              <a:gd name="connsiteX1" fmla="*/ 515556 w 6377598"/>
+              <a:gd name="connsiteY1" fmla="*/ 2854712 h 4028920"/>
+              <a:gd name="connsiteX2" fmla="*/ 6377598 w 6377598"/>
+              <a:gd name="connsiteY2" fmla="*/ 4028920 h 4028920"/>
+              <a:gd name="connsiteX0" fmla="*/ 384520 w 6446781"/>
+              <a:gd name="connsiteY0" fmla="*/ 0 h 4057767"/>
+              <a:gd name="connsiteX1" fmla="*/ 584739 w 6446781"/>
+              <a:gd name="connsiteY1" fmla="*/ 2883559 h 4057767"/>
+              <a:gd name="connsiteX2" fmla="*/ 6446781 w 6446781"/>
+              <a:gd name="connsiteY2" fmla="*/ 4057767 h 4057767"/>
+              <a:gd name="connsiteX0" fmla="*/ 295341 w 6357602"/>
+              <a:gd name="connsiteY0" fmla="*/ 0 h 4057767"/>
+              <a:gd name="connsiteX1" fmla="*/ 495560 w 6357602"/>
+              <a:gd name="connsiteY1" fmla="*/ 2883559 h 4057767"/>
+              <a:gd name="connsiteX2" fmla="*/ 6357602 w 6357602"/>
+              <a:gd name="connsiteY2" fmla="*/ 4057767 h 4057767"/>
+              <a:gd name="connsiteX0" fmla="*/ 205033 w 6267294"/>
+              <a:gd name="connsiteY0" fmla="*/ 0 h 4057767"/>
+              <a:gd name="connsiteX1" fmla="*/ 611668 w 6267294"/>
+              <a:gd name="connsiteY1" fmla="*/ 3200874 h 4057767"/>
+              <a:gd name="connsiteX2" fmla="*/ 6267294 w 6267294"/>
+              <a:gd name="connsiteY2" fmla="*/ 4057767 h 4057767"/>
+              <a:gd name="connsiteX0" fmla="*/ 369782 w 6432043"/>
+              <a:gd name="connsiteY0" fmla="*/ 0 h 4057767"/>
+              <a:gd name="connsiteX1" fmla="*/ 436437 w 6432043"/>
+              <a:gd name="connsiteY1" fmla="*/ 2922022 h 4057767"/>
+              <a:gd name="connsiteX2" fmla="*/ 6432043 w 6432043"/>
+              <a:gd name="connsiteY2" fmla="*/ 4057767 h 4057767"/>
+              <a:gd name="connsiteX0" fmla="*/ 369782 w 4197886"/>
+              <a:gd name="connsiteY0" fmla="*/ 0 h 4125076"/>
+              <a:gd name="connsiteX1" fmla="*/ 436437 w 4197886"/>
+              <a:gd name="connsiteY1" fmla="*/ 2922022 h 4125076"/>
+              <a:gd name="connsiteX2" fmla="*/ 4197886 w 4197886"/>
+              <a:gd name="connsiteY2" fmla="*/ 4125076 h 4125076"/>
+              <a:gd name="connsiteX0" fmla="*/ 369782 w 5059980"/>
+              <a:gd name="connsiteY0" fmla="*/ 0 h 4153922"/>
+              <a:gd name="connsiteX1" fmla="*/ 436437 w 5059980"/>
+              <a:gd name="connsiteY1" fmla="*/ 2922022 h 4153922"/>
+              <a:gd name="connsiteX2" fmla="*/ 5059980 w 5059980"/>
+              <a:gd name="connsiteY2" fmla="*/ 4153922 h 4153922"/>
+              <a:gd name="connsiteX0" fmla="*/ 369782 w 5157118"/>
+              <a:gd name="connsiteY0" fmla="*/ 0 h 4125075"/>
+              <a:gd name="connsiteX1" fmla="*/ 436437 w 5157118"/>
+              <a:gd name="connsiteY1" fmla="*/ 2922022 h 4125075"/>
+              <a:gd name="connsiteX2" fmla="*/ 5157118 w 5157118"/>
+              <a:gd name="connsiteY2" fmla="*/ 4125075 h 4125075"/>
+              <a:gd name="connsiteX0" fmla="*/ 369782 w 5157118"/>
+              <a:gd name="connsiteY0" fmla="*/ 0 h 4125075"/>
+              <a:gd name="connsiteX1" fmla="*/ 436437 w 5157118"/>
+              <a:gd name="connsiteY1" fmla="*/ 2922022 h 4125075"/>
+              <a:gd name="connsiteX2" fmla="*/ 5157118 w 5157118"/>
+              <a:gd name="connsiteY2" fmla="*/ 4125075 h 4125075"/>
+            </a:gdLst>
+            <a:ahLst/>
+            <a:cxnLst>
+              <a:cxn ang="0">
+                <a:pos x="connsiteX0" y="connsiteY0"/>
+              </a:cxn>
+              <a:cxn ang="0">
+                <a:pos x="connsiteX1" y="connsiteY1"/>
+              </a:cxn>
+              <a:cxn ang="0">
+                <a:pos x="connsiteX2" y="connsiteY2"/>
+              </a:cxn>
+            </a:cxnLst>
+            <a:rect l="l" t="t" r="r" b="b"/>
+            <a:pathLst>
+              <a:path w="5157118" h="4125075">
+                <a:moveTo>
+                  <a:pt x="369782" y="0"/>
+                </a:moveTo>
+                <a:cubicBezTo>
+                  <a:pt x="60826" y="1404921"/>
+                  <a:pt x="-308836" y="2165598"/>
+                  <a:pt x="436437" y="2922022"/>
+                </a:cubicBezTo>
+                <a:cubicBezTo>
+                  <a:pt x="1181710" y="3678446"/>
+                  <a:pt x="4618763" y="4066082"/>
+                  <a:pt x="5157118" y="4125075"/>
+                </a:cubicBezTo>
+              </a:path>
+            </a:pathLst>
+          </a:custGeom>
+          <a:noFill/>
+          <a:ln w="38100"/>
+        </p:spPr>
+        <p:style>
+          <a:lnRef idx="2">
+            <a:schemeClr val="accent1">
+              <a:shade val="15000"/>
+            </a:schemeClr>
+          </a:lnRef>
+          <a:fillRef idx="1">
+            <a:schemeClr val="accent1"/>
+          </a:fillRef>
+          <a:effectRef idx="0">
+            <a:schemeClr val="accent1"/>
+          </a:effectRef>
+          <a:fontRef idx="minor">
+            <a:schemeClr val="lt1"/>
+          </a:fontRef>
+        </p:style>
+        <p:txBody>
+          <a:bodyPr rtlCol="0" anchor="ctr"/>
+          <a:lstStyle/>
+          <a:p>
+            <a:pPr algn="ctr"/>
+            <a:endParaRPr lang="en-US"/>
+          </a:p>
+        </p:txBody>
+      </p:sp>
+      <mc:AlternateContent xmlns:mc="http://schemas.openxmlformats.org/markup-compatibility/2006">
+        <mc:Choice xmlns:a14="http://schemas.microsoft.com/office/drawing/2010/main" Requires="a14">
+          <p:sp>
+            <p:nvSpPr>
+              <p:cNvPr id="17" name="TextBox 16">
+                <a:extLst>
+                  <a:ext uri="{FF2B5EF4-FFF2-40B4-BE49-F238E27FC236}">
+                    <a16:creationId xmlns:a16="http://schemas.microsoft.com/office/drawing/2014/main" id="{C94A046E-A476-36F0-DDEC-958933634D3A}"/>
+                  </a:ext>
+                </a:extLst>
+              </p:cNvPr>
+              <p:cNvSpPr txBox="1"/>
+              <p:nvPr/>
+            </p:nvSpPr>
+            <p:spPr>
+              <a:xfrm>
+                <a:off x="1947010" y="698230"/>
+                <a:ext cx="609600" cy="369332"/>
+              </a:xfrm>
+              <a:prstGeom prst="rect">
+                <a:avLst/>
+              </a:prstGeom>
+              <a:noFill/>
+            </p:spPr>
+            <p:txBody>
+              <a:bodyPr wrap="square" rtlCol="0">
+                <a:spAutoFit/>
+              </a:bodyPr>
+              <a:lstStyle/>
+              <a:p>
+                <a:pPr/>
+                <a14:m>
+                  <m:oMathPara xmlns:m="http://schemas.openxmlformats.org/officeDocument/2006/math">
+                    <m:oMathParaPr>
+                      <m:jc m:val="centerGroup"/>
+                    </m:oMathParaPr>
+                    <m:oMath xmlns:m="http://schemas.openxmlformats.org/officeDocument/2006/math">
+                      <m:sSub>
+                        <m:sSubPr>
+                          <m:ctrlPr>
+                            <a:rPr lang="en-US" b="1" i="1" smtClean="0">
+                              <a:latin typeface="Cambria Math" panose="02040503050406030204" pitchFamily="18" charset="0"/>
+                            </a:rPr>
+                          </m:ctrlPr>
+                        </m:sSubPr>
+                        <m:e>
+                          <m:r>
+                            <a:rPr lang="en-US" b="1" i="1" smtClean="0">
+                              <a:latin typeface="Cambria Math" panose="02040503050406030204" pitchFamily="18" charset="0"/>
+                            </a:rPr>
+                            <m:t>𝑰</m:t>
+                          </m:r>
+                        </m:e>
+                        <m:sub>
+                          <m:r>
+                            <a:rPr lang="en-US" b="1" i="1" smtClean="0">
+                              <a:latin typeface="Cambria Math" panose="02040503050406030204" pitchFamily="18" charset="0"/>
+                            </a:rPr>
+                            <m:t>𝟏</m:t>
+                          </m:r>
+                        </m:sub>
+                      </m:sSub>
+                    </m:oMath>
+                  </m:oMathPara>
+                </a14:m>
+                <a:endParaRPr lang="en-US" b="1" dirty="0"/>
+              </a:p>
+            </p:txBody>
+          </p:sp>
+        </mc:Choice>
+        <mc:Fallback>
+          <p:sp>
+            <p:nvSpPr>
+              <p:cNvPr id="17" name="TextBox 16">
+                <a:extLst>
+                  <a:ext uri="{FF2B5EF4-FFF2-40B4-BE49-F238E27FC236}">
+                    <a16:creationId xmlns:a16="http://schemas.microsoft.com/office/drawing/2014/main" id="{C94A046E-A476-36F0-DDEC-958933634D3A}"/>
+                  </a:ext>
+                </a:extLst>
+              </p:cNvPr>
+              <p:cNvSpPr txBox="1">
+                <a:spLocks noRot="1" noChangeAspect="1" noMove="1" noResize="1" noEditPoints="1" noAdjustHandles="1" noChangeArrowheads="1" noChangeShapeType="1" noTextEdit="1"/>
+              </p:cNvSpPr>
+              <p:nvPr/>
+            </p:nvSpPr>
+            <p:spPr>
+              <a:xfrm>
+                <a:off x="1947010" y="698230"/>
+                <a:ext cx="609600" cy="369332"/>
+              </a:xfrm>
+              <a:prstGeom prst="rect">
+                <a:avLst/>
+              </a:prstGeom>
+              <a:blipFill>
+                <a:blip r:embed="rId2"/>
+                <a:stretch>
+                  <a:fillRect/>
+                </a:stretch>
+              </a:blipFill>
+            </p:spPr>
+            <p:txBody>
+              <a:bodyPr/>
+              <a:lstStyle/>
+              <a:p>
+                <a:r>
+                  <a:rPr lang="en-US">
+                    <a:noFill/>
+                  </a:rPr>
+                  <a:t> </a:t>
+                </a:r>
+              </a:p>
+            </p:txBody>
+          </p:sp>
+        </mc:Fallback>
+      </mc:AlternateContent>
+      <mc:AlternateContent xmlns:mc="http://schemas.openxmlformats.org/markup-compatibility/2006">
+        <mc:Choice xmlns:a14="http://schemas.microsoft.com/office/drawing/2010/main" Requires="a14">
+          <p:sp>
+            <p:nvSpPr>
+              <p:cNvPr id="19" name="TextBox 18">
+                <a:extLst>
+                  <a:ext uri="{FF2B5EF4-FFF2-40B4-BE49-F238E27FC236}">
+                    <a16:creationId xmlns:a16="http://schemas.microsoft.com/office/drawing/2014/main" id="{D65EF76C-E578-6E9B-E0C2-011B71E2B340}"/>
+                  </a:ext>
+                </a:extLst>
+              </p:cNvPr>
+              <p:cNvSpPr txBox="1"/>
+              <p:nvPr/>
+            </p:nvSpPr>
+            <p:spPr>
+              <a:xfrm>
+                <a:off x="3434950" y="1192703"/>
+                <a:ext cx="609600" cy="369332"/>
+              </a:xfrm>
+              <a:prstGeom prst="rect">
+                <a:avLst/>
+              </a:prstGeom>
+              <a:noFill/>
+            </p:spPr>
+            <p:txBody>
+              <a:bodyPr wrap="square" rtlCol="0">
+                <a:spAutoFit/>
+              </a:bodyPr>
+              <a:lstStyle/>
+              <a:p>
+                <a:pPr/>
+                <a14:m>
+                  <m:oMathPara xmlns:m="http://schemas.openxmlformats.org/officeDocument/2006/math">
+                    <m:oMathParaPr>
+                      <m:jc m:val="centerGroup"/>
+                    </m:oMathParaPr>
+                    <m:oMath xmlns:m="http://schemas.openxmlformats.org/officeDocument/2006/math">
+                      <m:sSub>
+                        <m:sSubPr>
+                          <m:ctrlPr>
+                            <a:rPr lang="en-US" b="1" i="1" smtClean="0">
+                              <a:latin typeface="Cambria Math" panose="02040503050406030204" pitchFamily="18" charset="0"/>
+                            </a:rPr>
+                          </m:ctrlPr>
+                        </m:sSubPr>
+                        <m:e>
+                          <m:r>
+                            <a:rPr lang="en-US" b="1" i="1" smtClean="0">
+                              <a:latin typeface="Cambria Math" panose="02040503050406030204" pitchFamily="18" charset="0"/>
+                            </a:rPr>
+                            <m:t>𝑰</m:t>
+                          </m:r>
+                        </m:e>
+                        <m:sub>
+                          <m:r>
+                            <a:rPr lang="en-US" b="1" i="1" smtClean="0">
+                              <a:latin typeface="Cambria Math" panose="02040503050406030204" pitchFamily="18" charset="0"/>
+                            </a:rPr>
+                            <m:t>𝟐</m:t>
+                          </m:r>
+                        </m:sub>
+                      </m:sSub>
+                    </m:oMath>
+                  </m:oMathPara>
+                </a14:m>
+                <a:endParaRPr lang="en-US" b="1" dirty="0"/>
+              </a:p>
+            </p:txBody>
+          </p:sp>
+        </mc:Choice>
+        <mc:Fallback>
+          <p:sp>
+            <p:nvSpPr>
+              <p:cNvPr id="19" name="TextBox 18">
+                <a:extLst>
+                  <a:ext uri="{FF2B5EF4-FFF2-40B4-BE49-F238E27FC236}">
+                    <a16:creationId xmlns:a16="http://schemas.microsoft.com/office/drawing/2014/main" id="{D65EF76C-E578-6E9B-E0C2-011B71E2B340}"/>
+                  </a:ext>
+                </a:extLst>
+              </p:cNvPr>
+              <p:cNvSpPr txBox="1">
+                <a:spLocks noRot="1" noChangeAspect="1" noMove="1" noResize="1" noEditPoints="1" noAdjustHandles="1" noChangeArrowheads="1" noChangeShapeType="1" noTextEdit="1"/>
+              </p:cNvSpPr>
+              <p:nvPr/>
+            </p:nvSpPr>
+            <p:spPr>
+              <a:xfrm>
+                <a:off x="3434950" y="1192703"/>
+                <a:ext cx="609600" cy="369332"/>
+              </a:xfrm>
+              <a:prstGeom prst="rect">
+                <a:avLst/>
+              </a:prstGeom>
+              <a:blipFill>
+                <a:blip r:embed="rId3"/>
+                <a:stretch>
+                  <a:fillRect/>
+                </a:stretch>
+              </a:blipFill>
+            </p:spPr>
+            <p:txBody>
+              <a:bodyPr/>
+              <a:lstStyle/>
+              <a:p>
+                <a:r>
+                  <a:rPr lang="en-US">
+                    <a:noFill/>
+                  </a:rPr>
+                  <a:t> </a:t>
+                </a:r>
+              </a:p>
+            </p:txBody>
+          </p:sp>
+        </mc:Fallback>
+      </mc:AlternateContent>
+      <mc:AlternateContent xmlns:mc="http://schemas.openxmlformats.org/markup-compatibility/2006">
+        <mc:Choice xmlns:a14="http://schemas.microsoft.com/office/drawing/2010/main" Requires="a14">
+          <p:sp>
+            <p:nvSpPr>
+              <p:cNvPr id="21" name="TextBox 20">
+                <a:extLst>
+                  <a:ext uri="{FF2B5EF4-FFF2-40B4-BE49-F238E27FC236}">
+                    <a16:creationId xmlns:a16="http://schemas.microsoft.com/office/drawing/2014/main" id="{91562369-4C2C-6041-4724-75BA3B3589E5}"/>
+                  </a:ext>
+                </a:extLst>
+              </p:cNvPr>
+              <p:cNvSpPr txBox="1"/>
+              <p:nvPr/>
+            </p:nvSpPr>
+            <p:spPr>
+              <a:xfrm>
+                <a:off x="4610031" y="1169443"/>
+                <a:ext cx="609600" cy="369332"/>
+              </a:xfrm>
+              <a:prstGeom prst="rect">
+                <a:avLst/>
+              </a:prstGeom>
+              <a:noFill/>
+            </p:spPr>
+            <p:txBody>
+              <a:bodyPr wrap="square" rtlCol="0">
+                <a:spAutoFit/>
+              </a:bodyPr>
+              <a:lstStyle/>
+              <a:p>
+                <a:pPr/>
+                <a14:m>
+                  <m:oMathPara xmlns:m="http://schemas.openxmlformats.org/officeDocument/2006/math">
+                    <m:oMathParaPr>
+                      <m:jc m:val="centerGroup"/>
+                    </m:oMathParaPr>
+                    <m:oMath xmlns:m="http://schemas.openxmlformats.org/officeDocument/2006/math">
+                      <m:sSub>
+                        <m:sSubPr>
+                          <m:ctrlPr>
+                            <a:rPr lang="en-US" b="1" i="1" smtClean="0">
+                              <a:latin typeface="Cambria Math" panose="02040503050406030204" pitchFamily="18" charset="0"/>
+                            </a:rPr>
+                          </m:ctrlPr>
+                        </m:sSubPr>
+                        <m:e>
+                          <m:r>
+                            <a:rPr lang="en-US" b="1" i="1" smtClean="0">
+                              <a:latin typeface="Cambria Math" panose="02040503050406030204" pitchFamily="18" charset="0"/>
+                            </a:rPr>
+                            <m:t>𝑰</m:t>
+                          </m:r>
+                        </m:e>
+                        <m:sub>
+                          <m:r>
+                            <a:rPr lang="en-US" b="1" i="1" smtClean="0">
+                              <a:latin typeface="Cambria Math" panose="02040503050406030204" pitchFamily="18" charset="0"/>
+                            </a:rPr>
+                            <m:t>𝟑</m:t>
+                          </m:r>
+                        </m:sub>
+                      </m:sSub>
+                    </m:oMath>
+                  </m:oMathPara>
+                </a14:m>
+                <a:endParaRPr lang="en-US" b="1" dirty="0"/>
+              </a:p>
+            </p:txBody>
+          </p:sp>
+        </mc:Choice>
+        <mc:Fallback>
+          <p:sp>
+            <p:nvSpPr>
+              <p:cNvPr id="21" name="TextBox 20">
+                <a:extLst>
+                  <a:ext uri="{FF2B5EF4-FFF2-40B4-BE49-F238E27FC236}">
+                    <a16:creationId xmlns:a16="http://schemas.microsoft.com/office/drawing/2014/main" id="{91562369-4C2C-6041-4724-75BA3B3589E5}"/>
+                  </a:ext>
+                </a:extLst>
+              </p:cNvPr>
+              <p:cNvSpPr txBox="1">
+                <a:spLocks noRot="1" noChangeAspect="1" noMove="1" noResize="1" noEditPoints="1" noAdjustHandles="1" noChangeArrowheads="1" noChangeShapeType="1" noTextEdit="1"/>
+              </p:cNvSpPr>
+              <p:nvPr/>
+            </p:nvSpPr>
+            <p:spPr>
+              <a:xfrm>
+                <a:off x="4610031" y="1169443"/>
+                <a:ext cx="609600" cy="369332"/>
+              </a:xfrm>
+              <a:prstGeom prst="rect">
+                <a:avLst/>
+              </a:prstGeom>
+              <a:blipFill>
+                <a:blip r:embed="rId4"/>
+                <a:stretch>
+                  <a:fillRect/>
+                </a:stretch>
+              </a:blipFill>
+            </p:spPr>
+            <p:txBody>
+              <a:bodyPr/>
+              <a:lstStyle/>
+              <a:p>
+                <a:r>
+                  <a:rPr lang="en-US">
+                    <a:noFill/>
+                  </a:rPr>
+                  <a:t> </a:t>
+                </a:r>
+              </a:p>
+            </p:txBody>
+          </p:sp>
+        </mc:Fallback>
+      </mc:AlternateContent>
+      <p:sp>
+        <p:nvSpPr>
+          <p:cNvPr id="22" name="Freeform 21">
+            <a:extLst>
+              <a:ext uri="{FF2B5EF4-FFF2-40B4-BE49-F238E27FC236}">
+                <a16:creationId xmlns:a16="http://schemas.microsoft.com/office/drawing/2014/main" id="{84BBD803-58C5-8568-2F11-3441929451FE}"/>
+              </a:ext>
+            </a:extLst>
+          </p:cNvPr>
+          <p:cNvSpPr/>
+          <p:nvPr/>
+        </p:nvSpPr>
+        <p:spPr>
+          <a:xfrm>
+            <a:off x="3152209" y="1377369"/>
+            <a:ext cx="4814296" cy="4493934"/>
+          </a:xfrm>
+          <a:custGeom>
+            <a:avLst/>
+            <a:gdLst>
+              <a:gd name="connsiteX0" fmla="*/ 482345 w 4953984"/>
+              <a:gd name="connsiteY0" fmla="*/ 0 h 4538546"/>
+              <a:gd name="connsiteX1" fmla="*/ 415437 w 4953984"/>
+              <a:gd name="connsiteY1" fmla="*/ 2854712 h 4538546"/>
+              <a:gd name="connsiteX2" fmla="*/ 4953984 w 4953984"/>
+              <a:gd name="connsiteY2" fmla="*/ 4538546 h 4538546"/>
+              <a:gd name="connsiteX0" fmla="*/ 482345 w 6277479"/>
+              <a:gd name="connsiteY0" fmla="*/ 0 h 4028920"/>
+              <a:gd name="connsiteX1" fmla="*/ 415437 w 6277479"/>
+              <a:gd name="connsiteY1" fmla="*/ 2854712 h 4028920"/>
+              <a:gd name="connsiteX2" fmla="*/ 6277479 w 6277479"/>
+              <a:gd name="connsiteY2" fmla="*/ 4028920 h 4028920"/>
+              <a:gd name="connsiteX0" fmla="*/ 401809 w 6330506"/>
+              <a:gd name="connsiteY0" fmla="*/ 0 h 4028920"/>
+              <a:gd name="connsiteX1" fmla="*/ 468464 w 6330506"/>
+              <a:gd name="connsiteY1" fmla="*/ 2854712 h 4028920"/>
+              <a:gd name="connsiteX2" fmla="*/ 6330506 w 6330506"/>
+              <a:gd name="connsiteY2" fmla="*/ 4028920 h 4028920"/>
+              <a:gd name="connsiteX0" fmla="*/ 201950 w 6130647"/>
+              <a:gd name="connsiteY0" fmla="*/ 0 h 4028920"/>
+              <a:gd name="connsiteX1" fmla="*/ 268605 w 6130647"/>
+              <a:gd name="connsiteY1" fmla="*/ 2854712 h 4028920"/>
+              <a:gd name="connsiteX2" fmla="*/ 6130647 w 6130647"/>
+              <a:gd name="connsiteY2" fmla="*/ 4028920 h 4028920"/>
+              <a:gd name="connsiteX0" fmla="*/ 448901 w 6377598"/>
+              <a:gd name="connsiteY0" fmla="*/ 0 h 4028920"/>
+              <a:gd name="connsiteX1" fmla="*/ 515556 w 6377598"/>
+              <a:gd name="connsiteY1" fmla="*/ 2854712 h 4028920"/>
+              <a:gd name="connsiteX2" fmla="*/ 6377598 w 6377598"/>
+              <a:gd name="connsiteY2" fmla="*/ 4028920 h 4028920"/>
+              <a:gd name="connsiteX0" fmla="*/ 384520 w 6446781"/>
+              <a:gd name="connsiteY0" fmla="*/ 0 h 4057767"/>
+              <a:gd name="connsiteX1" fmla="*/ 584739 w 6446781"/>
+              <a:gd name="connsiteY1" fmla="*/ 2883559 h 4057767"/>
+              <a:gd name="connsiteX2" fmla="*/ 6446781 w 6446781"/>
+              <a:gd name="connsiteY2" fmla="*/ 4057767 h 4057767"/>
+              <a:gd name="connsiteX0" fmla="*/ 295341 w 6357602"/>
+              <a:gd name="connsiteY0" fmla="*/ 0 h 4057767"/>
+              <a:gd name="connsiteX1" fmla="*/ 495560 w 6357602"/>
+              <a:gd name="connsiteY1" fmla="*/ 2883559 h 4057767"/>
+              <a:gd name="connsiteX2" fmla="*/ 6357602 w 6357602"/>
+              <a:gd name="connsiteY2" fmla="*/ 4057767 h 4057767"/>
+              <a:gd name="connsiteX0" fmla="*/ 205033 w 6267294"/>
+              <a:gd name="connsiteY0" fmla="*/ 0 h 4057767"/>
+              <a:gd name="connsiteX1" fmla="*/ 611668 w 6267294"/>
+              <a:gd name="connsiteY1" fmla="*/ 3200874 h 4057767"/>
+              <a:gd name="connsiteX2" fmla="*/ 6267294 w 6267294"/>
+              <a:gd name="connsiteY2" fmla="*/ 4057767 h 4057767"/>
+              <a:gd name="connsiteX0" fmla="*/ 369782 w 6432043"/>
+              <a:gd name="connsiteY0" fmla="*/ 0 h 4057767"/>
+              <a:gd name="connsiteX1" fmla="*/ 436437 w 6432043"/>
+              <a:gd name="connsiteY1" fmla="*/ 2922022 h 4057767"/>
+              <a:gd name="connsiteX2" fmla="*/ 6432043 w 6432043"/>
+              <a:gd name="connsiteY2" fmla="*/ 4057767 h 4057767"/>
+              <a:gd name="connsiteX0" fmla="*/ 369782 w 4197886"/>
+              <a:gd name="connsiteY0" fmla="*/ 0 h 4125076"/>
+              <a:gd name="connsiteX1" fmla="*/ 436437 w 4197886"/>
+              <a:gd name="connsiteY1" fmla="*/ 2922022 h 4125076"/>
+              <a:gd name="connsiteX2" fmla="*/ 4197886 w 4197886"/>
+              <a:gd name="connsiteY2" fmla="*/ 4125076 h 4125076"/>
+              <a:gd name="connsiteX0" fmla="*/ 369782 w 5059980"/>
+              <a:gd name="connsiteY0" fmla="*/ 0 h 4153922"/>
+              <a:gd name="connsiteX1" fmla="*/ 436437 w 5059980"/>
+              <a:gd name="connsiteY1" fmla="*/ 2922022 h 4153922"/>
+              <a:gd name="connsiteX2" fmla="*/ 5059980 w 5059980"/>
+              <a:gd name="connsiteY2" fmla="*/ 4153922 h 4153922"/>
+              <a:gd name="connsiteX0" fmla="*/ 369782 w 5157118"/>
+              <a:gd name="connsiteY0" fmla="*/ 0 h 4125075"/>
+              <a:gd name="connsiteX1" fmla="*/ 436437 w 5157118"/>
+              <a:gd name="connsiteY1" fmla="*/ 2922022 h 4125075"/>
+              <a:gd name="connsiteX2" fmla="*/ 5157118 w 5157118"/>
+              <a:gd name="connsiteY2" fmla="*/ 4125075 h 4125075"/>
+              <a:gd name="connsiteX0" fmla="*/ 369782 w 5157118"/>
+              <a:gd name="connsiteY0" fmla="*/ 0 h 4125075"/>
+              <a:gd name="connsiteX1" fmla="*/ 436437 w 5157118"/>
+              <a:gd name="connsiteY1" fmla="*/ 2922022 h 4125075"/>
+              <a:gd name="connsiteX2" fmla="*/ 5157118 w 5157118"/>
+              <a:gd name="connsiteY2" fmla="*/ 4125075 h 4125075"/>
+              <a:gd name="connsiteX0" fmla="*/ 369782 w 5217829"/>
+              <a:gd name="connsiteY0" fmla="*/ 0 h 4009688"/>
+              <a:gd name="connsiteX1" fmla="*/ 436437 w 5217829"/>
+              <a:gd name="connsiteY1" fmla="*/ 2922022 h 4009688"/>
+              <a:gd name="connsiteX2" fmla="*/ 5217829 w 5217829"/>
+              <a:gd name="connsiteY2" fmla="*/ 4009688 h 4009688"/>
+              <a:gd name="connsiteX0" fmla="*/ 369782 w 5242113"/>
+              <a:gd name="connsiteY0" fmla="*/ 0 h 3875070"/>
+              <a:gd name="connsiteX1" fmla="*/ 436437 w 5242113"/>
+              <a:gd name="connsiteY1" fmla="*/ 2922022 h 3875070"/>
+              <a:gd name="connsiteX2" fmla="*/ 5242113 w 5242113"/>
+              <a:gd name="connsiteY2" fmla="*/ 3875070 h 3875070"/>
+            </a:gdLst>
+            <a:ahLst/>
+            <a:cxnLst>
+              <a:cxn ang="0">
+                <a:pos x="connsiteX0" y="connsiteY0"/>
+              </a:cxn>
+              <a:cxn ang="0">
+                <a:pos x="connsiteX1" y="connsiteY1"/>
+              </a:cxn>
+              <a:cxn ang="0">
+                <a:pos x="connsiteX2" y="connsiteY2"/>
+              </a:cxn>
+            </a:cxnLst>
+            <a:rect l="l" t="t" r="r" b="b"/>
+            <a:pathLst>
+              <a:path w="5242113" h="3875070">
+                <a:moveTo>
+                  <a:pt x="369782" y="0"/>
+                </a:moveTo>
+                <a:cubicBezTo>
+                  <a:pt x="60826" y="1404921"/>
+                  <a:pt x="-308836" y="2165598"/>
+                  <a:pt x="436437" y="2922022"/>
+                </a:cubicBezTo>
+                <a:cubicBezTo>
+                  <a:pt x="1181710" y="3678446"/>
+                  <a:pt x="4703758" y="3816077"/>
+                  <a:pt x="5242113" y="3875070"/>
+                </a:cubicBezTo>
+              </a:path>
+            </a:pathLst>
+          </a:custGeom>
+          <a:noFill/>
+          <a:ln w="38100"/>
+        </p:spPr>
+        <p:style>
+          <a:lnRef idx="2">
+            <a:schemeClr val="accent1">
+              <a:shade val="15000"/>
+            </a:schemeClr>
+          </a:lnRef>
+          <a:fillRef idx="1">
+            <a:schemeClr val="accent1"/>
+          </a:fillRef>
+          <a:effectRef idx="0">
+            <a:schemeClr val="accent1"/>
+          </a:effectRef>
+          <a:fontRef idx="minor">
+            <a:schemeClr val="lt1"/>
+          </a:fontRef>
+        </p:style>
+        <p:txBody>
+          <a:bodyPr rtlCol="0" anchor="ctr"/>
+          <a:lstStyle/>
+          <a:p>
+            <a:pPr algn="ctr"/>
+            <a:endParaRPr lang="en-US"/>
+          </a:p>
+        </p:txBody>
+      </p:sp>
+      <p:sp>
+        <p:nvSpPr>
+          <p:cNvPr id="23" name="Freeform 22">
+            <a:extLst>
+              <a:ext uri="{FF2B5EF4-FFF2-40B4-BE49-F238E27FC236}">
+                <a16:creationId xmlns:a16="http://schemas.microsoft.com/office/drawing/2014/main" id="{771789B3-53E1-6B32-390A-1DA8D85634EF}"/>
+              </a:ext>
+            </a:extLst>
+          </p:cNvPr>
+          <p:cNvSpPr/>
+          <p:nvPr/>
+        </p:nvSpPr>
+        <p:spPr>
+          <a:xfrm>
+            <a:off x="4327290" y="1349854"/>
+            <a:ext cx="4814296" cy="4493934"/>
+          </a:xfrm>
+          <a:custGeom>
+            <a:avLst/>
+            <a:gdLst>
+              <a:gd name="connsiteX0" fmla="*/ 482345 w 4953984"/>
+              <a:gd name="connsiteY0" fmla="*/ 0 h 4538546"/>
+              <a:gd name="connsiteX1" fmla="*/ 415437 w 4953984"/>
+              <a:gd name="connsiteY1" fmla="*/ 2854712 h 4538546"/>
+              <a:gd name="connsiteX2" fmla="*/ 4953984 w 4953984"/>
+              <a:gd name="connsiteY2" fmla="*/ 4538546 h 4538546"/>
+              <a:gd name="connsiteX0" fmla="*/ 482345 w 6277479"/>
+              <a:gd name="connsiteY0" fmla="*/ 0 h 4028920"/>
+              <a:gd name="connsiteX1" fmla="*/ 415437 w 6277479"/>
+              <a:gd name="connsiteY1" fmla="*/ 2854712 h 4028920"/>
+              <a:gd name="connsiteX2" fmla="*/ 6277479 w 6277479"/>
+              <a:gd name="connsiteY2" fmla="*/ 4028920 h 4028920"/>
+              <a:gd name="connsiteX0" fmla="*/ 401809 w 6330506"/>
+              <a:gd name="connsiteY0" fmla="*/ 0 h 4028920"/>
+              <a:gd name="connsiteX1" fmla="*/ 468464 w 6330506"/>
+              <a:gd name="connsiteY1" fmla="*/ 2854712 h 4028920"/>
+              <a:gd name="connsiteX2" fmla="*/ 6330506 w 6330506"/>
+              <a:gd name="connsiteY2" fmla="*/ 4028920 h 4028920"/>
+              <a:gd name="connsiteX0" fmla="*/ 201950 w 6130647"/>
+              <a:gd name="connsiteY0" fmla="*/ 0 h 4028920"/>
+              <a:gd name="connsiteX1" fmla="*/ 268605 w 6130647"/>
+              <a:gd name="connsiteY1" fmla="*/ 2854712 h 4028920"/>
+              <a:gd name="connsiteX2" fmla="*/ 6130647 w 6130647"/>
+              <a:gd name="connsiteY2" fmla="*/ 4028920 h 4028920"/>
+              <a:gd name="connsiteX0" fmla="*/ 448901 w 6377598"/>
+              <a:gd name="connsiteY0" fmla="*/ 0 h 4028920"/>
+              <a:gd name="connsiteX1" fmla="*/ 515556 w 6377598"/>
+              <a:gd name="connsiteY1" fmla="*/ 2854712 h 4028920"/>
+              <a:gd name="connsiteX2" fmla="*/ 6377598 w 6377598"/>
+              <a:gd name="connsiteY2" fmla="*/ 4028920 h 4028920"/>
+              <a:gd name="connsiteX0" fmla="*/ 384520 w 6446781"/>
+              <a:gd name="connsiteY0" fmla="*/ 0 h 4057767"/>
+              <a:gd name="connsiteX1" fmla="*/ 584739 w 6446781"/>
+              <a:gd name="connsiteY1" fmla="*/ 2883559 h 4057767"/>
+              <a:gd name="connsiteX2" fmla="*/ 6446781 w 6446781"/>
+              <a:gd name="connsiteY2" fmla="*/ 4057767 h 4057767"/>
+              <a:gd name="connsiteX0" fmla="*/ 295341 w 6357602"/>
+              <a:gd name="connsiteY0" fmla="*/ 0 h 4057767"/>
+              <a:gd name="connsiteX1" fmla="*/ 495560 w 6357602"/>
+              <a:gd name="connsiteY1" fmla="*/ 2883559 h 4057767"/>
+              <a:gd name="connsiteX2" fmla="*/ 6357602 w 6357602"/>
+              <a:gd name="connsiteY2" fmla="*/ 4057767 h 4057767"/>
+              <a:gd name="connsiteX0" fmla="*/ 205033 w 6267294"/>
+              <a:gd name="connsiteY0" fmla="*/ 0 h 4057767"/>
+              <a:gd name="connsiteX1" fmla="*/ 611668 w 6267294"/>
+              <a:gd name="connsiteY1" fmla="*/ 3200874 h 4057767"/>
+              <a:gd name="connsiteX2" fmla="*/ 6267294 w 6267294"/>
+              <a:gd name="connsiteY2" fmla="*/ 4057767 h 4057767"/>
+              <a:gd name="connsiteX0" fmla="*/ 369782 w 6432043"/>
+              <a:gd name="connsiteY0" fmla="*/ 0 h 4057767"/>
+              <a:gd name="connsiteX1" fmla="*/ 436437 w 6432043"/>
+              <a:gd name="connsiteY1" fmla="*/ 2922022 h 4057767"/>
+              <a:gd name="connsiteX2" fmla="*/ 6432043 w 6432043"/>
+              <a:gd name="connsiteY2" fmla="*/ 4057767 h 4057767"/>
+              <a:gd name="connsiteX0" fmla="*/ 369782 w 4197886"/>
+              <a:gd name="connsiteY0" fmla="*/ 0 h 4125076"/>
+              <a:gd name="connsiteX1" fmla="*/ 436437 w 4197886"/>
+              <a:gd name="connsiteY1" fmla="*/ 2922022 h 4125076"/>
+              <a:gd name="connsiteX2" fmla="*/ 4197886 w 4197886"/>
+              <a:gd name="connsiteY2" fmla="*/ 4125076 h 4125076"/>
+              <a:gd name="connsiteX0" fmla="*/ 369782 w 5059980"/>
+              <a:gd name="connsiteY0" fmla="*/ 0 h 4153922"/>
+              <a:gd name="connsiteX1" fmla="*/ 436437 w 5059980"/>
+              <a:gd name="connsiteY1" fmla="*/ 2922022 h 4153922"/>
+              <a:gd name="connsiteX2" fmla="*/ 5059980 w 5059980"/>
+              <a:gd name="connsiteY2" fmla="*/ 4153922 h 4153922"/>
+              <a:gd name="connsiteX0" fmla="*/ 369782 w 5157118"/>
+              <a:gd name="connsiteY0" fmla="*/ 0 h 4125075"/>
+              <a:gd name="connsiteX1" fmla="*/ 436437 w 5157118"/>
+              <a:gd name="connsiteY1" fmla="*/ 2922022 h 4125075"/>
+              <a:gd name="connsiteX2" fmla="*/ 5157118 w 5157118"/>
+              <a:gd name="connsiteY2" fmla="*/ 4125075 h 4125075"/>
+              <a:gd name="connsiteX0" fmla="*/ 369782 w 5157118"/>
+              <a:gd name="connsiteY0" fmla="*/ 0 h 4125075"/>
+              <a:gd name="connsiteX1" fmla="*/ 436437 w 5157118"/>
+              <a:gd name="connsiteY1" fmla="*/ 2922022 h 4125075"/>
+              <a:gd name="connsiteX2" fmla="*/ 5157118 w 5157118"/>
+              <a:gd name="connsiteY2" fmla="*/ 4125075 h 4125075"/>
+              <a:gd name="connsiteX0" fmla="*/ 369782 w 5217829"/>
+              <a:gd name="connsiteY0" fmla="*/ 0 h 4009688"/>
+              <a:gd name="connsiteX1" fmla="*/ 436437 w 5217829"/>
+              <a:gd name="connsiteY1" fmla="*/ 2922022 h 4009688"/>
+              <a:gd name="connsiteX2" fmla="*/ 5217829 w 5217829"/>
+              <a:gd name="connsiteY2" fmla="*/ 4009688 h 4009688"/>
+              <a:gd name="connsiteX0" fmla="*/ 369782 w 5242113"/>
+              <a:gd name="connsiteY0" fmla="*/ 0 h 3875070"/>
+              <a:gd name="connsiteX1" fmla="*/ 436437 w 5242113"/>
+              <a:gd name="connsiteY1" fmla="*/ 2922022 h 3875070"/>
+              <a:gd name="connsiteX2" fmla="*/ 5242113 w 5242113"/>
+              <a:gd name="connsiteY2" fmla="*/ 3875070 h 3875070"/>
+            </a:gdLst>
+            <a:ahLst/>
+            <a:cxnLst>
+              <a:cxn ang="0">
+                <a:pos x="connsiteX0" y="connsiteY0"/>
+              </a:cxn>
+              <a:cxn ang="0">
+                <a:pos x="connsiteX1" y="connsiteY1"/>
+              </a:cxn>
+              <a:cxn ang="0">
+                <a:pos x="connsiteX2" y="connsiteY2"/>
+              </a:cxn>
+            </a:cxnLst>
+            <a:rect l="l" t="t" r="r" b="b"/>
+            <a:pathLst>
+              <a:path w="5242113" h="3875070">
+                <a:moveTo>
+                  <a:pt x="369782" y="0"/>
+                </a:moveTo>
+                <a:cubicBezTo>
+                  <a:pt x="60826" y="1404921"/>
+                  <a:pt x="-308836" y="2165598"/>
+                  <a:pt x="436437" y="2922022"/>
+                </a:cubicBezTo>
+                <a:cubicBezTo>
+                  <a:pt x="1181710" y="3678446"/>
+                  <a:pt x="4703758" y="3816077"/>
+                  <a:pt x="5242113" y="3875070"/>
+                </a:cubicBezTo>
+              </a:path>
+            </a:pathLst>
+          </a:custGeom>
+          <a:noFill/>
+          <a:ln w="38100"/>
+        </p:spPr>
+        <p:style>
+          <a:lnRef idx="2">
+            <a:schemeClr val="accent1">
+              <a:shade val="15000"/>
+            </a:schemeClr>
+          </a:lnRef>
+          <a:fillRef idx="1">
+            <a:schemeClr val="accent1"/>
+          </a:fillRef>
+          <a:effectRef idx="0">
+            <a:schemeClr val="accent1"/>
+          </a:effectRef>
+          <a:fontRef idx="minor">
+            <a:schemeClr val="lt1"/>
+          </a:fontRef>
+        </p:style>
+        <p:txBody>
+          <a:bodyPr rtlCol="0" anchor="ctr"/>
+          <a:lstStyle/>
+          <a:p>
+            <a:pPr algn="ctr"/>
+            <a:endParaRPr lang="en-US"/>
+          </a:p>
+        </p:txBody>
+      </p:sp>
+    </p:spTree>
+    <p:extLst>
+      <p:ext uri="{BB962C8B-B14F-4D97-AF65-F5344CB8AC3E}">
+        <p14:creationId xmlns:p14="http://schemas.microsoft.com/office/powerpoint/2010/main" val="3264596631"/>
+      </p:ext>
+    </p:extLst>
+  </p:cSld>
+  <p:clrMapOvr>
+    <a:masterClrMapping/>
+  </p:clrMapOvr>
+</p:sld>
+</file>
+
+<file path=ppt/slides/slide14.xml><?xml version="1.0" encoding="utf-8"?>
+<p:sld xmlns:a="http://schemas.openxmlformats.org/drawingml/2006/main" xmlns:r="http://schemas.openxmlformats.org/officeDocument/2006/relationships" xmlns:p="http://schemas.openxmlformats.org/presentationml/2006/main">
+  <p:cSld>
+    <p:spTree>
+      <p:nvGrpSpPr>
+        <p:cNvPr id="1" name="">
+          <a:extLst>
+            <a:ext uri="{FF2B5EF4-FFF2-40B4-BE49-F238E27FC236}">
+              <a16:creationId xmlns:a16="http://schemas.microsoft.com/office/drawing/2014/main" id="{D0DE4498-D5BB-77B8-3E4C-719B8644F2B9}"/>
+            </a:ext>
+          </a:extLst>
+        </p:cNvPr>
+        <p:cNvGrpSpPr/>
+        <p:nvPr/>
+      </p:nvGrpSpPr>
+      <p:grpSpPr>
+        <a:xfrm>
+          <a:off x="0" y="0"/>
+          <a:ext cx="0" cy="0"/>
+          <a:chOff x="0" y="0"/>
+          <a:chExt cx="0" cy="0"/>
+        </a:xfrm>
+      </p:grpSpPr>
+      <p:grpSp>
+        <p:nvGrpSpPr>
+          <p:cNvPr id="4" name="Group 3">
+            <a:extLst>
+              <a:ext uri="{FF2B5EF4-FFF2-40B4-BE49-F238E27FC236}">
+                <a16:creationId xmlns:a16="http://schemas.microsoft.com/office/drawing/2014/main" id="{F3013342-5AFF-B53E-3DB7-A5DBC8D37B8A}"/>
+              </a:ext>
+            </a:extLst>
+          </p:cNvPr>
+          <p:cNvGrpSpPr/>
+          <p:nvPr/>
+        </p:nvGrpSpPr>
+        <p:grpSpPr>
+          <a:xfrm>
+            <a:off x="1297684" y="804672"/>
+            <a:ext cx="9089136" cy="5189854"/>
+            <a:chOff x="1297684" y="804672"/>
+            <a:chExt cx="9089136" cy="5102352"/>
+          </a:xfrm>
+        </p:grpSpPr>
+        <p:cxnSp>
+          <p:nvCxnSpPr>
+            <p:cNvPr id="5" name="Straight Connector 4">
+              <a:extLst>
+                <a:ext uri="{FF2B5EF4-FFF2-40B4-BE49-F238E27FC236}">
+                  <a16:creationId xmlns:a16="http://schemas.microsoft.com/office/drawing/2014/main" id="{1AC696FE-BD2D-B2D3-DF43-BCB0E0A58EF4}"/>
+                </a:ext>
+              </a:extLst>
+            </p:cNvPr>
+            <p:cNvCxnSpPr/>
+            <p:nvPr/>
+          </p:nvCxnSpPr>
+          <p:spPr>
+            <a:xfrm>
+              <a:off x="1316736" y="804672"/>
+              <a:ext cx="0" cy="5102352"/>
+            </a:xfrm>
+            <a:prstGeom prst="line">
+              <a:avLst/>
+            </a:prstGeom>
+            <a:ln w="57150">
+              <a:solidFill>
+                <a:schemeClr val="tx1"/>
+              </a:solidFill>
+            </a:ln>
+          </p:spPr>
+          <p:style>
+            <a:lnRef idx="2">
+              <a:schemeClr val="accent1"/>
+            </a:lnRef>
+            <a:fillRef idx="0">
+              <a:schemeClr val="accent1"/>
+            </a:fillRef>
+            <a:effectRef idx="1">
+              <a:schemeClr val="accent1"/>
+            </a:effectRef>
+            <a:fontRef idx="minor">
+              <a:schemeClr val="tx1"/>
+            </a:fontRef>
+          </p:style>
+        </p:cxnSp>
+        <p:cxnSp>
+          <p:nvCxnSpPr>
+            <p:cNvPr id="6" name="Straight Connector 5">
+              <a:extLst>
+                <a:ext uri="{FF2B5EF4-FFF2-40B4-BE49-F238E27FC236}">
+                  <a16:creationId xmlns:a16="http://schemas.microsoft.com/office/drawing/2014/main" id="{F8920B9B-D19E-73B9-979D-19BBBD9920A2}"/>
+                </a:ext>
+              </a:extLst>
+            </p:cNvPr>
+            <p:cNvCxnSpPr>
+              <a:cxnSpLocks/>
+            </p:cNvCxnSpPr>
+            <p:nvPr/>
+          </p:nvCxnSpPr>
+          <p:spPr>
+            <a:xfrm flipH="1">
+              <a:off x="1297684" y="5879972"/>
+              <a:ext cx="9089136" cy="0"/>
+            </a:xfrm>
+            <a:prstGeom prst="line">
+              <a:avLst/>
+            </a:prstGeom>
+            <a:ln w="57150">
+              <a:solidFill>
+                <a:schemeClr val="tx1"/>
+              </a:solidFill>
+            </a:ln>
+          </p:spPr>
+          <p:style>
+            <a:lnRef idx="2">
+              <a:schemeClr val="accent1"/>
+            </a:lnRef>
+            <a:fillRef idx="0">
+              <a:schemeClr val="accent1"/>
+            </a:fillRef>
+            <a:effectRef idx="1">
+              <a:schemeClr val="accent1"/>
+            </a:effectRef>
+            <a:fontRef idx="minor">
+              <a:schemeClr val="tx1"/>
+            </a:fontRef>
+          </p:style>
+        </p:cxnSp>
+      </p:grpSp>
+      <p:sp>
+        <p:nvSpPr>
+          <p:cNvPr id="7" name="TextBox 6">
+            <a:extLst>
+              <a:ext uri="{FF2B5EF4-FFF2-40B4-BE49-F238E27FC236}">
+                <a16:creationId xmlns:a16="http://schemas.microsoft.com/office/drawing/2014/main" id="{BFFD8526-4004-1215-BB9C-A816106A8E08}"/>
+              </a:ext>
+            </a:extLst>
+          </p:cNvPr>
+          <p:cNvSpPr txBox="1"/>
+          <p:nvPr/>
+        </p:nvSpPr>
+        <p:spPr>
+          <a:xfrm rot="16200000">
+            <a:off x="79097" y="1362973"/>
+            <a:ext cx="1639821" cy="523220"/>
+          </a:xfrm>
+          <a:prstGeom prst="rect">
+            <a:avLst/>
+          </a:prstGeom>
+          <a:noFill/>
+        </p:spPr>
+        <p:txBody>
+          <a:bodyPr wrap="square" rtlCol="0">
+            <a:spAutoFit/>
+          </a:bodyPr>
+          <a:lstStyle/>
+          <a:p>
+            <a:r>
+              <a:rPr lang="en-US" sz="2800" b="1" dirty="0"/>
+              <a:t>Children</a:t>
+            </a:r>
+          </a:p>
+        </p:txBody>
+      </p:sp>
+      <p:sp>
+        <p:nvSpPr>
+          <p:cNvPr id="8" name="TextBox 7">
+            <a:extLst>
+              <a:ext uri="{FF2B5EF4-FFF2-40B4-BE49-F238E27FC236}">
+                <a16:creationId xmlns:a16="http://schemas.microsoft.com/office/drawing/2014/main" id="{2CF4C4F0-FB44-6AA8-2393-EA05B33836DB}"/>
+              </a:ext>
+            </a:extLst>
+          </p:cNvPr>
+          <p:cNvSpPr txBox="1"/>
+          <p:nvPr/>
+        </p:nvSpPr>
+        <p:spPr>
+          <a:xfrm>
+            <a:off x="9309741" y="5994526"/>
+            <a:ext cx="1077079" cy="523220"/>
+          </a:xfrm>
+          <a:prstGeom prst="rect">
+            <a:avLst/>
+          </a:prstGeom>
+          <a:noFill/>
+        </p:spPr>
+        <p:txBody>
+          <a:bodyPr wrap="square" rtlCol="0">
+            <a:spAutoFit/>
+          </a:bodyPr>
+          <a:lstStyle/>
+          <a:p>
+            <a:r>
+              <a:rPr lang="en-US" sz="2800" b="1" dirty="0"/>
+              <a:t>Food</a:t>
+            </a:r>
+          </a:p>
+        </p:txBody>
+      </p:sp>
+      <p:cxnSp>
+        <p:nvCxnSpPr>
+          <p:cNvPr id="16" name="Straight Arrow Connector 15">
+            <a:extLst>
+              <a:ext uri="{FF2B5EF4-FFF2-40B4-BE49-F238E27FC236}">
+                <a16:creationId xmlns:a16="http://schemas.microsoft.com/office/drawing/2014/main" id="{1AB18C64-49DE-DC5F-A3F3-7131EF0F6D87}"/>
+              </a:ext>
+            </a:extLst>
+          </p:cNvPr>
+          <p:cNvCxnSpPr>
+            <a:cxnSpLocks/>
+          </p:cNvCxnSpPr>
+          <p:nvPr/>
+        </p:nvCxnSpPr>
+        <p:spPr>
+          <a:xfrm flipV="1">
+            <a:off x="1817649" y="1817649"/>
+            <a:ext cx="5960483" cy="3590692"/>
+          </a:xfrm>
+          <a:prstGeom prst="straightConnector1">
+            <a:avLst/>
+          </a:prstGeom>
+          <a:ln w="127000">
+            <a:solidFill>
+              <a:srgbClr val="C00000"/>
+            </a:solidFill>
+            <a:tailEnd type="triangle"/>
+          </a:ln>
+        </p:spPr>
+        <p:style>
+          <a:lnRef idx="2">
+            <a:schemeClr val="accent1"/>
+          </a:lnRef>
+          <a:fillRef idx="0">
+            <a:schemeClr val="accent1"/>
+          </a:fillRef>
+          <a:effectRef idx="1">
+            <a:schemeClr val="accent1"/>
+          </a:effectRef>
+          <a:fontRef idx="minor">
+            <a:schemeClr val="tx1"/>
+          </a:fontRef>
+        </p:style>
+      </p:cxnSp>
+      <p:sp>
+        <p:nvSpPr>
+          <p:cNvPr id="18" name="TextBox 17">
+            <a:extLst>
+              <a:ext uri="{FF2B5EF4-FFF2-40B4-BE49-F238E27FC236}">
+                <a16:creationId xmlns:a16="http://schemas.microsoft.com/office/drawing/2014/main" id="{B7D41FEA-9242-75C2-1CF6-2323337BA430}"/>
+              </a:ext>
+            </a:extLst>
+          </p:cNvPr>
+          <p:cNvSpPr txBox="1"/>
+          <p:nvPr/>
+        </p:nvSpPr>
+        <p:spPr>
+          <a:xfrm rot="19795673">
+            <a:off x="4653887" y="2297140"/>
+            <a:ext cx="3004799" cy="400110"/>
+          </a:xfrm>
+          <a:prstGeom prst="rect">
+            <a:avLst/>
+          </a:prstGeom>
+          <a:noFill/>
+        </p:spPr>
+        <p:txBody>
+          <a:bodyPr wrap="square" rtlCol="0">
+            <a:spAutoFit/>
+          </a:bodyPr>
+          <a:lstStyle/>
+          <a:p>
+            <a:r>
+              <a:rPr lang="en-US" sz="2000" b="1" dirty="0">
+                <a:solidFill>
+                  <a:srgbClr val="C00000"/>
+                </a:solidFill>
+              </a:rPr>
+              <a:t>Better (Higher Utility)</a:t>
+            </a:r>
+          </a:p>
+        </p:txBody>
+      </p:sp>
+      <p:sp>
+        <p:nvSpPr>
+          <p:cNvPr id="37" name="Freeform 36">
+            <a:extLst>
+              <a:ext uri="{FF2B5EF4-FFF2-40B4-BE49-F238E27FC236}">
+                <a16:creationId xmlns:a16="http://schemas.microsoft.com/office/drawing/2014/main" id="{5337DE1C-88FC-2B5B-9CE5-36ABC60E3DB9}"/>
+              </a:ext>
+            </a:extLst>
+          </p:cNvPr>
+          <p:cNvSpPr/>
+          <p:nvPr/>
+        </p:nvSpPr>
+        <p:spPr>
+          <a:xfrm>
+            <a:off x="1601322" y="1064854"/>
+            <a:ext cx="4736238" cy="4783866"/>
+          </a:xfrm>
+          <a:custGeom>
+            <a:avLst/>
+            <a:gdLst>
+              <a:gd name="connsiteX0" fmla="*/ 482345 w 4953984"/>
+              <a:gd name="connsiteY0" fmla="*/ 0 h 4538546"/>
+              <a:gd name="connsiteX1" fmla="*/ 415437 w 4953984"/>
+              <a:gd name="connsiteY1" fmla="*/ 2854712 h 4538546"/>
+              <a:gd name="connsiteX2" fmla="*/ 4953984 w 4953984"/>
+              <a:gd name="connsiteY2" fmla="*/ 4538546 h 4538546"/>
+              <a:gd name="connsiteX0" fmla="*/ 482345 w 6277479"/>
+              <a:gd name="connsiteY0" fmla="*/ 0 h 4028920"/>
+              <a:gd name="connsiteX1" fmla="*/ 415437 w 6277479"/>
+              <a:gd name="connsiteY1" fmla="*/ 2854712 h 4028920"/>
+              <a:gd name="connsiteX2" fmla="*/ 6277479 w 6277479"/>
+              <a:gd name="connsiteY2" fmla="*/ 4028920 h 4028920"/>
+              <a:gd name="connsiteX0" fmla="*/ 401809 w 6330506"/>
+              <a:gd name="connsiteY0" fmla="*/ 0 h 4028920"/>
+              <a:gd name="connsiteX1" fmla="*/ 468464 w 6330506"/>
+              <a:gd name="connsiteY1" fmla="*/ 2854712 h 4028920"/>
+              <a:gd name="connsiteX2" fmla="*/ 6330506 w 6330506"/>
+              <a:gd name="connsiteY2" fmla="*/ 4028920 h 4028920"/>
+              <a:gd name="connsiteX0" fmla="*/ 201950 w 6130647"/>
+              <a:gd name="connsiteY0" fmla="*/ 0 h 4028920"/>
+              <a:gd name="connsiteX1" fmla="*/ 268605 w 6130647"/>
+              <a:gd name="connsiteY1" fmla="*/ 2854712 h 4028920"/>
+              <a:gd name="connsiteX2" fmla="*/ 6130647 w 6130647"/>
+              <a:gd name="connsiteY2" fmla="*/ 4028920 h 4028920"/>
+              <a:gd name="connsiteX0" fmla="*/ 448901 w 6377598"/>
+              <a:gd name="connsiteY0" fmla="*/ 0 h 4028920"/>
+              <a:gd name="connsiteX1" fmla="*/ 515556 w 6377598"/>
+              <a:gd name="connsiteY1" fmla="*/ 2854712 h 4028920"/>
+              <a:gd name="connsiteX2" fmla="*/ 6377598 w 6377598"/>
+              <a:gd name="connsiteY2" fmla="*/ 4028920 h 4028920"/>
+              <a:gd name="connsiteX0" fmla="*/ 384520 w 6446781"/>
+              <a:gd name="connsiteY0" fmla="*/ 0 h 4057767"/>
+              <a:gd name="connsiteX1" fmla="*/ 584739 w 6446781"/>
+              <a:gd name="connsiteY1" fmla="*/ 2883559 h 4057767"/>
+              <a:gd name="connsiteX2" fmla="*/ 6446781 w 6446781"/>
+              <a:gd name="connsiteY2" fmla="*/ 4057767 h 4057767"/>
+              <a:gd name="connsiteX0" fmla="*/ 295341 w 6357602"/>
+              <a:gd name="connsiteY0" fmla="*/ 0 h 4057767"/>
+              <a:gd name="connsiteX1" fmla="*/ 495560 w 6357602"/>
+              <a:gd name="connsiteY1" fmla="*/ 2883559 h 4057767"/>
+              <a:gd name="connsiteX2" fmla="*/ 6357602 w 6357602"/>
+              <a:gd name="connsiteY2" fmla="*/ 4057767 h 4057767"/>
+              <a:gd name="connsiteX0" fmla="*/ 205033 w 6267294"/>
+              <a:gd name="connsiteY0" fmla="*/ 0 h 4057767"/>
+              <a:gd name="connsiteX1" fmla="*/ 611668 w 6267294"/>
+              <a:gd name="connsiteY1" fmla="*/ 3200874 h 4057767"/>
+              <a:gd name="connsiteX2" fmla="*/ 6267294 w 6267294"/>
+              <a:gd name="connsiteY2" fmla="*/ 4057767 h 4057767"/>
+              <a:gd name="connsiteX0" fmla="*/ 369782 w 6432043"/>
+              <a:gd name="connsiteY0" fmla="*/ 0 h 4057767"/>
+              <a:gd name="connsiteX1" fmla="*/ 436437 w 6432043"/>
+              <a:gd name="connsiteY1" fmla="*/ 2922022 h 4057767"/>
+              <a:gd name="connsiteX2" fmla="*/ 6432043 w 6432043"/>
+              <a:gd name="connsiteY2" fmla="*/ 4057767 h 4057767"/>
+              <a:gd name="connsiteX0" fmla="*/ 369782 w 4197886"/>
+              <a:gd name="connsiteY0" fmla="*/ 0 h 4125076"/>
+              <a:gd name="connsiteX1" fmla="*/ 436437 w 4197886"/>
+              <a:gd name="connsiteY1" fmla="*/ 2922022 h 4125076"/>
+              <a:gd name="connsiteX2" fmla="*/ 4197886 w 4197886"/>
+              <a:gd name="connsiteY2" fmla="*/ 4125076 h 4125076"/>
+              <a:gd name="connsiteX0" fmla="*/ 369782 w 5059980"/>
+              <a:gd name="connsiteY0" fmla="*/ 0 h 4153922"/>
+              <a:gd name="connsiteX1" fmla="*/ 436437 w 5059980"/>
+              <a:gd name="connsiteY1" fmla="*/ 2922022 h 4153922"/>
+              <a:gd name="connsiteX2" fmla="*/ 5059980 w 5059980"/>
+              <a:gd name="connsiteY2" fmla="*/ 4153922 h 4153922"/>
+              <a:gd name="connsiteX0" fmla="*/ 369782 w 5157118"/>
+              <a:gd name="connsiteY0" fmla="*/ 0 h 4125075"/>
+              <a:gd name="connsiteX1" fmla="*/ 436437 w 5157118"/>
+              <a:gd name="connsiteY1" fmla="*/ 2922022 h 4125075"/>
+              <a:gd name="connsiteX2" fmla="*/ 5157118 w 5157118"/>
+              <a:gd name="connsiteY2" fmla="*/ 4125075 h 4125075"/>
+              <a:gd name="connsiteX0" fmla="*/ 369782 w 5157118"/>
+              <a:gd name="connsiteY0" fmla="*/ 0 h 4125075"/>
+              <a:gd name="connsiteX1" fmla="*/ 436437 w 5157118"/>
+              <a:gd name="connsiteY1" fmla="*/ 2922022 h 4125075"/>
+              <a:gd name="connsiteX2" fmla="*/ 5157118 w 5157118"/>
+              <a:gd name="connsiteY2" fmla="*/ 4125075 h 4125075"/>
+            </a:gdLst>
+            <a:ahLst/>
+            <a:cxnLst>
+              <a:cxn ang="0">
+                <a:pos x="connsiteX0" y="connsiteY0"/>
+              </a:cxn>
+              <a:cxn ang="0">
+                <a:pos x="connsiteX1" y="connsiteY1"/>
+              </a:cxn>
+              <a:cxn ang="0">
+                <a:pos x="connsiteX2" y="connsiteY2"/>
+              </a:cxn>
+            </a:cxnLst>
+            <a:rect l="l" t="t" r="r" b="b"/>
+            <a:pathLst>
+              <a:path w="5157118" h="4125075">
+                <a:moveTo>
+                  <a:pt x="369782" y="0"/>
+                </a:moveTo>
+                <a:cubicBezTo>
+                  <a:pt x="60826" y="1404921"/>
+                  <a:pt x="-308836" y="2165598"/>
+                  <a:pt x="436437" y="2922022"/>
+                </a:cubicBezTo>
+                <a:cubicBezTo>
+                  <a:pt x="1181710" y="3678446"/>
+                  <a:pt x="4618763" y="4066082"/>
+                  <a:pt x="5157118" y="4125075"/>
+                </a:cubicBezTo>
+              </a:path>
+            </a:pathLst>
+          </a:custGeom>
+          <a:noFill/>
+          <a:ln w="38100"/>
+        </p:spPr>
+        <p:style>
+          <a:lnRef idx="2">
+            <a:schemeClr val="accent1">
+              <a:shade val="15000"/>
+            </a:schemeClr>
+          </a:lnRef>
+          <a:fillRef idx="1">
+            <a:schemeClr val="accent1"/>
+          </a:fillRef>
+          <a:effectRef idx="0">
+            <a:schemeClr val="accent1"/>
+          </a:effectRef>
+          <a:fontRef idx="minor">
+            <a:schemeClr val="lt1"/>
+          </a:fontRef>
+        </p:style>
+        <p:txBody>
+          <a:bodyPr rtlCol="0" anchor="ctr"/>
+          <a:lstStyle/>
+          <a:p>
+            <a:pPr algn="ctr"/>
+            <a:endParaRPr lang="en-US"/>
+          </a:p>
+        </p:txBody>
+      </p:sp>
+      <mc:AlternateContent xmlns:mc="http://schemas.openxmlformats.org/markup-compatibility/2006">
+        <mc:Choice xmlns:a14="http://schemas.microsoft.com/office/drawing/2010/main" Requires="a14">
+          <p:sp>
+            <p:nvSpPr>
+              <p:cNvPr id="38" name="TextBox 37">
+                <a:extLst>
+                  <a:ext uri="{FF2B5EF4-FFF2-40B4-BE49-F238E27FC236}">
+                    <a16:creationId xmlns:a16="http://schemas.microsoft.com/office/drawing/2014/main" id="{34FF8B54-7332-BC78-58CE-16FFCE2EF7C6}"/>
+                  </a:ext>
+                </a:extLst>
+              </p:cNvPr>
+              <p:cNvSpPr txBox="1"/>
+              <p:nvPr/>
+            </p:nvSpPr>
+            <p:spPr>
+              <a:xfrm>
+                <a:off x="1947010" y="698230"/>
+                <a:ext cx="609600" cy="369332"/>
+              </a:xfrm>
+              <a:prstGeom prst="rect">
+                <a:avLst/>
+              </a:prstGeom>
+              <a:noFill/>
+            </p:spPr>
+            <p:txBody>
+              <a:bodyPr wrap="square" rtlCol="0">
+                <a:spAutoFit/>
+              </a:bodyPr>
+              <a:lstStyle/>
+              <a:p>
+                <a:pPr/>
+                <a14:m>
+                  <m:oMathPara xmlns:m="http://schemas.openxmlformats.org/officeDocument/2006/math">
+                    <m:oMathParaPr>
+                      <m:jc m:val="centerGroup"/>
+                    </m:oMathParaPr>
+                    <m:oMath xmlns:m="http://schemas.openxmlformats.org/officeDocument/2006/math">
+                      <m:sSub>
+                        <m:sSubPr>
+                          <m:ctrlPr>
+                            <a:rPr lang="en-US" b="1" i="1" smtClean="0">
+                              <a:latin typeface="Cambria Math" panose="02040503050406030204" pitchFamily="18" charset="0"/>
+                            </a:rPr>
+                          </m:ctrlPr>
+                        </m:sSubPr>
+                        <m:e>
+                          <m:r>
+                            <a:rPr lang="en-US" b="1" i="1" smtClean="0">
+                              <a:latin typeface="Cambria Math" panose="02040503050406030204" pitchFamily="18" charset="0"/>
+                            </a:rPr>
+                            <m:t>𝑰</m:t>
+                          </m:r>
+                        </m:e>
+                        <m:sub>
+                          <m:r>
+                            <a:rPr lang="en-US" b="1" i="1" smtClean="0">
+                              <a:latin typeface="Cambria Math" panose="02040503050406030204" pitchFamily="18" charset="0"/>
+                            </a:rPr>
+                            <m:t>𝟏</m:t>
+                          </m:r>
+                        </m:sub>
+                      </m:sSub>
+                    </m:oMath>
+                  </m:oMathPara>
+                </a14:m>
+                <a:endParaRPr lang="en-US" b="1" dirty="0"/>
+              </a:p>
+            </p:txBody>
+          </p:sp>
+        </mc:Choice>
+        <mc:Fallback>
+          <p:sp>
+            <p:nvSpPr>
+              <p:cNvPr id="38" name="TextBox 37">
+                <a:extLst>
+                  <a:ext uri="{FF2B5EF4-FFF2-40B4-BE49-F238E27FC236}">
+                    <a16:creationId xmlns:a16="http://schemas.microsoft.com/office/drawing/2014/main" id="{34FF8B54-7332-BC78-58CE-16FFCE2EF7C6}"/>
+                  </a:ext>
+                </a:extLst>
+              </p:cNvPr>
+              <p:cNvSpPr txBox="1">
+                <a:spLocks noRot="1" noChangeAspect="1" noMove="1" noResize="1" noEditPoints="1" noAdjustHandles="1" noChangeArrowheads="1" noChangeShapeType="1" noTextEdit="1"/>
+              </p:cNvSpPr>
+              <p:nvPr/>
+            </p:nvSpPr>
+            <p:spPr>
+              <a:xfrm>
+                <a:off x="1947010" y="698230"/>
+                <a:ext cx="609600" cy="369332"/>
+              </a:xfrm>
+              <a:prstGeom prst="rect">
+                <a:avLst/>
+              </a:prstGeom>
+              <a:blipFill>
+                <a:blip r:embed="rId2"/>
+                <a:stretch>
+                  <a:fillRect/>
+                </a:stretch>
+              </a:blipFill>
+            </p:spPr>
+            <p:txBody>
+              <a:bodyPr/>
+              <a:lstStyle/>
+              <a:p>
+                <a:r>
+                  <a:rPr lang="en-US">
+                    <a:noFill/>
+                  </a:rPr>
+                  <a:t> </a:t>
+                </a:r>
+              </a:p>
+            </p:txBody>
+          </p:sp>
+        </mc:Fallback>
+      </mc:AlternateContent>
+      <mc:AlternateContent xmlns:mc="http://schemas.openxmlformats.org/markup-compatibility/2006">
+        <mc:Choice xmlns:a14="http://schemas.microsoft.com/office/drawing/2010/main" Requires="a14">
+          <p:sp>
+            <p:nvSpPr>
+              <p:cNvPr id="39" name="TextBox 38">
+                <a:extLst>
+                  <a:ext uri="{FF2B5EF4-FFF2-40B4-BE49-F238E27FC236}">
+                    <a16:creationId xmlns:a16="http://schemas.microsoft.com/office/drawing/2014/main" id="{F5ADD293-FCD0-671E-FA48-3E730F13C9F3}"/>
+                  </a:ext>
+                </a:extLst>
+              </p:cNvPr>
+              <p:cNvSpPr txBox="1"/>
+              <p:nvPr/>
+            </p:nvSpPr>
+            <p:spPr>
+              <a:xfrm>
+                <a:off x="3434950" y="1192703"/>
+                <a:ext cx="609600" cy="369332"/>
+              </a:xfrm>
+              <a:prstGeom prst="rect">
+                <a:avLst/>
+              </a:prstGeom>
+              <a:noFill/>
+            </p:spPr>
+            <p:txBody>
+              <a:bodyPr wrap="square" rtlCol="0">
+                <a:spAutoFit/>
+              </a:bodyPr>
+              <a:lstStyle/>
+              <a:p>
+                <a:pPr/>
+                <a14:m>
+                  <m:oMathPara xmlns:m="http://schemas.openxmlformats.org/officeDocument/2006/math">
+                    <m:oMathParaPr>
+                      <m:jc m:val="centerGroup"/>
+                    </m:oMathParaPr>
+                    <m:oMath xmlns:m="http://schemas.openxmlformats.org/officeDocument/2006/math">
+                      <m:sSub>
+                        <m:sSubPr>
+                          <m:ctrlPr>
+                            <a:rPr lang="en-US" b="1" i="1" smtClean="0">
+                              <a:latin typeface="Cambria Math" panose="02040503050406030204" pitchFamily="18" charset="0"/>
+                            </a:rPr>
+                          </m:ctrlPr>
+                        </m:sSubPr>
+                        <m:e>
+                          <m:r>
+                            <a:rPr lang="en-US" b="1" i="1" smtClean="0">
+                              <a:latin typeface="Cambria Math" panose="02040503050406030204" pitchFamily="18" charset="0"/>
+                            </a:rPr>
+                            <m:t>𝑰</m:t>
+                          </m:r>
+                        </m:e>
+                        <m:sub>
+                          <m:r>
+                            <a:rPr lang="en-US" b="1" i="1" smtClean="0">
+                              <a:latin typeface="Cambria Math" panose="02040503050406030204" pitchFamily="18" charset="0"/>
+                            </a:rPr>
+                            <m:t>𝟐</m:t>
+                          </m:r>
+                        </m:sub>
+                      </m:sSub>
+                    </m:oMath>
+                  </m:oMathPara>
+                </a14:m>
+                <a:endParaRPr lang="en-US" b="1" dirty="0"/>
+              </a:p>
+            </p:txBody>
+          </p:sp>
+        </mc:Choice>
+        <mc:Fallback>
+          <p:sp>
+            <p:nvSpPr>
+              <p:cNvPr id="39" name="TextBox 38">
+                <a:extLst>
+                  <a:ext uri="{FF2B5EF4-FFF2-40B4-BE49-F238E27FC236}">
+                    <a16:creationId xmlns:a16="http://schemas.microsoft.com/office/drawing/2014/main" id="{F5ADD293-FCD0-671E-FA48-3E730F13C9F3}"/>
+                  </a:ext>
+                </a:extLst>
+              </p:cNvPr>
+              <p:cNvSpPr txBox="1">
+                <a:spLocks noRot="1" noChangeAspect="1" noMove="1" noResize="1" noEditPoints="1" noAdjustHandles="1" noChangeArrowheads="1" noChangeShapeType="1" noTextEdit="1"/>
+              </p:cNvSpPr>
+              <p:nvPr/>
+            </p:nvSpPr>
+            <p:spPr>
+              <a:xfrm>
+                <a:off x="3434950" y="1192703"/>
+                <a:ext cx="609600" cy="369332"/>
+              </a:xfrm>
+              <a:prstGeom prst="rect">
+                <a:avLst/>
+              </a:prstGeom>
+              <a:blipFill>
+                <a:blip r:embed="rId3"/>
+                <a:stretch>
+                  <a:fillRect/>
+                </a:stretch>
+              </a:blipFill>
+            </p:spPr>
+            <p:txBody>
+              <a:bodyPr/>
+              <a:lstStyle/>
+              <a:p>
+                <a:r>
+                  <a:rPr lang="en-US">
+                    <a:noFill/>
+                  </a:rPr>
+                  <a:t> </a:t>
+                </a:r>
+              </a:p>
+            </p:txBody>
+          </p:sp>
+        </mc:Fallback>
+      </mc:AlternateContent>
+      <mc:AlternateContent xmlns:mc="http://schemas.openxmlformats.org/markup-compatibility/2006">
+        <mc:Choice xmlns:a14="http://schemas.microsoft.com/office/drawing/2010/main" Requires="a14">
+          <p:sp>
+            <p:nvSpPr>
+              <p:cNvPr id="40" name="TextBox 39">
+                <a:extLst>
+                  <a:ext uri="{FF2B5EF4-FFF2-40B4-BE49-F238E27FC236}">
+                    <a16:creationId xmlns:a16="http://schemas.microsoft.com/office/drawing/2014/main" id="{7DF464FA-03F5-3AE2-E72B-DD53A9CAB03F}"/>
+                  </a:ext>
+                </a:extLst>
+              </p:cNvPr>
+              <p:cNvSpPr txBox="1"/>
+              <p:nvPr/>
+            </p:nvSpPr>
+            <p:spPr>
+              <a:xfrm>
+                <a:off x="4610031" y="1169443"/>
+                <a:ext cx="609600" cy="369332"/>
+              </a:xfrm>
+              <a:prstGeom prst="rect">
+                <a:avLst/>
+              </a:prstGeom>
+              <a:noFill/>
+            </p:spPr>
+            <p:txBody>
+              <a:bodyPr wrap="square" rtlCol="0">
+                <a:spAutoFit/>
+              </a:bodyPr>
+              <a:lstStyle/>
+              <a:p>
+                <a:pPr/>
+                <a14:m>
+                  <m:oMathPara xmlns:m="http://schemas.openxmlformats.org/officeDocument/2006/math">
+                    <m:oMathParaPr>
+                      <m:jc m:val="centerGroup"/>
+                    </m:oMathParaPr>
+                    <m:oMath xmlns:m="http://schemas.openxmlformats.org/officeDocument/2006/math">
+                      <m:sSub>
+                        <m:sSubPr>
+                          <m:ctrlPr>
+                            <a:rPr lang="en-US" b="1" i="1" smtClean="0">
+                              <a:latin typeface="Cambria Math" panose="02040503050406030204" pitchFamily="18" charset="0"/>
+                            </a:rPr>
+                          </m:ctrlPr>
+                        </m:sSubPr>
+                        <m:e>
+                          <m:r>
+                            <a:rPr lang="en-US" b="1" i="1" smtClean="0">
+                              <a:latin typeface="Cambria Math" panose="02040503050406030204" pitchFamily="18" charset="0"/>
+                            </a:rPr>
+                            <m:t>𝑰</m:t>
+                          </m:r>
+                        </m:e>
+                        <m:sub>
+                          <m:r>
+                            <a:rPr lang="en-US" b="1" i="1" smtClean="0">
+                              <a:latin typeface="Cambria Math" panose="02040503050406030204" pitchFamily="18" charset="0"/>
+                            </a:rPr>
+                            <m:t>𝟑</m:t>
+                          </m:r>
+                        </m:sub>
+                      </m:sSub>
+                    </m:oMath>
+                  </m:oMathPara>
+                </a14:m>
+                <a:endParaRPr lang="en-US" b="1" dirty="0"/>
+              </a:p>
+            </p:txBody>
+          </p:sp>
+        </mc:Choice>
+        <mc:Fallback>
+          <p:sp>
+            <p:nvSpPr>
+              <p:cNvPr id="40" name="TextBox 39">
+                <a:extLst>
+                  <a:ext uri="{FF2B5EF4-FFF2-40B4-BE49-F238E27FC236}">
+                    <a16:creationId xmlns:a16="http://schemas.microsoft.com/office/drawing/2014/main" id="{7DF464FA-03F5-3AE2-E72B-DD53A9CAB03F}"/>
+                  </a:ext>
+                </a:extLst>
+              </p:cNvPr>
+              <p:cNvSpPr txBox="1">
+                <a:spLocks noRot="1" noChangeAspect="1" noMove="1" noResize="1" noEditPoints="1" noAdjustHandles="1" noChangeArrowheads="1" noChangeShapeType="1" noTextEdit="1"/>
+              </p:cNvSpPr>
+              <p:nvPr/>
+            </p:nvSpPr>
+            <p:spPr>
+              <a:xfrm>
+                <a:off x="4610031" y="1169443"/>
+                <a:ext cx="609600" cy="369332"/>
+              </a:xfrm>
+              <a:prstGeom prst="rect">
+                <a:avLst/>
+              </a:prstGeom>
+              <a:blipFill>
+                <a:blip r:embed="rId4"/>
+                <a:stretch>
+                  <a:fillRect/>
+                </a:stretch>
+              </a:blipFill>
+            </p:spPr>
+            <p:txBody>
+              <a:bodyPr/>
+              <a:lstStyle/>
+              <a:p>
+                <a:r>
+                  <a:rPr lang="en-US">
+                    <a:noFill/>
+                  </a:rPr>
+                  <a:t> </a:t>
+                </a:r>
+              </a:p>
+            </p:txBody>
+          </p:sp>
+        </mc:Fallback>
+      </mc:AlternateContent>
+      <p:sp>
+        <p:nvSpPr>
+          <p:cNvPr id="41" name="Freeform 40">
+            <a:extLst>
+              <a:ext uri="{FF2B5EF4-FFF2-40B4-BE49-F238E27FC236}">
+                <a16:creationId xmlns:a16="http://schemas.microsoft.com/office/drawing/2014/main" id="{8D5FDD4D-32FF-631D-4FB8-20E5E045CED6}"/>
+              </a:ext>
+            </a:extLst>
+          </p:cNvPr>
+          <p:cNvSpPr/>
+          <p:nvPr/>
+        </p:nvSpPr>
+        <p:spPr>
+          <a:xfrm>
+            <a:off x="3152209" y="1377369"/>
+            <a:ext cx="4814296" cy="4493934"/>
+          </a:xfrm>
+          <a:custGeom>
+            <a:avLst/>
+            <a:gdLst>
+              <a:gd name="connsiteX0" fmla="*/ 482345 w 4953984"/>
+              <a:gd name="connsiteY0" fmla="*/ 0 h 4538546"/>
+              <a:gd name="connsiteX1" fmla="*/ 415437 w 4953984"/>
+              <a:gd name="connsiteY1" fmla="*/ 2854712 h 4538546"/>
+              <a:gd name="connsiteX2" fmla="*/ 4953984 w 4953984"/>
+              <a:gd name="connsiteY2" fmla="*/ 4538546 h 4538546"/>
+              <a:gd name="connsiteX0" fmla="*/ 482345 w 6277479"/>
+              <a:gd name="connsiteY0" fmla="*/ 0 h 4028920"/>
+              <a:gd name="connsiteX1" fmla="*/ 415437 w 6277479"/>
+              <a:gd name="connsiteY1" fmla="*/ 2854712 h 4028920"/>
+              <a:gd name="connsiteX2" fmla="*/ 6277479 w 6277479"/>
+              <a:gd name="connsiteY2" fmla="*/ 4028920 h 4028920"/>
+              <a:gd name="connsiteX0" fmla="*/ 401809 w 6330506"/>
+              <a:gd name="connsiteY0" fmla="*/ 0 h 4028920"/>
+              <a:gd name="connsiteX1" fmla="*/ 468464 w 6330506"/>
+              <a:gd name="connsiteY1" fmla="*/ 2854712 h 4028920"/>
+              <a:gd name="connsiteX2" fmla="*/ 6330506 w 6330506"/>
+              <a:gd name="connsiteY2" fmla="*/ 4028920 h 4028920"/>
+              <a:gd name="connsiteX0" fmla="*/ 201950 w 6130647"/>
+              <a:gd name="connsiteY0" fmla="*/ 0 h 4028920"/>
+              <a:gd name="connsiteX1" fmla="*/ 268605 w 6130647"/>
+              <a:gd name="connsiteY1" fmla="*/ 2854712 h 4028920"/>
+              <a:gd name="connsiteX2" fmla="*/ 6130647 w 6130647"/>
+              <a:gd name="connsiteY2" fmla="*/ 4028920 h 4028920"/>
+              <a:gd name="connsiteX0" fmla="*/ 448901 w 6377598"/>
+              <a:gd name="connsiteY0" fmla="*/ 0 h 4028920"/>
+              <a:gd name="connsiteX1" fmla="*/ 515556 w 6377598"/>
+              <a:gd name="connsiteY1" fmla="*/ 2854712 h 4028920"/>
+              <a:gd name="connsiteX2" fmla="*/ 6377598 w 6377598"/>
+              <a:gd name="connsiteY2" fmla="*/ 4028920 h 4028920"/>
+              <a:gd name="connsiteX0" fmla="*/ 384520 w 6446781"/>
+              <a:gd name="connsiteY0" fmla="*/ 0 h 4057767"/>
+              <a:gd name="connsiteX1" fmla="*/ 584739 w 6446781"/>
+              <a:gd name="connsiteY1" fmla="*/ 2883559 h 4057767"/>
+              <a:gd name="connsiteX2" fmla="*/ 6446781 w 6446781"/>
+              <a:gd name="connsiteY2" fmla="*/ 4057767 h 4057767"/>
+              <a:gd name="connsiteX0" fmla="*/ 295341 w 6357602"/>
+              <a:gd name="connsiteY0" fmla="*/ 0 h 4057767"/>
+              <a:gd name="connsiteX1" fmla="*/ 495560 w 6357602"/>
+              <a:gd name="connsiteY1" fmla="*/ 2883559 h 4057767"/>
+              <a:gd name="connsiteX2" fmla="*/ 6357602 w 6357602"/>
+              <a:gd name="connsiteY2" fmla="*/ 4057767 h 4057767"/>
+              <a:gd name="connsiteX0" fmla="*/ 205033 w 6267294"/>
+              <a:gd name="connsiteY0" fmla="*/ 0 h 4057767"/>
+              <a:gd name="connsiteX1" fmla="*/ 611668 w 6267294"/>
+              <a:gd name="connsiteY1" fmla="*/ 3200874 h 4057767"/>
+              <a:gd name="connsiteX2" fmla="*/ 6267294 w 6267294"/>
+              <a:gd name="connsiteY2" fmla="*/ 4057767 h 4057767"/>
+              <a:gd name="connsiteX0" fmla="*/ 369782 w 6432043"/>
+              <a:gd name="connsiteY0" fmla="*/ 0 h 4057767"/>
+              <a:gd name="connsiteX1" fmla="*/ 436437 w 6432043"/>
+              <a:gd name="connsiteY1" fmla="*/ 2922022 h 4057767"/>
+              <a:gd name="connsiteX2" fmla="*/ 6432043 w 6432043"/>
+              <a:gd name="connsiteY2" fmla="*/ 4057767 h 4057767"/>
+              <a:gd name="connsiteX0" fmla="*/ 369782 w 4197886"/>
+              <a:gd name="connsiteY0" fmla="*/ 0 h 4125076"/>
+              <a:gd name="connsiteX1" fmla="*/ 436437 w 4197886"/>
+              <a:gd name="connsiteY1" fmla="*/ 2922022 h 4125076"/>
+              <a:gd name="connsiteX2" fmla="*/ 4197886 w 4197886"/>
+              <a:gd name="connsiteY2" fmla="*/ 4125076 h 4125076"/>
+              <a:gd name="connsiteX0" fmla="*/ 369782 w 5059980"/>
+              <a:gd name="connsiteY0" fmla="*/ 0 h 4153922"/>
+              <a:gd name="connsiteX1" fmla="*/ 436437 w 5059980"/>
+              <a:gd name="connsiteY1" fmla="*/ 2922022 h 4153922"/>
+              <a:gd name="connsiteX2" fmla="*/ 5059980 w 5059980"/>
+              <a:gd name="connsiteY2" fmla="*/ 4153922 h 4153922"/>
+              <a:gd name="connsiteX0" fmla="*/ 369782 w 5157118"/>
+              <a:gd name="connsiteY0" fmla="*/ 0 h 4125075"/>
+              <a:gd name="connsiteX1" fmla="*/ 436437 w 5157118"/>
+              <a:gd name="connsiteY1" fmla="*/ 2922022 h 4125075"/>
+              <a:gd name="connsiteX2" fmla="*/ 5157118 w 5157118"/>
+              <a:gd name="connsiteY2" fmla="*/ 4125075 h 4125075"/>
+              <a:gd name="connsiteX0" fmla="*/ 369782 w 5157118"/>
+              <a:gd name="connsiteY0" fmla="*/ 0 h 4125075"/>
+              <a:gd name="connsiteX1" fmla="*/ 436437 w 5157118"/>
+              <a:gd name="connsiteY1" fmla="*/ 2922022 h 4125075"/>
+              <a:gd name="connsiteX2" fmla="*/ 5157118 w 5157118"/>
+              <a:gd name="connsiteY2" fmla="*/ 4125075 h 4125075"/>
+              <a:gd name="connsiteX0" fmla="*/ 369782 w 5217829"/>
+              <a:gd name="connsiteY0" fmla="*/ 0 h 4009688"/>
+              <a:gd name="connsiteX1" fmla="*/ 436437 w 5217829"/>
+              <a:gd name="connsiteY1" fmla="*/ 2922022 h 4009688"/>
+              <a:gd name="connsiteX2" fmla="*/ 5217829 w 5217829"/>
+              <a:gd name="connsiteY2" fmla="*/ 4009688 h 4009688"/>
+              <a:gd name="connsiteX0" fmla="*/ 369782 w 5242113"/>
+              <a:gd name="connsiteY0" fmla="*/ 0 h 3875070"/>
+              <a:gd name="connsiteX1" fmla="*/ 436437 w 5242113"/>
+              <a:gd name="connsiteY1" fmla="*/ 2922022 h 3875070"/>
+              <a:gd name="connsiteX2" fmla="*/ 5242113 w 5242113"/>
+              <a:gd name="connsiteY2" fmla="*/ 3875070 h 3875070"/>
+            </a:gdLst>
+            <a:ahLst/>
+            <a:cxnLst>
+              <a:cxn ang="0">
+                <a:pos x="connsiteX0" y="connsiteY0"/>
+              </a:cxn>
+              <a:cxn ang="0">
+                <a:pos x="connsiteX1" y="connsiteY1"/>
+              </a:cxn>
+              <a:cxn ang="0">
+                <a:pos x="connsiteX2" y="connsiteY2"/>
+              </a:cxn>
+            </a:cxnLst>
+            <a:rect l="l" t="t" r="r" b="b"/>
+            <a:pathLst>
+              <a:path w="5242113" h="3875070">
+                <a:moveTo>
+                  <a:pt x="369782" y="0"/>
+                </a:moveTo>
+                <a:cubicBezTo>
+                  <a:pt x="60826" y="1404921"/>
+                  <a:pt x="-308836" y="2165598"/>
+                  <a:pt x="436437" y="2922022"/>
+                </a:cubicBezTo>
+                <a:cubicBezTo>
+                  <a:pt x="1181710" y="3678446"/>
+                  <a:pt x="4703758" y="3816077"/>
+                  <a:pt x="5242113" y="3875070"/>
+                </a:cubicBezTo>
+              </a:path>
+            </a:pathLst>
+          </a:custGeom>
+          <a:noFill/>
+          <a:ln w="38100"/>
+        </p:spPr>
+        <p:style>
+          <a:lnRef idx="2">
+            <a:schemeClr val="accent1">
+              <a:shade val="15000"/>
+            </a:schemeClr>
+          </a:lnRef>
+          <a:fillRef idx="1">
+            <a:schemeClr val="accent1"/>
+          </a:fillRef>
+          <a:effectRef idx="0">
+            <a:schemeClr val="accent1"/>
+          </a:effectRef>
+          <a:fontRef idx="minor">
+            <a:schemeClr val="lt1"/>
+          </a:fontRef>
+        </p:style>
+        <p:txBody>
+          <a:bodyPr rtlCol="0" anchor="ctr"/>
+          <a:lstStyle/>
+          <a:p>
+            <a:pPr algn="ctr"/>
+            <a:endParaRPr lang="en-US"/>
+          </a:p>
+        </p:txBody>
+      </p:sp>
+      <p:sp>
+        <p:nvSpPr>
+          <p:cNvPr id="42" name="Freeform 41">
+            <a:extLst>
+              <a:ext uri="{FF2B5EF4-FFF2-40B4-BE49-F238E27FC236}">
+                <a16:creationId xmlns:a16="http://schemas.microsoft.com/office/drawing/2014/main" id="{3D20A22A-DB4D-53C2-89BD-7CE9C2E93AA8}"/>
+              </a:ext>
+            </a:extLst>
+          </p:cNvPr>
+          <p:cNvSpPr/>
+          <p:nvPr/>
+        </p:nvSpPr>
+        <p:spPr>
+          <a:xfrm>
+            <a:off x="4327290" y="1349854"/>
+            <a:ext cx="4814296" cy="4493934"/>
+          </a:xfrm>
+          <a:custGeom>
+            <a:avLst/>
+            <a:gdLst>
+              <a:gd name="connsiteX0" fmla="*/ 482345 w 4953984"/>
+              <a:gd name="connsiteY0" fmla="*/ 0 h 4538546"/>
+              <a:gd name="connsiteX1" fmla="*/ 415437 w 4953984"/>
+              <a:gd name="connsiteY1" fmla="*/ 2854712 h 4538546"/>
+              <a:gd name="connsiteX2" fmla="*/ 4953984 w 4953984"/>
+              <a:gd name="connsiteY2" fmla="*/ 4538546 h 4538546"/>
+              <a:gd name="connsiteX0" fmla="*/ 482345 w 6277479"/>
+              <a:gd name="connsiteY0" fmla="*/ 0 h 4028920"/>
+              <a:gd name="connsiteX1" fmla="*/ 415437 w 6277479"/>
+              <a:gd name="connsiteY1" fmla="*/ 2854712 h 4028920"/>
+              <a:gd name="connsiteX2" fmla="*/ 6277479 w 6277479"/>
+              <a:gd name="connsiteY2" fmla="*/ 4028920 h 4028920"/>
+              <a:gd name="connsiteX0" fmla="*/ 401809 w 6330506"/>
+              <a:gd name="connsiteY0" fmla="*/ 0 h 4028920"/>
+              <a:gd name="connsiteX1" fmla="*/ 468464 w 6330506"/>
+              <a:gd name="connsiteY1" fmla="*/ 2854712 h 4028920"/>
+              <a:gd name="connsiteX2" fmla="*/ 6330506 w 6330506"/>
+              <a:gd name="connsiteY2" fmla="*/ 4028920 h 4028920"/>
+              <a:gd name="connsiteX0" fmla="*/ 201950 w 6130647"/>
+              <a:gd name="connsiteY0" fmla="*/ 0 h 4028920"/>
+              <a:gd name="connsiteX1" fmla="*/ 268605 w 6130647"/>
+              <a:gd name="connsiteY1" fmla="*/ 2854712 h 4028920"/>
+              <a:gd name="connsiteX2" fmla="*/ 6130647 w 6130647"/>
+              <a:gd name="connsiteY2" fmla="*/ 4028920 h 4028920"/>
+              <a:gd name="connsiteX0" fmla="*/ 448901 w 6377598"/>
+              <a:gd name="connsiteY0" fmla="*/ 0 h 4028920"/>
+              <a:gd name="connsiteX1" fmla="*/ 515556 w 6377598"/>
+              <a:gd name="connsiteY1" fmla="*/ 2854712 h 4028920"/>
+              <a:gd name="connsiteX2" fmla="*/ 6377598 w 6377598"/>
+              <a:gd name="connsiteY2" fmla="*/ 4028920 h 4028920"/>
+              <a:gd name="connsiteX0" fmla="*/ 384520 w 6446781"/>
+              <a:gd name="connsiteY0" fmla="*/ 0 h 4057767"/>
+              <a:gd name="connsiteX1" fmla="*/ 584739 w 6446781"/>
+              <a:gd name="connsiteY1" fmla="*/ 2883559 h 4057767"/>
+              <a:gd name="connsiteX2" fmla="*/ 6446781 w 6446781"/>
+              <a:gd name="connsiteY2" fmla="*/ 4057767 h 4057767"/>
+              <a:gd name="connsiteX0" fmla="*/ 295341 w 6357602"/>
+              <a:gd name="connsiteY0" fmla="*/ 0 h 4057767"/>
+              <a:gd name="connsiteX1" fmla="*/ 495560 w 6357602"/>
+              <a:gd name="connsiteY1" fmla="*/ 2883559 h 4057767"/>
+              <a:gd name="connsiteX2" fmla="*/ 6357602 w 6357602"/>
+              <a:gd name="connsiteY2" fmla="*/ 4057767 h 4057767"/>
+              <a:gd name="connsiteX0" fmla="*/ 205033 w 6267294"/>
+              <a:gd name="connsiteY0" fmla="*/ 0 h 4057767"/>
+              <a:gd name="connsiteX1" fmla="*/ 611668 w 6267294"/>
+              <a:gd name="connsiteY1" fmla="*/ 3200874 h 4057767"/>
+              <a:gd name="connsiteX2" fmla="*/ 6267294 w 6267294"/>
+              <a:gd name="connsiteY2" fmla="*/ 4057767 h 4057767"/>
+              <a:gd name="connsiteX0" fmla="*/ 369782 w 6432043"/>
+              <a:gd name="connsiteY0" fmla="*/ 0 h 4057767"/>
+              <a:gd name="connsiteX1" fmla="*/ 436437 w 6432043"/>
+              <a:gd name="connsiteY1" fmla="*/ 2922022 h 4057767"/>
+              <a:gd name="connsiteX2" fmla="*/ 6432043 w 6432043"/>
+              <a:gd name="connsiteY2" fmla="*/ 4057767 h 4057767"/>
+              <a:gd name="connsiteX0" fmla="*/ 369782 w 4197886"/>
+              <a:gd name="connsiteY0" fmla="*/ 0 h 4125076"/>
+              <a:gd name="connsiteX1" fmla="*/ 436437 w 4197886"/>
+              <a:gd name="connsiteY1" fmla="*/ 2922022 h 4125076"/>
+              <a:gd name="connsiteX2" fmla="*/ 4197886 w 4197886"/>
+              <a:gd name="connsiteY2" fmla="*/ 4125076 h 4125076"/>
+              <a:gd name="connsiteX0" fmla="*/ 369782 w 5059980"/>
+              <a:gd name="connsiteY0" fmla="*/ 0 h 4153922"/>
+              <a:gd name="connsiteX1" fmla="*/ 436437 w 5059980"/>
+              <a:gd name="connsiteY1" fmla="*/ 2922022 h 4153922"/>
+              <a:gd name="connsiteX2" fmla="*/ 5059980 w 5059980"/>
+              <a:gd name="connsiteY2" fmla="*/ 4153922 h 4153922"/>
+              <a:gd name="connsiteX0" fmla="*/ 369782 w 5157118"/>
+              <a:gd name="connsiteY0" fmla="*/ 0 h 4125075"/>
+              <a:gd name="connsiteX1" fmla="*/ 436437 w 5157118"/>
+              <a:gd name="connsiteY1" fmla="*/ 2922022 h 4125075"/>
+              <a:gd name="connsiteX2" fmla="*/ 5157118 w 5157118"/>
+              <a:gd name="connsiteY2" fmla="*/ 4125075 h 4125075"/>
+              <a:gd name="connsiteX0" fmla="*/ 369782 w 5157118"/>
+              <a:gd name="connsiteY0" fmla="*/ 0 h 4125075"/>
+              <a:gd name="connsiteX1" fmla="*/ 436437 w 5157118"/>
+              <a:gd name="connsiteY1" fmla="*/ 2922022 h 4125075"/>
+              <a:gd name="connsiteX2" fmla="*/ 5157118 w 5157118"/>
+              <a:gd name="connsiteY2" fmla="*/ 4125075 h 4125075"/>
+              <a:gd name="connsiteX0" fmla="*/ 369782 w 5217829"/>
+              <a:gd name="connsiteY0" fmla="*/ 0 h 4009688"/>
+              <a:gd name="connsiteX1" fmla="*/ 436437 w 5217829"/>
+              <a:gd name="connsiteY1" fmla="*/ 2922022 h 4009688"/>
+              <a:gd name="connsiteX2" fmla="*/ 5217829 w 5217829"/>
+              <a:gd name="connsiteY2" fmla="*/ 4009688 h 4009688"/>
+              <a:gd name="connsiteX0" fmla="*/ 369782 w 5242113"/>
+              <a:gd name="connsiteY0" fmla="*/ 0 h 3875070"/>
+              <a:gd name="connsiteX1" fmla="*/ 436437 w 5242113"/>
+              <a:gd name="connsiteY1" fmla="*/ 2922022 h 3875070"/>
+              <a:gd name="connsiteX2" fmla="*/ 5242113 w 5242113"/>
+              <a:gd name="connsiteY2" fmla="*/ 3875070 h 3875070"/>
+            </a:gdLst>
+            <a:ahLst/>
+            <a:cxnLst>
+              <a:cxn ang="0">
+                <a:pos x="connsiteX0" y="connsiteY0"/>
+              </a:cxn>
+              <a:cxn ang="0">
+                <a:pos x="connsiteX1" y="connsiteY1"/>
+              </a:cxn>
+              <a:cxn ang="0">
+                <a:pos x="connsiteX2" y="connsiteY2"/>
+              </a:cxn>
+            </a:cxnLst>
+            <a:rect l="l" t="t" r="r" b="b"/>
+            <a:pathLst>
+              <a:path w="5242113" h="3875070">
+                <a:moveTo>
+                  <a:pt x="369782" y="0"/>
+                </a:moveTo>
+                <a:cubicBezTo>
+                  <a:pt x="60826" y="1404921"/>
+                  <a:pt x="-308836" y="2165598"/>
+                  <a:pt x="436437" y="2922022"/>
+                </a:cubicBezTo>
+                <a:cubicBezTo>
+                  <a:pt x="1181710" y="3678446"/>
+                  <a:pt x="4703758" y="3816077"/>
+                  <a:pt x="5242113" y="3875070"/>
+                </a:cubicBezTo>
+              </a:path>
+            </a:pathLst>
+          </a:custGeom>
+          <a:noFill/>
+          <a:ln w="38100"/>
+        </p:spPr>
+        <p:style>
+          <a:lnRef idx="2">
+            <a:schemeClr val="accent1">
+              <a:shade val="15000"/>
+            </a:schemeClr>
+          </a:lnRef>
+          <a:fillRef idx="1">
+            <a:schemeClr val="accent1"/>
+          </a:fillRef>
+          <a:effectRef idx="0">
+            <a:schemeClr val="accent1"/>
+          </a:effectRef>
+          <a:fontRef idx="minor">
+            <a:schemeClr val="lt1"/>
+          </a:fontRef>
+        </p:style>
+        <p:txBody>
+          <a:bodyPr rtlCol="0" anchor="ctr"/>
+          <a:lstStyle/>
+          <a:p>
+            <a:pPr algn="ctr"/>
+            <a:endParaRPr lang="en-US"/>
+          </a:p>
+        </p:txBody>
+      </p:sp>
+    </p:spTree>
+    <p:extLst>
+      <p:ext uri="{BB962C8B-B14F-4D97-AF65-F5344CB8AC3E}">
+        <p14:creationId xmlns:p14="http://schemas.microsoft.com/office/powerpoint/2010/main" val="2609541716"/>
+      </p:ext>
+    </p:extLst>
+  </p:cSld>
+  <p:clrMapOvr>
+    <a:masterClrMapping/>
+  </p:clrMapOvr>
+</p:sld>
+</file>
+
+<file path=ppt/slides/slide15.xml><?xml version="1.0" encoding="utf-8"?>
+<p:sld xmlns:a="http://schemas.openxmlformats.org/drawingml/2006/main" xmlns:r="http://schemas.openxmlformats.org/officeDocument/2006/relationships" xmlns:p="http://schemas.openxmlformats.org/presentationml/2006/main">
+  <p:cSld>
+    <p:spTree>
+      <p:nvGrpSpPr>
+        <p:cNvPr id="1" name=""/>
+        <p:cNvGrpSpPr/>
+        <p:nvPr/>
+      </p:nvGrpSpPr>
+      <p:grpSpPr>
+        <a:xfrm>
+          <a:off x="0" y="0"/>
+          <a:ext cx="0" cy="0"/>
+          <a:chOff x="0" y="0"/>
+          <a:chExt cx="0" cy="0"/>
+        </a:xfrm>
+      </p:grpSpPr>
+      <p:grpSp>
+        <p:nvGrpSpPr>
+          <p:cNvPr id="4" name="Group 3">
+            <a:extLst>
+              <a:ext uri="{FF2B5EF4-FFF2-40B4-BE49-F238E27FC236}">
+                <a16:creationId xmlns:a16="http://schemas.microsoft.com/office/drawing/2014/main" id="{3110E07F-B658-E259-32B0-26037B814A99}"/>
+              </a:ext>
+            </a:extLst>
+          </p:cNvPr>
+          <p:cNvGrpSpPr/>
+          <p:nvPr/>
+        </p:nvGrpSpPr>
+        <p:grpSpPr>
+          <a:xfrm>
+            <a:off x="1297684" y="804672"/>
+            <a:ext cx="9089136" cy="5189854"/>
+            <a:chOff x="1297684" y="804672"/>
+            <a:chExt cx="9089136" cy="5102352"/>
+          </a:xfrm>
+        </p:grpSpPr>
+        <p:cxnSp>
+          <p:nvCxnSpPr>
+            <p:cNvPr id="5" name="Straight Connector 4">
+              <a:extLst>
+                <a:ext uri="{FF2B5EF4-FFF2-40B4-BE49-F238E27FC236}">
+                  <a16:creationId xmlns:a16="http://schemas.microsoft.com/office/drawing/2014/main" id="{167BA7BB-D0E9-0E64-785C-40C075DD603E}"/>
+                </a:ext>
+              </a:extLst>
+            </p:cNvPr>
+            <p:cNvCxnSpPr/>
+            <p:nvPr/>
+          </p:nvCxnSpPr>
+          <p:spPr>
+            <a:xfrm>
+              <a:off x="1316736" y="804672"/>
+              <a:ext cx="0" cy="5102352"/>
+            </a:xfrm>
+            <a:prstGeom prst="line">
+              <a:avLst/>
+            </a:prstGeom>
+            <a:ln w="57150">
+              <a:solidFill>
+                <a:schemeClr val="tx1"/>
+              </a:solidFill>
+            </a:ln>
+          </p:spPr>
+          <p:style>
+            <a:lnRef idx="2">
+              <a:schemeClr val="accent1"/>
+            </a:lnRef>
+            <a:fillRef idx="0">
+              <a:schemeClr val="accent1"/>
+            </a:fillRef>
+            <a:effectRef idx="1">
+              <a:schemeClr val="accent1"/>
+            </a:effectRef>
+            <a:fontRef idx="minor">
+              <a:schemeClr val="tx1"/>
+            </a:fontRef>
+          </p:style>
+        </p:cxnSp>
+        <p:cxnSp>
+          <p:nvCxnSpPr>
+            <p:cNvPr id="6" name="Straight Connector 5">
+              <a:extLst>
+                <a:ext uri="{FF2B5EF4-FFF2-40B4-BE49-F238E27FC236}">
+                  <a16:creationId xmlns:a16="http://schemas.microsoft.com/office/drawing/2014/main" id="{6F061707-38A2-9AC4-D030-05ACE530F640}"/>
+                </a:ext>
+              </a:extLst>
+            </p:cNvPr>
+            <p:cNvCxnSpPr>
+              <a:cxnSpLocks/>
+            </p:cNvCxnSpPr>
+            <p:nvPr/>
+          </p:nvCxnSpPr>
+          <p:spPr>
+            <a:xfrm flipH="1">
+              <a:off x="1297684" y="5879972"/>
+              <a:ext cx="9089136" cy="0"/>
+            </a:xfrm>
+            <a:prstGeom prst="line">
+              <a:avLst/>
+            </a:prstGeom>
+            <a:ln w="57150">
+              <a:solidFill>
+                <a:schemeClr val="tx1"/>
+              </a:solidFill>
+            </a:ln>
+          </p:spPr>
+          <p:style>
+            <a:lnRef idx="2">
+              <a:schemeClr val="accent1"/>
+            </a:lnRef>
+            <a:fillRef idx="0">
+              <a:schemeClr val="accent1"/>
+            </a:fillRef>
+            <a:effectRef idx="1">
+              <a:schemeClr val="accent1"/>
+            </a:effectRef>
+            <a:fontRef idx="minor">
+              <a:schemeClr val="tx1"/>
+            </a:fontRef>
+          </p:style>
+        </p:cxnSp>
+      </p:grpSp>
+      <p:sp>
+        <p:nvSpPr>
+          <p:cNvPr id="7" name="TextBox 6">
+            <a:extLst>
+              <a:ext uri="{FF2B5EF4-FFF2-40B4-BE49-F238E27FC236}">
+                <a16:creationId xmlns:a16="http://schemas.microsoft.com/office/drawing/2014/main" id="{CE00D236-7F96-2C9E-7FD2-12F6A47BA69F}"/>
+              </a:ext>
+            </a:extLst>
+          </p:cNvPr>
+          <p:cNvSpPr txBox="1"/>
+          <p:nvPr/>
+        </p:nvSpPr>
+        <p:spPr>
+          <a:xfrm rot="16200000">
+            <a:off x="79097" y="1362973"/>
+            <a:ext cx="1639821" cy="523220"/>
+          </a:xfrm>
+          <a:prstGeom prst="rect">
+            <a:avLst/>
+          </a:prstGeom>
+          <a:noFill/>
+        </p:spPr>
+        <p:txBody>
+          <a:bodyPr wrap="square" rtlCol="0">
+            <a:spAutoFit/>
+          </a:bodyPr>
+          <a:lstStyle/>
+          <a:p>
+            <a:r>
+              <a:rPr lang="en-US" sz="2800" b="1" dirty="0"/>
+              <a:t>Children</a:t>
+            </a:r>
+          </a:p>
+        </p:txBody>
+      </p:sp>
+      <p:sp>
+        <p:nvSpPr>
+          <p:cNvPr id="8" name="TextBox 7">
+            <a:extLst>
+              <a:ext uri="{FF2B5EF4-FFF2-40B4-BE49-F238E27FC236}">
+                <a16:creationId xmlns:a16="http://schemas.microsoft.com/office/drawing/2014/main" id="{DCEC1822-0A24-63E4-56A5-0734D3FF08FF}"/>
+              </a:ext>
+            </a:extLst>
+          </p:cNvPr>
+          <p:cNvSpPr txBox="1"/>
+          <p:nvPr/>
+        </p:nvSpPr>
+        <p:spPr>
+          <a:xfrm>
+            <a:off x="9309741" y="5994526"/>
+            <a:ext cx="1077079" cy="523220"/>
+          </a:xfrm>
+          <a:prstGeom prst="rect">
+            <a:avLst/>
+          </a:prstGeom>
+          <a:noFill/>
+        </p:spPr>
+        <p:txBody>
+          <a:bodyPr wrap="square" rtlCol="0">
+            <a:spAutoFit/>
+          </a:bodyPr>
+          <a:lstStyle/>
+          <a:p>
+            <a:r>
+              <a:rPr lang="en-US" sz="2800" b="1" dirty="0"/>
+              <a:t>Food</a:t>
+            </a:r>
+          </a:p>
+        </p:txBody>
+      </p:sp>
+      <p:cxnSp>
+        <p:nvCxnSpPr>
+          <p:cNvPr id="18" name="Straight Connector 17">
+            <a:extLst>
+              <a:ext uri="{FF2B5EF4-FFF2-40B4-BE49-F238E27FC236}">
+                <a16:creationId xmlns:a16="http://schemas.microsoft.com/office/drawing/2014/main" id="{4798C55B-95A6-956D-A3A4-5A8D00D50CC8}"/>
+              </a:ext>
+            </a:extLst>
+          </p:cNvPr>
+          <p:cNvCxnSpPr>
+            <a:cxnSpLocks/>
+          </p:cNvCxnSpPr>
+          <p:nvPr/>
+        </p:nvCxnSpPr>
+        <p:spPr>
+          <a:xfrm>
+            <a:off x="1297684" y="3429000"/>
+            <a:ext cx="1635087" cy="2559700"/>
+          </a:xfrm>
+          <a:prstGeom prst="line">
+            <a:avLst/>
+          </a:prstGeom>
+          <a:ln w="57150"/>
+        </p:spPr>
+        <p:style>
+          <a:lnRef idx="2">
+            <a:schemeClr val="accent1"/>
+          </a:lnRef>
+          <a:fillRef idx="0">
+            <a:schemeClr val="accent1"/>
+          </a:fillRef>
+          <a:effectRef idx="1">
+            <a:schemeClr val="accent1"/>
+          </a:effectRef>
+          <a:fontRef idx="minor">
+            <a:schemeClr val="tx1"/>
+          </a:fontRef>
+        </p:style>
+      </p:cxnSp>
+      <mc:AlternateContent xmlns:mc="http://schemas.openxmlformats.org/markup-compatibility/2006">
+        <mc:Choice xmlns:a14="http://schemas.microsoft.com/office/drawing/2010/main" Requires="a14">
+          <p:sp>
+            <p:nvSpPr>
+              <p:cNvPr id="19" name="TextBox 18">
+                <a:extLst>
+                  <a:ext uri="{FF2B5EF4-FFF2-40B4-BE49-F238E27FC236}">
+                    <a16:creationId xmlns:a16="http://schemas.microsoft.com/office/drawing/2014/main" id="{721EBCE5-9ECB-11B2-2AB7-308F19EF6BE2}"/>
+                  </a:ext>
+                </a:extLst>
+              </p:cNvPr>
+              <p:cNvSpPr txBox="1"/>
+              <p:nvPr/>
+            </p:nvSpPr>
+            <p:spPr>
+              <a:xfrm>
+                <a:off x="2627971" y="5988700"/>
+                <a:ext cx="609600" cy="369332"/>
+              </a:xfrm>
+              <a:prstGeom prst="rect">
+                <a:avLst/>
+              </a:prstGeom>
+              <a:noFill/>
+            </p:spPr>
+            <p:txBody>
+              <a:bodyPr wrap="square" rtlCol="0">
+                <a:spAutoFit/>
+              </a:bodyPr>
+              <a:lstStyle/>
+              <a:p>
+                <a:pPr/>
+                <a14:m>
+                  <m:oMathPara xmlns:m="http://schemas.openxmlformats.org/officeDocument/2006/math">
+                    <m:oMathParaPr>
+                      <m:jc m:val="centerGroup"/>
+                    </m:oMathParaPr>
+                    <m:oMath xmlns:m="http://schemas.openxmlformats.org/officeDocument/2006/math">
+                      <m:r>
+                        <a:rPr lang="en-US" b="1" i="1" smtClean="0">
+                          <a:latin typeface="Cambria Math" panose="02040503050406030204" pitchFamily="18" charset="0"/>
+                        </a:rPr>
+                        <m:t>𝟔</m:t>
+                      </m:r>
+                    </m:oMath>
+                  </m:oMathPara>
+                </a14:m>
+                <a:endParaRPr lang="en-US" b="1" dirty="0"/>
+              </a:p>
+            </p:txBody>
+          </p:sp>
+        </mc:Choice>
+        <mc:Fallback>
+          <p:sp>
+            <p:nvSpPr>
+              <p:cNvPr id="19" name="TextBox 18">
+                <a:extLst>
+                  <a:ext uri="{FF2B5EF4-FFF2-40B4-BE49-F238E27FC236}">
+                    <a16:creationId xmlns:a16="http://schemas.microsoft.com/office/drawing/2014/main" id="{721EBCE5-9ECB-11B2-2AB7-308F19EF6BE2}"/>
+                  </a:ext>
+                </a:extLst>
+              </p:cNvPr>
+              <p:cNvSpPr txBox="1">
+                <a:spLocks noRot="1" noChangeAspect="1" noMove="1" noResize="1" noEditPoints="1" noAdjustHandles="1" noChangeArrowheads="1" noChangeShapeType="1" noTextEdit="1"/>
+              </p:cNvSpPr>
+              <p:nvPr/>
+            </p:nvSpPr>
+            <p:spPr>
+              <a:xfrm>
+                <a:off x="2627971" y="5988700"/>
+                <a:ext cx="609600" cy="369332"/>
+              </a:xfrm>
+              <a:prstGeom prst="rect">
+                <a:avLst/>
+              </a:prstGeom>
+              <a:blipFill>
+                <a:blip r:embed="rId2"/>
+                <a:stretch>
+                  <a:fillRect/>
+                </a:stretch>
+              </a:blipFill>
+            </p:spPr>
+            <p:txBody>
+              <a:bodyPr/>
+              <a:lstStyle/>
+              <a:p>
+                <a:r>
+                  <a:rPr lang="en-US">
+                    <a:noFill/>
+                  </a:rPr>
+                  <a:t> </a:t>
+                </a:r>
+              </a:p>
+            </p:txBody>
+          </p:sp>
+        </mc:Fallback>
+      </mc:AlternateContent>
+      <mc:AlternateContent xmlns:mc="http://schemas.openxmlformats.org/markup-compatibility/2006">
+        <mc:Choice xmlns:a14="http://schemas.microsoft.com/office/drawing/2010/main" Requires="a14">
+          <p:sp>
+            <p:nvSpPr>
+              <p:cNvPr id="20" name="TextBox 19">
+                <a:extLst>
+                  <a:ext uri="{FF2B5EF4-FFF2-40B4-BE49-F238E27FC236}">
+                    <a16:creationId xmlns:a16="http://schemas.microsoft.com/office/drawing/2014/main" id="{CD94B9DB-8113-FE55-AD7C-0A0A9B0BA5AF}"/>
+                  </a:ext>
+                </a:extLst>
+              </p:cNvPr>
+              <p:cNvSpPr txBox="1"/>
+              <p:nvPr/>
+            </p:nvSpPr>
+            <p:spPr>
+              <a:xfrm>
+                <a:off x="849430" y="3238508"/>
+                <a:ext cx="609600" cy="369332"/>
+              </a:xfrm>
+              <a:prstGeom prst="rect">
+                <a:avLst/>
+              </a:prstGeom>
+              <a:noFill/>
+            </p:spPr>
+            <p:txBody>
+              <a:bodyPr wrap="square" rtlCol="0">
+                <a:spAutoFit/>
+              </a:bodyPr>
+              <a:lstStyle/>
+              <a:p>
+                <a:pPr/>
+                <a14:m>
+                  <m:oMathPara xmlns:m="http://schemas.openxmlformats.org/officeDocument/2006/math">
+                    <m:oMathParaPr>
+                      <m:jc m:val="centerGroup"/>
+                    </m:oMathParaPr>
+                    <m:oMath xmlns:m="http://schemas.openxmlformats.org/officeDocument/2006/math">
+                      <m:r>
+                        <a:rPr lang="en-US" b="1" i="1" smtClean="0">
+                          <a:latin typeface="Cambria Math" panose="02040503050406030204" pitchFamily="18" charset="0"/>
+                        </a:rPr>
+                        <m:t>𝟓</m:t>
+                      </m:r>
+                    </m:oMath>
+                  </m:oMathPara>
+                </a14:m>
+                <a:endParaRPr lang="en-US" b="1" dirty="0"/>
+              </a:p>
+            </p:txBody>
+          </p:sp>
+        </mc:Choice>
+        <mc:Fallback>
+          <p:sp>
+            <p:nvSpPr>
+              <p:cNvPr id="20" name="TextBox 19">
+                <a:extLst>
+                  <a:ext uri="{FF2B5EF4-FFF2-40B4-BE49-F238E27FC236}">
+                    <a16:creationId xmlns:a16="http://schemas.microsoft.com/office/drawing/2014/main" id="{CD94B9DB-8113-FE55-AD7C-0A0A9B0BA5AF}"/>
+                  </a:ext>
+                </a:extLst>
+              </p:cNvPr>
+              <p:cNvSpPr txBox="1">
+                <a:spLocks noRot="1" noChangeAspect="1" noMove="1" noResize="1" noEditPoints="1" noAdjustHandles="1" noChangeArrowheads="1" noChangeShapeType="1" noTextEdit="1"/>
+              </p:cNvSpPr>
+              <p:nvPr/>
+            </p:nvSpPr>
+            <p:spPr>
+              <a:xfrm>
+                <a:off x="849430" y="3238508"/>
+                <a:ext cx="609600" cy="369332"/>
+              </a:xfrm>
+              <a:prstGeom prst="rect">
+                <a:avLst/>
+              </a:prstGeom>
+              <a:blipFill>
+                <a:blip r:embed="rId3"/>
+                <a:stretch>
+                  <a:fillRect/>
+                </a:stretch>
+              </a:blipFill>
+            </p:spPr>
+            <p:txBody>
+              <a:bodyPr/>
+              <a:lstStyle/>
+              <a:p>
+                <a:r>
+                  <a:rPr lang="en-US">
+                    <a:noFill/>
+                  </a:rPr>
+                  <a:t> </a:t>
+                </a:r>
+              </a:p>
+            </p:txBody>
+          </p:sp>
+        </mc:Fallback>
+      </mc:AlternateContent>
+    </p:spTree>
+    <p:extLst>
+      <p:ext uri="{BB962C8B-B14F-4D97-AF65-F5344CB8AC3E}">
+        <p14:creationId xmlns:p14="http://schemas.microsoft.com/office/powerpoint/2010/main" val="984350360"/>
+      </p:ext>
+    </p:extLst>
+  </p:cSld>
+  <p:clrMapOvr>
+    <a:masterClrMapping/>
+  </p:clrMapOvr>
+</p:sld>
+</file>
+
+<file path=ppt/slides/slide16.xml><?xml version="1.0" encoding="utf-8"?>
+<p:sld xmlns:a="http://schemas.openxmlformats.org/drawingml/2006/main" xmlns:r="http://schemas.openxmlformats.org/officeDocument/2006/relationships" xmlns:p="http://schemas.openxmlformats.org/presentationml/2006/main">
+  <p:cSld>
+    <p:spTree>
+      <p:nvGrpSpPr>
+        <p:cNvPr id="1" name="">
+          <a:extLst>
+            <a:ext uri="{FF2B5EF4-FFF2-40B4-BE49-F238E27FC236}">
+              <a16:creationId xmlns:a16="http://schemas.microsoft.com/office/drawing/2014/main" id="{FA948AAF-C1EA-2BC5-4E58-16FC0AFC54AD}"/>
+            </a:ext>
+          </a:extLst>
+        </p:cNvPr>
+        <p:cNvGrpSpPr/>
+        <p:nvPr/>
+      </p:nvGrpSpPr>
+      <p:grpSpPr>
+        <a:xfrm>
+          <a:off x="0" y="0"/>
+          <a:ext cx="0" cy="0"/>
+          <a:chOff x="0" y="0"/>
+          <a:chExt cx="0" cy="0"/>
+        </a:xfrm>
+      </p:grpSpPr>
+      <p:sp>
+        <p:nvSpPr>
+          <p:cNvPr id="31" name="Freeform 30">
+            <a:extLst>
+              <a:ext uri="{FF2B5EF4-FFF2-40B4-BE49-F238E27FC236}">
+                <a16:creationId xmlns:a16="http://schemas.microsoft.com/office/drawing/2014/main" id="{B533CDDB-5E69-D598-2B56-4C6940830D7C}"/>
+              </a:ext>
+            </a:extLst>
+          </p:cNvPr>
+          <p:cNvSpPr/>
+          <p:nvPr/>
+        </p:nvSpPr>
+        <p:spPr>
+          <a:xfrm>
+            <a:off x="1601322" y="1064854"/>
+            <a:ext cx="4736238" cy="4783866"/>
+          </a:xfrm>
+          <a:custGeom>
+            <a:avLst/>
+            <a:gdLst>
+              <a:gd name="connsiteX0" fmla="*/ 482345 w 4953984"/>
+              <a:gd name="connsiteY0" fmla="*/ 0 h 4538546"/>
+              <a:gd name="connsiteX1" fmla="*/ 415437 w 4953984"/>
+              <a:gd name="connsiteY1" fmla="*/ 2854712 h 4538546"/>
+              <a:gd name="connsiteX2" fmla="*/ 4953984 w 4953984"/>
+              <a:gd name="connsiteY2" fmla="*/ 4538546 h 4538546"/>
+              <a:gd name="connsiteX0" fmla="*/ 482345 w 6277479"/>
+              <a:gd name="connsiteY0" fmla="*/ 0 h 4028920"/>
+              <a:gd name="connsiteX1" fmla="*/ 415437 w 6277479"/>
+              <a:gd name="connsiteY1" fmla="*/ 2854712 h 4028920"/>
+              <a:gd name="connsiteX2" fmla="*/ 6277479 w 6277479"/>
+              <a:gd name="connsiteY2" fmla="*/ 4028920 h 4028920"/>
+              <a:gd name="connsiteX0" fmla="*/ 401809 w 6330506"/>
+              <a:gd name="connsiteY0" fmla="*/ 0 h 4028920"/>
+              <a:gd name="connsiteX1" fmla="*/ 468464 w 6330506"/>
+              <a:gd name="connsiteY1" fmla="*/ 2854712 h 4028920"/>
+              <a:gd name="connsiteX2" fmla="*/ 6330506 w 6330506"/>
+              <a:gd name="connsiteY2" fmla="*/ 4028920 h 4028920"/>
+              <a:gd name="connsiteX0" fmla="*/ 201950 w 6130647"/>
+              <a:gd name="connsiteY0" fmla="*/ 0 h 4028920"/>
+              <a:gd name="connsiteX1" fmla="*/ 268605 w 6130647"/>
+              <a:gd name="connsiteY1" fmla="*/ 2854712 h 4028920"/>
+              <a:gd name="connsiteX2" fmla="*/ 6130647 w 6130647"/>
+              <a:gd name="connsiteY2" fmla="*/ 4028920 h 4028920"/>
+              <a:gd name="connsiteX0" fmla="*/ 448901 w 6377598"/>
+              <a:gd name="connsiteY0" fmla="*/ 0 h 4028920"/>
+              <a:gd name="connsiteX1" fmla="*/ 515556 w 6377598"/>
+              <a:gd name="connsiteY1" fmla="*/ 2854712 h 4028920"/>
+              <a:gd name="connsiteX2" fmla="*/ 6377598 w 6377598"/>
+              <a:gd name="connsiteY2" fmla="*/ 4028920 h 4028920"/>
+              <a:gd name="connsiteX0" fmla="*/ 384520 w 6446781"/>
+              <a:gd name="connsiteY0" fmla="*/ 0 h 4057767"/>
+              <a:gd name="connsiteX1" fmla="*/ 584739 w 6446781"/>
+              <a:gd name="connsiteY1" fmla="*/ 2883559 h 4057767"/>
+              <a:gd name="connsiteX2" fmla="*/ 6446781 w 6446781"/>
+              <a:gd name="connsiteY2" fmla="*/ 4057767 h 4057767"/>
+              <a:gd name="connsiteX0" fmla="*/ 295341 w 6357602"/>
+              <a:gd name="connsiteY0" fmla="*/ 0 h 4057767"/>
+              <a:gd name="connsiteX1" fmla="*/ 495560 w 6357602"/>
+              <a:gd name="connsiteY1" fmla="*/ 2883559 h 4057767"/>
+              <a:gd name="connsiteX2" fmla="*/ 6357602 w 6357602"/>
+              <a:gd name="connsiteY2" fmla="*/ 4057767 h 4057767"/>
+              <a:gd name="connsiteX0" fmla="*/ 205033 w 6267294"/>
+              <a:gd name="connsiteY0" fmla="*/ 0 h 4057767"/>
+              <a:gd name="connsiteX1" fmla="*/ 611668 w 6267294"/>
+              <a:gd name="connsiteY1" fmla="*/ 3200874 h 4057767"/>
+              <a:gd name="connsiteX2" fmla="*/ 6267294 w 6267294"/>
+              <a:gd name="connsiteY2" fmla="*/ 4057767 h 4057767"/>
+              <a:gd name="connsiteX0" fmla="*/ 369782 w 6432043"/>
+              <a:gd name="connsiteY0" fmla="*/ 0 h 4057767"/>
+              <a:gd name="connsiteX1" fmla="*/ 436437 w 6432043"/>
+              <a:gd name="connsiteY1" fmla="*/ 2922022 h 4057767"/>
+              <a:gd name="connsiteX2" fmla="*/ 6432043 w 6432043"/>
+              <a:gd name="connsiteY2" fmla="*/ 4057767 h 4057767"/>
+              <a:gd name="connsiteX0" fmla="*/ 369782 w 4197886"/>
+              <a:gd name="connsiteY0" fmla="*/ 0 h 4125076"/>
+              <a:gd name="connsiteX1" fmla="*/ 436437 w 4197886"/>
+              <a:gd name="connsiteY1" fmla="*/ 2922022 h 4125076"/>
+              <a:gd name="connsiteX2" fmla="*/ 4197886 w 4197886"/>
+              <a:gd name="connsiteY2" fmla="*/ 4125076 h 4125076"/>
+              <a:gd name="connsiteX0" fmla="*/ 369782 w 5059980"/>
+              <a:gd name="connsiteY0" fmla="*/ 0 h 4153922"/>
+              <a:gd name="connsiteX1" fmla="*/ 436437 w 5059980"/>
+              <a:gd name="connsiteY1" fmla="*/ 2922022 h 4153922"/>
+              <a:gd name="connsiteX2" fmla="*/ 5059980 w 5059980"/>
+              <a:gd name="connsiteY2" fmla="*/ 4153922 h 4153922"/>
+              <a:gd name="connsiteX0" fmla="*/ 369782 w 5157118"/>
+              <a:gd name="connsiteY0" fmla="*/ 0 h 4125075"/>
+              <a:gd name="connsiteX1" fmla="*/ 436437 w 5157118"/>
+              <a:gd name="connsiteY1" fmla="*/ 2922022 h 4125075"/>
+              <a:gd name="connsiteX2" fmla="*/ 5157118 w 5157118"/>
+              <a:gd name="connsiteY2" fmla="*/ 4125075 h 4125075"/>
+              <a:gd name="connsiteX0" fmla="*/ 369782 w 5157118"/>
+              <a:gd name="connsiteY0" fmla="*/ 0 h 4125075"/>
+              <a:gd name="connsiteX1" fmla="*/ 436437 w 5157118"/>
+              <a:gd name="connsiteY1" fmla="*/ 2922022 h 4125075"/>
+              <a:gd name="connsiteX2" fmla="*/ 5157118 w 5157118"/>
+              <a:gd name="connsiteY2" fmla="*/ 4125075 h 4125075"/>
+            </a:gdLst>
+            <a:ahLst/>
+            <a:cxnLst>
+              <a:cxn ang="0">
+                <a:pos x="connsiteX0" y="connsiteY0"/>
+              </a:cxn>
+              <a:cxn ang="0">
+                <a:pos x="connsiteX1" y="connsiteY1"/>
+              </a:cxn>
+              <a:cxn ang="0">
+                <a:pos x="connsiteX2" y="connsiteY2"/>
+              </a:cxn>
+            </a:cxnLst>
+            <a:rect l="l" t="t" r="r" b="b"/>
+            <a:pathLst>
+              <a:path w="5157118" h="4125075">
+                <a:moveTo>
+                  <a:pt x="369782" y="0"/>
+                </a:moveTo>
+                <a:cubicBezTo>
+                  <a:pt x="60826" y="1404921"/>
+                  <a:pt x="-308836" y="2165598"/>
+                  <a:pt x="436437" y="2922022"/>
+                </a:cubicBezTo>
+                <a:cubicBezTo>
+                  <a:pt x="1181710" y="3678446"/>
+                  <a:pt x="4618763" y="4066082"/>
+                  <a:pt x="5157118" y="4125075"/>
+                </a:cubicBezTo>
+              </a:path>
+            </a:pathLst>
+          </a:custGeom>
+          <a:noFill/>
+          <a:ln w="38100"/>
+        </p:spPr>
+        <p:style>
+          <a:lnRef idx="2">
+            <a:schemeClr val="accent1">
+              <a:shade val="15000"/>
+            </a:schemeClr>
+          </a:lnRef>
+          <a:fillRef idx="1">
+            <a:schemeClr val="accent1"/>
+          </a:fillRef>
+          <a:effectRef idx="0">
+            <a:schemeClr val="accent1"/>
+          </a:effectRef>
+          <a:fontRef idx="minor">
+            <a:schemeClr val="lt1"/>
+          </a:fontRef>
+        </p:style>
+        <p:txBody>
+          <a:bodyPr rtlCol="0" anchor="ctr"/>
+          <a:lstStyle/>
+          <a:p>
+            <a:pPr algn="ctr"/>
+            <a:endParaRPr lang="en-US"/>
+          </a:p>
+        </p:txBody>
+      </p:sp>
+      <p:grpSp>
+        <p:nvGrpSpPr>
+          <p:cNvPr id="4" name="Group 3">
+            <a:extLst>
+              <a:ext uri="{FF2B5EF4-FFF2-40B4-BE49-F238E27FC236}">
+                <a16:creationId xmlns:a16="http://schemas.microsoft.com/office/drawing/2014/main" id="{C28DC316-0265-679D-3B4B-58D83701D685}"/>
+              </a:ext>
+            </a:extLst>
+          </p:cNvPr>
+          <p:cNvGrpSpPr/>
+          <p:nvPr/>
+        </p:nvGrpSpPr>
+        <p:grpSpPr>
+          <a:xfrm>
+            <a:off x="1297684" y="804672"/>
+            <a:ext cx="9089136" cy="5189854"/>
+            <a:chOff x="1297684" y="804672"/>
+            <a:chExt cx="9089136" cy="5102352"/>
+          </a:xfrm>
+        </p:grpSpPr>
+        <p:cxnSp>
+          <p:nvCxnSpPr>
+            <p:cNvPr id="5" name="Straight Connector 4">
+              <a:extLst>
+                <a:ext uri="{FF2B5EF4-FFF2-40B4-BE49-F238E27FC236}">
+                  <a16:creationId xmlns:a16="http://schemas.microsoft.com/office/drawing/2014/main" id="{DCAF974B-3CE9-12E3-246B-FBB2BAB908A6}"/>
+                </a:ext>
+              </a:extLst>
+            </p:cNvPr>
+            <p:cNvCxnSpPr/>
+            <p:nvPr/>
+          </p:nvCxnSpPr>
+          <p:spPr>
+            <a:xfrm>
+              <a:off x="1316736" y="804672"/>
+              <a:ext cx="0" cy="5102352"/>
+            </a:xfrm>
+            <a:prstGeom prst="line">
+              <a:avLst/>
+            </a:prstGeom>
+            <a:ln w="57150">
+              <a:solidFill>
+                <a:schemeClr val="tx1"/>
+              </a:solidFill>
+            </a:ln>
+          </p:spPr>
+          <p:style>
+            <a:lnRef idx="2">
+              <a:schemeClr val="accent1"/>
+            </a:lnRef>
+            <a:fillRef idx="0">
+              <a:schemeClr val="accent1"/>
+            </a:fillRef>
+            <a:effectRef idx="1">
+              <a:schemeClr val="accent1"/>
+            </a:effectRef>
+            <a:fontRef idx="minor">
+              <a:schemeClr val="tx1"/>
+            </a:fontRef>
+          </p:style>
+        </p:cxnSp>
+        <p:cxnSp>
+          <p:nvCxnSpPr>
+            <p:cNvPr id="6" name="Straight Connector 5">
+              <a:extLst>
+                <a:ext uri="{FF2B5EF4-FFF2-40B4-BE49-F238E27FC236}">
+                  <a16:creationId xmlns:a16="http://schemas.microsoft.com/office/drawing/2014/main" id="{31CBF4BC-0572-5AF6-8722-0B652E193F8B}"/>
+                </a:ext>
+              </a:extLst>
+            </p:cNvPr>
+            <p:cNvCxnSpPr>
+              <a:cxnSpLocks/>
+            </p:cNvCxnSpPr>
+            <p:nvPr/>
+          </p:nvCxnSpPr>
+          <p:spPr>
+            <a:xfrm flipH="1">
+              <a:off x="1297684" y="5879972"/>
+              <a:ext cx="9089136" cy="0"/>
+            </a:xfrm>
+            <a:prstGeom prst="line">
+              <a:avLst/>
+            </a:prstGeom>
+            <a:ln w="57150">
+              <a:solidFill>
+                <a:schemeClr val="tx1"/>
+              </a:solidFill>
+            </a:ln>
+          </p:spPr>
+          <p:style>
+            <a:lnRef idx="2">
+              <a:schemeClr val="accent1"/>
+            </a:lnRef>
+            <a:fillRef idx="0">
+              <a:schemeClr val="accent1"/>
+            </a:fillRef>
+            <a:effectRef idx="1">
+              <a:schemeClr val="accent1"/>
+            </a:effectRef>
+            <a:fontRef idx="minor">
+              <a:schemeClr val="tx1"/>
+            </a:fontRef>
+          </p:style>
+        </p:cxnSp>
+      </p:grpSp>
+      <p:sp>
+        <p:nvSpPr>
+          <p:cNvPr id="7" name="TextBox 6">
+            <a:extLst>
+              <a:ext uri="{FF2B5EF4-FFF2-40B4-BE49-F238E27FC236}">
+                <a16:creationId xmlns:a16="http://schemas.microsoft.com/office/drawing/2014/main" id="{EEEF6336-FE0A-7945-236E-9A0D13666034}"/>
+              </a:ext>
+            </a:extLst>
+          </p:cNvPr>
+          <p:cNvSpPr txBox="1"/>
+          <p:nvPr/>
+        </p:nvSpPr>
+        <p:spPr>
+          <a:xfrm rot="16200000">
+            <a:off x="-76383" y="1362972"/>
+            <a:ext cx="1639821" cy="523220"/>
+          </a:xfrm>
+          <a:prstGeom prst="rect">
+            <a:avLst/>
+          </a:prstGeom>
+          <a:noFill/>
+        </p:spPr>
+        <p:txBody>
+          <a:bodyPr wrap="square" rtlCol="0">
+            <a:spAutoFit/>
+          </a:bodyPr>
+          <a:lstStyle/>
+          <a:p>
+            <a:r>
+              <a:rPr lang="en-US" sz="2800" b="1" dirty="0"/>
+              <a:t>Children</a:t>
+            </a:r>
+          </a:p>
+        </p:txBody>
+      </p:sp>
+      <p:sp>
+        <p:nvSpPr>
+          <p:cNvPr id="8" name="TextBox 7">
+            <a:extLst>
+              <a:ext uri="{FF2B5EF4-FFF2-40B4-BE49-F238E27FC236}">
+                <a16:creationId xmlns:a16="http://schemas.microsoft.com/office/drawing/2014/main" id="{20EE245A-CFA3-0C2B-14F1-CBB91096A952}"/>
+              </a:ext>
+            </a:extLst>
+          </p:cNvPr>
+          <p:cNvSpPr txBox="1"/>
+          <p:nvPr/>
+        </p:nvSpPr>
+        <p:spPr>
+          <a:xfrm>
+            <a:off x="9309741" y="5994526"/>
+            <a:ext cx="1077079" cy="523220"/>
+          </a:xfrm>
+          <a:prstGeom prst="rect">
+            <a:avLst/>
+          </a:prstGeom>
+          <a:noFill/>
+        </p:spPr>
+        <p:txBody>
+          <a:bodyPr wrap="square" rtlCol="0">
+            <a:spAutoFit/>
+          </a:bodyPr>
+          <a:lstStyle/>
+          <a:p>
+            <a:r>
+              <a:rPr lang="en-US" sz="2800" b="1" dirty="0"/>
+              <a:t>Food</a:t>
+            </a:r>
+          </a:p>
+        </p:txBody>
+      </p:sp>
+      <p:cxnSp>
+        <p:nvCxnSpPr>
+          <p:cNvPr id="11" name="Straight Connector 10">
+            <a:extLst>
+              <a:ext uri="{FF2B5EF4-FFF2-40B4-BE49-F238E27FC236}">
+                <a16:creationId xmlns:a16="http://schemas.microsoft.com/office/drawing/2014/main" id="{C9673FC5-569B-9356-FAB5-0FB6913A07BB}"/>
+              </a:ext>
+            </a:extLst>
+          </p:cNvPr>
+          <p:cNvCxnSpPr>
+            <a:cxnSpLocks/>
+            <a:endCxn id="20" idx="0"/>
+          </p:cNvCxnSpPr>
+          <p:nvPr/>
+        </p:nvCxnSpPr>
+        <p:spPr>
+          <a:xfrm>
+            <a:off x="1297684" y="3429000"/>
+            <a:ext cx="1635087" cy="2559700"/>
+          </a:xfrm>
+          <a:prstGeom prst="line">
+            <a:avLst/>
+          </a:prstGeom>
+          <a:ln w="57150"/>
+        </p:spPr>
+        <p:style>
+          <a:lnRef idx="2">
+            <a:schemeClr val="accent1"/>
+          </a:lnRef>
+          <a:fillRef idx="0">
+            <a:schemeClr val="accent1"/>
+          </a:fillRef>
+          <a:effectRef idx="1">
+            <a:schemeClr val="accent1"/>
+          </a:effectRef>
+          <a:fontRef idx="minor">
+            <a:schemeClr val="tx1"/>
+          </a:fontRef>
+        </p:style>
+      </p:cxnSp>
+      <mc:AlternateContent xmlns:mc="http://schemas.openxmlformats.org/markup-compatibility/2006">
+        <mc:Choice xmlns:a14="http://schemas.microsoft.com/office/drawing/2010/main" Requires="a14">
+          <p:sp>
+            <p:nvSpPr>
+              <p:cNvPr id="3" name="TextBox 2">
+                <a:extLst>
+                  <a:ext uri="{FF2B5EF4-FFF2-40B4-BE49-F238E27FC236}">
+                    <a16:creationId xmlns:a16="http://schemas.microsoft.com/office/drawing/2014/main" id="{B447AE61-9CED-266B-18F6-039883DA44F7}"/>
+                  </a:ext>
+                </a:extLst>
+              </p:cNvPr>
+              <p:cNvSpPr txBox="1"/>
+              <p:nvPr/>
+            </p:nvSpPr>
+            <p:spPr>
+              <a:xfrm>
+                <a:off x="1869163" y="804671"/>
+                <a:ext cx="609600" cy="369332"/>
+              </a:xfrm>
+              <a:prstGeom prst="rect">
+                <a:avLst/>
+              </a:prstGeom>
+              <a:noFill/>
+            </p:spPr>
+            <p:txBody>
+              <a:bodyPr wrap="square" rtlCol="0">
+                <a:spAutoFit/>
+              </a:bodyPr>
+              <a:lstStyle/>
+              <a:p>
+                <a:pPr/>
+                <a14:m>
+                  <m:oMathPara xmlns:m="http://schemas.openxmlformats.org/officeDocument/2006/math">
+                    <m:oMathParaPr>
+                      <m:jc m:val="centerGroup"/>
+                    </m:oMathParaPr>
+                    <m:oMath xmlns:m="http://schemas.openxmlformats.org/officeDocument/2006/math">
+                      <m:sSub>
+                        <m:sSubPr>
+                          <m:ctrlPr>
+                            <a:rPr lang="en-US" b="1" i="1" smtClean="0">
+                              <a:latin typeface="Cambria Math" panose="02040503050406030204" pitchFamily="18" charset="0"/>
+                            </a:rPr>
+                          </m:ctrlPr>
+                        </m:sSubPr>
+                        <m:e>
+                          <m:r>
+                            <a:rPr lang="en-US" b="1" i="1" smtClean="0">
+                              <a:latin typeface="Cambria Math" panose="02040503050406030204" pitchFamily="18" charset="0"/>
+                            </a:rPr>
+                            <m:t>𝑰</m:t>
+                          </m:r>
+                        </m:e>
+                        <m:sub>
+                          <m:r>
+                            <a:rPr lang="en-US" b="1" i="1" smtClean="0">
+                              <a:latin typeface="Cambria Math" panose="02040503050406030204" pitchFamily="18" charset="0"/>
+                            </a:rPr>
+                            <m:t>𝟏</m:t>
+                          </m:r>
+                        </m:sub>
+                      </m:sSub>
+                    </m:oMath>
+                  </m:oMathPara>
+                </a14:m>
+                <a:endParaRPr lang="en-US" b="1" dirty="0"/>
+              </a:p>
+            </p:txBody>
+          </p:sp>
+        </mc:Choice>
+        <mc:Fallback>
+          <p:sp>
+            <p:nvSpPr>
+              <p:cNvPr id="3" name="TextBox 2">
+                <a:extLst>
+                  <a:ext uri="{FF2B5EF4-FFF2-40B4-BE49-F238E27FC236}">
+                    <a16:creationId xmlns:a16="http://schemas.microsoft.com/office/drawing/2014/main" id="{B447AE61-9CED-266B-18F6-039883DA44F7}"/>
+                  </a:ext>
+                </a:extLst>
+              </p:cNvPr>
+              <p:cNvSpPr txBox="1">
+                <a:spLocks noRot="1" noChangeAspect="1" noMove="1" noResize="1" noEditPoints="1" noAdjustHandles="1" noChangeArrowheads="1" noChangeShapeType="1" noTextEdit="1"/>
+              </p:cNvSpPr>
+              <p:nvPr/>
+            </p:nvSpPr>
+            <p:spPr>
+              <a:xfrm>
+                <a:off x="1869163" y="804671"/>
+                <a:ext cx="609600" cy="369332"/>
+              </a:xfrm>
+              <a:prstGeom prst="rect">
+                <a:avLst/>
+              </a:prstGeom>
+              <a:blipFill>
+                <a:blip r:embed="rId2"/>
+                <a:stretch>
+                  <a:fillRect/>
+                </a:stretch>
+              </a:blipFill>
+            </p:spPr>
+            <p:txBody>
+              <a:bodyPr/>
+              <a:lstStyle/>
+              <a:p>
+                <a:r>
+                  <a:rPr lang="en-US">
+                    <a:noFill/>
+                  </a:rPr>
+                  <a:t> </a:t>
+                </a:r>
+              </a:p>
+            </p:txBody>
+          </p:sp>
+        </mc:Fallback>
+      </mc:AlternateContent>
+      <p:cxnSp>
+        <p:nvCxnSpPr>
+          <p:cNvPr id="9" name="Straight Connector 8">
+            <a:extLst>
+              <a:ext uri="{FF2B5EF4-FFF2-40B4-BE49-F238E27FC236}">
+                <a16:creationId xmlns:a16="http://schemas.microsoft.com/office/drawing/2014/main" id="{728DB6BC-249F-2923-2277-BF599FD42E38}"/>
+              </a:ext>
+            </a:extLst>
+          </p:cNvPr>
+          <p:cNvCxnSpPr>
+            <a:cxnSpLocks/>
+          </p:cNvCxnSpPr>
+          <p:nvPr/>
+        </p:nvCxnSpPr>
+        <p:spPr>
+          <a:xfrm flipV="1">
+            <a:off x="1869163" y="4439672"/>
+            <a:ext cx="0" cy="1440300"/>
+          </a:xfrm>
+          <a:prstGeom prst="line">
+            <a:avLst/>
+          </a:prstGeom>
+          <a:ln w="38100">
+            <a:prstDash val="dash"/>
+          </a:ln>
+        </p:spPr>
+        <p:style>
+          <a:lnRef idx="2">
+            <a:schemeClr val="accent1"/>
+          </a:lnRef>
+          <a:fillRef idx="0">
+            <a:schemeClr val="accent1"/>
+          </a:fillRef>
+          <a:effectRef idx="1">
+            <a:schemeClr val="accent1"/>
+          </a:effectRef>
+          <a:fontRef idx="minor">
+            <a:schemeClr val="tx1"/>
+          </a:fontRef>
+        </p:style>
+      </p:cxnSp>
+      <p:sp>
+        <p:nvSpPr>
+          <p:cNvPr id="10" name="Oval 9">
+            <a:extLst>
+              <a:ext uri="{FF2B5EF4-FFF2-40B4-BE49-F238E27FC236}">
+                <a16:creationId xmlns:a16="http://schemas.microsoft.com/office/drawing/2014/main" id="{70F69D01-9062-1880-1DE9-2E20F19F3D89}"/>
+              </a:ext>
+            </a:extLst>
+          </p:cNvPr>
+          <p:cNvSpPr/>
+          <p:nvPr/>
+        </p:nvSpPr>
+        <p:spPr>
+          <a:xfrm>
+            <a:off x="1746088" y="4230540"/>
+            <a:ext cx="246150" cy="247711"/>
+          </a:xfrm>
+          <a:prstGeom prst="ellipse">
+            <a:avLst/>
+          </a:prstGeom>
+          <a:solidFill>
+            <a:srgbClr val="C00000"/>
+          </a:solidFill>
+          <a:ln>
+            <a:solidFill>
+              <a:schemeClr val="tx1"/>
+            </a:solidFill>
+          </a:ln>
+        </p:spPr>
+        <p:style>
+          <a:lnRef idx="2">
+            <a:schemeClr val="accent1">
+              <a:shade val="15000"/>
+            </a:schemeClr>
+          </a:lnRef>
+          <a:fillRef idx="1">
+            <a:schemeClr val="accent1"/>
+          </a:fillRef>
+          <a:effectRef idx="0">
+            <a:schemeClr val="accent1"/>
+          </a:effectRef>
+          <a:fontRef idx="minor">
+            <a:schemeClr val="lt1"/>
+          </a:fontRef>
+        </p:style>
+        <p:txBody>
+          <a:bodyPr rtlCol="0" anchor="ctr"/>
+          <a:lstStyle/>
+          <a:p>
+            <a:pPr algn="ctr"/>
+            <a:endParaRPr lang="en-US"/>
+          </a:p>
+        </p:txBody>
+      </p:sp>
+      <p:cxnSp>
+        <p:nvCxnSpPr>
+          <p:cNvPr id="14" name="Straight Connector 13">
+            <a:extLst>
+              <a:ext uri="{FF2B5EF4-FFF2-40B4-BE49-F238E27FC236}">
+                <a16:creationId xmlns:a16="http://schemas.microsoft.com/office/drawing/2014/main" id="{D205E219-8E01-2A47-82DE-A6FC8A292C38}"/>
+              </a:ext>
+            </a:extLst>
+          </p:cNvPr>
+          <p:cNvCxnSpPr>
+            <a:cxnSpLocks/>
+            <a:endCxn id="10" idx="2"/>
+          </p:cNvCxnSpPr>
+          <p:nvPr/>
+        </p:nvCxnSpPr>
+        <p:spPr>
+          <a:xfrm>
+            <a:off x="1326263" y="4354396"/>
+            <a:ext cx="419825" cy="0"/>
+          </a:xfrm>
+          <a:prstGeom prst="line">
+            <a:avLst/>
+          </a:prstGeom>
+          <a:ln w="38100">
+            <a:prstDash val="dash"/>
+          </a:ln>
+        </p:spPr>
+        <p:style>
+          <a:lnRef idx="2">
+            <a:schemeClr val="accent1"/>
+          </a:lnRef>
+          <a:fillRef idx="0">
+            <a:schemeClr val="accent1"/>
+          </a:fillRef>
+          <a:effectRef idx="1">
+            <a:schemeClr val="accent1"/>
+          </a:effectRef>
+          <a:fontRef idx="minor">
+            <a:schemeClr val="tx1"/>
+          </a:fontRef>
+        </p:style>
+      </p:cxnSp>
+      <mc:AlternateContent xmlns:mc="http://schemas.openxmlformats.org/markup-compatibility/2006">
+        <mc:Choice xmlns:a14="http://schemas.microsoft.com/office/drawing/2010/main" Requires="a14">
+          <p:sp>
+            <p:nvSpPr>
+              <p:cNvPr id="17" name="TextBox 16">
+                <a:extLst>
+                  <a:ext uri="{FF2B5EF4-FFF2-40B4-BE49-F238E27FC236}">
+                    <a16:creationId xmlns:a16="http://schemas.microsoft.com/office/drawing/2014/main" id="{A2E383F1-7266-081D-F52E-7DC34488F2B8}"/>
+                  </a:ext>
+                </a:extLst>
+              </p:cNvPr>
+              <p:cNvSpPr txBox="1"/>
+              <p:nvPr/>
+            </p:nvSpPr>
+            <p:spPr>
+              <a:xfrm>
+                <a:off x="1536175" y="5987253"/>
+                <a:ext cx="609600" cy="405752"/>
+              </a:xfrm>
+              <a:prstGeom prst="rect">
+                <a:avLst/>
+              </a:prstGeom>
+              <a:noFill/>
+            </p:spPr>
+            <p:txBody>
+              <a:bodyPr wrap="square" rtlCol="0">
+                <a:spAutoFit/>
+              </a:bodyPr>
+              <a:lstStyle/>
+              <a:p>
+                <a:pPr/>
+                <a14:m>
+                  <m:oMathPara xmlns:m="http://schemas.openxmlformats.org/officeDocument/2006/math">
+                    <m:oMathParaPr>
+                      <m:jc m:val="centerGroup"/>
+                    </m:oMathParaPr>
+                    <m:oMath xmlns:m="http://schemas.openxmlformats.org/officeDocument/2006/math">
+                      <m:sSubSup>
+                        <m:sSubSupPr>
+                          <m:ctrlPr>
+                            <a:rPr lang="en-US" b="1" i="1" smtClean="0">
+                              <a:latin typeface="Cambria Math" panose="02040503050406030204" pitchFamily="18" charset="0"/>
+                            </a:rPr>
+                          </m:ctrlPr>
+                        </m:sSubSupPr>
+                        <m:e>
+                          <m:r>
+                            <a:rPr lang="en-US" b="1" i="1" smtClean="0">
+                              <a:latin typeface="Cambria Math" panose="02040503050406030204" pitchFamily="18" charset="0"/>
+                            </a:rPr>
+                            <m:t>𝑸</m:t>
+                          </m:r>
+                        </m:e>
+                        <m:sub>
+                          <m:r>
+                            <a:rPr lang="en-US" b="1" i="1" smtClean="0">
+                              <a:latin typeface="Cambria Math" panose="02040503050406030204" pitchFamily="18" charset="0"/>
+                            </a:rPr>
+                            <m:t>𝒇</m:t>
+                          </m:r>
+                        </m:sub>
+                        <m:sup>
+                          <m:r>
+                            <a:rPr lang="en-US" b="1" i="1" smtClean="0">
+                              <a:latin typeface="Cambria Math" panose="02040503050406030204" pitchFamily="18" charset="0"/>
+                            </a:rPr>
+                            <m:t>∗</m:t>
+                          </m:r>
+                        </m:sup>
+                      </m:sSubSup>
+                    </m:oMath>
+                  </m:oMathPara>
+                </a14:m>
+                <a:endParaRPr lang="en-US" b="1" dirty="0"/>
+              </a:p>
+            </p:txBody>
+          </p:sp>
+        </mc:Choice>
+        <mc:Fallback>
+          <p:sp>
+            <p:nvSpPr>
+              <p:cNvPr id="17" name="TextBox 16">
+                <a:extLst>
+                  <a:ext uri="{FF2B5EF4-FFF2-40B4-BE49-F238E27FC236}">
+                    <a16:creationId xmlns:a16="http://schemas.microsoft.com/office/drawing/2014/main" id="{A2E383F1-7266-081D-F52E-7DC34488F2B8}"/>
+                  </a:ext>
+                </a:extLst>
+              </p:cNvPr>
+              <p:cNvSpPr txBox="1">
+                <a:spLocks noRot="1" noChangeAspect="1" noMove="1" noResize="1" noEditPoints="1" noAdjustHandles="1" noChangeArrowheads="1" noChangeShapeType="1" noTextEdit="1"/>
+              </p:cNvSpPr>
+              <p:nvPr/>
+            </p:nvSpPr>
+            <p:spPr>
+              <a:xfrm>
+                <a:off x="1536175" y="5987253"/>
+                <a:ext cx="609600" cy="405752"/>
+              </a:xfrm>
+              <a:prstGeom prst="rect">
+                <a:avLst/>
+              </a:prstGeom>
+              <a:blipFill>
+                <a:blip r:embed="rId3"/>
+                <a:stretch>
+                  <a:fillRect b="-3030"/>
+                </a:stretch>
+              </a:blipFill>
+            </p:spPr>
+            <p:txBody>
+              <a:bodyPr/>
+              <a:lstStyle/>
+              <a:p>
+                <a:r>
+                  <a:rPr lang="en-US">
+                    <a:noFill/>
+                  </a:rPr>
+                  <a:t> </a:t>
+                </a:r>
+              </a:p>
+            </p:txBody>
+          </p:sp>
+        </mc:Fallback>
+      </mc:AlternateContent>
+      <mc:AlternateContent xmlns:mc="http://schemas.openxmlformats.org/markup-compatibility/2006">
+        <mc:Choice xmlns:a14="http://schemas.microsoft.com/office/drawing/2010/main" Requires="a14">
+          <p:sp>
+            <p:nvSpPr>
+              <p:cNvPr id="19" name="TextBox 18">
+                <a:extLst>
+                  <a:ext uri="{FF2B5EF4-FFF2-40B4-BE49-F238E27FC236}">
+                    <a16:creationId xmlns:a16="http://schemas.microsoft.com/office/drawing/2014/main" id="{1CE65119-32E1-A589-9A80-51177FC29D4D}"/>
+                  </a:ext>
+                </a:extLst>
+              </p:cNvPr>
+              <p:cNvSpPr txBox="1"/>
+              <p:nvPr/>
+            </p:nvSpPr>
+            <p:spPr>
+              <a:xfrm>
+                <a:off x="697610" y="4204451"/>
+                <a:ext cx="609600" cy="369332"/>
+              </a:xfrm>
+              <a:prstGeom prst="rect">
+                <a:avLst/>
+              </a:prstGeom>
+              <a:noFill/>
+            </p:spPr>
+            <p:txBody>
+              <a:bodyPr wrap="square" rtlCol="0">
+                <a:spAutoFit/>
+              </a:bodyPr>
+              <a:lstStyle/>
+              <a:p>
+                <a:pPr/>
+                <a14:m>
+                  <m:oMathPara xmlns:m="http://schemas.openxmlformats.org/officeDocument/2006/math">
+                    <m:oMathParaPr>
+                      <m:jc m:val="centerGroup"/>
+                    </m:oMathParaPr>
+                    <m:oMath xmlns:m="http://schemas.openxmlformats.org/officeDocument/2006/math">
+                      <m:sSubSup>
+                        <m:sSubSupPr>
+                          <m:ctrlPr>
+                            <a:rPr lang="en-US" b="1" i="1" smtClean="0">
+                              <a:latin typeface="Cambria Math" panose="02040503050406030204" pitchFamily="18" charset="0"/>
+                            </a:rPr>
+                          </m:ctrlPr>
+                        </m:sSubSupPr>
+                        <m:e>
+                          <m:r>
+                            <a:rPr lang="en-US" b="1" i="1" smtClean="0">
+                              <a:latin typeface="Cambria Math" panose="02040503050406030204" pitchFamily="18" charset="0"/>
+                            </a:rPr>
+                            <m:t>𝑸</m:t>
+                          </m:r>
+                        </m:e>
+                        <m:sub>
+                          <m:r>
+                            <a:rPr lang="en-US" b="1" i="1" smtClean="0">
+                              <a:latin typeface="Cambria Math" panose="02040503050406030204" pitchFamily="18" charset="0"/>
+                            </a:rPr>
+                            <m:t>𝑪</m:t>
+                          </m:r>
+                        </m:sub>
+                        <m:sup>
+                          <m:r>
+                            <a:rPr lang="en-US" b="1" i="1" smtClean="0">
+                              <a:latin typeface="Cambria Math" panose="02040503050406030204" pitchFamily="18" charset="0"/>
+                            </a:rPr>
+                            <m:t>∗</m:t>
+                          </m:r>
+                        </m:sup>
+                      </m:sSubSup>
+                    </m:oMath>
+                  </m:oMathPara>
+                </a14:m>
+                <a:endParaRPr lang="en-US" b="1" dirty="0"/>
+              </a:p>
+            </p:txBody>
+          </p:sp>
+        </mc:Choice>
+        <mc:Fallback>
+          <p:sp>
+            <p:nvSpPr>
+              <p:cNvPr id="19" name="TextBox 18">
+                <a:extLst>
+                  <a:ext uri="{FF2B5EF4-FFF2-40B4-BE49-F238E27FC236}">
+                    <a16:creationId xmlns:a16="http://schemas.microsoft.com/office/drawing/2014/main" id="{1CE65119-32E1-A589-9A80-51177FC29D4D}"/>
+                  </a:ext>
+                </a:extLst>
+              </p:cNvPr>
+              <p:cNvSpPr txBox="1">
+                <a:spLocks noRot="1" noChangeAspect="1" noMove="1" noResize="1" noEditPoints="1" noAdjustHandles="1" noChangeArrowheads="1" noChangeShapeType="1" noTextEdit="1"/>
+              </p:cNvSpPr>
+              <p:nvPr/>
+            </p:nvSpPr>
+            <p:spPr>
+              <a:xfrm>
+                <a:off x="697610" y="4204451"/>
+                <a:ext cx="609600" cy="369332"/>
+              </a:xfrm>
+              <a:prstGeom prst="rect">
+                <a:avLst/>
+              </a:prstGeom>
+              <a:blipFill>
+                <a:blip r:embed="rId4"/>
+                <a:stretch>
+                  <a:fillRect b="-10345"/>
+                </a:stretch>
+              </a:blipFill>
+            </p:spPr>
+            <p:txBody>
+              <a:bodyPr/>
+              <a:lstStyle/>
+              <a:p>
+                <a:r>
+                  <a:rPr lang="en-US">
+                    <a:noFill/>
+                  </a:rPr>
+                  <a:t> </a:t>
+                </a:r>
+              </a:p>
+            </p:txBody>
+          </p:sp>
+        </mc:Fallback>
+      </mc:AlternateContent>
+      <mc:AlternateContent xmlns:mc="http://schemas.openxmlformats.org/markup-compatibility/2006">
+        <mc:Choice xmlns:a14="http://schemas.microsoft.com/office/drawing/2010/main" Requires="a14">
+          <p:sp>
+            <p:nvSpPr>
+              <p:cNvPr id="20" name="TextBox 19">
+                <a:extLst>
+                  <a:ext uri="{FF2B5EF4-FFF2-40B4-BE49-F238E27FC236}">
+                    <a16:creationId xmlns:a16="http://schemas.microsoft.com/office/drawing/2014/main" id="{AAE07213-B354-0A52-D26D-482C5E6C2F02}"/>
+                  </a:ext>
+                </a:extLst>
+              </p:cNvPr>
+              <p:cNvSpPr txBox="1"/>
+              <p:nvPr/>
+            </p:nvSpPr>
+            <p:spPr>
+              <a:xfrm>
+                <a:off x="2627971" y="5988700"/>
+                <a:ext cx="609600" cy="369332"/>
+              </a:xfrm>
+              <a:prstGeom prst="rect">
+                <a:avLst/>
+              </a:prstGeom>
+              <a:noFill/>
+            </p:spPr>
+            <p:txBody>
+              <a:bodyPr wrap="square" rtlCol="0">
+                <a:spAutoFit/>
+              </a:bodyPr>
+              <a:lstStyle/>
+              <a:p>
+                <a:pPr/>
+                <a14:m>
+                  <m:oMathPara xmlns:m="http://schemas.openxmlformats.org/officeDocument/2006/math">
+                    <m:oMathParaPr>
+                      <m:jc m:val="centerGroup"/>
+                    </m:oMathParaPr>
+                    <m:oMath xmlns:m="http://schemas.openxmlformats.org/officeDocument/2006/math">
+                      <m:r>
+                        <a:rPr lang="en-US" b="1" i="1" smtClean="0">
+                          <a:latin typeface="Cambria Math" panose="02040503050406030204" pitchFamily="18" charset="0"/>
+                        </a:rPr>
+                        <m:t>𝟔</m:t>
+                      </m:r>
+                    </m:oMath>
+                  </m:oMathPara>
+                </a14:m>
+                <a:endParaRPr lang="en-US" b="1" dirty="0"/>
+              </a:p>
+            </p:txBody>
+          </p:sp>
+        </mc:Choice>
+        <mc:Fallback>
+          <p:sp>
+            <p:nvSpPr>
+              <p:cNvPr id="20" name="TextBox 19">
+                <a:extLst>
+                  <a:ext uri="{FF2B5EF4-FFF2-40B4-BE49-F238E27FC236}">
+                    <a16:creationId xmlns:a16="http://schemas.microsoft.com/office/drawing/2014/main" id="{AAE07213-B354-0A52-D26D-482C5E6C2F02}"/>
+                  </a:ext>
+                </a:extLst>
+              </p:cNvPr>
+              <p:cNvSpPr txBox="1">
+                <a:spLocks noRot="1" noChangeAspect="1" noMove="1" noResize="1" noEditPoints="1" noAdjustHandles="1" noChangeArrowheads="1" noChangeShapeType="1" noTextEdit="1"/>
+              </p:cNvSpPr>
+              <p:nvPr/>
+            </p:nvSpPr>
+            <p:spPr>
+              <a:xfrm>
+                <a:off x="2627971" y="5988700"/>
+                <a:ext cx="609600" cy="369332"/>
+              </a:xfrm>
+              <a:prstGeom prst="rect">
+                <a:avLst/>
+              </a:prstGeom>
+              <a:blipFill>
+                <a:blip r:embed="rId5"/>
+                <a:stretch>
+                  <a:fillRect/>
+                </a:stretch>
+              </a:blipFill>
+            </p:spPr>
+            <p:txBody>
+              <a:bodyPr/>
+              <a:lstStyle/>
+              <a:p>
+                <a:r>
+                  <a:rPr lang="en-US">
+                    <a:noFill/>
+                  </a:rPr>
+                  <a:t> </a:t>
+                </a:r>
+              </a:p>
+            </p:txBody>
+          </p:sp>
+        </mc:Fallback>
+      </mc:AlternateContent>
+      <mc:AlternateContent xmlns:mc="http://schemas.openxmlformats.org/markup-compatibility/2006">
+        <mc:Choice xmlns:a14="http://schemas.microsoft.com/office/drawing/2010/main" Requires="a14">
+          <p:sp>
+            <p:nvSpPr>
+              <p:cNvPr id="21" name="TextBox 20">
+                <a:extLst>
+                  <a:ext uri="{FF2B5EF4-FFF2-40B4-BE49-F238E27FC236}">
+                    <a16:creationId xmlns:a16="http://schemas.microsoft.com/office/drawing/2014/main" id="{28FB9D34-BC3C-DA19-C673-7442C9E0447F}"/>
+                  </a:ext>
+                </a:extLst>
+              </p:cNvPr>
+              <p:cNvSpPr txBox="1"/>
+              <p:nvPr/>
+            </p:nvSpPr>
+            <p:spPr>
+              <a:xfrm>
+                <a:off x="849430" y="3238508"/>
+                <a:ext cx="609600" cy="369332"/>
+              </a:xfrm>
+              <a:prstGeom prst="rect">
+                <a:avLst/>
+              </a:prstGeom>
+              <a:noFill/>
+            </p:spPr>
+            <p:txBody>
+              <a:bodyPr wrap="square" rtlCol="0">
+                <a:spAutoFit/>
+              </a:bodyPr>
+              <a:lstStyle/>
+              <a:p>
+                <a:pPr/>
+                <a14:m>
+                  <m:oMathPara xmlns:m="http://schemas.openxmlformats.org/officeDocument/2006/math">
+                    <m:oMathParaPr>
+                      <m:jc m:val="centerGroup"/>
+                    </m:oMathParaPr>
+                    <m:oMath xmlns:m="http://schemas.openxmlformats.org/officeDocument/2006/math">
+                      <m:r>
+                        <a:rPr lang="en-US" b="1" i="1" smtClean="0">
+                          <a:latin typeface="Cambria Math" panose="02040503050406030204" pitchFamily="18" charset="0"/>
+                        </a:rPr>
+                        <m:t>𝟓</m:t>
+                      </m:r>
+                    </m:oMath>
+                  </m:oMathPara>
+                </a14:m>
+                <a:endParaRPr lang="en-US" b="1" dirty="0"/>
+              </a:p>
+            </p:txBody>
+          </p:sp>
+        </mc:Choice>
+        <mc:Fallback>
+          <p:sp>
+            <p:nvSpPr>
+              <p:cNvPr id="21" name="TextBox 20">
+                <a:extLst>
+                  <a:ext uri="{FF2B5EF4-FFF2-40B4-BE49-F238E27FC236}">
+                    <a16:creationId xmlns:a16="http://schemas.microsoft.com/office/drawing/2014/main" id="{28FB9D34-BC3C-DA19-C673-7442C9E0447F}"/>
+                  </a:ext>
+                </a:extLst>
+              </p:cNvPr>
+              <p:cNvSpPr txBox="1">
+                <a:spLocks noRot="1" noChangeAspect="1" noMove="1" noResize="1" noEditPoints="1" noAdjustHandles="1" noChangeArrowheads="1" noChangeShapeType="1" noTextEdit="1"/>
+              </p:cNvSpPr>
+              <p:nvPr/>
+            </p:nvSpPr>
+            <p:spPr>
+              <a:xfrm>
+                <a:off x="849430" y="3238508"/>
+                <a:ext cx="609600" cy="369332"/>
+              </a:xfrm>
+              <a:prstGeom prst="rect">
+                <a:avLst/>
+              </a:prstGeom>
+              <a:blipFill>
+                <a:blip r:embed="rId6"/>
+                <a:stretch>
+                  <a:fillRect/>
+                </a:stretch>
+              </a:blipFill>
+            </p:spPr>
+            <p:txBody>
+              <a:bodyPr/>
+              <a:lstStyle/>
+              <a:p>
+                <a:r>
+                  <a:rPr lang="en-US">
+                    <a:noFill/>
+                  </a:rPr>
+                  <a:t> </a:t>
+                </a:r>
+              </a:p>
+            </p:txBody>
+          </p:sp>
+        </mc:Fallback>
+      </mc:AlternateContent>
+    </p:spTree>
+    <p:extLst>
+      <p:ext uri="{BB962C8B-B14F-4D97-AF65-F5344CB8AC3E}">
+        <p14:creationId xmlns:p14="http://schemas.microsoft.com/office/powerpoint/2010/main" val="3947591492"/>
+      </p:ext>
+    </p:extLst>
+  </p:cSld>
+  <p:clrMapOvr>
+    <a:masterClrMapping/>
+  </p:clrMapOvr>
+</p:sld>
+</file>
+
+<file path=ppt/slides/slide17.xml><?xml version="1.0" encoding="utf-8"?>
+<p:sld xmlns:a="http://schemas.openxmlformats.org/drawingml/2006/main" xmlns:r="http://schemas.openxmlformats.org/officeDocument/2006/relationships" xmlns:p="http://schemas.openxmlformats.org/presentationml/2006/main">
+  <p:cSld>
+    <p:spTree>
+      <p:nvGrpSpPr>
+        <p:cNvPr id="1" name="">
+          <a:extLst>
+            <a:ext uri="{FF2B5EF4-FFF2-40B4-BE49-F238E27FC236}">
+              <a16:creationId xmlns:a16="http://schemas.microsoft.com/office/drawing/2014/main" id="{68EB4537-A34C-B6FB-0C62-079C5E25CB34}"/>
+            </a:ext>
+          </a:extLst>
+        </p:cNvPr>
+        <p:cNvGrpSpPr/>
+        <p:nvPr/>
+      </p:nvGrpSpPr>
+      <p:grpSpPr>
+        <a:xfrm>
+          <a:off x="0" y="0"/>
+          <a:ext cx="0" cy="0"/>
+          <a:chOff x="0" y="0"/>
+          <a:chExt cx="0" cy="0"/>
+        </a:xfrm>
+      </p:grpSpPr>
+      <p:grpSp>
+        <p:nvGrpSpPr>
+          <p:cNvPr id="4" name="Group 3">
+            <a:extLst>
+              <a:ext uri="{FF2B5EF4-FFF2-40B4-BE49-F238E27FC236}">
+                <a16:creationId xmlns:a16="http://schemas.microsoft.com/office/drawing/2014/main" id="{8E1FD270-EBDD-4972-2B1F-1B9E8D9B2C64}"/>
+              </a:ext>
+            </a:extLst>
+          </p:cNvPr>
+          <p:cNvGrpSpPr/>
+          <p:nvPr/>
+        </p:nvGrpSpPr>
+        <p:grpSpPr>
+          <a:xfrm>
+            <a:off x="1297684" y="804672"/>
+            <a:ext cx="9089136" cy="5189854"/>
+            <a:chOff x="1297684" y="804672"/>
+            <a:chExt cx="9089136" cy="5102352"/>
+          </a:xfrm>
+        </p:grpSpPr>
+        <p:cxnSp>
+          <p:nvCxnSpPr>
+            <p:cNvPr id="5" name="Straight Connector 4">
+              <a:extLst>
+                <a:ext uri="{FF2B5EF4-FFF2-40B4-BE49-F238E27FC236}">
+                  <a16:creationId xmlns:a16="http://schemas.microsoft.com/office/drawing/2014/main" id="{BDF74778-3A54-C1AA-93C2-C2AA63FE4C7E}"/>
+                </a:ext>
+              </a:extLst>
+            </p:cNvPr>
+            <p:cNvCxnSpPr/>
+            <p:nvPr/>
+          </p:nvCxnSpPr>
+          <p:spPr>
+            <a:xfrm>
+              <a:off x="1316736" y="804672"/>
+              <a:ext cx="0" cy="5102352"/>
+            </a:xfrm>
+            <a:prstGeom prst="line">
+              <a:avLst/>
+            </a:prstGeom>
+            <a:ln w="57150">
+              <a:solidFill>
+                <a:schemeClr val="tx1"/>
+              </a:solidFill>
+            </a:ln>
+          </p:spPr>
+          <p:style>
+            <a:lnRef idx="2">
+              <a:schemeClr val="accent1"/>
+            </a:lnRef>
+            <a:fillRef idx="0">
+              <a:schemeClr val="accent1"/>
+            </a:fillRef>
+            <a:effectRef idx="1">
+              <a:schemeClr val="accent1"/>
+            </a:effectRef>
+            <a:fontRef idx="minor">
+              <a:schemeClr val="tx1"/>
+            </a:fontRef>
+          </p:style>
+        </p:cxnSp>
+        <p:cxnSp>
+          <p:nvCxnSpPr>
+            <p:cNvPr id="6" name="Straight Connector 5">
+              <a:extLst>
+                <a:ext uri="{FF2B5EF4-FFF2-40B4-BE49-F238E27FC236}">
+                  <a16:creationId xmlns:a16="http://schemas.microsoft.com/office/drawing/2014/main" id="{0A062D9E-EA31-56E7-C48E-5DB9D436659E}"/>
+                </a:ext>
+              </a:extLst>
+            </p:cNvPr>
+            <p:cNvCxnSpPr>
+              <a:cxnSpLocks/>
+            </p:cNvCxnSpPr>
+            <p:nvPr/>
+          </p:nvCxnSpPr>
+          <p:spPr>
+            <a:xfrm flipH="1">
+              <a:off x="1297684" y="5879972"/>
+              <a:ext cx="9089136" cy="0"/>
+            </a:xfrm>
+            <a:prstGeom prst="line">
+              <a:avLst/>
+            </a:prstGeom>
+            <a:ln w="57150">
+              <a:solidFill>
+                <a:schemeClr val="tx1"/>
+              </a:solidFill>
+            </a:ln>
+          </p:spPr>
+          <p:style>
+            <a:lnRef idx="2">
+              <a:schemeClr val="accent1"/>
+            </a:lnRef>
+            <a:fillRef idx="0">
+              <a:schemeClr val="accent1"/>
+            </a:fillRef>
+            <a:effectRef idx="1">
+              <a:schemeClr val="accent1"/>
+            </a:effectRef>
+            <a:fontRef idx="minor">
+              <a:schemeClr val="tx1"/>
+            </a:fontRef>
+          </p:style>
+        </p:cxnSp>
+      </p:grpSp>
+      <p:sp>
+        <p:nvSpPr>
+          <p:cNvPr id="7" name="TextBox 6">
+            <a:extLst>
+              <a:ext uri="{FF2B5EF4-FFF2-40B4-BE49-F238E27FC236}">
+                <a16:creationId xmlns:a16="http://schemas.microsoft.com/office/drawing/2014/main" id="{9C111A37-47CE-4B8A-1691-E4FF457152BA}"/>
+              </a:ext>
+            </a:extLst>
+          </p:cNvPr>
+          <p:cNvSpPr txBox="1"/>
+          <p:nvPr/>
+        </p:nvSpPr>
+        <p:spPr>
+          <a:xfrm rot="16200000">
+            <a:off x="-76383" y="1362972"/>
+            <a:ext cx="1639821" cy="523220"/>
+          </a:xfrm>
+          <a:prstGeom prst="rect">
+            <a:avLst/>
+          </a:prstGeom>
+          <a:noFill/>
+        </p:spPr>
+        <p:txBody>
+          <a:bodyPr wrap="square" rtlCol="0">
+            <a:spAutoFit/>
+          </a:bodyPr>
+          <a:lstStyle/>
+          <a:p>
+            <a:r>
+              <a:rPr lang="en-US" sz="2800" b="1" dirty="0"/>
+              <a:t>Children</a:t>
+            </a:r>
+          </a:p>
+        </p:txBody>
+      </p:sp>
+      <p:sp>
+        <p:nvSpPr>
+          <p:cNvPr id="8" name="TextBox 7">
+            <a:extLst>
+              <a:ext uri="{FF2B5EF4-FFF2-40B4-BE49-F238E27FC236}">
+                <a16:creationId xmlns:a16="http://schemas.microsoft.com/office/drawing/2014/main" id="{F23D5754-5FE0-BA27-7E2F-8B2B7A00C74A}"/>
+              </a:ext>
+            </a:extLst>
+          </p:cNvPr>
+          <p:cNvSpPr txBox="1"/>
+          <p:nvPr/>
+        </p:nvSpPr>
+        <p:spPr>
+          <a:xfrm>
+            <a:off x="9309741" y="5994526"/>
+            <a:ext cx="1077079" cy="523220"/>
+          </a:xfrm>
+          <a:prstGeom prst="rect">
+            <a:avLst/>
+          </a:prstGeom>
+          <a:noFill/>
+        </p:spPr>
+        <p:txBody>
+          <a:bodyPr wrap="square" rtlCol="0">
+            <a:spAutoFit/>
+          </a:bodyPr>
+          <a:lstStyle/>
+          <a:p>
+            <a:r>
+              <a:rPr lang="en-US" sz="2800" b="1" dirty="0"/>
+              <a:t>Food</a:t>
+            </a:r>
+          </a:p>
+        </p:txBody>
+      </p:sp>
+      <p:cxnSp>
+        <p:nvCxnSpPr>
+          <p:cNvPr id="11" name="Straight Connector 10">
+            <a:extLst>
+              <a:ext uri="{FF2B5EF4-FFF2-40B4-BE49-F238E27FC236}">
+                <a16:creationId xmlns:a16="http://schemas.microsoft.com/office/drawing/2014/main" id="{FB04CC72-122C-DAC9-34E6-180A515302E6}"/>
+              </a:ext>
+            </a:extLst>
+          </p:cNvPr>
+          <p:cNvCxnSpPr>
+            <a:cxnSpLocks/>
+            <a:endCxn id="20" idx="0"/>
+          </p:cNvCxnSpPr>
+          <p:nvPr/>
+        </p:nvCxnSpPr>
+        <p:spPr>
+          <a:xfrm>
+            <a:off x="1297684" y="3429000"/>
+            <a:ext cx="1635087" cy="2559700"/>
+          </a:xfrm>
+          <a:prstGeom prst="line">
+            <a:avLst/>
+          </a:prstGeom>
+          <a:ln w="57150"/>
+        </p:spPr>
+        <p:style>
+          <a:lnRef idx="2">
+            <a:schemeClr val="accent1"/>
+          </a:lnRef>
+          <a:fillRef idx="0">
+            <a:schemeClr val="accent1"/>
+          </a:fillRef>
+          <a:effectRef idx="1">
+            <a:schemeClr val="accent1"/>
+          </a:effectRef>
+          <a:fontRef idx="minor">
+            <a:schemeClr val="tx1"/>
+          </a:fontRef>
+        </p:style>
+      </p:cxnSp>
+      <p:sp>
+        <p:nvSpPr>
+          <p:cNvPr id="2" name="Freeform 1">
+            <a:extLst>
+              <a:ext uri="{FF2B5EF4-FFF2-40B4-BE49-F238E27FC236}">
+                <a16:creationId xmlns:a16="http://schemas.microsoft.com/office/drawing/2014/main" id="{7D860FA7-70FA-C31D-0AAB-55FB4EDD0859}"/>
+              </a:ext>
+            </a:extLst>
+          </p:cNvPr>
+          <p:cNvSpPr/>
+          <p:nvPr/>
+        </p:nvSpPr>
+        <p:spPr>
+          <a:xfrm>
+            <a:off x="1601322" y="1064854"/>
+            <a:ext cx="4736238" cy="4783866"/>
+          </a:xfrm>
+          <a:custGeom>
+            <a:avLst/>
+            <a:gdLst>
+              <a:gd name="connsiteX0" fmla="*/ 482345 w 4953984"/>
+              <a:gd name="connsiteY0" fmla="*/ 0 h 4538546"/>
+              <a:gd name="connsiteX1" fmla="*/ 415437 w 4953984"/>
+              <a:gd name="connsiteY1" fmla="*/ 2854712 h 4538546"/>
+              <a:gd name="connsiteX2" fmla="*/ 4953984 w 4953984"/>
+              <a:gd name="connsiteY2" fmla="*/ 4538546 h 4538546"/>
+              <a:gd name="connsiteX0" fmla="*/ 482345 w 6277479"/>
+              <a:gd name="connsiteY0" fmla="*/ 0 h 4028920"/>
+              <a:gd name="connsiteX1" fmla="*/ 415437 w 6277479"/>
+              <a:gd name="connsiteY1" fmla="*/ 2854712 h 4028920"/>
+              <a:gd name="connsiteX2" fmla="*/ 6277479 w 6277479"/>
+              <a:gd name="connsiteY2" fmla="*/ 4028920 h 4028920"/>
+              <a:gd name="connsiteX0" fmla="*/ 401809 w 6330506"/>
+              <a:gd name="connsiteY0" fmla="*/ 0 h 4028920"/>
+              <a:gd name="connsiteX1" fmla="*/ 468464 w 6330506"/>
+              <a:gd name="connsiteY1" fmla="*/ 2854712 h 4028920"/>
+              <a:gd name="connsiteX2" fmla="*/ 6330506 w 6330506"/>
+              <a:gd name="connsiteY2" fmla="*/ 4028920 h 4028920"/>
+              <a:gd name="connsiteX0" fmla="*/ 201950 w 6130647"/>
+              <a:gd name="connsiteY0" fmla="*/ 0 h 4028920"/>
+              <a:gd name="connsiteX1" fmla="*/ 268605 w 6130647"/>
+              <a:gd name="connsiteY1" fmla="*/ 2854712 h 4028920"/>
+              <a:gd name="connsiteX2" fmla="*/ 6130647 w 6130647"/>
+              <a:gd name="connsiteY2" fmla="*/ 4028920 h 4028920"/>
+              <a:gd name="connsiteX0" fmla="*/ 448901 w 6377598"/>
+              <a:gd name="connsiteY0" fmla="*/ 0 h 4028920"/>
+              <a:gd name="connsiteX1" fmla="*/ 515556 w 6377598"/>
+              <a:gd name="connsiteY1" fmla="*/ 2854712 h 4028920"/>
+              <a:gd name="connsiteX2" fmla="*/ 6377598 w 6377598"/>
+              <a:gd name="connsiteY2" fmla="*/ 4028920 h 4028920"/>
+              <a:gd name="connsiteX0" fmla="*/ 384520 w 6446781"/>
+              <a:gd name="connsiteY0" fmla="*/ 0 h 4057767"/>
+              <a:gd name="connsiteX1" fmla="*/ 584739 w 6446781"/>
+              <a:gd name="connsiteY1" fmla="*/ 2883559 h 4057767"/>
+              <a:gd name="connsiteX2" fmla="*/ 6446781 w 6446781"/>
+              <a:gd name="connsiteY2" fmla="*/ 4057767 h 4057767"/>
+              <a:gd name="connsiteX0" fmla="*/ 295341 w 6357602"/>
+              <a:gd name="connsiteY0" fmla="*/ 0 h 4057767"/>
+              <a:gd name="connsiteX1" fmla="*/ 495560 w 6357602"/>
+              <a:gd name="connsiteY1" fmla="*/ 2883559 h 4057767"/>
+              <a:gd name="connsiteX2" fmla="*/ 6357602 w 6357602"/>
+              <a:gd name="connsiteY2" fmla="*/ 4057767 h 4057767"/>
+              <a:gd name="connsiteX0" fmla="*/ 205033 w 6267294"/>
+              <a:gd name="connsiteY0" fmla="*/ 0 h 4057767"/>
+              <a:gd name="connsiteX1" fmla="*/ 611668 w 6267294"/>
+              <a:gd name="connsiteY1" fmla="*/ 3200874 h 4057767"/>
+              <a:gd name="connsiteX2" fmla="*/ 6267294 w 6267294"/>
+              <a:gd name="connsiteY2" fmla="*/ 4057767 h 4057767"/>
+              <a:gd name="connsiteX0" fmla="*/ 369782 w 6432043"/>
+              <a:gd name="connsiteY0" fmla="*/ 0 h 4057767"/>
+              <a:gd name="connsiteX1" fmla="*/ 436437 w 6432043"/>
+              <a:gd name="connsiteY1" fmla="*/ 2922022 h 4057767"/>
+              <a:gd name="connsiteX2" fmla="*/ 6432043 w 6432043"/>
+              <a:gd name="connsiteY2" fmla="*/ 4057767 h 4057767"/>
+              <a:gd name="connsiteX0" fmla="*/ 369782 w 4197886"/>
+              <a:gd name="connsiteY0" fmla="*/ 0 h 4125076"/>
+              <a:gd name="connsiteX1" fmla="*/ 436437 w 4197886"/>
+              <a:gd name="connsiteY1" fmla="*/ 2922022 h 4125076"/>
+              <a:gd name="connsiteX2" fmla="*/ 4197886 w 4197886"/>
+              <a:gd name="connsiteY2" fmla="*/ 4125076 h 4125076"/>
+              <a:gd name="connsiteX0" fmla="*/ 369782 w 5059980"/>
+              <a:gd name="connsiteY0" fmla="*/ 0 h 4153922"/>
+              <a:gd name="connsiteX1" fmla="*/ 436437 w 5059980"/>
+              <a:gd name="connsiteY1" fmla="*/ 2922022 h 4153922"/>
+              <a:gd name="connsiteX2" fmla="*/ 5059980 w 5059980"/>
+              <a:gd name="connsiteY2" fmla="*/ 4153922 h 4153922"/>
+              <a:gd name="connsiteX0" fmla="*/ 369782 w 5157118"/>
+              <a:gd name="connsiteY0" fmla="*/ 0 h 4125075"/>
+              <a:gd name="connsiteX1" fmla="*/ 436437 w 5157118"/>
+              <a:gd name="connsiteY1" fmla="*/ 2922022 h 4125075"/>
+              <a:gd name="connsiteX2" fmla="*/ 5157118 w 5157118"/>
+              <a:gd name="connsiteY2" fmla="*/ 4125075 h 4125075"/>
+              <a:gd name="connsiteX0" fmla="*/ 369782 w 5157118"/>
+              <a:gd name="connsiteY0" fmla="*/ 0 h 4125075"/>
+              <a:gd name="connsiteX1" fmla="*/ 436437 w 5157118"/>
+              <a:gd name="connsiteY1" fmla="*/ 2922022 h 4125075"/>
+              <a:gd name="connsiteX2" fmla="*/ 5157118 w 5157118"/>
+              <a:gd name="connsiteY2" fmla="*/ 4125075 h 4125075"/>
+            </a:gdLst>
+            <a:ahLst/>
+            <a:cxnLst>
+              <a:cxn ang="0">
+                <a:pos x="connsiteX0" y="connsiteY0"/>
+              </a:cxn>
+              <a:cxn ang="0">
+                <a:pos x="connsiteX1" y="connsiteY1"/>
+              </a:cxn>
+              <a:cxn ang="0">
+                <a:pos x="connsiteX2" y="connsiteY2"/>
+              </a:cxn>
+            </a:cxnLst>
+            <a:rect l="l" t="t" r="r" b="b"/>
+            <a:pathLst>
+              <a:path w="5157118" h="4125075">
+                <a:moveTo>
+                  <a:pt x="369782" y="0"/>
+                </a:moveTo>
+                <a:cubicBezTo>
+                  <a:pt x="60826" y="1404921"/>
+                  <a:pt x="-308836" y="2165598"/>
+                  <a:pt x="436437" y="2922022"/>
+                </a:cubicBezTo>
+                <a:cubicBezTo>
+                  <a:pt x="1181710" y="3678446"/>
+                  <a:pt x="4618763" y="4066082"/>
+                  <a:pt x="5157118" y="4125075"/>
+                </a:cubicBezTo>
+              </a:path>
+            </a:pathLst>
+          </a:custGeom>
+          <a:noFill/>
+          <a:ln w="38100"/>
+        </p:spPr>
+        <p:style>
+          <a:lnRef idx="2">
+            <a:schemeClr val="accent1">
+              <a:shade val="15000"/>
+            </a:schemeClr>
+          </a:lnRef>
+          <a:fillRef idx="1">
+            <a:schemeClr val="accent1"/>
+          </a:fillRef>
+          <a:effectRef idx="0">
+            <a:schemeClr val="accent1"/>
+          </a:effectRef>
+          <a:fontRef idx="minor">
+            <a:schemeClr val="lt1"/>
+          </a:fontRef>
+        </p:style>
+        <p:txBody>
+          <a:bodyPr rtlCol="0" anchor="ctr"/>
+          <a:lstStyle/>
+          <a:p>
+            <a:pPr algn="ctr"/>
+            <a:endParaRPr lang="en-US"/>
+          </a:p>
+        </p:txBody>
+      </p:sp>
+      <mc:AlternateContent xmlns:mc="http://schemas.openxmlformats.org/markup-compatibility/2006">
+        <mc:Choice xmlns:a14="http://schemas.microsoft.com/office/drawing/2010/main" Requires="a14">
+          <p:sp>
+            <p:nvSpPr>
+              <p:cNvPr id="3" name="TextBox 2">
+                <a:extLst>
+                  <a:ext uri="{FF2B5EF4-FFF2-40B4-BE49-F238E27FC236}">
+                    <a16:creationId xmlns:a16="http://schemas.microsoft.com/office/drawing/2014/main" id="{E609FA68-F729-6E25-BEAE-AA340DA6D4A9}"/>
+                  </a:ext>
+                </a:extLst>
+              </p:cNvPr>
+              <p:cNvSpPr txBox="1"/>
+              <p:nvPr/>
+            </p:nvSpPr>
+            <p:spPr>
+              <a:xfrm>
+                <a:off x="1947010" y="698230"/>
+                <a:ext cx="609600" cy="369332"/>
+              </a:xfrm>
+              <a:prstGeom prst="rect">
+                <a:avLst/>
+              </a:prstGeom>
+              <a:noFill/>
+            </p:spPr>
+            <p:txBody>
+              <a:bodyPr wrap="square" rtlCol="0">
+                <a:spAutoFit/>
+              </a:bodyPr>
+              <a:lstStyle/>
+              <a:p>
+                <a:pPr/>
+                <a14:m>
+                  <m:oMathPara xmlns:m="http://schemas.openxmlformats.org/officeDocument/2006/math">
+                    <m:oMathParaPr>
+                      <m:jc m:val="centerGroup"/>
+                    </m:oMathParaPr>
+                    <m:oMath xmlns:m="http://schemas.openxmlformats.org/officeDocument/2006/math">
+                      <m:sSub>
+                        <m:sSubPr>
+                          <m:ctrlPr>
+                            <a:rPr lang="en-US" b="1" i="1" smtClean="0">
+                              <a:latin typeface="Cambria Math" panose="02040503050406030204" pitchFamily="18" charset="0"/>
+                            </a:rPr>
+                          </m:ctrlPr>
+                        </m:sSubPr>
+                        <m:e>
+                          <m:r>
+                            <a:rPr lang="en-US" b="1" i="1" smtClean="0">
+                              <a:latin typeface="Cambria Math" panose="02040503050406030204" pitchFamily="18" charset="0"/>
+                            </a:rPr>
+                            <m:t>𝑰</m:t>
+                          </m:r>
+                        </m:e>
+                        <m:sub>
+                          <m:r>
+                            <a:rPr lang="en-US" b="1" i="1" smtClean="0">
+                              <a:latin typeface="Cambria Math" panose="02040503050406030204" pitchFamily="18" charset="0"/>
+                            </a:rPr>
+                            <m:t>𝟏</m:t>
+                          </m:r>
+                        </m:sub>
+                      </m:sSub>
+                    </m:oMath>
+                  </m:oMathPara>
+                </a14:m>
+                <a:endParaRPr lang="en-US" b="1" dirty="0"/>
+              </a:p>
+            </p:txBody>
+          </p:sp>
+        </mc:Choice>
+        <mc:Fallback>
+          <p:sp>
+            <p:nvSpPr>
+              <p:cNvPr id="3" name="TextBox 2">
+                <a:extLst>
+                  <a:ext uri="{FF2B5EF4-FFF2-40B4-BE49-F238E27FC236}">
+                    <a16:creationId xmlns:a16="http://schemas.microsoft.com/office/drawing/2014/main" id="{E609FA68-F729-6E25-BEAE-AA340DA6D4A9}"/>
+                  </a:ext>
+                </a:extLst>
+              </p:cNvPr>
+              <p:cNvSpPr txBox="1">
+                <a:spLocks noRot="1" noChangeAspect="1" noMove="1" noResize="1" noEditPoints="1" noAdjustHandles="1" noChangeArrowheads="1" noChangeShapeType="1" noTextEdit="1"/>
+              </p:cNvSpPr>
+              <p:nvPr/>
+            </p:nvSpPr>
+            <p:spPr>
+              <a:xfrm>
+                <a:off x="1947010" y="698230"/>
+                <a:ext cx="609600" cy="369332"/>
+              </a:xfrm>
+              <a:prstGeom prst="rect">
+                <a:avLst/>
+              </a:prstGeom>
+              <a:blipFill>
+                <a:blip r:embed="rId2"/>
+                <a:stretch>
+                  <a:fillRect/>
+                </a:stretch>
+              </a:blipFill>
+            </p:spPr>
+            <p:txBody>
+              <a:bodyPr/>
+              <a:lstStyle/>
+              <a:p>
+                <a:r>
+                  <a:rPr lang="en-US">
+                    <a:noFill/>
+                  </a:rPr>
+                  <a:t> </a:t>
+                </a:r>
+              </a:p>
+            </p:txBody>
+          </p:sp>
+        </mc:Fallback>
+      </mc:AlternateContent>
+      <p:cxnSp>
+        <p:nvCxnSpPr>
+          <p:cNvPr id="9" name="Straight Connector 8">
+            <a:extLst>
+              <a:ext uri="{FF2B5EF4-FFF2-40B4-BE49-F238E27FC236}">
+                <a16:creationId xmlns:a16="http://schemas.microsoft.com/office/drawing/2014/main" id="{2C050D4F-7287-DE06-6FC9-5E7AD8EC2B29}"/>
+              </a:ext>
+            </a:extLst>
+          </p:cNvPr>
+          <p:cNvCxnSpPr>
+            <a:cxnSpLocks/>
+          </p:cNvCxnSpPr>
+          <p:nvPr/>
+        </p:nvCxnSpPr>
+        <p:spPr>
+          <a:xfrm flipV="1">
+            <a:off x="1869163" y="4439672"/>
+            <a:ext cx="0" cy="1440300"/>
+          </a:xfrm>
+          <a:prstGeom prst="line">
+            <a:avLst/>
+          </a:prstGeom>
+          <a:ln w="38100">
+            <a:prstDash val="dash"/>
+          </a:ln>
+        </p:spPr>
+        <p:style>
+          <a:lnRef idx="2">
+            <a:schemeClr val="accent1"/>
+          </a:lnRef>
+          <a:fillRef idx="0">
+            <a:schemeClr val="accent1"/>
+          </a:fillRef>
+          <a:effectRef idx="1">
+            <a:schemeClr val="accent1"/>
+          </a:effectRef>
+          <a:fontRef idx="minor">
+            <a:schemeClr val="tx1"/>
+          </a:fontRef>
+        </p:style>
+      </p:cxnSp>
+      <p:sp>
+        <p:nvSpPr>
+          <p:cNvPr id="10" name="Oval 9">
+            <a:extLst>
+              <a:ext uri="{FF2B5EF4-FFF2-40B4-BE49-F238E27FC236}">
+                <a16:creationId xmlns:a16="http://schemas.microsoft.com/office/drawing/2014/main" id="{57B78BB4-5859-E0EC-923F-C246B6F2B9A3}"/>
+              </a:ext>
+            </a:extLst>
+          </p:cNvPr>
+          <p:cNvSpPr/>
+          <p:nvPr/>
+        </p:nvSpPr>
+        <p:spPr>
+          <a:xfrm>
+            <a:off x="1746088" y="4230540"/>
+            <a:ext cx="246150" cy="247711"/>
+          </a:xfrm>
+          <a:prstGeom prst="ellipse">
+            <a:avLst/>
+          </a:prstGeom>
+          <a:solidFill>
+            <a:srgbClr val="C00000"/>
+          </a:solidFill>
+          <a:ln>
+            <a:solidFill>
+              <a:schemeClr val="tx1"/>
+            </a:solidFill>
+          </a:ln>
+        </p:spPr>
+        <p:style>
+          <a:lnRef idx="2">
+            <a:schemeClr val="accent1">
+              <a:shade val="15000"/>
+            </a:schemeClr>
+          </a:lnRef>
+          <a:fillRef idx="1">
+            <a:schemeClr val="accent1"/>
+          </a:fillRef>
+          <a:effectRef idx="0">
+            <a:schemeClr val="accent1"/>
+          </a:effectRef>
+          <a:fontRef idx="minor">
+            <a:schemeClr val="lt1"/>
+          </a:fontRef>
+        </p:style>
+        <p:txBody>
+          <a:bodyPr rtlCol="0" anchor="ctr"/>
+          <a:lstStyle/>
+          <a:p>
+            <a:pPr algn="ctr"/>
+            <a:endParaRPr lang="en-US"/>
+          </a:p>
+        </p:txBody>
+      </p:sp>
+      <p:cxnSp>
+        <p:nvCxnSpPr>
+          <p:cNvPr id="14" name="Straight Connector 13">
+            <a:extLst>
+              <a:ext uri="{FF2B5EF4-FFF2-40B4-BE49-F238E27FC236}">
+                <a16:creationId xmlns:a16="http://schemas.microsoft.com/office/drawing/2014/main" id="{7C8F2767-9370-7A6F-86F4-21712287D8DE}"/>
+              </a:ext>
+            </a:extLst>
+          </p:cNvPr>
+          <p:cNvCxnSpPr>
+            <a:cxnSpLocks/>
+            <a:endCxn id="10" idx="2"/>
+          </p:cNvCxnSpPr>
+          <p:nvPr/>
+        </p:nvCxnSpPr>
+        <p:spPr>
+          <a:xfrm>
+            <a:off x="1326263" y="4354396"/>
+            <a:ext cx="419825" cy="0"/>
+          </a:xfrm>
+          <a:prstGeom prst="line">
+            <a:avLst/>
+          </a:prstGeom>
+          <a:ln w="38100">
+            <a:prstDash val="dash"/>
+          </a:ln>
+        </p:spPr>
+        <p:style>
+          <a:lnRef idx="2">
+            <a:schemeClr val="accent1"/>
+          </a:lnRef>
+          <a:fillRef idx="0">
+            <a:schemeClr val="accent1"/>
+          </a:fillRef>
+          <a:effectRef idx="1">
+            <a:schemeClr val="accent1"/>
+          </a:effectRef>
+          <a:fontRef idx="minor">
+            <a:schemeClr val="tx1"/>
+          </a:fontRef>
+        </p:style>
+      </p:cxnSp>
+      <mc:AlternateContent xmlns:mc="http://schemas.openxmlformats.org/markup-compatibility/2006">
+        <mc:Choice xmlns:a14="http://schemas.microsoft.com/office/drawing/2010/main" Requires="a14">
+          <p:sp>
+            <p:nvSpPr>
+              <p:cNvPr id="17" name="TextBox 16">
+                <a:extLst>
+                  <a:ext uri="{FF2B5EF4-FFF2-40B4-BE49-F238E27FC236}">
+                    <a16:creationId xmlns:a16="http://schemas.microsoft.com/office/drawing/2014/main" id="{3C900D11-C0F0-EF41-5996-4C458435C9AF}"/>
+                  </a:ext>
+                </a:extLst>
+              </p:cNvPr>
+              <p:cNvSpPr txBox="1"/>
+              <p:nvPr/>
+            </p:nvSpPr>
+            <p:spPr>
+              <a:xfrm>
+                <a:off x="1536175" y="5987253"/>
+                <a:ext cx="609600" cy="405752"/>
+              </a:xfrm>
+              <a:prstGeom prst="rect">
+                <a:avLst/>
+              </a:prstGeom>
+              <a:noFill/>
+            </p:spPr>
+            <p:txBody>
+              <a:bodyPr wrap="square" rtlCol="0">
+                <a:spAutoFit/>
+              </a:bodyPr>
+              <a:lstStyle/>
+              <a:p>
+                <a:pPr/>
+                <a14:m>
+                  <m:oMathPara xmlns:m="http://schemas.openxmlformats.org/officeDocument/2006/math">
+                    <m:oMathParaPr>
+                      <m:jc m:val="centerGroup"/>
+                    </m:oMathParaPr>
+                    <m:oMath xmlns:m="http://schemas.openxmlformats.org/officeDocument/2006/math">
+                      <m:sSubSup>
+                        <m:sSubSupPr>
+                          <m:ctrlPr>
+                            <a:rPr lang="en-US" b="1" i="1" smtClean="0">
+                              <a:latin typeface="Cambria Math" panose="02040503050406030204" pitchFamily="18" charset="0"/>
+                            </a:rPr>
+                          </m:ctrlPr>
+                        </m:sSubSupPr>
+                        <m:e>
+                          <m:r>
+                            <a:rPr lang="en-US" b="1" i="1" smtClean="0">
+                              <a:latin typeface="Cambria Math" panose="02040503050406030204" pitchFamily="18" charset="0"/>
+                            </a:rPr>
+                            <m:t>𝑸</m:t>
+                          </m:r>
+                        </m:e>
+                        <m:sub>
+                          <m:r>
+                            <a:rPr lang="en-US" b="1" i="1" smtClean="0">
+                              <a:latin typeface="Cambria Math" panose="02040503050406030204" pitchFamily="18" charset="0"/>
+                            </a:rPr>
+                            <m:t>𝒇</m:t>
+                          </m:r>
+                        </m:sub>
+                        <m:sup>
+                          <m:r>
+                            <a:rPr lang="en-US" b="1" i="1" smtClean="0">
+                              <a:latin typeface="Cambria Math" panose="02040503050406030204" pitchFamily="18" charset="0"/>
+                            </a:rPr>
+                            <m:t>∗</m:t>
+                          </m:r>
+                        </m:sup>
+                      </m:sSubSup>
+                    </m:oMath>
+                  </m:oMathPara>
+                </a14:m>
+                <a:endParaRPr lang="en-US" b="1" dirty="0"/>
+              </a:p>
+            </p:txBody>
+          </p:sp>
+        </mc:Choice>
+        <mc:Fallback>
+          <p:sp>
+            <p:nvSpPr>
+              <p:cNvPr id="17" name="TextBox 16">
+                <a:extLst>
+                  <a:ext uri="{FF2B5EF4-FFF2-40B4-BE49-F238E27FC236}">
+                    <a16:creationId xmlns:a16="http://schemas.microsoft.com/office/drawing/2014/main" id="{3C900D11-C0F0-EF41-5996-4C458435C9AF}"/>
+                  </a:ext>
+                </a:extLst>
+              </p:cNvPr>
+              <p:cNvSpPr txBox="1">
+                <a:spLocks noRot="1" noChangeAspect="1" noMove="1" noResize="1" noEditPoints="1" noAdjustHandles="1" noChangeArrowheads="1" noChangeShapeType="1" noTextEdit="1"/>
+              </p:cNvSpPr>
+              <p:nvPr/>
+            </p:nvSpPr>
+            <p:spPr>
+              <a:xfrm>
+                <a:off x="1536175" y="5987253"/>
+                <a:ext cx="609600" cy="405752"/>
+              </a:xfrm>
+              <a:prstGeom prst="rect">
+                <a:avLst/>
+              </a:prstGeom>
+              <a:blipFill>
+                <a:blip r:embed="rId3"/>
+                <a:stretch>
+                  <a:fillRect b="-3030"/>
+                </a:stretch>
+              </a:blipFill>
+            </p:spPr>
+            <p:txBody>
+              <a:bodyPr/>
+              <a:lstStyle/>
+              <a:p>
+                <a:r>
+                  <a:rPr lang="en-US">
+                    <a:noFill/>
+                  </a:rPr>
+                  <a:t> </a:t>
+                </a:r>
+              </a:p>
+            </p:txBody>
+          </p:sp>
+        </mc:Fallback>
+      </mc:AlternateContent>
+      <mc:AlternateContent xmlns:mc="http://schemas.openxmlformats.org/markup-compatibility/2006">
+        <mc:Choice xmlns:a14="http://schemas.microsoft.com/office/drawing/2010/main" Requires="a14">
+          <p:sp>
+            <p:nvSpPr>
+              <p:cNvPr id="19" name="TextBox 18">
+                <a:extLst>
+                  <a:ext uri="{FF2B5EF4-FFF2-40B4-BE49-F238E27FC236}">
+                    <a16:creationId xmlns:a16="http://schemas.microsoft.com/office/drawing/2014/main" id="{7615D827-B219-C217-C028-63FBB2B859AE}"/>
+                  </a:ext>
+                </a:extLst>
+              </p:cNvPr>
+              <p:cNvSpPr txBox="1"/>
+              <p:nvPr/>
+            </p:nvSpPr>
+            <p:spPr>
+              <a:xfrm>
+                <a:off x="697610" y="4204451"/>
+                <a:ext cx="609600" cy="369332"/>
+              </a:xfrm>
+              <a:prstGeom prst="rect">
+                <a:avLst/>
+              </a:prstGeom>
+              <a:noFill/>
+            </p:spPr>
+            <p:txBody>
+              <a:bodyPr wrap="square" rtlCol="0">
+                <a:spAutoFit/>
+              </a:bodyPr>
+              <a:lstStyle/>
+              <a:p>
+                <a:pPr/>
+                <a14:m>
+                  <m:oMathPara xmlns:m="http://schemas.openxmlformats.org/officeDocument/2006/math">
+                    <m:oMathParaPr>
+                      <m:jc m:val="centerGroup"/>
+                    </m:oMathParaPr>
+                    <m:oMath xmlns:m="http://schemas.openxmlformats.org/officeDocument/2006/math">
+                      <m:sSubSup>
+                        <m:sSubSupPr>
+                          <m:ctrlPr>
+                            <a:rPr lang="en-US" b="1" i="1" smtClean="0">
+                              <a:latin typeface="Cambria Math" panose="02040503050406030204" pitchFamily="18" charset="0"/>
+                            </a:rPr>
+                          </m:ctrlPr>
+                        </m:sSubSupPr>
+                        <m:e>
+                          <m:r>
+                            <a:rPr lang="en-US" b="1" i="1" smtClean="0">
+                              <a:latin typeface="Cambria Math" panose="02040503050406030204" pitchFamily="18" charset="0"/>
+                            </a:rPr>
+                            <m:t>𝑸</m:t>
+                          </m:r>
+                        </m:e>
+                        <m:sub>
+                          <m:r>
+                            <a:rPr lang="en-US" b="1" i="1" smtClean="0">
+                              <a:latin typeface="Cambria Math" panose="02040503050406030204" pitchFamily="18" charset="0"/>
+                            </a:rPr>
+                            <m:t>𝑪</m:t>
+                          </m:r>
+                        </m:sub>
+                        <m:sup>
+                          <m:r>
+                            <a:rPr lang="en-US" b="1" i="1" smtClean="0">
+                              <a:latin typeface="Cambria Math" panose="02040503050406030204" pitchFamily="18" charset="0"/>
+                            </a:rPr>
+                            <m:t>∗</m:t>
+                          </m:r>
+                        </m:sup>
+                      </m:sSubSup>
+                    </m:oMath>
+                  </m:oMathPara>
+                </a14:m>
+                <a:endParaRPr lang="en-US" b="1" dirty="0"/>
+              </a:p>
+            </p:txBody>
+          </p:sp>
+        </mc:Choice>
+        <mc:Fallback>
+          <p:sp>
+            <p:nvSpPr>
+              <p:cNvPr id="19" name="TextBox 18">
+                <a:extLst>
+                  <a:ext uri="{FF2B5EF4-FFF2-40B4-BE49-F238E27FC236}">
+                    <a16:creationId xmlns:a16="http://schemas.microsoft.com/office/drawing/2014/main" id="{7615D827-B219-C217-C028-63FBB2B859AE}"/>
+                  </a:ext>
+                </a:extLst>
+              </p:cNvPr>
+              <p:cNvSpPr txBox="1">
+                <a:spLocks noRot="1" noChangeAspect="1" noMove="1" noResize="1" noEditPoints="1" noAdjustHandles="1" noChangeArrowheads="1" noChangeShapeType="1" noTextEdit="1"/>
+              </p:cNvSpPr>
+              <p:nvPr/>
+            </p:nvSpPr>
+            <p:spPr>
+              <a:xfrm>
+                <a:off x="697610" y="4204451"/>
+                <a:ext cx="609600" cy="369332"/>
+              </a:xfrm>
+              <a:prstGeom prst="rect">
+                <a:avLst/>
+              </a:prstGeom>
+              <a:blipFill>
+                <a:blip r:embed="rId4"/>
+                <a:stretch>
+                  <a:fillRect b="-10345"/>
+                </a:stretch>
+              </a:blipFill>
+            </p:spPr>
+            <p:txBody>
+              <a:bodyPr/>
+              <a:lstStyle/>
+              <a:p>
+                <a:r>
+                  <a:rPr lang="en-US">
+                    <a:noFill/>
+                  </a:rPr>
+                  <a:t> </a:t>
+                </a:r>
+              </a:p>
+            </p:txBody>
+          </p:sp>
+        </mc:Fallback>
+      </mc:AlternateContent>
+      <mc:AlternateContent xmlns:mc="http://schemas.openxmlformats.org/markup-compatibility/2006">
+        <mc:Choice xmlns:a14="http://schemas.microsoft.com/office/drawing/2010/main" Requires="a14">
+          <p:sp>
+            <p:nvSpPr>
+              <p:cNvPr id="20" name="TextBox 19">
+                <a:extLst>
+                  <a:ext uri="{FF2B5EF4-FFF2-40B4-BE49-F238E27FC236}">
+                    <a16:creationId xmlns:a16="http://schemas.microsoft.com/office/drawing/2014/main" id="{FACC6C82-F077-2AE0-3BAC-F92F704FCC0B}"/>
+                  </a:ext>
+                </a:extLst>
+              </p:cNvPr>
+              <p:cNvSpPr txBox="1"/>
+              <p:nvPr/>
+            </p:nvSpPr>
+            <p:spPr>
+              <a:xfrm>
+                <a:off x="2627971" y="5988700"/>
+                <a:ext cx="609600" cy="369332"/>
+              </a:xfrm>
+              <a:prstGeom prst="rect">
+                <a:avLst/>
+              </a:prstGeom>
+              <a:noFill/>
+            </p:spPr>
+            <p:txBody>
+              <a:bodyPr wrap="square" rtlCol="0">
+                <a:spAutoFit/>
+              </a:bodyPr>
+              <a:lstStyle/>
+              <a:p>
+                <a:pPr/>
+                <a14:m>
+                  <m:oMathPara xmlns:m="http://schemas.openxmlformats.org/officeDocument/2006/math">
+                    <m:oMathParaPr>
+                      <m:jc m:val="centerGroup"/>
+                    </m:oMathParaPr>
+                    <m:oMath xmlns:m="http://schemas.openxmlformats.org/officeDocument/2006/math">
+                      <m:r>
+                        <a:rPr lang="en-US" b="1" i="1" smtClean="0">
+                          <a:latin typeface="Cambria Math" panose="02040503050406030204" pitchFamily="18" charset="0"/>
+                        </a:rPr>
+                        <m:t>𝟔</m:t>
+                      </m:r>
+                    </m:oMath>
+                  </m:oMathPara>
+                </a14:m>
+                <a:endParaRPr lang="en-US" b="1" dirty="0"/>
+              </a:p>
+            </p:txBody>
+          </p:sp>
+        </mc:Choice>
+        <mc:Fallback>
+          <p:sp>
+            <p:nvSpPr>
+              <p:cNvPr id="20" name="TextBox 19">
+                <a:extLst>
+                  <a:ext uri="{FF2B5EF4-FFF2-40B4-BE49-F238E27FC236}">
+                    <a16:creationId xmlns:a16="http://schemas.microsoft.com/office/drawing/2014/main" id="{FACC6C82-F077-2AE0-3BAC-F92F704FCC0B}"/>
+                  </a:ext>
+                </a:extLst>
+              </p:cNvPr>
+              <p:cNvSpPr txBox="1">
+                <a:spLocks noRot="1" noChangeAspect="1" noMove="1" noResize="1" noEditPoints="1" noAdjustHandles="1" noChangeArrowheads="1" noChangeShapeType="1" noTextEdit="1"/>
+              </p:cNvSpPr>
+              <p:nvPr/>
+            </p:nvSpPr>
+            <p:spPr>
+              <a:xfrm>
+                <a:off x="2627971" y="5988700"/>
+                <a:ext cx="609600" cy="369332"/>
+              </a:xfrm>
+              <a:prstGeom prst="rect">
+                <a:avLst/>
+              </a:prstGeom>
+              <a:blipFill>
+                <a:blip r:embed="rId5"/>
+                <a:stretch>
+                  <a:fillRect/>
+                </a:stretch>
+              </a:blipFill>
+            </p:spPr>
+            <p:txBody>
+              <a:bodyPr/>
+              <a:lstStyle/>
+              <a:p>
+                <a:r>
+                  <a:rPr lang="en-US">
+                    <a:noFill/>
+                  </a:rPr>
+                  <a:t> </a:t>
+                </a:r>
+              </a:p>
+            </p:txBody>
+          </p:sp>
+        </mc:Fallback>
+      </mc:AlternateContent>
+      <mc:AlternateContent xmlns:mc="http://schemas.openxmlformats.org/markup-compatibility/2006">
+        <mc:Choice xmlns:a14="http://schemas.microsoft.com/office/drawing/2010/main" Requires="a14">
+          <p:sp>
+            <p:nvSpPr>
+              <p:cNvPr id="21" name="TextBox 20">
+                <a:extLst>
+                  <a:ext uri="{FF2B5EF4-FFF2-40B4-BE49-F238E27FC236}">
+                    <a16:creationId xmlns:a16="http://schemas.microsoft.com/office/drawing/2014/main" id="{E4FE8133-31B0-6093-D877-A1C668C494DF}"/>
+                  </a:ext>
+                </a:extLst>
+              </p:cNvPr>
+              <p:cNvSpPr txBox="1"/>
+              <p:nvPr/>
+            </p:nvSpPr>
+            <p:spPr>
+              <a:xfrm>
+                <a:off x="849430" y="3238508"/>
+                <a:ext cx="609600" cy="369332"/>
+              </a:xfrm>
+              <a:prstGeom prst="rect">
+                <a:avLst/>
+              </a:prstGeom>
+              <a:noFill/>
+            </p:spPr>
+            <p:txBody>
+              <a:bodyPr wrap="square" rtlCol="0">
+                <a:spAutoFit/>
+              </a:bodyPr>
+              <a:lstStyle/>
+              <a:p>
+                <a:pPr/>
+                <a14:m>
+                  <m:oMathPara xmlns:m="http://schemas.openxmlformats.org/officeDocument/2006/math">
+                    <m:oMathParaPr>
+                      <m:jc m:val="centerGroup"/>
+                    </m:oMathParaPr>
+                    <m:oMath xmlns:m="http://schemas.openxmlformats.org/officeDocument/2006/math">
+                      <m:r>
+                        <a:rPr lang="en-US" b="1" i="1" smtClean="0">
+                          <a:latin typeface="Cambria Math" panose="02040503050406030204" pitchFamily="18" charset="0"/>
+                        </a:rPr>
+                        <m:t>𝟓</m:t>
+                      </m:r>
+                    </m:oMath>
+                  </m:oMathPara>
+                </a14:m>
+                <a:endParaRPr lang="en-US" b="1" dirty="0"/>
+              </a:p>
+            </p:txBody>
+          </p:sp>
+        </mc:Choice>
+        <mc:Fallback>
+          <p:sp>
+            <p:nvSpPr>
+              <p:cNvPr id="21" name="TextBox 20">
+                <a:extLst>
+                  <a:ext uri="{FF2B5EF4-FFF2-40B4-BE49-F238E27FC236}">
+                    <a16:creationId xmlns:a16="http://schemas.microsoft.com/office/drawing/2014/main" id="{E4FE8133-31B0-6093-D877-A1C668C494DF}"/>
+                  </a:ext>
+                </a:extLst>
+              </p:cNvPr>
+              <p:cNvSpPr txBox="1">
+                <a:spLocks noRot="1" noChangeAspect="1" noMove="1" noResize="1" noEditPoints="1" noAdjustHandles="1" noChangeArrowheads="1" noChangeShapeType="1" noTextEdit="1"/>
+              </p:cNvSpPr>
+              <p:nvPr/>
+            </p:nvSpPr>
+            <p:spPr>
+              <a:xfrm>
+                <a:off x="849430" y="3238508"/>
+                <a:ext cx="609600" cy="369332"/>
+              </a:xfrm>
+              <a:prstGeom prst="rect">
+                <a:avLst/>
+              </a:prstGeom>
+              <a:blipFill>
+                <a:blip r:embed="rId6"/>
+                <a:stretch>
+                  <a:fillRect/>
+                </a:stretch>
+              </a:blipFill>
+            </p:spPr>
+            <p:txBody>
+              <a:bodyPr/>
+              <a:lstStyle/>
+              <a:p>
+                <a:r>
+                  <a:rPr lang="en-US">
+                    <a:noFill/>
+                  </a:rPr>
+                  <a:t> </a:t>
+                </a:r>
+              </a:p>
+            </p:txBody>
+          </p:sp>
+        </mc:Fallback>
+      </mc:AlternateContent>
+      <p:cxnSp>
+        <p:nvCxnSpPr>
+          <p:cNvPr id="12" name="Straight Connector 11">
+            <a:extLst>
+              <a:ext uri="{FF2B5EF4-FFF2-40B4-BE49-F238E27FC236}">
+                <a16:creationId xmlns:a16="http://schemas.microsoft.com/office/drawing/2014/main" id="{4B3000AB-B1E6-6EDF-D11F-FD9487F704B3}"/>
+              </a:ext>
+            </a:extLst>
+          </p:cNvPr>
+          <p:cNvCxnSpPr>
+            <a:cxnSpLocks/>
+          </p:cNvCxnSpPr>
+          <p:nvPr/>
+        </p:nvCxnSpPr>
+        <p:spPr>
+          <a:xfrm>
+            <a:off x="1335789" y="1460810"/>
+            <a:ext cx="2927269" cy="4495356"/>
+          </a:xfrm>
+          <a:prstGeom prst="line">
+            <a:avLst/>
+          </a:prstGeom>
+          <a:ln w="57150"/>
+        </p:spPr>
+        <p:style>
+          <a:lnRef idx="2">
+            <a:schemeClr val="accent1"/>
+          </a:lnRef>
+          <a:fillRef idx="0">
+            <a:schemeClr val="accent1"/>
+          </a:fillRef>
+          <a:effectRef idx="1">
+            <a:schemeClr val="accent1"/>
+          </a:effectRef>
+          <a:fontRef idx="minor">
+            <a:schemeClr val="tx1"/>
+          </a:fontRef>
+        </p:style>
+      </p:cxnSp>
+      <mc:AlternateContent xmlns:mc="http://schemas.openxmlformats.org/markup-compatibility/2006">
+        <mc:Choice xmlns:a14="http://schemas.microsoft.com/office/drawing/2010/main" Requires="a14">
+          <p:sp>
+            <p:nvSpPr>
+              <p:cNvPr id="15" name="TextBox 14">
+                <a:extLst>
+                  <a:ext uri="{FF2B5EF4-FFF2-40B4-BE49-F238E27FC236}">
+                    <a16:creationId xmlns:a16="http://schemas.microsoft.com/office/drawing/2014/main" id="{8A7EA36E-5E7F-A5B9-4E36-950CC0A4D8EC}"/>
+                  </a:ext>
+                </a:extLst>
+              </p:cNvPr>
+              <p:cNvSpPr txBox="1"/>
+              <p:nvPr/>
+            </p:nvSpPr>
+            <p:spPr>
+              <a:xfrm>
+                <a:off x="772907" y="1276144"/>
+                <a:ext cx="609600" cy="369332"/>
+              </a:xfrm>
+              <a:prstGeom prst="rect">
+                <a:avLst/>
+              </a:prstGeom>
+              <a:noFill/>
+            </p:spPr>
+            <p:txBody>
+              <a:bodyPr wrap="square" rtlCol="0">
+                <a:spAutoFit/>
+              </a:bodyPr>
+              <a:lstStyle/>
+              <a:p>
+                <a:pPr/>
+                <a14:m>
+                  <m:oMathPara xmlns:m="http://schemas.openxmlformats.org/officeDocument/2006/math">
+                    <m:oMathParaPr>
+                      <m:jc m:val="centerGroup"/>
+                    </m:oMathParaPr>
+                    <m:oMath xmlns:m="http://schemas.openxmlformats.org/officeDocument/2006/math">
+                      <m:r>
+                        <a:rPr lang="en-US" b="1" i="1" smtClean="0">
+                          <a:latin typeface="Cambria Math" panose="02040503050406030204" pitchFamily="18" charset="0"/>
+                        </a:rPr>
+                        <m:t>𝟏𝟎</m:t>
+                      </m:r>
+                    </m:oMath>
+                  </m:oMathPara>
+                </a14:m>
+                <a:endParaRPr lang="en-US" b="1" dirty="0"/>
+              </a:p>
+            </p:txBody>
+          </p:sp>
+        </mc:Choice>
+        <mc:Fallback>
+          <p:sp>
+            <p:nvSpPr>
+              <p:cNvPr id="15" name="TextBox 14">
+                <a:extLst>
+                  <a:ext uri="{FF2B5EF4-FFF2-40B4-BE49-F238E27FC236}">
+                    <a16:creationId xmlns:a16="http://schemas.microsoft.com/office/drawing/2014/main" id="{8A7EA36E-5E7F-A5B9-4E36-950CC0A4D8EC}"/>
+                  </a:ext>
+                </a:extLst>
+              </p:cNvPr>
+              <p:cNvSpPr txBox="1">
+                <a:spLocks noRot="1" noChangeAspect="1" noMove="1" noResize="1" noEditPoints="1" noAdjustHandles="1" noChangeArrowheads="1" noChangeShapeType="1" noTextEdit="1"/>
+              </p:cNvSpPr>
+              <p:nvPr/>
+            </p:nvSpPr>
+            <p:spPr>
+              <a:xfrm>
+                <a:off x="772907" y="1276144"/>
+                <a:ext cx="609600" cy="369332"/>
+              </a:xfrm>
+              <a:prstGeom prst="rect">
+                <a:avLst/>
+              </a:prstGeom>
+              <a:blipFill>
+                <a:blip r:embed="rId7"/>
+                <a:stretch>
+                  <a:fillRect/>
+                </a:stretch>
+              </a:blipFill>
+            </p:spPr>
+            <p:txBody>
+              <a:bodyPr/>
+              <a:lstStyle/>
+              <a:p>
+                <a:r>
+                  <a:rPr lang="en-US">
+                    <a:noFill/>
+                  </a:rPr>
+                  <a:t> </a:t>
+                </a:r>
+              </a:p>
+            </p:txBody>
+          </p:sp>
+        </mc:Fallback>
+      </mc:AlternateContent>
+      <mc:AlternateContent xmlns:mc="http://schemas.openxmlformats.org/markup-compatibility/2006">
+        <mc:Choice xmlns:a14="http://schemas.microsoft.com/office/drawing/2010/main" Requires="a14">
+          <p:sp>
+            <p:nvSpPr>
+              <p:cNvPr id="16" name="TextBox 15">
+                <a:extLst>
+                  <a:ext uri="{FF2B5EF4-FFF2-40B4-BE49-F238E27FC236}">
+                    <a16:creationId xmlns:a16="http://schemas.microsoft.com/office/drawing/2014/main" id="{88DAC28D-BA29-64DB-EB3B-E1E837B2FBF7}"/>
+                  </a:ext>
+                </a:extLst>
+              </p:cNvPr>
+              <p:cNvSpPr txBox="1"/>
+              <p:nvPr/>
+            </p:nvSpPr>
+            <p:spPr>
+              <a:xfrm>
+                <a:off x="3958258" y="5999152"/>
+                <a:ext cx="609600" cy="369332"/>
+              </a:xfrm>
+              <a:prstGeom prst="rect">
+                <a:avLst/>
+              </a:prstGeom>
+              <a:noFill/>
+            </p:spPr>
+            <p:txBody>
+              <a:bodyPr wrap="square" rtlCol="0">
+                <a:spAutoFit/>
+              </a:bodyPr>
+              <a:lstStyle/>
+              <a:p>
+                <a:pPr/>
+                <a14:m>
+                  <m:oMathPara xmlns:m="http://schemas.openxmlformats.org/officeDocument/2006/math">
+                    <m:oMathParaPr>
+                      <m:jc m:val="centerGroup"/>
+                    </m:oMathParaPr>
+                    <m:oMath xmlns:m="http://schemas.openxmlformats.org/officeDocument/2006/math">
+                      <m:r>
+                        <a:rPr lang="en-US" b="1" i="1" smtClean="0">
+                          <a:latin typeface="Cambria Math" panose="02040503050406030204" pitchFamily="18" charset="0"/>
+                        </a:rPr>
+                        <m:t>𝟏𝟐</m:t>
+                      </m:r>
+                    </m:oMath>
+                  </m:oMathPara>
+                </a14:m>
+                <a:endParaRPr lang="en-US" b="1" dirty="0"/>
+              </a:p>
+            </p:txBody>
+          </p:sp>
+        </mc:Choice>
+        <mc:Fallback>
+          <p:sp>
+            <p:nvSpPr>
+              <p:cNvPr id="16" name="TextBox 15">
+                <a:extLst>
+                  <a:ext uri="{FF2B5EF4-FFF2-40B4-BE49-F238E27FC236}">
+                    <a16:creationId xmlns:a16="http://schemas.microsoft.com/office/drawing/2014/main" id="{88DAC28D-BA29-64DB-EB3B-E1E837B2FBF7}"/>
+                  </a:ext>
+                </a:extLst>
+              </p:cNvPr>
+              <p:cNvSpPr txBox="1">
+                <a:spLocks noRot="1" noChangeAspect="1" noMove="1" noResize="1" noEditPoints="1" noAdjustHandles="1" noChangeArrowheads="1" noChangeShapeType="1" noTextEdit="1"/>
+              </p:cNvSpPr>
+              <p:nvPr/>
+            </p:nvSpPr>
+            <p:spPr>
+              <a:xfrm>
+                <a:off x="3958258" y="5999152"/>
+                <a:ext cx="609600" cy="369332"/>
+              </a:xfrm>
+              <a:prstGeom prst="rect">
+                <a:avLst/>
+              </a:prstGeom>
+              <a:blipFill>
+                <a:blip r:embed="rId8"/>
+                <a:stretch>
+                  <a:fillRect/>
+                </a:stretch>
+              </a:blipFill>
+            </p:spPr>
+            <p:txBody>
+              <a:bodyPr/>
+              <a:lstStyle/>
+              <a:p>
+                <a:r>
+                  <a:rPr lang="en-US">
+                    <a:noFill/>
+                  </a:rPr>
+                  <a:t> </a:t>
+                </a:r>
+              </a:p>
+            </p:txBody>
+          </p:sp>
+        </mc:Fallback>
+      </mc:AlternateContent>
+    </p:spTree>
+    <p:extLst>
+      <p:ext uri="{BB962C8B-B14F-4D97-AF65-F5344CB8AC3E}">
+        <p14:creationId xmlns:p14="http://schemas.microsoft.com/office/powerpoint/2010/main" val="1216586750"/>
+      </p:ext>
+    </p:extLst>
+  </p:cSld>
+  <p:clrMapOvr>
+    <a:masterClrMapping/>
+  </p:clrMapOvr>
+</p:sld>
+</file>
+
+<file path=ppt/slides/slide18.xml><?xml version="1.0" encoding="utf-8"?>
+<p:sld xmlns:a="http://schemas.openxmlformats.org/drawingml/2006/main" xmlns:r="http://schemas.openxmlformats.org/officeDocument/2006/relationships" xmlns:p="http://schemas.openxmlformats.org/presentationml/2006/main">
+  <p:cSld>
+    <p:spTree>
+      <p:nvGrpSpPr>
+        <p:cNvPr id="1" name="">
+          <a:extLst>
+            <a:ext uri="{FF2B5EF4-FFF2-40B4-BE49-F238E27FC236}">
+              <a16:creationId xmlns:a16="http://schemas.microsoft.com/office/drawing/2014/main" id="{91D759F6-7D80-1755-8C0A-35FFAECB7BA6}"/>
+            </a:ext>
+          </a:extLst>
+        </p:cNvPr>
+        <p:cNvGrpSpPr/>
+        <p:nvPr/>
+      </p:nvGrpSpPr>
+      <p:grpSpPr>
+        <a:xfrm>
+          <a:off x="0" y="0"/>
+          <a:ext cx="0" cy="0"/>
+          <a:chOff x="0" y="0"/>
+          <a:chExt cx="0" cy="0"/>
+        </a:xfrm>
+      </p:grpSpPr>
+      <p:grpSp>
+        <p:nvGrpSpPr>
+          <p:cNvPr id="4" name="Group 3">
+            <a:extLst>
+              <a:ext uri="{FF2B5EF4-FFF2-40B4-BE49-F238E27FC236}">
+                <a16:creationId xmlns:a16="http://schemas.microsoft.com/office/drawing/2014/main" id="{5A845AB8-DAFE-BFDB-B16F-29259FA1AA04}"/>
+              </a:ext>
+            </a:extLst>
+          </p:cNvPr>
+          <p:cNvGrpSpPr/>
+          <p:nvPr/>
+        </p:nvGrpSpPr>
+        <p:grpSpPr>
+          <a:xfrm>
+            <a:off x="1297684" y="804672"/>
+            <a:ext cx="9089136" cy="5189854"/>
+            <a:chOff x="1297684" y="804672"/>
+            <a:chExt cx="9089136" cy="5102352"/>
+          </a:xfrm>
+        </p:grpSpPr>
+        <p:cxnSp>
+          <p:nvCxnSpPr>
+            <p:cNvPr id="5" name="Straight Connector 4">
+              <a:extLst>
+                <a:ext uri="{FF2B5EF4-FFF2-40B4-BE49-F238E27FC236}">
+                  <a16:creationId xmlns:a16="http://schemas.microsoft.com/office/drawing/2014/main" id="{7680BB0B-663D-ABFC-02B4-DFF3A7C5BDA1}"/>
+                </a:ext>
+              </a:extLst>
+            </p:cNvPr>
+            <p:cNvCxnSpPr/>
+            <p:nvPr/>
+          </p:nvCxnSpPr>
+          <p:spPr>
+            <a:xfrm>
+              <a:off x="1316736" y="804672"/>
+              <a:ext cx="0" cy="5102352"/>
+            </a:xfrm>
+            <a:prstGeom prst="line">
+              <a:avLst/>
+            </a:prstGeom>
+            <a:ln w="57150">
+              <a:solidFill>
+                <a:schemeClr val="tx1"/>
+              </a:solidFill>
+            </a:ln>
+          </p:spPr>
+          <p:style>
+            <a:lnRef idx="2">
+              <a:schemeClr val="accent1"/>
+            </a:lnRef>
+            <a:fillRef idx="0">
+              <a:schemeClr val="accent1"/>
+            </a:fillRef>
+            <a:effectRef idx="1">
+              <a:schemeClr val="accent1"/>
+            </a:effectRef>
+            <a:fontRef idx="minor">
+              <a:schemeClr val="tx1"/>
+            </a:fontRef>
+          </p:style>
+        </p:cxnSp>
+        <p:cxnSp>
+          <p:nvCxnSpPr>
+            <p:cNvPr id="6" name="Straight Connector 5">
+              <a:extLst>
+                <a:ext uri="{FF2B5EF4-FFF2-40B4-BE49-F238E27FC236}">
+                  <a16:creationId xmlns:a16="http://schemas.microsoft.com/office/drawing/2014/main" id="{B5F1E1A5-C3B8-A8B0-1569-5024FEE304FB}"/>
+                </a:ext>
+              </a:extLst>
+            </p:cNvPr>
+            <p:cNvCxnSpPr>
+              <a:cxnSpLocks/>
+            </p:cNvCxnSpPr>
+            <p:nvPr/>
+          </p:nvCxnSpPr>
+          <p:spPr>
+            <a:xfrm flipH="1">
+              <a:off x="1297684" y="5879972"/>
+              <a:ext cx="9089136" cy="0"/>
+            </a:xfrm>
+            <a:prstGeom prst="line">
+              <a:avLst/>
+            </a:prstGeom>
+            <a:ln w="57150">
+              <a:solidFill>
+                <a:schemeClr val="tx1"/>
+              </a:solidFill>
+            </a:ln>
+          </p:spPr>
+          <p:style>
+            <a:lnRef idx="2">
+              <a:schemeClr val="accent1"/>
+            </a:lnRef>
+            <a:fillRef idx="0">
+              <a:schemeClr val="accent1"/>
+            </a:fillRef>
+            <a:effectRef idx="1">
+              <a:schemeClr val="accent1"/>
+            </a:effectRef>
+            <a:fontRef idx="minor">
+              <a:schemeClr val="tx1"/>
+            </a:fontRef>
+          </p:style>
+        </p:cxnSp>
+      </p:grpSp>
+      <p:sp>
+        <p:nvSpPr>
+          <p:cNvPr id="7" name="TextBox 6">
+            <a:extLst>
+              <a:ext uri="{FF2B5EF4-FFF2-40B4-BE49-F238E27FC236}">
+                <a16:creationId xmlns:a16="http://schemas.microsoft.com/office/drawing/2014/main" id="{F97E302E-F8ED-1BFE-77C0-045B9A580F83}"/>
+              </a:ext>
+            </a:extLst>
+          </p:cNvPr>
+          <p:cNvSpPr txBox="1"/>
+          <p:nvPr/>
+        </p:nvSpPr>
+        <p:spPr>
+          <a:xfrm rot="16200000">
+            <a:off x="-76383" y="1362972"/>
+            <a:ext cx="1639821" cy="523220"/>
+          </a:xfrm>
+          <a:prstGeom prst="rect">
+            <a:avLst/>
+          </a:prstGeom>
+          <a:noFill/>
+        </p:spPr>
+        <p:txBody>
+          <a:bodyPr wrap="square" rtlCol="0">
+            <a:spAutoFit/>
+          </a:bodyPr>
+          <a:lstStyle/>
+          <a:p>
+            <a:r>
+              <a:rPr lang="en-US" sz="2800" b="1" dirty="0"/>
+              <a:t>Children</a:t>
+            </a:r>
+          </a:p>
+        </p:txBody>
+      </p:sp>
+      <p:sp>
+        <p:nvSpPr>
+          <p:cNvPr id="8" name="TextBox 7">
+            <a:extLst>
+              <a:ext uri="{FF2B5EF4-FFF2-40B4-BE49-F238E27FC236}">
+                <a16:creationId xmlns:a16="http://schemas.microsoft.com/office/drawing/2014/main" id="{D52AFD37-2DD3-DF90-0407-503A50DF7C22}"/>
+              </a:ext>
+            </a:extLst>
+          </p:cNvPr>
+          <p:cNvSpPr txBox="1"/>
+          <p:nvPr/>
+        </p:nvSpPr>
+        <p:spPr>
+          <a:xfrm>
+            <a:off x="9309741" y="5994526"/>
+            <a:ext cx="1077079" cy="523220"/>
+          </a:xfrm>
+          <a:prstGeom prst="rect">
+            <a:avLst/>
+          </a:prstGeom>
+          <a:noFill/>
+        </p:spPr>
+        <p:txBody>
+          <a:bodyPr wrap="square" rtlCol="0">
+            <a:spAutoFit/>
+          </a:bodyPr>
+          <a:lstStyle/>
+          <a:p>
+            <a:r>
+              <a:rPr lang="en-US" sz="2800" b="1" dirty="0"/>
+              <a:t>Food</a:t>
+            </a:r>
+          </a:p>
+        </p:txBody>
+      </p:sp>
+      <p:cxnSp>
+        <p:nvCxnSpPr>
+          <p:cNvPr id="11" name="Straight Connector 10">
+            <a:extLst>
+              <a:ext uri="{FF2B5EF4-FFF2-40B4-BE49-F238E27FC236}">
+                <a16:creationId xmlns:a16="http://schemas.microsoft.com/office/drawing/2014/main" id="{ECA150BF-D26D-151E-8F27-D82C0EEBA621}"/>
+              </a:ext>
+            </a:extLst>
+          </p:cNvPr>
+          <p:cNvCxnSpPr>
+            <a:cxnSpLocks/>
+            <a:endCxn id="20" idx="0"/>
+          </p:cNvCxnSpPr>
+          <p:nvPr/>
+        </p:nvCxnSpPr>
+        <p:spPr>
+          <a:xfrm>
+            <a:off x="1297684" y="3429000"/>
+            <a:ext cx="1635087" cy="2559700"/>
+          </a:xfrm>
+          <a:prstGeom prst="line">
+            <a:avLst/>
+          </a:prstGeom>
+          <a:ln w="57150"/>
+        </p:spPr>
+        <p:style>
+          <a:lnRef idx="2">
+            <a:schemeClr val="accent1"/>
+          </a:lnRef>
+          <a:fillRef idx="0">
+            <a:schemeClr val="accent1"/>
+          </a:fillRef>
+          <a:effectRef idx="1">
+            <a:schemeClr val="accent1"/>
+          </a:effectRef>
+          <a:fontRef idx="minor">
+            <a:schemeClr val="tx1"/>
+          </a:fontRef>
+        </p:style>
+      </p:cxnSp>
+      <p:sp>
+        <p:nvSpPr>
+          <p:cNvPr id="2" name="Freeform 1">
+            <a:extLst>
+              <a:ext uri="{FF2B5EF4-FFF2-40B4-BE49-F238E27FC236}">
+                <a16:creationId xmlns:a16="http://schemas.microsoft.com/office/drawing/2014/main" id="{27E32571-837C-4E99-511B-3DE267CBF33D}"/>
+              </a:ext>
+            </a:extLst>
+          </p:cNvPr>
+          <p:cNvSpPr/>
+          <p:nvPr/>
+        </p:nvSpPr>
+        <p:spPr>
+          <a:xfrm>
+            <a:off x="1601322" y="1064854"/>
+            <a:ext cx="4736238" cy="4783866"/>
+          </a:xfrm>
+          <a:custGeom>
+            <a:avLst/>
+            <a:gdLst>
+              <a:gd name="connsiteX0" fmla="*/ 482345 w 4953984"/>
+              <a:gd name="connsiteY0" fmla="*/ 0 h 4538546"/>
+              <a:gd name="connsiteX1" fmla="*/ 415437 w 4953984"/>
+              <a:gd name="connsiteY1" fmla="*/ 2854712 h 4538546"/>
+              <a:gd name="connsiteX2" fmla="*/ 4953984 w 4953984"/>
+              <a:gd name="connsiteY2" fmla="*/ 4538546 h 4538546"/>
+              <a:gd name="connsiteX0" fmla="*/ 482345 w 6277479"/>
+              <a:gd name="connsiteY0" fmla="*/ 0 h 4028920"/>
+              <a:gd name="connsiteX1" fmla="*/ 415437 w 6277479"/>
+              <a:gd name="connsiteY1" fmla="*/ 2854712 h 4028920"/>
+              <a:gd name="connsiteX2" fmla="*/ 6277479 w 6277479"/>
+              <a:gd name="connsiteY2" fmla="*/ 4028920 h 4028920"/>
+              <a:gd name="connsiteX0" fmla="*/ 401809 w 6330506"/>
+              <a:gd name="connsiteY0" fmla="*/ 0 h 4028920"/>
+              <a:gd name="connsiteX1" fmla="*/ 468464 w 6330506"/>
+              <a:gd name="connsiteY1" fmla="*/ 2854712 h 4028920"/>
+              <a:gd name="connsiteX2" fmla="*/ 6330506 w 6330506"/>
+              <a:gd name="connsiteY2" fmla="*/ 4028920 h 4028920"/>
+              <a:gd name="connsiteX0" fmla="*/ 201950 w 6130647"/>
+              <a:gd name="connsiteY0" fmla="*/ 0 h 4028920"/>
+              <a:gd name="connsiteX1" fmla="*/ 268605 w 6130647"/>
+              <a:gd name="connsiteY1" fmla="*/ 2854712 h 4028920"/>
+              <a:gd name="connsiteX2" fmla="*/ 6130647 w 6130647"/>
+              <a:gd name="connsiteY2" fmla="*/ 4028920 h 4028920"/>
+              <a:gd name="connsiteX0" fmla="*/ 448901 w 6377598"/>
+              <a:gd name="connsiteY0" fmla="*/ 0 h 4028920"/>
+              <a:gd name="connsiteX1" fmla="*/ 515556 w 6377598"/>
+              <a:gd name="connsiteY1" fmla="*/ 2854712 h 4028920"/>
+              <a:gd name="connsiteX2" fmla="*/ 6377598 w 6377598"/>
+              <a:gd name="connsiteY2" fmla="*/ 4028920 h 4028920"/>
+              <a:gd name="connsiteX0" fmla="*/ 384520 w 6446781"/>
+              <a:gd name="connsiteY0" fmla="*/ 0 h 4057767"/>
+              <a:gd name="connsiteX1" fmla="*/ 584739 w 6446781"/>
+              <a:gd name="connsiteY1" fmla="*/ 2883559 h 4057767"/>
+              <a:gd name="connsiteX2" fmla="*/ 6446781 w 6446781"/>
+              <a:gd name="connsiteY2" fmla="*/ 4057767 h 4057767"/>
+              <a:gd name="connsiteX0" fmla="*/ 295341 w 6357602"/>
+              <a:gd name="connsiteY0" fmla="*/ 0 h 4057767"/>
+              <a:gd name="connsiteX1" fmla="*/ 495560 w 6357602"/>
+              <a:gd name="connsiteY1" fmla="*/ 2883559 h 4057767"/>
+              <a:gd name="connsiteX2" fmla="*/ 6357602 w 6357602"/>
+              <a:gd name="connsiteY2" fmla="*/ 4057767 h 4057767"/>
+              <a:gd name="connsiteX0" fmla="*/ 205033 w 6267294"/>
+              <a:gd name="connsiteY0" fmla="*/ 0 h 4057767"/>
+              <a:gd name="connsiteX1" fmla="*/ 611668 w 6267294"/>
+              <a:gd name="connsiteY1" fmla="*/ 3200874 h 4057767"/>
+              <a:gd name="connsiteX2" fmla="*/ 6267294 w 6267294"/>
+              <a:gd name="connsiteY2" fmla="*/ 4057767 h 4057767"/>
+              <a:gd name="connsiteX0" fmla="*/ 369782 w 6432043"/>
+              <a:gd name="connsiteY0" fmla="*/ 0 h 4057767"/>
+              <a:gd name="connsiteX1" fmla="*/ 436437 w 6432043"/>
+              <a:gd name="connsiteY1" fmla="*/ 2922022 h 4057767"/>
+              <a:gd name="connsiteX2" fmla="*/ 6432043 w 6432043"/>
+              <a:gd name="connsiteY2" fmla="*/ 4057767 h 4057767"/>
+              <a:gd name="connsiteX0" fmla="*/ 369782 w 4197886"/>
+              <a:gd name="connsiteY0" fmla="*/ 0 h 4125076"/>
+              <a:gd name="connsiteX1" fmla="*/ 436437 w 4197886"/>
+              <a:gd name="connsiteY1" fmla="*/ 2922022 h 4125076"/>
+              <a:gd name="connsiteX2" fmla="*/ 4197886 w 4197886"/>
+              <a:gd name="connsiteY2" fmla="*/ 4125076 h 4125076"/>
+              <a:gd name="connsiteX0" fmla="*/ 369782 w 5059980"/>
+              <a:gd name="connsiteY0" fmla="*/ 0 h 4153922"/>
+              <a:gd name="connsiteX1" fmla="*/ 436437 w 5059980"/>
+              <a:gd name="connsiteY1" fmla="*/ 2922022 h 4153922"/>
+              <a:gd name="connsiteX2" fmla="*/ 5059980 w 5059980"/>
+              <a:gd name="connsiteY2" fmla="*/ 4153922 h 4153922"/>
+              <a:gd name="connsiteX0" fmla="*/ 369782 w 5157118"/>
+              <a:gd name="connsiteY0" fmla="*/ 0 h 4125075"/>
+              <a:gd name="connsiteX1" fmla="*/ 436437 w 5157118"/>
+              <a:gd name="connsiteY1" fmla="*/ 2922022 h 4125075"/>
+              <a:gd name="connsiteX2" fmla="*/ 5157118 w 5157118"/>
+              <a:gd name="connsiteY2" fmla="*/ 4125075 h 4125075"/>
+              <a:gd name="connsiteX0" fmla="*/ 369782 w 5157118"/>
+              <a:gd name="connsiteY0" fmla="*/ 0 h 4125075"/>
+              <a:gd name="connsiteX1" fmla="*/ 436437 w 5157118"/>
+              <a:gd name="connsiteY1" fmla="*/ 2922022 h 4125075"/>
+              <a:gd name="connsiteX2" fmla="*/ 5157118 w 5157118"/>
+              <a:gd name="connsiteY2" fmla="*/ 4125075 h 4125075"/>
+            </a:gdLst>
+            <a:ahLst/>
+            <a:cxnLst>
+              <a:cxn ang="0">
+                <a:pos x="connsiteX0" y="connsiteY0"/>
+              </a:cxn>
+              <a:cxn ang="0">
+                <a:pos x="connsiteX1" y="connsiteY1"/>
+              </a:cxn>
+              <a:cxn ang="0">
+                <a:pos x="connsiteX2" y="connsiteY2"/>
+              </a:cxn>
+            </a:cxnLst>
+            <a:rect l="l" t="t" r="r" b="b"/>
+            <a:pathLst>
+              <a:path w="5157118" h="4125075">
+                <a:moveTo>
+                  <a:pt x="369782" y="0"/>
+                </a:moveTo>
+                <a:cubicBezTo>
+                  <a:pt x="60826" y="1404921"/>
+                  <a:pt x="-308836" y="2165598"/>
+                  <a:pt x="436437" y="2922022"/>
+                </a:cubicBezTo>
+                <a:cubicBezTo>
+                  <a:pt x="1181710" y="3678446"/>
+                  <a:pt x="4618763" y="4066082"/>
+                  <a:pt x="5157118" y="4125075"/>
+                </a:cubicBezTo>
+              </a:path>
+            </a:pathLst>
+          </a:custGeom>
+          <a:noFill/>
+          <a:ln w="38100"/>
+        </p:spPr>
+        <p:style>
+          <a:lnRef idx="2">
+            <a:schemeClr val="accent1">
+              <a:shade val="15000"/>
+            </a:schemeClr>
+          </a:lnRef>
+          <a:fillRef idx="1">
+            <a:schemeClr val="accent1"/>
+          </a:fillRef>
+          <a:effectRef idx="0">
+            <a:schemeClr val="accent1"/>
+          </a:effectRef>
+          <a:fontRef idx="minor">
+            <a:schemeClr val="lt1"/>
+          </a:fontRef>
+        </p:style>
+        <p:txBody>
+          <a:bodyPr rtlCol="0" anchor="ctr"/>
+          <a:lstStyle/>
+          <a:p>
+            <a:pPr algn="ctr"/>
+            <a:endParaRPr lang="en-US"/>
+          </a:p>
+        </p:txBody>
+      </p:sp>
+      <mc:AlternateContent xmlns:mc="http://schemas.openxmlformats.org/markup-compatibility/2006">
+        <mc:Choice xmlns:a14="http://schemas.microsoft.com/office/drawing/2010/main" Requires="a14">
+          <p:sp>
+            <p:nvSpPr>
+              <p:cNvPr id="3" name="TextBox 2">
+                <a:extLst>
+                  <a:ext uri="{FF2B5EF4-FFF2-40B4-BE49-F238E27FC236}">
+                    <a16:creationId xmlns:a16="http://schemas.microsoft.com/office/drawing/2014/main" id="{9340A2D9-792F-DB1A-6A9C-2F416F51E582}"/>
+                  </a:ext>
+                </a:extLst>
+              </p:cNvPr>
+              <p:cNvSpPr txBox="1"/>
+              <p:nvPr/>
+            </p:nvSpPr>
+            <p:spPr>
+              <a:xfrm>
+                <a:off x="1947010" y="698230"/>
+                <a:ext cx="609600" cy="369332"/>
+              </a:xfrm>
+              <a:prstGeom prst="rect">
+                <a:avLst/>
+              </a:prstGeom>
+              <a:noFill/>
+            </p:spPr>
+            <p:txBody>
+              <a:bodyPr wrap="square" rtlCol="0">
+                <a:spAutoFit/>
+              </a:bodyPr>
+              <a:lstStyle/>
+              <a:p>
+                <a:pPr/>
+                <a14:m>
+                  <m:oMathPara xmlns:m="http://schemas.openxmlformats.org/officeDocument/2006/math">
+                    <m:oMathParaPr>
+                      <m:jc m:val="centerGroup"/>
+                    </m:oMathParaPr>
+                    <m:oMath xmlns:m="http://schemas.openxmlformats.org/officeDocument/2006/math">
+                      <m:sSub>
+                        <m:sSubPr>
+                          <m:ctrlPr>
+                            <a:rPr lang="en-US" b="1" i="1" smtClean="0">
+                              <a:latin typeface="Cambria Math" panose="02040503050406030204" pitchFamily="18" charset="0"/>
+                            </a:rPr>
+                          </m:ctrlPr>
+                        </m:sSubPr>
+                        <m:e>
+                          <m:r>
+                            <a:rPr lang="en-US" b="1" i="1" smtClean="0">
+                              <a:latin typeface="Cambria Math" panose="02040503050406030204" pitchFamily="18" charset="0"/>
+                            </a:rPr>
+                            <m:t>𝑰</m:t>
+                          </m:r>
+                        </m:e>
+                        <m:sub>
+                          <m:r>
+                            <a:rPr lang="en-US" b="1" i="1" smtClean="0">
+                              <a:latin typeface="Cambria Math" panose="02040503050406030204" pitchFamily="18" charset="0"/>
+                            </a:rPr>
+                            <m:t>𝟏</m:t>
+                          </m:r>
+                        </m:sub>
+                      </m:sSub>
+                    </m:oMath>
+                  </m:oMathPara>
+                </a14:m>
+                <a:endParaRPr lang="en-US" b="1" dirty="0"/>
+              </a:p>
+            </p:txBody>
+          </p:sp>
+        </mc:Choice>
+        <mc:Fallback>
+          <p:sp>
+            <p:nvSpPr>
+              <p:cNvPr id="3" name="TextBox 2">
+                <a:extLst>
+                  <a:ext uri="{FF2B5EF4-FFF2-40B4-BE49-F238E27FC236}">
+                    <a16:creationId xmlns:a16="http://schemas.microsoft.com/office/drawing/2014/main" id="{9340A2D9-792F-DB1A-6A9C-2F416F51E582}"/>
+                  </a:ext>
+                </a:extLst>
+              </p:cNvPr>
+              <p:cNvSpPr txBox="1">
+                <a:spLocks noRot="1" noChangeAspect="1" noMove="1" noResize="1" noEditPoints="1" noAdjustHandles="1" noChangeArrowheads="1" noChangeShapeType="1" noTextEdit="1"/>
+              </p:cNvSpPr>
+              <p:nvPr/>
+            </p:nvSpPr>
+            <p:spPr>
+              <a:xfrm>
+                <a:off x="1947010" y="698230"/>
+                <a:ext cx="609600" cy="369332"/>
+              </a:xfrm>
+              <a:prstGeom prst="rect">
+                <a:avLst/>
+              </a:prstGeom>
+              <a:blipFill>
+                <a:blip r:embed="rId2"/>
+                <a:stretch>
+                  <a:fillRect/>
+                </a:stretch>
+              </a:blipFill>
+            </p:spPr>
+            <p:txBody>
+              <a:bodyPr/>
+              <a:lstStyle/>
+              <a:p>
+                <a:r>
+                  <a:rPr lang="en-US">
+                    <a:noFill/>
+                  </a:rPr>
+                  <a:t> </a:t>
+                </a:r>
+              </a:p>
+            </p:txBody>
+          </p:sp>
+        </mc:Fallback>
+      </mc:AlternateContent>
+      <p:cxnSp>
+        <p:nvCxnSpPr>
+          <p:cNvPr id="9" name="Straight Connector 8">
+            <a:extLst>
+              <a:ext uri="{FF2B5EF4-FFF2-40B4-BE49-F238E27FC236}">
+                <a16:creationId xmlns:a16="http://schemas.microsoft.com/office/drawing/2014/main" id="{3E1BB1FF-0F4F-3D56-15E6-09DE4E9F0802}"/>
+              </a:ext>
+            </a:extLst>
+          </p:cNvPr>
+          <p:cNvCxnSpPr>
+            <a:cxnSpLocks/>
+          </p:cNvCxnSpPr>
+          <p:nvPr/>
+        </p:nvCxnSpPr>
+        <p:spPr>
+          <a:xfrm flipV="1">
+            <a:off x="1869163" y="4439672"/>
+            <a:ext cx="0" cy="1440300"/>
+          </a:xfrm>
+          <a:prstGeom prst="line">
+            <a:avLst/>
+          </a:prstGeom>
+          <a:ln w="38100">
+            <a:prstDash val="dash"/>
+          </a:ln>
+        </p:spPr>
+        <p:style>
+          <a:lnRef idx="2">
+            <a:schemeClr val="accent1"/>
+          </a:lnRef>
+          <a:fillRef idx="0">
+            <a:schemeClr val="accent1"/>
+          </a:fillRef>
+          <a:effectRef idx="1">
+            <a:schemeClr val="accent1"/>
+          </a:effectRef>
+          <a:fontRef idx="minor">
+            <a:schemeClr val="tx1"/>
+          </a:fontRef>
+        </p:style>
+      </p:cxnSp>
+      <p:sp>
+        <p:nvSpPr>
+          <p:cNvPr id="10" name="Oval 9">
+            <a:extLst>
+              <a:ext uri="{FF2B5EF4-FFF2-40B4-BE49-F238E27FC236}">
+                <a16:creationId xmlns:a16="http://schemas.microsoft.com/office/drawing/2014/main" id="{A80655D9-50FD-3F82-BE89-829CB0733C35}"/>
+              </a:ext>
+            </a:extLst>
+          </p:cNvPr>
+          <p:cNvSpPr/>
+          <p:nvPr/>
+        </p:nvSpPr>
+        <p:spPr>
+          <a:xfrm>
+            <a:off x="1746088" y="4230540"/>
+            <a:ext cx="246150" cy="247711"/>
+          </a:xfrm>
+          <a:prstGeom prst="ellipse">
+            <a:avLst/>
+          </a:prstGeom>
+          <a:solidFill>
+            <a:srgbClr val="C00000"/>
+          </a:solidFill>
+          <a:ln>
+            <a:solidFill>
+              <a:schemeClr val="tx1"/>
+            </a:solidFill>
+          </a:ln>
+        </p:spPr>
+        <p:style>
+          <a:lnRef idx="2">
+            <a:schemeClr val="accent1">
+              <a:shade val="15000"/>
+            </a:schemeClr>
+          </a:lnRef>
+          <a:fillRef idx="1">
+            <a:schemeClr val="accent1"/>
+          </a:fillRef>
+          <a:effectRef idx="0">
+            <a:schemeClr val="accent1"/>
+          </a:effectRef>
+          <a:fontRef idx="minor">
+            <a:schemeClr val="lt1"/>
+          </a:fontRef>
+        </p:style>
+        <p:txBody>
+          <a:bodyPr rtlCol="0" anchor="ctr"/>
+          <a:lstStyle/>
+          <a:p>
+            <a:pPr algn="ctr"/>
+            <a:endParaRPr lang="en-US"/>
+          </a:p>
+        </p:txBody>
+      </p:sp>
+      <p:cxnSp>
+        <p:nvCxnSpPr>
+          <p:cNvPr id="14" name="Straight Connector 13">
+            <a:extLst>
+              <a:ext uri="{FF2B5EF4-FFF2-40B4-BE49-F238E27FC236}">
+                <a16:creationId xmlns:a16="http://schemas.microsoft.com/office/drawing/2014/main" id="{16C19792-BAC5-5581-361B-5917129090DB}"/>
+              </a:ext>
+            </a:extLst>
+          </p:cNvPr>
+          <p:cNvCxnSpPr>
+            <a:cxnSpLocks/>
+            <a:endCxn id="10" idx="2"/>
+          </p:cNvCxnSpPr>
+          <p:nvPr/>
+        </p:nvCxnSpPr>
+        <p:spPr>
+          <a:xfrm>
+            <a:off x="1326263" y="4354396"/>
+            <a:ext cx="419825" cy="0"/>
+          </a:xfrm>
+          <a:prstGeom prst="line">
+            <a:avLst/>
+          </a:prstGeom>
+          <a:ln w="38100">
+            <a:prstDash val="dash"/>
+          </a:ln>
+        </p:spPr>
+        <p:style>
+          <a:lnRef idx="2">
+            <a:schemeClr val="accent1"/>
+          </a:lnRef>
+          <a:fillRef idx="0">
+            <a:schemeClr val="accent1"/>
+          </a:fillRef>
+          <a:effectRef idx="1">
+            <a:schemeClr val="accent1"/>
+          </a:effectRef>
+          <a:fontRef idx="minor">
+            <a:schemeClr val="tx1"/>
+          </a:fontRef>
+        </p:style>
+      </p:cxnSp>
+      <mc:AlternateContent xmlns:mc="http://schemas.openxmlformats.org/markup-compatibility/2006">
+        <mc:Choice xmlns:a14="http://schemas.microsoft.com/office/drawing/2010/main" Requires="a14">
+          <p:sp>
+            <p:nvSpPr>
+              <p:cNvPr id="17" name="TextBox 16">
+                <a:extLst>
+                  <a:ext uri="{FF2B5EF4-FFF2-40B4-BE49-F238E27FC236}">
+                    <a16:creationId xmlns:a16="http://schemas.microsoft.com/office/drawing/2014/main" id="{1C019195-A6E2-06F1-2F94-43DFC1A02AB4}"/>
+                  </a:ext>
+                </a:extLst>
+              </p:cNvPr>
+              <p:cNvSpPr txBox="1"/>
+              <p:nvPr/>
+            </p:nvSpPr>
+            <p:spPr>
+              <a:xfrm>
+                <a:off x="1536175" y="5987253"/>
+                <a:ext cx="609600" cy="405752"/>
+              </a:xfrm>
+              <a:prstGeom prst="rect">
+                <a:avLst/>
+              </a:prstGeom>
+              <a:noFill/>
+            </p:spPr>
+            <p:txBody>
+              <a:bodyPr wrap="square" rtlCol="0">
+                <a:spAutoFit/>
+              </a:bodyPr>
+              <a:lstStyle/>
+              <a:p>
+                <a:pPr/>
+                <a14:m>
+                  <m:oMathPara xmlns:m="http://schemas.openxmlformats.org/officeDocument/2006/math">
+                    <m:oMathParaPr>
+                      <m:jc m:val="centerGroup"/>
+                    </m:oMathParaPr>
+                    <m:oMath xmlns:m="http://schemas.openxmlformats.org/officeDocument/2006/math">
+                      <m:sSubSup>
+                        <m:sSubSupPr>
+                          <m:ctrlPr>
+                            <a:rPr lang="en-US" b="1" i="1" smtClean="0">
+                              <a:latin typeface="Cambria Math" panose="02040503050406030204" pitchFamily="18" charset="0"/>
+                            </a:rPr>
+                          </m:ctrlPr>
+                        </m:sSubSupPr>
+                        <m:e>
+                          <m:r>
+                            <a:rPr lang="en-US" b="1" i="1" smtClean="0">
+                              <a:latin typeface="Cambria Math" panose="02040503050406030204" pitchFamily="18" charset="0"/>
+                            </a:rPr>
+                            <m:t>𝑸</m:t>
+                          </m:r>
+                        </m:e>
+                        <m:sub>
+                          <m:r>
+                            <a:rPr lang="en-US" b="1" i="1" smtClean="0">
+                              <a:latin typeface="Cambria Math" panose="02040503050406030204" pitchFamily="18" charset="0"/>
+                            </a:rPr>
+                            <m:t>𝒇</m:t>
+                          </m:r>
+                        </m:sub>
+                        <m:sup>
+                          <m:r>
+                            <a:rPr lang="en-US" b="1" i="1" smtClean="0">
+                              <a:latin typeface="Cambria Math" panose="02040503050406030204" pitchFamily="18" charset="0"/>
+                            </a:rPr>
+                            <m:t>∗</m:t>
+                          </m:r>
+                        </m:sup>
+                      </m:sSubSup>
+                    </m:oMath>
+                  </m:oMathPara>
+                </a14:m>
+                <a:endParaRPr lang="en-US" b="1" dirty="0"/>
+              </a:p>
+            </p:txBody>
+          </p:sp>
+        </mc:Choice>
+        <mc:Fallback>
+          <p:sp>
+            <p:nvSpPr>
+              <p:cNvPr id="17" name="TextBox 16">
+                <a:extLst>
+                  <a:ext uri="{FF2B5EF4-FFF2-40B4-BE49-F238E27FC236}">
+                    <a16:creationId xmlns:a16="http://schemas.microsoft.com/office/drawing/2014/main" id="{1C019195-A6E2-06F1-2F94-43DFC1A02AB4}"/>
+                  </a:ext>
+                </a:extLst>
+              </p:cNvPr>
+              <p:cNvSpPr txBox="1">
+                <a:spLocks noRot="1" noChangeAspect="1" noMove="1" noResize="1" noEditPoints="1" noAdjustHandles="1" noChangeArrowheads="1" noChangeShapeType="1" noTextEdit="1"/>
+              </p:cNvSpPr>
+              <p:nvPr/>
+            </p:nvSpPr>
+            <p:spPr>
+              <a:xfrm>
+                <a:off x="1536175" y="5987253"/>
+                <a:ext cx="609600" cy="405752"/>
+              </a:xfrm>
+              <a:prstGeom prst="rect">
+                <a:avLst/>
+              </a:prstGeom>
+              <a:blipFill>
+                <a:blip r:embed="rId3"/>
+                <a:stretch>
+                  <a:fillRect b="-3030"/>
+                </a:stretch>
+              </a:blipFill>
+            </p:spPr>
+            <p:txBody>
+              <a:bodyPr/>
+              <a:lstStyle/>
+              <a:p>
+                <a:r>
+                  <a:rPr lang="en-US">
+                    <a:noFill/>
+                  </a:rPr>
+                  <a:t> </a:t>
+                </a:r>
+              </a:p>
+            </p:txBody>
+          </p:sp>
+        </mc:Fallback>
+      </mc:AlternateContent>
+      <mc:AlternateContent xmlns:mc="http://schemas.openxmlformats.org/markup-compatibility/2006">
+        <mc:Choice xmlns:a14="http://schemas.microsoft.com/office/drawing/2010/main" Requires="a14">
+          <p:sp>
+            <p:nvSpPr>
+              <p:cNvPr id="19" name="TextBox 18">
+                <a:extLst>
+                  <a:ext uri="{FF2B5EF4-FFF2-40B4-BE49-F238E27FC236}">
+                    <a16:creationId xmlns:a16="http://schemas.microsoft.com/office/drawing/2014/main" id="{3C0BF1F2-0CB6-5E71-3994-6C7777DD77F8}"/>
+                  </a:ext>
+                </a:extLst>
+              </p:cNvPr>
+              <p:cNvSpPr txBox="1"/>
+              <p:nvPr/>
+            </p:nvSpPr>
+            <p:spPr>
+              <a:xfrm>
+                <a:off x="685147" y="3985063"/>
+                <a:ext cx="609600" cy="369332"/>
+              </a:xfrm>
+              <a:prstGeom prst="rect">
+                <a:avLst/>
+              </a:prstGeom>
+              <a:noFill/>
+            </p:spPr>
+            <p:txBody>
+              <a:bodyPr wrap="square" rtlCol="0">
+                <a:spAutoFit/>
+              </a:bodyPr>
+              <a:lstStyle/>
+              <a:p>
+                <a:pPr/>
+                <a14:m>
+                  <m:oMathPara xmlns:m="http://schemas.openxmlformats.org/officeDocument/2006/math">
+                    <m:oMathParaPr>
+                      <m:jc m:val="centerGroup"/>
+                    </m:oMathParaPr>
+                    <m:oMath xmlns:m="http://schemas.openxmlformats.org/officeDocument/2006/math">
+                      <m:sSubSup>
+                        <m:sSubSupPr>
+                          <m:ctrlPr>
+                            <a:rPr lang="en-US" b="1" i="1" smtClean="0">
+                              <a:latin typeface="Cambria Math" panose="02040503050406030204" pitchFamily="18" charset="0"/>
+                            </a:rPr>
+                          </m:ctrlPr>
+                        </m:sSubSupPr>
+                        <m:e>
+                          <m:r>
+                            <a:rPr lang="en-US" b="1" i="1" smtClean="0">
+                              <a:latin typeface="Cambria Math" panose="02040503050406030204" pitchFamily="18" charset="0"/>
+                            </a:rPr>
+                            <m:t>𝑸</m:t>
+                          </m:r>
+                        </m:e>
+                        <m:sub>
+                          <m:r>
+                            <a:rPr lang="en-US" b="1" i="1" smtClean="0">
+                              <a:latin typeface="Cambria Math" panose="02040503050406030204" pitchFamily="18" charset="0"/>
+                            </a:rPr>
+                            <m:t>𝑪</m:t>
+                          </m:r>
+                        </m:sub>
+                        <m:sup>
+                          <m:r>
+                            <a:rPr lang="en-US" b="1" i="1" smtClean="0">
+                              <a:latin typeface="Cambria Math" panose="02040503050406030204" pitchFamily="18" charset="0"/>
+                            </a:rPr>
+                            <m:t>∗</m:t>
+                          </m:r>
+                        </m:sup>
+                      </m:sSubSup>
+                    </m:oMath>
+                  </m:oMathPara>
+                </a14:m>
+                <a:endParaRPr lang="en-US" b="1" dirty="0"/>
+              </a:p>
+            </p:txBody>
+          </p:sp>
+        </mc:Choice>
+        <mc:Fallback>
+          <p:sp>
+            <p:nvSpPr>
+              <p:cNvPr id="19" name="TextBox 18">
+                <a:extLst>
+                  <a:ext uri="{FF2B5EF4-FFF2-40B4-BE49-F238E27FC236}">
+                    <a16:creationId xmlns:a16="http://schemas.microsoft.com/office/drawing/2014/main" id="{3C0BF1F2-0CB6-5E71-3994-6C7777DD77F8}"/>
+                  </a:ext>
+                </a:extLst>
+              </p:cNvPr>
+              <p:cNvSpPr txBox="1">
+                <a:spLocks noRot="1" noChangeAspect="1" noMove="1" noResize="1" noEditPoints="1" noAdjustHandles="1" noChangeArrowheads="1" noChangeShapeType="1" noTextEdit="1"/>
+              </p:cNvSpPr>
+              <p:nvPr/>
+            </p:nvSpPr>
+            <p:spPr>
+              <a:xfrm>
+                <a:off x="685147" y="3985063"/>
+                <a:ext cx="609600" cy="369332"/>
+              </a:xfrm>
+              <a:prstGeom prst="rect">
+                <a:avLst/>
+              </a:prstGeom>
+              <a:blipFill>
+                <a:blip r:embed="rId4"/>
+                <a:stretch>
+                  <a:fillRect b="-10000"/>
+                </a:stretch>
+              </a:blipFill>
+            </p:spPr>
+            <p:txBody>
+              <a:bodyPr/>
+              <a:lstStyle/>
+              <a:p>
+                <a:r>
+                  <a:rPr lang="en-US">
+                    <a:noFill/>
+                  </a:rPr>
+                  <a:t> </a:t>
+                </a:r>
+              </a:p>
+            </p:txBody>
+          </p:sp>
+        </mc:Fallback>
+      </mc:AlternateContent>
+      <mc:AlternateContent xmlns:mc="http://schemas.openxmlformats.org/markup-compatibility/2006">
+        <mc:Choice xmlns:a14="http://schemas.microsoft.com/office/drawing/2010/main" Requires="a14">
+          <p:sp>
+            <p:nvSpPr>
+              <p:cNvPr id="20" name="TextBox 19">
+                <a:extLst>
+                  <a:ext uri="{FF2B5EF4-FFF2-40B4-BE49-F238E27FC236}">
+                    <a16:creationId xmlns:a16="http://schemas.microsoft.com/office/drawing/2014/main" id="{1F07E148-F1B7-EF7D-5903-CA6749971985}"/>
+                  </a:ext>
+                </a:extLst>
+              </p:cNvPr>
+              <p:cNvSpPr txBox="1"/>
+              <p:nvPr/>
+            </p:nvSpPr>
+            <p:spPr>
+              <a:xfrm>
+                <a:off x="2627971" y="5988700"/>
+                <a:ext cx="609600" cy="369332"/>
+              </a:xfrm>
+              <a:prstGeom prst="rect">
+                <a:avLst/>
+              </a:prstGeom>
+              <a:noFill/>
+            </p:spPr>
+            <p:txBody>
+              <a:bodyPr wrap="square" rtlCol="0">
+                <a:spAutoFit/>
+              </a:bodyPr>
+              <a:lstStyle/>
+              <a:p>
+                <a:pPr/>
+                <a14:m>
+                  <m:oMathPara xmlns:m="http://schemas.openxmlformats.org/officeDocument/2006/math">
+                    <m:oMathParaPr>
+                      <m:jc m:val="centerGroup"/>
+                    </m:oMathParaPr>
+                    <m:oMath xmlns:m="http://schemas.openxmlformats.org/officeDocument/2006/math">
+                      <m:r>
+                        <a:rPr lang="en-US" b="1" i="1" smtClean="0">
+                          <a:latin typeface="Cambria Math" panose="02040503050406030204" pitchFamily="18" charset="0"/>
+                        </a:rPr>
+                        <m:t>𝟔</m:t>
+                      </m:r>
+                    </m:oMath>
+                  </m:oMathPara>
+                </a14:m>
+                <a:endParaRPr lang="en-US" b="1" dirty="0"/>
+              </a:p>
+            </p:txBody>
+          </p:sp>
+        </mc:Choice>
+        <mc:Fallback>
+          <p:sp>
+            <p:nvSpPr>
+              <p:cNvPr id="20" name="TextBox 19">
+                <a:extLst>
+                  <a:ext uri="{FF2B5EF4-FFF2-40B4-BE49-F238E27FC236}">
+                    <a16:creationId xmlns:a16="http://schemas.microsoft.com/office/drawing/2014/main" id="{1F07E148-F1B7-EF7D-5903-CA6749971985}"/>
+                  </a:ext>
+                </a:extLst>
+              </p:cNvPr>
+              <p:cNvSpPr txBox="1">
+                <a:spLocks noRot="1" noChangeAspect="1" noMove="1" noResize="1" noEditPoints="1" noAdjustHandles="1" noChangeArrowheads="1" noChangeShapeType="1" noTextEdit="1"/>
+              </p:cNvSpPr>
+              <p:nvPr/>
+            </p:nvSpPr>
+            <p:spPr>
+              <a:xfrm>
+                <a:off x="2627971" y="5988700"/>
+                <a:ext cx="609600" cy="369332"/>
+              </a:xfrm>
+              <a:prstGeom prst="rect">
+                <a:avLst/>
+              </a:prstGeom>
+              <a:blipFill>
+                <a:blip r:embed="rId5"/>
+                <a:stretch>
+                  <a:fillRect/>
+                </a:stretch>
+              </a:blipFill>
+            </p:spPr>
+            <p:txBody>
+              <a:bodyPr/>
+              <a:lstStyle/>
+              <a:p>
+                <a:r>
+                  <a:rPr lang="en-US">
+                    <a:noFill/>
+                  </a:rPr>
+                  <a:t> </a:t>
+                </a:r>
+              </a:p>
+            </p:txBody>
+          </p:sp>
+        </mc:Fallback>
+      </mc:AlternateContent>
+      <mc:AlternateContent xmlns:mc="http://schemas.openxmlformats.org/markup-compatibility/2006">
+        <mc:Choice xmlns:a14="http://schemas.microsoft.com/office/drawing/2010/main" Requires="a14">
+          <p:sp>
+            <p:nvSpPr>
+              <p:cNvPr id="21" name="TextBox 20">
+                <a:extLst>
+                  <a:ext uri="{FF2B5EF4-FFF2-40B4-BE49-F238E27FC236}">
+                    <a16:creationId xmlns:a16="http://schemas.microsoft.com/office/drawing/2014/main" id="{B2AC225E-0F27-6980-E9DE-0D293272220B}"/>
+                  </a:ext>
+                </a:extLst>
+              </p:cNvPr>
+              <p:cNvSpPr txBox="1"/>
+              <p:nvPr/>
+            </p:nvSpPr>
+            <p:spPr>
+              <a:xfrm>
+                <a:off x="849430" y="3238508"/>
+                <a:ext cx="609600" cy="369332"/>
+              </a:xfrm>
+              <a:prstGeom prst="rect">
+                <a:avLst/>
+              </a:prstGeom>
+              <a:noFill/>
+            </p:spPr>
+            <p:txBody>
+              <a:bodyPr wrap="square" rtlCol="0">
+                <a:spAutoFit/>
+              </a:bodyPr>
+              <a:lstStyle/>
+              <a:p>
+                <a:pPr/>
+                <a14:m>
+                  <m:oMathPara xmlns:m="http://schemas.openxmlformats.org/officeDocument/2006/math">
+                    <m:oMathParaPr>
+                      <m:jc m:val="centerGroup"/>
+                    </m:oMathParaPr>
+                    <m:oMath xmlns:m="http://schemas.openxmlformats.org/officeDocument/2006/math">
+                      <m:r>
+                        <a:rPr lang="en-US" b="1" i="1" smtClean="0">
+                          <a:latin typeface="Cambria Math" panose="02040503050406030204" pitchFamily="18" charset="0"/>
+                        </a:rPr>
+                        <m:t>𝟓</m:t>
+                      </m:r>
+                    </m:oMath>
+                  </m:oMathPara>
+                </a14:m>
+                <a:endParaRPr lang="en-US" b="1" dirty="0"/>
+              </a:p>
+            </p:txBody>
+          </p:sp>
+        </mc:Choice>
+        <mc:Fallback>
+          <p:sp>
+            <p:nvSpPr>
+              <p:cNvPr id="21" name="TextBox 20">
+                <a:extLst>
+                  <a:ext uri="{FF2B5EF4-FFF2-40B4-BE49-F238E27FC236}">
+                    <a16:creationId xmlns:a16="http://schemas.microsoft.com/office/drawing/2014/main" id="{B2AC225E-0F27-6980-E9DE-0D293272220B}"/>
+                  </a:ext>
+                </a:extLst>
+              </p:cNvPr>
+              <p:cNvSpPr txBox="1">
+                <a:spLocks noRot="1" noChangeAspect="1" noMove="1" noResize="1" noEditPoints="1" noAdjustHandles="1" noChangeArrowheads="1" noChangeShapeType="1" noTextEdit="1"/>
+              </p:cNvSpPr>
+              <p:nvPr/>
+            </p:nvSpPr>
+            <p:spPr>
+              <a:xfrm>
+                <a:off x="849430" y="3238508"/>
+                <a:ext cx="609600" cy="369332"/>
+              </a:xfrm>
+              <a:prstGeom prst="rect">
+                <a:avLst/>
+              </a:prstGeom>
+              <a:blipFill>
+                <a:blip r:embed="rId6"/>
+                <a:stretch>
+                  <a:fillRect/>
+                </a:stretch>
+              </a:blipFill>
+            </p:spPr>
+            <p:txBody>
+              <a:bodyPr/>
+              <a:lstStyle/>
+              <a:p>
+                <a:r>
+                  <a:rPr lang="en-US">
+                    <a:noFill/>
+                  </a:rPr>
+                  <a:t> </a:t>
+                </a:r>
+              </a:p>
+            </p:txBody>
+          </p:sp>
+        </mc:Fallback>
+      </mc:AlternateContent>
+      <p:cxnSp>
+        <p:nvCxnSpPr>
+          <p:cNvPr id="12" name="Straight Connector 11">
+            <a:extLst>
+              <a:ext uri="{FF2B5EF4-FFF2-40B4-BE49-F238E27FC236}">
+                <a16:creationId xmlns:a16="http://schemas.microsoft.com/office/drawing/2014/main" id="{FEA0E8A0-FCBD-BFF4-2F79-C3FC648D8766}"/>
+              </a:ext>
+            </a:extLst>
+          </p:cNvPr>
+          <p:cNvCxnSpPr>
+            <a:cxnSpLocks/>
+          </p:cNvCxnSpPr>
+          <p:nvPr/>
+        </p:nvCxnSpPr>
+        <p:spPr>
+          <a:xfrm>
+            <a:off x="1335789" y="1460810"/>
+            <a:ext cx="2927269" cy="4495356"/>
+          </a:xfrm>
+          <a:prstGeom prst="line">
+            <a:avLst/>
+          </a:prstGeom>
+          <a:ln w="57150"/>
+        </p:spPr>
+        <p:style>
+          <a:lnRef idx="2">
+            <a:schemeClr val="accent1"/>
+          </a:lnRef>
+          <a:fillRef idx="0">
+            <a:schemeClr val="accent1"/>
+          </a:fillRef>
+          <a:effectRef idx="1">
+            <a:schemeClr val="accent1"/>
+          </a:effectRef>
+          <a:fontRef idx="minor">
+            <a:schemeClr val="tx1"/>
+          </a:fontRef>
+        </p:style>
+      </p:cxnSp>
+      <p:sp>
+        <p:nvSpPr>
+          <p:cNvPr id="13" name="Freeform 12">
+            <a:extLst>
+              <a:ext uri="{FF2B5EF4-FFF2-40B4-BE49-F238E27FC236}">
+                <a16:creationId xmlns:a16="http://schemas.microsoft.com/office/drawing/2014/main" id="{08EC8BD2-1BD4-DC9A-1648-FE252DDDC44E}"/>
+              </a:ext>
+            </a:extLst>
+          </p:cNvPr>
+          <p:cNvSpPr/>
+          <p:nvPr/>
+        </p:nvSpPr>
+        <p:spPr>
+          <a:xfrm>
+            <a:off x="3152209" y="1377369"/>
+            <a:ext cx="4814296" cy="4493934"/>
+          </a:xfrm>
+          <a:custGeom>
+            <a:avLst/>
+            <a:gdLst>
+              <a:gd name="connsiteX0" fmla="*/ 482345 w 4953984"/>
+              <a:gd name="connsiteY0" fmla="*/ 0 h 4538546"/>
+              <a:gd name="connsiteX1" fmla="*/ 415437 w 4953984"/>
+              <a:gd name="connsiteY1" fmla="*/ 2854712 h 4538546"/>
+              <a:gd name="connsiteX2" fmla="*/ 4953984 w 4953984"/>
+              <a:gd name="connsiteY2" fmla="*/ 4538546 h 4538546"/>
+              <a:gd name="connsiteX0" fmla="*/ 482345 w 6277479"/>
+              <a:gd name="connsiteY0" fmla="*/ 0 h 4028920"/>
+              <a:gd name="connsiteX1" fmla="*/ 415437 w 6277479"/>
+              <a:gd name="connsiteY1" fmla="*/ 2854712 h 4028920"/>
+              <a:gd name="connsiteX2" fmla="*/ 6277479 w 6277479"/>
+              <a:gd name="connsiteY2" fmla="*/ 4028920 h 4028920"/>
+              <a:gd name="connsiteX0" fmla="*/ 401809 w 6330506"/>
+              <a:gd name="connsiteY0" fmla="*/ 0 h 4028920"/>
+              <a:gd name="connsiteX1" fmla="*/ 468464 w 6330506"/>
+              <a:gd name="connsiteY1" fmla="*/ 2854712 h 4028920"/>
+              <a:gd name="connsiteX2" fmla="*/ 6330506 w 6330506"/>
+              <a:gd name="connsiteY2" fmla="*/ 4028920 h 4028920"/>
+              <a:gd name="connsiteX0" fmla="*/ 201950 w 6130647"/>
+              <a:gd name="connsiteY0" fmla="*/ 0 h 4028920"/>
+              <a:gd name="connsiteX1" fmla="*/ 268605 w 6130647"/>
+              <a:gd name="connsiteY1" fmla="*/ 2854712 h 4028920"/>
+              <a:gd name="connsiteX2" fmla="*/ 6130647 w 6130647"/>
+              <a:gd name="connsiteY2" fmla="*/ 4028920 h 4028920"/>
+              <a:gd name="connsiteX0" fmla="*/ 448901 w 6377598"/>
+              <a:gd name="connsiteY0" fmla="*/ 0 h 4028920"/>
+              <a:gd name="connsiteX1" fmla="*/ 515556 w 6377598"/>
+              <a:gd name="connsiteY1" fmla="*/ 2854712 h 4028920"/>
+              <a:gd name="connsiteX2" fmla="*/ 6377598 w 6377598"/>
+              <a:gd name="connsiteY2" fmla="*/ 4028920 h 4028920"/>
+              <a:gd name="connsiteX0" fmla="*/ 384520 w 6446781"/>
+              <a:gd name="connsiteY0" fmla="*/ 0 h 4057767"/>
+              <a:gd name="connsiteX1" fmla="*/ 584739 w 6446781"/>
+              <a:gd name="connsiteY1" fmla="*/ 2883559 h 4057767"/>
+              <a:gd name="connsiteX2" fmla="*/ 6446781 w 6446781"/>
+              <a:gd name="connsiteY2" fmla="*/ 4057767 h 4057767"/>
+              <a:gd name="connsiteX0" fmla="*/ 295341 w 6357602"/>
+              <a:gd name="connsiteY0" fmla="*/ 0 h 4057767"/>
+              <a:gd name="connsiteX1" fmla="*/ 495560 w 6357602"/>
+              <a:gd name="connsiteY1" fmla="*/ 2883559 h 4057767"/>
+              <a:gd name="connsiteX2" fmla="*/ 6357602 w 6357602"/>
+              <a:gd name="connsiteY2" fmla="*/ 4057767 h 4057767"/>
+              <a:gd name="connsiteX0" fmla="*/ 205033 w 6267294"/>
+              <a:gd name="connsiteY0" fmla="*/ 0 h 4057767"/>
+              <a:gd name="connsiteX1" fmla="*/ 611668 w 6267294"/>
+              <a:gd name="connsiteY1" fmla="*/ 3200874 h 4057767"/>
+              <a:gd name="connsiteX2" fmla="*/ 6267294 w 6267294"/>
+              <a:gd name="connsiteY2" fmla="*/ 4057767 h 4057767"/>
+              <a:gd name="connsiteX0" fmla="*/ 369782 w 6432043"/>
+              <a:gd name="connsiteY0" fmla="*/ 0 h 4057767"/>
+              <a:gd name="connsiteX1" fmla="*/ 436437 w 6432043"/>
+              <a:gd name="connsiteY1" fmla="*/ 2922022 h 4057767"/>
+              <a:gd name="connsiteX2" fmla="*/ 6432043 w 6432043"/>
+              <a:gd name="connsiteY2" fmla="*/ 4057767 h 4057767"/>
+              <a:gd name="connsiteX0" fmla="*/ 369782 w 4197886"/>
+              <a:gd name="connsiteY0" fmla="*/ 0 h 4125076"/>
+              <a:gd name="connsiteX1" fmla="*/ 436437 w 4197886"/>
+              <a:gd name="connsiteY1" fmla="*/ 2922022 h 4125076"/>
+              <a:gd name="connsiteX2" fmla="*/ 4197886 w 4197886"/>
+              <a:gd name="connsiteY2" fmla="*/ 4125076 h 4125076"/>
+              <a:gd name="connsiteX0" fmla="*/ 369782 w 5059980"/>
+              <a:gd name="connsiteY0" fmla="*/ 0 h 4153922"/>
+              <a:gd name="connsiteX1" fmla="*/ 436437 w 5059980"/>
+              <a:gd name="connsiteY1" fmla="*/ 2922022 h 4153922"/>
+              <a:gd name="connsiteX2" fmla="*/ 5059980 w 5059980"/>
+              <a:gd name="connsiteY2" fmla="*/ 4153922 h 4153922"/>
+              <a:gd name="connsiteX0" fmla="*/ 369782 w 5157118"/>
+              <a:gd name="connsiteY0" fmla="*/ 0 h 4125075"/>
+              <a:gd name="connsiteX1" fmla="*/ 436437 w 5157118"/>
+              <a:gd name="connsiteY1" fmla="*/ 2922022 h 4125075"/>
+              <a:gd name="connsiteX2" fmla="*/ 5157118 w 5157118"/>
+              <a:gd name="connsiteY2" fmla="*/ 4125075 h 4125075"/>
+              <a:gd name="connsiteX0" fmla="*/ 369782 w 5157118"/>
+              <a:gd name="connsiteY0" fmla="*/ 0 h 4125075"/>
+              <a:gd name="connsiteX1" fmla="*/ 436437 w 5157118"/>
+              <a:gd name="connsiteY1" fmla="*/ 2922022 h 4125075"/>
+              <a:gd name="connsiteX2" fmla="*/ 5157118 w 5157118"/>
+              <a:gd name="connsiteY2" fmla="*/ 4125075 h 4125075"/>
+              <a:gd name="connsiteX0" fmla="*/ 369782 w 5217829"/>
+              <a:gd name="connsiteY0" fmla="*/ 0 h 4009688"/>
+              <a:gd name="connsiteX1" fmla="*/ 436437 w 5217829"/>
+              <a:gd name="connsiteY1" fmla="*/ 2922022 h 4009688"/>
+              <a:gd name="connsiteX2" fmla="*/ 5217829 w 5217829"/>
+              <a:gd name="connsiteY2" fmla="*/ 4009688 h 4009688"/>
+              <a:gd name="connsiteX0" fmla="*/ 369782 w 5242113"/>
+              <a:gd name="connsiteY0" fmla="*/ 0 h 3875070"/>
+              <a:gd name="connsiteX1" fmla="*/ 436437 w 5242113"/>
+              <a:gd name="connsiteY1" fmla="*/ 2922022 h 3875070"/>
+              <a:gd name="connsiteX2" fmla="*/ 5242113 w 5242113"/>
+              <a:gd name="connsiteY2" fmla="*/ 3875070 h 3875070"/>
+            </a:gdLst>
+            <a:ahLst/>
+            <a:cxnLst>
+              <a:cxn ang="0">
+                <a:pos x="connsiteX0" y="connsiteY0"/>
+              </a:cxn>
+              <a:cxn ang="0">
+                <a:pos x="connsiteX1" y="connsiteY1"/>
+              </a:cxn>
+              <a:cxn ang="0">
+                <a:pos x="connsiteX2" y="connsiteY2"/>
+              </a:cxn>
+            </a:cxnLst>
+            <a:rect l="l" t="t" r="r" b="b"/>
+            <a:pathLst>
+              <a:path w="5242113" h="3875070">
+                <a:moveTo>
+                  <a:pt x="369782" y="0"/>
+                </a:moveTo>
+                <a:cubicBezTo>
+                  <a:pt x="60826" y="1404921"/>
+                  <a:pt x="-308836" y="2165598"/>
+                  <a:pt x="436437" y="2922022"/>
+                </a:cubicBezTo>
+                <a:cubicBezTo>
+                  <a:pt x="1181710" y="3678446"/>
+                  <a:pt x="4703758" y="3816077"/>
+                  <a:pt x="5242113" y="3875070"/>
+                </a:cubicBezTo>
+              </a:path>
+            </a:pathLst>
+          </a:custGeom>
+          <a:noFill/>
+          <a:ln w="38100"/>
+        </p:spPr>
+        <p:style>
+          <a:lnRef idx="2">
+            <a:schemeClr val="accent1">
+              <a:shade val="15000"/>
+            </a:schemeClr>
+          </a:lnRef>
+          <a:fillRef idx="1">
+            <a:schemeClr val="accent1"/>
+          </a:fillRef>
+          <a:effectRef idx="0">
+            <a:schemeClr val="accent1"/>
+          </a:effectRef>
+          <a:fontRef idx="minor">
+            <a:schemeClr val="lt1"/>
+          </a:fontRef>
+        </p:style>
+        <p:txBody>
+          <a:bodyPr rtlCol="0" anchor="ctr"/>
+          <a:lstStyle/>
+          <a:p>
+            <a:pPr algn="ctr"/>
+            <a:endParaRPr lang="en-US"/>
+          </a:p>
+        </p:txBody>
+      </p:sp>
+      <p:cxnSp>
+        <p:nvCxnSpPr>
+          <p:cNvPr id="15" name="Straight Connector 14">
+            <a:extLst>
+              <a:ext uri="{FF2B5EF4-FFF2-40B4-BE49-F238E27FC236}">
+                <a16:creationId xmlns:a16="http://schemas.microsoft.com/office/drawing/2014/main" id="{A3F294B8-4468-9BE6-E08B-27FDA732C31E}"/>
+              </a:ext>
+            </a:extLst>
+          </p:cNvPr>
+          <p:cNvCxnSpPr>
+            <a:cxnSpLocks/>
+          </p:cNvCxnSpPr>
+          <p:nvPr/>
+        </p:nvCxnSpPr>
+        <p:spPr>
+          <a:xfrm flipV="1">
+            <a:off x="3381025" y="4701367"/>
+            <a:ext cx="0" cy="1293159"/>
+          </a:xfrm>
+          <a:prstGeom prst="line">
+            <a:avLst/>
+          </a:prstGeom>
+          <a:ln w="38100">
+            <a:prstDash val="dash"/>
+          </a:ln>
+        </p:spPr>
+        <p:style>
+          <a:lnRef idx="2">
+            <a:schemeClr val="accent1"/>
+          </a:lnRef>
+          <a:fillRef idx="0">
+            <a:schemeClr val="accent1"/>
+          </a:fillRef>
+          <a:effectRef idx="1">
+            <a:schemeClr val="accent1"/>
+          </a:effectRef>
+          <a:fontRef idx="minor">
+            <a:schemeClr val="tx1"/>
+          </a:fontRef>
+        </p:style>
+      </p:cxnSp>
+      <p:sp>
+        <p:nvSpPr>
+          <p:cNvPr id="16" name="Oval 15">
+            <a:extLst>
+              <a:ext uri="{FF2B5EF4-FFF2-40B4-BE49-F238E27FC236}">
+                <a16:creationId xmlns:a16="http://schemas.microsoft.com/office/drawing/2014/main" id="{DFC2899D-D031-C4CB-DB79-371EDC94FEB8}"/>
+              </a:ext>
+            </a:extLst>
+          </p:cNvPr>
+          <p:cNvSpPr/>
+          <p:nvPr/>
+        </p:nvSpPr>
+        <p:spPr>
+          <a:xfrm>
+            <a:off x="3257950" y="4492235"/>
+            <a:ext cx="246150" cy="247711"/>
+          </a:xfrm>
+          <a:prstGeom prst="ellipse">
+            <a:avLst/>
+          </a:prstGeom>
+          <a:solidFill>
+            <a:srgbClr val="C00000"/>
+          </a:solidFill>
+          <a:ln>
+            <a:solidFill>
+              <a:schemeClr val="tx1"/>
+            </a:solidFill>
+          </a:ln>
+        </p:spPr>
+        <p:style>
+          <a:lnRef idx="2">
+            <a:schemeClr val="accent1">
+              <a:shade val="15000"/>
+            </a:schemeClr>
+          </a:lnRef>
+          <a:fillRef idx="1">
+            <a:schemeClr val="accent1"/>
+          </a:fillRef>
+          <a:effectRef idx="0">
+            <a:schemeClr val="accent1"/>
+          </a:effectRef>
+          <a:fontRef idx="minor">
+            <a:schemeClr val="lt1"/>
+          </a:fontRef>
+        </p:style>
+        <p:txBody>
+          <a:bodyPr rtlCol="0" anchor="ctr"/>
+          <a:lstStyle/>
+          <a:p>
+            <a:pPr algn="ctr"/>
+            <a:endParaRPr lang="en-US"/>
+          </a:p>
+        </p:txBody>
+      </p:sp>
+      <p:cxnSp>
+        <p:nvCxnSpPr>
+          <p:cNvPr id="18" name="Straight Connector 17">
+            <a:extLst>
+              <a:ext uri="{FF2B5EF4-FFF2-40B4-BE49-F238E27FC236}">
+                <a16:creationId xmlns:a16="http://schemas.microsoft.com/office/drawing/2014/main" id="{BEC10BFB-F27A-8A0A-C82C-76084DEBD7D4}"/>
+              </a:ext>
+            </a:extLst>
+          </p:cNvPr>
+          <p:cNvCxnSpPr>
+            <a:cxnSpLocks/>
+            <a:endCxn id="16" idx="2"/>
+          </p:cNvCxnSpPr>
+          <p:nvPr/>
+        </p:nvCxnSpPr>
+        <p:spPr>
+          <a:xfrm>
+            <a:off x="1307210" y="4616091"/>
+            <a:ext cx="1950740" cy="0"/>
+          </a:xfrm>
+          <a:prstGeom prst="line">
+            <a:avLst/>
+          </a:prstGeom>
+          <a:ln w="38100">
+            <a:prstDash val="dash"/>
+          </a:ln>
+        </p:spPr>
+        <p:style>
+          <a:lnRef idx="2">
+            <a:schemeClr val="accent1"/>
+          </a:lnRef>
+          <a:fillRef idx="0">
+            <a:schemeClr val="accent1"/>
+          </a:fillRef>
+          <a:effectRef idx="1">
+            <a:schemeClr val="accent1"/>
+          </a:effectRef>
+          <a:fontRef idx="minor">
+            <a:schemeClr val="tx1"/>
+          </a:fontRef>
+        </p:style>
+      </p:cxnSp>
+      <mc:AlternateContent xmlns:mc="http://schemas.openxmlformats.org/markup-compatibility/2006">
+        <mc:Choice xmlns:a14="http://schemas.microsoft.com/office/drawing/2010/main" Requires="a14">
+          <p:sp>
+            <p:nvSpPr>
+              <p:cNvPr id="25" name="TextBox 24">
+                <a:extLst>
+                  <a:ext uri="{FF2B5EF4-FFF2-40B4-BE49-F238E27FC236}">
+                    <a16:creationId xmlns:a16="http://schemas.microsoft.com/office/drawing/2014/main" id="{4AAB62C5-913C-AA9A-48C7-7A8C4279A2AF}"/>
+                  </a:ext>
+                </a:extLst>
+              </p:cNvPr>
+              <p:cNvSpPr txBox="1"/>
+              <p:nvPr/>
+            </p:nvSpPr>
+            <p:spPr>
+              <a:xfrm>
+                <a:off x="327477" y="4349856"/>
+                <a:ext cx="609600" cy="523220"/>
+              </a:xfrm>
+              <a:prstGeom prst="rect">
+                <a:avLst/>
+              </a:prstGeom>
+              <a:noFill/>
+            </p:spPr>
+            <p:txBody>
+              <a:bodyPr wrap="square" rtlCol="0">
+                <a:spAutoFit/>
+              </a:bodyPr>
+              <a:lstStyle/>
+              <a:p>
+                <a:pPr/>
+                <a14:m>
+                  <m:oMathPara xmlns:m="http://schemas.openxmlformats.org/officeDocument/2006/math">
+                    <m:oMathParaPr>
+                      <m:jc m:val="centerGroup"/>
+                    </m:oMathParaPr>
+                    <m:oMath xmlns:m="http://schemas.openxmlformats.org/officeDocument/2006/math">
+                      <m:sSubSup>
+                        <m:sSubSupPr>
+                          <m:ctrlPr>
+                            <a:rPr lang="en-US" sz="2800" b="1" i="1" smtClean="0">
+                              <a:latin typeface="Cambria Math" panose="02040503050406030204" pitchFamily="18" charset="0"/>
+                            </a:rPr>
+                          </m:ctrlPr>
+                        </m:sSubSupPr>
+                        <m:e>
+                          <m:r>
+                            <a:rPr lang="en-US" sz="2800" b="1" i="1" smtClean="0">
+                              <a:latin typeface="Cambria Math" panose="02040503050406030204" pitchFamily="18" charset="0"/>
+                            </a:rPr>
+                            <m:t>𝑸</m:t>
+                          </m:r>
+                        </m:e>
+                        <m:sub>
+                          <m:r>
+                            <a:rPr lang="en-US" sz="2800" b="1" i="1" smtClean="0">
+                              <a:latin typeface="Cambria Math" panose="02040503050406030204" pitchFamily="18" charset="0"/>
+                            </a:rPr>
+                            <m:t>𝑪</m:t>
+                          </m:r>
+                        </m:sub>
+                        <m:sup>
+                          <m:r>
+                            <a:rPr lang="en-US" sz="2800" b="1" i="1" smtClean="0">
+                              <a:latin typeface="Cambria Math" panose="02040503050406030204" pitchFamily="18" charset="0"/>
+                            </a:rPr>
+                            <m:t>𝒏𝒆𝒘</m:t>
+                          </m:r>
+                        </m:sup>
+                      </m:sSubSup>
+                    </m:oMath>
+                  </m:oMathPara>
+                </a14:m>
+                <a:endParaRPr lang="en-US" sz="2800" b="1" dirty="0"/>
+              </a:p>
+            </p:txBody>
+          </p:sp>
+        </mc:Choice>
+        <mc:Fallback>
+          <p:sp>
+            <p:nvSpPr>
+              <p:cNvPr id="25" name="TextBox 24">
+                <a:extLst>
+                  <a:ext uri="{FF2B5EF4-FFF2-40B4-BE49-F238E27FC236}">
+                    <a16:creationId xmlns:a16="http://schemas.microsoft.com/office/drawing/2014/main" id="{4AAB62C5-913C-AA9A-48C7-7A8C4279A2AF}"/>
+                  </a:ext>
+                </a:extLst>
+              </p:cNvPr>
+              <p:cNvSpPr txBox="1">
+                <a:spLocks noRot="1" noChangeAspect="1" noMove="1" noResize="1" noEditPoints="1" noAdjustHandles="1" noChangeArrowheads="1" noChangeShapeType="1" noTextEdit="1"/>
+              </p:cNvSpPr>
+              <p:nvPr/>
+            </p:nvSpPr>
+            <p:spPr>
+              <a:xfrm>
+                <a:off x="327477" y="4349856"/>
+                <a:ext cx="609600" cy="523220"/>
+              </a:xfrm>
+              <a:prstGeom prst="rect">
+                <a:avLst/>
+              </a:prstGeom>
+              <a:blipFill>
+                <a:blip r:embed="rId7"/>
+                <a:stretch>
+                  <a:fillRect l="-10204" r="-53061" b="-14286"/>
+                </a:stretch>
+              </a:blipFill>
+            </p:spPr>
+            <p:txBody>
+              <a:bodyPr/>
+              <a:lstStyle/>
+              <a:p>
+                <a:r>
+                  <a:rPr lang="en-US">
+                    <a:noFill/>
+                  </a:rPr>
+                  <a:t> </a:t>
+                </a:r>
+              </a:p>
+            </p:txBody>
+          </p:sp>
+        </mc:Fallback>
+      </mc:AlternateContent>
+      <mc:AlternateContent xmlns:mc="http://schemas.openxmlformats.org/markup-compatibility/2006">
+        <mc:Choice xmlns:a14="http://schemas.microsoft.com/office/drawing/2010/main" Requires="a14">
+          <p:sp>
+            <p:nvSpPr>
+              <p:cNvPr id="26" name="TextBox 25">
+                <a:extLst>
+                  <a:ext uri="{FF2B5EF4-FFF2-40B4-BE49-F238E27FC236}">
+                    <a16:creationId xmlns:a16="http://schemas.microsoft.com/office/drawing/2014/main" id="{7DD43927-5A7B-B0C3-EBA7-7538BB194585}"/>
+                  </a:ext>
+                </a:extLst>
+              </p:cNvPr>
+              <p:cNvSpPr txBox="1"/>
+              <p:nvPr/>
+            </p:nvSpPr>
+            <p:spPr>
+              <a:xfrm>
+                <a:off x="3076225" y="6087804"/>
+                <a:ext cx="609600" cy="580865"/>
+              </a:xfrm>
+              <a:prstGeom prst="rect">
+                <a:avLst/>
+              </a:prstGeom>
+              <a:noFill/>
+            </p:spPr>
+            <p:txBody>
+              <a:bodyPr wrap="square" rtlCol="0">
+                <a:spAutoFit/>
+              </a:bodyPr>
+              <a:lstStyle/>
+              <a:p>
+                <a:pPr/>
+                <a14:m>
+                  <m:oMathPara xmlns:m="http://schemas.openxmlformats.org/officeDocument/2006/math">
+                    <m:oMathParaPr>
+                      <m:jc m:val="centerGroup"/>
+                    </m:oMathParaPr>
+                    <m:oMath xmlns:m="http://schemas.openxmlformats.org/officeDocument/2006/math">
+                      <m:sSubSup>
+                        <m:sSubSupPr>
+                          <m:ctrlPr>
+                            <a:rPr lang="en-US" sz="2800" b="1" i="1" smtClean="0">
+                              <a:latin typeface="Cambria Math" panose="02040503050406030204" pitchFamily="18" charset="0"/>
+                            </a:rPr>
+                          </m:ctrlPr>
+                        </m:sSubSupPr>
+                        <m:e>
+                          <m:r>
+                            <a:rPr lang="en-US" sz="2800" b="1" i="1" smtClean="0">
+                              <a:latin typeface="Cambria Math" panose="02040503050406030204" pitchFamily="18" charset="0"/>
+                            </a:rPr>
+                            <m:t>𝑸</m:t>
+                          </m:r>
+                        </m:e>
+                        <m:sub>
+                          <m:r>
+                            <a:rPr lang="en-US" sz="2800" b="1" i="1" smtClean="0">
+                              <a:latin typeface="Cambria Math" panose="02040503050406030204" pitchFamily="18" charset="0"/>
+                            </a:rPr>
+                            <m:t>𝒇</m:t>
+                          </m:r>
+                        </m:sub>
+                        <m:sup>
+                          <m:r>
+                            <a:rPr lang="en-US" sz="2800" b="1" i="1" smtClean="0">
+                              <a:latin typeface="Cambria Math" panose="02040503050406030204" pitchFamily="18" charset="0"/>
+                            </a:rPr>
+                            <m:t>𝒏𝒆𝒘</m:t>
+                          </m:r>
+                        </m:sup>
+                      </m:sSubSup>
+                    </m:oMath>
+                  </m:oMathPara>
+                </a14:m>
+                <a:endParaRPr lang="en-US" sz="2800" b="1" dirty="0"/>
+              </a:p>
+            </p:txBody>
+          </p:sp>
+        </mc:Choice>
+        <mc:Fallback>
+          <p:sp>
+            <p:nvSpPr>
+              <p:cNvPr id="26" name="TextBox 25">
+                <a:extLst>
+                  <a:ext uri="{FF2B5EF4-FFF2-40B4-BE49-F238E27FC236}">
+                    <a16:creationId xmlns:a16="http://schemas.microsoft.com/office/drawing/2014/main" id="{7DD43927-5A7B-B0C3-EBA7-7538BB194585}"/>
+                  </a:ext>
+                </a:extLst>
+              </p:cNvPr>
+              <p:cNvSpPr txBox="1">
+                <a:spLocks noRot="1" noChangeAspect="1" noMove="1" noResize="1" noEditPoints="1" noAdjustHandles="1" noChangeArrowheads="1" noChangeShapeType="1" noTextEdit="1"/>
+              </p:cNvSpPr>
+              <p:nvPr/>
+            </p:nvSpPr>
+            <p:spPr>
+              <a:xfrm>
+                <a:off x="3076225" y="6087804"/>
+                <a:ext cx="609600" cy="580865"/>
+              </a:xfrm>
+              <a:prstGeom prst="rect">
+                <a:avLst/>
+              </a:prstGeom>
+              <a:blipFill>
+                <a:blip r:embed="rId8"/>
+                <a:stretch>
+                  <a:fillRect l="-10204" r="-51020" b="-10638"/>
+                </a:stretch>
+              </a:blipFill>
+            </p:spPr>
+            <p:txBody>
+              <a:bodyPr/>
+              <a:lstStyle/>
+              <a:p>
+                <a:r>
+                  <a:rPr lang="en-US">
+                    <a:noFill/>
+                  </a:rPr>
+                  <a:t> </a:t>
+                </a:r>
+              </a:p>
+            </p:txBody>
+          </p:sp>
+        </mc:Fallback>
+      </mc:AlternateContent>
+      <mc:AlternateContent xmlns:mc="http://schemas.openxmlformats.org/markup-compatibility/2006">
+        <mc:Choice xmlns:a14="http://schemas.microsoft.com/office/drawing/2010/main" Requires="a14">
+          <p:sp>
+            <p:nvSpPr>
+              <p:cNvPr id="27" name="TextBox 26">
+                <a:extLst>
+                  <a:ext uri="{FF2B5EF4-FFF2-40B4-BE49-F238E27FC236}">
+                    <a16:creationId xmlns:a16="http://schemas.microsoft.com/office/drawing/2014/main" id="{BFEFF2E9-21F4-B46E-D739-63CB2F301EEB}"/>
+                  </a:ext>
+                </a:extLst>
+              </p:cNvPr>
+              <p:cNvSpPr txBox="1"/>
+              <p:nvPr/>
+            </p:nvSpPr>
+            <p:spPr>
+              <a:xfrm>
+                <a:off x="772907" y="1276144"/>
+                <a:ext cx="609600" cy="369332"/>
+              </a:xfrm>
+              <a:prstGeom prst="rect">
+                <a:avLst/>
+              </a:prstGeom>
+              <a:noFill/>
+            </p:spPr>
+            <p:txBody>
+              <a:bodyPr wrap="square" rtlCol="0">
+                <a:spAutoFit/>
+              </a:bodyPr>
+              <a:lstStyle/>
+              <a:p>
+                <a:pPr/>
+                <a14:m>
+                  <m:oMathPara xmlns:m="http://schemas.openxmlformats.org/officeDocument/2006/math">
+                    <m:oMathParaPr>
+                      <m:jc m:val="centerGroup"/>
+                    </m:oMathParaPr>
+                    <m:oMath xmlns:m="http://schemas.openxmlformats.org/officeDocument/2006/math">
+                      <m:r>
+                        <a:rPr lang="en-US" b="1" i="1" smtClean="0">
+                          <a:latin typeface="Cambria Math" panose="02040503050406030204" pitchFamily="18" charset="0"/>
+                        </a:rPr>
+                        <m:t>𝟏𝟎</m:t>
+                      </m:r>
+                    </m:oMath>
+                  </m:oMathPara>
+                </a14:m>
+                <a:endParaRPr lang="en-US" b="1" dirty="0"/>
+              </a:p>
+            </p:txBody>
+          </p:sp>
+        </mc:Choice>
+        <mc:Fallback>
+          <p:sp>
+            <p:nvSpPr>
+              <p:cNvPr id="27" name="TextBox 26">
+                <a:extLst>
+                  <a:ext uri="{FF2B5EF4-FFF2-40B4-BE49-F238E27FC236}">
+                    <a16:creationId xmlns:a16="http://schemas.microsoft.com/office/drawing/2014/main" id="{BFEFF2E9-21F4-B46E-D739-63CB2F301EEB}"/>
+                  </a:ext>
+                </a:extLst>
+              </p:cNvPr>
+              <p:cNvSpPr txBox="1">
+                <a:spLocks noRot="1" noChangeAspect="1" noMove="1" noResize="1" noEditPoints="1" noAdjustHandles="1" noChangeArrowheads="1" noChangeShapeType="1" noTextEdit="1"/>
+              </p:cNvSpPr>
+              <p:nvPr/>
+            </p:nvSpPr>
+            <p:spPr>
+              <a:xfrm>
+                <a:off x="772907" y="1276144"/>
+                <a:ext cx="609600" cy="369332"/>
+              </a:xfrm>
+              <a:prstGeom prst="rect">
+                <a:avLst/>
+              </a:prstGeom>
+              <a:blipFill>
+                <a:blip r:embed="rId9"/>
+                <a:stretch>
+                  <a:fillRect/>
+                </a:stretch>
+              </a:blipFill>
+            </p:spPr>
+            <p:txBody>
+              <a:bodyPr/>
+              <a:lstStyle/>
+              <a:p>
+                <a:r>
+                  <a:rPr lang="en-US">
+                    <a:noFill/>
+                  </a:rPr>
+                  <a:t> </a:t>
+                </a:r>
+              </a:p>
+            </p:txBody>
+          </p:sp>
+        </mc:Fallback>
+      </mc:AlternateContent>
+      <mc:AlternateContent xmlns:mc="http://schemas.openxmlformats.org/markup-compatibility/2006">
+        <mc:Choice xmlns:a14="http://schemas.microsoft.com/office/drawing/2010/main" Requires="a14">
+          <p:sp>
+            <p:nvSpPr>
+              <p:cNvPr id="31" name="TextBox 30">
+                <a:extLst>
+                  <a:ext uri="{FF2B5EF4-FFF2-40B4-BE49-F238E27FC236}">
+                    <a16:creationId xmlns:a16="http://schemas.microsoft.com/office/drawing/2014/main" id="{DB679DFA-2985-8922-E08F-083E0B0313E4}"/>
+                  </a:ext>
+                </a:extLst>
+              </p:cNvPr>
+              <p:cNvSpPr txBox="1"/>
+              <p:nvPr/>
+            </p:nvSpPr>
+            <p:spPr>
+              <a:xfrm>
+                <a:off x="3958258" y="5999152"/>
+                <a:ext cx="609600" cy="369332"/>
+              </a:xfrm>
+              <a:prstGeom prst="rect">
+                <a:avLst/>
+              </a:prstGeom>
+              <a:noFill/>
+            </p:spPr>
+            <p:txBody>
+              <a:bodyPr wrap="square" rtlCol="0">
+                <a:spAutoFit/>
+              </a:bodyPr>
+              <a:lstStyle/>
+              <a:p>
+                <a:pPr/>
+                <a14:m>
+                  <m:oMathPara xmlns:m="http://schemas.openxmlformats.org/officeDocument/2006/math">
+                    <m:oMathParaPr>
+                      <m:jc m:val="centerGroup"/>
+                    </m:oMathParaPr>
+                    <m:oMath xmlns:m="http://schemas.openxmlformats.org/officeDocument/2006/math">
+                      <m:r>
+                        <a:rPr lang="en-US" b="1" i="1" smtClean="0">
+                          <a:latin typeface="Cambria Math" panose="02040503050406030204" pitchFamily="18" charset="0"/>
+                        </a:rPr>
+                        <m:t>𝟏𝟐</m:t>
+                      </m:r>
+                    </m:oMath>
+                  </m:oMathPara>
+                </a14:m>
+                <a:endParaRPr lang="en-US" b="1" dirty="0"/>
+              </a:p>
+            </p:txBody>
+          </p:sp>
+        </mc:Choice>
+        <mc:Fallback>
+          <p:sp>
+            <p:nvSpPr>
+              <p:cNvPr id="31" name="TextBox 30">
+                <a:extLst>
+                  <a:ext uri="{FF2B5EF4-FFF2-40B4-BE49-F238E27FC236}">
+                    <a16:creationId xmlns:a16="http://schemas.microsoft.com/office/drawing/2014/main" id="{DB679DFA-2985-8922-E08F-083E0B0313E4}"/>
+                  </a:ext>
+                </a:extLst>
+              </p:cNvPr>
+              <p:cNvSpPr txBox="1">
+                <a:spLocks noRot="1" noChangeAspect="1" noMove="1" noResize="1" noEditPoints="1" noAdjustHandles="1" noChangeArrowheads="1" noChangeShapeType="1" noTextEdit="1"/>
+              </p:cNvSpPr>
+              <p:nvPr/>
+            </p:nvSpPr>
+            <p:spPr>
+              <a:xfrm>
+                <a:off x="3958258" y="5999152"/>
+                <a:ext cx="609600" cy="369332"/>
+              </a:xfrm>
+              <a:prstGeom prst="rect">
+                <a:avLst/>
+              </a:prstGeom>
+              <a:blipFill>
+                <a:blip r:embed="rId10"/>
+                <a:stretch>
+                  <a:fillRect/>
+                </a:stretch>
+              </a:blipFill>
+            </p:spPr>
+            <p:txBody>
+              <a:bodyPr/>
+              <a:lstStyle/>
+              <a:p>
+                <a:r>
+                  <a:rPr lang="en-US">
+                    <a:noFill/>
+                  </a:rPr>
+                  <a:t> </a:t>
+                </a:r>
+              </a:p>
+            </p:txBody>
+          </p:sp>
+        </mc:Fallback>
+      </mc:AlternateContent>
+      <mc:AlternateContent xmlns:mc="http://schemas.openxmlformats.org/markup-compatibility/2006">
+        <mc:Choice xmlns:a14="http://schemas.microsoft.com/office/drawing/2010/main" Requires="a14">
+          <p:sp>
+            <p:nvSpPr>
+              <p:cNvPr id="32" name="TextBox 31">
+                <a:extLst>
+                  <a:ext uri="{FF2B5EF4-FFF2-40B4-BE49-F238E27FC236}">
+                    <a16:creationId xmlns:a16="http://schemas.microsoft.com/office/drawing/2014/main" id="{CF69894B-E4DA-1E46-22F4-06443E6FCA51}"/>
+                  </a:ext>
+                </a:extLst>
+              </p:cNvPr>
+              <p:cNvSpPr txBox="1"/>
+              <p:nvPr/>
+            </p:nvSpPr>
+            <p:spPr>
+              <a:xfrm>
+                <a:off x="3434950" y="1192703"/>
+                <a:ext cx="609600" cy="369332"/>
+              </a:xfrm>
+              <a:prstGeom prst="rect">
+                <a:avLst/>
+              </a:prstGeom>
+              <a:noFill/>
+            </p:spPr>
+            <p:txBody>
+              <a:bodyPr wrap="square" rtlCol="0">
+                <a:spAutoFit/>
+              </a:bodyPr>
+              <a:lstStyle/>
+              <a:p>
+                <a:pPr/>
+                <a14:m>
+                  <m:oMathPara xmlns:m="http://schemas.openxmlformats.org/officeDocument/2006/math">
+                    <m:oMathParaPr>
+                      <m:jc m:val="centerGroup"/>
+                    </m:oMathParaPr>
+                    <m:oMath xmlns:m="http://schemas.openxmlformats.org/officeDocument/2006/math">
+                      <m:sSub>
+                        <m:sSubPr>
+                          <m:ctrlPr>
+                            <a:rPr lang="en-US" b="1" i="1" smtClean="0">
+                              <a:latin typeface="Cambria Math" panose="02040503050406030204" pitchFamily="18" charset="0"/>
+                            </a:rPr>
+                          </m:ctrlPr>
+                        </m:sSubPr>
+                        <m:e>
+                          <m:r>
+                            <a:rPr lang="en-US" b="1" i="1" smtClean="0">
+                              <a:latin typeface="Cambria Math" panose="02040503050406030204" pitchFamily="18" charset="0"/>
+                            </a:rPr>
+                            <m:t>𝑰</m:t>
+                          </m:r>
+                        </m:e>
+                        <m:sub>
+                          <m:r>
+                            <a:rPr lang="en-US" b="1" i="1" smtClean="0">
+                              <a:latin typeface="Cambria Math" panose="02040503050406030204" pitchFamily="18" charset="0"/>
+                            </a:rPr>
+                            <m:t>𝟐</m:t>
+                          </m:r>
+                        </m:sub>
+                      </m:sSub>
+                    </m:oMath>
+                  </m:oMathPara>
+                </a14:m>
+                <a:endParaRPr lang="en-US" b="1" dirty="0"/>
+              </a:p>
+            </p:txBody>
+          </p:sp>
+        </mc:Choice>
+        <mc:Fallback>
+          <p:sp>
+            <p:nvSpPr>
+              <p:cNvPr id="32" name="TextBox 31">
+                <a:extLst>
+                  <a:ext uri="{FF2B5EF4-FFF2-40B4-BE49-F238E27FC236}">
+                    <a16:creationId xmlns:a16="http://schemas.microsoft.com/office/drawing/2014/main" id="{CF69894B-E4DA-1E46-22F4-06443E6FCA51}"/>
+                  </a:ext>
+                </a:extLst>
+              </p:cNvPr>
+              <p:cNvSpPr txBox="1">
+                <a:spLocks noRot="1" noChangeAspect="1" noMove="1" noResize="1" noEditPoints="1" noAdjustHandles="1" noChangeArrowheads="1" noChangeShapeType="1" noTextEdit="1"/>
+              </p:cNvSpPr>
+              <p:nvPr/>
+            </p:nvSpPr>
+            <p:spPr>
+              <a:xfrm>
+                <a:off x="3434950" y="1192703"/>
+                <a:ext cx="609600" cy="369332"/>
+              </a:xfrm>
+              <a:prstGeom prst="rect">
+                <a:avLst/>
+              </a:prstGeom>
+              <a:blipFill>
+                <a:blip r:embed="rId11"/>
+                <a:stretch>
+                  <a:fillRect/>
+                </a:stretch>
+              </a:blipFill>
+            </p:spPr>
+            <p:txBody>
+              <a:bodyPr/>
+              <a:lstStyle/>
+              <a:p>
+                <a:r>
+                  <a:rPr lang="en-US">
+                    <a:noFill/>
+                  </a:rPr>
+                  <a:t> </a:t>
+                </a:r>
+              </a:p>
+            </p:txBody>
+          </p:sp>
+        </mc:Fallback>
+      </mc:AlternateContent>
+    </p:spTree>
+    <p:extLst>
+      <p:ext uri="{BB962C8B-B14F-4D97-AF65-F5344CB8AC3E}">
+        <p14:creationId xmlns:p14="http://schemas.microsoft.com/office/powerpoint/2010/main" val="1253775333"/>
       </p:ext>
     </p:extLst>
   </p:cSld>
@@ -14255,8 +21309,8 @@
           </a:p>
         </p:txBody>
       </p:sp>
-      <mc:AlternateContent xmlns:mc="http://schemas.openxmlformats.org/markup-compatibility/2006">
-        <mc:Choice xmlns:a14="http://schemas.microsoft.com/office/drawing/2010/main" Requires="a14">
+      <mc:AlternateContent xmlns:mc="http://schemas.openxmlformats.org/markup-compatibility/2006" xmlns:a14="http://schemas.microsoft.com/office/drawing/2010/main">
+        <mc:Choice Requires="a14">
           <p:sp>
             <p:nvSpPr>
               <p:cNvPr id="20" name="TextBox 19">
@@ -14318,7 +21372,7 @@
             </p:txBody>
           </p:sp>
         </mc:Choice>
-        <mc:Fallback>
+        <mc:Fallback xmlns="">
           <p:sp>
             <p:nvSpPr>
               <p:cNvPr id="20" name="TextBox 19">
@@ -14500,8 +21554,8 @@
           </a:p>
         </p:txBody>
       </p:sp>
-      <mc:AlternateContent xmlns:mc="http://schemas.openxmlformats.org/markup-compatibility/2006">
-        <mc:Choice xmlns:a14="http://schemas.microsoft.com/office/drawing/2010/main" Requires="a14">
+      <mc:AlternateContent xmlns:mc="http://schemas.openxmlformats.org/markup-compatibility/2006" xmlns:a14="http://schemas.microsoft.com/office/drawing/2010/main">
+        <mc:Choice Requires="a14">
           <p:sp>
             <p:nvSpPr>
               <p:cNvPr id="24" name="TextBox 23">
@@ -14570,7 +21624,7 @@
             </p:txBody>
           </p:sp>
         </mc:Choice>
-        <mc:Fallback>
+        <mc:Fallback xmlns="">
           <p:sp>
             <p:nvSpPr>
               <p:cNvPr id="24" name="TextBox 23">
@@ -14990,8 +22044,8 @@
           </a:p>
         </p:txBody>
       </p:sp>
-      <mc:AlternateContent xmlns:mc="http://schemas.openxmlformats.org/markup-compatibility/2006">
-        <mc:Choice xmlns:a14="http://schemas.microsoft.com/office/drawing/2010/main" Requires="a14">
+      <mc:AlternateContent xmlns:mc="http://schemas.openxmlformats.org/markup-compatibility/2006" xmlns:a14="http://schemas.microsoft.com/office/drawing/2010/main">
+        <mc:Choice Requires="a14">
           <p:sp>
             <p:nvSpPr>
               <p:cNvPr id="13" name="TextBox 12">
@@ -15053,7 +22107,7 @@
             </p:txBody>
           </p:sp>
         </mc:Choice>
-        <mc:Fallback>
+        <mc:Fallback xmlns="">
           <p:sp>
             <p:nvSpPr>
               <p:cNvPr id="13" name="TextBox 12">
@@ -15330,8 +22384,8 @@
           </a:p>
         </p:txBody>
       </p:sp>
-      <mc:AlternateContent xmlns:mc="http://schemas.openxmlformats.org/markup-compatibility/2006">
-        <mc:Choice xmlns:a14="http://schemas.microsoft.com/office/drawing/2010/main" Requires="a14">
+      <mc:AlternateContent xmlns:mc="http://schemas.openxmlformats.org/markup-compatibility/2006" xmlns:a14="http://schemas.microsoft.com/office/drawing/2010/main">
+        <mc:Choice Requires="a14">
           <p:sp>
             <p:nvSpPr>
               <p:cNvPr id="19" name="TextBox 18">
@@ -15400,7 +22454,7 @@
             </p:txBody>
           </p:sp>
         </mc:Choice>
-        <mc:Fallback>
+        <mc:Fallback xmlns="">
           <p:sp>
             <p:nvSpPr>
               <p:cNvPr id="19" name="TextBox 18">
@@ -15445,8 +22499,8 @@
           </p:sp>
         </mc:Fallback>
       </mc:AlternateContent>
-      <mc:AlternateContent xmlns:mc="http://schemas.openxmlformats.org/markup-compatibility/2006">
-        <mc:Choice xmlns:a14="http://schemas.microsoft.com/office/drawing/2010/main" Requires="a14">
+      <mc:AlternateContent xmlns:mc="http://schemas.openxmlformats.org/markup-compatibility/2006" xmlns:a14="http://schemas.microsoft.com/office/drawing/2010/main">
+        <mc:Choice Requires="a14">
           <p:sp>
             <p:nvSpPr>
               <p:cNvPr id="20" name="TextBox 19">
@@ -15523,7 +22577,7 @@
             </p:txBody>
           </p:sp>
         </mc:Choice>
-        <mc:Fallback>
+        <mc:Fallback xmlns="">
           <p:sp>
             <p:nvSpPr>
               <p:cNvPr id="20" name="TextBox 19">

--- a/Lectures/graph-maker-pp.pptx
+++ b/Lectures/graph-maker-pp.pptx
@@ -4,6 +4,9 @@
   <p:sldMasterIdLst>
     <p:sldMasterId id="2147483648" r:id="rId1"/>
   </p:sldMasterIdLst>
+  <p:notesMasterIdLst>
+    <p:notesMasterId r:id="rId27"/>
+  </p:notesMasterIdLst>
   <p:sldIdLst>
     <p:sldId id="256" r:id="rId2"/>
     <p:sldId id="258" r:id="rId3"/>
@@ -23,6 +26,13 @@
     <p:sldId id="272" r:id="rId17"/>
     <p:sldId id="273" r:id="rId18"/>
     <p:sldId id="274" r:id="rId19"/>
+    <p:sldId id="276" r:id="rId20"/>
+    <p:sldId id="275" r:id="rId21"/>
+    <p:sldId id="277" r:id="rId22"/>
+    <p:sldId id="278" r:id="rId23"/>
+    <p:sldId id="279" r:id="rId24"/>
+    <p:sldId id="280" r:id="rId25"/>
+    <p:sldId id="281" r:id="rId26"/>
   </p:sldIdLst>
   <p:sldSz cx="12192000" cy="6858000"/>
   <p:notesSz cx="6858000" cy="9144000"/>
@@ -127,6 +137,439 @@
     </p:ext>
   </p:extLst>
 </p:presentation>
+</file>
+
+<file path=ppt/notesMasters/notesMaster1.xml><?xml version="1.0" encoding="utf-8"?>
+<p:notesMaster xmlns:a="http://schemas.openxmlformats.org/drawingml/2006/main" xmlns:r="http://schemas.openxmlformats.org/officeDocument/2006/relationships" xmlns:p="http://schemas.openxmlformats.org/presentationml/2006/main">
+  <p:cSld>
+    <p:bg>
+      <p:bgRef idx="1001">
+        <a:schemeClr val="bg1"/>
+      </p:bgRef>
+    </p:bg>
+    <p:spTree>
+      <p:nvGrpSpPr>
+        <p:cNvPr id="1" name=""/>
+        <p:cNvGrpSpPr/>
+        <p:nvPr/>
+      </p:nvGrpSpPr>
+      <p:grpSpPr>
+        <a:xfrm>
+          <a:off x="0" y="0"/>
+          <a:ext cx="0" cy="0"/>
+          <a:chOff x="0" y="0"/>
+          <a:chExt cx="0" cy="0"/>
+        </a:xfrm>
+      </p:grpSpPr>
+      <p:sp>
+        <p:nvSpPr>
+          <p:cNvPr id="2" name="Header Placeholder 1"/>
+          <p:cNvSpPr>
+            <a:spLocks noGrp="1"/>
+          </p:cNvSpPr>
+          <p:nvPr>
+            <p:ph type="hdr" sz="quarter"/>
+          </p:nvPr>
+        </p:nvSpPr>
+        <p:spPr>
+          <a:xfrm>
+            <a:off x="0" y="0"/>
+            <a:ext cx="2971800" cy="458788"/>
+          </a:xfrm>
+          <a:prstGeom prst="rect">
+            <a:avLst/>
+          </a:prstGeom>
+        </p:spPr>
+        <p:txBody>
+          <a:bodyPr vert="horz" lIns="91440" tIns="45720" rIns="91440" bIns="45720" rtlCol="0"/>
+          <a:lstStyle>
+            <a:lvl1pPr algn="l">
+              <a:defRPr sz="1200"/>
+            </a:lvl1pPr>
+          </a:lstStyle>
+          <a:p>
+            <a:endParaRPr lang="en-US"/>
+          </a:p>
+        </p:txBody>
+      </p:sp>
+      <p:sp>
+        <p:nvSpPr>
+          <p:cNvPr id="3" name="Date Placeholder 2"/>
+          <p:cNvSpPr>
+            <a:spLocks noGrp="1"/>
+          </p:cNvSpPr>
+          <p:nvPr>
+            <p:ph type="dt" idx="1"/>
+          </p:nvPr>
+        </p:nvSpPr>
+        <p:spPr>
+          <a:xfrm>
+            <a:off x="3884613" y="0"/>
+            <a:ext cx="2971800" cy="458788"/>
+          </a:xfrm>
+          <a:prstGeom prst="rect">
+            <a:avLst/>
+          </a:prstGeom>
+        </p:spPr>
+        <p:txBody>
+          <a:bodyPr vert="horz" lIns="91440" tIns="45720" rIns="91440" bIns="45720" rtlCol="0"/>
+          <a:lstStyle>
+            <a:lvl1pPr algn="r">
+              <a:defRPr sz="1200"/>
+            </a:lvl1pPr>
+          </a:lstStyle>
+          <a:p>
+            <a:fld id="{729F6188-8EB9-A643-A05C-94D1DA380893}" type="datetimeFigureOut">
+              <a:rPr lang="en-US" smtClean="0"/>
+              <a:t>11/11/25</a:t>
+            </a:fld>
+            <a:endParaRPr lang="en-US"/>
+          </a:p>
+        </p:txBody>
+      </p:sp>
+      <p:sp>
+        <p:nvSpPr>
+          <p:cNvPr id="4" name="Slide Image Placeholder 3"/>
+          <p:cNvSpPr>
+            <a:spLocks noGrp="1" noRot="1" noChangeAspect="1"/>
+          </p:cNvSpPr>
+          <p:nvPr>
+            <p:ph type="sldImg" idx="2"/>
+          </p:nvPr>
+        </p:nvSpPr>
+        <p:spPr>
+          <a:xfrm>
+            <a:off x="685800" y="1143000"/>
+            <a:ext cx="5486400" cy="3086100"/>
+          </a:xfrm>
+          <a:prstGeom prst="rect">
+            <a:avLst/>
+          </a:prstGeom>
+          <a:noFill/>
+          <a:ln w="12700">
+            <a:solidFill>
+              <a:prstClr val="black"/>
+            </a:solidFill>
+          </a:ln>
+        </p:spPr>
+        <p:txBody>
+          <a:bodyPr vert="horz" lIns="91440" tIns="45720" rIns="91440" bIns="45720" rtlCol="0" anchor="ctr"/>
+          <a:lstStyle/>
+          <a:p>
+            <a:endParaRPr lang="en-US"/>
+          </a:p>
+        </p:txBody>
+      </p:sp>
+      <p:sp>
+        <p:nvSpPr>
+          <p:cNvPr id="5" name="Notes Placeholder 4"/>
+          <p:cNvSpPr>
+            <a:spLocks noGrp="1"/>
+          </p:cNvSpPr>
+          <p:nvPr>
+            <p:ph type="body" sz="quarter" idx="3"/>
+          </p:nvPr>
+        </p:nvSpPr>
+        <p:spPr>
+          <a:xfrm>
+            <a:off x="685800" y="4400550"/>
+            <a:ext cx="5486400" cy="3600450"/>
+          </a:xfrm>
+          <a:prstGeom prst="rect">
+            <a:avLst/>
+          </a:prstGeom>
+        </p:spPr>
+        <p:txBody>
+          <a:bodyPr vert="horz" lIns="91440" tIns="45720" rIns="91440" bIns="45720" rtlCol="0"/>
+          <a:lstStyle/>
+          <a:p>
+            <a:pPr lvl="0"/>
+            <a:r>
+              <a:rPr lang="en-US"/>
+              <a:t>Click to edit Master text styles</a:t>
+            </a:r>
+          </a:p>
+          <a:p>
+            <a:pPr lvl="1"/>
+            <a:r>
+              <a:rPr lang="en-US"/>
+              <a:t>Second level</a:t>
+            </a:r>
+          </a:p>
+          <a:p>
+            <a:pPr lvl="2"/>
+            <a:r>
+              <a:rPr lang="en-US"/>
+              <a:t>Third level</a:t>
+            </a:r>
+          </a:p>
+          <a:p>
+            <a:pPr lvl="3"/>
+            <a:r>
+              <a:rPr lang="en-US"/>
+              <a:t>Fourth level</a:t>
+            </a:r>
+          </a:p>
+          <a:p>
+            <a:pPr lvl="4"/>
+            <a:r>
+              <a:rPr lang="en-US"/>
+              <a:t>Fifth level</a:t>
+            </a:r>
+          </a:p>
+        </p:txBody>
+      </p:sp>
+      <p:sp>
+        <p:nvSpPr>
+          <p:cNvPr id="6" name="Footer Placeholder 5"/>
+          <p:cNvSpPr>
+            <a:spLocks noGrp="1"/>
+          </p:cNvSpPr>
+          <p:nvPr>
+            <p:ph type="ftr" sz="quarter" idx="4"/>
+          </p:nvPr>
+        </p:nvSpPr>
+        <p:spPr>
+          <a:xfrm>
+            <a:off x="0" y="8685213"/>
+            <a:ext cx="2971800" cy="458787"/>
+          </a:xfrm>
+          <a:prstGeom prst="rect">
+            <a:avLst/>
+          </a:prstGeom>
+        </p:spPr>
+        <p:txBody>
+          <a:bodyPr vert="horz" lIns="91440" tIns="45720" rIns="91440" bIns="45720" rtlCol="0" anchor="b"/>
+          <a:lstStyle>
+            <a:lvl1pPr algn="l">
+              <a:defRPr sz="1200"/>
+            </a:lvl1pPr>
+          </a:lstStyle>
+          <a:p>
+            <a:endParaRPr lang="en-US"/>
+          </a:p>
+        </p:txBody>
+      </p:sp>
+      <p:sp>
+        <p:nvSpPr>
+          <p:cNvPr id="7" name="Slide Number Placeholder 6"/>
+          <p:cNvSpPr>
+            <a:spLocks noGrp="1"/>
+          </p:cNvSpPr>
+          <p:nvPr>
+            <p:ph type="sldNum" sz="quarter" idx="5"/>
+          </p:nvPr>
+        </p:nvSpPr>
+        <p:spPr>
+          <a:xfrm>
+            <a:off x="3884613" y="8685213"/>
+            <a:ext cx="2971800" cy="458787"/>
+          </a:xfrm>
+          <a:prstGeom prst="rect">
+            <a:avLst/>
+          </a:prstGeom>
+        </p:spPr>
+        <p:txBody>
+          <a:bodyPr vert="horz" lIns="91440" tIns="45720" rIns="91440" bIns="45720" rtlCol="0" anchor="b"/>
+          <a:lstStyle>
+            <a:lvl1pPr algn="r">
+              <a:defRPr sz="1200"/>
+            </a:lvl1pPr>
+          </a:lstStyle>
+          <a:p>
+            <a:fld id="{895BD580-D0B3-4B46-A2F6-1B1323FB556E}" type="slidenum">
+              <a:rPr lang="en-US" smtClean="0"/>
+              <a:t>‹#›</a:t>
+            </a:fld>
+            <a:endParaRPr lang="en-US"/>
+          </a:p>
+        </p:txBody>
+      </p:sp>
+    </p:spTree>
+    <p:extLst>
+      <p:ext uri="{BB962C8B-B14F-4D97-AF65-F5344CB8AC3E}">
+        <p14:creationId xmlns:p14="http://schemas.microsoft.com/office/powerpoint/2010/main" val="501076826"/>
+      </p:ext>
+    </p:extLst>
+  </p:cSld>
+  <p:clrMap bg1="lt1" tx1="dk1" bg2="lt2" tx2="dk2" accent1="accent1" accent2="accent2" accent3="accent3" accent4="accent4" accent5="accent5" accent6="accent6" hlink="hlink" folHlink="folHlink"/>
+  <p:notesStyle>
+    <a:lvl1pPr marL="0" algn="l" defTabSz="914400" rtl="0" eaLnBrk="1" latinLnBrk="0" hangingPunct="1">
+      <a:defRPr sz="1200" kern="1200">
+        <a:solidFill>
+          <a:schemeClr val="tx1"/>
+        </a:solidFill>
+        <a:latin typeface="+mn-lt"/>
+        <a:ea typeface="+mn-ea"/>
+        <a:cs typeface="+mn-cs"/>
+      </a:defRPr>
+    </a:lvl1pPr>
+    <a:lvl2pPr marL="457200" algn="l" defTabSz="914400" rtl="0" eaLnBrk="1" latinLnBrk="0" hangingPunct="1">
+      <a:defRPr sz="1200" kern="1200">
+        <a:solidFill>
+          <a:schemeClr val="tx1"/>
+        </a:solidFill>
+        <a:latin typeface="+mn-lt"/>
+        <a:ea typeface="+mn-ea"/>
+        <a:cs typeface="+mn-cs"/>
+      </a:defRPr>
+    </a:lvl2pPr>
+    <a:lvl3pPr marL="914400" algn="l" defTabSz="914400" rtl="0" eaLnBrk="1" latinLnBrk="0" hangingPunct="1">
+      <a:defRPr sz="1200" kern="1200">
+        <a:solidFill>
+          <a:schemeClr val="tx1"/>
+        </a:solidFill>
+        <a:latin typeface="+mn-lt"/>
+        <a:ea typeface="+mn-ea"/>
+        <a:cs typeface="+mn-cs"/>
+      </a:defRPr>
+    </a:lvl3pPr>
+    <a:lvl4pPr marL="1371600" algn="l" defTabSz="914400" rtl="0" eaLnBrk="1" latinLnBrk="0" hangingPunct="1">
+      <a:defRPr sz="1200" kern="1200">
+        <a:solidFill>
+          <a:schemeClr val="tx1"/>
+        </a:solidFill>
+        <a:latin typeface="+mn-lt"/>
+        <a:ea typeface="+mn-ea"/>
+        <a:cs typeface="+mn-cs"/>
+      </a:defRPr>
+    </a:lvl4pPr>
+    <a:lvl5pPr marL="1828800" algn="l" defTabSz="914400" rtl="0" eaLnBrk="1" latinLnBrk="0" hangingPunct="1">
+      <a:defRPr sz="1200" kern="1200">
+        <a:solidFill>
+          <a:schemeClr val="tx1"/>
+        </a:solidFill>
+        <a:latin typeface="+mn-lt"/>
+        <a:ea typeface="+mn-ea"/>
+        <a:cs typeface="+mn-cs"/>
+      </a:defRPr>
+    </a:lvl5pPr>
+    <a:lvl6pPr marL="2286000" algn="l" defTabSz="914400" rtl="0" eaLnBrk="1" latinLnBrk="0" hangingPunct="1">
+      <a:defRPr sz="1200" kern="1200">
+        <a:solidFill>
+          <a:schemeClr val="tx1"/>
+        </a:solidFill>
+        <a:latin typeface="+mn-lt"/>
+        <a:ea typeface="+mn-ea"/>
+        <a:cs typeface="+mn-cs"/>
+      </a:defRPr>
+    </a:lvl6pPr>
+    <a:lvl7pPr marL="2743200" algn="l" defTabSz="914400" rtl="0" eaLnBrk="1" latinLnBrk="0" hangingPunct="1">
+      <a:defRPr sz="1200" kern="1200">
+        <a:solidFill>
+          <a:schemeClr val="tx1"/>
+        </a:solidFill>
+        <a:latin typeface="+mn-lt"/>
+        <a:ea typeface="+mn-ea"/>
+        <a:cs typeface="+mn-cs"/>
+      </a:defRPr>
+    </a:lvl7pPr>
+    <a:lvl8pPr marL="3200400" algn="l" defTabSz="914400" rtl="0" eaLnBrk="1" latinLnBrk="0" hangingPunct="1">
+      <a:defRPr sz="1200" kern="1200">
+        <a:solidFill>
+          <a:schemeClr val="tx1"/>
+        </a:solidFill>
+        <a:latin typeface="+mn-lt"/>
+        <a:ea typeface="+mn-ea"/>
+        <a:cs typeface="+mn-cs"/>
+      </a:defRPr>
+    </a:lvl8pPr>
+    <a:lvl9pPr marL="3657600" algn="l" defTabSz="914400" rtl="0" eaLnBrk="1" latinLnBrk="0" hangingPunct="1">
+      <a:defRPr sz="1200" kern="1200">
+        <a:solidFill>
+          <a:schemeClr val="tx1"/>
+        </a:solidFill>
+        <a:latin typeface="+mn-lt"/>
+        <a:ea typeface="+mn-ea"/>
+        <a:cs typeface="+mn-cs"/>
+      </a:defRPr>
+    </a:lvl9pPr>
+  </p:notesStyle>
+</p:notesMaster>
+</file>
+
+<file path=ppt/notesSlides/notesSlide1.xml><?xml version="1.0" encoding="utf-8"?>
+<p:notes xmlns:a="http://schemas.openxmlformats.org/drawingml/2006/main" xmlns:r="http://schemas.openxmlformats.org/officeDocument/2006/relationships" xmlns:p="http://schemas.openxmlformats.org/presentationml/2006/main">
+  <p:cSld>
+    <p:spTree>
+      <p:nvGrpSpPr>
+        <p:cNvPr id="1" name=""/>
+        <p:cNvGrpSpPr/>
+        <p:nvPr/>
+      </p:nvGrpSpPr>
+      <p:grpSpPr>
+        <a:xfrm>
+          <a:off x="0" y="0"/>
+          <a:ext cx="0" cy="0"/>
+          <a:chOff x="0" y="0"/>
+          <a:chExt cx="0" cy="0"/>
+        </a:xfrm>
+      </p:grpSpPr>
+      <p:sp>
+        <p:nvSpPr>
+          <p:cNvPr id="2" name="Slide Image Placeholder 1"/>
+          <p:cNvSpPr>
+            <a:spLocks noGrp="1" noRot="1" noChangeAspect="1"/>
+          </p:cNvSpPr>
+          <p:nvPr>
+            <p:ph type="sldImg"/>
+          </p:nvPr>
+        </p:nvSpPr>
+        <p:spPr/>
+      </p:sp>
+      <p:sp>
+        <p:nvSpPr>
+          <p:cNvPr id="3" name="Notes Placeholder 2"/>
+          <p:cNvSpPr>
+            <a:spLocks noGrp="1"/>
+          </p:cNvSpPr>
+          <p:nvPr>
+            <p:ph type="body" idx="1"/>
+          </p:nvPr>
+        </p:nvSpPr>
+        <p:spPr/>
+        <p:txBody>
+          <a:bodyPr/>
+          <a:lstStyle/>
+          <a:p>
+            <a:endParaRPr lang="en-US" dirty="0"/>
+          </a:p>
+        </p:txBody>
+      </p:sp>
+      <p:sp>
+        <p:nvSpPr>
+          <p:cNvPr id="4" name="Slide Number Placeholder 3"/>
+          <p:cNvSpPr>
+            <a:spLocks noGrp="1"/>
+          </p:cNvSpPr>
+          <p:nvPr>
+            <p:ph type="sldNum" sz="quarter" idx="5"/>
+          </p:nvPr>
+        </p:nvSpPr>
+        <p:spPr/>
+        <p:txBody>
+          <a:bodyPr/>
+          <a:lstStyle/>
+          <a:p>
+            <a:fld id="{895BD580-D0B3-4B46-A2F6-1B1323FB556E}" type="slidenum">
+              <a:rPr lang="en-US" smtClean="0"/>
+              <a:t>25</a:t>
+            </a:fld>
+            <a:endParaRPr lang="en-US"/>
+          </a:p>
+        </p:txBody>
+      </p:sp>
+    </p:spTree>
+    <p:extLst>
+      <p:ext uri="{BB962C8B-B14F-4D97-AF65-F5344CB8AC3E}">
+        <p14:creationId xmlns:p14="http://schemas.microsoft.com/office/powerpoint/2010/main" val="2887597103"/>
+      </p:ext>
+    </p:extLst>
+  </p:cSld>
+  <p:clrMapOvr>
+    <a:masterClrMapping/>
+  </p:clrMapOvr>
+</p:notes>
 </file>
 
 <file path=ppt/slideLayouts/slideLayout1.xml><?xml version="1.0" encoding="utf-8"?>
@@ -276,7 +719,7 @@
           <a:p>
             <a:fld id="{67B564A3-C150-4636-B8BE-2AA93CC227AD}" type="datetimeFigureOut">
               <a:rPr lang="en-US" smtClean="0"/>
-              <a:t>11/9/25</a:t>
+              <a:t>11/11/25</a:t>
             </a:fld>
             <a:endParaRPr lang="en-US"/>
           </a:p>
@@ -474,7 +917,7 @@
           <a:p>
             <a:fld id="{67B564A3-C150-4636-B8BE-2AA93CC227AD}" type="datetimeFigureOut">
               <a:rPr lang="en-US" smtClean="0"/>
-              <a:t>11/9/25</a:t>
+              <a:t>11/11/25</a:t>
             </a:fld>
             <a:endParaRPr lang="en-US"/>
           </a:p>
@@ -682,7 +1125,7 @@
           <a:p>
             <a:fld id="{67B564A3-C150-4636-B8BE-2AA93CC227AD}" type="datetimeFigureOut">
               <a:rPr lang="en-US" smtClean="0"/>
-              <a:t>11/9/25</a:t>
+              <a:t>11/11/25</a:t>
             </a:fld>
             <a:endParaRPr lang="en-US"/>
           </a:p>
@@ -880,7 +1323,7 @@
           <a:p>
             <a:fld id="{67B564A3-C150-4636-B8BE-2AA93CC227AD}" type="datetimeFigureOut">
               <a:rPr lang="en-US" smtClean="0"/>
-              <a:t>11/9/25</a:t>
+              <a:t>11/11/25</a:t>
             </a:fld>
             <a:endParaRPr lang="en-US"/>
           </a:p>
@@ -1155,7 +1598,7 @@
           <a:p>
             <a:fld id="{67B564A3-C150-4636-B8BE-2AA93CC227AD}" type="datetimeFigureOut">
               <a:rPr lang="en-US" smtClean="0"/>
-              <a:t>11/9/25</a:t>
+              <a:t>11/11/25</a:t>
             </a:fld>
             <a:endParaRPr lang="en-US"/>
           </a:p>
@@ -1420,7 +1863,7 @@
           <a:p>
             <a:fld id="{67B564A3-C150-4636-B8BE-2AA93CC227AD}" type="datetimeFigureOut">
               <a:rPr lang="en-US" smtClean="0"/>
-              <a:t>11/9/25</a:t>
+              <a:t>11/11/25</a:t>
             </a:fld>
             <a:endParaRPr lang="en-US"/>
           </a:p>
@@ -1832,7 +2275,7 @@
           <a:p>
             <a:fld id="{67B564A3-C150-4636-B8BE-2AA93CC227AD}" type="datetimeFigureOut">
               <a:rPr lang="en-US" smtClean="0"/>
-              <a:t>11/9/25</a:t>
+              <a:t>11/11/25</a:t>
             </a:fld>
             <a:endParaRPr lang="en-US"/>
           </a:p>
@@ -1973,7 +2416,7 @@
           <a:p>
             <a:fld id="{67B564A3-C150-4636-B8BE-2AA93CC227AD}" type="datetimeFigureOut">
               <a:rPr lang="en-US" smtClean="0"/>
-              <a:t>11/9/25</a:t>
+              <a:t>11/11/25</a:t>
             </a:fld>
             <a:endParaRPr lang="en-US"/>
           </a:p>
@@ -2086,7 +2529,7 @@
           <a:p>
             <a:fld id="{67B564A3-C150-4636-B8BE-2AA93CC227AD}" type="datetimeFigureOut">
               <a:rPr lang="en-US" smtClean="0"/>
-              <a:t>11/9/25</a:t>
+              <a:t>11/11/25</a:t>
             </a:fld>
             <a:endParaRPr lang="en-US"/>
           </a:p>
@@ -2397,7 +2840,7 @@
           <a:p>
             <a:fld id="{67B564A3-C150-4636-B8BE-2AA93CC227AD}" type="datetimeFigureOut">
               <a:rPr lang="en-US" smtClean="0"/>
-              <a:t>11/9/25</a:t>
+              <a:t>11/11/25</a:t>
             </a:fld>
             <a:endParaRPr lang="en-US"/>
           </a:p>
@@ -2685,7 +3128,7 @@
           <a:p>
             <a:fld id="{67B564A3-C150-4636-B8BE-2AA93CC227AD}" type="datetimeFigureOut">
               <a:rPr lang="en-US" smtClean="0"/>
-              <a:t>11/9/25</a:t>
+              <a:t>11/11/25</a:t>
             </a:fld>
             <a:endParaRPr lang="en-US"/>
           </a:p>
@@ -2926,7 +3369,7 @@
           <a:p>
             <a:fld id="{67B564A3-C150-4636-B8BE-2AA93CC227AD}" type="datetimeFigureOut">
               <a:rPr lang="en-US" smtClean="0"/>
-              <a:t>11/9/25</a:t>
+              <a:t>11/11/25</a:t>
             </a:fld>
             <a:endParaRPr lang="en-US"/>
           </a:p>
@@ -7695,8 +8138,8 @@
           </a:p>
         </p:txBody>
       </p:sp>
-      <mc:AlternateContent xmlns:mc="http://schemas.openxmlformats.org/markup-compatibility/2006">
-        <mc:Choice xmlns:a14="http://schemas.microsoft.com/office/drawing/2010/main" Requires="a14">
+      <mc:AlternateContent xmlns:mc="http://schemas.openxmlformats.org/markup-compatibility/2006" xmlns:a14="http://schemas.microsoft.com/office/drawing/2010/main">
+        <mc:Choice Requires="a14">
           <p:sp>
             <p:nvSpPr>
               <p:cNvPr id="17" name="TextBox 16">
@@ -7765,7 +8208,7 @@
             </p:txBody>
           </p:sp>
         </mc:Choice>
-        <mc:Fallback>
+        <mc:Fallback xmlns="">
           <p:sp>
             <p:nvSpPr>
               <p:cNvPr id="17" name="TextBox 16">
@@ -7810,8 +8253,8 @@
           </p:sp>
         </mc:Fallback>
       </mc:AlternateContent>
-      <mc:AlternateContent xmlns:mc="http://schemas.openxmlformats.org/markup-compatibility/2006">
-        <mc:Choice xmlns:a14="http://schemas.microsoft.com/office/drawing/2010/main" Requires="a14">
+      <mc:AlternateContent xmlns:mc="http://schemas.openxmlformats.org/markup-compatibility/2006" xmlns:a14="http://schemas.microsoft.com/office/drawing/2010/main">
+        <mc:Choice Requires="a14">
           <p:sp>
             <p:nvSpPr>
               <p:cNvPr id="19" name="TextBox 18">
@@ -7880,7 +8323,7 @@
             </p:txBody>
           </p:sp>
         </mc:Choice>
-        <mc:Fallback>
+        <mc:Fallback xmlns="">
           <p:sp>
             <p:nvSpPr>
               <p:cNvPr id="19" name="TextBox 18">
@@ -7925,8 +8368,8 @@
           </p:sp>
         </mc:Fallback>
       </mc:AlternateContent>
-      <mc:AlternateContent xmlns:mc="http://schemas.openxmlformats.org/markup-compatibility/2006">
-        <mc:Choice xmlns:a14="http://schemas.microsoft.com/office/drawing/2010/main" Requires="a14">
+      <mc:AlternateContent xmlns:mc="http://schemas.openxmlformats.org/markup-compatibility/2006" xmlns:a14="http://schemas.microsoft.com/office/drawing/2010/main">
+        <mc:Choice Requires="a14">
           <p:sp>
             <p:nvSpPr>
               <p:cNvPr id="21" name="TextBox 20">
@@ -7995,7 +8438,7 @@
             </p:txBody>
           </p:sp>
         </mc:Choice>
-        <mc:Fallback>
+        <mc:Fallback xmlns="">
           <p:sp>
             <p:nvSpPr>
               <p:cNvPr id="21" name="TextBox 20">
@@ -8832,8 +9275,8 @@
           </a:p>
         </p:txBody>
       </p:sp>
-      <mc:AlternateContent xmlns:mc="http://schemas.openxmlformats.org/markup-compatibility/2006">
-        <mc:Choice xmlns:a14="http://schemas.microsoft.com/office/drawing/2010/main" Requires="a14">
+      <mc:AlternateContent xmlns:mc="http://schemas.openxmlformats.org/markup-compatibility/2006" xmlns:a14="http://schemas.microsoft.com/office/drawing/2010/main">
+        <mc:Choice Requires="a14">
           <p:sp>
             <p:nvSpPr>
               <p:cNvPr id="38" name="TextBox 37">
@@ -8902,7 +9345,7 @@
             </p:txBody>
           </p:sp>
         </mc:Choice>
-        <mc:Fallback>
+        <mc:Fallback xmlns="">
           <p:sp>
             <p:nvSpPr>
               <p:cNvPr id="38" name="TextBox 37">
@@ -8947,8 +9390,8 @@
           </p:sp>
         </mc:Fallback>
       </mc:AlternateContent>
-      <mc:AlternateContent xmlns:mc="http://schemas.openxmlformats.org/markup-compatibility/2006">
-        <mc:Choice xmlns:a14="http://schemas.microsoft.com/office/drawing/2010/main" Requires="a14">
+      <mc:AlternateContent xmlns:mc="http://schemas.openxmlformats.org/markup-compatibility/2006" xmlns:a14="http://schemas.microsoft.com/office/drawing/2010/main">
+        <mc:Choice Requires="a14">
           <p:sp>
             <p:nvSpPr>
               <p:cNvPr id="39" name="TextBox 38">
@@ -9017,7 +9460,7 @@
             </p:txBody>
           </p:sp>
         </mc:Choice>
-        <mc:Fallback>
+        <mc:Fallback xmlns="">
           <p:sp>
             <p:nvSpPr>
               <p:cNvPr id="39" name="TextBox 38">
@@ -9062,8 +9505,8 @@
           </p:sp>
         </mc:Fallback>
       </mc:AlternateContent>
-      <mc:AlternateContent xmlns:mc="http://schemas.openxmlformats.org/markup-compatibility/2006">
-        <mc:Choice xmlns:a14="http://schemas.microsoft.com/office/drawing/2010/main" Requires="a14">
+      <mc:AlternateContent xmlns:mc="http://schemas.openxmlformats.org/markup-compatibility/2006" xmlns:a14="http://schemas.microsoft.com/office/drawing/2010/main">
+        <mc:Choice Requires="a14">
           <p:sp>
             <p:nvSpPr>
               <p:cNvPr id="40" name="TextBox 39">
@@ -9132,7 +9575,7 @@
             </p:txBody>
           </p:sp>
         </mc:Choice>
-        <mc:Fallback>
+        <mc:Fallback xmlns="">
           <p:sp>
             <p:nvSpPr>
               <p:cNvPr id="40" name="TextBox 39">
@@ -9761,8 +10204,8 @@
           </a:fontRef>
         </p:style>
       </p:cxnSp>
-      <mc:AlternateContent xmlns:mc="http://schemas.openxmlformats.org/markup-compatibility/2006">
-        <mc:Choice xmlns:a14="http://schemas.microsoft.com/office/drawing/2010/main" Requires="a14">
+      <mc:AlternateContent xmlns:mc="http://schemas.openxmlformats.org/markup-compatibility/2006" xmlns:a14="http://schemas.microsoft.com/office/drawing/2010/main">
+        <mc:Choice Requires="a14">
           <p:sp>
             <p:nvSpPr>
               <p:cNvPr id="19" name="TextBox 18">
@@ -9812,7 +10255,7 @@
             </p:txBody>
           </p:sp>
         </mc:Choice>
-        <mc:Fallback>
+        <mc:Fallback xmlns="">
           <p:sp>
             <p:nvSpPr>
               <p:cNvPr id="19" name="TextBox 18">
@@ -9857,8 +10300,8 @@
           </p:sp>
         </mc:Fallback>
       </mc:AlternateContent>
-      <mc:AlternateContent xmlns:mc="http://schemas.openxmlformats.org/markup-compatibility/2006">
-        <mc:Choice xmlns:a14="http://schemas.microsoft.com/office/drawing/2010/main" Requires="a14">
+      <mc:AlternateContent xmlns:mc="http://schemas.openxmlformats.org/markup-compatibility/2006" xmlns:a14="http://schemas.microsoft.com/office/drawing/2010/main">
+        <mc:Choice Requires="a14">
           <p:sp>
             <p:nvSpPr>
               <p:cNvPr id="20" name="TextBox 19">
@@ -9908,7 +10351,7 @@
             </p:txBody>
           </p:sp>
         </mc:Choice>
-        <mc:Fallback>
+        <mc:Fallback xmlns="">
           <p:sp>
             <p:nvSpPr>
               <p:cNvPr id="20" name="TextBox 19">
@@ -10362,8 +10805,8 @@
           </a:fontRef>
         </p:style>
       </p:cxnSp>
-      <mc:AlternateContent xmlns:mc="http://schemas.openxmlformats.org/markup-compatibility/2006">
-        <mc:Choice xmlns:a14="http://schemas.microsoft.com/office/drawing/2010/main" Requires="a14">
+      <mc:AlternateContent xmlns:mc="http://schemas.openxmlformats.org/markup-compatibility/2006" xmlns:a14="http://schemas.microsoft.com/office/drawing/2010/main">
+        <mc:Choice Requires="a14">
           <p:sp>
             <p:nvSpPr>
               <p:cNvPr id="3" name="TextBox 2">
@@ -10432,7 +10875,7 @@
             </p:txBody>
           </p:sp>
         </mc:Choice>
-        <mc:Fallback>
+        <mc:Fallback xmlns="">
           <p:sp>
             <p:nvSpPr>
               <p:cNvPr id="3" name="TextBox 2">
@@ -10614,8 +11057,8 @@
           </a:fontRef>
         </p:style>
       </p:cxnSp>
-      <mc:AlternateContent xmlns:mc="http://schemas.openxmlformats.org/markup-compatibility/2006">
-        <mc:Choice xmlns:a14="http://schemas.microsoft.com/office/drawing/2010/main" Requires="a14">
+      <mc:AlternateContent xmlns:mc="http://schemas.openxmlformats.org/markup-compatibility/2006" xmlns:a14="http://schemas.microsoft.com/office/drawing/2010/main">
+        <mc:Choice Requires="a14">
           <p:sp>
             <p:nvSpPr>
               <p:cNvPr id="17" name="TextBox 16">
@@ -10692,7 +11135,7 @@
             </p:txBody>
           </p:sp>
         </mc:Choice>
-        <mc:Fallback>
+        <mc:Fallback xmlns="">
           <p:sp>
             <p:nvSpPr>
               <p:cNvPr id="17" name="TextBox 16">
@@ -10737,8 +11180,8 @@
           </p:sp>
         </mc:Fallback>
       </mc:AlternateContent>
-      <mc:AlternateContent xmlns:mc="http://schemas.openxmlformats.org/markup-compatibility/2006">
-        <mc:Choice xmlns:a14="http://schemas.microsoft.com/office/drawing/2010/main" Requires="a14">
+      <mc:AlternateContent xmlns:mc="http://schemas.openxmlformats.org/markup-compatibility/2006" xmlns:a14="http://schemas.microsoft.com/office/drawing/2010/main">
+        <mc:Choice Requires="a14">
           <p:sp>
             <p:nvSpPr>
               <p:cNvPr id="19" name="TextBox 18">
@@ -10815,7 +11258,7 @@
             </p:txBody>
           </p:sp>
         </mc:Choice>
-        <mc:Fallback>
+        <mc:Fallback xmlns="">
           <p:sp>
             <p:nvSpPr>
               <p:cNvPr id="19" name="TextBox 18">
@@ -10860,8 +11303,8 @@
           </p:sp>
         </mc:Fallback>
       </mc:AlternateContent>
-      <mc:AlternateContent xmlns:mc="http://schemas.openxmlformats.org/markup-compatibility/2006">
-        <mc:Choice xmlns:a14="http://schemas.microsoft.com/office/drawing/2010/main" Requires="a14">
+      <mc:AlternateContent xmlns:mc="http://schemas.openxmlformats.org/markup-compatibility/2006" xmlns:a14="http://schemas.microsoft.com/office/drawing/2010/main">
+        <mc:Choice Requires="a14">
           <p:sp>
             <p:nvSpPr>
               <p:cNvPr id="20" name="TextBox 19">
@@ -10911,7 +11354,7 @@
             </p:txBody>
           </p:sp>
         </mc:Choice>
-        <mc:Fallback>
+        <mc:Fallback xmlns="">
           <p:sp>
             <p:nvSpPr>
               <p:cNvPr id="20" name="TextBox 19">
@@ -10956,8 +11399,8 @@
           </p:sp>
         </mc:Fallback>
       </mc:AlternateContent>
-      <mc:AlternateContent xmlns:mc="http://schemas.openxmlformats.org/markup-compatibility/2006">
-        <mc:Choice xmlns:a14="http://schemas.microsoft.com/office/drawing/2010/main" Requires="a14">
+      <mc:AlternateContent xmlns:mc="http://schemas.openxmlformats.org/markup-compatibility/2006" xmlns:a14="http://schemas.microsoft.com/office/drawing/2010/main">
+        <mc:Choice Requires="a14">
           <p:sp>
             <p:nvSpPr>
               <p:cNvPr id="21" name="TextBox 20">
@@ -11007,7 +11450,7 @@
             </p:txBody>
           </p:sp>
         </mc:Choice>
-        <mc:Fallback>
+        <mc:Fallback xmlns="">
           <p:sp>
             <p:nvSpPr>
               <p:cNvPr id="21" name="TextBox 20">
@@ -11461,8 +11904,8 @@
           </a:p>
         </p:txBody>
       </p:sp>
-      <mc:AlternateContent xmlns:mc="http://schemas.openxmlformats.org/markup-compatibility/2006">
-        <mc:Choice xmlns:a14="http://schemas.microsoft.com/office/drawing/2010/main" Requires="a14">
+      <mc:AlternateContent xmlns:mc="http://schemas.openxmlformats.org/markup-compatibility/2006" xmlns:a14="http://schemas.microsoft.com/office/drawing/2010/main">
+        <mc:Choice Requires="a14">
           <p:sp>
             <p:nvSpPr>
               <p:cNvPr id="3" name="TextBox 2">
@@ -11531,7 +11974,7 @@
             </p:txBody>
           </p:sp>
         </mc:Choice>
-        <mc:Fallback>
+        <mc:Fallback xmlns="">
           <p:sp>
             <p:nvSpPr>
               <p:cNvPr id="3" name="TextBox 2">
@@ -11713,8 +12156,8 @@
           </a:fontRef>
         </p:style>
       </p:cxnSp>
-      <mc:AlternateContent xmlns:mc="http://schemas.openxmlformats.org/markup-compatibility/2006">
-        <mc:Choice xmlns:a14="http://schemas.microsoft.com/office/drawing/2010/main" Requires="a14">
+      <mc:AlternateContent xmlns:mc="http://schemas.openxmlformats.org/markup-compatibility/2006" xmlns:a14="http://schemas.microsoft.com/office/drawing/2010/main">
+        <mc:Choice Requires="a14">
           <p:sp>
             <p:nvSpPr>
               <p:cNvPr id="17" name="TextBox 16">
@@ -11791,7 +12234,7 @@
             </p:txBody>
           </p:sp>
         </mc:Choice>
-        <mc:Fallback>
+        <mc:Fallback xmlns="">
           <p:sp>
             <p:nvSpPr>
               <p:cNvPr id="17" name="TextBox 16">
@@ -11836,8 +12279,8 @@
           </p:sp>
         </mc:Fallback>
       </mc:AlternateContent>
-      <mc:AlternateContent xmlns:mc="http://schemas.openxmlformats.org/markup-compatibility/2006">
-        <mc:Choice xmlns:a14="http://schemas.microsoft.com/office/drawing/2010/main" Requires="a14">
+      <mc:AlternateContent xmlns:mc="http://schemas.openxmlformats.org/markup-compatibility/2006" xmlns:a14="http://schemas.microsoft.com/office/drawing/2010/main">
+        <mc:Choice Requires="a14">
           <p:sp>
             <p:nvSpPr>
               <p:cNvPr id="19" name="TextBox 18">
@@ -11914,7 +12357,7 @@
             </p:txBody>
           </p:sp>
         </mc:Choice>
-        <mc:Fallback>
+        <mc:Fallback xmlns="">
           <p:sp>
             <p:nvSpPr>
               <p:cNvPr id="19" name="TextBox 18">
@@ -11959,8 +12402,8 @@
           </p:sp>
         </mc:Fallback>
       </mc:AlternateContent>
-      <mc:AlternateContent xmlns:mc="http://schemas.openxmlformats.org/markup-compatibility/2006">
-        <mc:Choice xmlns:a14="http://schemas.microsoft.com/office/drawing/2010/main" Requires="a14">
+      <mc:AlternateContent xmlns:mc="http://schemas.openxmlformats.org/markup-compatibility/2006" xmlns:a14="http://schemas.microsoft.com/office/drawing/2010/main">
+        <mc:Choice Requires="a14">
           <p:sp>
             <p:nvSpPr>
               <p:cNvPr id="20" name="TextBox 19">
@@ -12010,7 +12453,7 @@
             </p:txBody>
           </p:sp>
         </mc:Choice>
-        <mc:Fallback>
+        <mc:Fallback xmlns="">
           <p:sp>
             <p:nvSpPr>
               <p:cNvPr id="20" name="TextBox 19">
@@ -12055,8 +12498,8 @@
           </p:sp>
         </mc:Fallback>
       </mc:AlternateContent>
-      <mc:AlternateContent xmlns:mc="http://schemas.openxmlformats.org/markup-compatibility/2006">
-        <mc:Choice xmlns:a14="http://schemas.microsoft.com/office/drawing/2010/main" Requires="a14">
+      <mc:AlternateContent xmlns:mc="http://schemas.openxmlformats.org/markup-compatibility/2006" xmlns:a14="http://schemas.microsoft.com/office/drawing/2010/main">
+        <mc:Choice Requires="a14">
           <p:sp>
             <p:nvSpPr>
               <p:cNvPr id="21" name="TextBox 20">
@@ -12106,7 +12549,7 @@
             </p:txBody>
           </p:sp>
         </mc:Choice>
-        <mc:Fallback>
+        <mc:Fallback xmlns="">
           <p:sp>
             <p:nvSpPr>
               <p:cNvPr id="21" name="TextBox 20">
@@ -12190,8 +12633,8 @@
           </a:fontRef>
         </p:style>
       </p:cxnSp>
-      <mc:AlternateContent xmlns:mc="http://schemas.openxmlformats.org/markup-compatibility/2006">
-        <mc:Choice xmlns:a14="http://schemas.microsoft.com/office/drawing/2010/main" Requires="a14">
+      <mc:AlternateContent xmlns:mc="http://schemas.openxmlformats.org/markup-compatibility/2006" xmlns:a14="http://schemas.microsoft.com/office/drawing/2010/main">
+        <mc:Choice Requires="a14">
           <p:sp>
             <p:nvSpPr>
               <p:cNvPr id="15" name="TextBox 14">
@@ -12241,7 +12684,7 @@
             </p:txBody>
           </p:sp>
         </mc:Choice>
-        <mc:Fallback>
+        <mc:Fallback xmlns="">
           <p:sp>
             <p:nvSpPr>
               <p:cNvPr id="15" name="TextBox 14">
@@ -12286,8 +12729,8 @@
           </p:sp>
         </mc:Fallback>
       </mc:AlternateContent>
-      <mc:AlternateContent xmlns:mc="http://schemas.openxmlformats.org/markup-compatibility/2006">
-        <mc:Choice xmlns:a14="http://schemas.microsoft.com/office/drawing/2010/main" Requires="a14">
+      <mc:AlternateContent xmlns:mc="http://schemas.openxmlformats.org/markup-compatibility/2006" xmlns:a14="http://schemas.microsoft.com/office/drawing/2010/main">
+        <mc:Choice Requires="a14">
           <p:sp>
             <p:nvSpPr>
               <p:cNvPr id="16" name="TextBox 15">
@@ -12337,7 +12780,7 @@
             </p:txBody>
           </p:sp>
         </mc:Choice>
-        <mc:Fallback>
+        <mc:Fallback xmlns="">
           <p:sp>
             <p:nvSpPr>
               <p:cNvPr id="16" name="TextBox 15">
@@ -12791,8 +13234,8 @@
           </a:p>
         </p:txBody>
       </p:sp>
-      <mc:AlternateContent xmlns:mc="http://schemas.openxmlformats.org/markup-compatibility/2006">
-        <mc:Choice xmlns:a14="http://schemas.microsoft.com/office/drawing/2010/main" Requires="a14">
+      <mc:AlternateContent xmlns:mc="http://schemas.openxmlformats.org/markup-compatibility/2006" xmlns:a14="http://schemas.microsoft.com/office/drawing/2010/main">
+        <mc:Choice Requires="a14">
           <p:sp>
             <p:nvSpPr>
               <p:cNvPr id="3" name="TextBox 2">
@@ -12861,7 +13304,7 @@
             </p:txBody>
           </p:sp>
         </mc:Choice>
-        <mc:Fallback>
+        <mc:Fallback xmlns="">
           <p:sp>
             <p:nvSpPr>
               <p:cNvPr id="3" name="TextBox 2">
@@ -13043,8 +13486,8 @@
           </a:fontRef>
         </p:style>
       </p:cxnSp>
-      <mc:AlternateContent xmlns:mc="http://schemas.openxmlformats.org/markup-compatibility/2006">
-        <mc:Choice xmlns:a14="http://schemas.microsoft.com/office/drawing/2010/main" Requires="a14">
+      <mc:AlternateContent xmlns:mc="http://schemas.openxmlformats.org/markup-compatibility/2006" xmlns:a14="http://schemas.microsoft.com/office/drawing/2010/main">
+        <mc:Choice Requires="a14">
           <p:sp>
             <p:nvSpPr>
               <p:cNvPr id="17" name="TextBox 16">
@@ -13121,7 +13564,7 @@
             </p:txBody>
           </p:sp>
         </mc:Choice>
-        <mc:Fallback>
+        <mc:Fallback xmlns="">
           <p:sp>
             <p:nvSpPr>
               <p:cNvPr id="17" name="TextBox 16">
@@ -13166,8 +13609,8 @@
           </p:sp>
         </mc:Fallback>
       </mc:AlternateContent>
-      <mc:AlternateContent xmlns:mc="http://schemas.openxmlformats.org/markup-compatibility/2006">
-        <mc:Choice xmlns:a14="http://schemas.microsoft.com/office/drawing/2010/main" Requires="a14">
+      <mc:AlternateContent xmlns:mc="http://schemas.openxmlformats.org/markup-compatibility/2006" xmlns:a14="http://schemas.microsoft.com/office/drawing/2010/main">
+        <mc:Choice Requires="a14">
           <p:sp>
             <p:nvSpPr>
               <p:cNvPr id="19" name="TextBox 18">
@@ -13244,7 +13687,7 @@
             </p:txBody>
           </p:sp>
         </mc:Choice>
-        <mc:Fallback>
+        <mc:Fallback xmlns="">
           <p:sp>
             <p:nvSpPr>
               <p:cNvPr id="19" name="TextBox 18">
@@ -13289,8 +13732,8 @@
           </p:sp>
         </mc:Fallback>
       </mc:AlternateContent>
-      <mc:AlternateContent xmlns:mc="http://schemas.openxmlformats.org/markup-compatibility/2006">
-        <mc:Choice xmlns:a14="http://schemas.microsoft.com/office/drawing/2010/main" Requires="a14">
+      <mc:AlternateContent xmlns:mc="http://schemas.openxmlformats.org/markup-compatibility/2006" xmlns:a14="http://schemas.microsoft.com/office/drawing/2010/main">
+        <mc:Choice Requires="a14">
           <p:sp>
             <p:nvSpPr>
               <p:cNvPr id="20" name="TextBox 19">
@@ -13340,7 +13783,7 @@
             </p:txBody>
           </p:sp>
         </mc:Choice>
-        <mc:Fallback>
+        <mc:Fallback xmlns="">
           <p:sp>
             <p:nvSpPr>
               <p:cNvPr id="20" name="TextBox 19">
@@ -13385,8 +13828,8 @@
           </p:sp>
         </mc:Fallback>
       </mc:AlternateContent>
-      <mc:AlternateContent xmlns:mc="http://schemas.openxmlformats.org/markup-compatibility/2006">
-        <mc:Choice xmlns:a14="http://schemas.microsoft.com/office/drawing/2010/main" Requires="a14">
+      <mc:AlternateContent xmlns:mc="http://schemas.openxmlformats.org/markup-compatibility/2006" xmlns:a14="http://schemas.microsoft.com/office/drawing/2010/main">
+        <mc:Choice Requires="a14">
           <p:sp>
             <p:nvSpPr>
               <p:cNvPr id="21" name="TextBox 20">
@@ -13436,7 +13879,7 @@
             </p:txBody>
           </p:sp>
         </mc:Choice>
-        <mc:Fallback>
+        <mc:Fallback xmlns="">
           <p:sp>
             <p:nvSpPr>
               <p:cNvPr id="21" name="TextBox 20">
@@ -13827,8 +14270,8 @@
           </a:fontRef>
         </p:style>
       </p:cxnSp>
-      <mc:AlternateContent xmlns:mc="http://schemas.openxmlformats.org/markup-compatibility/2006">
-        <mc:Choice xmlns:a14="http://schemas.microsoft.com/office/drawing/2010/main" Requires="a14">
+      <mc:AlternateContent xmlns:mc="http://schemas.openxmlformats.org/markup-compatibility/2006" xmlns:a14="http://schemas.microsoft.com/office/drawing/2010/main">
+        <mc:Choice Requires="a14">
           <p:sp>
             <p:nvSpPr>
               <p:cNvPr id="25" name="TextBox 24">
@@ -13905,7 +14348,7 @@
             </p:txBody>
           </p:sp>
         </mc:Choice>
-        <mc:Fallback>
+        <mc:Fallback xmlns="">
           <p:sp>
             <p:nvSpPr>
               <p:cNvPr id="25" name="TextBox 24">
@@ -13950,8 +14393,8 @@
           </p:sp>
         </mc:Fallback>
       </mc:AlternateContent>
-      <mc:AlternateContent xmlns:mc="http://schemas.openxmlformats.org/markup-compatibility/2006">
-        <mc:Choice xmlns:a14="http://schemas.microsoft.com/office/drawing/2010/main" Requires="a14">
+      <mc:AlternateContent xmlns:mc="http://schemas.openxmlformats.org/markup-compatibility/2006" xmlns:a14="http://schemas.microsoft.com/office/drawing/2010/main">
+        <mc:Choice Requires="a14">
           <p:sp>
             <p:nvSpPr>
               <p:cNvPr id="26" name="TextBox 25">
@@ -14028,7 +14471,7 @@
             </p:txBody>
           </p:sp>
         </mc:Choice>
-        <mc:Fallback>
+        <mc:Fallback xmlns="">
           <p:sp>
             <p:nvSpPr>
               <p:cNvPr id="26" name="TextBox 25">
@@ -14073,8 +14516,8 @@
           </p:sp>
         </mc:Fallback>
       </mc:AlternateContent>
-      <mc:AlternateContent xmlns:mc="http://schemas.openxmlformats.org/markup-compatibility/2006">
-        <mc:Choice xmlns:a14="http://schemas.microsoft.com/office/drawing/2010/main" Requires="a14">
+      <mc:AlternateContent xmlns:mc="http://schemas.openxmlformats.org/markup-compatibility/2006" xmlns:a14="http://schemas.microsoft.com/office/drawing/2010/main">
+        <mc:Choice Requires="a14">
           <p:sp>
             <p:nvSpPr>
               <p:cNvPr id="27" name="TextBox 26">
@@ -14124,7 +14567,7 @@
             </p:txBody>
           </p:sp>
         </mc:Choice>
-        <mc:Fallback>
+        <mc:Fallback xmlns="">
           <p:sp>
             <p:nvSpPr>
               <p:cNvPr id="27" name="TextBox 26">
@@ -14169,8 +14612,8 @@
           </p:sp>
         </mc:Fallback>
       </mc:AlternateContent>
-      <mc:AlternateContent xmlns:mc="http://schemas.openxmlformats.org/markup-compatibility/2006">
-        <mc:Choice xmlns:a14="http://schemas.microsoft.com/office/drawing/2010/main" Requires="a14">
+      <mc:AlternateContent xmlns:mc="http://schemas.openxmlformats.org/markup-compatibility/2006" xmlns:a14="http://schemas.microsoft.com/office/drawing/2010/main">
+        <mc:Choice Requires="a14">
           <p:sp>
             <p:nvSpPr>
               <p:cNvPr id="31" name="TextBox 30">
@@ -14220,7 +14663,7 @@
             </p:txBody>
           </p:sp>
         </mc:Choice>
-        <mc:Fallback>
+        <mc:Fallback xmlns="">
           <p:sp>
             <p:nvSpPr>
               <p:cNvPr id="31" name="TextBox 30">
@@ -14265,8 +14708,8 @@
           </p:sp>
         </mc:Fallback>
       </mc:AlternateContent>
-      <mc:AlternateContent xmlns:mc="http://schemas.openxmlformats.org/markup-compatibility/2006">
-        <mc:Choice xmlns:a14="http://schemas.microsoft.com/office/drawing/2010/main" Requires="a14">
+      <mc:AlternateContent xmlns:mc="http://schemas.openxmlformats.org/markup-compatibility/2006" xmlns:a14="http://schemas.microsoft.com/office/drawing/2010/main">
+        <mc:Choice Requires="a14">
           <p:sp>
             <p:nvSpPr>
               <p:cNvPr id="32" name="TextBox 31">
@@ -14335,7 +14778,7 @@
             </p:txBody>
           </p:sp>
         </mc:Choice>
-        <mc:Fallback>
+        <mc:Fallback xmlns="">
           <p:sp>
             <p:nvSpPr>
               <p:cNvPr id="32" name="TextBox 31">
@@ -14384,6 +14827,443 @@
     <p:extLst>
       <p:ext uri="{BB962C8B-B14F-4D97-AF65-F5344CB8AC3E}">
         <p14:creationId xmlns:p14="http://schemas.microsoft.com/office/powerpoint/2010/main" val="1253775333"/>
+      </p:ext>
+    </p:extLst>
+  </p:cSld>
+  <p:clrMapOvr>
+    <a:masterClrMapping/>
+  </p:clrMapOvr>
+</p:sld>
+</file>
+
+<file path=ppt/slides/slide19.xml><?xml version="1.0" encoding="utf-8"?>
+<p:sld xmlns:a="http://schemas.openxmlformats.org/drawingml/2006/main" xmlns:r="http://schemas.openxmlformats.org/officeDocument/2006/relationships" xmlns:p="http://schemas.openxmlformats.org/presentationml/2006/main">
+  <p:cSld>
+    <p:spTree>
+      <p:nvGrpSpPr>
+        <p:cNvPr id="1" name="">
+          <a:extLst>
+            <a:ext uri="{FF2B5EF4-FFF2-40B4-BE49-F238E27FC236}">
+              <a16:creationId xmlns:a16="http://schemas.microsoft.com/office/drawing/2014/main" id="{D6F27EA5-C5F7-4F20-F4E4-E1F856D2FD7C}"/>
+            </a:ext>
+          </a:extLst>
+        </p:cNvPr>
+        <p:cNvGrpSpPr/>
+        <p:nvPr/>
+      </p:nvGrpSpPr>
+      <p:grpSpPr>
+        <a:xfrm>
+          <a:off x="0" y="0"/>
+          <a:ext cx="0" cy="0"/>
+          <a:chOff x="0" y="0"/>
+          <a:chExt cx="0" cy="0"/>
+        </a:xfrm>
+      </p:grpSpPr>
+      <p:cxnSp>
+        <p:nvCxnSpPr>
+          <p:cNvPr id="15" name="Straight Connector 14">
+            <a:extLst>
+              <a:ext uri="{FF2B5EF4-FFF2-40B4-BE49-F238E27FC236}">
+                <a16:creationId xmlns:a16="http://schemas.microsoft.com/office/drawing/2014/main" id="{136A43A9-7C33-5BB0-19FA-9A21EBF14B8A}"/>
+              </a:ext>
+            </a:extLst>
+          </p:cNvPr>
+          <p:cNvCxnSpPr/>
+          <p:nvPr/>
+        </p:nvCxnSpPr>
+        <p:spPr>
+          <a:xfrm>
+            <a:off x="1316736" y="1873405"/>
+            <a:ext cx="7559635" cy="4093605"/>
+          </a:xfrm>
+          <a:prstGeom prst="line">
+            <a:avLst/>
+          </a:prstGeom>
+          <a:ln w="57150">
+            <a:solidFill>
+              <a:schemeClr val="accent2">
+                <a:lumMod val="75000"/>
+              </a:schemeClr>
+            </a:solidFill>
+          </a:ln>
+        </p:spPr>
+        <p:style>
+          <a:lnRef idx="2">
+            <a:schemeClr val="accent1"/>
+          </a:lnRef>
+          <a:fillRef idx="0">
+            <a:schemeClr val="accent1"/>
+          </a:fillRef>
+          <a:effectRef idx="1">
+            <a:schemeClr val="accent1"/>
+          </a:effectRef>
+          <a:fontRef idx="minor">
+            <a:schemeClr val="tx1"/>
+          </a:fontRef>
+        </p:style>
+      </p:cxnSp>
+      <p:grpSp>
+        <p:nvGrpSpPr>
+          <p:cNvPr id="4" name="Group 3">
+            <a:extLst>
+              <a:ext uri="{FF2B5EF4-FFF2-40B4-BE49-F238E27FC236}">
+                <a16:creationId xmlns:a16="http://schemas.microsoft.com/office/drawing/2014/main" id="{52A7D70B-945A-307E-E1C7-7283F5D14C41}"/>
+              </a:ext>
+            </a:extLst>
+          </p:cNvPr>
+          <p:cNvGrpSpPr/>
+          <p:nvPr/>
+        </p:nvGrpSpPr>
+        <p:grpSpPr>
+          <a:xfrm>
+            <a:off x="1297684" y="804672"/>
+            <a:ext cx="9089136" cy="5189854"/>
+            <a:chOff x="1297684" y="804672"/>
+            <a:chExt cx="9089136" cy="5102352"/>
+          </a:xfrm>
+        </p:grpSpPr>
+        <p:cxnSp>
+          <p:nvCxnSpPr>
+            <p:cNvPr id="5" name="Straight Connector 4">
+              <a:extLst>
+                <a:ext uri="{FF2B5EF4-FFF2-40B4-BE49-F238E27FC236}">
+                  <a16:creationId xmlns:a16="http://schemas.microsoft.com/office/drawing/2014/main" id="{49790503-29F5-A581-2037-5903ECB4BA34}"/>
+                </a:ext>
+              </a:extLst>
+            </p:cNvPr>
+            <p:cNvCxnSpPr/>
+            <p:nvPr/>
+          </p:nvCxnSpPr>
+          <p:spPr>
+            <a:xfrm>
+              <a:off x="1316736" y="804672"/>
+              <a:ext cx="0" cy="5102352"/>
+            </a:xfrm>
+            <a:prstGeom prst="line">
+              <a:avLst/>
+            </a:prstGeom>
+            <a:ln w="57150">
+              <a:solidFill>
+                <a:schemeClr val="tx1"/>
+              </a:solidFill>
+            </a:ln>
+          </p:spPr>
+          <p:style>
+            <a:lnRef idx="2">
+              <a:schemeClr val="accent1"/>
+            </a:lnRef>
+            <a:fillRef idx="0">
+              <a:schemeClr val="accent1"/>
+            </a:fillRef>
+            <a:effectRef idx="1">
+              <a:schemeClr val="accent1"/>
+            </a:effectRef>
+            <a:fontRef idx="minor">
+              <a:schemeClr val="tx1"/>
+            </a:fontRef>
+          </p:style>
+        </p:cxnSp>
+        <p:cxnSp>
+          <p:nvCxnSpPr>
+            <p:cNvPr id="6" name="Straight Connector 5">
+              <a:extLst>
+                <a:ext uri="{FF2B5EF4-FFF2-40B4-BE49-F238E27FC236}">
+                  <a16:creationId xmlns:a16="http://schemas.microsoft.com/office/drawing/2014/main" id="{DD0CE5D0-2526-0DFD-4061-114A848AC108}"/>
+                </a:ext>
+              </a:extLst>
+            </p:cNvPr>
+            <p:cNvCxnSpPr>
+              <a:cxnSpLocks/>
+            </p:cNvCxnSpPr>
+            <p:nvPr/>
+          </p:nvCxnSpPr>
+          <p:spPr>
+            <a:xfrm flipH="1">
+              <a:off x="1297684" y="5879972"/>
+              <a:ext cx="9089136" cy="0"/>
+            </a:xfrm>
+            <a:prstGeom prst="line">
+              <a:avLst/>
+            </a:prstGeom>
+            <a:ln w="57150">
+              <a:solidFill>
+                <a:schemeClr val="tx1"/>
+              </a:solidFill>
+            </a:ln>
+          </p:spPr>
+          <p:style>
+            <a:lnRef idx="2">
+              <a:schemeClr val="accent1"/>
+            </a:lnRef>
+            <a:fillRef idx="0">
+              <a:schemeClr val="accent1"/>
+            </a:fillRef>
+            <a:effectRef idx="1">
+              <a:schemeClr val="accent1"/>
+            </a:effectRef>
+            <a:fontRef idx="minor">
+              <a:schemeClr val="tx1"/>
+            </a:fontRef>
+          </p:style>
+        </p:cxnSp>
+      </p:grpSp>
+      <mc:AlternateContent xmlns:mc="http://schemas.openxmlformats.org/markup-compatibility/2006">
+        <mc:Choice xmlns:a14="http://schemas.microsoft.com/office/drawing/2010/main" Requires="a14">
+          <p:sp>
+            <p:nvSpPr>
+              <p:cNvPr id="7" name="TextBox 6">
+                <a:extLst>
+                  <a:ext uri="{FF2B5EF4-FFF2-40B4-BE49-F238E27FC236}">
+                    <a16:creationId xmlns:a16="http://schemas.microsoft.com/office/drawing/2014/main" id="{A4747D8F-73C3-E068-8683-5DA37714550D}"/>
+                  </a:ext>
+                </a:extLst>
+              </p:cNvPr>
+              <p:cNvSpPr txBox="1"/>
+              <p:nvPr/>
+            </p:nvSpPr>
+            <p:spPr>
+              <a:xfrm rot="16200000">
+                <a:off x="-560274" y="2058739"/>
+                <a:ext cx="3031353" cy="523220"/>
+              </a:xfrm>
+              <a:prstGeom prst="rect">
+                <a:avLst/>
+              </a:prstGeom>
+              <a:noFill/>
+            </p:spPr>
+            <p:txBody>
+              <a:bodyPr wrap="square" rtlCol="0">
+                <a:spAutoFit/>
+              </a:bodyPr>
+              <a:lstStyle/>
+              <a:p>
+                <a:r>
+                  <a:rPr lang="en-US" sz="2800" b="1" dirty="0"/>
+                  <a:t>City Wage </a:t>
+                </a:r>
+                <a14:m>
+                  <m:oMath xmlns:m="http://schemas.openxmlformats.org/officeDocument/2006/math">
+                    <m:sSub>
+                      <m:sSubPr>
+                        <m:ctrlPr>
+                          <a:rPr lang="en-US" sz="2800" b="1" i="1" smtClean="0">
+                            <a:latin typeface="Cambria Math" panose="02040503050406030204" pitchFamily="18" charset="0"/>
+                          </a:rPr>
+                        </m:ctrlPr>
+                      </m:sSubPr>
+                      <m:e>
+                        <m:r>
+                          <a:rPr lang="en-US" sz="2800" b="1" i="1" smtClean="0">
+                            <a:latin typeface="Cambria Math" panose="02040503050406030204" pitchFamily="18" charset="0"/>
+                          </a:rPr>
+                          <m:t>(</m:t>
+                        </m:r>
+                        <m:r>
+                          <a:rPr lang="en-US" sz="2800" b="1" i="1" smtClean="0">
+                            <a:latin typeface="Cambria Math" panose="02040503050406030204" pitchFamily="18" charset="0"/>
+                          </a:rPr>
+                          <m:t>𝒘</m:t>
+                        </m:r>
+                      </m:e>
+                      <m:sub>
+                        <m:r>
+                          <a:rPr lang="en-US" sz="2800" b="1" i="1" smtClean="0">
+                            <a:latin typeface="Cambria Math" panose="02040503050406030204" pitchFamily="18" charset="0"/>
+                          </a:rPr>
+                          <m:t>𝑪</m:t>
+                        </m:r>
+                      </m:sub>
+                    </m:sSub>
+                    <m:r>
+                      <a:rPr lang="en-US" sz="2800" b="1" i="1" smtClean="0">
+                        <a:latin typeface="Cambria Math" panose="02040503050406030204" pitchFamily="18" charset="0"/>
+                      </a:rPr>
+                      <m:t>)</m:t>
+                    </m:r>
+                  </m:oMath>
+                </a14:m>
+                <a:endParaRPr lang="en-US" sz="2800" b="1" dirty="0"/>
+              </a:p>
+            </p:txBody>
+          </p:sp>
+        </mc:Choice>
+        <mc:Fallback>
+          <p:sp>
+            <p:nvSpPr>
+              <p:cNvPr id="7" name="TextBox 6">
+                <a:extLst>
+                  <a:ext uri="{FF2B5EF4-FFF2-40B4-BE49-F238E27FC236}">
+                    <a16:creationId xmlns:a16="http://schemas.microsoft.com/office/drawing/2014/main" id="{A4747D8F-73C3-E068-8683-5DA37714550D}"/>
+                  </a:ext>
+                </a:extLst>
+              </p:cNvPr>
+              <p:cNvSpPr txBox="1">
+                <a:spLocks noRot="1" noChangeAspect="1" noMove="1" noResize="1" noEditPoints="1" noAdjustHandles="1" noChangeArrowheads="1" noChangeShapeType="1" noTextEdit="1"/>
+              </p:cNvSpPr>
+              <p:nvPr/>
+            </p:nvSpPr>
+            <p:spPr>
+              <a:xfrm rot="16200000">
+                <a:off x="-560274" y="2058739"/>
+                <a:ext cx="3031353" cy="523220"/>
+              </a:xfrm>
+              <a:prstGeom prst="rect">
+                <a:avLst/>
+              </a:prstGeom>
+              <a:blipFill>
+                <a:blip r:embed="rId2"/>
+                <a:stretch>
+                  <a:fillRect l="-11905" r="-33333" b="-4184"/>
+                </a:stretch>
+              </a:blipFill>
+            </p:spPr>
+            <p:txBody>
+              <a:bodyPr/>
+              <a:lstStyle/>
+              <a:p>
+                <a:r>
+                  <a:rPr lang="en-US">
+                    <a:noFill/>
+                  </a:rPr>
+                  <a:t> </a:t>
+                </a:r>
+              </a:p>
+            </p:txBody>
+          </p:sp>
+        </mc:Fallback>
+      </mc:AlternateContent>
+      <mc:AlternateContent xmlns:mc="http://schemas.openxmlformats.org/markup-compatibility/2006">
+        <mc:Choice xmlns:a14="http://schemas.microsoft.com/office/drawing/2010/main" Requires="a14">
+          <p:sp>
+            <p:nvSpPr>
+              <p:cNvPr id="8" name="TextBox 7">
+                <a:extLst>
+                  <a:ext uri="{FF2B5EF4-FFF2-40B4-BE49-F238E27FC236}">
+                    <a16:creationId xmlns:a16="http://schemas.microsoft.com/office/drawing/2014/main" id="{59D34948-B006-022B-2BAE-9B647766191F}"/>
+                  </a:ext>
+                </a:extLst>
+              </p:cNvPr>
+              <p:cNvSpPr txBox="1"/>
+              <p:nvPr/>
+            </p:nvSpPr>
+            <p:spPr>
+              <a:xfrm>
+                <a:off x="6913757" y="5994526"/>
+                <a:ext cx="3473064" cy="523220"/>
+              </a:xfrm>
+              <a:prstGeom prst="rect">
+                <a:avLst/>
+              </a:prstGeom>
+              <a:noFill/>
+            </p:spPr>
+            <p:txBody>
+              <a:bodyPr wrap="square" rtlCol="0">
+                <a:spAutoFit/>
+              </a:bodyPr>
+              <a:lstStyle/>
+              <a:p>
+                <a:r>
+                  <a:rPr lang="en-US" sz="2800" b="1" dirty="0"/>
+                  <a:t>City Workers </a:t>
+                </a:r>
+                <a14:m>
+                  <m:oMath xmlns:m="http://schemas.openxmlformats.org/officeDocument/2006/math">
+                    <m:sSub>
+                      <m:sSubPr>
+                        <m:ctrlPr>
+                          <a:rPr lang="en-US" sz="2800" b="1" i="1">
+                            <a:latin typeface="Cambria Math" panose="02040503050406030204" pitchFamily="18" charset="0"/>
+                          </a:rPr>
+                        </m:ctrlPr>
+                      </m:sSubPr>
+                      <m:e>
+                        <m:r>
+                          <a:rPr lang="en-US" sz="2800" b="1" i="1">
+                            <a:latin typeface="Cambria Math" panose="02040503050406030204" pitchFamily="18" charset="0"/>
+                          </a:rPr>
+                          <m:t>(</m:t>
+                        </m:r>
+                        <m:r>
+                          <a:rPr lang="en-US" sz="2800" b="1" i="1" smtClean="0">
+                            <a:latin typeface="Cambria Math" panose="02040503050406030204" pitchFamily="18" charset="0"/>
+                          </a:rPr>
+                          <m:t>𝑳</m:t>
+                        </m:r>
+                      </m:e>
+                      <m:sub>
+                        <m:r>
+                          <a:rPr lang="en-US" sz="2800" b="1" i="1" smtClean="0">
+                            <a:latin typeface="Cambria Math" panose="02040503050406030204" pitchFamily="18" charset="0"/>
+                          </a:rPr>
+                          <m:t>𝑪</m:t>
+                        </m:r>
+                      </m:sub>
+                    </m:sSub>
+                    <m:r>
+                      <a:rPr lang="en-US" sz="2800" b="1" i="1">
+                        <a:latin typeface="Cambria Math" panose="02040503050406030204" pitchFamily="18" charset="0"/>
+                      </a:rPr>
+                      <m:t>)</m:t>
+                    </m:r>
+                  </m:oMath>
+                </a14:m>
+                <a:r>
+                  <a:rPr lang="en-US" sz="2800" b="1" dirty="0"/>
+                  <a:t>  </a:t>
+                </a:r>
+              </a:p>
+            </p:txBody>
+          </p:sp>
+        </mc:Choice>
+        <mc:Fallback>
+          <p:sp>
+            <p:nvSpPr>
+              <p:cNvPr id="8" name="TextBox 7">
+                <a:extLst>
+                  <a:ext uri="{FF2B5EF4-FFF2-40B4-BE49-F238E27FC236}">
+                    <a16:creationId xmlns:a16="http://schemas.microsoft.com/office/drawing/2014/main" id="{59D34948-B006-022B-2BAE-9B647766191F}"/>
+                  </a:ext>
+                </a:extLst>
+              </p:cNvPr>
+              <p:cNvSpPr txBox="1">
+                <a:spLocks noRot="1" noChangeAspect="1" noMove="1" noResize="1" noEditPoints="1" noAdjustHandles="1" noChangeArrowheads="1" noChangeShapeType="1" noTextEdit="1"/>
+              </p:cNvSpPr>
+              <p:nvPr/>
+            </p:nvSpPr>
+            <p:spPr>
+              <a:xfrm>
+                <a:off x="6913757" y="5994526"/>
+                <a:ext cx="3473064" cy="523220"/>
+              </a:xfrm>
+              <a:prstGeom prst="rect">
+                <a:avLst/>
+              </a:prstGeom>
+              <a:blipFill>
+                <a:blip r:embed="rId3"/>
+                <a:stretch>
+                  <a:fillRect l="-3650" t="-9302" b="-32558"/>
+                </a:stretch>
+              </a:blipFill>
+            </p:spPr>
+            <p:txBody>
+              <a:bodyPr/>
+              <a:lstStyle/>
+              <a:p>
+                <a:r>
+                  <a:rPr lang="en-US">
+                    <a:noFill/>
+                  </a:rPr>
+                  <a:t> </a:t>
+                </a:r>
+              </a:p>
+            </p:txBody>
+          </p:sp>
+        </mc:Fallback>
+      </mc:AlternateContent>
+    </p:spTree>
+    <p:extLst>
+      <p:ext uri="{BB962C8B-B14F-4D97-AF65-F5344CB8AC3E}">
+        <p14:creationId xmlns:p14="http://schemas.microsoft.com/office/powerpoint/2010/main" val="2049851116"/>
       </p:ext>
     </p:extLst>
   </p:cSld>
@@ -15825,6 +16705,7617 @@
     <p:extLst>
       <p:ext uri="{BB962C8B-B14F-4D97-AF65-F5344CB8AC3E}">
         <p14:creationId xmlns:p14="http://schemas.microsoft.com/office/powerpoint/2010/main" val="4198947051"/>
+      </p:ext>
+    </p:extLst>
+  </p:cSld>
+  <p:clrMapOvr>
+    <a:masterClrMapping/>
+  </p:clrMapOvr>
+</p:sld>
+</file>
+
+<file path=ppt/slides/slide20.xml><?xml version="1.0" encoding="utf-8"?>
+<p:sld xmlns:a="http://schemas.openxmlformats.org/drawingml/2006/main" xmlns:r="http://schemas.openxmlformats.org/officeDocument/2006/relationships" xmlns:p="http://schemas.openxmlformats.org/presentationml/2006/main">
+  <p:cSld>
+    <p:spTree>
+      <p:nvGrpSpPr>
+        <p:cNvPr id="1" name=""/>
+        <p:cNvGrpSpPr/>
+        <p:nvPr/>
+      </p:nvGrpSpPr>
+      <p:grpSpPr>
+        <a:xfrm>
+          <a:off x="0" y="0"/>
+          <a:ext cx="0" cy="0"/>
+          <a:chOff x="0" y="0"/>
+          <a:chExt cx="0" cy="0"/>
+        </a:xfrm>
+      </p:grpSpPr>
+      <p:cxnSp>
+        <p:nvCxnSpPr>
+          <p:cNvPr id="15" name="Straight Connector 14">
+            <a:extLst>
+              <a:ext uri="{FF2B5EF4-FFF2-40B4-BE49-F238E27FC236}">
+                <a16:creationId xmlns:a16="http://schemas.microsoft.com/office/drawing/2014/main" id="{81754959-6E05-3BFD-BF54-4E748EEDBE00}"/>
+              </a:ext>
+            </a:extLst>
+          </p:cNvPr>
+          <p:cNvCxnSpPr/>
+          <p:nvPr/>
+        </p:nvCxnSpPr>
+        <p:spPr>
+          <a:xfrm>
+            <a:off x="1316736" y="1873405"/>
+            <a:ext cx="7559635" cy="4093605"/>
+          </a:xfrm>
+          <a:prstGeom prst="line">
+            <a:avLst/>
+          </a:prstGeom>
+          <a:ln w="57150">
+            <a:solidFill>
+              <a:schemeClr val="accent6">
+                <a:lumMod val="75000"/>
+              </a:schemeClr>
+            </a:solidFill>
+          </a:ln>
+        </p:spPr>
+        <p:style>
+          <a:lnRef idx="2">
+            <a:schemeClr val="accent1"/>
+          </a:lnRef>
+          <a:fillRef idx="0">
+            <a:schemeClr val="accent1"/>
+          </a:fillRef>
+          <a:effectRef idx="1">
+            <a:schemeClr val="accent1"/>
+          </a:effectRef>
+          <a:fontRef idx="minor">
+            <a:schemeClr val="tx1"/>
+          </a:fontRef>
+        </p:style>
+      </p:cxnSp>
+      <p:grpSp>
+        <p:nvGrpSpPr>
+          <p:cNvPr id="4" name="Group 3">
+            <a:extLst>
+              <a:ext uri="{FF2B5EF4-FFF2-40B4-BE49-F238E27FC236}">
+                <a16:creationId xmlns:a16="http://schemas.microsoft.com/office/drawing/2014/main" id="{4B8CE734-5C81-2E0E-E82B-9BA3F610BA7F}"/>
+              </a:ext>
+            </a:extLst>
+          </p:cNvPr>
+          <p:cNvGrpSpPr/>
+          <p:nvPr/>
+        </p:nvGrpSpPr>
+        <p:grpSpPr>
+          <a:xfrm>
+            <a:off x="1297684" y="804672"/>
+            <a:ext cx="9089136" cy="5189854"/>
+            <a:chOff x="1297684" y="804672"/>
+            <a:chExt cx="9089136" cy="5102352"/>
+          </a:xfrm>
+        </p:grpSpPr>
+        <p:cxnSp>
+          <p:nvCxnSpPr>
+            <p:cNvPr id="5" name="Straight Connector 4">
+              <a:extLst>
+                <a:ext uri="{FF2B5EF4-FFF2-40B4-BE49-F238E27FC236}">
+                  <a16:creationId xmlns:a16="http://schemas.microsoft.com/office/drawing/2014/main" id="{D64DE1C1-90E9-EDAC-7650-91D8D31E8BCC}"/>
+                </a:ext>
+              </a:extLst>
+            </p:cNvPr>
+            <p:cNvCxnSpPr/>
+            <p:nvPr/>
+          </p:nvCxnSpPr>
+          <p:spPr>
+            <a:xfrm>
+              <a:off x="1316736" y="804672"/>
+              <a:ext cx="0" cy="5102352"/>
+            </a:xfrm>
+            <a:prstGeom prst="line">
+              <a:avLst/>
+            </a:prstGeom>
+            <a:ln w="57150">
+              <a:solidFill>
+                <a:schemeClr val="tx1"/>
+              </a:solidFill>
+            </a:ln>
+          </p:spPr>
+          <p:style>
+            <a:lnRef idx="2">
+              <a:schemeClr val="accent1"/>
+            </a:lnRef>
+            <a:fillRef idx="0">
+              <a:schemeClr val="accent1"/>
+            </a:fillRef>
+            <a:effectRef idx="1">
+              <a:schemeClr val="accent1"/>
+            </a:effectRef>
+            <a:fontRef idx="minor">
+              <a:schemeClr val="tx1"/>
+            </a:fontRef>
+          </p:style>
+        </p:cxnSp>
+        <p:cxnSp>
+          <p:nvCxnSpPr>
+            <p:cNvPr id="6" name="Straight Connector 5">
+              <a:extLst>
+                <a:ext uri="{FF2B5EF4-FFF2-40B4-BE49-F238E27FC236}">
+                  <a16:creationId xmlns:a16="http://schemas.microsoft.com/office/drawing/2014/main" id="{CFF1FFE6-3E25-4C97-F1A6-02C6E6F07630}"/>
+                </a:ext>
+              </a:extLst>
+            </p:cNvPr>
+            <p:cNvCxnSpPr>
+              <a:cxnSpLocks/>
+            </p:cNvCxnSpPr>
+            <p:nvPr/>
+          </p:nvCxnSpPr>
+          <p:spPr>
+            <a:xfrm flipH="1">
+              <a:off x="1297684" y="5879972"/>
+              <a:ext cx="9089136" cy="0"/>
+            </a:xfrm>
+            <a:prstGeom prst="line">
+              <a:avLst/>
+            </a:prstGeom>
+            <a:ln w="57150">
+              <a:solidFill>
+                <a:schemeClr val="tx1"/>
+              </a:solidFill>
+            </a:ln>
+          </p:spPr>
+          <p:style>
+            <a:lnRef idx="2">
+              <a:schemeClr val="accent1"/>
+            </a:lnRef>
+            <a:fillRef idx="0">
+              <a:schemeClr val="accent1"/>
+            </a:fillRef>
+            <a:effectRef idx="1">
+              <a:schemeClr val="accent1"/>
+            </a:effectRef>
+            <a:fontRef idx="minor">
+              <a:schemeClr val="tx1"/>
+            </a:fontRef>
+          </p:style>
+        </p:cxnSp>
+      </p:grpSp>
+      <mc:AlternateContent xmlns:mc="http://schemas.openxmlformats.org/markup-compatibility/2006">
+        <mc:Choice xmlns:a14="http://schemas.microsoft.com/office/drawing/2010/main" Requires="a14">
+          <p:sp>
+            <p:nvSpPr>
+              <p:cNvPr id="7" name="TextBox 6">
+                <a:extLst>
+                  <a:ext uri="{FF2B5EF4-FFF2-40B4-BE49-F238E27FC236}">
+                    <a16:creationId xmlns:a16="http://schemas.microsoft.com/office/drawing/2014/main" id="{7FC8ECAE-A9B5-03FB-159D-652F596ABBBD}"/>
+                  </a:ext>
+                </a:extLst>
+              </p:cNvPr>
+              <p:cNvSpPr txBox="1"/>
+              <p:nvPr/>
+            </p:nvSpPr>
+            <p:spPr>
+              <a:xfrm rot="16200000">
+                <a:off x="-560274" y="2058739"/>
+                <a:ext cx="3031353" cy="523220"/>
+              </a:xfrm>
+              <a:prstGeom prst="rect">
+                <a:avLst/>
+              </a:prstGeom>
+              <a:noFill/>
+            </p:spPr>
+            <p:txBody>
+              <a:bodyPr wrap="square" rtlCol="0">
+                <a:spAutoFit/>
+              </a:bodyPr>
+              <a:lstStyle/>
+              <a:p>
+                <a:r>
+                  <a:rPr lang="en-US" sz="2800" b="1" dirty="0"/>
+                  <a:t>Rural Wage </a:t>
+                </a:r>
+                <a14:m>
+                  <m:oMath xmlns:m="http://schemas.openxmlformats.org/officeDocument/2006/math">
+                    <m:sSub>
+                      <m:sSubPr>
+                        <m:ctrlPr>
+                          <a:rPr lang="en-US" sz="2800" b="1" i="1" smtClean="0">
+                            <a:latin typeface="Cambria Math" panose="02040503050406030204" pitchFamily="18" charset="0"/>
+                          </a:rPr>
+                        </m:ctrlPr>
+                      </m:sSubPr>
+                      <m:e>
+                        <m:r>
+                          <a:rPr lang="en-US" sz="2800" b="1" i="1" smtClean="0">
+                            <a:latin typeface="Cambria Math" panose="02040503050406030204" pitchFamily="18" charset="0"/>
+                          </a:rPr>
+                          <m:t>(</m:t>
+                        </m:r>
+                        <m:r>
+                          <a:rPr lang="en-US" sz="2800" b="1" i="1" smtClean="0">
+                            <a:latin typeface="Cambria Math" panose="02040503050406030204" pitchFamily="18" charset="0"/>
+                          </a:rPr>
+                          <m:t>𝒘</m:t>
+                        </m:r>
+                      </m:e>
+                      <m:sub>
+                        <m:r>
+                          <a:rPr lang="en-US" sz="2800" b="1" i="1" smtClean="0">
+                            <a:latin typeface="Cambria Math" panose="02040503050406030204" pitchFamily="18" charset="0"/>
+                          </a:rPr>
+                          <m:t>𝑹</m:t>
+                        </m:r>
+                      </m:sub>
+                    </m:sSub>
+                    <m:r>
+                      <a:rPr lang="en-US" sz="2800" b="1" i="1" smtClean="0">
+                        <a:latin typeface="Cambria Math" panose="02040503050406030204" pitchFamily="18" charset="0"/>
+                      </a:rPr>
+                      <m:t>)</m:t>
+                    </m:r>
+                  </m:oMath>
+                </a14:m>
+                <a:endParaRPr lang="en-US" sz="2800" b="1" dirty="0"/>
+              </a:p>
+            </p:txBody>
+          </p:sp>
+        </mc:Choice>
+        <mc:Fallback>
+          <p:sp>
+            <p:nvSpPr>
+              <p:cNvPr id="7" name="TextBox 6">
+                <a:extLst>
+                  <a:ext uri="{FF2B5EF4-FFF2-40B4-BE49-F238E27FC236}">
+                    <a16:creationId xmlns:a16="http://schemas.microsoft.com/office/drawing/2014/main" id="{7FC8ECAE-A9B5-03FB-159D-652F596ABBBD}"/>
+                  </a:ext>
+                </a:extLst>
+              </p:cNvPr>
+              <p:cNvSpPr txBox="1">
+                <a:spLocks noRot="1" noChangeAspect="1" noMove="1" noResize="1" noEditPoints="1" noAdjustHandles="1" noChangeArrowheads="1" noChangeShapeType="1" noTextEdit="1"/>
+              </p:cNvSpPr>
+              <p:nvPr/>
+            </p:nvSpPr>
+            <p:spPr>
+              <a:xfrm rot="16200000">
+                <a:off x="-560274" y="2058739"/>
+                <a:ext cx="3031353" cy="523220"/>
+              </a:xfrm>
+              <a:prstGeom prst="rect">
+                <a:avLst/>
+              </a:prstGeom>
+              <a:blipFill>
+                <a:blip r:embed="rId2"/>
+                <a:stretch>
+                  <a:fillRect l="-11905" r="-33333" b="-4184"/>
+                </a:stretch>
+              </a:blipFill>
+            </p:spPr>
+            <p:txBody>
+              <a:bodyPr/>
+              <a:lstStyle/>
+              <a:p>
+                <a:r>
+                  <a:rPr lang="en-US">
+                    <a:noFill/>
+                  </a:rPr>
+                  <a:t> </a:t>
+                </a:r>
+              </a:p>
+            </p:txBody>
+          </p:sp>
+        </mc:Fallback>
+      </mc:AlternateContent>
+      <mc:AlternateContent xmlns:mc="http://schemas.openxmlformats.org/markup-compatibility/2006">
+        <mc:Choice xmlns:a14="http://schemas.microsoft.com/office/drawing/2010/main" Requires="a14">
+          <p:sp>
+            <p:nvSpPr>
+              <p:cNvPr id="8" name="TextBox 7">
+                <a:extLst>
+                  <a:ext uri="{FF2B5EF4-FFF2-40B4-BE49-F238E27FC236}">
+                    <a16:creationId xmlns:a16="http://schemas.microsoft.com/office/drawing/2014/main" id="{98B96639-2CD5-E7D6-ECFC-81458FD31908}"/>
+                  </a:ext>
+                </a:extLst>
+              </p:cNvPr>
+              <p:cNvSpPr txBox="1"/>
+              <p:nvPr/>
+            </p:nvSpPr>
+            <p:spPr>
+              <a:xfrm>
+                <a:off x="6913757" y="5994526"/>
+                <a:ext cx="3473064" cy="523220"/>
+              </a:xfrm>
+              <a:prstGeom prst="rect">
+                <a:avLst/>
+              </a:prstGeom>
+              <a:noFill/>
+            </p:spPr>
+            <p:txBody>
+              <a:bodyPr wrap="square" rtlCol="0">
+                <a:spAutoFit/>
+              </a:bodyPr>
+              <a:lstStyle/>
+              <a:p>
+                <a:r>
+                  <a:rPr lang="en-US" sz="2800" b="1" dirty="0"/>
+                  <a:t>Rural Workers </a:t>
+                </a:r>
+                <a14:m>
+                  <m:oMath xmlns:m="http://schemas.openxmlformats.org/officeDocument/2006/math">
+                    <m:sSub>
+                      <m:sSubPr>
+                        <m:ctrlPr>
+                          <a:rPr lang="en-US" sz="2800" b="1" i="1">
+                            <a:latin typeface="Cambria Math" panose="02040503050406030204" pitchFamily="18" charset="0"/>
+                          </a:rPr>
+                        </m:ctrlPr>
+                      </m:sSubPr>
+                      <m:e>
+                        <m:r>
+                          <a:rPr lang="en-US" sz="2800" b="1" i="1">
+                            <a:latin typeface="Cambria Math" panose="02040503050406030204" pitchFamily="18" charset="0"/>
+                          </a:rPr>
+                          <m:t>(</m:t>
+                        </m:r>
+                        <m:r>
+                          <a:rPr lang="en-US" sz="2800" b="1" i="1" smtClean="0">
+                            <a:latin typeface="Cambria Math" panose="02040503050406030204" pitchFamily="18" charset="0"/>
+                          </a:rPr>
+                          <m:t>𝑳</m:t>
+                        </m:r>
+                      </m:e>
+                      <m:sub>
+                        <m:r>
+                          <a:rPr lang="en-US" sz="2800" b="1" i="1">
+                            <a:latin typeface="Cambria Math" panose="02040503050406030204" pitchFamily="18" charset="0"/>
+                          </a:rPr>
+                          <m:t>𝑹</m:t>
+                        </m:r>
+                      </m:sub>
+                    </m:sSub>
+                    <m:r>
+                      <a:rPr lang="en-US" sz="2800" b="1" i="1">
+                        <a:latin typeface="Cambria Math" panose="02040503050406030204" pitchFamily="18" charset="0"/>
+                      </a:rPr>
+                      <m:t>)</m:t>
+                    </m:r>
+                  </m:oMath>
+                </a14:m>
+                <a:r>
+                  <a:rPr lang="en-US" sz="2800" b="1" dirty="0"/>
+                  <a:t>  </a:t>
+                </a:r>
+              </a:p>
+            </p:txBody>
+          </p:sp>
+        </mc:Choice>
+        <mc:Fallback>
+          <p:sp>
+            <p:nvSpPr>
+              <p:cNvPr id="8" name="TextBox 7">
+                <a:extLst>
+                  <a:ext uri="{FF2B5EF4-FFF2-40B4-BE49-F238E27FC236}">
+                    <a16:creationId xmlns:a16="http://schemas.microsoft.com/office/drawing/2014/main" id="{98B96639-2CD5-E7D6-ECFC-81458FD31908}"/>
+                  </a:ext>
+                </a:extLst>
+              </p:cNvPr>
+              <p:cNvSpPr txBox="1">
+                <a:spLocks noRot="1" noChangeAspect="1" noMove="1" noResize="1" noEditPoints="1" noAdjustHandles="1" noChangeArrowheads="1" noChangeShapeType="1" noTextEdit="1"/>
+              </p:cNvSpPr>
+              <p:nvPr/>
+            </p:nvSpPr>
+            <p:spPr>
+              <a:xfrm>
+                <a:off x="6913757" y="5994526"/>
+                <a:ext cx="3473064" cy="523220"/>
+              </a:xfrm>
+              <a:prstGeom prst="rect">
+                <a:avLst/>
+              </a:prstGeom>
+              <a:blipFill>
+                <a:blip r:embed="rId3"/>
+                <a:stretch>
+                  <a:fillRect l="-3650" t="-9302" r="-730" b="-32558"/>
+                </a:stretch>
+              </a:blipFill>
+            </p:spPr>
+            <p:txBody>
+              <a:bodyPr/>
+              <a:lstStyle/>
+              <a:p>
+                <a:r>
+                  <a:rPr lang="en-US">
+                    <a:noFill/>
+                  </a:rPr>
+                  <a:t> </a:t>
+                </a:r>
+              </a:p>
+            </p:txBody>
+          </p:sp>
+        </mc:Fallback>
+      </mc:AlternateContent>
+    </p:spTree>
+    <p:extLst>
+      <p:ext uri="{BB962C8B-B14F-4D97-AF65-F5344CB8AC3E}">
+        <p14:creationId xmlns:p14="http://schemas.microsoft.com/office/powerpoint/2010/main" val="410285530"/>
+      </p:ext>
+    </p:extLst>
+  </p:cSld>
+  <p:clrMapOvr>
+    <a:masterClrMapping/>
+  </p:clrMapOvr>
+</p:sld>
+</file>
+
+<file path=ppt/slides/slide21.xml><?xml version="1.0" encoding="utf-8"?>
+<p:sld xmlns:a="http://schemas.openxmlformats.org/drawingml/2006/main" xmlns:r="http://schemas.openxmlformats.org/officeDocument/2006/relationships" xmlns:p="http://schemas.openxmlformats.org/presentationml/2006/main">
+  <p:cSld>
+    <p:spTree>
+      <p:nvGrpSpPr>
+        <p:cNvPr id="1" name="">
+          <a:extLst>
+            <a:ext uri="{FF2B5EF4-FFF2-40B4-BE49-F238E27FC236}">
+              <a16:creationId xmlns:a16="http://schemas.microsoft.com/office/drawing/2014/main" id="{F6BB151C-6E06-7941-88E4-638434F97A44}"/>
+            </a:ext>
+          </a:extLst>
+        </p:cNvPr>
+        <p:cNvGrpSpPr/>
+        <p:nvPr/>
+      </p:nvGrpSpPr>
+      <p:grpSpPr>
+        <a:xfrm>
+          <a:off x="0" y="0"/>
+          <a:ext cx="0" cy="0"/>
+          <a:chOff x="0" y="0"/>
+          <a:chExt cx="0" cy="0"/>
+        </a:xfrm>
+      </p:grpSpPr>
+      <p:cxnSp>
+        <p:nvCxnSpPr>
+          <p:cNvPr id="18" name="Straight Connector 17">
+            <a:extLst>
+              <a:ext uri="{FF2B5EF4-FFF2-40B4-BE49-F238E27FC236}">
+                <a16:creationId xmlns:a16="http://schemas.microsoft.com/office/drawing/2014/main" id="{C58882AE-8772-DB7C-B246-11AAFB33F689}"/>
+              </a:ext>
+            </a:extLst>
+          </p:cNvPr>
+          <p:cNvCxnSpPr>
+            <a:cxnSpLocks/>
+          </p:cNvCxnSpPr>
+          <p:nvPr/>
+        </p:nvCxnSpPr>
+        <p:spPr>
+          <a:xfrm flipH="1">
+            <a:off x="1316736" y="1137424"/>
+            <a:ext cx="9044957" cy="4829586"/>
+          </a:xfrm>
+          <a:prstGeom prst="line">
+            <a:avLst/>
+          </a:prstGeom>
+          <a:ln w="57150">
+            <a:solidFill>
+              <a:schemeClr val="accent2">
+                <a:lumMod val="75000"/>
+              </a:schemeClr>
+            </a:solidFill>
+          </a:ln>
+        </p:spPr>
+        <p:style>
+          <a:lnRef idx="2">
+            <a:schemeClr val="accent1"/>
+          </a:lnRef>
+          <a:fillRef idx="0">
+            <a:schemeClr val="accent1"/>
+          </a:fillRef>
+          <a:effectRef idx="1">
+            <a:schemeClr val="accent1"/>
+          </a:effectRef>
+          <a:fontRef idx="minor">
+            <a:schemeClr val="tx1"/>
+          </a:fontRef>
+        </p:style>
+      </p:cxnSp>
+      <p:cxnSp>
+        <p:nvCxnSpPr>
+          <p:cNvPr id="15" name="Straight Connector 14">
+            <a:extLst>
+              <a:ext uri="{FF2B5EF4-FFF2-40B4-BE49-F238E27FC236}">
+                <a16:creationId xmlns:a16="http://schemas.microsoft.com/office/drawing/2014/main" id="{9E7235DF-CC31-521A-FBF2-A8F48DB28D54}"/>
+              </a:ext>
+            </a:extLst>
+          </p:cNvPr>
+          <p:cNvCxnSpPr>
+            <a:cxnSpLocks/>
+          </p:cNvCxnSpPr>
+          <p:nvPr/>
+        </p:nvCxnSpPr>
+        <p:spPr>
+          <a:xfrm>
+            <a:off x="1316736" y="1873405"/>
+            <a:ext cx="9044957" cy="4093605"/>
+          </a:xfrm>
+          <a:prstGeom prst="line">
+            <a:avLst/>
+          </a:prstGeom>
+          <a:ln w="57150">
+            <a:solidFill>
+              <a:schemeClr val="accent6">
+                <a:lumMod val="75000"/>
+              </a:schemeClr>
+            </a:solidFill>
+          </a:ln>
+        </p:spPr>
+        <p:style>
+          <a:lnRef idx="2">
+            <a:schemeClr val="accent1"/>
+          </a:lnRef>
+          <a:fillRef idx="0">
+            <a:schemeClr val="accent1"/>
+          </a:fillRef>
+          <a:effectRef idx="1">
+            <a:schemeClr val="accent1"/>
+          </a:effectRef>
+          <a:fontRef idx="minor">
+            <a:schemeClr val="tx1"/>
+          </a:fontRef>
+        </p:style>
+      </p:cxnSp>
+      <mc:AlternateContent xmlns:mc="http://schemas.openxmlformats.org/markup-compatibility/2006">
+        <mc:Choice xmlns:a14="http://schemas.microsoft.com/office/drawing/2010/main" Requires="a14">
+          <p:sp>
+            <p:nvSpPr>
+              <p:cNvPr id="7" name="TextBox 6">
+                <a:extLst>
+                  <a:ext uri="{FF2B5EF4-FFF2-40B4-BE49-F238E27FC236}">
+                    <a16:creationId xmlns:a16="http://schemas.microsoft.com/office/drawing/2014/main" id="{EAA2C8D4-747F-679B-F212-44621B4ED24A}"/>
+                  </a:ext>
+                </a:extLst>
+              </p:cNvPr>
+              <p:cNvSpPr txBox="1"/>
+              <p:nvPr/>
+            </p:nvSpPr>
+            <p:spPr>
+              <a:xfrm rot="16200000">
+                <a:off x="-560274" y="2058739"/>
+                <a:ext cx="3031353" cy="523220"/>
+              </a:xfrm>
+              <a:prstGeom prst="rect">
+                <a:avLst/>
+              </a:prstGeom>
+              <a:noFill/>
+            </p:spPr>
+            <p:txBody>
+              <a:bodyPr wrap="square" rtlCol="0">
+                <a:spAutoFit/>
+              </a:bodyPr>
+              <a:lstStyle/>
+              <a:p>
+                <a:r>
+                  <a:rPr lang="en-US" sz="2800" b="1" dirty="0"/>
+                  <a:t>Rural Wage </a:t>
+                </a:r>
+                <a14:m>
+                  <m:oMath xmlns:m="http://schemas.openxmlformats.org/officeDocument/2006/math">
+                    <m:sSub>
+                      <m:sSubPr>
+                        <m:ctrlPr>
+                          <a:rPr lang="en-US" sz="2800" b="1" i="1" smtClean="0">
+                            <a:latin typeface="Cambria Math" panose="02040503050406030204" pitchFamily="18" charset="0"/>
+                          </a:rPr>
+                        </m:ctrlPr>
+                      </m:sSubPr>
+                      <m:e>
+                        <m:r>
+                          <a:rPr lang="en-US" sz="2800" b="1" i="1" smtClean="0">
+                            <a:latin typeface="Cambria Math" panose="02040503050406030204" pitchFamily="18" charset="0"/>
+                          </a:rPr>
+                          <m:t>(</m:t>
+                        </m:r>
+                        <m:r>
+                          <a:rPr lang="en-US" sz="2800" b="1" i="1" smtClean="0">
+                            <a:latin typeface="Cambria Math" panose="02040503050406030204" pitchFamily="18" charset="0"/>
+                          </a:rPr>
+                          <m:t>𝒘</m:t>
+                        </m:r>
+                      </m:e>
+                      <m:sub>
+                        <m:r>
+                          <a:rPr lang="en-US" sz="2800" b="1" i="1" smtClean="0">
+                            <a:latin typeface="Cambria Math" panose="02040503050406030204" pitchFamily="18" charset="0"/>
+                          </a:rPr>
+                          <m:t>𝑹</m:t>
+                        </m:r>
+                      </m:sub>
+                    </m:sSub>
+                    <m:r>
+                      <a:rPr lang="en-US" sz="2800" b="1" i="1" smtClean="0">
+                        <a:latin typeface="Cambria Math" panose="02040503050406030204" pitchFamily="18" charset="0"/>
+                      </a:rPr>
+                      <m:t>)</m:t>
+                    </m:r>
+                  </m:oMath>
+                </a14:m>
+                <a:endParaRPr lang="en-US" sz="2800" b="1" dirty="0"/>
+              </a:p>
+            </p:txBody>
+          </p:sp>
+        </mc:Choice>
+        <mc:Fallback>
+          <p:sp>
+            <p:nvSpPr>
+              <p:cNvPr id="7" name="TextBox 6">
+                <a:extLst>
+                  <a:ext uri="{FF2B5EF4-FFF2-40B4-BE49-F238E27FC236}">
+                    <a16:creationId xmlns:a16="http://schemas.microsoft.com/office/drawing/2014/main" id="{EAA2C8D4-747F-679B-F212-44621B4ED24A}"/>
+                  </a:ext>
+                </a:extLst>
+              </p:cNvPr>
+              <p:cNvSpPr txBox="1">
+                <a:spLocks noRot="1" noChangeAspect="1" noMove="1" noResize="1" noEditPoints="1" noAdjustHandles="1" noChangeArrowheads="1" noChangeShapeType="1" noTextEdit="1"/>
+              </p:cNvSpPr>
+              <p:nvPr/>
+            </p:nvSpPr>
+            <p:spPr>
+              <a:xfrm rot="16200000">
+                <a:off x="-560274" y="2058739"/>
+                <a:ext cx="3031353" cy="523220"/>
+              </a:xfrm>
+              <a:prstGeom prst="rect">
+                <a:avLst/>
+              </a:prstGeom>
+              <a:blipFill>
+                <a:blip r:embed="rId2"/>
+                <a:stretch>
+                  <a:fillRect l="-11905" r="-33333" b="-4184"/>
+                </a:stretch>
+              </a:blipFill>
+            </p:spPr>
+            <p:txBody>
+              <a:bodyPr/>
+              <a:lstStyle/>
+              <a:p>
+                <a:r>
+                  <a:rPr lang="en-US">
+                    <a:noFill/>
+                  </a:rPr>
+                  <a:t> </a:t>
+                </a:r>
+              </a:p>
+            </p:txBody>
+          </p:sp>
+        </mc:Fallback>
+      </mc:AlternateContent>
+      <p:sp>
+        <p:nvSpPr>
+          <p:cNvPr id="8" name="TextBox 7">
+            <a:extLst>
+              <a:ext uri="{FF2B5EF4-FFF2-40B4-BE49-F238E27FC236}">
+                <a16:creationId xmlns:a16="http://schemas.microsoft.com/office/drawing/2014/main" id="{0E83CF59-C142-1E93-6168-69ECF08A5C0D}"/>
+              </a:ext>
+            </a:extLst>
+          </p:cNvPr>
+          <p:cNvSpPr txBox="1"/>
+          <p:nvPr/>
+        </p:nvSpPr>
+        <p:spPr>
+          <a:xfrm>
+            <a:off x="5600753" y="6334780"/>
+            <a:ext cx="457859" cy="523220"/>
+          </a:xfrm>
+          <a:prstGeom prst="rect">
+            <a:avLst/>
+          </a:prstGeom>
+          <a:noFill/>
+        </p:spPr>
+        <p:txBody>
+          <a:bodyPr wrap="square" rtlCol="0">
+            <a:spAutoFit/>
+          </a:bodyPr>
+          <a:lstStyle/>
+          <a:p>
+            <a:r>
+              <a:rPr lang="en-US" sz="2800" b="1" dirty="0"/>
+              <a:t>N</a:t>
+            </a:r>
+          </a:p>
+        </p:txBody>
+      </p:sp>
+      <p:grpSp>
+        <p:nvGrpSpPr>
+          <p:cNvPr id="16" name="Group 15">
+            <a:extLst>
+              <a:ext uri="{FF2B5EF4-FFF2-40B4-BE49-F238E27FC236}">
+                <a16:creationId xmlns:a16="http://schemas.microsoft.com/office/drawing/2014/main" id="{71EA9859-90B6-20F4-E955-5F64DEE8C5BD}"/>
+              </a:ext>
+            </a:extLst>
+          </p:cNvPr>
+          <p:cNvGrpSpPr/>
+          <p:nvPr/>
+        </p:nvGrpSpPr>
+        <p:grpSpPr>
+          <a:xfrm>
+            <a:off x="1297684" y="800960"/>
+            <a:ext cx="9089136" cy="5193566"/>
+            <a:chOff x="1297684" y="800960"/>
+            <a:chExt cx="9089136" cy="5193566"/>
+          </a:xfrm>
+        </p:grpSpPr>
+        <p:cxnSp>
+          <p:nvCxnSpPr>
+            <p:cNvPr id="5" name="Straight Connector 4">
+              <a:extLst>
+                <a:ext uri="{FF2B5EF4-FFF2-40B4-BE49-F238E27FC236}">
+                  <a16:creationId xmlns:a16="http://schemas.microsoft.com/office/drawing/2014/main" id="{ECF1C629-75AB-C446-883E-F6593A33FFC4}"/>
+                </a:ext>
+              </a:extLst>
+            </p:cNvPr>
+            <p:cNvCxnSpPr/>
+            <p:nvPr/>
+          </p:nvCxnSpPr>
+          <p:spPr>
+            <a:xfrm>
+              <a:off x="1316736" y="804672"/>
+              <a:ext cx="0" cy="5189854"/>
+            </a:xfrm>
+            <a:prstGeom prst="line">
+              <a:avLst/>
+            </a:prstGeom>
+            <a:ln w="57150">
+              <a:solidFill>
+                <a:schemeClr val="tx1"/>
+              </a:solidFill>
+            </a:ln>
+          </p:spPr>
+          <p:style>
+            <a:lnRef idx="2">
+              <a:schemeClr val="accent1"/>
+            </a:lnRef>
+            <a:fillRef idx="0">
+              <a:schemeClr val="accent1"/>
+            </a:fillRef>
+            <a:effectRef idx="1">
+              <a:schemeClr val="accent1"/>
+            </a:effectRef>
+            <a:fontRef idx="minor">
+              <a:schemeClr val="tx1"/>
+            </a:fontRef>
+          </p:style>
+        </p:cxnSp>
+        <p:cxnSp>
+          <p:nvCxnSpPr>
+            <p:cNvPr id="6" name="Straight Connector 5">
+              <a:extLst>
+                <a:ext uri="{FF2B5EF4-FFF2-40B4-BE49-F238E27FC236}">
+                  <a16:creationId xmlns:a16="http://schemas.microsoft.com/office/drawing/2014/main" id="{9B6B1982-76F9-CA82-4A11-7CFA7F3C3BF4}"/>
+                </a:ext>
+              </a:extLst>
+            </p:cNvPr>
+            <p:cNvCxnSpPr>
+              <a:cxnSpLocks/>
+            </p:cNvCxnSpPr>
+            <p:nvPr/>
+          </p:nvCxnSpPr>
+          <p:spPr>
+            <a:xfrm flipH="1">
+              <a:off x="1297684" y="5967010"/>
+              <a:ext cx="9089136" cy="0"/>
+            </a:xfrm>
+            <a:prstGeom prst="line">
+              <a:avLst/>
+            </a:prstGeom>
+            <a:ln w="57150">
+              <a:solidFill>
+                <a:schemeClr val="tx1"/>
+              </a:solidFill>
+            </a:ln>
+          </p:spPr>
+          <p:style>
+            <a:lnRef idx="2">
+              <a:schemeClr val="accent1"/>
+            </a:lnRef>
+            <a:fillRef idx="0">
+              <a:schemeClr val="accent1"/>
+            </a:fillRef>
+            <a:effectRef idx="1">
+              <a:schemeClr val="accent1"/>
+            </a:effectRef>
+            <a:fontRef idx="minor">
+              <a:schemeClr val="tx1"/>
+            </a:fontRef>
+          </p:style>
+        </p:cxnSp>
+        <p:cxnSp>
+          <p:nvCxnSpPr>
+            <p:cNvPr id="14" name="Straight Connector 13">
+              <a:extLst>
+                <a:ext uri="{FF2B5EF4-FFF2-40B4-BE49-F238E27FC236}">
+                  <a16:creationId xmlns:a16="http://schemas.microsoft.com/office/drawing/2014/main" id="{2932EF73-2F42-D461-0C42-D7DFD1D977C9}"/>
+                </a:ext>
+              </a:extLst>
+            </p:cNvPr>
+            <p:cNvCxnSpPr/>
+            <p:nvPr/>
+          </p:nvCxnSpPr>
+          <p:spPr>
+            <a:xfrm>
+              <a:off x="10361693" y="800960"/>
+              <a:ext cx="0" cy="5189854"/>
+            </a:xfrm>
+            <a:prstGeom prst="line">
+              <a:avLst/>
+            </a:prstGeom>
+            <a:ln w="57150">
+              <a:solidFill>
+                <a:schemeClr val="tx1"/>
+              </a:solidFill>
+            </a:ln>
+          </p:spPr>
+          <p:style>
+            <a:lnRef idx="2">
+              <a:schemeClr val="accent1"/>
+            </a:lnRef>
+            <a:fillRef idx="0">
+              <a:schemeClr val="accent1"/>
+            </a:fillRef>
+            <a:effectRef idx="1">
+              <a:schemeClr val="accent1"/>
+            </a:effectRef>
+            <a:fontRef idx="minor">
+              <a:schemeClr val="tx1"/>
+            </a:fontRef>
+          </p:style>
+        </p:cxnSp>
+      </p:grpSp>
+      <p:sp>
+        <p:nvSpPr>
+          <p:cNvPr id="21" name="Right Brace 20">
+            <a:extLst>
+              <a:ext uri="{FF2B5EF4-FFF2-40B4-BE49-F238E27FC236}">
+                <a16:creationId xmlns:a16="http://schemas.microsoft.com/office/drawing/2014/main" id="{5A8DD933-F5DB-C9C7-D77B-87835A95267C}"/>
+              </a:ext>
+            </a:extLst>
+          </p:cNvPr>
+          <p:cNvSpPr/>
+          <p:nvPr/>
+        </p:nvSpPr>
+        <p:spPr>
+          <a:xfrm rot="5400000">
+            <a:off x="5651264" y="1666295"/>
+            <a:ext cx="356839" cy="9063999"/>
+          </a:xfrm>
+          <a:prstGeom prst="rightBrace">
+            <a:avLst/>
+          </a:prstGeom>
+          <a:ln w="38100">
+            <a:solidFill>
+              <a:schemeClr val="tx1"/>
+            </a:solidFill>
+          </a:ln>
+        </p:spPr>
+        <p:style>
+          <a:lnRef idx="2">
+            <a:schemeClr val="accent1"/>
+          </a:lnRef>
+          <a:fillRef idx="0">
+            <a:schemeClr val="accent1"/>
+          </a:fillRef>
+          <a:effectRef idx="1">
+            <a:schemeClr val="accent1"/>
+          </a:effectRef>
+          <a:fontRef idx="minor">
+            <a:schemeClr val="tx1"/>
+          </a:fontRef>
+        </p:style>
+        <p:txBody>
+          <a:bodyPr rtlCol="0" anchor="ctr"/>
+          <a:lstStyle/>
+          <a:p>
+            <a:pPr algn="ctr"/>
+            <a:endParaRPr lang="en-US"/>
+          </a:p>
+        </p:txBody>
+      </p:sp>
+      <mc:AlternateContent xmlns:mc="http://schemas.openxmlformats.org/markup-compatibility/2006">
+        <mc:Choice xmlns:a14="http://schemas.microsoft.com/office/drawing/2010/main" Requires="a14">
+          <p:sp>
+            <p:nvSpPr>
+              <p:cNvPr id="22" name="TextBox 21">
+                <a:extLst>
+                  <a:ext uri="{FF2B5EF4-FFF2-40B4-BE49-F238E27FC236}">
+                    <a16:creationId xmlns:a16="http://schemas.microsoft.com/office/drawing/2014/main" id="{04B1DF0F-D7A8-A00E-18F4-B64439FAD56B}"/>
+                  </a:ext>
+                </a:extLst>
+              </p:cNvPr>
+              <p:cNvSpPr txBox="1"/>
+              <p:nvPr/>
+            </p:nvSpPr>
+            <p:spPr>
+              <a:xfrm rot="5400000">
+                <a:off x="9207349" y="2391491"/>
+                <a:ext cx="3031353" cy="523220"/>
+              </a:xfrm>
+              <a:prstGeom prst="rect">
+                <a:avLst/>
+              </a:prstGeom>
+              <a:noFill/>
+            </p:spPr>
+            <p:txBody>
+              <a:bodyPr wrap="square" rtlCol="0">
+                <a:spAutoFit/>
+              </a:bodyPr>
+              <a:lstStyle/>
+              <a:p>
+                <a:r>
+                  <a:rPr lang="en-US" sz="2800" b="1" dirty="0"/>
+                  <a:t>City Wage </a:t>
+                </a:r>
+                <a14:m>
+                  <m:oMath xmlns:m="http://schemas.openxmlformats.org/officeDocument/2006/math">
+                    <m:sSub>
+                      <m:sSubPr>
+                        <m:ctrlPr>
+                          <a:rPr lang="en-US" sz="2800" b="1" i="1" smtClean="0">
+                            <a:latin typeface="Cambria Math" panose="02040503050406030204" pitchFamily="18" charset="0"/>
+                          </a:rPr>
+                        </m:ctrlPr>
+                      </m:sSubPr>
+                      <m:e>
+                        <m:r>
+                          <a:rPr lang="en-US" sz="2800" b="1" i="1" smtClean="0">
+                            <a:latin typeface="Cambria Math" panose="02040503050406030204" pitchFamily="18" charset="0"/>
+                          </a:rPr>
+                          <m:t>(</m:t>
+                        </m:r>
+                        <m:r>
+                          <a:rPr lang="en-US" sz="2800" b="1" i="1" smtClean="0">
+                            <a:latin typeface="Cambria Math" panose="02040503050406030204" pitchFamily="18" charset="0"/>
+                          </a:rPr>
+                          <m:t>𝒘</m:t>
+                        </m:r>
+                      </m:e>
+                      <m:sub>
+                        <m:r>
+                          <a:rPr lang="en-US" sz="2800" b="1" i="1" smtClean="0">
+                            <a:latin typeface="Cambria Math" panose="02040503050406030204" pitchFamily="18" charset="0"/>
+                          </a:rPr>
+                          <m:t>𝑪</m:t>
+                        </m:r>
+                      </m:sub>
+                    </m:sSub>
+                    <m:r>
+                      <a:rPr lang="en-US" sz="2800" b="1" i="1" smtClean="0">
+                        <a:latin typeface="Cambria Math" panose="02040503050406030204" pitchFamily="18" charset="0"/>
+                      </a:rPr>
+                      <m:t>)</m:t>
+                    </m:r>
+                  </m:oMath>
+                </a14:m>
+                <a:endParaRPr lang="en-US" sz="2800" b="1" dirty="0"/>
+              </a:p>
+            </p:txBody>
+          </p:sp>
+        </mc:Choice>
+        <mc:Fallback>
+          <p:sp>
+            <p:nvSpPr>
+              <p:cNvPr id="22" name="TextBox 21">
+                <a:extLst>
+                  <a:ext uri="{FF2B5EF4-FFF2-40B4-BE49-F238E27FC236}">
+                    <a16:creationId xmlns:a16="http://schemas.microsoft.com/office/drawing/2014/main" id="{04B1DF0F-D7A8-A00E-18F4-B64439FAD56B}"/>
+                  </a:ext>
+                </a:extLst>
+              </p:cNvPr>
+              <p:cNvSpPr txBox="1">
+                <a:spLocks noRot="1" noChangeAspect="1" noMove="1" noResize="1" noEditPoints="1" noAdjustHandles="1" noChangeArrowheads="1" noChangeShapeType="1" noTextEdit="1"/>
+              </p:cNvSpPr>
+              <p:nvPr/>
+            </p:nvSpPr>
+            <p:spPr>
+              <a:xfrm rot="5400000">
+                <a:off x="9207349" y="2391491"/>
+                <a:ext cx="3031353" cy="523220"/>
+              </a:xfrm>
+              <a:prstGeom prst="rect">
+                <a:avLst/>
+              </a:prstGeom>
+              <a:blipFill>
+                <a:blip r:embed="rId3"/>
+                <a:stretch>
+                  <a:fillRect l="-30952" t="-4167" r="-14286"/>
+                </a:stretch>
+              </a:blipFill>
+            </p:spPr>
+            <p:txBody>
+              <a:bodyPr/>
+              <a:lstStyle/>
+              <a:p>
+                <a:r>
+                  <a:rPr lang="en-US">
+                    <a:noFill/>
+                  </a:rPr>
+                  <a:t> </a:t>
+                </a:r>
+              </a:p>
+            </p:txBody>
+          </p:sp>
+        </mc:Fallback>
+      </mc:AlternateContent>
+    </p:spTree>
+    <p:extLst>
+      <p:ext uri="{BB962C8B-B14F-4D97-AF65-F5344CB8AC3E}">
+        <p14:creationId xmlns:p14="http://schemas.microsoft.com/office/powerpoint/2010/main" val="587778792"/>
+      </p:ext>
+    </p:extLst>
+  </p:cSld>
+  <p:clrMapOvr>
+    <a:masterClrMapping/>
+  </p:clrMapOvr>
+</p:sld>
+</file>
+
+<file path=ppt/slides/slide22.xml><?xml version="1.0" encoding="utf-8"?>
+<p:sld xmlns:a="http://schemas.openxmlformats.org/drawingml/2006/main" xmlns:r="http://schemas.openxmlformats.org/officeDocument/2006/relationships" xmlns:p="http://schemas.openxmlformats.org/presentationml/2006/main">
+  <p:cSld>
+    <p:spTree>
+      <p:nvGrpSpPr>
+        <p:cNvPr id="1" name="">
+          <a:extLst>
+            <a:ext uri="{FF2B5EF4-FFF2-40B4-BE49-F238E27FC236}">
+              <a16:creationId xmlns:a16="http://schemas.microsoft.com/office/drawing/2014/main" id="{7C51A083-92B9-E955-4E24-B5523933544E}"/>
+            </a:ext>
+          </a:extLst>
+        </p:cNvPr>
+        <p:cNvGrpSpPr/>
+        <p:nvPr/>
+      </p:nvGrpSpPr>
+      <p:grpSpPr>
+        <a:xfrm>
+          <a:off x="0" y="0"/>
+          <a:ext cx="0" cy="0"/>
+          <a:chOff x="0" y="0"/>
+          <a:chExt cx="0" cy="0"/>
+        </a:xfrm>
+      </p:grpSpPr>
+      <p:cxnSp>
+        <p:nvCxnSpPr>
+          <p:cNvPr id="18" name="Straight Connector 17">
+            <a:extLst>
+              <a:ext uri="{FF2B5EF4-FFF2-40B4-BE49-F238E27FC236}">
+                <a16:creationId xmlns:a16="http://schemas.microsoft.com/office/drawing/2014/main" id="{80323E96-1EA4-8D5E-CCA4-E4F0C1C1E5E7}"/>
+              </a:ext>
+            </a:extLst>
+          </p:cNvPr>
+          <p:cNvCxnSpPr>
+            <a:cxnSpLocks/>
+          </p:cNvCxnSpPr>
+          <p:nvPr/>
+        </p:nvCxnSpPr>
+        <p:spPr>
+          <a:xfrm flipH="1">
+            <a:off x="915292" y="1012361"/>
+            <a:ext cx="9044957" cy="4829586"/>
+          </a:xfrm>
+          <a:prstGeom prst="line">
+            <a:avLst/>
+          </a:prstGeom>
+          <a:ln w="57150">
+            <a:solidFill>
+              <a:schemeClr val="accent2">
+                <a:lumMod val="75000"/>
+              </a:schemeClr>
+            </a:solidFill>
+          </a:ln>
+        </p:spPr>
+        <p:style>
+          <a:lnRef idx="2">
+            <a:schemeClr val="accent1"/>
+          </a:lnRef>
+          <a:fillRef idx="0">
+            <a:schemeClr val="accent1"/>
+          </a:fillRef>
+          <a:effectRef idx="1">
+            <a:schemeClr val="accent1"/>
+          </a:effectRef>
+          <a:fontRef idx="minor">
+            <a:schemeClr val="tx1"/>
+          </a:fontRef>
+        </p:style>
+      </p:cxnSp>
+      <p:cxnSp>
+        <p:nvCxnSpPr>
+          <p:cNvPr id="15" name="Straight Connector 14">
+            <a:extLst>
+              <a:ext uri="{FF2B5EF4-FFF2-40B4-BE49-F238E27FC236}">
+                <a16:creationId xmlns:a16="http://schemas.microsoft.com/office/drawing/2014/main" id="{3CC4604A-7F21-44FF-1C70-83D872D87FB3}"/>
+              </a:ext>
+            </a:extLst>
+          </p:cNvPr>
+          <p:cNvCxnSpPr>
+            <a:cxnSpLocks/>
+          </p:cNvCxnSpPr>
+          <p:nvPr/>
+        </p:nvCxnSpPr>
+        <p:spPr>
+          <a:xfrm>
+            <a:off x="915292" y="1748342"/>
+            <a:ext cx="9044957" cy="4093605"/>
+          </a:xfrm>
+          <a:prstGeom prst="line">
+            <a:avLst/>
+          </a:prstGeom>
+          <a:ln w="57150">
+            <a:solidFill>
+              <a:schemeClr val="accent6">
+                <a:lumMod val="75000"/>
+              </a:schemeClr>
+            </a:solidFill>
+          </a:ln>
+        </p:spPr>
+        <p:style>
+          <a:lnRef idx="2">
+            <a:schemeClr val="accent1"/>
+          </a:lnRef>
+          <a:fillRef idx="0">
+            <a:schemeClr val="accent1"/>
+          </a:fillRef>
+          <a:effectRef idx="1">
+            <a:schemeClr val="accent1"/>
+          </a:effectRef>
+          <a:fontRef idx="minor">
+            <a:schemeClr val="tx1"/>
+          </a:fontRef>
+        </p:style>
+      </p:cxnSp>
+      <mc:AlternateContent xmlns:mc="http://schemas.openxmlformats.org/markup-compatibility/2006">
+        <mc:Choice xmlns:a14="http://schemas.microsoft.com/office/drawing/2010/main" Requires="a14">
+          <p:sp>
+            <p:nvSpPr>
+              <p:cNvPr id="7" name="TextBox 6">
+                <a:extLst>
+                  <a:ext uri="{FF2B5EF4-FFF2-40B4-BE49-F238E27FC236}">
+                    <a16:creationId xmlns:a16="http://schemas.microsoft.com/office/drawing/2014/main" id="{2CACB442-45A5-C5F6-8277-8995D8B02740}"/>
+                  </a:ext>
+                </a:extLst>
+              </p:cNvPr>
+              <p:cNvSpPr txBox="1"/>
+              <p:nvPr/>
+            </p:nvSpPr>
+            <p:spPr>
+              <a:xfrm>
+                <a:off x="229531" y="213001"/>
+                <a:ext cx="660635" cy="523220"/>
+              </a:xfrm>
+              <a:prstGeom prst="rect">
+                <a:avLst/>
+              </a:prstGeom>
+              <a:noFill/>
+            </p:spPr>
+            <p:txBody>
+              <a:bodyPr wrap="square" rtlCol="0">
+                <a:spAutoFit/>
+              </a:bodyPr>
+              <a:lstStyle/>
+              <a:p>
+                <a14:m>
+                  <m:oMathPara xmlns:m="http://schemas.openxmlformats.org/officeDocument/2006/math">
+                    <m:oMathParaPr>
+                      <m:jc m:val="centerGroup"/>
+                    </m:oMathParaPr>
+                    <m:oMath xmlns:m="http://schemas.openxmlformats.org/officeDocument/2006/math">
+                      <m:sSub>
+                        <m:sSubPr>
+                          <m:ctrlPr>
+                            <a:rPr lang="en-US" sz="2800" b="1" i="1" smtClean="0">
+                              <a:latin typeface="Cambria Math" panose="02040503050406030204" pitchFamily="18" charset="0"/>
+                            </a:rPr>
+                          </m:ctrlPr>
+                        </m:sSubPr>
+                        <m:e>
+                          <m:r>
+                            <a:rPr lang="en-US" sz="2800" b="1" i="1" smtClean="0">
+                              <a:latin typeface="Cambria Math" panose="02040503050406030204" pitchFamily="18" charset="0"/>
+                            </a:rPr>
+                            <m:t>𝒘</m:t>
+                          </m:r>
+                        </m:e>
+                        <m:sub>
+                          <m:r>
+                            <a:rPr lang="en-US" sz="2800" b="1" i="1" smtClean="0">
+                              <a:latin typeface="Cambria Math" panose="02040503050406030204" pitchFamily="18" charset="0"/>
+                            </a:rPr>
+                            <m:t>𝑹</m:t>
+                          </m:r>
+                        </m:sub>
+                      </m:sSub>
+                    </m:oMath>
+                  </m:oMathPara>
+                </a14:m>
+                <a:endParaRPr lang="en-US" sz="2800" b="1" dirty="0"/>
+              </a:p>
+            </p:txBody>
+          </p:sp>
+        </mc:Choice>
+        <mc:Fallback>
+          <p:sp>
+            <p:nvSpPr>
+              <p:cNvPr id="7" name="TextBox 6">
+                <a:extLst>
+                  <a:ext uri="{FF2B5EF4-FFF2-40B4-BE49-F238E27FC236}">
+                    <a16:creationId xmlns:a16="http://schemas.microsoft.com/office/drawing/2014/main" id="{2CACB442-45A5-C5F6-8277-8995D8B02740}"/>
+                  </a:ext>
+                </a:extLst>
+              </p:cNvPr>
+              <p:cNvSpPr txBox="1">
+                <a:spLocks noRot="1" noChangeAspect="1" noMove="1" noResize="1" noEditPoints="1" noAdjustHandles="1" noChangeArrowheads="1" noChangeShapeType="1" noTextEdit="1"/>
+              </p:cNvSpPr>
+              <p:nvPr/>
+            </p:nvSpPr>
+            <p:spPr>
+              <a:xfrm>
+                <a:off x="229531" y="213001"/>
+                <a:ext cx="660635" cy="523220"/>
+              </a:xfrm>
+              <a:prstGeom prst="rect">
+                <a:avLst/>
+              </a:prstGeom>
+              <a:blipFill>
+                <a:blip r:embed="rId2"/>
+                <a:stretch>
+                  <a:fillRect b="-2326"/>
+                </a:stretch>
+              </a:blipFill>
+            </p:spPr>
+            <p:txBody>
+              <a:bodyPr/>
+              <a:lstStyle/>
+              <a:p>
+                <a:r>
+                  <a:rPr lang="en-US">
+                    <a:noFill/>
+                  </a:rPr>
+                  <a:t> </a:t>
+                </a:r>
+              </a:p>
+            </p:txBody>
+          </p:sp>
+        </mc:Fallback>
+      </mc:AlternateContent>
+      <p:grpSp>
+        <p:nvGrpSpPr>
+          <p:cNvPr id="16" name="Group 15">
+            <a:extLst>
+              <a:ext uri="{FF2B5EF4-FFF2-40B4-BE49-F238E27FC236}">
+                <a16:creationId xmlns:a16="http://schemas.microsoft.com/office/drawing/2014/main" id="{74C977EC-026B-40D4-241C-0CDA8CF5DFC6}"/>
+              </a:ext>
+            </a:extLst>
+          </p:cNvPr>
+          <p:cNvGrpSpPr/>
+          <p:nvPr/>
+        </p:nvGrpSpPr>
+        <p:grpSpPr>
+          <a:xfrm>
+            <a:off x="896240" y="675897"/>
+            <a:ext cx="9089136" cy="5193566"/>
+            <a:chOff x="1297684" y="800960"/>
+            <a:chExt cx="9089136" cy="5193566"/>
+          </a:xfrm>
+        </p:grpSpPr>
+        <p:cxnSp>
+          <p:nvCxnSpPr>
+            <p:cNvPr id="5" name="Straight Connector 4">
+              <a:extLst>
+                <a:ext uri="{FF2B5EF4-FFF2-40B4-BE49-F238E27FC236}">
+                  <a16:creationId xmlns:a16="http://schemas.microsoft.com/office/drawing/2014/main" id="{8BBEA90C-63BC-F639-F10A-2099A994843D}"/>
+                </a:ext>
+              </a:extLst>
+            </p:cNvPr>
+            <p:cNvCxnSpPr/>
+            <p:nvPr/>
+          </p:nvCxnSpPr>
+          <p:spPr>
+            <a:xfrm>
+              <a:off x="1316736" y="804672"/>
+              <a:ext cx="0" cy="5189854"/>
+            </a:xfrm>
+            <a:prstGeom prst="line">
+              <a:avLst/>
+            </a:prstGeom>
+            <a:ln w="57150">
+              <a:solidFill>
+                <a:schemeClr val="tx1"/>
+              </a:solidFill>
+            </a:ln>
+          </p:spPr>
+          <p:style>
+            <a:lnRef idx="2">
+              <a:schemeClr val="accent1"/>
+            </a:lnRef>
+            <a:fillRef idx="0">
+              <a:schemeClr val="accent1"/>
+            </a:fillRef>
+            <a:effectRef idx="1">
+              <a:schemeClr val="accent1"/>
+            </a:effectRef>
+            <a:fontRef idx="minor">
+              <a:schemeClr val="tx1"/>
+            </a:fontRef>
+          </p:style>
+        </p:cxnSp>
+        <p:cxnSp>
+          <p:nvCxnSpPr>
+            <p:cNvPr id="6" name="Straight Connector 5">
+              <a:extLst>
+                <a:ext uri="{FF2B5EF4-FFF2-40B4-BE49-F238E27FC236}">
+                  <a16:creationId xmlns:a16="http://schemas.microsoft.com/office/drawing/2014/main" id="{AB3555B2-0408-156B-0084-B7EDEBE96B79}"/>
+                </a:ext>
+              </a:extLst>
+            </p:cNvPr>
+            <p:cNvCxnSpPr>
+              <a:cxnSpLocks/>
+            </p:cNvCxnSpPr>
+            <p:nvPr/>
+          </p:nvCxnSpPr>
+          <p:spPr>
+            <a:xfrm flipH="1">
+              <a:off x="1297684" y="5967010"/>
+              <a:ext cx="9089136" cy="0"/>
+            </a:xfrm>
+            <a:prstGeom prst="line">
+              <a:avLst/>
+            </a:prstGeom>
+            <a:ln w="57150">
+              <a:solidFill>
+                <a:schemeClr val="tx1"/>
+              </a:solidFill>
+            </a:ln>
+          </p:spPr>
+          <p:style>
+            <a:lnRef idx="2">
+              <a:schemeClr val="accent1"/>
+            </a:lnRef>
+            <a:fillRef idx="0">
+              <a:schemeClr val="accent1"/>
+            </a:fillRef>
+            <a:effectRef idx="1">
+              <a:schemeClr val="accent1"/>
+            </a:effectRef>
+            <a:fontRef idx="minor">
+              <a:schemeClr val="tx1"/>
+            </a:fontRef>
+          </p:style>
+        </p:cxnSp>
+        <p:cxnSp>
+          <p:nvCxnSpPr>
+            <p:cNvPr id="14" name="Straight Connector 13">
+              <a:extLst>
+                <a:ext uri="{FF2B5EF4-FFF2-40B4-BE49-F238E27FC236}">
+                  <a16:creationId xmlns:a16="http://schemas.microsoft.com/office/drawing/2014/main" id="{87E7B57F-496B-D1C2-F3B6-D68998A3DAE0}"/>
+                </a:ext>
+              </a:extLst>
+            </p:cNvPr>
+            <p:cNvCxnSpPr/>
+            <p:nvPr/>
+          </p:nvCxnSpPr>
+          <p:spPr>
+            <a:xfrm>
+              <a:off x="10361693" y="800960"/>
+              <a:ext cx="0" cy="5189854"/>
+            </a:xfrm>
+            <a:prstGeom prst="line">
+              <a:avLst/>
+            </a:prstGeom>
+            <a:ln w="57150">
+              <a:solidFill>
+                <a:schemeClr val="tx1"/>
+              </a:solidFill>
+            </a:ln>
+          </p:spPr>
+          <p:style>
+            <a:lnRef idx="2">
+              <a:schemeClr val="accent1"/>
+            </a:lnRef>
+            <a:fillRef idx="0">
+              <a:schemeClr val="accent1"/>
+            </a:fillRef>
+            <a:effectRef idx="1">
+              <a:schemeClr val="accent1"/>
+            </a:effectRef>
+            <a:fontRef idx="minor">
+              <a:schemeClr val="tx1"/>
+            </a:fontRef>
+          </p:style>
+        </p:cxnSp>
+      </p:grpSp>
+      <mc:AlternateContent xmlns:mc="http://schemas.openxmlformats.org/markup-compatibility/2006">
+        <mc:Choice xmlns:a14="http://schemas.microsoft.com/office/drawing/2010/main" Requires="a14">
+          <p:sp>
+            <p:nvSpPr>
+              <p:cNvPr id="22" name="TextBox 21">
+                <a:extLst>
+                  <a:ext uri="{FF2B5EF4-FFF2-40B4-BE49-F238E27FC236}">
+                    <a16:creationId xmlns:a16="http://schemas.microsoft.com/office/drawing/2014/main" id="{40A6F3D4-4B6A-C419-61AA-F219F5AC16C5}"/>
+                  </a:ext>
+                </a:extLst>
+              </p:cNvPr>
+              <p:cNvSpPr txBox="1"/>
+              <p:nvPr/>
+            </p:nvSpPr>
+            <p:spPr>
+              <a:xfrm>
+                <a:off x="9742608" y="213001"/>
+                <a:ext cx="1129218" cy="523220"/>
+              </a:xfrm>
+              <a:prstGeom prst="rect">
+                <a:avLst/>
+              </a:prstGeom>
+              <a:noFill/>
+            </p:spPr>
+            <p:txBody>
+              <a:bodyPr wrap="square" rtlCol="0">
+                <a:spAutoFit/>
+              </a:bodyPr>
+              <a:lstStyle/>
+              <a:p>
+                <a14:m>
+                  <m:oMathPara xmlns:m="http://schemas.openxmlformats.org/officeDocument/2006/math">
+                    <m:oMathParaPr>
+                      <m:jc m:val="centerGroup"/>
+                    </m:oMathParaPr>
+                    <m:oMath xmlns:m="http://schemas.openxmlformats.org/officeDocument/2006/math">
+                      <m:sSub>
+                        <m:sSubPr>
+                          <m:ctrlPr>
+                            <a:rPr lang="en-US" sz="2800" b="1" i="1" smtClean="0">
+                              <a:latin typeface="Cambria Math" panose="02040503050406030204" pitchFamily="18" charset="0"/>
+                            </a:rPr>
+                          </m:ctrlPr>
+                        </m:sSubPr>
+                        <m:e>
+                          <m:r>
+                            <a:rPr lang="en-US" sz="2800" b="1" i="1" smtClean="0">
+                              <a:latin typeface="Cambria Math" panose="02040503050406030204" pitchFamily="18" charset="0"/>
+                            </a:rPr>
+                            <m:t>𝒘</m:t>
+                          </m:r>
+                        </m:e>
+                        <m:sub>
+                          <m:r>
+                            <a:rPr lang="en-US" sz="2800" b="1" i="1" smtClean="0">
+                              <a:latin typeface="Cambria Math" panose="02040503050406030204" pitchFamily="18" charset="0"/>
+                            </a:rPr>
+                            <m:t>𝑪</m:t>
+                          </m:r>
+                        </m:sub>
+                      </m:sSub>
+                    </m:oMath>
+                  </m:oMathPara>
+                </a14:m>
+                <a:endParaRPr lang="en-US" sz="2800" b="1" dirty="0"/>
+              </a:p>
+            </p:txBody>
+          </p:sp>
+        </mc:Choice>
+        <mc:Fallback>
+          <p:sp>
+            <p:nvSpPr>
+              <p:cNvPr id="22" name="TextBox 21">
+                <a:extLst>
+                  <a:ext uri="{FF2B5EF4-FFF2-40B4-BE49-F238E27FC236}">
+                    <a16:creationId xmlns:a16="http://schemas.microsoft.com/office/drawing/2014/main" id="{40A6F3D4-4B6A-C419-61AA-F219F5AC16C5}"/>
+                  </a:ext>
+                </a:extLst>
+              </p:cNvPr>
+              <p:cNvSpPr txBox="1">
+                <a:spLocks noRot="1" noChangeAspect="1" noMove="1" noResize="1" noEditPoints="1" noAdjustHandles="1" noChangeArrowheads="1" noChangeShapeType="1" noTextEdit="1"/>
+              </p:cNvSpPr>
+              <p:nvPr/>
+            </p:nvSpPr>
+            <p:spPr>
+              <a:xfrm>
+                <a:off x="9742608" y="213001"/>
+                <a:ext cx="1129218" cy="523220"/>
+              </a:xfrm>
+              <a:prstGeom prst="rect">
+                <a:avLst/>
+              </a:prstGeom>
+              <a:blipFill>
+                <a:blip r:embed="rId3"/>
+                <a:stretch>
+                  <a:fillRect b="-2326"/>
+                </a:stretch>
+              </a:blipFill>
+            </p:spPr>
+            <p:txBody>
+              <a:bodyPr/>
+              <a:lstStyle/>
+              <a:p>
+                <a:r>
+                  <a:rPr lang="en-US">
+                    <a:noFill/>
+                  </a:rPr>
+                  <a:t> </a:t>
+                </a:r>
+              </a:p>
+            </p:txBody>
+          </p:sp>
+        </mc:Fallback>
+      </mc:AlternateContent>
+      <p:cxnSp>
+        <p:nvCxnSpPr>
+          <p:cNvPr id="4" name="Straight Connector 3">
+            <a:extLst>
+              <a:ext uri="{FF2B5EF4-FFF2-40B4-BE49-F238E27FC236}">
+                <a16:creationId xmlns:a16="http://schemas.microsoft.com/office/drawing/2014/main" id="{E4E7C406-3897-1759-7B43-3616806B5298}"/>
+              </a:ext>
+            </a:extLst>
+          </p:cNvPr>
+          <p:cNvCxnSpPr>
+            <a:cxnSpLocks/>
+          </p:cNvCxnSpPr>
+          <p:nvPr/>
+        </p:nvCxnSpPr>
+        <p:spPr>
+          <a:xfrm flipV="1">
+            <a:off x="8251901" y="2062063"/>
+            <a:ext cx="0" cy="3779884"/>
+          </a:xfrm>
+          <a:prstGeom prst="line">
+            <a:avLst/>
+          </a:prstGeom>
+          <a:ln w="38100">
+            <a:prstDash val="dash"/>
+          </a:ln>
+        </p:spPr>
+        <p:style>
+          <a:lnRef idx="2">
+            <a:schemeClr val="accent1"/>
+          </a:lnRef>
+          <a:fillRef idx="0">
+            <a:schemeClr val="accent1"/>
+          </a:fillRef>
+          <a:effectRef idx="1">
+            <a:schemeClr val="accent1"/>
+          </a:effectRef>
+          <a:fontRef idx="minor">
+            <a:schemeClr val="tx1"/>
+          </a:fontRef>
+        </p:style>
+      </p:cxnSp>
+      <p:sp>
+        <p:nvSpPr>
+          <p:cNvPr id="9" name="Oval 8">
+            <a:extLst>
+              <a:ext uri="{FF2B5EF4-FFF2-40B4-BE49-F238E27FC236}">
+                <a16:creationId xmlns:a16="http://schemas.microsoft.com/office/drawing/2014/main" id="{9E8F1852-298E-559B-E4E0-851D2D373160}"/>
+              </a:ext>
+            </a:extLst>
+          </p:cNvPr>
+          <p:cNvSpPr/>
+          <p:nvPr/>
+        </p:nvSpPr>
+        <p:spPr>
+          <a:xfrm>
+            <a:off x="8128826" y="1852931"/>
+            <a:ext cx="246150" cy="247711"/>
+          </a:xfrm>
+          <a:prstGeom prst="ellipse">
+            <a:avLst/>
+          </a:prstGeom>
+          <a:solidFill>
+            <a:srgbClr val="C00000"/>
+          </a:solidFill>
+          <a:ln>
+            <a:solidFill>
+              <a:schemeClr val="tx1"/>
+            </a:solidFill>
+          </a:ln>
+        </p:spPr>
+        <p:style>
+          <a:lnRef idx="2">
+            <a:schemeClr val="accent1">
+              <a:shade val="15000"/>
+            </a:schemeClr>
+          </a:lnRef>
+          <a:fillRef idx="1">
+            <a:schemeClr val="accent1"/>
+          </a:fillRef>
+          <a:effectRef idx="0">
+            <a:schemeClr val="accent1"/>
+          </a:effectRef>
+          <a:fontRef idx="minor">
+            <a:schemeClr val="lt1"/>
+          </a:fontRef>
+        </p:style>
+        <p:txBody>
+          <a:bodyPr rtlCol="0" anchor="ctr"/>
+          <a:lstStyle/>
+          <a:p>
+            <a:pPr algn="ctr"/>
+            <a:endParaRPr lang="en-US"/>
+          </a:p>
+        </p:txBody>
+      </p:sp>
+      <p:cxnSp>
+        <p:nvCxnSpPr>
+          <p:cNvPr id="10" name="Straight Connector 9">
+            <a:extLst>
+              <a:ext uri="{FF2B5EF4-FFF2-40B4-BE49-F238E27FC236}">
+                <a16:creationId xmlns:a16="http://schemas.microsoft.com/office/drawing/2014/main" id="{DD0AB3D7-3812-8975-D4A1-5FB4037D8E92}"/>
+              </a:ext>
+            </a:extLst>
+          </p:cNvPr>
+          <p:cNvCxnSpPr>
+            <a:cxnSpLocks/>
+          </p:cNvCxnSpPr>
+          <p:nvPr/>
+        </p:nvCxnSpPr>
+        <p:spPr>
+          <a:xfrm>
+            <a:off x="8374976" y="1976787"/>
+            <a:ext cx="1585262" cy="0"/>
+          </a:xfrm>
+          <a:prstGeom prst="line">
+            <a:avLst/>
+          </a:prstGeom>
+          <a:ln w="38100">
+            <a:prstDash val="dash"/>
+          </a:ln>
+        </p:spPr>
+        <p:style>
+          <a:lnRef idx="2">
+            <a:schemeClr val="accent1"/>
+          </a:lnRef>
+          <a:fillRef idx="0">
+            <a:schemeClr val="accent1"/>
+          </a:fillRef>
+          <a:effectRef idx="1">
+            <a:schemeClr val="accent1"/>
+          </a:effectRef>
+          <a:fontRef idx="minor">
+            <a:schemeClr val="tx1"/>
+          </a:fontRef>
+        </p:style>
+      </p:cxnSp>
+      <mc:AlternateContent xmlns:mc="http://schemas.openxmlformats.org/markup-compatibility/2006">
+        <mc:Choice xmlns:a14="http://schemas.microsoft.com/office/drawing/2010/main" Requires="a14">
+          <p:sp>
+            <p:nvSpPr>
+              <p:cNvPr id="13" name="TextBox 12">
+                <a:extLst>
+                  <a:ext uri="{FF2B5EF4-FFF2-40B4-BE49-F238E27FC236}">
+                    <a16:creationId xmlns:a16="http://schemas.microsoft.com/office/drawing/2014/main" id="{92B03564-13CB-68A9-D10C-E1DD8B6CE3B0}"/>
+                  </a:ext>
+                </a:extLst>
+              </p:cNvPr>
+              <p:cNvSpPr txBox="1"/>
+              <p:nvPr/>
+            </p:nvSpPr>
+            <p:spPr>
+              <a:xfrm>
+                <a:off x="8877139" y="6325034"/>
+                <a:ext cx="457859" cy="532966"/>
+              </a:xfrm>
+              <a:prstGeom prst="rect">
+                <a:avLst/>
+              </a:prstGeom>
+              <a:noFill/>
+              <a:ln>
+                <a:noFill/>
+              </a:ln>
+            </p:spPr>
+            <p:txBody>
+              <a:bodyPr wrap="square" rtlCol="0">
+                <a:spAutoFit/>
+              </a:bodyPr>
+              <a:lstStyle/>
+              <a:p>
+                <a:pPr/>
+                <a14:m>
+                  <m:oMathPara xmlns:m="http://schemas.openxmlformats.org/officeDocument/2006/math">
+                    <m:oMathParaPr>
+                      <m:jc m:val="centerGroup"/>
+                    </m:oMathParaPr>
+                    <m:oMath xmlns:m="http://schemas.openxmlformats.org/officeDocument/2006/math">
+                      <m:sSup>
+                        <m:sSupPr>
+                          <m:ctrlPr>
+                            <a:rPr lang="en-US" sz="2800" b="1" i="1" smtClean="0">
+                              <a:solidFill>
+                                <a:srgbClr val="C00000"/>
+                              </a:solidFill>
+                              <a:latin typeface="Cambria Math" panose="02040503050406030204" pitchFamily="18" charset="0"/>
+                            </a:rPr>
+                          </m:ctrlPr>
+                        </m:sSupPr>
+                        <m:e>
+                          <m:r>
+                            <a:rPr lang="en-US" sz="2800" b="1" i="1" smtClean="0">
+                              <a:solidFill>
+                                <a:srgbClr val="C00000"/>
+                              </a:solidFill>
+                              <a:latin typeface="Cambria Math" panose="02040503050406030204" pitchFamily="18" charset="0"/>
+                            </a:rPr>
+                            <m:t>𝑳</m:t>
+                          </m:r>
+                        </m:e>
+                        <m:sup>
+                          <m:r>
+                            <a:rPr lang="en-US" sz="2800" b="1" i="1" smtClean="0">
+                              <a:solidFill>
+                                <a:srgbClr val="C00000"/>
+                              </a:solidFill>
+                              <a:latin typeface="Cambria Math" panose="02040503050406030204" pitchFamily="18" charset="0"/>
+                            </a:rPr>
+                            <m:t>𝑪</m:t>
+                          </m:r>
+                        </m:sup>
+                      </m:sSup>
+                    </m:oMath>
+                  </m:oMathPara>
+                </a14:m>
+                <a:endParaRPr lang="en-US" sz="2800" b="1" dirty="0">
+                  <a:solidFill>
+                    <a:srgbClr val="C00000"/>
+                  </a:solidFill>
+                </a:endParaRPr>
+              </a:p>
+            </p:txBody>
+          </p:sp>
+        </mc:Choice>
+        <mc:Fallback>
+          <p:sp>
+            <p:nvSpPr>
+              <p:cNvPr id="13" name="TextBox 12">
+                <a:extLst>
+                  <a:ext uri="{FF2B5EF4-FFF2-40B4-BE49-F238E27FC236}">
+                    <a16:creationId xmlns:a16="http://schemas.microsoft.com/office/drawing/2014/main" id="{92B03564-13CB-68A9-D10C-E1DD8B6CE3B0}"/>
+                  </a:ext>
+                </a:extLst>
+              </p:cNvPr>
+              <p:cNvSpPr txBox="1">
+                <a:spLocks noRot="1" noChangeAspect="1" noMove="1" noResize="1" noEditPoints="1" noAdjustHandles="1" noChangeArrowheads="1" noChangeShapeType="1" noTextEdit="1"/>
+              </p:cNvSpPr>
+              <p:nvPr/>
+            </p:nvSpPr>
+            <p:spPr>
+              <a:xfrm>
+                <a:off x="8877139" y="6325034"/>
+                <a:ext cx="457859" cy="532966"/>
+              </a:xfrm>
+              <a:prstGeom prst="rect">
+                <a:avLst/>
+              </a:prstGeom>
+              <a:blipFill>
+                <a:blip r:embed="rId4"/>
+                <a:stretch>
+                  <a:fillRect l="-5405" r="-21622"/>
+                </a:stretch>
+              </a:blipFill>
+              <a:ln>
+                <a:noFill/>
+              </a:ln>
+            </p:spPr>
+            <p:txBody>
+              <a:bodyPr/>
+              <a:lstStyle/>
+              <a:p>
+                <a:r>
+                  <a:rPr lang="en-US">
+                    <a:noFill/>
+                  </a:rPr>
+                  <a:t> </a:t>
+                </a:r>
+              </a:p>
+            </p:txBody>
+          </p:sp>
+        </mc:Fallback>
+      </mc:AlternateContent>
+      <p:sp>
+        <p:nvSpPr>
+          <p:cNvPr id="17" name="Right Brace 16">
+            <a:extLst>
+              <a:ext uri="{FF2B5EF4-FFF2-40B4-BE49-F238E27FC236}">
+                <a16:creationId xmlns:a16="http://schemas.microsoft.com/office/drawing/2014/main" id="{A9605EEB-8962-9EB3-2CCE-DEBF8AC612B4}"/>
+              </a:ext>
+            </a:extLst>
+          </p:cNvPr>
+          <p:cNvSpPr/>
+          <p:nvPr/>
+        </p:nvSpPr>
+        <p:spPr>
+          <a:xfrm rot="5400000">
+            <a:off x="8927650" y="5219063"/>
+            <a:ext cx="356839" cy="1708337"/>
+          </a:xfrm>
+          <a:prstGeom prst="rightBrace">
+            <a:avLst/>
+          </a:prstGeom>
+          <a:ln w="38100">
+            <a:solidFill>
+              <a:srgbClr val="C00000"/>
+            </a:solidFill>
+          </a:ln>
+        </p:spPr>
+        <p:style>
+          <a:lnRef idx="2">
+            <a:schemeClr val="accent1"/>
+          </a:lnRef>
+          <a:fillRef idx="0">
+            <a:schemeClr val="accent1"/>
+          </a:fillRef>
+          <a:effectRef idx="1">
+            <a:schemeClr val="accent1"/>
+          </a:effectRef>
+          <a:fontRef idx="minor">
+            <a:schemeClr val="tx1"/>
+          </a:fontRef>
+        </p:style>
+        <p:txBody>
+          <a:bodyPr rtlCol="0" anchor="ctr"/>
+          <a:lstStyle/>
+          <a:p>
+            <a:pPr algn="ctr"/>
+            <a:endParaRPr lang="en-US">
+              <a:solidFill>
+                <a:schemeClr val="accent2">
+                  <a:lumMod val="75000"/>
+                </a:schemeClr>
+              </a:solidFill>
+            </a:endParaRPr>
+          </a:p>
+        </p:txBody>
+      </p:sp>
+      <mc:AlternateContent xmlns:mc="http://schemas.openxmlformats.org/markup-compatibility/2006">
+        <mc:Choice xmlns:a14="http://schemas.microsoft.com/office/drawing/2010/main" Requires="a14">
+          <p:sp>
+            <p:nvSpPr>
+              <p:cNvPr id="19" name="TextBox 18">
+                <a:extLst>
+                  <a:ext uri="{FF2B5EF4-FFF2-40B4-BE49-F238E27FC236}">
+                    <a16:creationId xmlns:a16="http://schemas.microsoft.com/office/drawing/2014/main" id="{13F9FB13-BCDD-6E80-2F94-52A6D664B25C}"/>
+                  </a:ext>
+                </a:extLst>
+              </p:cNvPr>
+              <p:cNvSpPr txBox="1"/>
+              <p:nvPr/>
+            </p:nvSpPr>
+            <p:spPr>
+              <a:xfrm>
+                <a:off x="9742608" y="1748341"/>
+                <a:ext cx="1129218" cy="523220"/>
+              </a:xfrm>
+              <a:prstGeom prst="rect">
+                <a:avLst/>
+              </a:prstGeom>
+              <a:noFill/>
+            </p:spPr>
+            <p:txBody>
+              <a:bodyPr wrap="square" rtlCol="0">
+                <a:spAutoFit/>
+              </a:bodyPr>
+              <a:lstStyle/>
+              <a:p>
+                <a:pPr/>
+                <a14:m>
+                  <m:oMathPara xmlns:m="http://schemas.openxmlformats.org/officeDocument/2006/math">
+                    <m:oMathParaPr>
+                      <m:jc m:val="centerGroup"/>
+                    </m:oMathParaPr>
+                    <m:oMath xmlns:m="http://schemas.openxmlformats.org/officeDocument/2006/math">
+                      <m:sSub>
+                        <m:sSubPr>
+                          <m:ctrlPr>
+                            <a:rPr lang="en-US" sz="2800" b="1" i="1" smtClean="0">
+                              <a:solidFill>
+                                <a:srgbClr val="C00000"/>
+                              </a:solidFill>
+                              <a:latin typeface="Cambria Math" panose="02040503050406030204" pitchFamily="18" charset="0"/>
+                            </a:rPr>
+                          </m:ctrlPr>
+                        </m:sSubPr>
+                        <m:e>
+                          <m:acc>
+                            <m:accPr>
+                              <m:chr m:val="̅"/>
+                              <m:ctrlPr>
+                                <a:rPr lang="en-US" sz="2800" b="1" i="1" smtClean="0">
+                                  <a:solidFill>
+                                    <a:srgbClr val="C00000"/>
+                                  </a:solidFill>
+                                  <a:latin typeface="Cambria Math" panose="02040503050406030204" pitchFamily="18" charset="0"/>
+                                </a:rPr>
+                              </m:ctrlPr>
+                            </m:accPr>
+                            <m:e>
+                              <m:r>
+                                <a:rPr lang="en-US" sz="2800" b="1" i="1" smtClean="0">
+                                  <a:solidFill>
+                                    <a:srgbClr val="C00000"/>
+                                  </a:solidFill>
+                                  <a:latin typeface="Cambria Math" panose="02040503050406030204" pitchFamily="18" charset="0"/>
+                                </a:rPr>
+                                <m:t>𝒘</m:t>
+                              </m:r>
+                            </m:e>
+                          </m:acc>
+                        </m:e>
+                        <m:sub>
+                          <m:r>
+                            <a:rPr lang="en-US" sz="2800" b="1" i="1" smtClean="0">
+                              <a:solidFill>
+                                <a:srgbClr val="C00000"/>
+                              </a:solidFill>
+                              <a:latin typeface="Cambria Math" panose="02040503050406030204" pitchFamily="18" charset="0"/>
+                            </a:rPr>
+                            <m:t>𝑪</m:t>
+                          </m:r>
+                        </m:sub>
+                      </m:sSub>
+                    </m:oMath>
+                  </m:oMathPara>
+                </a14:m>
+                <a:endParaRPr lang="en-US" sz="2800" b="1" dirty="0">
+                  <a:solidFill>
+                    <a:srgbClr val="C00000"/>
+                  </a:solidFill>
+                </a:endParaRPr>
+              </a:p>
+            </p:txBody>
+          </p:sp>
+        </mc:Choice>
+        <mc:Fallback>
+          <p:sp>
+            <p:nvSpPr>
+              <p:cNvPr id="19" name="TextBox 18">
+                <a:extLst>
+                  <a:ext uri="{FF2B5EF4-FFF2-40B4-BE49-F238E27FC236}">
+                    <a16:creationId xmlns:a16="http://schemas.microsoft.com/office/drawing/2014/main" id="{13F9FB13-BCDD-6E80-2F94-52A6D664B25C}"/>
+                  </a:ext>
+                </a:extLst>
+              </p:cNvPr>
+              <p:cNvSpPr txBox="1">
+                <a:spLocks noRot="1" noChangeAspect="1" noMove="1" noResize="1" noEditPoints="1" noAdjustHandles="1" noChangeArrowheads="1" noChangeShapeType="1" noTextEdit="1"/>
+              </p:cNvSpPr>
+              <p:nvPr/>
+            </p:nvSpPr>
+            <p:spPr>
+              <a:xfrm>
+                <a:off x="9742608" y="1748341"/>
+                <a:ext cx="1129218" cy="523220"/>
+              </a:xfrm>
+              <a:prstGeom prst="rect">
+                <a:avLst/>
+              </a:prstGeom>
+              <a:blipFill>
+                <a:blip r:embed="rId5"/>
+                <a:stretch>
+                  <a:fillRect/>
+                </a:stretch>
+              </a:blipFill>
+            </p:spPr>
+            <p:txBody>
+              <a:bodyPr/>
+              <a:lstStyle/>
+              <a:p>
+                <a:r>
+                  <a:rPr lang="en-US">
+                    <a:noFill/>
+                  </a:rPr>
+                  <a:t> </a:t>
+                </a:r>
+              </a:p>
+            </p:txBody>
+          </p:sp>
+        </mc:Fallback>
+      </mc:AlternateContent>
+      <p:sp>
+        <p:nvSpPr>
+          <p:cNvPr id="20" name="TextBox 19">
+            <a:extLst>
+              <a:ext uri="{FF2B5EF4-FFF2-40B4-BE49-F238E27FC236}">
+                <a16:creationId xmlns:a16="http://schemas.microsoft.com/office/drawing/2014/main" id="{BB125463-65E7-3E58-0954-59F1BD526FE6}"/>
+              </a:ext>
+            </a:extLst>
+          </p:cNvPr>
+          <p:cNvSpPr txBox="1"/>
+          <p:nvPr/>
+        </p:nvSpPr>
+        <p:spPr>
+          <a:xfrm>
+            <a:off x="10656762" y="1317453"/>
+            <a:ext cx="1341704" cy="1384995"/>
+          </a:xfrm>
+          <a:prstGeom prst="rect">
+            <a:avLst/>
+          </a:prstGeom>
+          <a:noFill/>
+        </p:spPr>
+        <p:txBody>
+          <a:bodyPr wrap="square" rtlCol="0">
+            <a:spAutoFit/>
+          </a:bodyPr>
+          <a:lstStyle/>
+          <a:p>
+            <a:r>
+              <a:rPr lang="en-US" sz="2800" b="1" dirty="0">
+                <a:solidFill>
+                  <a:srgbClr val="C00000"/>
+                </a:solidFill>
+              </a:rPr>
+              <a:t>(Fixed City Wage)</a:t>
+            </a:r>
+          </a:p>
+        </p:txBody>
+      </p:sp>
+    </p:spTree>
+    <p:extLst>
+      <p:ext uri="{BB962C8B-B14F-4D97-AF65-F5344CB8AC3E}">
+        <p14:creationId xmlns:p14="http://schemas.microsoft.com/office/powerpoint/2010/main" val="2507147066"/>
+      </p:ext>
+    </p:extLst>
+  </p:cSld>
+  <p:clrMapOvr>
+    <a:masterClrMapping/>
+  </p:clrMapOvr>
+</p:sld>
+</file>
+
+<file path=ppt/slides/slide23.xml><?xml version="1.0" encoding="utf-8"?>
+<p:sld xmlns:a="http://schemas.openxmlformats.org/drawingml/2006/main" xmlns:r="http://schemas.openxmlformats.org/officeDocument/2006/relationships" xmlns:p="http://schemas.openxmlformats.org/presentationml/2006/main">
+  <p:cSld>
+    <p:spTree>
+      <p:nvGrpSpPr>
+        <p:cNvPr id="1" name="">
+          <a:extLst>
+            <a:ext uri="{FF2B5EF4-FFF2-40B4-BE49-F238E27FC236}">
+              <a16:creationId xmlns:a16="http://schemas.microsoft.com/office/drawing/2014/main" id="{C4D7DF1E-B84E-A511-DA9A-579086A03DD7}"/>
+            </a:ext>
+          </a:extLst>
+        </p:cNvPr>
+        <p:cNvGrpSpPr/>
+        <p:nvPr/>
+      </p:nvGrpSpPr>
+      <p:grpSpPr>
+        <a:xfrm>
+          <a:off x="0" y="0"/>
+          <a:ext cx="0" cy="0"/>
+          <a:chOff x="0" y="0"/>
+          <a:chExt cx="0" cy="0"/>
+        </a:xfrm>
+      </p:grpSpPr>
+      <p:cxnSp>
+        <p:nvCxnSpPr>
+          <p:cNvPr id="18" name="Straight Connector 17">
+            <a:extLst>
+              <a:ext uri="{FF2B5EF4-FFF2-40B4-BE49-F238E27FC236}">
+                <a16:creationId xmlns:a16="http://schemas.microsoft.com/office/drawing/2014/main" id="{6994DE21-DCA5-473A-C37F-BDDB3A2F200B}"/>
+              </a:ext>
+            </a:extLst>
+          </p:cNvPr>
+          <p:cNvCxnSpPr>
+            <a:cxnSpLocks/>
+          </p:cNvCxnSpPr>
+          <p:nvPr/>
+        </p:nvCxnSpPr>
+        <p:spPr>
+          <a:xfrm flipH="1">
+            <a:off x="915292" y="1012361"/>
+            <a:ext cx="9044957" cy="4829586"/>
+          </a:xfrm>
+          <a:prstGeom prst="line">
+            <a:avLst/>
+          </a:prstGeom>
+          <a:ln w="57150">
+            <a:solidFill>
+              <a:schemeClr val="accent2">
+                <a:lumMod val="75000"/>
+              </a:schemeClr>
+            </a:solidFill>
+          </a:ln>
+        </p:spPr>
+        <p:style>
+          <a:lnRef idx="2">
+            <a:schemeClr val="accent1"/>
+          </a:lnRef>
+          <a:fillRef idx="0">
+            <a:schemeClr val="accent1"/>
+          </a:fillRef>
+          <a:effectRef idx="1">
+            <a:schemeClr val="accent1"/>
+          </a:effectRef>
+          <a:fontRef idx="minor">
+            <a:schemeClr val="tx1"/>
+          </a:fontRef>
+        </p:style>
+      </p:cxnSp>
+      <p:cxnSp>
+        <p:nvCxnSpPr>
+          <p:cNvPr id="15" name="Straight Connector 14">
+            <a:extLst>
+              <a:ext uri="{FF2B5EF4-FFF2-40B4-BE49-F238E27FC236}">
+                <a16:creationId xmlns:a16="http://schemas.microsoft.com/office/drawing/2014/main" id="{542BB45B-FF30-CCB7-7EB7-D72B273EDE94}"/>
+              </a:ext>
+            </a:extLst>
+          </p:cNvPr>
+          <p:cNvCxnSpPr>
+            <a:cxnSpLocks/>
+          </p:cNvCxnSpPr>
+          <p:nvPr/>
+        </p:nvCxnSpPr>
+        <p:spPr>
+          <a:xfrm>
+            <a:off x="915292" y="1748342"/>
+            <a:ext cx="9044957" cy="4093605"/>
+          </a:xfrm>
+          <a:prstGeom prst="line">
+            <a:avLst/>
+          </a:prstGeom>
+          <a:ln w="57150">
+            <a:solidFill>
+              <a:schemeClr val="accent6">
+                <a:lumMod val="75000"/>
+              </a:schemeClr>
+            </a:solidFill>
+          </a:ln>
+        </p:spPr>
+        <p:style>
+          <a:lnRef idx="2">
+            <a:schemeClr val="accent1"/>
+          </a:lnRef>
+          <a:fillRef idx="0">
+            <a:schemeClr val="accent1"/>
+          </a:fillRef>
+          <a:effectRef idx="1">
+            <a:schemeClr val="accent1"/>
+          </a:effectRef>
+          <a:fontRef idx="minor">
+            <a:schemeClr val="tx1"/>
+          </a:fontRef>
+        </p:style>
+      </p:cxnSp>
+      <mc:AlternateContent xmlns:mc="http://schemas.openxmlformats.org/markup-compatibility/2006">
+        <mc:Choice xmlns:a14="http://schemas.microsoft.com/office/drawing/2010/main" Requires="a14">
+          <p:sp>
+            <p:nvSpPr>
+              <p:cNvPr id="7" name="TextBox 6">
+                <a:extLst>
+                  <a:ext uri="{FF2B5EF4-FFF2-40B4-BE49-F238E27FC236}">
+                    <a16:creationId xmlns:a16="http://schemas.microsoft.com/office/drawing/2014/main" id="{05F6D5CF-BF37-AD9F-DCE2-19CA20EED561}"/>
+                  </a:ext>
+                </a:extLst>
+              </p:cNvPr>
+              <p:cNvSpPr txBox="1"/>
+              <p:nvPr/>
+            </p:nvSpPr>
+            <p:spPr>
+              <a:xfrm>
+                <a:off x="229531" y="213001"/>
+                <a:ext cx="660635" cy="523220"/>
+              </a:xfrm>
+              <a:prstGeom prst="rect">
+                <a:avLst/>
+              </a:prstGeom>
+              <a:noFill/>
+            </p:spPr>
+            <p:txBody>
+              <a:bodyPr wrap="square" rtlCol="0">
+                <a:spAutoFit/>
+              </a:bodyPr>
+              <a:lstStyle/>
+              <a:p>
+                <a:pPr/>
+                <a14:m>
+                  <m:oMathPara xmlns:m="http://schemas.openxmlformats.org/officeDocument/2006/math">
+                    <m:oMathParaPr>
+                      <m:jc m:val="centerGroup"/>
+                    </m:oMathParaPr>
+                    <m:oMath xmlns:m="http://schemas.openxmlformats.org/officeDocument/2006/math">
+                      <m:sSub>
+                        <m:sSubPr>
+                          <m:ctrlPr>
+                            <a:rPr lang="en-US" sz="2800" b="1" i="1" smtClean="0">
+                              <a:latin typeface="Cambria Math" panose="02040503050406030204" pitchFamily="18" charset="0"/>
+                            </a:rPr>
+                          </m:ctrlPr>
+                        </m:sSubPr>
+                        <m:e>
+                          <m:r>
+                            <a:rPr lang="en-US" sz="2800" b="1" i="1" smtClean="0">
+                              <a:latin typeface="Cambria Math" panose="02040503050406030204" pitchFamily="18" charset="0"/>
+                            </a:rPr>
+                            <m:t>𝒘</m:t>
+                          </m:r>
+                        </m:e>
+                        <m:sub>
+                          <m:r>
+                            <a:rPr lang="en-US" sz="2800" b="1" i="1" smtClean="0">
+                              <a:latin typeface="Cambria Math" panose="02040503050406030204" pitchFamily="18" charset="0"/>
+                            </a:rPr>
+                            <m:t>𝑹</m:t>
+                          </m:r>
+                        </m:sub>
+                      </m:sSub>
+                    </m:oMath>
+                  </m:oMathPara>
+                </a14:m>
+                <a:endParaRPr lang="en-US" sz="2800" b="1" dirty="0"/>
+              </a:p>
+            </p:txBody>
+          </p:sp>
+        </mc:Choice>
+        <mc:Fallback>
+          <p:sp>
+            <p:nvSpPr>
+              <p:cNvPr id="7" name="TextBox 6">
+                <a:extLst>
+                  <a:ext uri="{FF2B5EF4-FFF2-40B4-BE49-F238E27FC236}">
+                    <a16:creationId xmlns:a16="http://schemas.microsoft.com/office/drawing/2014/main" id="{05F6D5CF-BF37-AD9F-DCE2-19CA20EED561}"/>
+                  </a:ext>
+                </a:extLst>
+              </p:cNvPr>
+              <p:cNvSpPr txBox="1">
+                <a:spLocks noRot="1" noChangeAspect="1" noMove="1" noResize="1" noEditPoints="1" noAdjustHandles="1" noChangeArrowheads="1" noChangeShapeType="1" noTextEdit="1"/>
+              </p:cNvSpPr>
+              <p:nvPr/>
+            </p:nvSpPr>
+            <p:spPr>
+              <a:xfrm>
+                <a:off x="229531" y="213001"/>
+                <a:ext cx="660635" cy="523220"/>
+              </a:xfrm>
+              <a:prstGeom prst="rect">
+                <a:avLst/>
+              </a:prstGeom>
+              <a:blipFill>
+                <a:blip r:embed="rId2"/>
+                <a:stretch>
+                  <a:fillRect b="-2326"/>
+                </a:stretch>
+              </a:blipFill>
+            </p:spPr>
+            <p:txBody>
+              <a:bodyPr/>
+              <a:lstStyle/>
+              <a:p>
+                <a:r>
+                  <a:rPr lang="en-US">
+                    <a:noFill/>
+                  </a:rPr>
+                  <a:t> </a:t>
+                </a:r>
+              </a:p>
+            </p:txBody>
+          </p:sp>
+        </mc:Fallback>
+      </mc:AlternateContent>
+      <mc:AlternateContent xmlns:mc="http://schemas.openxmlformats.org/markup-compatibility/2006">
+        <mc:Choice xmlns:a14="http://schemas.microsoft.com/office/drawing/2010/main" Requires="a14">
+          <p:sp>
+            <p:nvSpPr>
+              <p:cNvPr id="8" name="TextBox 7">
+                <a:extLst>
+                  <a:ext uri="{FF2B5EF4-FFF2-40B4-BE49-F238E27FC236}">
+                    <a16:creationId xmlns:a16="http://schemas.microsoft.com/office/drawing/2014/main" id="{EDEFD1AD-D787-94B6-24C9-7B854F89D57A}"/>
+                  </a:ext>
+                </a:extLst>
+              </p:cNvPr>
+              <p:cNvSpPr txBox="1"/>
+              <p:nvPr/>
+            </p:nvSpPr>
+            <p:spPr>
+              <a:xfrm>
+                <a:off x="8877139" y="6325034"/>
+                <a:ext cx="457859" cy="532966"/>
+              </a:xfrm>
+              <a:prstGeom prst="rect">
+                <a:avLst/>
+              </a:prstGeom>
+              <a:noFill/>
+              <a:ln>
+                <a:noFill/>
+              </a:ln>
+            </p:spPr>
+            <p:txBody>
+              <a:bodyPr wrap="square" rtlCol="0">
+                <a:spAutoFit/>
+              </a:bodyPr>
+              <a:lstStyle/>
+              <a:p>
+                <a:pPr/>
+                <a14:m>
+                  <m:oMathPara xmlns:m="http://schemas.openxmlformats.org/officeDocument/2006/math">
+                    <m:oMathParaPr>
+                      <m:jc m:val="centerGroup"/>
+                    </m:oMathParaPr>
+                    <m:oMath xmlns:m="http://schemas.openxmlformats.org/officeDocument/2006/math">
+                      <m:sSup>
+                        <m:sSupPr>
+                          <m:ctrlPr>
+                            <a:rPr lang="en-US" sz="2800" b="1" i="1" smtClean="0">
+                              <a:solidFill>
+                                <a:srgbClr val="C00000"/>
+                              </a:solidFill>
+                              <a:latin typeface="Cambria Math" panose="02040503050406030204" pitchFamily="18" charset="0"/>
+                            </a:rPr>
+                          </m:ctrlPr>
+                        </m:sSupPr>
+                        <m:e>
+                          <m:r>
+                            <a:rPr lang="en-US" sz="2800" b="1" i="1" smtClean="0">
+                              <a:solidFill>
+                                <a:srgbClr val="C00000"/>
+                              </a:solidFill>
+                              <a:latin typeface="Cambria Math" panose="02040503050406030204" pitchFamily="18" charset="0"/>
+                            </a:rPr>
+                            <m:t>𝑳</m:t>
+                          </m:r>
+                        </m:e>
+                        <m:sup>
+                          <m:r>
+                            <a:rPr lang="en-US" sz="2800" b="1" i="1" smtClean="0">
+                              <a:solidFill>
+                                <a:srgbClr val="C00000"/>
+                              </a:solidFill>
+                              <a:latin typeface="Cambria Math" panose="02040503050406030204" pitchFamily="18" charset="0"/>
+                            </a:rPr>
+                            <m:t>𝑪</m:t>
+                          </m:r>
+                        </m:sup>
+                      </m:sSup>
+                    </m:oMath>
+                  </m:oMathPara>
+                </a14:m>
+                <a:endParaRPr lang="en-US" sz="2800" b="1" dirty="0">
+                  <a:solidFill>
+                    <a:srgbClr val="C00000"/>
+                  </a:solidFill>
+                </a:endParaRPr>
+              </a:p>
+            </p:txBody>
+          </p:sp>
+        </mc:Choice>
+        <mc:Fallback>
+          <p:sp>
+            <p:nvSpPr>
+              <p:cNvPr id="8" name="TextBox 7">
+                <a:extLst>
+                  <a:ext uri="{FF2B5EF4-FFF2-40B4-BE49-F238E27FC236}">
+                    <a16:creationId xmlns:a16="http://schemas.microsoft.com/office/drawing/2014/main" id="{EDEFD1AD-D787-94B6-24C9-7B854F89D57A}"/>
+                  </a:ext>
+                </a:extLst>
+              </p:cNvPr>
+              <p:cNvSpPr txBox="1">
+                <a:spLocks noRot="1" noChangeAspect="1" noMove="1" noResize="1" noEditPoints="1" noAdjustHandles="1" noChangeArrowheads="1" noChangeShapeType="1" noTextEdit="1"/>
+              </p:cNvSpPr>
+              <p:nvPr/>
+            </p:nvSpPr>
+            <p:spPr>
+              <a:xfrm>
+                <a:off x="8877139" y="6325034"/>
+                <a:ext cx="457859" cy="532966"/>
+              </a:xfrm>
+              <a:prstGeom prst="rect">
+                <a:avLst/>
+              </a:prstGeom>
+              <a:blipFill>
+                <a:blip r:embed="rId3"/>
+                <a:stretch>
+                  <a:fillRect l="-5405" r="-21622"/>
+                </a:stretch>
+              </a:blipFill>
+              <a:ln>
+                <a:noFill/>
+              </a:ln>
+            </p:spPr>
+            <p:txBody>
+              <a:bodyPr/>
+              <a:lstStyle/>
+              <a:p>
+                <a:r>
+                  <a:rPr lang="en-US">
+                    <a:noFill/>
+                  </a:rPr>
+                  <a:t> </a:t>
+                </a:r>
+              </a:p>
+            </p:txBody>
+          </p:sp>
+        </mc:Fallback>
+      </mc:AlternateContent>
+      <p:grpSp>
+        <p:nvGrpSpPr>
+          <p:cNvPr id="16" name="Group 15">
+            <a:extLst>
+              <a:ext uri="{FF2B5EF4-FFF2-40B4-BE49-F238E27FC236}">
+                <a16:creationId xmlns:a16="http://schemas.microsoft.com/office/drawing/2014/main" id="{569C460E-6528-E917-A975-36E5EFA8B862}"/>
+              </a:ext>
+            </a:extLst>
+          </p:cNvPr>
+          <p:cNvGrpSpPr/>
+          <p:nvPr/>
+        </p:nvGrpSpPr>
+        <p:grpSpPr>
+          <a:xfrm>
+            <a:off x="896240" y="675897"/>
+            <a:ext cx="9089136" cy="5193566"/>
+            <a:chOff x="1297684" y="800960"/>
+            <a:chExt cx="9089136" cy="5193566"/>
+          </a:xfrm>
+        </p:grpSpPr>
+        <p:cxnSp>
+          <p:nvCxnSpPr>
+            <p:cNvPr id="5" name="Straight Connector 4">
+              <a:extLst>
+                <a:ext uri="{FF2B5EF4-FFF2-40B4-BE49-F238E27FC236}">
+                  <a16:creationId xmlns:a16="http://schemas.microsoft.com/office/drawing/2014/main" id="{0E807566-9EAE-BD65-BE29-311A3DC71112}"/>
+                </a:ext>
+              </a:extLst>
+            </p:cNvPr>
+            <p:cNvCxnSpPr/>
+            <p:nvPr/>
+          </p:nvCxnSpPr>
+          <p:spPr>
+            <a:xfrm>
+              <a:off x="1316736" y="804672"/>
+              <a:ext cx="0" cy="5189854"/>
+            </a:xfrm>
+            <a:prstGeom prst="line">
+              <a:avLst/>
+            </a:prstGeom>
+            <a:ln w="57150">
+              <a:solidFill>
+                <a:schemeClr val="tx1"/>
+              </a:solidFill>
+            </a:ln>
+          </p:spPr>
+          <p:style>
+            <a:lnRef idx="2">
+              <a:schemeClr val="accent1"/>
+            </a:lnRef>
+            <a:fillRef idx="0">
+              <a:schemeClr val="accent1"/>
+            </a:fillRef>
+            <a:effectRef idx="1">
+              <a:schemeClr val="accent1"/>
+            </a:effectRef>
+            <a:fontRef idx="minor">
+              <a:schemeClr val="tx1"/>
+            </a:fontRef>
+          </p:style>
+        </p:cxnSp>
+        <p:cxnSp>
+          <p:nvCxnSpPr>
+            <p:cNvPr id="6" name="Straight Connector 5">
+              <a:extLst>
+                <a:ext uri="{FF2B5EF4-FFF2-40B4-BE49-F238E27FC236}">
+                  <a16:creationId xmlns:a16="http://schemas.microsoft.com/office/drawing/2014/main" id="{6F8FE692-B270-42B5-B22D-DD679689D10C}"/>
+                </a:ext>
+              </a:extLst>
+            </p:cNvPr>
+            <p:cNvCxnSpPr>
+              <a:cxnSpLocks/>
+            </p:cNvCxnSpPr>
+            <p:nvPr/>
+          </p:nvCxnSpPr>
+          <p:spPr>
+            <a:xfrm flipH="1">
+              <a:off x="1297684" y="5967010"/>
+              <a:ext cx="9089136" cy="0"/>
+            </a:xfrm>
+            <a:prstGeom prst="line">
+              <a:avLst/>
+            </a:prstGeom>
+            <a:ln w="57150">
+              <a:solidFill>
+                <a:schemeClr val="tx1"/>
+              </a:solidFill>
+            </a:ln>
+          </p:spPr>
+          <p:style>
+            <a:lnRef idx="2">
+              <a:schemeClr val="accent1"/>
+            </a:lnRef>
+            <a:fillRef idx="0">
+              <a:schemeClr val="accent1"/>
+            </a:fillRef>
+            <a:effectRef idx="1">
+              <a:schemeClr val="accent1"/>
+            </a:effectRef>
+            <a:fontRef idx="minor">
+              <a:schemeClr val="tx1"/>
+            </a:fontRef>
+          </p:style>
+        </p:cxnSp>
+        <p:cxnSp>
+          <p:nvCxnSpPr>
+            <p:cNvPr id="14" name="Straight Connector 13">
+              <a:extLst>
+                <a:ext uri="{FF2B5EF4-FFF2-40B4-BE49-F238E27FC236}">
+                  <a16:creationId xmlns:a16="http://schemas.microsoft.com/office/drawing/2014/main" id="{E7BB6494-9AF6-EA53-9377-E920DBB87299}"/>
+                </a:ext>
+              </a:extLst>
+            </p:cNvPr>
+            <p:cNvCxnSpPr/>
+            <p:nvPr/>
+          </p:nvCxnSpPr>
+          <p:spPr>
+            <a:xfrm>
+              <a:off x="10361693" y="800960"/>
+              <a:ext cx="0" cy="5189854"/>
+            </a:xfrm>
+            <a:prstGeom prst="line">
+              <a:avLst/>
+            </a:prstGeom>
+            <a:ln w="57150">
+              <a:solidFill>
+                <a:schemeClr val="tx1"/>
+              </a:solidFill>
+            </a:ln>
+          </p:spPr>
+          <p:style>
+            <a:lnRef idx="2">
+              <a:schemeClr val="accent1"/>
+            </a:lnRef>
+            <a:fillRef idx="0">
+              <a:schemeClr val="accent1"/>
+            </a:fillRef>
+            <a:effectRef idx="1">
+              <a:schemeClr val="accent1"/>
+            </a:effectRef>
+            <a:fontRef idx="minor">
+              <a:schemeClr val="tx1"/>
+            </a:fontRef>
+          </p:style>
+        </p:cxnSp>
+      </p:grpSp>
+      <p:sp>
+        <p:nvSpPr>
+          <p:cNvPr id="21" name="Right Brace 20">
+            <a:extLst>
+              <a:ext uri="{FF2B5EF4-FFF2-40B4-BE49-F238E27FC236}">
+                <a16:creationId xmlns:a16="http://schemas.microsoft.com/office/drawing/2014/main" id="{9C57B996-AC63-D4E2-A29E-3B8D8D3DD8DA}"/>
+              </a:ext>
+            </a:extLst>
+          </p:cNvPr>
+          <p:cNvSpPr/>
+          <p:nvPr/>
+        </p:nvSpPr>
+        <p:spPr>
+          <a:xfrm rot="5400000">
+            <a:off x="8927650" y="5219063"/>
+            <a:ext cx="356839" cy="1708337"/>
+          </a:xfrm>
+          <a:prstGeom prst="rightBrace">
+            <a:avLst/>
+          </a:prstGeom>
+          <a:ln w="38100">
+            <a:solidFill>
+              <a:srgbClr val="C00000"/>
+            </a:solidFill>
+          </a:ln>
+        </p:spPr>
+        <p:style>
+          <a:lnRef idx="2">
+            <a:schemeClr val="accent1"/>
+          </a:lnRef>
+          <a:fillRef idx="0">
+            <a:schemeClr val="accent1"/>
+          </a:fillRef>
+          <a:effectRef idx="1">
+            <a:schemeClr val="accent1"/>
+          </a:effectRef>
+          <a:fontRef idx="minor">
+            <a:schemeClr val="tx1"/>
+          </a:fontRef>
+        </p:style>
+        <p:txBody>
+          <a:bodyPr rtlCol="0" anchor="ctr"/>
+          <a:lstStyle/>
+          <a:p>
+            <a:pPr algn="ctr"/>
+            <a:endParaRPr lang="en-US">
+              <a:solidFill>
+                <a:schemeClr val="accent2">
+                  <a:lumMod val="75000"/>
+                </a:schemeClr>
+              </a:solidFill>
+            </a:endParaRPr>
+          </a:p>
+        </p:txBody>
+      </p:sp>
+      <mc:AlternateContent xmlns:mc="http://schemas.openxmlformats.org/markup-compatibility/2006">
+        <mc:Choice xmlns:a14="http://schemas.microsoft.com/office/drawing/2010/main" Requires="a14">
+          <p:sp>
+            <p:nvSpPr>
+              <p:cNvPr id="22" name="TextBox 21">
+                <a:extLst>
+                  <a:ext uri="{FF2B5EF4-FFF2-40B4-BE49-F238E27FC236}">
+                    <a16:creationId xmlns:a16="http://schemas.microsoft.com/office/drawing/2014/main" id="{C81D31E2-130E-E360-6076-04AE62D7E962}"/>
+                  </a:ext>
+                </a:extLst>
+              </p:cNvPr>
+              <p:cNvSpPr txBox="1"/>
+              <p:nvPr/>
+            </p:nvSpPr>
+            <p:spPr>
+              <a:xfrm>
+                <a:off x="9742608" y="213001"/>
+                <a:ext cx="1129218" cy="523220"/>
+              </a:xfrm>
+              <a:prstGeom prst="rect">
+                <a:avLst/>
+              </a:prstGeom>
+              <a:noFill/>
+            </p:spPr>
+            <p:txBody>
+              <a:bodyPr wrap="square" rtlCol="0">
+                <a:spAutoFit/>
+              </a:bodyPr>
+              <a:lstStyle/>
+              <a:p>
+                <a:pPr/>
+                <a14:m>
+                  <m:oMathPara xmlns:m="http://schemas.openxmlformats.org/officeDocument/2006/math">
+                    <m:oMathParaPr>
+                      <m:jc m:val="centerGroup"/>
+                    </m:oMathParaPr>
+                    <m:oMath xmlns:m="http://schemas.openxmlformats.org/officeDocument/2006/math">
+                      <m:sSub>
+                        <m:sSubPr>
+                          <m:ctrlPr>
+                            <a:rPr lang="en-US" sz="2800" b="1" i="1" smtClean="0">
+                              <a:latin typeface="Cambria Math" panose="02040503050406030204" pitchFamily="18" charset="0"/>
+                            </a:rPr>
+                          </m:ctrlPr>
+                        </m:sSubPr>
+                        <m:e>
+                          <m:r>
+                            <a:rPr lang="en-US" sz="2800" b="1" i="1" smtClean="0">
+                              <a:latin typeface="Cambria Math" panose="02040503050406030204" pitchFamily="18" charset="0"/>
+                            </a:rPr>
+                            <m:t>𝒘</m:t>
+                          </m:r>
+                        </m:e>
+                        <m:sub>
+                          <m:r>
+                            <a:rPr lang="en-US" sz="2800" b="1" i="1" smtClean="0">
+                              <a:latin typeface="Cambria Math" panose="02040503050406030204" pitchFamily="18" charset="0"/>
+                            </a:rPr>
+                            <m:t>𝑪</m:t>
+                          </m:r>
+                        </m:sub>
+                      </m:sSub>
+                    </m:oMath>
+                  </m:oMathPara>
+                </a14:m>
+                <a:endParaRPr lang="en-US" sz="2800" b="1" dirty="0"/>
+              </a:p>
+            </p:txBody>
+          </p:sp>
+        </mc:Choice>
+        <mc:Fallback>
+          <p:sp>
+            <p:nvSpPr>
+              <p:cNvPr id="22" name="TextBox 21">
+                <a:extLst>
+                  <a:ext uri="{FF2B5EF4-FFF2-40B4-BE49-F238E27FC236}">
+                    <a16:creationId xmlns:a16="http://schemas.microsoft.com/office/drawing/2014/main" id="{C81D31E2-130E-E360-6076-04AE62D7E962}"/>
+                  </a:ext>
+                </a:extLst>
+              </p:cNvPr>
+              <p:cNvSpPr txBox="1">
+                <a:spLocks noRot="1" noChangeAspect="1" noMove="1" noResize="1" noEditPoints="1" noAdjustHandles="1" noChangeArrowheads="1" noChangeShapeType="1" noTextEdit="1"/>
+              </p:cNvSpPr>
+              <p:nvPr/>
+            </p:nvSpPr>
+            <p:spPr>
+              <a:xfrm>
+                <a:off x="9742608" y="213001"/>
+                <a:ext cx="1129218" cy="523220"/>
+              </a:xfrm>
+              <a:prstGeom prst="rect">
+                <a:avLst/>
+              </a:prstGeom>
+              <a:blipFill>
+                <a:blip r:embed="rId4"/>
+                <a:stretch>
+                  <a:fillRect b="-2326"/>
+                </a:stretch>
+              </a:blipFill>
+            </p:spPr>
+            <p:txBody>
+              <a:bodyPr/>
+              <a:lstStyle/>
+              <a:p>
+                <a:r>
+                  <a:rPr lang="en-US">
+                    <a:noFill/>
+                  </a:rPr>
+                  <a:t> </a:t>
+                </a:r>
+              </a:p>
+            </p:txBody>
+          </p:sp>
+        </mc:Fallback>
+      </mc:AlternateContent>
+      <mc:AlternateContent xmlns:mc="http://schemas.openxmlformats.org/markup-compatibility/2006">
+        <mc:Choice xmlns:a14="http://schemas.microsoft.com/office/drawing/2010/main" Requires="a14">
+          <p:sp>
+            <p:nvSpPr>
+              <p:cNvPr id="2" name="TextBox 1">
+                <a:extLst>
+                  <a:ext uri="{FF2B5EF4-FFF2-40B4-BE49-F238E27FC236}">
+                    <a16:creationId xmlns:a16="http://schemas.microsoft.com/office/drawing/2014/main" id="{BAA633E2-D099-5C0D-D2F2-A469888C4A41}"/>
+                  </a:ext>
+                </a:extLst>
+              </p:cNvPr>
+              <p:cNvSpPr txBox="1"/>
+              <p:nvPr/>
+            </p:nvSpPr>
+            <p:spPr>
+              <a:xfrm>
+                <a:off x="9742608" y="1748341"/>
+                <a:ext cx="1129218" cy="523220"/>
+              </a:xfrm>
+              <a:prstGeom prst="rect">
+                <a:avLst/>
+              </a:prstGeom>
+              <a:noFill/>
+            </p:spPr>
+            <p:txBody>
+              <a:bodyPr wrap="square" rtlCol="0">
+                <a:spAutoFit/>
+              </a:bodyPr>
+              <a:lstStyle/>
+              <a:p>
+                <a:pPr/>
+                <a14:m>
+                  <m:oMathPara xmlns:m="http://schemas.openxmlformats.org/officeDocument/2006/math">
+                    <m:oMathParaPr>
+                      <m:jc m:val="centerGroup"/>
+                    </m:oMathParaPr>
+                    <m:oMath xmlns:m="http://schemas.openxmlformats.org/officeDocument/2006/math">
+                      <m:sSub>
+                        <m:sSubPr>
+                          <m:ctrlPr>
+                            <a:rPr lang="en-US" sz="2800" b="1" i="1" smtClean="0">
+                              <a:solidFill>
+                                <a:srgbClr val="C00000"/>
+                              </a:solidFill>
+                              <a:latin typeface="Cambria Math" panose="02040503050406030204" pitchFamily="18" charset="0"/>
+                            </a:rPr>
+                          </m:ctrlPr>
+                        </m:sSubPr>
+                        <m:e>
+                          <m:acc>
+                            <m:accPr>
+                              <m:chr m:val="̅"/>
+                              <m:ctrlPr>
+                                <a:rPr lang="en-US" sz="2800" b="1" i="1" smtClean="0">
+                                  <a:solidFill>
+                                    <a:srgbClr val="C00000"/>
+                                  </a:solidFill>
+                                  <a:latin typeface="Cambria Math" panose="02040503050406030204" pitchFamily="18" charset="0"/>
+                                </a:rPr>
+                              </m:ctrlPr>
+                            </m:accPr>
+                            <m:e>
+                              <m:r>
+                                <a:rPr lang="en-US" sz="2800" b="1" i="1" smtClean="0">
+                                  <a:solidFill>
+                                    <a:srgbClr val="C00000"/>
+                                  </a:solidFill>
+                                  <a:latin typeface="Cambria Math" panose="02040503050406030204" pitchFamily="18" charset="0"/>
+                                </a:rPr>
+                                <m:t>𝒘</m:t>
+                              </m:r>
+                            </m:e>
+                          </m:acc>
+                        </m:e>
+                        <m:sub>
+                          <m:r>
+                            <a:rPr lang="en-US" sz="2800" b="1" i="1" smtClean="0">
+                              <a:solidFill>
+                                <a:srgbClr val="C00000"/>
+                              </a:solidFill>
+                              <a:latin typeface="Cambria Math" panose="02040503050406030204" pitchFamily="18" charset="0"/>
+                            </a:rPr>
+                            <m:t>𝑪</m:t>
+                          </m:r>
+                        </m:sub>
+                      </m:sSub>
+                    </m:oMath>
+                  </m:oMathPara>
+                </a14:m>
+                <a:endParaRPr lang="en-US" sz="2800" b="1" dirty="0">
+                  <a:solidFill>
+                    <a:srgbClr val="C00000"/>
+                  </a:solidFill>
+                </a:endParaRPr>
+              </a:p>
+            </p:txBody>
+          </p:sp>
+        </mc:Choice>
+        <mc:Fallback>
+          <p:sp>
+            <p:nvSpPr>
+              <p:cNvPr id="2" name="TextBox 1">
+                <a:extLst>
+                  <a:ext uri="{FF2B5EF4-FFF2-40B4-BE49-F238E27FC236}">
+                    <a16:creationId xmlns:a16="http://schemas.microsoft.com/office/drawing/2014/main" id="{BAA633E2-D099-5C0D-D2F2-A469888C4A41}"/>
+                  </a:ext>
+                </a:extLst>
+              </p:cNvPr>
+              <p:cNvSpPr txBox="1">
+                <a:spLocks noRot="1" noChangeAspect="1" noMove="1" noResize="1" noEditPoints="1" noAdjustHandles="1" noChangeArrowheads="1" noChangeShapeType="1" noTextEdit="1"/>
+              </p:cNvSpPr>
+              <p:nvPr/>
+            </p:nvSpPr>
+            <p:spPr>
+              <a:xfrm>
+                <a:off x="9742608" y="1748341"/>
+                <a:ext cx="1129218" cy="523220"/>
+              </a:xfrm>
+              <a:prstGeom prst="rect">
+                <a:avLst/>
+              </a:prstGeom>
+              <a:blipFill>
+                <a:blip r:embed="rId5"/>
+                <a:stretch>
+                  <a:fillRect/>
+                </a:stretch>
+              </a:blipFill>
+            </p:spPr>
+            <p:txBody>
+              <a:bodyPr/>
+              <a:lstStyle/>
+              <a:p>
+                <a:r>
+                  <a:rPr lang="en-US">
+                    <a:noFill/>
+                  </a:rPr>
+                  <a:t> </a:t>
+                </a:r>
+              </a:p>
+            </p:txBody>
+          </p:sp>
+        </mc:Fallback>
+      </mc:AlternateContent>
+      <p:sp>
+        <p:nvSpPr>
+          <p:cNvPr id="3" name="TextBox 2">
+            <a:extLst>
+              <a:ext uri="{FF2B5EF4-FFF2-40B4-BE49-F238E27FC236}">
+                <a16:creationId xmlns:a16="http://schemas.microsoft.com/office/drawing/2014/main" id="{7FBCC604-7F42-B58C-29EF-4531C42A6E4A}"/>
+              </a:ext>
+            </a:extLst>
+          </p:cNvPr>
+          <p:cNvSpPr txBox="1"/>
+          <p:nvPr/>
+        </p:nvSpPr>
+        <p:spPr>
+          <a:xfrm>
+            <a:off x="10656762" y="1317453"/>
+            <a:ext cx="1341704" cy="1384995"/>
+          </a:xfrm>
+          <a:prstGeom prst="rect">
+            <a:avLst/>
+          </a:prstGeom>
+          <a:noFill/>
+        </p:spPr>
+        <p:txBody>
+          <a:bodyPr wrap="square" rtlCol="0">
+            <a:spAutoFit/>
+          </a:bodyPr>
+          <a:lstStyle/>
+          <a:p>
+            <a:r>
+              <a:rPr lang="en-US" sz="2800" b="1" dirty="0">
+                <a:solidFill>
+                  <a:srgbClr val="C00000"/>
+                </a:solidFill>
+              </a:rPr>
+              <a:t>(Fixed City Wage)</a:t>
+            </a:r>
+          </a:p>
+        </p:txBody>
+      </p:sp>
+      <p:cxnSp>
+        <p:nvCxnSpPr>
+          <p:cNvPr id="4" name="Straight Connector 3">
+            <a:extLst>
+              <a:ext uri="{FF2B5EF4-FFF2-40B4-BE49-F238E27FC236}">
+                <a16:creationId xmlns:a16="http://schemas.microsoft.com/office/drawing/2014/main" id="{87BDBA22-0D55-641A-A257-DA847F1BF220}"/>
+              </a:ext>
+            </a:extLst>
+          </p:cNvPr>
+          <p:cNvCxnSpPr>
+            <a:cxnSpLocks/>
+          </p:cNvCxnSpPr>
+          <p:nvPr/>
+        </p:nvCxnSpPr>
+        <p:spPr>
+          <a:xfrm flipV="1">
+            <a:off x="8251901" y="2062063"/>
+            <a:ext cx="0" cy="3779884"/>
+          </a:xfrm>
+          <a:prstGeom prst="line">
+            <a:avLst/>
+          </a:prstGeom>
+          <a:ln w="38100">
+            <a:prstDash val="dash"/>
+          </a:ln>
+        </p:spPr>
+        <p:style>
+          <a:lnRef idx="2">
+            <a:schemeClr val="accent1"/>
+          </a:lnRef>
+          <a:fillRef idx="0">
+            <a:schemeClr val="accent1"/>
+          </a:fillRef>
+          <a:effectRef idx="1">
+            <a:schemeClr val="accent1"/>
+          </a:effectRef>
+          <a:fontRef idx="minor">
+            <a:schemeClr val="tx1"/>
+          </a:fontRef>
+        </p:style>
+      </p:cxnSp>
+      <p:sp>
+        <p:nvSpPr>
+          <p:cNvPr id="9" name="Oval 8">
+            <a:extLst>
+              <a:ext uri="{FF2B5EF4-FFF2-40B4-BE49-F238E27FC236}">
+                <a16:creationId xmlns:a16="http://schemas.microsoft.com/office/drawing/2014/main" id="{6E40A27B-977F-3535-7826-9BC29A84DFF1}"/>
+              </a:ext>
+            </a:extLst>
+          </p:cNvPr>
+          <p:cNvSpPr/>
+          <p:nvPr/>
+        </p:nvSpPr>
+        <p:spPr>
+          <a:xfrm>
+            <a:off x="8128826" y="1852931"/>
+            <a:ext cx="246150" cy="247711"/>
+          </a:xfrm>
+          <a:prstGeom prst="ellipse">
+            <a:avLst/>
+          </a:prstGeom>
+          <a:solidFill>
+            <a:srgbClr val="C00000"/>
+          </a:solidFill>
+          <a:ln>
+            <a:solidFill>
+              <a:schemeClr val="tx1"/>
+            </a:solidFill>
+          </a:ln>
+        </p:spPr>
+        <p:style>
+          <a:lnRef idx="2">
+            <a:schemeClr val="accent1">
+              <a:shade val="15000"/>
+            </a:schemeClr>
+          </a:lnRef>
+          <a:fillRef idx="1">
+            <a:schemeClr val="accent1"/>
+          </a:fillRef>
+          <a:effectRef idx="0">
+            <a:schemeClr val="accent1"/>
+          </a:effectRef>
+          <a:fontRef idx="minor">
+            <a:schemeClr val="lt1"/>
+          </a:fontRef>
+        </p:style>
+        <p:txBody>
+          <a:bodyPr rtlCol="0" anchor="ctr"/>
+          <a:lstStyle/>
+          <a:p>
+            <a:pPr algn="ctr"/>
+            <a:endParaRPr lang="en-US"/>
+          </a:p>
+        </p:txBody>
+      </p:sp>
+      <p:cxnSp>
+        <p:nvCxnSpPr>
+          <p:cNvPr id="10" name="Straight Connector 9">
+            <a:extLst>
+              <a:ext uri="{FF2B5EF4-FFF2-40B4-BE49-F238E27FC236}">
+                <a16:creationId xmlns:a16="http://schemas.microsoft.com/office/drawing/2014/main" id="{8FC4670D-B4B8-6034-DCF3-4E8635F32C35}"/>
+              </a:ext>
+            </a:extLst>
+          </p:cNvPr>
+          <p:cNvCxnSpPr>
+            <a:cxnSpLocks/>
+          </p:cNvCxnSpPr>
+          <p:nvPr/>
+        </p:nvCxnSpPr>
+        <p:spPr>
+          <a:xfrm>
+            <a:off x="8374976" y="1976787"/>
+            <a:ext cx="1585262" cy="0"/>
+          </a:xfrm>
+          <a:prstGeom prst="line">
+            <a:avLst/>
+          </a:prstGeom>
+          <a:ln w="38100">
+            <a:prstDash val="dash"/>
+          </a:ln>
+        </p:spPr>
+        <p:style>
+          <a:lnRef idx="2">
+            <a:schemeClr val="accent1"/>
+          </a:lnRef>
+          <a:fillRef idx="0">
+            <a:schemeClr val="accent1"/>
+          </a:fillRef>
+          <a:effectRef idx="1">
+            <a:schemeClr val="accent1"/>
+          </a:effectRef>
+          <a:fontRef idx="minor">
+            <a:schemeClr val="tx1"/>
+          </a:fontRef>
+        </p:style>
+      </p:cxnSp>
+      <p:sp>
+        <p:nvSpPr>
+          <p:cNvPr id="11" name="Right Brace 10">
+            <a:extLst>
+              <a:ext uri="{FF2B5EF4-FFF2-40B4-BE49-F238E27FC236}">
+                <a16:creationId xmlns:a16="http://schemas.microsoft.com/office/drawing/2014/main" id="{C4E4E811-79C5-04C6-E7CE-03F53AB2FB2A}"/>
+              </a:ext>
+            </a:extLst>
+          </p:cNvPr>
+          <p:cNvSpPr/>
+          <p:nvPr/>
+        </p:nvSpPr>
+        <p:spPr>
+          <a:xfrm rot="5400000">
+            <a:off x="4343639" y="2466464"/>
+            <a:ext cx="356839" cy="7213534"/>
+          </a:xfrm>
+          <a:prstGeom prst="rightBrace">
+            <a:avLst/>
+          </a:prstGeom>
+          <a:ln w="38100">
+            <a:solidFill>
+              <a:schemeClr val="tx2">
+                <a:lumMod val="50000"/>
+                <a:lumOff val="50000"/>
+              </a:schemeClr>
+            </a:solidFill>
+          </a:ln>
+        </p:spPr>
+        <p:style>
+          <a:lnRef idx="2">
+            <a:schemeClr val="accent1"/>
+          </a:lnRef>
+          <a:fillRef idx="0">
+            <a:schemeClr val="accent1"/>
+          </a:fillRef>
+          <a:effectRef idx="1">
+            <a:schemeClr val="accent1"/>
+          </a:effectRef>
+          <a:fontRef idx="minor">
+            <a:schemeClr val="tx1"/>
+          </a:fontRef>
+        </p:style>
+        <p:txBody>
+          <a:bodyPr rtlCol="0" anchor="ctr"/>
+          <a:lstStyle/>
+          <a:p>
+            <a:pPr algn="ctr"/>
+            <a:endParaRPr lang="en-US">
+              <a:solidFill>
+                <a:schemeClr val="accent2">
+                  <a:lumMod val="75000"/>
+                </a:schemeClr>
+              </a:solidFill>
+            </a:endParaRPr>
+          </a:p>
+        </p:txBody>
+      </p:sp>
+      <mc:AlternateContent xmlns:mc="http://schemas.openxmlformats.org/markup-compatibility/2006">
+        <mc:Choice xmlns:a14="http://schemas.microsoft.com/office/drawing/2010/main" Requires="a14">
+          <p:sp>
+            <p:nvSpPr>
+              <p:cNvPr id="12" name="TextBox 11">
+                <a:extLst>
+                  <a:ext uri="{FF2B5EF4-FFF2-40B4-BE49-F238E27FC236}">
+                    <a16:creationId xmlns:a16="http://schemas.microsoft.com/office/drawing/2014/main" id="{B237013F-4A72-CAF1-3F5B-725FAC223886}"/>
+                  </a:ext>
+                </a:extLst>
+              </p:cNvPr>
+              <p:cNvSpPr txBox="1"/>
+              <p:nvPr/>
+            </p:nvSpPr>
+            <p:spPr>
+              <a:xfrm>
+                <a:off x="4293128" y="6251651"/>
+                <a:ext cx="457859" cy="530915"/>
+              </a:xfrm>
+              <a:prstGeom prst="rect">
+                <a:avLst/>
+              </a:prstGeom>
+              <a:noFill/>
+            </p:spPr>
+            <p:txBody>
+              <a:bodyPr wrap="square" rtlCol="0">
+                <a:spAutoFit/>
+              </a:bodyPr>
+              <a:lstStyle/>
+              <a:p>
+                <a:pPr/>
+                <a14:m>
+                  <m:oMathPara xmlns:m="http://schemas.openxmlformats.org/officeDocument/2006/math">
+                    <m:oMathParaPr>
+                      <m:jc m:val="centerGroup"/>
+                    </m:oMathParaPr>
+                    <m:oMath xmlns:m="http://schemas.openxmlformats.org/officeDocument/2006/math">
+                      <m:sSup>
+                        <m:sSupPr>
+                          <m:ctrlPr>
+                            <a:rPr lang="en-US" sz="2800" b="1" i="1" smtClean="0">
+                              <a:solidFill>
+                                <a:schemeClr val="tx2">
+                                  <a:lumMod val="50000"/>
+                                  <a:lumOff val="50000"/>
+                                </a:schemeClr>
+                              </a:solidFill>
+                              <a:latin typeface="Cambria Math" panose="02040503050406030204" pitchFamily="18" charset="0"/>
+                            </a:rPr>
+                          </m:ctrlPr>
+                        </m:sSupPr>
+                        <m:e>
+                          <m:r>
+                            <a:rPr lang="en-US" sz="2800" b="1" i="1" smtClean="0">
+                              <a:solidFill>
+                                <a:schemeClr val="tx2">
+                                  <a:lumMod val="50000"/>
+                                  <a:lumOff val="50000"/>
+                                </a:schemeClr>
+                              </a:solidFill>
+                              <a:latin typeface="Cambria Math" panose="02040503050406030204" pitchFamily="18" charset="0"/>
+                            </a:rPr>
+                            <m:t>𝑳</m:t>
+                          </m:r>
+                        </m:e>
+                        <m:sup>
+                          <m:r>
+                            <a:rPr lang="en-US" sz="2800" b="1" i="1" smtClean="0">
+                              <a:solidFill>
+                                <a:schemeClr val="tx2">
+                                  <a:lumMod val="50000"/>
+                                  <a:lumOff val="50000"/>
+                                </a:schemeClr>
+                              </a:solidFill>
+                              <a:latin typeface="Cambria Math" panose="02040503050406030204" pitchFamily="18" charset="0"/>
+                            </a:rPr>
+                            <m:t>𝑹</m:t>
+                          </m:r>
+                        </m:sup>
+                      </m:sSup>
+                    </m:oMath>
+                  </m:oMathPara>
+                </a14:m>
+                <a:endParaRPr lang="en-US" sz="2800" b="1" dirty="0">
+                  <a:solidFill>
+                    <a:schemeClr val="tx2">
+                      <a:lumMod val="50000"/>
+                      <a:lumOff val="50000"/>
+                    </a:schemeClr>
+                  </a:solidFill>
+                </a:endParaRPr>
+              </a:p>
+            </p:txBody>
+          </p:sp>
+        </mc:Choice>
+        <mc:Fallback>
+          <p:sp>
+            <p:nvSpPr>
+              <p:cNvPr id="12" name="TextBox 11">
+                <a:extLst>
+                  <a:ext uri="{FF2B5EF4-FFF2-40B4-BE49-F238E27FC236}">
+                    <a16:creationId xmlns:a16="http://schemas.microsoft.com/office/drawing/2014/main" id="{B237013F-4A72-CAF1-3F5B-725FAC223886}"/>
+                  </a:ext>
+                </a:extLst>
+              </p:cNvPr>
+              <p:cNvSpPr txBox="1">
+                <a:spLocks noRot="1" noChangeAspect="1" noMove="1" noResize="1" noEditPoints="1" noAdjustHandles="1" noChangeArrowheads="1" noChangeShapeType="1" noTextEdit="1"/>
+              </p:cNvSpPr>
+              <p:nvPr/>
+            </p:nvSpPr>
+            <p:spPr>
+              <a:xfrm>
+                <a:off x="4293128" y="6251651"/>
+                <a:ext cx="457859" cy="530915"/>
+              </a:xfrm>
+              <a:prstGeom prst="rect">
+                <a:avLst/>
+              </a:prstGeom>
+              <a:blipFill>
+                <a:blip r:embed="rId6"/>
+                <a:stretch>
+                  <a:fillRect l="-5405" r="-24324"/>
+                </a:stretch>
+              </a:blipFill>
+            </p:spPr>
+            <p:txBody>
+              <a:bodyPr/>
+              <a:lstStyle/>
+              <a:p>
+                <a:r>
+                  <a:rPr lang="en-US">
+                    <a:noFill/>
+                  </a:rPr>
+                  <a:t> </a:t>
+                </a:r>
+              </a:p>
+            </p:txBody>
+          </p:sp>
+        </mc:Fallback>
+      </mc:AlternateContent>
+      <mc:AlternateContent xmlns:mc="http://schemas.openxmlformats.org/markup-compatibility/2006">
+        <mc:Choice xmlns:a14="http://schemas.microsoft.com/office/drawing/2010/main" Requires="a14">
+          <p:sp>
+            <p:nvSpPr>
+              <p:cNvPr id="13" name="TextBox 12">
+                <a:extLst>
+                  <a:ext uri="{FF2B5EF4-FFF2-40B4-BE49-F238E27FC236}">
+                    <a16:creationId xmlns:a16="http://schemas.microsoft.com/office/drawing/2014/main" id="{9FB71E19-BD00-9E0F-653B-6FA6AF14F996}"/>
+                  </a:ext>
+                </a:extLst>
+              </p:cNvPr>
+              <p:cNvSpPr txBox="1"/>
+              <p:nvPr/>
+            </p:nvSpPr>
+            <p:spPr>
+              <a:xfrm>
+                <a:off x="1984325" y="978424"/>
+                <a:ext cx="5109151" cy="532966"/>
+              </a:xfrm>
+              <a:prstGeom prst="rect">
+                <a:avLst/>
+              </a:prstGeom>
+              <a:noFill/>
+              <a:ln>
+                <a:noFill/>
+              </a:ln>
+            </p:spPr>
+            <p:txBody>
+              <a:bodyPr wrap="square" rtlCol="0">
+                <a:spAutoFit/>
+              </a:bodyPr>
+              <a:lstStyle/>
+              <a:p>
+                <a:pPr/>
+                <a:r>
+                  <a:rPr lang="en-US" sz="2800" b="1" dirty="0">
+                    <a:solidFill>
+                      <a:schemeClr val="tx1"/>
+                    </a:solidFill>
+                  </a:rPr>
+                  <a:t>Where:</a:t>
+                </a:r>
+                <a14:m>
+                  <m:oMath xmlns:m="http://schemas.openxmlformats.org/officeDocument/2006/math">
+                    <m:r>
+                      <a:rPr lang="en-US" sz="2800" b="1" i="1" smtClean="0">
+                        <a:solidFill>
+                          <a:schemeClr val="tx1"/>
+                        </a:solidFill>
+                        <a:latin typeface="Cambria Math" panose="02040503050406030204" pitchFamily="18" charset="0"/>
+                      </a:rPr>
+                      <m:t> </m:t>
+                    </m:r>
+                    <m:sSup>
+                      <m:sSupPr>
+                        <m:ctrlPr>
+                          <a:rPr lang="en-US" sz="2800" b="1" i="1" smtClean="0">
+                            <a:solidFill>
+                              <a:srgbClr val="C00000"/>
+                            </a:solidFill>
+                            <a:latin typeface="Cambria Math" panose="02040503050406030204" pitchFamily="18" charset="0"/>
+                          </a:rPr>
+                        </m:ctrlPr>
+                      </m:sSupPr>
+                      <m:e>
+                        <m:r>
+                          <a:rPr lang="en-US" sz="2800" b="1" i="1" smtClean="0">
+                            <a:solidFill>
+                              <a:schemeClr val="tx1"/>
+                            </a:solidFill>
+                            <a:latin typeface="Cambria Math" panose="02040503050406030204" pitchFamily="18" charset="0"/>
+                          </a:rPr>
+                          <m:t>𝑵</m:t>
+                        </m:r>
+                        <m:r>
+                          <a:rPr lang="en-US" sz="2800" b="1" i="1" smtClean="0">
+                            <a:solidFill>
+                              <a:schemeClr val="tx1"/>
+                            </a:solidFill>
+                            <a:latin typeface="Cambria Math" panose="02040503050406030204" pitchFamily="18" charset="0"/>
+                          </a:rPr>
+                          <m:t>=</m:t>
+                        </m:r>
+                        <m:r>
+                          <a:rPr lang="en-US" sz="2800" b="1" i="1" smtClean="0">
+                            <a:solidFill>
+                              <a:srgbClr val="C00000"/>
+                            </a:solidFill>
+                            <a:latin typeface="Cambria Math" panose="02040503050406030204" pitchFamily="18" charset="0"/>
+                          </a:rPr>
+                          <m:t>𝑳</m:t>
+                        </m:r>
+                      </m:e>
+                      <m:sup>
+                        <m:r>
+                          <a:rPr lang="en-US" sz="2800" b="1" i="1" smtClean="0">
+                            <a:solidFill>
+                              <a:srgbClr val="C00000"/>
+                            </a:solidFill>
+                            <a:latin typeface="Cambria Math" panose="02040503050406030204" pitchFamily="18" charset="0"/>
+                          </a:rPr>
+                          <m:t>𝑪</m:t>
+                        </m:r>
+                      </m:sup>
+                    </m:sSup>
+                    <m:r>
+                      <a:rPr lang="en-US" sz="2800" b="1" i="1" smtClean="0">
+                        <a:solidFill>
+                          <a:srgbClr val="C00000"/>
+                        </a:solidFill>
+                        <a:latin typeface="Cambria Math" panose="02040503050406030204" pitchFamily="18" charset="0"/>
+                      </a:rPr>
+                      <m:t>+</m:t>
+                    </m:r>
+                    <m:sSup>
+                      <m:sSupPr>
+                        <m:ctrlPr>
+                          <a:rPr lang="en-US" sz="2800" b="1" i="1" smtClean="0">
+                            <a:solidFill>
+                              <a:schemeClr val="tx2">
+                                <a:lumMod val="50000"/>
+                                <a:lumOff val="50000"/>
+                              </a:schemeClr>
+                            </a:solidFill>
+                            <a:latin typeface="Cambria Math" panose="02040503050406030204" pitchFamily="18" charset="0"/>
+                          </a:rPr>
+                        </m:ctrlPr>
+                      </m:sSupPr>
+                      <m:e>
+                        <m:r>
+                          <a:rPr lang="en-US" sz="2800" b="1" i="1" smtClean="0">
+                            <a:solidFill>
+                              <a:schemeClr val="tx2">
+                                <a:lumMod val="50000"/>
+                                <a:lumOff val="50000"/>
+                              </a:schemeClr>
+                            </a:solidFill>
+                            <a:latin typeface="Cambria Math" panose="02040503050406030204" pitchFamily="18" charset="0"/>
+                          </a:rPr>
+                          <m:t>𝑳</m:t>
+                        </m:r>
+                      </m:e>
+                      <m:sup>
+                        <m:r>
+                          <a:rPr lang="en-US" sz="2800" b="1" i="1" smtClean="0">
+                            <a:solidFill>
+                              <a:schemeClr val="tx2">
+                                <a:lumMod val="50000"/>
+                                <a:lumOff val="50000"/>
+                              </a:schemeClr>
+                            </a:solidFill>
+                            <a:latin typeface="Cambria Math" panose="02040503050406030204" pitchFamily="18" charset="0"/>
+                          </a:rPr>
+                          <m:t>𝑹</m:t>
+                        </m:r>
+                      </m:sup>
+                    </m:sSup>
+                  </m:oMath>
+                </a14:m>
+                <a:endParaRPr lang="en-US" sz="2800" b="1" dirty="0">
+                  <a:solidFill>
+                    <a:srgbClr val="C00000"/>
+                  </a:solidFill>
+                </a:endParaRPr>
+              </a:p>
+            </p:txBody>
+          </p:sp>
+        </mc:Choice>
+        <mc:Fallback>
+          <p:sp>
+            <p:nvSpPr>
+              <p:cNvPr id="13" name="TextBox 12">
+                <a:extLst>
+                  <a:ext uri="{FF2B5EF4-FFF2-40B4-BE49-F238E27FC236}">
+                    <a16:creationId xmlns:a16="http://schemas.microsoft.com/office/drawing/2014/main" id="{9FB71E19-BD00-9E0F-653B-6FA6AF14F996}"/>
+                  </a:ext>
+                </a:extLst>
+              </p:cNvPr>
+              <p:cNvSpPr txBox="1">
+                <a:spLocks noRot="1" noChangeAspect="1" noMove="1" noResize="1" noEditPoints="1" noAdjustHandles="1" noChangeArrowheads="1" noChangeShapeType="1" noTextEdit="1"/>
+              </p:cNvSpPr>
+              <p:nvPr/>
+            </p:nvSpPr>
+            <p:spPr>
+              <a:xfrm>
+                <a:off x="1984325" y="978424"/>
+                <a:ext cx="5109151" cy="532966"/>
+              </a:xfrm>
+              <a:prstGeom prst="rect">
+                <a:avLst/>
+              </a:prstGeom>
+              <a:blipFill>
+                <a:blip r:embed="rId7"/>
+                <a:stretch>
+                  <a:fillRect l="-2481" t="-11628" b="-30233"/>
+                </a:stretch>
+              </a:blipFill>
+              <a:ln>
+                <a:noFill/>
+              </a:ln>
+            </p:spPr>
+            <p:txBody>
+              <a:bodyPr/>
+              <a:lstStyle/>
+              <a:p>
+                <a:r>
+                  <a:rPr lang="en-US">
+                    <a:noFill/>
+                  </a:rPr>
+                  <a:t> </a:t>
+                </a:r>
+              </a:p>
+            </p:txBody>
+          </p:sp>
+        </mc:Fallback>
+      </mc:AlternateContent>
+    </p:spTree>
+    <p:extLst>
+      <p:ext uri="{BB962C8B-B14F-4D97-AF65-F5344CB8AC3E}">
+        <p14:creationId xmlns:p14="http://schemas.microsoft.com/office/powerpoint/2010/main" val="2808581918"/>
+      </p:ext>
+    </p:extLst>
+  </p:cSld>
+  <p:clrMapOvr>
+    <a:masterClrMapping/>
+  </p:clrMapOvr>
+</p:sld>
+</file>
+
+<file path=ppt/slides/slide24.xml><?xml version="1.0" encoding="utf-8"?>
+<p:sld xmlns:a="http://schemas.openxmlformats.org/drawingml/2006/main" xmlns:r="http://schemas.openxmlformats.org/officeDocument/2006/relationships" xmlns:p="http://schemas.openxmlformats.org/presentationml/2006/main">
+  <p:cSld>
+    <p:spTree>
+      <p:nvGrpSpPr>
+        <p:cNvPr id="1" name="">
+          <a:extLst>
+            <a:ext uri="{FF2B5EF4-FFF2-40B4-BE49-F238E27FC236}">
+              <a16:creationId xmlns:a16="http://schemas.microsoft.com/office/drawing/2014/main" id="{F54A35CD-A0EE-1842-90AF-D3F4C0976C32}"/>
+            </a:ext>
+          </a:extLst>
+        </p:cNvPr>
+        <p:cNvGrpSpPr/>
+        <p:nvPr/>
+      </p:nvGrpSpPr>
+      <p:grpSpPr>
+        <a:xfrm>
+          <a:off x="0" y="0"/>
+          <a:ext cx="0" cy="0"/>
+          <a:chOff x="0" y="0"/>
+          <a:chExt cx="0" cy="0"/>
+        </a:xfrm>
+      </p:grpSpPr>
+      <p:sp>
+        <p:nvSpPr>
+          <p:cNvPr id="19" name="Freeform 18">
+            <a:extLst>
+              <a:ext uri="{FF2B5EF4-FFF2-40B4-BE49-F238E27FC236}">
+                <a16:creationId xmlns:a16="http://schemas.microsoft.com/office/drawing/2014/main" id="{7C09813F-48A4-D05D-0B3B-83DBEA7DAB21}"/>
+              </a:ext>
+            </a:extLst>
+          </p:cNvPr>
+          <p:cNvSpPr/>
+          <p:nvPr/>
+        </p:nvSpPr>
+        <p:spPr>
+          <a:xfrm>
+            <a:off x="934345" y="1897574"/>
+            <a:ext cx="7285820" cy="1838085"/>
+          </a:xfrm>
+          <a:custGeom>
+            <a:avLst/>
+            <a:gdLst>
+              <a:gd name="connsiteX0" fmla="*/ 7058722 w 7058722"/>
+              <a:gd name="connsiteY0" fmla="*/ 0 h 2011793"/>
+              <a:gd name="connsiteX1" fmla="*/ 2854712 w 7058722"/>
+              <a:gd name="connsiteY1" fmla="*/ 1817649 h 2011793"/>
+              <a:gd name="connsiteX2" fmla="*/ 0 w 7058722"/>
+              <a:gd name="connsiteY2" fmla="*/ 1873405 h 2011793"/>
+            </a:gdLst>
+            <a:ahLst/>
+            <a:cxnLst>
+              <a:cxn ang="0">
+                <a:pos x="connsiteX0" y="connsiteY0"/>
+              </a:cxn>
+              <a:cxn ang="0">
+                <a:pos x="connsiteX1" y="connsiteY1"/>
+              </a:cxn>
+              <a:cxn ang="0">
+                <a:pos x="connsiteX2" y="connsiteY2"/>
+              </a:cxn>
+            </a:cxnLst>
+            <a:rect l="l" t="t" r="r" b="b"/>
+            <a:pathLst>
+              <a:path w="7058722" h="2011793">
+                <a:moveTo>
+                  <a:pt x="7058722" y="0"/>
+                </a:moveTo>
+                <a:cubicBezTo>
+                  <a:pt x="5544944" y="752707"/>
+                  <a:pt x="4031166" y="1505415"/>
+                  <a:pt x="2854712" y="1817649"/>
+                </a:cubicBezTo>
+                <a:cubicBezTo>
+                  <a:pt x="1678258" y="2129883"/>
+                  <a:pt x="839129" y="2001644"/>
+                  <a:pt x="0" y="1873405"/>
+                </a:cubicBezTo>
+              </a:path>
+            </a:pathLst>
+          </a:custGeom>
+          <a:noFill/>
+          <a:ln w="57150">
+            <a:solidFill>
+              <a:schemeClr val="accent5">
+                <a:lumMod val="60000"/>
+                <a:lumOff val="40000"/>
+              </a:schemeClr>
+            </a:solidFill>
+          </a:ln>
+        </p:spPr>
+        <p:style>
+          <a:lnRef idx="2">
+            <a:schemeClr val="accent1">
+              <a:shade val="15000"/>
+            </a:schemeClr>
+          </a:lnRef>
+          <a:fillRef idx="1">
+            <a:schemeClr val="accent1"/>
+          </a:fillRef>
+          <a:effectRef idx="0">
+            <a:schemeClr val="accent1"/>
+          </a:effectRef>
+          <a:fontRef idx="minor">
+            <a:schemeClr val="lt1"/>
+          </a:fontRef>
+        </p:style>
+        <p:txBody>
+          <a:bodyPr rtlCol="0" anchor="ctr"/>
+          <a:lstStyle/>
+          <a:p>
+            <a:pPr algn="ctr"/>
+            <a:endParaRPr lang="en-US"/>
+          </a:p>
+        </p:txBody>
+      </p:sp>
+      <p:cxnSp>
+        <p:nvCxnSpPr>
+          <p:cNvPr id="18" name="Straight Connector 17">
+            <a:extLst>
+              <a:ext uri="{FF2B5EF4-FFF2-40B4-BE49-F238E27FC236}">
+                <a16:creationId xmlns:a16="http://schemas.microsoft.com/office/drawing/2014/main" id="{D7F2DACD-FB68-9C50-213C-13963ADDE41B}"/>
+              </a:ext>
+            </a:extLst>
+          </p:cNvPr>
+          <p:cNvCxnSpPr>
+            <a:cxnSpLocks/>
+          </p:cNvCxnSpPr>
+          <p:nvPr/>
+        </p:nvCxnSpPr>
+        <p:spPr>
+          <a:xfrm flipH="1">
+            <a:off x="915292" y="1012361"/>
+            <a:ext cx="9044957" cy="4829586"/>
+          </a:xfrm>
+          <a:prstGeom prst="line">
+            <a:avLst/>
+          </a:prstGeom>
+          <a:ln w="57150">
+            <a:solidFill>
+              <a:schemeClr val="accent2">
+                <a:lumMod val="75000"/>
+              </a:schemeClr>
+            </a:solidFill>
+          </a:ln>
+        </p:spPr>
+        <p:style>
+          <a:lnRef idx="2">
+            <a:schemeClr val="accent1"/>
+          </a:lnRef>
+          <a:fillRef idx="0">
+            <a:schemeClr val="accent1"/>
+          </a:fillRef>
+          <a:effectRef idx="1">
+            <a:schemeClr val="accent1"/>
+          </a:effectRef>
+          <a:fontRef idx="minor">
+            <a:schemeClr val="tx1"/>
+          </a:fontRef>
+        </p:style>
+      </p:cxnSp>
+      <p:cxnSp>
+        <p:nvCxnSpPr>
+          <p:cNvPr id="15" name="Straight Connector 14">
+            <a:extLst>
+              <a:ext uri="{FF2B5EF4-FFF2-40B4-BE49-F238E27FC236}">
+                <a16:creationId xmlns:a16="http://schemas.microsoft.com/office/drawing/2014/main" id="{11E2F544-56F8-7526-30C9-B17B104732FB}"/>
+              </a:ext>
+            </a:extLst>
+          </p:cNvPr>
+          <p:cNvCxnSpPr>
+            <a:cxnSpLocks/>
+          </p:cNvCxnSpPr>
+          <p:nvPr/>
+        </p:nvCxnSpPr>
+        <p:spPr>
+          <a:xfrm>
+            <a:off x="915292" y="1748342"/>
+            <a:ext cx="9044957" cy="4093605"/>
+          </a:xfrm>
+          <a:prstGeom prst="line">
+            <a:avLst/>
+          </a:prstGeom>
+          <a:ln w="57150">
+            <a:solidFill>
+              <a:schemeClr val="accent6">
+                <a:lumMod val="75000"/>
+              </a:schemeClr>
+            </a:solidFill>
+          </a:ln>
+        </p:spPr>
+        <p:style>
+          <a:lnRef idx="2">
+            <a:schemeClr val="accent1"/>
+          </a:lnRef>
+          <a:fillRef idx="0">
+            <a:schemeClr val="accent1"/>
+          </a:fillRef>
+          <a:effectRef idx="1">
+            <a:schemeClr val="accent1"/>
+          </a:effectRef>
+          <a:fontRef idx="minor">
+            <a:schemeClr val="tx1"/>
+          </a:fontRef>
+        </p:style>
+      </p:cxnSp>
+      <mc:AlternateContent xmlns:mc="http://schemas.openxmlformats.org/markup-compatibility/2006">
+        <mc:Choice xmlns:a14="http://schemas.microsoft.com/office/drawing/2010/main" Requires="a14">
+          <p:sp>
+            <p:nvSpPr>
+              <p:cNvPr id="7" name="TextBox 6">
+                <a:extLst>
+                  <a:ext uri="{FF2B5EF4-FFF2-40B4-BE49-F238E27FC236}">
+                    <a16:creationId xmlns:a16="http://schemas.microsoft.com/office/drawing/2014/main" id="{19087EA4-AFA1-3BE5-92CD-BEE15B3A5C8D}"/>
+                  </a:ext>
+                </a:extLst>
+              </p:cNvPr>
+              <p:cNvSpPr txBox="1"/>
+              <p:nvPr/>
+            </p:nvSpPr>
+            <p:spPr>
+              <a:xfrm>
+                <a:off x="229531" y="213001"/>
+                <a:ext cx="660635" cy="523220"/>
+              </a:xfrm>
+              <a:prstGeom prst="rect">
+                <a:avLst/>
+              </a:prstGeom>
+              <a:noFill/>
+            </p:spPr>
+            <p:txBody>
+              <a:bodyPr wrap="square" rtlCol="0">
+                <a:spAutoFit/>
+              </a:bodyPr>
+              <a:lstStyle/>
+              <a:p>
+                <a:pPr/>
+                <a14:m>
+                  <m:oMathPara xmlns:m="http://schemas.openxmlformats.org/officeDocument/2006/math">
+                    <m:oMathParaPr>
+                      <m:jc m:val="centerGroup"/>
+                    </m:oMathParaPr>
+                    <m:oMath xmlns:m="http://schemas.openxmlformats.org/officeDocument/2006/math">
+                      <m:sSub>
+                        <m:sSubPr>
+                          <m:ctrlPr>
+                            <a:rPr lang="en-US" sz="2800" b="1" i="1" smtClean="0">
+                              <a:latin typeface="Cambria Math" panose="02040503050406030204" pitchFamily="18" charset="0"/>
+                            </a:rPr>
+                          </m:ctrlPr>
+                        </m:sSubPr>
+                        <m:e>
+                          <m:r>
+                            <a:rPr lang="en-US" sz="2800" b="1" i="1" smtClean="0">
+                              <a:latin typeface="Cambria Math" panose="02040503050406030204" pitchFamily="18" charset="0"/>
+                            </a:rPr>
+                            <m:t>𝒘</m:t>
+                          </m:r>
+                        </m:e>
+                        <m:sub>
+                          <m:r>
+                            <a:rPr lang="en-US" sz="2800" b="1" i="1" smtClean="0">
+                              <a:latin typeface="Cambria Math" panose="02040503050406030204" pitchFamily="18" charset="0"/>
+                            </a:rPr>
+                            <m:t>𝑹</m:t>
+                          </m:r>
+                        </m:sub>
+                      </m:sSub>
+                    </m:oMath>
+                  </m:oMathPara>
+                </a14:m>
+                <a:endParaRPr lang="en-US" sz="2800" b="1" dirty="0"/>
+              </a:p>
+            </p:txBody>
+          </p:sp>
+        </mc:Choice>
+        <mc:Fallback>
+          <p:sp>
+            <p:nvSpPr>
+              <p:cNvPr id="7" name="TextBox 6">
+                <a:extLst>
+                  <a:ext uri="{FF2B5EF4-FFF2-40B4-BE49-F238E27FC236}">
+                    <a16:creationId xmlns:a16="http://schemas.microsoft.com/office/drawing/2014/main" id="{19087EA4-AFA1-3BE5-92CD-BEE15B3A5C8D}"/>
+                  </a:ext>
+                </a:extLst>
+              </p:cNvPr>
+              <p:cNvSpPr txBox="1">
+                <a:spLocks noRot="1" noChangeAspect="1" noMove="1" noResize="1" noEditPoints="1" noAdjustHandles="1" noChangeArrowheads="1" noChangeShapeType="1" noTextEdit="1"/>
+              </p:cNvSpPr>
+              <p:nvPr/>
+            </p:nvSpPr>
+            <p:spPr>
+              <a:xfrm>
+                <a:off x="229531" y="213001"/>
+                <a:ext cx="660635" cy="523220"/>
+              </a:xfrm>
+              <a:prstGeom prst="rect">
+                <a:avLst/>
+              </a:prstGeom>
+              <a:blipFill>
+                <a:blip r:embed="rId2"/>
+                <a:stretch>
+                  <a:fillRect b="-2326"/>
+                </a:stretch>
+              </a:blipFill>
+            </p:spPr>
+            <p:txBody>
+              <a:bodyPr/>
+              <a:lstStyle/>
+              <a:p>
+                <a:r>
+                  <a:rPr lang="en-US">
+                    <a:noFill/>
+                  </a:rPr>
+                  <a:t> </a:t>
+                </a:r>
+              </a:p>
+            </p:txBody>
+          </p:sp>
+        </mc:Fallback>
+      </mc:AlternateContent>
+      <mc:AlternateContent xmlns:mc="http://schemas.openxmlformats.org/markup-compatibility/2006">
+        <mc:Choice xmlns:a14="http://schemas.microsoft.com/office/drawing/2010/main" Requires="a14">
+          <p:sp>
+            <p:nvSpPr>
+              <p:cNvPr id="8" name="TextBox 7">
+                <a:extLst>
+                  <a:ext uri="{FF2B5EF4-FFF2-40B4-BE49-F238E27FC236}">
+                    <a16:creationId xmlns:a16="http://schemas.microsoft.com/office/drawing/2014/main" id="{BE70E012-2231-1162-3463-EAE88E870217}"/>
+                  </a:ext>
+                </a:extLst>
+              </p:cNvPr>
+              <p:cNvSpPr txBox="1"/>
+              <p:nvPr/>
+            </p:nvSpPr>
+            <p:spPr>
+              <a:xfrm>
+                <a:off x="8877139" y="6325034"/>
+                <a:ext cx="457859" cy="532966"/>
+              </a:xfrm>
+              <a:prstGeom prst="rect">
+                <a:avLst/>
+              </a:prstGeom>
+              <a:noFill/>
+              <a:ln>
+                <a:noFill/>
+              </a:ln>
+            </p:spPr>
+            <p:txBody>
+              <a:bodyPr wrap="square" rtlCol="0">
+                <a:spAutoFit/>
+              </a:bodyPr>
+              <a:lstStyle/>
+              <a:p>
+                <a:pPr/>
+                <a14:m>
+                  <m:oMathPara xmlns:m="http://schemas.openxmlformats.org/officeDocument/2006/math">
+                    <m:oMathParaPr>
+                      <m:jc m:val="centerGroup"/>
+                    </m:oMathParaPr>
+                    <m:oMath xmlns:m="http://schemas.openxmlformats.org/officeDocument/2006/math">
+                      <m:sSup>
+                        <m:sSupPr>
+                          <m:ctrlPr>
+                            <a:rPr lang="en-US" sz="2800" b="1" i="1" smtClean="0">
+                              <a:solidFill>
+                                <a:srgbClr val="C00000"/>
+                              </a:solidFill>
+                              <a:latin typeface="Cambria Math" panose="02040503050406030204" pitchFamily="18" charset="0"/>
+                            </a:rPr>
+                          </m:ctrlPr>
+                        </m:sSupPr>
+                        <m:e>
+                          <m:r>
+                            <a:rPr lang="en-US" sz="2800" b="1" i="1" smtClean="0">
+                              <a:solidFill>
+                                <a:srgbClr val="C00000"/>
+                              </a:solidFill>
+                              <a:latin typeface="Cambria Math" panose="02040503050406030204" pitchFamily="18" charset="0"/>
+                            </a:rPr>
+                            <m:t>𝑳</m:t>
+                          </m:r>
+                        </m:e>
+                        <m:sup>
+                          <m:r>
+                            <a:rPr lang="en-US" sz="2800" b="1" i="1" smtClean="0">
+                              <a:solidFill>
+                                <a:srgbClr val="C00000"/>
+                              </a:solidFill>
+                              <a:latin typeface="Cambria Math" panose="02040503050406030204" pitchFamily="18" charset="0"/>
+                            </a:rPr>
+                            <m:t>𝑪</m:t>
+                          </m:r>
+                        </m:sup>
+                      </m:sSup>
+                    </m:oMath>
+                  </m:oMathPara>
+                </a14:m>
+                <a:endParaRPr lang="en-US" sz="2800" b="1" dirty="0">
+                  <a:solidFill>
+                    <a:srgbClr val="C00000"/>
+                  </a:solidFill>
+                </a:endParaRPr>
+              </a:p>
+            </p:txBody>
+          </p:sp>
+        </mc:Choice>
+        <mc:Fallback>
+          <p:sp>
+            <p:nvSpPr>
+              <p:cNvPr id="8" name="TextBox 7">
+                <a:extLst>
+                  <a:ext uri="{FF2B5EF4-FFF2-40B4-BE49-F238E27FC236}">
+                    <a16:creationId xmlns:a16="http://schemas.microsoft.com/office/drawing/2014/main" id="{BE70E012-2231-1162-3463-EAE88E870217}"/>
+                  </a:ext>
+                </a:extLst>
+              </p:cNvPr>
+              <p:cNvSpPr txBox="1">
+                <a:spLocks noRot="1" noChangeAspect="1" noMove="1" noResize="1" noEditPoints="1" noAdjustHandles="1" noChangeArrowheads="1" noChangeShapeType="1" noTextEdit="1"/>
+              </p:cNvSpPr>
+              <p:nvPr/>
+            </p:nvSpPr>
+            <p:spPr>
+              <a:xfrm>
+                <a:off x="8877139" y="6325034"/>
+                <a:ext cx="457859" cy="532966"/>
+              </a:xfrm>
+              <a:prstGeom prst="rect">
+                <a:avLst/>
+              </a:prstGeom>
+              <a:blipFill>
+                <a:blip r:embed="rId3"/>
+                <a:stretch>
+                  <a:fillRect l="-5405" r="-21622"/>
+                </a:stretch>
+              </a:blipFill>
+              <a:ln>
+                <a:noFill/>
+              </a:ln>
+            </p:spPr>
+            <p:txBody>
+              <a:bodyPr/>
+              <a:lstStyle/>
+              <a:p>
+                <a:r>
+                  <a:rPr lang="en-US">
+                    <a:noFill/>
+                  </a:rPr>
+                  <a:t> </a:t>
+                </a:r>
+              </a:p>
+            </p:txBody>
+          </p:sp>
+        </mc:Fallback>
+      </mc:AlternateContent>
+      <p:grpSp>
+        <p:nvGrpSpPr>
+          <p:cNvPr id="16" name="Group 15">
+            <a:extLst>
+              <a:ext uri="{FF2B5EF4-FFF2-40B4-BE49-F238E27FC236}">
+                <a16:creationId xmlns:a16="http://schemas.microsoft.com/office/drawing/2014/main" id="{7840BAD4-E1E8-4277-1B87-8D9D6C9F5D7D}"/>
+              </a:ext>
+            </a:extLst>
+          </p:cNvPr>
+          <p:cNvGrpSpPr/>
+          <p:nvPr/>
+        </p:nvGrpSpPr>
+        <p:grpSpPr>
+          <a:xfrm>
+            <a:off x="896240" y="675897"/>
+            <a:ext cx="9089136" cy="5193566"/>
+            <a:chOff x="1297684" y="800960"/>
+            <a:chExt cx="9089136" cy="5193566"/>
+          </a:xfrm>
+        </p:grpSpPr>
+        <p:cxnSp>
+          <p:nvCxnSpPr>
+            <p:cNvPr id="5" name="Straight Connector 4">
+              <a:extLst>
+                <a:ext uri="{FF2B5EF4-FFF2-40B4-BE49-F238E27FC236}">
+                  <a16:creationId xmlns:a16="http://schemas.microsoft.com/office/drawing/2014/main" id="{7079D019-56A3-39A2-AB01-8FBD484EE792}"/>
+                </a:ext>
+              </a:extLst>
+            </p:cNvPr>
+            <p:cNvCxnSpPr/>
+            <p:nvPr/>
+          </p:nvCxnSpPr>
+          <p:spPr>
+            <a:xfrm>
+              <a:off x="1316736" y="804672"/>
+              <a:ext cx="0" cy="5189854"/>
+            </a:xfrm>
+            <a:prstGeom prst="line">
+              <a:avLst/>
+            </a:prstGeom>
+            <a:ln w="57150">
+              <a:solidFill>
+                <a:schemeClr val="tx1"/>
+              </a:solidFill>
+            </a:ln>
+          </p:spPr>
+          <p:style>
+            <a:lnRef idx="2">
+              <a:schemeClr val="accent1"/>
+            </a:lnRef>
+            <a:fillRef idx="0">
+              <a:schemeClr val="accent1"/>
+            </a:fillRef>
+            <a:effectRef idx="1">
+              <a:schemeClr val="accent1"/>
+            </a:effectRef>
+            <a:fontRef idx="minor">
+              <a:schemeClr val="tx1"/>
+            </a:fontRef>
+          </p:style>
+        </p:cxnSp>
+        <p:cxnSp>
+          <p:nvCxnSpPr>
+            <p:cNvPr id="6" name="Straight Connector 5">
+              <a:extLst>
+                <a:ext uri="{FF2B5EF4-FFF2-40B4-BE49-F238E27FC236}">
+                  <a16:creationId xmlns:a16="http://schemas.microsoft.com/office/drawing/2014/main" id="{507177EB-4645-2767-9A98-703D668CBE72}"/>
+                </a:ext>
+              </a:extLst>
+            </p:cNvPr>
+            <p:cNvCxnSpPr>
+              <a:cxnSpLocks/>
+            </p:cNvCxnSpPr>
+            <p:nvPr/>
+          </p:nvCxnSpPr>
+          <p:spPr>
+            <a:xfrm flipH="1">
+              <a:off x="1297684" y="5967010"/>
+              <a:ext cx="9089136" cy="0"/>
+            </a:xfrm>
+            <a:prstGeom prst="line">
+              <a:avLst/>
+            </a:prstGeom>
+            <a:ln w="57150">
+              <a:solidFill>
+                <a:schemeClr val="tx1"/>
+              </a:solidFill>
+            </a:ln>
+          </p:spPr>
+          <p:style>
+            <a:lnRef idx="2">
+              <a:schemeClr val="accent1"/>
+            </a:lnRef>
+            <a:fillRef idx="0">
+              <a:schemeClr val="accent1"/>
+            </a:fillRef>
+            <a:effectRef idx="1">
+              <a:schemeClr val="accent1"/>
+            </a:effectRef>
+            <a:fontRef idx="minor">
+              <a:schemeClr val="tx1"/>
+            </a:fontRef>
+          </p:style>
+        </p:cxnSp>
+        <p:cxnSp>
+          <p:nvCxnSpPr>
+            <p:cNvPr id="14" name="Straight Connector 13">
+              <a:extLst>
+                <a:ext uri="{FF2B5EF4-FFF2-40B4-BE49-F238E27FC236}">
+                  <a16:creationId xmlns:a16="http://schemas.microsoft.com/office/drawing/2014/main" id="{8D287522-6143-90D6-B44C-8E9373F8479A}"/>
+                </a:ext>
+              </a:extLst>
+            </p:cNvPr>
+            <p:cNvCxnSpPr/>
+            <p:nvPr/>
+          </p:nvCxnSpPr>
+          <p:spPr>
+            <a:xfrm>
+              <a:off x="10361693" y="800960"/>
+              <a:ext cx="0" cy="5189854"/>
+            </a:xfrm>
+            <a:prstGeom prst="line">
+              <a:avLst/>
+            </a:prstGeom>
+            <a:ln w="57150">
+              <a:solidFill>
+                <a:schemeClr val="tx1"/>
+              </a:solidFill>
+            </a:ln>
+          </p:spPr>
+          <p:style>
+            <a:lnRef idx="2">
+              <a:schemeClr val="accent1"/>
+            </a:lnRef>
+            <a:fillRef idx="0">
+              <a:schemeClr val="accent1"/>
+            </a:fillRef>
+            <a:effectRef idx="1">
+              <a:schemeClr val="accent1"/>
+            </a:effectRef>
+            <a:fontRef idx="minor">
+              <a:schemeClr val="tx1"/>
+            </a:fontRef>
+          </p:style>
+        </p:cxnSp>
+      </p:grpSp>
+      <p:sp>
+        <p:nvSpPr>
+          <p:cNvPr id="21" name="Right Brace 20">
+            <a:extLst>
+              <a:ext uri="{FF2B5EF4-FFF2-40B4-BE49-F238E27FC236}">
+                <a16:creationId xmlns:a16="http://schemas.microsoft.com/office/drawing/2014/main" id="{AC00F0F8-9FBE-B2EB-CA35-8943F9230BD7}"/>
+              </a:ext>
+            </a:extLst>
+          </p:cNvPr>
+          <p:cNvSpPr/>
+          <p:nvPr/>
+        </p:nvSpPr>
+        <p:spPr>
+          <a:xfrm rot="5400000">
+            <a:off x="8927650" y="5219063"/>
+            <a:ext cx="356839" cy="1708337"/>
+          </a:xfrm>
+          <a:prstGeom prst="rightBrace">
+            <a:avLst/>
+          </a:prstGeom>
+          <a:ln w="38100">
+            <a:solidFill>
+              <a:srgbClr val="C00000"/>
+            </a:solidFill>
+          </a:ln>
+        </p:spPr>
+        <p:style>
+          <a:lnRef idx="2">
+            <a:schemeClr val="accent1"/>
+          </a:lnRef>
+          <a:fillRef idx="0">
+            <a:schemeClr val="accent1"/>
+          </a:fillRef>
+          <a:effectRef idx="1">
+            <a:schemeClr val="accent1"/>
+          </a:effectRef>
+          <a:fontRef idx="minor">
+            <a:schemeClr val="tx1"/>
+          </a:fontRef>
+        </p:style>
+        <p:txBody>
+          <a:bodyPr rtlCol="0" anchor="ctr"/>
+          <a:lstStyle/>
+          <a:p>
+            <a:pPr algn="ctr"/>
+            <a:endParaRPr lang="en-US">
+              <a:solidFill>
+                <a:schemeClr val="accent2">
+                  <a:lumMod val="75000"/>
+                </a:schemeClr>
+              </a:solidFill>
+            </a:endParaRPr>
+          </a:p>
+        </p:txBody>
+      </p:sp>
+      <mc:AlternateContent xmlns:mc="http://schemas.openxmlformats.org/markup-compatibility/2006">
+        <mc:Choice xmlns:a14="http://schemas.microsoft.com/office/drawing/2010/main" Requires="a14">
+          <p:sp>
+            <p:nvSpPr>
+              <p:cNvPr id="22" name="TextBox 21">
+                <a:extLst>
+                  <a:ext uri="{FF2B5EF4-FFF2-40B4-BE49-F238E27FC236}">
+                    <a16:creationId xmlns:a16="http://schemas.microsoft.com/office/drawing/2014/main" id="{6BE7878D-FADE-2D7F-34B4-A81EAF19A322}"/>
+                  </a:ext>
+                </a:extLst>
+              </p:cNvPr>
+              <p:cNvSpPr txBox="1"/>
+              <p:nvPr/>
+            </p:nvSpPr>
+            <p:spPr>
+              <a:xfrm>
+                <a:off x="9742608" y="213001"/>
+                <a:ext cx="1129218" cy="523220"/>
+              </a:xfrm>
+              <a:prstGeom prst="rect">
+                <a:avLst/>
+              </a:prstGeom>
+              <a:noFill/>
+            </p:spPr>
+            <p:txBody>
+              <a:bodyPr wrap="square" rtlCol="0">
+                <a:spAutoFit/>
+              </a:bodyPr>
+              <a:lstStyle/>
+              <a:p>
+                <a:pPr/>
+                <a14:m>
+                  <m:oMathPara xmlns:m="http://schemas.openxmlformats.org/officeDocument/2006/math">
+                    <m:oMathParaPr>
+                      <m:jc m:val="centerGroup"/>
+                    </m:oMathParaPr>
+                    <m:oMath xmlns:m="http://schemas.openxmlformats.org/officeDocument/2006/math">
+                      <m:sSub>
+                        <m:sSubPr>
+                          <m:ctrlPr>
+                            <a:rPr lang="en-US" sz="2800" b="1" i="1" smtClean="0">
+                              <a:latin typeface="Cambria Math" panose="02040503050406030204" pitchFamily="18" charset="0"/>
+                            </a:rPr>
+                          </m:ctrlPr>
+                        </m:sSubPr>
+                        <m:e>
+                          <m:r>
+                            <a:rPr lang="en-US" sz="2800" b="1" i="1" smtClean="0">
+                              <a:latin typeface="Cambria Math" panose="02040503050406030204" pitchFamily="18" charset="0"/>
+                            </a:rPr>
+                            <m:t>𝒘</m:t>
+                          </m:r>
+                        </m:e>
+                        <m:sub>
+                          <m:r>
+                            <a:rPr lang="en-US" sz="2800" b="1" i="1" smtClean="0">
+                              <a:latin typeface="Cambria Math" panose="02040503050406030204" pitchFamily="18" charset="0"/>
+                            </a:rPr>
+                            <m:t>𝑪</m:t>
+                          </m:r>
+                        </m:sub>
+                      </m:sSub>
+                    </m:oMath>
+                  </m:oMathPara>
+                </a14:m>
+                <a:endParaRPr lang="en-US" sz="2800" b="1" dirty="0"/>
+              </a:p>
+            </p:txBody>
+          </p:sp>
+        </mc:Choice>
+        <mc:Fallback>
+          <p:sp>
+            <p:nvSpPr>
+              <p:cNvPr id="22" name="TextBox 21">
+                <a:extLst>
+                  <a:ext uri="{FF2B5EF4-FFF2-40B4-BE49-F238E27FC236}">
+                    <a16:creationId xmlns:a16="http://schemas.microsoft.com/office/drawing/2014/main" id="{6BE7878D-FADE-2D7F-34B4-A81EAF19A322}"/>
+                  </a:ext>
+                </a:extLst>
+              </p:cNvPr>
+              <p:cNvSpPr txBox="1">
+                <a:spLocks noRot="1" noChangeAspect="1" noMove="1" noResize="1" noEditPoints="1" noAdjustHandles="1" noChangeArrowheads="1" noChangeShapeType="1" noTextEdit="1"/>
+              </p:cNvSpPr>
+              <p:nvPr/>
+            </p:nvSpPr>
+            <p:spPr>
+              <a:xfrm>
+                <a:off x="9742608" y="213001"/>
+                <a:ext cx="1129218" cy="523220"/>
+              </a:xfrm>
+              <a:prstGeom prst="rect">
+                <a:avLst/>
+              </a:prstGeom>
+              <a:blipFill>
+                <a:blip r:embed="rId4"/>
+                <a:stretch>
+                  <a:fillRect b="-2326"/>
+                </a:stretch>
+              </a:blipFill>
+            </p:spPr>
+            <p:txBody>
+              <a:bodyPr/>
+              <a:lstStyle/>
+              <a:p>
+                <a:r>
+                  <a:rPr lang="en-US">
+                    <a:noFill/>
+                  </a:rPr>
+                  <a:t> </a:t>
+                </a:r>
+              </a:p>
+            </p:txBody>
+          </p:sp>
+        </mc:Fallback>
+      </mc:AlternateContent>
+      <mc:AlternateContent xmlns:mc="http://schemas.openxmlformats.org/markup-compatibility/2006">
+        <mc:Choice xmlns:a14="http://schemas.microsoft.com/office/drawing/2010/main" Requires="a14">
+          <p:sp>
+            <p:nvSpPr>
+              <p:cNvPr id="2" name="TextBox 1">
+                <a:extLst>
+                  <a:ext uri="{FF2B5EF4-FFF2-40B4-BE49-F238E27FC236}">
+                    <a16:creationId xmlns:a16="http://schemas.microsoft.com/office/drawing/2014/main" id="{7AD64D83-AF8F-5453-5C32-D384375B585E}"/>
+                  </a:ext>
+                </a:extLst>
+              </p:cNvPr>
+              <p:cNvSpPr txBox="1"/>
+              <p:nvPr/>
+            </p:nvSpPr>
+            <p:spPr>
+              <a:xfrm>
+                <a:off x="9742608" y="1748341"/>
+                <a:ext cx="1129218" cy="523220"/>
+              </a:xfrm>
+              <a:prstGeom prst="rect">
+                <a:avLst/>
+              </a:prstGeom>
+              <a:noFill/>
+            </p:spPr>
+            <p:txBody>
+              <a:bodyPr wrap="square" rtlCol="0">
+                <a:spAutoFit/>
+              </a:bodyPr>
+              <a:lstStyle/>
+              <a:p>
+                <a:pPr/>
+                <a14:m>
+                  <m:oMathPara xmlns:m="http://schemas.openxmlformats.org/officeDocument/2006/math">
+                    <m:oMathParaPr>
+                      <m:jc m:val="centerGroup"/>
+                    </m:oMathParaPr>
+                    <m:oMath xmlns:m="http://schemas.openxmlformats.org/officeDocument/2006/math">
+                      <m:sSub>
+                        <m:sSubPr>
+                          <m:ctrlPr>
+                            <a:rPr lang="en-US" sz="2800" b="1" i="1" smtClean="0">
+                              <a:solidFill>
+                                <a:srgbClr val="C00000"/>
+                              </a:solidFill>
+                              <a:latin typeface="Cambria Math" panose="02040503050406030204" pitchFamily="18" charset="0"/>
+                            </a:rPr>
+                          </m:ctrlPr>
+                        </m:sSubPr>
+                        <m:e>
+                          <m:acc>
+                            <m:accPr>
+                              <m:chr m:val="̅"/>
+                              <m:ctrlPr>
+                                <a:rPr lang="en-US" sz="2800" b="1" i="1" smtClean="0">
+                                  <a:solidFill>
+                                    <a:srgbClr val="C00000"/>
+                                  </a:solidFill>
+                                  <a:latin typeface="Cambria Math" panose="02040503050406030204" pitchFamily="18" charset="0"/>
+                                </a:rPr>
+                              </m:ctrlPr>
+                            </m:accPr>
+                            <m:e>
+                              <m:r>
+                                <a:rPr lang="en-US" sz="2800" b="1" i="1" smtClean="0">
+                                  <a:solidFill>
+                                    <a:srgbClr val="C00000"/>
+                                  </a:solidFill>
+                                  <a:latin typeface="Cambria Math" panose="02040503050406030204" pitchFamily="18" charset="0"/>
+                                </a:rPr>
+                                <m:t>𝒘</m:t>
+                              </m:r>
+                            </m:e>
+                          </m:acc>
+                        </m:e>
+                        <m:sub>
+                          <m:r>
+                            <a:rPr lang="en-US" sz="2800" b="1" i="1" smtClean="0">
+                              <a:solidFill>
+                                <a:srgbClr val="C00000"/>
+                              </a:solidFill>
+                              <a:latin typeface="Cambria Math" panose="02040503050406030204" pitchFamily="18" charset="0"/>
+                            </a:rPr>
+                            <m:t>𝑪</m:t>
+                          </m:r>
+                        </m:sub>
+                      </m:sSub>
+                    </m:oMath>
+                  </m:oMathPara>
+                </a14:m>
+                <a:endParaRPr lang="en-US" sz="2800" b="1" dirty="0">
+                  <a:solidFill>
+                    <a:srgbClr val="C00000"/>
+                  </a:solidFill>
+                </a:endParaRPr>
+              </a:p>
+            </p:txBody>
+          </p:sp>
+        </mc:Choice>
+        <mc:Fallback>
+          <p:sp>
+            <p:nvSpPr>
+              <p:cNvPr id="2" name="TextBox 1">
+                <a:extLst>
+                  <a:ext uri="{FF2B5EF4-FFF2-40B4-BE49-F238E27FC236}">
+                    <a16:creationId xmlns:a16="http://schemas.microsoft.com/office/drawing/2014/main" id="{7AD64D83-AF8F-5453-5C32-D384375B585E}"/>
+                  </a:ext>
+                </a:extLst>
+              </p:cNvPr>
+              <p:cNvSpPr txBox="1">
+                <a:spLocks noRot="1" noChangeAspect="1" noMove="1" noResize="1" noEditPoints="1" noAdjustHandles="1" noChangeArrowheads="1" noChangeShapeType="1" noTextEdit="1"/>
+              </p:cNvSpPr>
+              <p:nvPr/>
+            </p:nvSpPr>
+            <p:spPr>
+              <a:xfrm>
+                <a:off x="9742608" y="1748341"/>
+                <a:ext cx="1129218" cy="523220"/>
+              </a:xfrm>
+              <a:prstGeom prst="rect">
+                <a:avLst/>
+              </a:prstGeom>
+              <a:blipFill>
+                <a:blip r:embed="rId5"/>
+                <a:stretch>
+                  <a:fillRect/>
+                </a:stretch>
+              </a:blipFill>
+            </p:spPr>
+            <p:txBody>
+              <a:bodyPr/>
+              <a:lstStyle/>
+              <a:p>
+                <a:r>
+                  <a:rPr lang="en-US">
+                    <a:noFill/>
+                  </a:rPr>
+                  <a:t> </a:t>
+                </a:r>
+              </a:p>
+            </p:txBody>
+          </p:sp>
+        </mc:Fallback>
+      </mc:AlternateContent>
+      <p:cxnSp>
+        <p:nvCxnSpPr>
+          <p:cNvPr id="4" name="Straight Connector 3">
+            <a:extLst>
+              <a:ext uri="{FF2B5EF4-FFF2-40B4-BE49-F238E27FC236}">
+                <a16:creationId xmlns:a16="http://schemas.microsoft.com/office/drawing/2014/main" id="{7B677D8B-76DA-DFB1-1EF8-C60038D9511F}"/>
+              </a:ext>
+            </a:extLst>
+          </p:cNvPr>
+          <p:cNvCxnSpPr>
+            <a:cxnSpLocks/>
+          </p:cNvCxnSpPr>
+          <p:nvPr/>
+        </p:nvCxnSpPr>
+        <p:spPr>
+          <a:xfrm flipV="1">
+            <a:off x="8251901" y="2062063"/>
+            <a:ext cx="0" cy="3779884"/>
+          </a:xfrm>
+          <a:prstGeom prst="line">
+            <a:avLst/>
+          </a:prstGeom>
+          <a:ln w="38100">
+            <a:prstDash val="dash"/>
+          </a:ln>
+        </p:spPr>
+        <p:style>
+          <a:lnRef idx="2">
+            <a:schemeClr val="accent1"/>
+          </a:lnRef>
+          <a:fillRef idx="0">
+            <a:schemeClr val="accent1"/>
+          </a:fillRef>
+          <a:effectRef idx="1">
+            <a:schemeClr val="accent1"/>
+          </a:effectRef>
+          <a:fontRef idx="minor">
+            <a:schemeClr val="tx1"/>
+          </a:fontRef>
+        </p:style>
+      </p:cxnSp>
+      <p:sp>
+        <p:nvSpPr>
+          <p:cNvPr id="9" name="Oval 8">
+            <a:extLst>
+              <a:ext uri="{FF2B5EF4-FFF2-40B4-BE49-F238E27FC236}">
+                <a16:creationId xmlns:a16="http://schemas.microsoft.com/office/drawing/2014/main" id="{8A463B6E-F0DE-C9E0-6EDA-A3F15AEA2ECF}"/>
+              </a:ext>
+            </a:extLst>
+          </p:cNvPr>
+          <p:cNvSpPr/>
+          <p:nvPr/>
+        </p:nvSpPr>
+        <p:spPr>
+          <a:xfrm>
+            <a:off x="8128826" y="1852931"/>
+            <a:ext cx="246150" cy="247711"/>
+          </a:xfrm>
+          <a:prstGeom prst="ellipse">
+            <a:avLst/>
+          </a:prstGeom>
+          <a:solidFill>
+            <a:srgbClr val="C00000"/>
+          </a:solidFill>
+          <a:ln>
+            <a:solidFill>
+              <a:schemeClr val="tx1"/>
+            </a:solidFill>
+          </a:ln>
+        </p:spPr>
+        <p:style>
+          <a:lnRef idx="2">
+            <a:schemeClr val="accent1">
+              <a:shade val="15000"/>
+            </a:schemeClr>
+          </a:lnRef>
+          <a:fillRef idx="1">
+            <a:schemeClr val="accent1"/>
+          </a:fillRef>
+          <a:effectRef idx="0">
+            <a:schemeClr val="accent1"/>
+          </a:effectRef>
+          <a:fontRef idx="minor">
+            <a:schemeClr val="lt1"/>
+          </a:fontRef>
+        </p:style>
+        <p:txBody>
+          <a:bodyPr rtlCol="0" anchor="ctr"/>
+          <a:lstStyle/>
+          <a:p>
+            <a:pPr algn="ctr"/>
+            <a:endParaRPr lang="en-US"/>
+          </a:p>
+        </p:txBody>
+      </p:sp>
+      <p:cxnSp>
+        <p:nvCxnSpPr>
+          <p:cNvPr id="10" name="Straight Connector 9">
+            <a:extLst>
+              <a:ext uri="{FF2B5EF4-FFF2-40B4-BE49-F238E27FC236}">
+                <a16:creationId xmlns:a16="http://schemas.microsoft.com/office/drawing/2014/main" id="{30C93815-A51F-F51B-DAD1-002266702112}"/>
+              </a:ext>
+            </a:extLst>
+          </p:cNvPr>
+          <p:cNvCxnSpPr>
+            <a:cxnSpLocks/>
+          </p:cNvCxnSpPr>
+          <p:nvPr/>
+        </p:nvCxnSpPr>
+        <p:spPr>
+          <a:xfrm>
+            <a:off x="8374976" y="1976787"/>
+            <a:ext cx="1585262" cy="0"/>
+          </a:xfrm>
+          <a:prstGeom prst="line">
+            <a:avLst/>
+          </a:prstGeom>
+          <a:ln w="38100">
+            <a:prstDash val="dash"/>
+          </a:ln>
+        </p:spPr>
+        <p:style>
+          <a:lnRef idx="2">
+            <a:schemeClr val="accent1"/>
+          </a:lnRef>
+          <a:fillRef idx="0">
+            <a:schemeClr val="accent1"/>
+          </a:fillRef>
+          <a:effectRef idx="1">
+            <a:schemeClr val="accent1"/>
+          </a:effectRef>
+          <a:fontRef idx="minor">
+            <a:schemeClr val="tx1"/>
+          </a:fontRef>
+        </p:style>
+      </p:cxnSp>
+      <p:sp>
+        <p:nvSpPr>
+          <p:cNvPr id="11" name="Right Brace 10">
+            <a:extLst>
+              <a:ext uri="{FF2B5EF4-FFF2-40B4-BE49-F238E27FC236}">
+                <a16:creationId xmlns:a16="http://schemas.microsoft.com/office/drawing/2014/main" id="{0923AB6B-7F12-972E-8EB5-AEBA32BC3F00}"/>
+              </a:ext>
+            </a:extLst>
+          </p:cNvPr>
+          <p:cNvSpPr/>
+          <p:nvPr/>
+        </p:nvSpPr>
+        <p:spPr>
+          <a:xfrm rot="5400000">
+            <a:off x="4343639" y="2466464"/>
+            <a:ext cx="356839" cy="7213534"/>
+          </a:xfrm>
+          <a:prstGeom prst="rightBrace">
+            <a:avLst/>
+          </a:prstGeom>
+          <a:ln w="38100">
+            <a:solidFill>
+              <a:schemeClr val="tx2">
+                <a:lumMod val="50000"/>
+                <a:lumOff val="50000"/>
+              </a:schemeClr>
+            </a:solidFill>
+          </a:ln>
+        </p:spPr>
+        <p:style>
+          <a:lnRef idx="2">
+            <a:schemeClr val="accent1"/>
+          </a:lnRef>
+          <a:fillRef idx="0">
+            <a:schemeClr val="accent1"/>
+          </a:fillRef>
+          <a:effectRef idx="1">
+            <a:schemeClr val="accent1"/>
+          </a:effectRef>
+          <a:fontRef idx="minor">
+            <a:schemeClr val="tx1"/>
+          </a:fontRef>
+        </p:style>
+        <p:txBody>
+          <a:bodyPr rtlCol="0" anchor="ctr"/>
+          <a:lstStyle/>
+          <a:p>
+            <a:pPr algn="ctr"/>
+            <a:endParaRPr lang="en-US">
+              <a:solidFill>
+                <a:schemeClr val="accent2">
+                  <a:lumMod val="75000"/>
+                </a:schemeClr>
+              </a:solidFill>
+            </a:endParaRPr>
+          </a:p>
+        </p:txBody>
+      </p:sp>
+      <mc:AlternateContent xmlns:mc="http://schemas.openxmlformats.org/markup-compatibility/2006">
+        <mc:Choice xmlns:a14="http://schemas.microsoft.com/office/drawing/2010/main" Requires="a14">
+          <p:sp>
+            <p:nvSpPr>
+              <p:cNvPr id="12" name="TextBox 11">
+                <a:extLst>
+                  <a:ext uri="{FF2B5EF4-FFF2-40B4-BE49-F238E27FC236}">
+                    <a16:creationId xmlns:a16="http://schemas.microsoft.com/office/drawing/2014/main" id="{1310F2DC-CE59-5041-ADB3-9AE9EE133CA1}"/>
+                  </a:ext>
+                </a:extLst>
+              </p:cNvPr>
+              <p:cNvSpPr txBox="1"/>
+              <p:nvPr/>
+            </p:nvSpPr>
+            <p:spPr>
+              <a:xfrm>
+                <a:off x="4293128" y="6251651"/>
+                <a:ext cx="457859" cy="530915"/>
+              </a:xfrm>
+              <a:prstGeom prst="rect">
+                <a:avLst/>
+              </a:prstGeom>
+              <a:noFill/>
+            </p:spPr>
+            <p:txBody>
+              <a:bodyPr wrap="square" rtlCol="0">
+                <a:spAutoFit/>
+              </a:bodyPr>
+              <a:lstStyle/>
+              <a:p>
+                <a:pPr/>
+                <a14:m>
+                  <m:oMathPara xmlns:m="http://schemas.openxmlformats.org/officeDocument/2006/math">
+                    <m:oMathParaPr>
+                      <m:jc m:val="centerGroup"/>
+                    </m:oMathParaPr>
+                    <m:oMath xmlns:m="http://schemas.openxmlformats.org/officeDocument/2006/math">
+                      <m:sSup>
+                        <m:sSupPr>
+                          <m:ctrlPr>
+                            <a:rPr lang="en-US" sz="2800" b="1" i="1" smtClean="0">
+                              <a:solidFill>
+                                <a:schemeClr val="tx2">
+                                  <a:lumMod val="50000"/>
+                                  <a:lumOff val="50000"/>
+                                </a:schemeClr>
+                              </a:solidFill>
+                              <a:latin typeface="Cambria Math" panose="02040503050406030204" pitchFamily="18" charset="0"/>
+                            </a:rPr>
+                          </m:ctrlPr>
+                        </m:sSupPr>
+                        <m:e>
+                          <m:r>
+                            <a:rPr lang="en-US" sz="2800" b="1" i="1" smtClean="0">
+                              <a:solidFill>
+                                <a:schemeClr val="tx2">
+                                  <a:lumMod val="50000"/>
+                                  <a:lumOff val="50000"/>
+                                </a:schemeClr>
+                              </a:solidFill>
+                              <a:latin typeface="Cambria Math" panose="02040503050406030204" pitchFamily="18" charset="0"/>
+                            </a:rPr>
+                            <m:t>𝑳</m:t>
+                          </m:r>
+                        </m:e>
+                        <m:sup>
+                          <m:r>
+                            <a:rPr lang="en-US" sz="2800" b="1" i="1" smtClean="0">
+                              <a:solidFill>
+                                <a:schemeClr val="tx2">
+                                  <a:lumMod val="50000"/>
+                                  <a:lumOff val="50000"/>
+                                </a:schemeClr>
+                              </a:solidFill>
+                              <a:latin typeface="Cambria Math" panose="02040503050406030204" pitchFamily="18" charset="0"/>
+                            </a:rPr>
+                            <m:t>𝑹</m:t>
+                          </m:r>
+                        </m:sup>
+                      </m:sSup>
+                    </m:oMath>
+                  </m:oMathPara>
+                </a14:m>
+                <a:endParaRPr lang="en-US" sz="2800" b="1" dirty="0">
+                  <a:solidFill>
+                    <a:schemeClr val="tx2">
+                      <a:lumMod val="50000"/>
+                      <a:lumOff val="50000"/>
+                    </a:schemeClr>
+                  </a:solidFill>
+                </a:endParaRPr>
+              </a:p>
+            </p:txBody>
+          </p:sp>
+        </mc:Choice>
+        <mc:Fallback>
+          <p:sp>
+            <p:nvSpPr>
+              <p:cNvPr id="12" name="TextBox 11">
+                <a:extLst>
+                  <a:ext uri="{FF2B5EF4-FFF2-40B4-BE49-F238E27FC236}">
+                    <a16:creationId xmlns:a16="http://schemas.microsoft.com/office/drawing/2014/main" id="{1310F2DC-CE59-5041-ADB3-9AE9EE133CA1}"/>
+                  </a:ext>
+                </a:extLst>
+              </p:cNvPr>
+              <p:cNvSpPr txBox="1">
+                <a:spLocks noRot="1" noChangeAspect="1" noMove="1" noResize="1" noEditPoints="1" noAdjustHandles="1" noChangeArrowheads="1" noChangeShapeType="1" noTextEdit="1"/>
+              </p:cNvSpPr>
+              <p:nvPr/>
+            </p:nvSpPr>
+            <p:spPr>
+              <a:xfrm>
+                <a:off x="4293128" y="6251651"/>
+                <a:ext cx="457859" cy="530915"/>
+              </a:xfrm>
+              <a:prstGeom prst="rect">
+                <a:avLst/>
+              </a:prstGeom>
+              <a:blipFill>
+                <a:blip r:embed="rId6"/>
+                <a:stretch>
+                  <a:fillRect l="-5405" r="-24324"/>
+                </a:stretch>
+              </a:blipFill>
+            </p:spPr>
+            <p:txBody>
+              <a:bodyPr/>
+              <a:lstStyle/>
+              <a:p>
+                <a:r>
+                  <a:rPr lang="en-US">
+                    <a:noFill/>
+                  </a:rPr>
+                  <a:t> </a:t>
+                </a:r>
+              </a:p>
+            </p:txBody>
+          </p:sp>
+        </mc:Fallback>
+      </mc:AlternateContent>
+      <mc:AlternateContent xmlns:mc="http://schemas.openxmlformats.org/markup-compatibility/2006">
+        <mc:Choice xmlns:a14="http://schemas.microsoft.com/office/drawing/2010/main" Requires="a14">
+          <p:sp>
+            <p:nvSpPr>
+              <p:cNvPr id="13" name="TextBox 12">
+                <a:extLst>
+                  <a:ext uri="{FF2B5EF4-FFF2-40B4-BE49-F238E27FC236}">
+                    <a16:creationId xmlns:a16="http://schemas.microsoft.com/office/drawing/2014/main" id="{E87CEDC3-5E4A-7ABB-8650-08A13CBFF570}"/>
+                  </a:ext>
+                </a:extLst>
+              </p:cNvPr>
+              <p:cNvSpPr txBox="1"/>
+              <p:nvPr/>
+            </p:nvSpPr>
+            <p:spPr>
+              <a:xfrm>
+                <a:off x="6468031" y="1364607"/>
+                <a:ext cx="1126864" cy="532966"/>
+              </a:xfrm>
+              <a:prstGeom prst="rect">
+                <a:avLst/>
+              </a:prstGeom>
+              <a:noFill/>
+              <a:ln>
+                <a:noFill/>
+              </a:ln>
+            </p:spPr>
+            <p:txBody>
+              <a:bodyPr wrap="square" rtlCol="0">
+                <a:spAutoFit/>
+              </a:bodyPr>
+              <a:lstStyle/>
+              <a:p>
+                <a14:m>
+                  <m:oMathPara xmlns:m="http://schemas.openxmlformats.org/officeDocument/2006/math">
+                    <m:oMathParaPr>
+                      <m:jc m:val="centerGroup"/>
+                    </m:oMathParaPr>
+                    <m:oMath xmlns:m="http://schemas.openxmlformats.org/officeDocument/2006/math">
+                      <m:r>
+                        <a:rPr lang="en-US" sz="2800" b="1" i="1" smtClean="0">
+                          <a:solidFill>
+                            <a:schemeClr val="accent5">
+                              <a:lumMod val="60000"/>
+                              <a:lumOff val="40000"/>
+                            </a:schemeClr>
+                          </a:solidFill>
+                          <a:latin typeface="Cambria Math" panose="02040503050406030204" pitchFamily="18" charset="0"/>
+                        </a:rPr>
+                        <m:t>𝑬</m:t>
+                      </m:r>
+                      <m:r>
+                        <a:rPr lang="en-US" sz="2800" b="1" i="1" smtClean="0">
+                          <a:solidFill>
+                            <a:schemeClr val="accent5">
+                              <a:lumMod val="60000"/>
+                              <a:lumOff val="40000"/>
+                            </a:schemeClr>
+                          </a:solidFill>
+                          <a:latin typeface="Cambria Math" panose="02040503050406030204" pitchFamily="18" charset="0"/>
+                        </a:rPr>
+                        <m:t>(</m:t>
+                      </m:r>
+                      <m:sSup>
+                        <m:sSupPr>
+                          <m:ctrlPr>
+                            <a:rPr lang="en-US" sz="2800" b="1" i="1" smtClean="0">
+                              <a:solidFill>
+                                <a:schemeClr val="accent5">
+                                  <a:lumMod val="60000"/>
+                                  <a:lumOff val="40000"/>
+                                </a:schemeClr>
+                              </a:solidFill>
+                              <a:latin typeface="Cambria Math" panose="02040503050406030204" pitchFamily="18" charset="0"/>
+                            </a:rPr>
+                          </m:ctrlPr>
+                        </m:sSupPr>
+                        <m:e>
+                          <m:acc>
+                            <m:accPr>
+                              <m:chr m:val="̅"/>
+                              <m:ctrlPr>
+                                <a:rPr lang="en-US" sz="2800" b="1" i="1" smtClean="0">
+                                  <a:solidFill>
+                                    <a:schemeClr val="accent5">
+                                      <a:lumMod val="60000"/>
+                                      <a:lumOff val="40000"/>
+                                    </a:schemeClr>
+                                  </a:solidFill>
+                                  <a:latin typeface="Cambria Math" panose="02040503050406030204" pitchFamily="18" charset="0"/>
+                                </a:rPr>
+                              </m:ctrlPr>
+                            </m:accPr>
+                            <m:e>
+                              <m:r>
+                                <a:rPr lang="en-US" sz="2800" b="1" i="1" smtClean="0">
+                                  <a:solidFill>
+                                    <a:schemeClr val="accent5">
+                                      <a:lumMod val="60000"/>
+                                      <a:lumOff val="40000"/>
+                                    </a:schemeClr>
+                                  </a:solidFill>
+                                  <a:latin typeface="Cambria Math" panose="02040503050406030204" pitchFamily="18" charset="0"/>
+                                </a:rPr>
+                                <m:t>𝒘</m:t>
+                              </m:r>
+                            </m:e>
+                          </m:acc>
+                        </m:e>
+                        <m:sup>
+                          <m:r>
+                            <a:rPr lang="en-US" sz="2800" b="1" i="1" smtClean="0">
+                              <a:solidFill>
+                                <a:schemeClr val="accent5">
+                                  <a:lumMod val="60000"/>
+                                  <a:lumOff val="40000"/>
+                                </a:schemeClr>
+                              </a:solidFill>
+                              <a:latin typeface="Cambria Math" panose="02040503050406030204" pitchFamily="18" charset="0"/>
+                            </a:rPr>
+                            <m:t>𝑪</m:t>
+                          </m:r>
+                        </m:sup>
+                      </m:sSup>
+                      <m:r>
+                        <a:rPr lang="en-US" sz="2800" b="1" i="1" smtClean="0">
+                          <a:solidFill>
+                            <a:schemeClr val="accent5">
+                              <a:lumMod val="60000"/>
+                              <a:lumOff val="40000"/>
+                            </a:schemeClr>
+                          </a:solidFill>
+                          <a:latin typeface="Cambria Math" panose="02040503050406030204" pitchFamily="18" charset="0"/>
+                        </a:rPr>
+                        <m:t>)</m:t>
+                      </m:r>
+                    </m:oMath>
+                  </m:oMathPara>
+                </a14:m>
+                <a:endParaRPr lang="en-US" sz="2800" b="1" dirty="0">
+                  <a:solidFill>
+                    <a:schemeClr val="accent5">
+                      <a:lumMod val="60000"/>
+                      <a:lumOff val="40000"/>
+                    </a:schemeClr>
+                  </a:solidFill>
+                </a:endParaRPr>
+              </a:p>
+            </p:txBody>
+          </p:sp>
+        </mc:Choice>
+        <mc:Fallback>
+          <p:sp>
+            <p:nvSpPr>
+              <p:cNvPr id="13" name="TextBox 12">
+                <a:extLst>
+                  <a:ext uri="{FF2B5EF4-FFF2-40B4-BE49-F238E27FC236}">
+                    <a16:creationId xmlns:a16="http://schemas.microsoft.com/office/drawing/2014/main" id="{E87CEDC3-5E4A-7ABB-8650-08A13CBFF570}"/>
+                  </a:ext>
+                </a:extLst>
+              </p:cNvPr>
+              <p:cNvSpPr txBox="1">
+                <a:spLocks noRot="1" noChangeAspect="1" noMove="1" noResize="1" noEditPoints="1" noAdjustHandles="1" noChangeArrowheads="1" noChangeShapeType="1" noTextEdit="1"/>
+              </p:cNvSpPr>
+              <p:nvPr/>
+            </p:nvSpPr>
+            <p:spPr>
+              <a:xfrm>
+                <a:off x="6468031" y="1364607"/>
+                <a:ext cx="1126864" cy="532966"/>
+              </a:xfrm>
+              <a:prstGeom prst="rect">
+                <a:avLst/>
+              </a:prstGeom>
+              <a:blipFill>
+                <a:blip r:embed="rId7"/>
+                <a:stretch>
+                  <a:fillRect l="-3333" r="-10000" b="-18605"/>
+                </a:stretch>
+              </a:blipFill>
+              <a:ln>
+                <a:noFill/>
+              </a:ln>
+            </p:spPr>
+            <p:txBody>
+              <a:bodyPr/>
+              <a:lstStyle/>
+              <a:p>
+                <a:r>
+                  <a:rPr lang="en-US">
+                    <a:noFill/>
+                  </a:rPr>
+                  <a:t> </a:t>
+                </a:r>
+              </a:p>
+            </p:txBody>
+          </p:sp>
+        </mc:Fallback>
+      </mc:AlternateContent>
+      <p:sp>
+        <p:nvSpPr>
+          <p:cNvPr id="20" name="Freeform 19">
+            <a:extLst>
+              <a:ext uri="{FF2B5EF4-FFF2-40B4-BE49-F238E27FC236}">
+                <a16:creationId xmlns:a16="http://schemas.microsoft.com/office/drawing/2014/main" id="{D755132E-E6D6-966D-0132-8A744FE1870A}"/>
+              </a:ext>
+            </a:extLst>
+          </p:cNvPr>
+          <p:cNvSpPr/>
+          <p:nvPr/>
+        </p:nvSpPr>
+        <p:spPr>
+          <a:xfrm rot="1031462" flipH="1">
+            <a:off x="6017016" y="1671820"/>
+            <a:ext cx="407094" cy="869795"/>
+          </a:xfrm>
+          <a:custGeom>
+            <a:avLst/>
+            <a:gdLst>
+              <a:gd name="connsiteX0" fmla="*/ 0 w 267817"/>
+              <a:gd name="connsiteY0" fmla="*/ 869795 h 869795"/>
+              <a:gd name="connsiteX1" fmla="*/ 267630 w 267817"/>
+              <a:gd name="connsiteY1" fmla="*/ 423746 h 869795"/>
+              <a:gd name="connsiteX2" fmla="*/ 33454 w 267817"/>
+              <a:gd name="connsiteY2" fmla="*/ 0 h 869795"/>
+            </a:gdLst>
+            <a:ahLst/>
+            <a:cxnLst>
+              <a:cxn ang="0">
+                <a:pos x="connsiteX0" y="connsiteY0"/>
+              </a:cxn>
+              <a:cxn ang="0">
+                <a:pos x="connsiteX1" y="connsiteY1"/>
+              </a:cxn>
+              <a:cxn ang="0">
+                <a:pos x="connsiteX2" y="connsiteY2"/>
+              </a:cxn>
+            </a:cxnLst>
+            <a:rect l="l" t="t" r="r" b="b"/>
+            <a:pathLst>
+              <a:path w="267817" h="869795">
+                <a:moveTo>
+                  <a:pt x="0" y="869795"/>
+                </a:moveTo>
+                <a:cubicBezTo>
+                  <a:pt x="131027" y="719253"/>
+                  <a:pt x="262054" y="568712"/>
+                  <a:pt x="267630" y="423746"/>
+                </a:cubicBezTo>
+                <a:cubicBezTo>
+                  <a:pt x="273206" y="278780"/>
+                  <a:pt x="153330" y="139390"/>
+                  <a:pt x="33454" y="0"/>
+                </a:cubicBezTo>
+              </a:path>
+            </a:pathLst>
+          </a:custGeom>
+          <a:noFill/>
+          <a:ln w="38100">
+            <a:solidFill>
+              <a:schemeClr val="accent5">
+                <a:lumMod val="60000"/>
+                <a:lumOff val="40000"/>
+              </a:schemeClr>
+            </a:solidFill>
+            <a:headEnd type="none" w="med" len="med"/>
+            <a:tailEnd type="arrow" w="med" len="med"/>
+          </a:ln>
+        </p:spPr>
+        <p:style>
+          <a:lnRef idx="2">
+            <a:schemeClr val="accent1">
+              <a:shade val="15000"/>
+            </a:schemeClr>
+          </a:lnRef>
+          <a:fillRef idx="1">
+            <a:schemeClr val="accent1"/>
+          </a:fillRef>
+          <a:effectRef idx="0">
+            <a:schemeClr val="accent1"/>
+          </a:effectRef>
+          <a:fontRef idx="minor">
+            <a:schemeClr val="lt1"/>
+          </a:fontRef>
+        </p:style>
+        <p:txBody>
+          <a:bodyPr rtlCol="0" anchor="ctr"/>
+          <a:lstStyle/>
+          <a:p>
+            <a:pPr algn="ctr"/>
+            <a:endParaRPr lang="en-US"/>
+          </a:p>
+        </p:txBody>
+      </p:sp>
+      <mc:AlternateContent xmlns:mc="http://schemas.openxmlformats.org/markup-compatibility/2006">
+        <mc:Choice xmlns:a14="http://schemas.microsoft.com/office/drawing/2010/main" Requires="a14">
+          <p:sp>
+            <p:nvSpPr>
+              <p:cNvPr id="23" name="TextBox 22">
+                <a:extLst>
+                  <a:ext uri="{FF2B5EF4-FFF2-40B4-BE49-F238E27FC236}">
+                    <a16:creationId xmlns:a16="http://schemas.microsoft.com/office/drawing/2014/main" id="{B682A727-0CDF-C47F-84A6-B1EAD75E0B61}"/>
+                  </a:ext>
+                </a:extLst>
+              </p:cNvPr>
+              <p:cNvSpPr txBox="1"/>
+              <p:nvPr/>
+            </p:nvSpPr>
+            <p:spPr>
+              <a:xfrm>
+                <a:off x="1187550" y="264839"/>
+                <a:ext cx="5133923" cy="1353576"/>
+              </a:xfrm>
+              <a:prstGeom prst="rect">
+                <a:avLst/>
+              </a:prstGeom>
+              <a:noFill/>
+              <a:ln>
+                <a:noFill/>
+              </a:ln>
+            </p:spPr>
+            <p:txBody>
+              <a:bodyPr wrap="square" rtlCol="0">
+                <a:spAutoFit/>
+              </a:bodyPr>
+              <a:lstStyle/>
+              <a:p>
+                <a14:m>
+                  <m:oMathPara xmlns:m="http://schemas.openxmlformats.org/officeDocument/2006/math">
+                    <m:oMathParaPr>
+                      <m:jc m:val="centerGroup"/>
+                    </m:oMathParaPr>
+                    <m:oMath xmlns:m="http://schemas.openxmlformats.org/officeDocument/2006/math">
+                      <m:r>
+                        <a:rPr lang="en-US" sz="4000" b="1" i="1" smtClean="0">
+                          <a:solidFill>
+                            <a:schemeClr val="accent5">
+                              <a:lumMod val="60000"/>
+                              <a:lumOff val="40000"/>
+                            </a:schemeClr>
+                          </a:solidFill>
+                          <a:latin typeface="Cambria Math" panose="02040503050406030204" pitchFamily="18" charset="0"/>
+                        </a:rPr>
+                        <m:t>𝑬</m:t>
+                      </m:r>
+                      <m:d>
+                        <m:dPr>
+                          <m:ctrlPr>
+                            <a:rPr lang="en-US" sz="4000" b="1" i="1" smtClean="0">
+                              <a:solidFill>
+                                <a:schemeClr val="accent5">
+                                  <a:lumMod val="60000"/>
+                                  <a:lumOff val="40000"/>
+                                </a:schemeClr>
+                              </a:solidFill>
+                              <a:latin typeface="Cambria Math" panose="02040503050406030204" pitchFamily="18" charset="0"/>
+                            </a:rPr>
+                          </m:ctrlPr>
+                        </m:dPr>
+                        <m:e>
+                          <m:sSup>
+                            <m:sSupPr>
+                              <m:ctrlPr>
+                                <a:rPr lang="en-US" sz="4000" b="1" i="1" smtClean="0">
+                                  <a:solidFill>
+                                    <a:schemeClr val="accent5">
+                                      <a:lumMod val="60000"/>
+                                      <a:lumOff val="40000"/>
+                                    </a:schemeClr>
+                                  </a:solidFill>
+                                  <a:latin typeface="Cambria Math" panose="02040503050406030204" pitchFamily="18" charset="0"/>
+                                </a:rPr>
+                              </m:ctrlPr>
+                            </m:sSupPr>
+                            <m:e>
+                              <m:acc>
+                                <m:accPr>
+                                  <m:chr m:val="̅"/>
+                                  <m:ctrlPr>
+                                    <a:rPr lang="en-US" sz="4000" b="1" i="1" smtClean="0">
+                                      <a:solidFill>
+                                        <a:schemeClr val="accent5">
+                                          <a:lumMod val="60000"/>
+                                          <a:lumOff val="40000"/>
+                                        </a:schemeClr>
+                                      </a:solidFill>
+                                      <a:latin typeface="Cambria Math" panose="02040503050406030204" pitchFamily="18" charset="0"/>
+                                    </a:rPr>
+                                  </m:ctrlPr>
+                                </m:accPr>
+                                <m:e>
+                                  <m:r>
+                                    <a:rPr lang="en-US" sz="4000" b="1" i="1" smtClean="0">
+                                      <a:solidFill>
+                                        <a:schemeClr val="accent5">
+                                          <a:lumMod val="60000"/>
+                                          <a:lumOff val="40000"/>
+                                        </a:schemeClr>
+                                      </a:solidFill>
+                                      <a:latin typeface="Cambria Math" panose="02040503050406030204" pitchFamily="18" charset="0"/>
+                                    </a:rPr>
+                                    <m:t>𝒘</m:t>
+                                  </m:r>
+                                </m:e>
+                              </m:acc>
+                            </m:e>
+                            <m:sup>
+                              <m:r>
+                                <a:rPr lang="en-US" sz="4000" b="1" i="1" smtClean="0">
+                                  <a:solidFill>
+                                    <a:schemeClr val="accent5">
+                                      <a:lumMod val="60000"/>
+                                      <a:lumOff val="40000"/>
+                                    </a:schemeClr>
+                                  </a:solidFill>
+                                  <a:latin typeface="Cambria Math" panose="02040503050406030204" pitchFamily="18" charset="0"/>
+                                </a:rPr>
+                                <m:t>𝑪</m:t>
+                              </m:r>
+                            </m:sup>
+                          </m:sSup>
+                        </m:e>
+                      </m:d>
+                      <m:r>
+                        <a:rPr lang="en-US" sz="4000" b="1" i="1" smtClean="0">
+                          <a:solidFill>
+                            <a:schemeClr val="accent5">
+                              <a:lumMod val="60000"/>
+                              <a:lumOff val="40000"/>
+                            </a:schemeClr>
+                          </a:solidFill>
+                          <a:latin typeface="Cambria Math" panose="02040503050406030204" pitchFamily="18" charset="0"/>
+                        </a:rPr>
+                        <m:t>=</m:t>
+                      </m:r>
+                      <m:f>
+                        <m:fPr>
+                          <m:ctrlPr>
+                            <a:rPr lang="en-US" sz="4000" b="1" i="0" smtClean="0">
+                              <a:solidFill>
+                                <a:schemeClr val="accent5">
+                                  <a:lumMod val="60000"/>
+                                  <a:lumOff val="40000"/>
+                                </a:schemeClr>
+                              </a:solidFill>
+                              <a:latin typeface="Cambria Math" panose="02040503050406030204" pitchFamily="18" charset="0"/>
+                            </a:rPr>
+                          </m:ctrlPr>
+                        </m:fPr>
+                        <m:num>
+                          <m:sSup>
+                            <m:sSupPr>
+                              <m:ctrlPr>
+                                <a:rPr lang="en-US" sz="4000" b="1" i="0" smtClean="0">
+                                  <a:solidFill>
+                                    <a:schemeClr val="accent5">
+                                      <a:lumMod val="60000"/>
+                                      <a:lumOff val="40000"/>
+                                    </a:schemeClr>
+                                  </a:solidFill>
+                                  <a:latin typeface="Cambria Math" panose="02040503050406030204" pitchFamily="18" charset="0"/>
+                                </a:rPr>
+                              </m:ctrlPr>
+                            </m:sSupPr>
+                            <m:e>
+                              <m:r>
+                                <a:rPr lang="en-US" sz="4000" b="1" i="0" smtClean="0">
+                                  <a:solidFill>
+                                    <a:schemeClr val="accent5">
+                                      <a:lumMod val="60000"/>
+                                      <a:lumOff val="40000"/>
+                                    </a:schemeClr>
+                                  </a:solidFill>
+                                  <a:latin typeface="Cambria Math" panose="02040503050406030204" pitchFamily="18" charset="0"/>
+                                </a:rPr>
+                                <m:t>𝐋</m:t>
+                              </m:r>
+                            </m:e>
+                            <m:sup>
+                              <m:r>
+                                <a:rPr lang="en-US" sz="4000" b="1" i="0" smtClean="0">
+                                  <a:solidFill>
+                                    <a:schemeClr val="accent5">
+                                      <a:lumMod val="60000"/>
+                                      <a:lumOff val="40000"/>
+                                    </a:schemeClr>
+                                  </a:solidFill>
+                                  <a:latin typeface="Cambria Math" panose="02040503050406030204" pitchFamily="18" charset="0"/>
+                                </a:rPr>
+                                <m:t>𝐂</m:t>
+                              </m:r>
+                            </m:sup>
+                          </m:sSup>
+                        </m:num>
+                        <m:den>
+                          <m:sSup>
+                            <m:sSupPr>
+                              <m:ctrlPr>
+                                <a:rPr lang="en-US" sz="4000" b="1" i="1" smtClean="0">
+                                  <a:solidFill>
+                                    <a:schemeClr val="accent5">
+                                      <a:lumMod val="60000"/>
+                                      <a:lumOff val="40000"/>
+                                    </a:schemeClr>
+                                  </a:solidFill>
+                                  <a:latin typeface="Cambria Math" panose="02040503050406030204" pitchFamily="18" charset="0"/>
+                                </a:rPr>
+                              </m:ctrlPr>
+                            </m:sSupPr>
+                            <m:e>
+                              <m:r>
+                                <a:rPr lang="en-US" sz="4000" b="1" i="1" smtClean="0">
+                                  <a:solidFill>
+                                    <a:schemeClr val="accent5">
+                                      <a:lumMod val="60000"/>
+                                      <a:lumOff val="40000"/>
+                                    </a:schemeClr>
+                                  </a:solidFill>
+                                  <a:latin typeface="Cambria Math" panose="02040503050406030204" pitchFamily="18" charset="0"/>
+                                </a:rPr>
+                                <m:t>𝑼</m:t>
+                              </m:r>
+                            </m:e>
+                            <m:sup>
+                              <m:r>
+                                <a:rPr lang="en-US" sz="4000" b="1" i="1" smtClean="0">
+                                  <a:solidFill>
+                                    <a:schemeClr val="accent5">
+                                      <a:lumMod val="60000"/>
+                                      <a:lumOff val="40000"/>
+                                    </a:schemeClr>
+                                  </a:solidFill>
+                                  <a:latin typeface="Cambria Math" panose="02040503050406030204" pitchFamily="18" charset="0"/>
+                                </a:rPr>
+                                <m:t>𝑪</m:t>
+                              </m:r>
+                            </m:sup>
+                          </m:sSup>
+                          <m:r>
+                            <a:rPr lang="en-US" sz="4000" b="1" i="1" smtClean="0">
+                              <a:solidFill>
+                                <a:schemeClr val="accent5">
+                                  <a:lumMod val="60000"/>
+                                  <a:lumOff val="40000"/>
+                                </a:schemeClr>
+                              </a:solidFill>
+                              <a:latin typeface="Cambria Math" panose="02040503050406030204" pitchFamily="18" charset="0"/>
+                            </a:rPr>
+                            <m:t>+</m:t>
+                          </m:r>
+                          <m:sSup>
+                            <m:sSupPr>
+                              <m:ctrlPr>
+                                <a:rPr lang="en-US" sz="4000" b="1" i="1" smtClean="0">
+                                  <a:solidFill>
+                                    <a:schemeClr val="accent5">
+                                      <a:lumMod val="60000"/>
+                                      <a:lumOff val="40000"/>
+                                    </a:schemeClr>
+                                  </a:solidFill>
+                                  <a:latin typeface="Cambria Math" panose="02040503050406030204" pitchFamily="18" charset="0"/>
+                                </a:rPr>
+                              </m:ctrlPr>
+                            </m:sSupPr>
+                            <m:e>
+                              <m:r>
+                                <a:rPr lang="en-US" sz="4000" b="1" i="1" smtClean="0">
+                                  <a:solidFill>
+                                    <a:schemeClr val="accent5">
+                                      <a:lumMod val="60000"/>
+                                      <a:lumOff val="40000"/>
+                                    </a:schemeClr>
+                                  </a:solidFill>
+                                  <a:latin typeface="Cambria Math" panose="02040503050406030204" pitchFamily="18" charset="0"/>
+                                </a:rPr>
+                                <m:t>𝑳</m:t>
+                              </m:r>
+                            </m:e>
+                            <m:sup>
+                              <m:r>
+                                <a:rPr lang="en-US" sz="4000" b="1" i="1" smtClean="0">
+                                  <a:solidFill>
+                                    <a:schemeClr val="accent5">
+                                      <a:lumMod val="60000"/>
+                                      <a:lumOff val="40000"/>
+                                    </a:schemeClr>
+                                  </a:solidFill>
+                                  <a:latin typeface="Cambria Math" panose="02040503050406030204" pitchFamily="18" charset="0"/>
+                                </a:rPr>
+                                <m:t>𝑪</m:t>
+                              </m:r>
+                            </m:sup>
+                          </m:sSup>
+                        </m:den>
+                      </m:f>
+                      <m:r>
+                        <a:rPr lang="en-US" sz="4000" b="1" i="1" smtClean="0">
+                          <a:solidFill>
+                            <a:schemeClr val="accent5">
+                              <a:lumMod val="60000"/>
+                              <a:lumOff val="40000"/>
+                            </a:schemeClr>
+                          </a:solidFill>
+                          <a:latin typeface="Cambria Math" panose="02040503050406030204" pitchFamily="18" charset="0"/>
+                        </a:rPr>
+                        <m:t>⋅</m:t>
+                      </m:r>
+                      <m:sSup>
+                        <m:sSupPr>
+                          <m:ctrlPr>
+                            <a:rPr lang="en-US" sz="4000" b="1" i="1" smtClean="0">
+                              <a:solidFill>
+                                <a:schemeClr val="accent5">
+                                  <a:lumMod val="60000"/>
+                                  <a:lumOff val="40000"/>
+                                </a:schemeClr>
+                              </a:solidFill>
+                              <a:latin typeface="Cambria Math" panose="02040503050406030204" pitchFamily="18" charset="0"/>
+                            </a:rPr>
+                          </m:ctrlPr>
+                        </m:sSupPr>
+                        <m:e>
+                          <m:acc>
+                            <m:accPr>
+                              <m:chr m:val="̅"/>
+                              <m:ctrlPr>
+                                <a:rPr lang="en-US" sz="4000" b="1" i="1" smtClean="0">
+                                  <a:solidFill>
+                                    <a:schemeClr val="accent5">
+                                      <a:lumMod val="60000"/>
+                                      <a:lumOff val="40000"/>
+                                    </a:schemeClr>
+                                  </a:solidFill>
+                                  <a:latin typeface="Cambria Math" panose="02040503050406030204" pitchFamily="18" charset="0"/>
+                                </a:rPr>
+                              </m:ctrlPr>
+                            </m:accPr>
+                            <m:e>
+                              <m:r>
+                                <a:rPr lang="en-US" sz="4000" b="1" i="1" smtClean="0">
+                                  <a:solidFill>
+                                    <a:schemeClr val="accent5">
+                                      <a:lumMod val="60000"/>
+                                      <a:lumOff val="40000"/>
+                                    </a:schemeClr>
+                                  </a:solidFill>
+                                  <a:latin typeface="Cambria Math" panose="02040503050406030204" pitchFamily="18" charset="0"/>
+                                </a:rPr>
+                                <m:t>𝒘</m:t>
+                              </m:r>
+                            </m:e>
+                          </m:acc>
+                        </m:e>
+                        <m:sup>
+                          <m:r>
+                            <a:rPr lang="en-US" sz="4000" b="1" i="1" smtClean="0">
+                              <a:solidFill>
+                                <a:schemeClr val="accent5">
+                                  <a:lumMod val="60000"/>
+                                  <a:lumOff val="40000"/>
+                                </a:schemeClr>
+                              </a:solidFill>
+                              <a:latin typeface="Cambria Math" panose="02040503050406030204" pitchFamily="18" charset="0"/>
+                            </a:rPr>
+                            <m:t>𝑪</m:t>
+                          </m:r>
+                        </m:sup>
+                      </m:sSup>
+                    </m:oMath>
+                  </m:oMathPara>
+                </a14:m>
+                <a:endParaRPr lang="en-US" sz="4000" b="1" dirty="0">
+                  <a:solidFill>
+                    <a:schemeClr val="accent5">
+                      <a:lumMod val="60000"/>
+                      <a:lumOff val="40000"/>
+                    </a:schemeClr>
+                  </a:solidFill>
+                </a:endParaRPr>
+              </a:p>
+            </p:txBody>
+          </p:sp>
+        </mc:Choice>
+        <mc:Fallback>
+          <p:sp>
+            <p:nvSpPr>
+              <p:cNvPr id="23" name="TextBox 22">
+                <a:extLst>
+                  <a:ext uri="{FF2B5EF4-FFF2-40B4-BE49-F238E27FC236}">
+                    <a16:creationId xmlns:a16="http://schemas.microsoft.com/office/drawing/2014/main" id="{B682A727-0CDF-C47F-84A6-B1EAD75E0B61}"/>
+                  </a:ext>
+                </a:extLst>
+              </p:cNvPr>
+              <p:cNvSpPr txBox="1">
+                <a:spLocks noRot="1" noChangeAspect="1" noMove="1" noResize="1" noEditPoints="1" noAdjustHandles="1" noChangeArrowheads="1" noChangeShapeType="1" noTextEdit="1"/>
+              </p:cNvSpPr>
+              <p:nvPr/>
+            </p:nvSpPr>
+            <p:spPr>
+              <a:xfrm>
+                <a:off x="1187550" y="264839"/>
+                <a:ext cx="5133923" cy="1353576"/>
+              </a:xfrm>
+              <a:prstGeom prst="rect">
+                <a:avLst/>
+              </a:prstGeom>
+              <a:blipFill>
+                <a:blip r:embed="rId8"/>
+                <a:stretch>
+                  <a:fillRect l="-1235" b="-7407"/>
+                </a:stretch>
+              </a:blipFill>
+              <a:ln>
+                <a:noFill/>
+              </a:ln>
+            </p:spPr>
+            <p:txBody>
+              <a:bodyPr/>
+              <a:lstStyle/>
+              <a:p>
+                <a:r>
+                  <a:rPr lang="en-US">
+                    <a:noFill/>
+                  </a:rPr>
+                  <a:t> </a:t>
+                </a:r>
+              </a:p>
+            </p:txBody>
+          </p:sp>
+        </mc:Fallback>
+      </mc:AlternateContent>
+    </p:spTree>
+    <p:extLst>
+      <p:ext uri="{BB962C8B-B14F-4D97-AF65-F5344CB8AC3E}">
+        <p14:creationId xmlns:p14="http://schemas.microsoft.com/office/powerpoint/2010/main" val="2667895578"/>
+      </p:ext>
+    </p:extLst>
+  </p:cSld>
+  <p:clrMapOvr>
+    <a:masterClrMapping/>
+  </p:clrMapOvr>
+</p:sld>
+</file>
+
+<file path=ppt/slides/slide25.xml><?xml version="1.0" encoding="utf-8"?>
+<p:sld xmlns:a="http://schemas.openxmlformats.org/drawingml/2006/main" xmlns:r="http://schemas.openxmlformats.org/officeDocument/2006/relationships" xmlns:p="http://schemas.openxmlformats.org/presentationml/2006/main">
+  <p:cSld>
+    <p:spTree>
+      <p:nvGrpSpPr>
+        <p:cNvPr id="1" name="">
+          <a:extLst>
+            <a:ext uri="{FF2B5EF4-FFF2-40B4-BE49-F238E27FC236}">
+              <a16:creationId xmlns:a16="http://schemas.microsoft.com/office/drawing/2014/main" id="{EDB4FB14-E812-220E-D17A-CDA62861D044}"/>
+            </a:ext>
+          </a:extLst>
+        </p:cNvPr>
+        <p:cNvGrpSpPr/>
+        <p:nvPr/>
+      </p:nvGrpSpPr>
+      <p:grpSpPr>
+        <a:xfrm>
+          <a:off x="0" y="0"/>
+          <a:ext cx="0" cy="0"/>
+          <a:chOff x="0" y="0"/>
+          <a:chExt cx="0" cy="0"/>
+        </a:xfrm>
+      </p:grpSpPr>
+      <p:cxnSp>
+        <p:nvCxnSpPr>
+          <p:cNvPr id="27" name="Straight Connector 26">
+            <a:extLst>
+              <a:ext uri="{FF2B5EF4-FFF2-40B4-BE49-F238E27FC236}">
+                <a16:creationId xmlns:a16="http://schemas.microsoft.com/office/drawing/2014/main" id="{71E9CBF7-449A-BD26-910D-2BD88477FEC7}"/>
+              </a:ext>
+            </a:extLst>
+          </p:cNvPr>
+          <p:cNvCxnSpPr>
+            <a:cxnSpLocks/>
+          </p:cNvCxnSpPr>
+          <p:nvPr/>
+        </p:nvCxnSpPr>
+        <p:spPr>
+          <a:xfrm>
+            <a:off x="934345" y="3384501"/>
+            <a:ext cx="3612797" cy="0"/>
+          </a:xfrm>
+          <a:prstGeom prst="line">
+            <a:avLst/>
+          </a:prstGeom>
+          <a:ln w="38100">
+            <a:prstDash val="dash"/>
+          </a:ln>
+        </p:spPr>
+        <p:style>
+          <a:lnRef idx="2">
+            <a:schemeClr val="accent1"/>
+          </a:lnRef>
+          <a:fillRef idx="0">
+            <a:schemeClr val="accent1"/>
+          </a:fillRef>
+          <a:effectRef idx="1">
+            <a:schemeClr val="accent1"/>
+          </a:effectRef>
+          <a:fontRef idx="minor">
+            <a:schemeClr val="tx1"/>
+          </a:fontRef>
+        </p:style>
+      </p:cxnSp>
+      <p:cxnSp>
+        <p:nvCxnSpPr>
+          <p:cNvPr id="24" name="Straight Connector 23">
+            <a:extLst>
+              <a:ext uri="{FF2B5EF4-FFF2-40B4-BE49-F238E27FC236}">
+                <a16:creationId xmlns:a16="http://schemas.microsoft.com/office/drawing/2014/main" id="{257BE4D4-E496-8D70-1B5C-BE59784E3F73}"/>
+              </a:ext>
+            </a:extLst>
+          </p:cNvPr>
+          <p:cNvCxnSpPr>
+            <a:cxnSpLocks/>
+          </p:cNvCxnSpPr>
+          <p:nvPr/>
+        </p:nvCxnSpPr>
+        <p:spPr>
+          <a:xfrm flipV="1">
+            <a:off x="4482824" y="3469778"/>
+            <a:ext cx="0" cy="2372169"/>
+          </a:xfrm>
+          <a:prstGeom prst="line">
+            <a:avLst/>
+          </a:prstGeom>
+          <a:ln w="38100">
+            <a:prstDash val="dash"/>
+          </a:ln>
+        </p:spPr>
+        <p:style>
+          <a:lnRef idx="2">
+            <a:schemeClr val="accent1"/>
+          </a:lnRef>
+          <a:fillRef idx="0">
+            <a:schemeClr val="accent1"/>
+          </a:fillRef>
+          <a:effectRef idx="1">
+            <a:schemeClr val="accent1"/>
+          </a:effectRef>
+          <a:fontRef idx="minor">
+            <a:schemeClr val="tx1"/>
+          </a:fontRef>
+        </p:style>
+      </p:cxnSp>
+      <p:sp>
+        <p:nvSpPr>
+          <p:cNvPr id="19" name="Freeform 18">
+            <a:extLst>
+              <a:ext uri="{FF2B5EF4-FFF2-40B4-BE49-F238E27FC236}">
+                <a16:creationId xmlns:a16="http://schemas.microsoft.com/office/drawing/2014/main" id="{701A4781-73D7-6932-A80B-6DB17A506BD8}"/>
+              </a:ext>
+            </a:extLst>
+          </p:cNvPr>
+          <p:cNvSpPr/>
+          <p:nvPr/>
+        </p:nvSpPr>
+        <p:spPr>
+          <a:xfrm>
+            <a:off x="934345" y="1897574"/>
+            <a:ext cx="7285820" cy="1838085"/>
+          </a:xfrm>
+          <a:custGeom>
+            <a:avLst/>
+            <a:gdLst>
+              <a:gd name="connsiteX0" fmla="*/ 7058722 w 7058722"/>
+              <a:gd name="connsiteY0" fmla="*/ 0 h 2011793"/>
+              <a:gd name="connsiteX1" fmla="*/ 2854712 w 7058722"/>
+              <a:gd name="connsiteY1" fmla="*/ 1817649 h 2011793"/>
+              <a:gd name="connsiteX2" fmla="*/ 0 w 7058722"/>
+              <a:gd name="connsiteY2" fmla="*/ 1873405 h 2011793"/>
+            </a:gdLst>
+            <a:ahLst/>
+            <a:cxnLst>
+              <a:cxn ang="0">
+                <a:pos x="connsiteX0" y="connsiteY0"/>
+              </a:cxn>
+              <a:cxn ang="0">
+                <a:pos x="connsiteX1" y="connsiteY1"/>
+              </a:cxn>
+              <a:cxn ang="0">
+                <a:pos x="connsiteX2" y="connsiteY2"/>
+              </a:cxn>
+            </a:cxnLst>
+            <a:rect l="l" t="t" r="r" b="b"/>
+            <a:pathLst>
+              <a:path w="7058722" h="2011793">
+                <a:moveTo>
+                  <a:pt x="7058722" y="0"/>
+                </a:moveTo>
+                <a:cubicBezTo>
+                  <a:pt x="5544944" y="752707"/>
+                  <a:pt x="4031166" y="1505415"/>
+                  <a:pt x="2854712" y="1817649"/>
+                </a:cubicBezTo>
+                <a:cubicBezTo>
+                  <a:pt x="1678258" y="2129883"/>
+                  <a:pt x="839129" y="2001644"/>
+                  <a:pt x="0" y="1873405"/>
+                </a:cubicBezTo>
+              </a:path>
+            </a:pathLst>
+          </a:custGeom>
+          <a:noFill/>
+          <a:ln w="57150">
+            <a:solidFill>
+              <a:schemeClr val="accent5">
+                <a:lumMod val="60000"/>
+                <a:lumOff val="40000"/>
+              </a:schemeClr>
+            </a:solidFill>
+          </a:ln>
+        </p:spPr>
+        <p:style>
+          <a:lnRef idx="2">
+            <a:schemeClr val="accent1">
+              <a:shade val="15000"/>
+            </a:schemeClr>
+          </a:lnRef>
+          <a:fillRef idx="1">
+            <a:schemeClr val="accent1"/>
+          </a:fillRef>
+          <a:effectRef idx="0">
+            <a:schemeClr val="accent1"/>
+          </a:effectRef>
+          <a:fontRef idx="minor">
+            <a:schemeClr val="lt1"/>
+          </a:fontRef>
+        </p:style>
+        <p:txBody>
+          <a:bodyPr rtlCol="0" anchor="ctr"/>
+          <a:lstStyle/>
+          <a:p>
+            <a:pPr algn="ctr"/>
+            <a:endParaRPr lang="en-US"/>
+          </a:p>
+        </p:txBody>
+      </p:sp>
+      <p:cxnSp>
+        <p:nvCxnSpPr>
+          <p:cNvPr id="18" name="Straight Connector 17">
+            <a:extLst>
+              <a:ext uri="{FF2B5EF4-FFF2-40B4-BE49-F238E27FC236}">
+                <a16:creationId xmlns:a16="http://schemas.microsoft.com/office/drawing/2014/main" id="{D02F174B-FD88-D52F-1111-226EF7ACC260}"/>
+              </a:ext>
+            </a:extLst>
+          </p:cNvPr>
+          <p:cNvCxnSpPr>
+            <a:cxnSpLocks/>
+          </p:cNvCxnSpPr>
+          <p:nvPr/>
+        </p:nvCxnSpPr>
+        <p:spPr>
+          <a:xfrm flipH="1">
+            <a:off x="915292" y="1012361"/>
+            <a:ext cx="9044957" cy="4829586"/>
+          </a:xfrm>
+          <a:prstGeom prst="line">
+            <a:avLst/>
+          </a:prstGeom>
+          <a:ln w="57150">
+            <a:solidFill>
+              <a:schemeClr val="accent2">
+                <a:lumMod val="75000"/>
+              </a:schemeClr>
+            </a:solidFill>
+          </a:ln>
+        </p:spPr>
+        <p:style>
+          <a:lnRef idx="2">
+            <a:schemeClr val="accent1"/>
+          </a:lnRef>
+          <a:fillRef idx="0">
+            <a:schemeClr val="accent1"/>
+          </a:fillRef>
+          <a:effectRef idx="1">
+            <a:schemeClr val="accent1"/>
+          </a:effectRef>
+          <a:fontRef idx="minor">
+            <a:schemeClr val="tx1"/>
+          </a:fontRef>
+        </p:style>
+      </p:cxnSp>
+      <p:cxnSp>
+        <p:nvCxnSpPr>
+          <p:cNvPr id="15" name="Straight Connector 14">
+            <a:extLst>
+              <a:ext uri="{FF2B5EF4-FFF2-40B4-BE49-F238E27FC236}">
+                <a16:creationId xmlns:a16="http://schemas.microsoft.com/office/drawing/2014/main" id="{41A4F683-11DA-FF21-C811-7EEC931AA920}"/>
+              </a:ext>
+            </a:extLst>
+          </p:cNvPr>
+          <p:cNvCxnSpPr>
+            <a:cxnSpLocks/>
+          </p:cNvCxnSpPr>
+          <p:nvPr/>
+        </p:nvCxnSpPr>
+        <p:spPr>
+          <a:xfrm>
+            <a:off x="915292" y="1748342"/>
+            <a:ext cx="9044957" cy="4093605"/>
+          </a:xfrm>
+          <a:prstGeom prst="line">
+            <a:avLst/>
+          </a:prstGeom>
+          <a:ln w="57150">
+            <a:solidFill>
+              <a:schemeClr val="accent6">
+                <a:lumMod val="75000"/>
+              </a:schemeClr>
+            </a:solidFill>
+          </a:ln>
+        </p:spPr>
+        <p:style>
+          <a:lnRef idx="2">
+            <a:schemeClr val="accent1"/>
+          </a:lnRef>
+          <a:fillRef idx="0">
+            <a:schemeClr val="accent1"/>
+          </a:fillRef>
+          <a:effectRef idx="1">
+            <a:schemeClr val="accent1"/>
+          </a:effectRef>
+          <a:fontRef idx="minor">
+            <a:schemeClr val="tx1"/>
+          </a:fontRef>
+        </p:style>
+      </p:cxnSp>
+      <mc:AlternateContent xmlns:mc="http://schemas.openxmlformats.org/markup-compatibility/2006">
+        <mc:Choice xmlns:a14="http://schemas.microsoft.com/office/drawing/2010/main" Requires="a14">
+          <p:sp>
+            <p:nvSpPr>
+              <p:cNvPr id="7" name="TextBox 6">
+                <a:extLst>
+                  <a:ext uri="{FF2B5EF4-FFF2-40B4-BE49-F238E27FC236}">
+                    <a16:creationId xmlns:a16="http://schemas.microsoft.com/office/drawing/2014/main" id="{54C57A96-7192-F800-3660-BCEDC4E9C6B3}"/>
+                  </a:ext>
+                </a:extLst>
+              </p:cNvPr>
+              <p:cNvSpPr txBox="1"/>
+              <p:nvPr/>
+            </p:nvSpPr>
+            <p:spPr>
+              <a:xfrm>
+                <a:off x="229531" y="213001"/>
+                <a:ext cx="660635" cy="523220"/>
+              </a:xfrm>
+              <a:prstGeom prst="rect">
+                <a:avLst/>
+              </a:prstGeom>
+              <a:noFill/>
+            </p:spPr>
+            <p:txBody>
+              <a:bodyPr wrap="square" rtlCol="0">
+                <a:spAutoFit/>
+              </a:bodyPr>
+              <a:lstStyle/>
+              <a:p>
+                <a:pPr/>
+                <a14:m>
+                  <m:oMathPara xmlns:m="http://schemas.openxmlformats.org/officeDocument/2006/math">
+                    <m:oMathParaPr>
+                      <m:jc m:val="centerGroup"/>
+                    </m:oMathParaPr>
+                    <m:oMath xmlns:m="http://schemas.openxmlformats.org/officeDocument/2006/math">
+                      <m:sSub>
+                        <m:sSubPr>
+                          <m:ctrlPr>
+                            <a:rPr lang="en-US" sz="2800" b="1" i="1" smtClean="0">
+                              <a:latin typeface="Cambria Math" panose="02040503050406030204" pitchFamily="18" charset="0"/>
+                            </a:rPr>
+                          </m:ctrlPr>
+                        </m:sSubPr>
+                        <m:e>
+                          <m:r>
+                            <a:rPr lang="en-US" sz="2800" b="1" i="1" smtClean="0">
+                              <a:latin typeface="Cambria Math" panose="02040503050406030204" pitchFamily="18" charset="0"/>
+                            </a:rPr>
+                            <m:t>𝒘</m:t>
+                          </m:r>
+                        </m:e>
+                        <m:sub>
+                          <m:r>
+                            <a:rPr lang="en-US" sz="2800" b="1" i="1" smtClean="0">
+                              <a:latin typeface="Cambria Math" panose="02040503050406030204" pitchFamily="18" charset="0"/>
+                            </a:rPr>
+                            <m:t>𝑹</m:t>
+                          </m:r>
+                        </m:sub>
+                      </m:sSub>
+                    </m:oMath>
+                  </m:oMathPara>
+                </a14:m>
+                <a:endParaRPr lang="en-US" sz="2800" b="1" dirty="0"/>
+              </a:p>
+            </p:txBody>
+          </p:sp>
+        </mc:Choice>
+        <mc:Fallback>
+          <p:sp>
+            <p:nvSpPr>
+              <p:cNvPr id="7" name="TextBox 6">
+                <a:extLst>
+                  <a:ext uri="{FF2B5EF4-FFF2-40B4-BE49-F238E27FC236}">
+                    <a16:creationId xmlns:a16="http://schemas.microsoft.com/office/drawing/2014/main" id="{54C57A96-7192-F800-3660-BCEDC4E9C6B3}"/>
+                  </a:ext>
+                </a:extLst>
+              </p:cNvPr>
+              <p:cNvSpPr txBox="1">
+                <a:spLocks noRot="1" noChangeAspect="1" noMove="1" noResize="1" noEditPoints="1" noAdjustHandles="1" noChangeArrowheads="1" noChangeShapeType="1" noTextEdit="1"/>
+              </p:cNvSpPr>
+              <p:nvPr/>
+            </p:nvSpPr>
+            <p:spPr>
+              <a:xfrm>
+                <a:off x="229531" y="213001"/>
+                <a:ext cx="660635" cy="523220"/>
+              </a:xfrm>
+              <a:prstGeom prst="rect">
+                <a:avLst/>
+              </a:prstGeom>
+              <a:blipFill>
+                <a:blip r:embed="rId3"/>
+                <a:stretch>
+                  <a:fillRect b="-2326"/>
+                </a:stretch>
+              </a:blipFill>
+            </p:spPr>
+            <p:txBody>
+              <a:bodyPr/>
+              <a:lstStyle/>
+              <a:p>
+                <a:r>
+                  <a:rPr lang="en-US">
+                    <a:noFill/>
+                  </a:rPr>
+                  <a:t> </a:t>
+                </a:r>
+              </a:p>
+            </p:txBody>
+          </p:sp>
+        </mc:Fallback>
+      </mc:AlternateContent>
+      <mc:AlternateContent xmlns:mc="http://schemas.openxmlformats.org/markup-compatibility/2006">
+        <mc:Choice xmlns:a14="http://schemas.microsoft.com/office/drawing/2010/main" Requires="a14">
+          <p:sp>
+            <p:nvSpPr>
+              <p:cNvPr id="8" name="TextBox 7">
+                <a:extLst>
+                  <a:ext uri="{FF2B5EF4-FFF2-40B4-BE49-F238E27FC236}">
+                    <a16:creationId xmlns:a16="http://schemas.microsoft.com/office/drawing/2014/main" id="{1B8F9237-4982-604F-2D3B-E77051BAB5C8}"/>
+                  </a:ext>
+                </a:extLst>
+              </p:cNvPr>
+              <p:cNvSpPr txBox="1"/>
+              <p:nvPr/>
+            </p:nvSpPr>
+            <p:spPr>
+              <a:xfrm>
+                <a:off x="8877139" y="6259098"/>
+                <a:ext cx="457859" cy="532966"/>
+              </a:xfrm>
+              <a:prstGeom prst="rect">
+                <a:avLst/>
+              </a:prstGeom>
+              <a:noFill/>
+              <a:ln>
+                <a:noFill/>
+              </a:ln>
+            </p:spPr>
+            <p:txBody>
+              <a:bodyPr wrap="square" rtlCol="0">
+                <a:spAutoFit/>
+              </a:bodyPr>
+              <a:lstStyle/>
+              <a:p>
+                <a:pPr/>
+                <a14:m>
+                  <m:oMathPara xmlns:m="http://schemas.openxmlformats.org/officeDocument/2006/math">
+                    <m:oMathParaPr>
+                      <m:jc m:val="centerGroup"/>
+                    </m:oMathParaPr>
+                    <m:oMath xmlns:m="http://schemas.openxmlformats.org/officeDocument/2006/math">
+                      <m:sSup>
+                        <m:sSupPr>
+                          <m:ctrlPr>
+                            <a:rPr lang="en-US" sz="2800" b="1" i="1" smtClean="0">
+                              <a:solidFill>
+                                <a:srgbClr val="C00000"/>
+                              </a:solidFill>
+                              <a:latin typeface="Cambria Math" panose="02040503050406030204" pitchFamily="18" charset="0"/>
+                            </a:rPr>
+                          </m:ctrlPr>
+                        </m:sSupPr>
+                        <m:e>
+                          <m:r>
+                            <a:rPr lang="en-US" sz="2800" b="1" i="1" smtClean="0">
+                              <a:solidFill>
+                                <a:srgbClr val="C00000"/>
+                              </a:solidFill>
+                              <a:latin typeface="Cambria Math" panose="02040503050406030204" pitchFamily="18" charset="0"/>
+                            </a:rPr>
+                            <m:t>𝑳</m:t>
+                          </m:r>
+                        </m:e>
+                        <m:sup>
+                          <m:r>
+                            <a:rPr lang="en-US" sz="2800" b="1" i="1" smtClean="0">
+                              <a:solidFill>
+                                <a:srgbClr val="C00000"/>
+                              </a:solidFill>
+                              <a:latin typeface="Cambria Math" panose="02040503050406030204" pitchFamily="18" charset="0"/>
+                            </a:rPr>
+                            <m:t>𝑪</m:t>
+                          </m:r>
+                        </m:sup>
+                      </m:sSup>
+                    </m:oMath>
+                  </m:oMathPara>
+                </a14:m>
+                <a:endParaRPr lang="en-US" sz="2800" b="1" dirty="0">
+                  <a:solidFill>
+                    <a:srgbClr val="C00000"/>
+                  </a:solidFill>
+                </a:endParaRPr>
+              </a:p>
+            </p:txBody>
+          </p:sp>
+        </mc:Choice>
+        <mc:Fallback>
+          <p:sp>
+            <p:nvSpPr>
+              <p:cNvPr id="8" name="TextBox 7">
+                <a:extLst>
+                  <a:ext uri="{FF2B5EF4-FFF2-40B4-BE49-F238E27FC236}">
+                    <a16:creationId xmlns:a16="http://schemas.microsoft.com/office/drawing/2014/main" id="{1B8F9237-4982-604F-2D3B-E77051BAB5C8}"/>
+                  </a:ext>
+                </a:extLst>
+              </p:cNvPr>
+              <p:cNvSpPr txBox="1">
+                <a:spLocks noRot="1" noChangeAspect="1" noMove="1" noResize="1" noEditPoints="1" noAdjustHandles="1" noChangeArrowheads="1" noChangeShapeType="1" noTextEdit="1"/>
+              </p:cNvSpPr>
+              <p:nvPr/>
+            </p:nvSpPr>
+            <p:spPr>
+              <a:xfrm>
+                <a:off x="8877139" y="6259098"/>
+                <a:ext cx="457859" cy="532966"/>
+              </a:xfrm>
+              <a:prstGeom prst="rect">
+                <a:avLst/>
+              </a:prstGeom>
+              <a:blipFill>
+                <a:blip r:embed="rId4"/>
+                <a:stretch>
+                  <a:fillRect l="-5405" r="-21622"/>
+                </a:stretch>
+              </a:blipFill>
+              <a:ln>
+                <a:noFill/>
+              </a:ln>
+            </p:spPr>
+            <p:txBody>
+              <a:bodyPr/>
+              <a:lstStyle/>
+              <a:p>
+                <a:r>
+                  <a:rPr lang="en-US">
+                    <a:noFill/>
+                  </a:rPr>
+                  <a:t> </a:t>
+                </a:r>
+              </a:p>
+            </p:txBody>
+          </p:sp>
+        </mc:Fallback>
+      </mc:AlternateContent>
+      <p:grpSp>
+        <p:nvGrpSpPr>
+          <p:cNvPr id="16" name="Group 15">
+            <a:extLst>
+              <a:ext uri="{FF2B5EF4-FFF2-40B4-BE49-F238E27FC236}">
+                <a16:creationId xmlns:a16="http://schemas.microsoft.com/office/drawing/2014/main" id="{D3420A84-7421-12C8-D14E-DB430B079B71}"/>
+              </a:ext>
+            </a:extLst>
+          </p:cNvPr>
+          <p:cNvGrpSpPr/>
+          <p:nvPr/>
+        </p:nvGrpSpPr>
+        <p:grpSpPr>
+          <a:xfrm>
+            <a:off x="896240" y="675897"/>
+            <a:ext cx="9089136" cy="5193566"/>
+            <a:chOff x="1297684" y="800960"/>
+            <a:chExt cx="9089136" cy="5193566"/>
+          </a:xfrm>
+        </p:grpSpPr>
+        <p:cxnSp>
+          <p:nvCxnSpPr>
+            <p:cNvPr id="5" name="Straight Connector 4">
+              <a:extLst>
+                <a:ext uri="{FF2B5EF4-FFF2-40B4-BE49-F238E27FC236}">
+                  <a16:creationId xmlns:a16="http://schemas.microsoft.com/office/drawing/2014/main" id="{82B1D959-04C9-C1AD-3A47-9CD051D34FB5}"/>
+                </a:ext>
+              </a:extLst>
+            </p:cNvPr>
+            <p:cNvCxnSpPr/>
+            <p:nvPr/>
+          </p:nvCxnSpPr>
+          <p:spPr>
+            <a:xfrm>
+              <a:off x="1316736" y="804672"/>
+              <a:ext cx="0" cy="5189854"/>
+            </a:xfrm>
+            <a:prstGeom prst="line">
+              <a:avLst/>
+            </a:prstGeom>
+            <a:ln w="57150">
+              <a:solidFill>
+                <a:schemeClr val="tx1"/>
+              </a:solidFill>
+            </a:ln>
+          </p:spPr>
+          <p:style>
+            <a:lnRef idx="2">
+              <a:schemeClr val="accent1"/>
+            </a:lnRef>
+            <a:fillRef idx="0">
+              <a:schemeClr val="accent1"/>
+            </a:fillRef>
+            <a:effectRef idx="1">
+              <a:schemeClr val="accent1"/>
+            </a:effectRef>
+            <a:fontRef idx="minor">
+              <a:schemeClr val="tx1"/>
+            </a:fontRef>
+          </p:style>
+        </p:cxnSp>
+        <p:cxnSp>
+          <p:nvCxnSpPr>
+            <p:cNvPr id="6" name="Straight Connector 5">
+              <a:extLst>
+                <a:ext uri="{FF2B5EF4-FFF2-40B4-BE49-F238E27FC236}">
+                  <a16:creationId xmlns:a16="http://schemas.microsoft.com/office/drawing/2014/main" id="{A995523E-21DB-98B1-F5E9-09F8340B8E27}"/>
+                </a:ext>
+              </a:extLst>
+            </p:cNvPr>
+            <p:cNvCxnSpPr>
+              <a:cxnSpLocks/>
+            </p:cNvCxnSpPr>
+            <p:nvPr/>
+          </p:nvCxnSpPr>
+          <p:spPr>
+            <a:xfrm flipH="1">
+              <a:off x="1297684" y="5967010"/>
+              <a:ext cx="9089136" cy="0"/>
+            </a:xfrm>
+            <a:prstGeom prst="line">
+              <a:avLst/>
+            </a:prstGeom>
+            <a:ln w="57150">
+              <a:solidFill>
+                <a:schemeClr val="tx1"/>
+              </a:solidFill>
+            </a:ln>
+          </p:spPr>
+          <p:style>
+            <a:lnRef idx="2">
+              <a:schemeClr val="accent1"/>
+            </a:lnRef>
+            <a:fillRef idx="0">
+              <a:schemeClr val="accent1"/>
+            </a:fillRef>
+            <a:effectRef idx="1">
+              <a:schemeClr val="accent1"/>
+            </a:effectRef>
+            <a:fontRef idx="minor">
+              <a:schemeClr val="tx1"/>
+            </a:fontRef>
+          </p:style>
+        </p:cxnSp>
+        <p:cxnSp>
+          <p:nvCxnSpPr>
+            <p:cNvPr id="14" name="Straight Connector 13">
+              <a:extLst>
+                <a:ext uri="{FF2B5EF4-FFF2-40B4-BE49-F238E27FC236}">
+                  <a16:creationId xmlns:a16="http://schemas.microsoft.com/office/drawing/2014/main" id="{8B2B2C38-0A9E-B084-5882-8B8A8C772F52}"/>
+                </a:ext>
+              </a:extLst>
+            </p:cNvPr>
+            <p:cNvCxnSpPr/>
+            <p:nvPr/>
+          </p:nvCxnSpPr>
+          <p:spPr>
+            <a:xfrm>
+              <a:off x="10361693" y="800960"/>
+              <a:ext cx="0" cy="5189854"/>
+            </a:xfrm>
+            <a:prstGeom prst="line">
+              <a:avLst/>
+            </a:prstGeom>
+            <a:ln w="57150">
+              <a:solidFill>
+                <a:schemeClr val="tx1"/>
+              </a:solidFill>
+            </a:ln>
+          </p:spPr>
+          <p:style>
+            <a:lnRef idx="2">
+              <a:schemeClr val="accent1"/>
+            </a:lnRef>
+            <a:fillRef idx="0">
+              <a:schemeClr val="accent1"/>
+            </a:fillRef>
+            <a:effectRef idx="1">
+              <a:schemeClr val="accent1"/>
+            </a:effectRef>
+            <a:fontRef idx="minor">
+              <a:schemeClr val="tx1"/>
+            </a:fontRef>
+          </p:style>
+        </p:cxnSp>
+      </p:grpSp>
+      <p:sp>
+        <p:nvSpPr>
+          <p:cNvPr id="21" name="Right Brace 20">
+            <a:extLst>
+              <a:ext uri="{FF2B5EF4-FFF2-40B4-BE49-F238E27FC236}">
+                <a16:creationId xmlns:a16="http://schemas.microsoft.com/office/drawing/2014/main" id="{8C70CBE7-BCF9-6364-D533-08784A94FC99}"/>
+              </a:ext>
+            </a:extLst>
+          </p:cNvPr>
+          <p:cNvSpPr/>
+          <p:nvPr/>
+        </p:nvSpPr>
+        <p:spPr>
+          <a:xfrm rot="5400000">
+            <a:off x="8927650" y="5219063"/>
+            <a:ext cx="356839" cy="1708337"/>
+          </a:xfrm>
+          <a:prstGeom prst="rightBrace">
+            <a:avLst/>
+          </a:prstGeom>
+          <a:ln w="38100">
+            <a:solidFill>
+              <a:srgbClr val="C00000"/>
+            </a:solidFill>
+          </a:ln>
+        </p:spPr>
+        <p:style>
+          <a:lnRef idx="2">
+            <a:schemeClr val="accent1"/>
+          </a:lnRef>
+          <a:fillRef idx="0">
+            <a:schemeClr val="accent1"/>
+          </a:fillRef>
+          <a:effectRef idx="1">
+            <a:schemeClr val="accent1"/>
+          </a:effectRef>
+          <a:fontRef idx="minor">
+            <a:schemeClr val="tx1"/>
+          </a:fontRef>
+        </p:style>
+        <p:txBody>
+          <a:bodyPr rtlCol="0" anchor="ctr"/>
+          <a:lstStyle/>
+          <a:p>
+            <a:pPr algn="ctr"/>
+            <a:endParaRPr lang="en-US">
+              <a:solidFill>
+                <a:schemeClr val="accent2">
+                  <a:lumMod val="75000"/>
+                </a:schemeClr>
+              </a:solidFill>
+            </a:endParaRPr>
+          </a:p>
+        </p:txBody>
+      </p:sp>
+      <mc:AlternateContent xmlns:mc="http://schemas.openxmlformats.org/markup-compatibility/2006">
+        <mc:Choice xmlns:a14="http://schemas.microsoft.com/office/drawing/2010/main" Requires="a14">
+          <p:sp>
+            <p:nvSpPr>
+              <p:cNvPr id="22" name="TextBox 21">
+                <a:extLst>
+                  <a:ext uri="{FF2B5EF4-FFF2-40B4-BE49-F238E27FC236}">
+                    <a16:creationId xmlns:a16="http://schemas.microsoft.com/office/drawing/2014/main" id="{EC8985DD-213C-4E0F-9851-81059FFC248A}"/>
+                  </a:ext>
+                </a:extLst>
+              </p:cNvPr>
+              <p:cNvSpPr txBox="1"/>
+              <p:nvPr/>
+            </p:nvSpPr>
+            <p:spPr>
+              <a:xfrm>
+                <a:off x="9742608" y="213001"/>
+                <a:ext cx="1129218" cy="523220"/>
+              </a:xfrm>
+              <a:prstGeom prst="rect">
+                <a:avLst/>
+              </a:prstGeom>
+              <a:noFill/>
+            </p:spPr>
+            <p:txBody>
+              <a:bodyPr wrap="square" rtlCol="0">
+                <a:spAutoFit/>
+              </a:bodyPr>
+              <a:lstStyle/>
+              <a:p>
+                <a:pPr/>
+                <a14:m>
+                  <m:oMathPara xmlns:m="http://schemas.openxmlformats.org/officeDocument/2006/math">
+                    <m:oMathParaPr>
+                      <m:jc m:val="centerGroup"/>
+                    </m:oMathParaPr>
+                    <m:oMath xmlns:m="http://schemas.openxmlformats.org/officeDocument/2006/math">
+                      <m:sSub>
+                        <m:sSubPr>
+                          <m:ctrlPr>
+                            <a:rPr lang="en-US" sz="2800" b="1" i="1" smtClean="0">
+                              <a:latin typeface="Cambria Math" panose="02040503050406030204" pitchFamily="18" charset="0"/>
+                            </a:rPr>
+                          </m:ctrlPr>
+                        </m:sSubPr>
+                        <m:e>
+                          <m:r>
+                            <a:rPr lang="en-US" sz="2800" b="1" i="1" smtClean="0">
+                              <a:latin typeface="Cambria Math" panose="02040503050406030204" pitchFamily="18" charset="0"/>
+                            </a:rPr>
+                            <m:t>𝒘</m:t>
+                          </m:r>
+                        </m:e>
+                        <m:sub>
+                          <m:r>
+                            <a:rPr lang="en-US" sz="2800" b="1" i="1" smtClean="0">
+                              <a:latin typeface="Cambria Math" panose="02040503050406030204" pitchFamily="18" charset="0"/>
+                            </a:rPr>
+                            <m:t>𝑪</m:t>
+                          </m:r>
+                        </m:sub>
+                      </m:sSub>
+                    </m:oMath>
+                  </m:oMathPara>
+                </a14:m>
+                <a:endParaRPr lang="en-US" sz="2800" b="1" dirty="0"/>
+              </a:p>
+            </p:txBody>
+          </p:sp>
+        </mc:Choice>
+        <mc:Fallback>
+          <p:sp>
+            <p:nvSpPr>
+              <p:cNvPr id="22" name="TextBox 21">
+                <a:extLst>
+                  <a:ext uri="{FF2B5EF4-FFF2-40B4-BE49-F238E27FC236}">
+                    <a16:creationId xmlns:a16="http://schemas.microsoft.com/office/drawing/2014/main" id="{EC8985DD-213C-4E0F-9851-81059FFC248A}"/>
+                  </a:ext>
+                </a:extLst>
+              </p:cNvPr>
+              <p:cNvSpPr txBox="1">
+                <a:spLocks noRot="1" noChangeAspect="1" noMove="1" noResize="1" noEditPoints="1" noAdjustHandles="1" noChangeArrowheads="1" noChangeShapeType="1" noTextEdit="1"/>
+              </p:cNvSpPr>
+              <p:nvPr/>
+            </p:nvSpPr>
+            <p:spPr>
+              <a:xfrm>
+                <a:off x="9742608" y="213001"/>
+                <a:ext cx="1129218" cy="523220"/>
+              </a:xfrm>
+              <a:prstGeom prst="rect">
+                <a:avLst/>
+              </a:prstGeom>
+              <a:blipFill>
+                <a:blip r:embed="rId5"/>
+                <a:stretch>
+                  <a:fillRect b="-2326"/>
+                </a:stretch>
+              </a:blipFill>
+            </p:spPr>
+            <p:txBody>
+              <a:bodyPr/>
+              <a:lstStyle/>
+              <a:p>
+                <a:r>
+                  <a:rPr lang="en-US">
+                    <a:noFill/>
+                  </a:rPr>
+                  <a:t> </a:t>
+                </a:r>
+              </a:p>
+            </p:txBody>
+          </p:sp>
+        </mc:Fallback>
+      </mc:AlternateContent>
+      <mc:AlternateContent xmlns:mc="http://schemas.openxmlformats.org/markup-compatibility/2006">
+        <mc:Choice xmlns:a14="http://schemas.microsoft.com/office/drawing/2010/main" Requires="a14">
+          <p:sp>
+            <p:nvSpPr>
+              <p:cNvPr id="2" name="TextBox 1">
+                <a:extLst>
+                  <a:ext uri="{FF2B5EF4-FFF2-40B4-BE49-F238E27FC236}">
+                    <a16:creationId xmlns:a16="http://schemas.microsoft.com/office/drawing/2014/main" id="{1DE64043-CB48-20A2-F1DB-E4E2E035398A}"/>
+                  </a:ext>
+                </a:extLst>
+              </p:cNvPr>
+              <p:cNvSpPr txBox="1"/>
+              <p:nvPr/>
+            </p:nvSpPr>
+            <p:spPr>
+              <a:xfrm>
+                <a:off x="9742608" y="1748341"/>
+                <a:ext cx="1129218" cy="523220"/>
+              </a:xfrm>
+              <a:prstGeom prst="rect">
+                <a:avLst/>
+              </a:prstGeom>
+              <a:noFill/>
+            </p:spPr>
+            <p:txBody>
+              <a:bodyPr wrap="square" rtlCol="0">
+                <a:spAutoFit/>
+              </a:bodyPr>
+              <a:lstStyle/>
+              <a:p>
+                <a:pPr/>
+                <a14:m>
+                  <m:oMathPara xmlns:m="http://schemas.openxmlformats.org/officeDocument/2006/math">
+                    <m:oMathParaPr>
+                      <m:jc m:val="centerGroup"/>
+                    </m:oMathParaPr>
+                    <m:oMath xmlns:m="http://schemas.openxmlformats.org/officeDocument/2006/math">
+                      <m:sSub>
+                        <m:sSubPr>
+                          <m:ctrlPr>
+                            <a:rPr lang="en-US" sz="2800" b="1" i="1" smtClean="0">
+                              <a:solidFill>
+                                <a:srgbClr val="C00000"/>
+                              </a:solidFill>
+                              <a:latin typeface="Cambria Math" panose="02040503050406030204" pitchFamily="18" charset="0"/>
+                            </a:rPr>
+                          </m:ctrlPr>
+                        </m:sSubPr>
+                        <m:e>
+                          <m:acc>
+                            <m:accPr>
+                              <m:chr m:val="̅"/>
+                              <m:ctrlPr>
+                                <a:rPr lang="en-US" sz="2800" b="1" i="1" smtClean="0">
+                                  <a:solidFill>
+                                    <a:srgbClr val="C00000"/>
+                                  </a:solidFill>
+                                  <a:latin typeface="Cambria Math" panose="02040503050406030204" pitchFamily="18" charset="0"/>
+                                </a:rPr>
+                              </m:ctrlPr>
+                            </m:accPr>
+                            <m:e>
+                              <m:r>
+                                <a:rPr lang="en-US" sz="2800" b="1" i="1" smtClean="0">
+                                  <a:solidFill>
+                                    <a:srgbClr val="C00000"/>
+                                  </a:solidFill>
+                                  <a:latin typeface="Cambria Math" panose="02040503050406030204" pitchFamily="18" charset="0"/>
+                                </a:rPr>
+                                <m:t>𝒘</m:t>
+                              </m:r>
+                            </m:e>
+                          </m:acc>
+                        </m:e>
+                        <m:sub>
+                          <m:r>
+                            <a:rPr lang="en-US" sz="2800" b="1" i="1" smtClean="0">
+                              <a:solidFill>
+                                <a:srgbClr val="C00000"/>
+                              </a:solidFill>
+                              <a:latin typeface="Cambria Math" panose="02040503050406030204" pitchFamily="18" charset="0"/>
+                            </a:rPr>
+                            <m:t>𝑪</m:t>
+                          </m:r>
+                        </m:sub>
+                      </m:sSub>
+                    </m:oMath>
+                  </m:oMathPara>
+                </a14:m>
+                <a:endParaRPr lang="en-US" sz="2800" b="1" dirty="0">
+                  <a:solidFill>
+                    <a:srgbClr val="C00000"/>
+                  </a:solidFill>
+                </a:endParaRPr>
+              </a:p>
+            </p:txBody>
+          </p:sp>
+        </mc:Choice>
+        <mc:Fallback>
+          <p:sp>
+            <p:nvSpPr>
+              <p:cNvPr id="2" name="TextBox 1">
+                <a:extLst>
+                  <a:ext uri="{FF2B5EF4-FFF2-40B4-BE49-F238E27FC236}">
+                    <a16:creationId xmlns:a16="http://schemas.microsoft.com/office/drawing/2014/main" id="{1DE64043-CB48-20A2-F1DB-E4E2E035398A}"/>
+                  </a:ext>
+                </a:extLst>
+              </p:cNvPr>
+              <p:cNvSpPr txBox="1">
+                <a:spLocks noRot="1" noChangeAspect="1" noMove="1" noResize="1" noEditPoints="1" noAdjustHandles="1" noChangeArrowheads="1" noChangeShapeType="1" noTextEdit="1"/>
+              </p:cNvSpPr>
+              <p:nvPr/>
+            </p:nvSpPr>
+            <p:spPr>
+              <a:xfrm>
+                <a:off x="9742608" y="1748341"/>
+                <a:ext cx="1129218" cy="523220"/>
+              </a:xfrm>
+              <a:prstGeom prst="rect">
+                <a:avLst/>
+              </a:prstGeom>
+              <a:blipFill>
+                <a:blip r:embed="rId6"/>
+                <a:stretch>
+                  <a:fillRect/>
+                </a:stretch>
+              </a:blipFill>
+            </p:spPr>
+            <p:txBody>
+              <a:bodyPr/>
+              <a:lstStyle/>
+              <a:p>
+                <a:r>
+                  <a:rPr lang="en-US">
+                    <a:noFill/>
+                  </a:rPr>
+                  <a:t> </a:t>
+                </a:r>
+              </a:p>
+            </p:txBody>
+          </p:sp>
+        </mc:Fallback>
+      </mc:AlternateContent>
+      <p:cxnSp>
+        <p:nvCxnSpPr>
+          <p:cNvPr id="4" name="Straight Connector 3">
+            <a:extLst>
+              <a:ext uri="{FF2B5EF4-FFF2-40B4-BE49-F238E27FC236}">
+                <a16:creationId xmlns:a16="http://schemas.microsoft.com/office/drawing/2014/main" id="{78277046-F61E-8779-1E44-D284F2234A65}"/>
+              </a:ext>
+            </a:extLst>
+          </p:cNvPr>
+          <p:cNvCxnSpPr>
+            <a:cxnSpLocks/>
+          </p:cNvCxnSpPr>
+          <p:nvPr/>
+        </p:nvCxnSpPr>
+        <p:spPr>
+          <a:xfrm flipV="1">
+            <a:off x="8251901" y="2062063"/>
+            <a:ext cx="0" cy="3779884"/>
+          </a:xfrm>
+          <a:prstGeom prst="line">
+            <a:avLst/>
+          </a:prstGeom>
+          <a:ln w="38100">
+            <a:prstDash val="dash"/>
+          </a:ln>
+        </p:spPr>
+        <p:style>
+          <a:lnRef idx="2">
+            <a:schemeClr val="accent1"/>
+          </a:lnRef>
+          <a:fillRef idx="0">
+            <a:schemeClr val="accent1"/>
+          </a:fillRef>
+          <a:effectRef idx="1">
+            <a:schemeClr val="accent1"/>
+          </a:effectRef>
+          <a:fontRef idx="minor">
+            <a:schemeClr val="tx1"/>
+          </a:fontRef>
+        </p:style>
+      </p:cxnSp>
+      <p:sp>
+        <p:nvSpPr>
+          <p:cNvPr id="9" name="Oval 8">
+            <a:extLst>
+              <a:ext uri="{FF2B5EF4-FFF2-40B4-BE49-F238E27FC236}">
+                <a16:creationId xmlns:a16="http://schemas.microsoft.com/office/drawing/2014/main" id="{8E0AA248-BD8C-BCB9-D0DE-D48C05C14A2C}"/>
+              </a:ext>
+            </a:extLst>
+          </p:cNvPr>
+          <p:cNvSpPr/>
+          <p:nvPr/>
+        </p:nvSpPr>
+        <p:spPr>
+          <a:xfrm>
+            <a:off x="8128826" y="1852931"/>
+            <a:ext cx="246150" cy="247711"/>
+          </a:xfrm>
+          <a:prstGeom prst="ellipse">
+            <a:avLst/>
+          </a:prstGeom>
+          <a:solidFill>
+            <a:srgbClr val="C00000"/>
+          </a:solidFill>
+          <a:ln>
+            <a:solidFill>
+              <a:schemeClr val="tx1"/>
+            </a:solidFill>
+          </a:ln>
+        </p:spPr>
+        <p:style>
+          <a:lnRef idx="2">
+            <a:schemeClr val="accent1">
+              <a:shade val="15000"/>
+            </a:schemeClr>
+          </a:lnRef>
+          <a:fillRef idx="1">
+            <a:schemeClr val="accent1"/>
+          </a:fillRef>
+          <a:effectRef idx="0">
+            <a:schemeClr val="accent1"/>
+          </a:effectRef>
+          <a:fontRef idx="minor">
+            <a:schemeClr val="lt1"/>
+          </a:fontRef>
+        </p:style>
+        <p:txBody>
+          <a:bodyPr rtlCol="0" anchor="ctr"/>
+          <a:lstStyle/>
+          <a:p>
+            <a:pPr algn="ctr"/>
+            <a:endParaRPr lang="en-US"/>
+          </a:p>
+        </p:txBody>
+      </p:sp>
+      <p:cxnSp>
+        <p:nvCxnSpPr>
+          <p:cNvPr id="10" name="Straight Connector 9">
+            <a:extLst>
+              <a:ext uri="{FF2B5EF4-FFF2-40B4-BE49-F238E27FC236}">
+                <a16:creationId xmlns:a16="http://schemas.microsoft.com/office/drawing/2014/main" id="{5AD4E8CE-0322-C526-F8CD-5134AB2DDF16}"/>
+              </a:ext>
+            </a:extLst>
+          </p:cNvPr>
+          <p:cNvCxnSpPr>
+            <a:cxnSpLocks/>
+          </p:cNvCxnSpPr>
+          <p:nvPr/>
+        </p:nvCxnSpPr>
+        <p:spPr>
+          <a:xfrm>
+            <a:off x="8374976" y="1976787"/>
+            <a:ext cx="1585262" cy="0"/>
+          </a:xfrm>
+          <a:prstGeom prst="line">
+            <a:avLst/>
+          </a:prstGeom>
+          <a:ln w="38100">
+            <a:prstDash val="dash"/>
+          </a:ln>
+        </p:spPr>
+        <p:style>
+          <a:lnRef idx="2">
+            <a:schemeClr val="accent1"/>
+          </a:lnRef>
+          <a:fillRef idx="0">
+            <a:schemeClr val="accent1"/>
+          </a:fillRef>
+          <a:effectRef idx="1">
+            <a:schemeClr val="accent1"/>
+          </a:effectRef>
+          <a:fontRef idx="minor">
+            <a:schemeClr val="tx1"/>
+          </a:fontRef>
+        </p:style>
+      </p:cxnSp>
+      <p:sp>
+        <p:nvSpPr>
+          <p:cNvPr id="11" name="Right Brace 10">
+            <a:extLst>
+              <a:ext uri="{FF2B5EF4-FFF2-40B4-BE49-F238E27FC236}">
+                <a16:creationId xmlns:a16="http://schemas.microsoft.com/office/drawing/2014/main" id="{584C77C7-7535-42AB-E2DB-B01AFDA32CCE}"/>
+              </a:ext>
+            </a:extLst>
+          </p:cNvPr>
+          <p:cNvSpPr/>
+          <p:nvPr/>
+        </p:nvSpPr>
+        <p:spPr>
+          <a:xfrm rot="5400000">
+            <a:off x="2520634" y="4289471"/>
+            <a:ext cx="356839" cy="3567524"/>
+          </a:xfrm>
+          <a:prstGeom prst="rightBrace">
+            <a:avLst/>
+          </a:prstGeom>
+          <a:ln w="38100">
+            <a:solidFill>
+              <a:schemeClr val="tx2">
+                <a:lumMod val="50000"/>
+                <a:lumOff val="50000"/>
+              </a:schemeClr>
+            </a:solidFill>
+          </a:ln>
+        </p:spPr>
+        <p:style>
+          <a:lnRef idx="2">
+            <a:schemeClr val="accent1"/>
+          </a:lnRef>
+          <a:fillRef idx="0">
+            <a:schemeClr val="accent1"/>
+          </a:fillRef>
+          <a:effectRef idx="1">
+            <a:schemeClr val="accent1"/>
+          </a:effectRef>
+          <a:fontRef idx="minor">
+            <a:schemeClr val="tx1"/>
+          </a:fontRef>
+        </p:style>
+        <p:txBody>
+          <a:bodyPr rtlCol="0" anchor="ctr"/>
+          <a:lstStyle/>
+          <a:p>
+            <a:pPr algn="ctr"/>
+            <a:endParaRPr lang="en-US">
+              <a:solidFill>
+                <a:schemeClr val="accent2">
+                  <a:lumMod val="75000"/>
+                </a:schemeClr>
+              </a:solidFill>
+            </a:endParaRPr>
+          </a:p>
+        </p:txBody>
+      </p:sp>
+      <mc:AlternateContent xmlns:mc="http://schemas.openxmlformats.org/markup-compatibility/2006">
+        <mc:Choice xmlns:a14="http://schemas.microsoft.com/office/drawing/2010/main" Requires="a14">
+          <p:sp>
+            <p:nvSpPr>
+              <p:cNvPr id="12" name="TextBox 11">
+                <a:extLst>
+                  <a:ext uri="{FF2B5EF4-FFF2-40B4-BE49-F238E27FC236}">
+                    <a16:creationId xmlns:a16="http://schemas.microsoft.com/office/drawing/2014/main" id="{51E9740E-8F46-B5A8-C303-BBA8A5CDEF71}"/>
+                  </a:ext>
+                </a:extLst>
+              </p:cNvPr>
+              <p:cNvSpPr txBox="1"/>
+              <p:nvPr/>
+            </p:nvSpPr>
+            <p:spPr>
+              <a:xfrm>
+                <a:off x="2375274" y="6285584"/>
+                <a:ext cx="457859" cy="530915"/>
+              </a:xfrm>
+              <a:prstGeom prst="rect">
+                <a:avLst/>
+              </a:prstGeom>
+              <a:noFill/>
+            </p:spPr>
+            <p:txBody>
+              <a:bodyPr wrap="square" rtlCol="0">
+                <a:spAutoFit/>
+              </a:bodyPr>
+              <a:lstStyle/>
+              <a:p>
+                <a:pPr/>
+                <a14:m>
+                  <m:oMathPara xmlns:m="http://schemas.openxmlformats.org/officeDocument/2006/math">
+                    <m:oMathParaPr>
+                      <m:jc m:val="centerGroup"/>
+                    </m:oMathParaPr>
+                    <m:oMath xmlns:m="http://schemas.openxmlformats.org/officeDocument/2006/math">
+                      <m:sSup>
+                        <m:sSupPr>
+                          <m:ctrlPr>
+                            <a:rPr lang="en-US" sz="2800" b="1" i="1" smtClean="0">
+                              <a:solidFill>
+                                <a:schemeClr val="tx2">
+                                  <a:lumMod val="50000"/>
+                                  <a:lumOff val="50000"/>
+                                </a:schemeClr>
+                              </a:solidFill>
+                              <a:latin typeface="Cambria Math" panose="02040503050406030204" pitchFamily="18" charset="0"/>
+                            </a:rPr>
+                          </m:ctrlPr>
+                        </m:sSupPr>
+                        <m:e>
+                          <m:r>
+                            <a:rPr lang="en-US" sz="2800" b="1" i="1" smtClean="0">
+                              <a:solidFill>
+                                <a:schemeClr val="tx2">
+                                  <a:lumMod val="50000"/>
+                                  <a:lumOff val="50000"/>
+                                </a:schemeClr>
+                              </a:solidFill>
+                              <a:latin typeface="Cambria Math" panose="02040503050406030204" pitchFamily="18" charset="0"/>
+                            </a:rPr>
+                            <m:t>𝑳</m:t>
+                          </m:r>
+                        </m:e>
+                        <m:sup>
+                          <m:r>
+                            <a:rPr lang="en-US" sz="2800" b="1" i="1" smtClean="0">
+                              <a:solidFill>
+                                <a:schemeClr val="tx2">
+                                  <a:lumMod val="50000"/>
+                                  <a:lumOff val="50000"/>
+                                </a:schemeClr>
+                              </a:solidFill>
+                              <a:latin typeface="Cambria Math" panose="02040503050406030204" pitchFamily="18" charset="0"/>
+                            </a:rPr>
+                            <m:t>𝑹</m:t>
+                          </m:r>
+                        </m:sup>
+                      </m:sSup>
+                    </m:oMath>
+                  </m:oMathPara>
+                </a14:m>
+                <a:endParaRPr lang="en-US" sz="2800" b="1" dirty="0">
+                  <a:solidFill>
+                    <a:schemeClr val="tx2">
+                      <a:lumMod val="50000"/>
+                      <a:lumOff val="50000"/>
+                    </a:schemeClr>
+                  </a:solidFill>
+                </a:endParaRPr>
+              </a:p>
+            </p:txBody>
+          </p:sp>
+        </mc:Choice>
+        <mc:Fallback>
+          <p:sp>
+            <p:nvSpPr>
+              <p:cNvPr id="12" name="TextBox 11">
+                <a:extLst>
+                  <a:ext uri="{FF2B5EF4-FFF2-40B4-BE49-F238E27FC236}">
+                    <a16:creationId xmlns:a16="http://schemas.microsoft.com/office/drawing/2014/main" id="{51E9740E-8F46-B5A8-C303-BBA8A5CDEF71}"/>
+                  </a:ext>
+                </a:extLst>
+              </p:cNvPr>
+              <p:cNvSpPr txBox="1">
+                <a:spLocks noRot="1" noChangeAspect="1" noMove="1" noResize="1" noEditPoints="1" noAdjustHandles="1" noChangeArrowheads="1" noChangeShapeType="1" noTextEdit="1"/>
+              </p:cNvSpPr>
+              <p:nvPr/>
+            </p:nvSpPr>
+            <p:spPr>
+              <a:xfrm>
+                <a:off x="2375274" y="6285584"/>
+                <a:ext cx="457859" cy="530915"/>
+              </a:xfrm>
+              <a:prstGeom prst="rect">
+                <a:avLst/>
+              </a:prstGeom>
+              <a:blipFill>
+                <a:blip r:embed="rId7"/>
+                <a:stretch>
+                  <a:fillRect l="-8108" r="-18919"/>
+                </a:stretch>
+              </a:blipFill>
+            </p:spPr>
+            <p:txBody>
+              <a:bodyPr/>
+              <a:lstStyle/>
+              <a:p>
+                <a:r>
+                  <a:rPr lang="en-US">
+                    <a:noFill/>
+                  </a:rPr>
+                  <a:t> </a:t>
+                </a:r>
+              </a:p>
+            </p:txBody>
+          </p:sp>
+        </mc:Fallback>
+      </mc:AlternateContent>
+      <mc:AlternateContent xmlns:mc="http://schemas.openxmlformats.org/markup-compatibility/2006">
+        <mc:Choice xmlns:a14="http://schemas.microsoft.com/office/drawing/2010/main" Requires="a14">
+          <p:sp>
+            <p:nvSpPr>
+              <p:cNvPr id="13" name="TextBox 12">
+                <a:extLst>
+                  <a:ext uri="{FF2B5EF4-FFF2-40B4-BE49-F238E27FC236}">
+                    <a16:creationId xmlns:a16="http://schemas.microsoft.com/office/drawing/2014/main" id="{321B6F8E-2B6F-027E-97A3-36824DA79529}"/>
+                  </a:ext>
+                </a:extLst>
+              </p:cNvPr>
+              <p:cNvSpPr txBox="1"/>
+              <p:nvPr/>
+            </p:nvSpPr>
+            <p:spPr>
+              <a:xfrm>
+                <a:off x="6542432" y="1631090"/>
+                <a:ext cx="1126864" cy="532966"/>
+              </a:xfrm>
+              <a:prstGeom prst="rect">
+                <a:avLst/>
+              </a:prstGeom>
+              <a:noFill/>
+              <a:ln>
+                <a:noFill/>
+              </a:ln>
+            </p:spPr>
+            <p:txBody>
+              <a:bodyPr wrap="square" rtlCol="0">
+                <a:spAutoFit/>
+              </a:bodyPr>
+              <a:lstStyle/>
+              <a:p>
+                <a:pPr/>
+                <a14:m>
+                  <m:oMathPara xmlns:m="http://schemas.openxmlformats.org/officeDocument/2006/math">
+                    <m:oMathParaPr>
+                      <m:jc m:val="centerGroup"/>
+                    </m:oMathParaPr>
+                    <m:oMath xmlns:m="http://schemas.openxmlformats.org/officeDocument/2006/math">
+                      <m:r>
+                        <a:rPr lang="en-US" sz="2800" b="1" i="1" smtClean="0">
+                          <a:solidFill>
+                            <a:schemeClr val="accent5">
+                              <a:lumMod val="60000"/>
+                              <a:lumOff val="40000"/>
+                            </a:schemeClr>
+                          </a:solidFill>
+                          <a:latin typeface="Cambria Math" panose="02040503050406030204" pitchFamily="18" charset="0"/>
+                        </a:rPr>
+                        <m:t>𝑬</m:t>
+                      </m:r>
+                      <m:r>
+                        <a:rPr lang="en-US" sz="2800" b="1" i="1" smtClean="0">
+                          <a:solidFill>
+                            <a:schemeClr val="accent5">
+                              <a:lumMod val="60000"/>
+                              <a:lumOff val="40000"/>
+                            </a:schemeClr>
+                          </a:solidFill>
+                          <a:latin typeface="Cambria Math" panose="02040503050406030204" pitchFamily="18" charset="0"/>
+                        </a:rPr>
+                        <m:t>(</m:t>
+                      </m:r>
+                      <m:sSup>
+                        <m:sSupPr>
+                          <m:ctrlPr>
+                            <a:rPr lang="en-US" sz="2800" b="1" i="1" smtClean="0">
+                              <a:solidFill>
+                                <a:schemeClr val="accent5">
+                                  <a:lumMod val="60000"/>
+                                  <a:lumOff val="40000"/>
+                                </a:schemeClr>
+                              </a:solidFill>
+                              <a:latin typeface="Cambria Math" panose="02040503050406030204" pitchFamily="18" charset="0"/>
+                            </a:rPr>
+                          </m:ctrlPr>
+                        </m:sSupPr>
+                        <m:e>
+                          <m:acc>
+                            <m:accPr>
+                              <m:chr m:val="̅"/>
+                              <m:ctrlPr>
+                                <a:rPr lang="en-US" sz="2800" b="1" i="1" smtClean="0">
+                                  <a:solidFill>
+                                    <a:schemeClr val="accent5">
+                                      <a:lumMod val="60000"/>
+                                      <a:lumOff val="40000"/>
+                                    </a:schemeClr>
+                                  </a:solidFill>
+                                  <a:latin typeface="Cambria Math" panose="02040503050406030204" pitchFamily="18" charset="0"/>
+                                </a:rPr>
+                              </m:ctrlPr>
+                            </m:accPr>
+                            <m:e>
+                              <m:r>
+                                <a:rPr lang="en-US" sz="2800" b="1" i="1" smtClean="0">
+                                  <a:solidFill>
+                                    <a:schemeClr val="accent5">
+                                      <a:lumMod val="60000"/>
+                                      <a:lumOff val="40000"/>
+                                    </a:schemeClr>
+                                  </a:solidFill>
+                                  <a:latin typeface="Cambria Math" panose="02040503050406030204" pitchFamily="18" charset="0"/>
+                                </a:rPr>
+                                <m:t>𝒘</m:t>
+                              </m:r>
+                            </m:e>
+                          </m:acc>
+                        </m:e>
+                        <m:sup>
+                          <m:r>
+                            <a:rPr lang="en-US" sz="2800" b="1" i="1" smtClean="0">
+                              <a:solidFill>
+                                <a:schemeClr val="accent5">
+                                  <a:lumMod val="60000"/>
+                                  <a:lumOff val="40000"/>
+                                </a:schemeClr>
+                              </a:solidFill>
+                              <a:latin typeface="Cambria Math" panose="02040503050406030204" pitchFamily="18" charset="0"/>
+                            </a:rPr>
+                            <m:t>𝑪</m:t>
+                          </m:r>
+                        </m:sup>
+                      </m:sSup>
+                      <m:r>
+                        <a:rPr lang="en-US" sz="2800" b="1" i="1" smtClean="0">
+                          <a:solidFill>
+                            <a:schemeClr val="accent5">
+                              <a:lumMod val="60000"/>
+                              <a:lumOff val="40000"/>
+                            </a:schemeClr>
+                          </a:solidFill>
+                          <a:latin typeface="Cambria Math" panose="02040503050406030204" pitchFamily="18" charset="0"/>
+                        </a:rPr>
+                        <m:t>)</m:t>
+                      </m:r>
+                    </m:oMath>
+                  </m:oMathPara>
+                </a14:m>
+                <a:endParaRPr lang="en-US" sz="2800" b="1" dirty="0">
+                  <a:solidFill>
+                    <a:schemeClr val="accent5">
+                      <a:lumMod val="60000"/>
+                      <a:lumOff val="40000"/>
+                    </a:schemeClr>
+                  </a:solidFill>
+                </a:endParaRPr>
+              </a:p>
+            </p:txBody>
+          </p:sp>
+        </mc:Choice>
+        <mc:Fallback>
+          <p:sp>
+            <p:nvSpPr>
+              <p:cNvPr id="13" name="TextBox 12">
+                <a:extLst>
+                  <a:ext uri="{FF2B5EF4-FFF2-40B4-BE49-F238E27FC236}">
+                    <a16:creationId xmlns:a16="http://schemas.microsoft.com/office/drawing/2014/main" id="{321B6F8E-2B6F-027E-97A3-36824DA79529}"/>
+                  </a:ext>
+                </a:extLst>
+              </p:cNvPr>
+              <p:cNvSpPr txBox="1">
+                <a:spLocks noRot="1" noChangeAspect="1" noMove="1" noResize="1" noEditPoints="1" noAdjustHandles="1" noChangeArrowheads="1" noChangeShapeType="1" noTextEdit="1"/>
+              </p:cNvSpPr>
+              <p:nvPr/>
+            </p:nvSpPr>
+            <p:spPr>
+              <a:xfrm>
+                <a:off x="6542432" y="1631090"/>
+                <a:ext cx="1126864" cy="532966"/>
+              </a:xfrm>
+              <a:prstGeom prst="rect">
+                <a:avLst/>
+              </a:prstGeom>
+              <a:blipFill>
+                <a:blip r:embed="rId8"/>
+                <a:stretch>
+                  <a:fillRect l="-3371" r="-11236" b="-18605"/>
+                </a:stretch>
+              </a:blipFill>
+              <a:ln>
+                <a:noFill/>
+              </a:ln>
+            </p:spPr>
+            <p:txBody>
+              <a:bodyPr/>
+              <a:lstStyle/>
+              <a:p>
+                <a:r>
+                  <a:rPr lang="en-US">
+                    <a:noFill/>
+                  </a:rPr>
+                  <a:t> </a:t>
+                </a:r>
+              </a:p>
+            </p:txBody>
+          </p:sp>
+        </mc:Fallback>
+      </mc:AlternateContent>
+      <mc:AlternateContent xmlns:mc="http://schemas.openxmlformats.org/markup-compatibility/2006">
+        <mc:Choice xmlns:a14="http://schemas.microsoft.com/office/drawing/2010/main" Requires="a14">
+          <p:sp>
+            <p:nvSpPr>
+              <p:cNvPr id="23" name="TextBox 22">
+                <a:extLst>
+                  <a:ext uri="{FF2B5EF4-FFF2-40B4-BE49-F238E27FC236}">
+                    <a16:creationId xmlns:a16="http://schemas.microsoft.com/office/drawing/2014/main" id="{17643638-044F-7D95-FC44-F5FEB4B0992C}"/>
+                  </a:ext>
+                </a:extLst>
+              </p:cNvPr>
+              <p:cNvSpPr txBox="1"/>
+              <p:nvPr/>
+            </p:nvSpPr>
+            <p:spPr>
+              <a:xfrm>
+                <a:off x="1187550" y="264839"/>
+                <a:ext cx="5133923" cy="1271695"/>
+              </a:xfrm>
+              <a:prstGeom prst="rect">
+                <a:avLst/>
+              </a:prstGeom>
+              <a:noFill/>
+              <a:ln>
+                <a:noFill/>
+              </a:ln>
+            </p:spPr>
+            <p:txBody>
+              <a:bodyPr wrap="square" rtlCol="0">
+                <a:spAutoFit/>
+              </a:bodyPr>
+              <a:lstStyle/>
+              <a:p>
+                <a:pPr algn="ctr"/>
+                <a:r>
+                  <a:rPr lang="en-US" sz="3600" b="1" dirty="0">
+                    <a:solidFill>
+                      <a:srgbClr val="FFC700"/>
+                    </a:solidFill>
+                  </a:rPr>
+                  <a:t>Equilibrium Condition</a:t>
+                </a:r>
+              </a:p>
+              <a:p>
+                <a:pPr/>
+                <a14:m>
+                  <m:oMathPara xmlns:m="http://schemas.openxmlformats.org/officeDocument/2006/math">
+                    <m:oMathParaPr>
+                      <m:jc m:val="centerGroup"/>
+                    </m:oMathParaPr>
+                    <m:oMath xmlns:m="http://schemas.openxmlformats.org/officeDocument/2006/math">
+                      <m:r>
+                        <a:rPr lang="en-US" sz="3600" b="1" i="1" smtClean="0">
+                          <a:solidFill>
+                            <a:srgbClr val="FFC700"/>
+                          </a:solidFill>
+                          <a:latin typeface="Cambria Math" panose="02040503050406030204" pitchFamily="18" charset="0"/>
+                        </a:rPr>
+                        <m:t>𝑬</m:t>
+                      </m:r>
+                      <m:d>
+                        <m:dPr>
+                          <m:ctrlPr>
+                            <a:rPr lang="en-US" sz="3600" b="1" i="1" smtClean="0">
+                              <a:solidFill>
+                                <a:srgbClr val="FFC700"/>
+                              </a:solidFill>
+                              <a:latin typeface="Cambria Math" panose="02040503050406030204" pitchFamily="18" charset="0"/>
+                            </a:rPr>
+                          </m:ctrlPr>
+                        </m:dPr>
+                        <m:e>
+                          <m:sSup>
+                            <m:sSupPr>
+                              <m:ctrlPr>
+                                <a:rPr lang="en-US" sz="3600" b="1" i="1" smtClean="0">
+                                  <a:solidFill>
+                                    <a:srgbClr val="FFC700"/>
+                                  </a:solidFill>
+                                  <a:latin typeface="Cambria Math" panose="02040503050406030204" pitchFamily="18" charset="0"/>
+                                </a:rPr>
+                              </m:ctrlPr>
+                            </m:sSupPr>
+                            <m:e>
+                              <m:acc>
+                                <m:accPr>
+                                  <m:chr m:val="̅"/>
+                                  <m:ctrlPr>
+                                    <a:rPr lang="en-US" sz="3600" b="1" i="1" smtClean="0">
+                                      <a:solidFill>
+                                        <a:srgbClr val="FFC700"/>
+                                      </a:solidFill>
+                                      <a:latin typeface="Cambria Math" panose="02040503050406030204" pitchFamily="18" charset="0"/>
+                                    </a:rPr>
+                                  </m:ctrlPr>
+                                </m:accPr>
+                                <m:e>
+                                  <m:r>
+                                    <a:rPr lang="en-US" sz="3600" b="1" i="1" smtClean="0">
+                                      <a:solidFill>
+                                        <a:srgbClr val="FFC700"/>
+                                      </a:solidFill>
+                                      <a:latin typeface="Cambria Math" panose="02040503050406030204" pitchFamily="18" charset="0"/>
+                                    </a:rPr>
+                                    <m:t>𝒘</m:t>
+                                  </m:r>
+                                </m:e>
+                              </m:acc>
+                            </m:e>
+                            <m:sup>
+                              <m:r>
+                                <a:rPr lang="en-US" sz="3600" b="1" i="1" smtClean="0">
+                                  <a:solidFill>
+                                    <a:srgbClr val="FFC700"/>
+                                  </a:solidFill>
+                                  <a:latin typeface="Cambria Math" panose="02040503050406030204" pitchFamily="18" charset="0"/>
+                                </a:rPr>
+                                <m:t>𝑪</m:t>
+                              </m:r>
+                            </m:sup>
+                          </m:sSup>
+                        </m:e>
+                      </m:d>
+                      <m:r>
+                        <a:rPr lang="en-US" sz="3600" b="1" i="1" smtClean="0">
+                          <a:solidFill>
+                            <a:srgbClr val="FFC700"/>
+                          </a:solidFill>
+                          <a:latin typeface="Cambria Math" panose="02040503050406030204" pitchFamily="18" charset="0"/>
+                        </a:rPr>
+                        <m:t>=</m:t>
+                      </m:r>
+                      <m:sSup>
+                        <m:sSupPr>
+                          <m:ctrlPr>
+                            <a:rPr lang="en-US" sz="3600" b="1" i="1" smtClean="0">
+                              <a:solidFill>
+                                <a:srgbClr val="FFC700"/>
+                              </a:solidFill>
+                              <a:latin typeface="Cambria Math" panose="02040503050406030204" pitchFamily="18" charset="0"/>
+                            </a:rPr>
+                          </m:ctrlPr>
+                        </m:sSupPr>
+                        <m:e>
+                          <m:r>
+                            <a:rPr lang="en-US" sz="3600" b="1" i="1" smtClean="0">
+                              <a:solidFill>
+                                <a:srgbClr val="FFC700"/>
+                              </a:solidFill>
+                              <a:latin typeface="Cambria Math" panose="02040503050406030204" pitchFamily="18" charset="0"/>
+                            </a:rPr>
+                            <m:t>𝒘</m:t>
+                          </m:r>
+                        </m:e>
+                        <m:sup>
+                          <m:r>
+                            <a:rPr lang="en-US" sz="3600" b="1" i="1" smtClean="0">
+                              <a:solidFill>
+                                <a:srgbClr val="FFC700"/>
+                              </a:solidFill>
+                              <a:latin typeface="Cambria Math" panose="02040503050406030204" pitchFamily="18" charset="0"/>
+                            </a:rPr>
+                            <m:t>𝑹</m:t>
+                          </m:r>
+                        </m:sup>
+                      </m:sSup>
+                    </m:oMath>
+                  </m:oMathPara>
+                </a14:m>
+                <a:endParaRPr lang="en-US" sz="3600" b="1" dirty="0">
+                  <a:solidFill>
+                    <a:srgbClr val="FFC700"/>
+                  </a:solidFill>
+                </a:endParaRPr>
+              </a:p>
+            </p:txBody>
+          </p:sp>
+        </mc:Choice>
+        <mc:Fallback>
+          <p:sp>
+            <p:nvSpPr>
+              <p:cNvPr id="23" name="TextBox 22">
+                <a:extLst>
+                  <a:ext uri="{FF2B5EF4-FFF2-40B4-BE49-F238E27FC236}">
+                    <a16:creationId xmlns:a16="http://schemas.microsoft.com/office/drawing/2014/main" id="{17643638-044F-7D95-FC44-F5FEB4B0992C}"/>
+                  </a:ext>
+                </a:extLst>
+              </p:cNvPr>
+              <p:cNvSpPr txBox="1">
+                <a:spLocks noRot="1" noChangeAspect="1" noMove="1" noResize="1" noEditPoints="1" noAdjustHandles="1" noChangeArrowheads="1" noChangeShapeType="1" noTextEdit="1"/>
+              </p:cNvSpPr>
+              <p:nvPr/>
+            </p:nvSpPr>
+            <p:spPr>
+              <a:xfrm>
+                <a:off x="1187550" y="264839"/>
+                <a:ext cx="5133923" cy="1271695"/>
+              </a:xfrm>
+              <a:prstGeom prst="rect">
+                <a:avLst/>
+              </a:prstGeom>
+              <a:blipFill>
+                <a:blip r:embed="rId9"/>
+                <a:stretch>
+                  <a:fillRect t="-6931"/>
+                </a:stretch>
+              </a:blipFill>
+              <a:ln>
+                <a:noFill/>
+              </a:ln>
+            </p:spPr>
+            <p:txBody>
+              <a:bodyPr/>
+              <a:lstStyle/>
+              <a:p>
+                <a:r>
+                  <a:rPr lang="en-US">
+                    <a:noFill/>
+                  </a:rPr>
+                  <a:t> </a:t>
+                </a:r>
+              </a:p>
+            </p:txBody>
+          </p:sp>
+        </mc:Fallback>
+      </mc:AlternateContent>
+      <p:sp>
+        <p:nvSpPr>
+          <p:cNvPr id="3" name="Right Brace 2">
+            <a:extLst>
+              <a:ext uri="{FF2B5EF4-FFF2-40B4-BE49-F238E27FC236}">
+                <a16:creationId xmlns:a16="http://schemas.microsoft.com/office/drawing/2014/main" id="{CA320783-368D-A9E9-4A39-B6970EB5BFC5}"/>
+              </a:ext>
+            </a:extLst>
+          </p:cNvPr>
+          <p:cNvSpPr/>
+          <p:nvPr/>
+        </p:nvSpPr>
+        <p:spPr>
+          <a:xfrm rot="5400000">
+            <a:off x="6173073" y="4204562"/>
+            <a:ext cx="356839" cy="3737340"/>
+          </a:xfrm>
+          <a:prstGeom prst="rightBrace">
+            <a:avLst/>
+          </a:prstGeom>
+          <a:ln w="38100">
+            <a:solidFill>
+              <a:srgbClr val="FFC700"/>
+            </a:solidFill>
+          </a:ln>
+        </p:spPr>
+        <p:style>
+          <a:lnRef idx="2">
+            <a:schemeClr val="accent1"/>
+          </a:lnRef>
+          <a:fillRef idx="0">
+            <a:schemeClr val="accent1"/>
+          </a:fillRef>
+          <a:effectRef idx="1">
+            <a:schemeClr val="accent1"/>
+          </a:effectRef>
+          <a:fontRef idx="minor">
+            <a:schemeClr val="tx1"/>
+          </a:fontRef>
+        </p:style>
+        <p:txBody>
+          <a:bodyPr rtlCol="0" anchor="ctr"/>
+          <a:lstStyle/>
+          <a:p>
+            <a:pPr algn="ctr"/>
+            <a:endParaRPr lang="en-US">
+              <a:solidFill>
+                <a:schemeClr val="accent2">
+                  <a:lumMod val="75000"/>
+                </a:schemeClr>
+              </a:solidFill>
+            </a:endParaRPr>
+          </a:p>
+        </p:txBody>
+      </p:sp>
+      <mc:AlternateContent xmlns:mc="http://schemas.openxmlformats.org/markup-compatibility/2006">
+        <mc:Choice xmlns:a14="http://schemas.microsoft.com/office/drawing/2010/main" Requires="a14">
+          <p:sp>
+            <p:nvSpPr>
+              <p:cNvPr id="17" name="TextBox 16">
+                <a:extLst>
+                  <a:ext uri="{FF2B5EF4-FFF2-40B4-BE49-F238E27FC236}">
+                    <a16:creationId xmlns:a16="http://schemas.microsoft.com/office/drawing/2014/main" id="{3DDAE2D9-C3DB-965A-9ACA-A7D2A772D526}"/>
+                  </a:ext>
+                </a:extLst>
+              </p:cNvPr>
+              <p:cNvSpPr txBox="1"/>
+              <p:nvPr/>
+            </p:nvSpPr>
+            <p:spPr>
+              <a:xfrm>
+                <a:off x="6043949" y="6181022"/>
+                <a:ext cx="457859" cy="532966"/>
+              </a:xfrm>
+              <a:prstGeom prst="rect">
+                <a:avLst/>
+              </a:prstGeom>
+              <a:noFill/>
+              <a:ln>
+                <a:noFill/>
+              </a:ln>
+            </p:spPr>
+            <p:txBody>
+              <a:bodyPr wrap="square" rtlCol="0">
+                <a:spAutoFit/>
+              </a:bodyPr>
+              <a:lstStyle/>
+              <a:p>
+                <a:pPr/>
+                <a14:m>
+                  <m:oMathPara xmlns:m="http://schemas.openxmlformats.org/officeDocument/2006/math">
+                    <m:oMathParaPr>
+                      <m:jc m:val="centerGroup"/>
+                    </m:oMathParaPr>
+                    <m:oMath xmlns:m="http://schemas.openxmlformats.org/officeDocument/2006/math">
+                      <m:sSup>
+                        <m:sSupPr>
+                          <m:ctrlPr>
+                            <a:rPr lang="en-US" sz="2800" b="1" i="1" smtClean="0">
+                              <a:solidFill>
+                                <a:srgbClr val="FFC700"/>
+                              </a:solidFill>
+                              <a:latin typeface="Cambria Math" panose="02040503050406030204" pitchFamily="18" charset="0"/>
+                            </a:rPr>
+                          </m:ctrlPr>
+                        </m:sSupPr>
+                        <m:e>
+                          <m:r>
+                            <a:rPr lang="en-US" sz="2800" b="1" i="1" smtClean="0">
+                              <a:solidFill>
+                                <a:srgbClr val="FFC700"/>
+                              </a:solidFill>
+                              <a:latin typeface="Cambria Math" panose="02040503050406030204" pitchFamily="18" charset="0"/>
+                            </a:rPr>
+                            <m:t>𝑼</m:t>
+                          </m:r>
+                        </m:e>
+                        <m:sup>
+                          <m:r>
+                            <a:rPr lang="en-US" sz="2800" b="1" i="1" smtClean="0">
+                              <a:solidFill>
+                                <a:srgbClr val="FFC700"/>
+                              </a:solidFill>
+                              <a:latin typeface="Cambria Math" panose="02040503050406030204" pitchFamily="18" charset="0"/>
+                            </a:rPr>
+                            <m:t>𝑪</m:t>
+                          </m:r>
+                        </m:sup>
+                      </m:sSup>
+                    </m:oMath>
+                  </m:oMathPara>
+                </a14:m>
+                <a:endParaRPr lang="en-US" sz="2800" b="1" dirty="0">
+                  <a:solidFill>
+                    <a:srgbClr val="FFC700"/>
+                  </a:solidFill>
+                </a:endParaRPr>
+              </a:p>
+            </p:txBody>
+          </p:sp>
+        </mc:Choice>
+        <mc:Fallback>
+          <p:sp>
+            <p:nvSpPr>
+              <p:cNvPr id="17" name="TextBox 16">
+                <a:extLst>
+                  <a:ext uri="{FF2B5EF4-FFF2-40B4-BE49-F238E27FC236}">
+                    <a16:creationId xmlns:a16="http://schemas.microsoft.com/office/drawing/2014/main" id="{3DDAE2D9-C3DB-965A-9ACA-A7D2A772D526}"/>
+                  </a:ext>
+                </a:extLst>
+              </p:cNvPr>
+              <p:cNvSpPr txBox="1">
+                <a:spLocks noRot="1" noChangeAspect="1" noMove="1" noResize="1" noEditPoints="1" noAdjustHandles="1" noChangeArrowheads="1" noChangeShapeType="1" noTextEdit="1"/>
+              </p:cNvSpPr>
+              <p:nvPr/>
+            </p:nvSpPr>
+            <p:spPr>
+              <a:xfrm>
+                <a:off x="6043949" y="6181022"/>
+                <a:ext cx="457859" cy="532966"/>
+              </a:xfrm>
+              <a:prstGeom prst="rect">
+                <a:avLst/>
+              </a:prstGeom>
+              <a:blipFill>
+                <a:blip r:embed="rId10"/>
+                <a:stretch>
+                  <a:fillRect l="-5263" r="-28947"/>
+                </a:stretch>
+              </a:blipFill>
+              <a:ln>
+                <a:noFill/>
+              </a:ln>
+            </p:spPr>
+            <p:txBody>
+              <a:bodyPr/>
+              <a:lstStyle/>
+              <a:p>
+                <a:r>
+                  <a:rPr lang="en-US">
+                    <a:noFill/>
+                  </a:rPr>
+                  <a:t> </a:t>
+                </a:r>
+              </a:p>
+            </p:txBody>
+          </p:sp>
+        </mc:Fallback>
+      </mc:AlternateContent>
+      <p:sp>
+        <p:nvSpPr>
+          <p:cNvPr id="25" name="Oval 24">
+            <a:extLst>
+              <a:ext uri="{FF2B5EF4-FFF2-40B4-BE49-F238E27FC236}">
+                <a16:creationId xmlns:a16="http://schemas.microsoft.com/office/drawing/2014/main" id="{306301F7-190F-2638-7053-401B0821972F}"/>
+              </a:ext>
+            </a:extLst>
+          </p:cNvPr>
+          <p:cNvSpPr/>
+          <p:nvPr/>
+        </p:nvSpPr>
+        <p:spPr>
+          <a:xfrm>
+            <a:off x="4359749" y="3260646"/>
+            <a:ext cx="246150" cy="247711"/>
+          </a:xfrm>
+          <a:prstGeom prst="ellipse">
+            <a:avLst/>
+          </a:prstGeom>
+          <a:solidFill>
+            <a:srgbClr val="C00000"/>
+          </a:solidFill>
+          <a:ln>
+            <a:solidFill>
+              <a:schemeClr val="tx1"/>
+            </a:solidFill>
+          </a:ln>
+        </p:spPr>
+        <p:style>
+          <a:lnRef idx="2">
+            <a:schemeClr val="accent1">
+              <a:shade val="15000"/>
+            </a:schemeClr>
+          </a:lnRef>
+          <a:fillRef idx="1">
+            <a:schemeClr val="accent1"/>
+          </a:fillRef>
+          <a:effectRef idx="0">
+            <a:schemeClr val="accent1"/>
+          </a:effectRef>
+          <a:fontRef idx="minor">
+            <a:schemeClr val="lt1"/>
+          </a:fontRef>
+        </p:style>
+        <p:txBody>
+          <a:bodyPr rtlCol="0" anchor="ctr"/>
+          <a:lstStyle/>
+          <a:p>
+            <a:pPr algn="ctr"/>
+            <a:endParaRPr lang="en-US"/>
+          </a:p>
+        </p:txBody>
+      </p:sp>
+      <mc:AlternateContent xmlns:mc="http://schemas.openxmlformats.org/markup-compatibility/2006">
+        <mc:Choice xmlns:a14="http://schemas.microsoft.com/office/drawing/2010/main" Requires="a14">
+          <p:sp>
+            <p:nvSpPr>
+              <p:cNvPr id="29" name="TextBox 28">
+                <a:extLst>
+                  <a:ext uri="{FF2B5EF4-FFF2-40B4-BE49-F238E27FC236}">
+                    <a16:creationId xmlns:a16="http://schemas.microsoft.com/office/drawing/2014/main" id="{47473F84-0FB6-15C4-526E-79D3D650AFFE}"/>
+                  </a:ext>
+                </a:extLst>
+              </p:cNvPr>
+              <p:cNvSpPr txBox="1"/>
+              <p:nvPr/>
+            </p:nvSpPr>
+            <p:spPr>
+              <a:xfrm>
+                <a:off x="-4761" y="3122891"/>
+                <a:ext cx="1129218" cy="523220"/>
+              </a:xfrm>
+              <a:prstGeom prst="rect">
+                <a:avLst/>
+              </a:prstGeom>
+              <a:noFill/>
+            </p:spPr>
+            <p:txBody>
+              <a:bodyPr wrap="square" rtlCol="0">
+                <a:spAutoFit/>
+              </a:bodyPr>
+              <a:lstStyle/>
+              <a:p>
+                <a:pPr/>
+                <a14:m>
+                  <m:oMathPara xmlns:m="http://schemas.openxmlformats.org/officeDocument/2006/math">
+                    <m:oMathParaPr>
+                      <m:jc m:val="centerGroup"/>
+                    </m:oMathParaPr>
+                    <m:oMath xmlns:m="http://schemas.openxmlformats.org/officeDocument/2006/math">
+                      <m:sSub>
+                        <m:sSubPr>
+                          <m:ctrlPr>
+                            <a:rPr lang="en-US" sz="2800" b="1" i="1" smtClean="0">
+                              <a:solidFill>
+                                <a:schemeClr val="tx2">
+                                  <a:lumMod val="50000"/>
+                                  <a:lumOff val="50000"/>
+                                </a:schemeClr>
+                              </a:solidFill>
+                              <a:latin typeface="Cambria Math" panose="02040503050406030204" pitchFamily="18" charset="0"/>
+                            </a:rPr>
+                          </m:ctrlPr>
+                        </m:sSubPr>
+                        <m:e>
+                          <m:r>
+                            <a:rPr lang="en-US" sz="2800" b="1" i="1" smtClean="0">
+                              <a:solidFill>
+                                <a:schemeClr val="tx2">
+                                  <a:lumMod val="50000"/>
+                                  <a:lumOff val="50000"/>
+                                </a:schemeClr>
+                              </a:solidFill>
+                              <a:latin typeface="Cambria Math" panose="02040503050406030204" pitchFamily="18" charset="0"/>
+                            </a:rPr>
+                            <m:t>𝒘</m:t>
+                          </m:r>
+                        </m:e>
+                        <m:sub>
+                          <m:r>
+                            <a:rPr lang="en-US" sz="2800" b="1" i="1" smtClean="0">
+                              <a:solidFill>
+                                <a:schemeClr val="tx2">
+                                  <a:lumMod val="50000"/>
+                                  <a:lumOff val="50000"/>
+                                </a:schemeClr>
+                              </a:solidFill>
+                              <a:latin typeface="Cambria Math" panose="02040503050406030204" pitchFamily="18" charset="0"/>
+                            </a:rPr>
+                            <m:t>𝑹</m:t>
+                          </m:r>
+                        </m:sub>
+                      </m:sSub>
+                    </m:oMath>
+                  </m:oMathPara>
+                </a14:m>
+                <a:endParaRPr lang="en-US" sz="2800" b="1" dirty="0">
+                  <a:solidFill>
+                    <a:schemeClr val="tx2">
+                      <a:lumMod val="50000"/>
+                      <a:lumOff val="50000"/>
+                    </a:schemeClr>
+                  </a:solidFill>
+                </a:endParaRPr>
+              </a:p>
+            </p:txBody>
+          </p:sp>
+        </mc:Choice>
+        <mc:Fallback>
+          <p:sp>
+            <p:nvSpPr>
+              <p:cNvPr id="29" name="TextBox 28">
+                <a:extLst>
+                  <a:ext uri="{FF2B5EF4-FFF2-40B4-BE49-F238E27FC236}">
+                    <a16:creationId xmlns:a16="http://schemas.microsoft.com/office/drawing/2014/main" id="{47473F84-0FB6-15C4-526E-79D3D650AFFE}"/>
+                  </a:ext>
+                </a:extLst>
+              </p:cNvPr>
+              <p:cNvSpPr txBox="1">
+                <a:spLocks noRot="1" noChangeAspect="1" noMove="1" noResize="1" noEditPoints="1" noAdjustHandles="1" noChangeArrowheads="1" noChangeShapeType="1" noTextEdit="1"/>
+              </p:cNvSpPr>
+              <p:nvPr/>
+            </p:nvSpPr>
+            <p:spPr>
+              <a:xfrm>
+                <a:off x="-4761" y="3122891"/>
+                <a:ext cx="1129218" cy="523220"/>
+              </a:xfrm>
+              <a:prstGeom prst="rect">
+                <a:avLst/>
+              </a:prstGeom>
+              <a:blipFill>
+                <a:blip r:embed="rId11"/>
+                <a:stretch>
+                  <a:fillRect/>
+                </a:stretch>
+              </a:blipFill>
+            </p:spPr>
+            <p:txBody>
+              <a:bodyPr/>
+              <a:lstStyle/>
+              <a:p>
+                <a:r>
+                  <a:rPr lang="en-US">
+                    <a:noFill/>
+                  </a:rPr>
+                  <a:t> </a:t>
+                </a:r>
+              </a:p>
+            </p:txBody>
+          </p:sp>
+        </mc:Fallback>
+      </mc:AlternateContent>
+    </p:spTree>
+    <p:extLst>
+      <p:ext uri="{BB962C8B-B14F-4D97-AF65-F5344CB8AC3E}">
+        <p14:creationId xmlns:p14="http://schemas.microsoft.com/office/powerpoint/2010/main" val="1145508677"/>
       </p:ext>
     </p:extLst>
   </p:cSld>
@@ -22948,4 +31439,319 @@
     </a:ext>
   </a:extLst>
 </a:theme>
+</file>
+
+<file path=ppt/theme/theme2.xml><?xml version="1.0" encoding="utf-8"?>
+<a:theme xmlns:a="http://schemas.openxmlformats.org/drawingml/2006/main" name="Office Theme">
+  <a:themeElements>
+    <a:clrScheme name="Office">
+      <a:dk1>
+        <a:sysClr val="windowText" lastClr="000000"/>
+      </a:dk1>
+      <a:lt1>
+        <a:sysClr val="window" lastClr="FFFFFF"/>
+      </a:lt1>
+      <a:dk2>
+        <a:srgbClr val="0E2841"/>
+      </a:dk2>
+      <a:lt2>
+        <a:srgbClr val="E8E8E8"/>
+      </a:lt2>
+      <a:accent1>
+        <a:srgbClr val="156082"/>
+      </a:accent1>
+      <a:accent2>
+        <a:srgbClr val="E97132"/>
+      </a:accent2>
+      <a:accent3>
+        <a:srgbClr val="196B24"/>
+      </a:accent3>
+      <a:accent4>
+        <a:srgbClr val="0F9ED5"/>
+      </a:accent4>
+      <a:accent5>
+        <a:srgbClr val="A02B93"/>
+      </a:accent5>
+      <a:accent6>
+        <a:srgbClr val="4EA72E"/>
+      </a:accent6>
+      <a:hlink>
+        <a:srgbClr val="467886"/>
+      </a:hlink>
+      <a:folHlink>
+        <a:srgbClr val="96607D"/>
+      </a:folHlink>
+    </a:clrScheme>
+    <a:fontScheme name="Office">
+      <a:majorFont>
+        <a:latin typeface="Aptos Display" panose="02110004020202020204"/>
+        <a:ea typeface=""/>
+        <a:cs typeface=""/>
+        <a:font script="Jpan" typeface="游ゴシック Light"/>
+        <a:font script="Hang" typeface="맑은 고딕"/>
+        <a:font script="Hans" typeface="等线 Light"/>
+        <a:font script="Hant" typeface="新細明體"/>
+        <a:font script="Arab" typeface="Times New Roman"/>
+        <a:font script="Hebr" typeface="Times New Roman"/>
+        <a:font script="Thai" typeface="Angsana New"/>
+        <a:font script="Ethi" typeface="Nyala"/>
+        <a:font script="Beng" typeface="Vrinda"/>
+        <a:font script="Gujr" typeface="Shruti"/>
+        <a:font script="Khmr" typeface="MoolBoran"/>
+        <a:font script="Knda" typeface="Tunga"/>
+        <a:font script="Guru" typeface="Raavi"/>
+        <a:font script="Cans" typeface="Euphemia"/>
+        <a:font script="Cher" typeface="Plantagenet Cherokee"/>
+        <a:font script="Yiii" typeface="Microsoft Yi Baiti"/>
+        <a:font script="Tibt" typeface="Microsoft Himalaya"/>
+        <a:font script="Thaa" typeface="MV Boli"/>
+        <a:font script="Deva" typeface="Mangal"/>
+        <a:font script="Telu" typeface="Gautami"/>
+        <a:font script="Taml" typeface="Latha"/>
+        <a:font script="Syrc" typeface="Estrangelo Edessa"/>
+        <a:font script="Orya" typeface="Kalinga"/>
+        <a:font script="Mlym" typeface="Kartika"/>
+        <a:font script="Laoo" typeface="DokChampa"/>
+        <a:font script="Sinh" typeface="Iskoola Pota"/>
+        <a:font script="Mong" typeface="Mongolian Baiti"/>
+        <a:font script="Viet" typeface="Times New Roman"/>
+        <a:font script="Uigh" typeface="Microsoft Uighur"/>
+        <a:font script="Geor" typeface="Sylfaen"/>
+        <a:font script="Armn" typeface="Arial"/>
+        <a:font script="Bugi" typeface="Leelawadee UI"/>
+        <a:font script="Bopo" typeface="Microsoft JhengHei"/>
+        <a:font script="Java" typeface="Javanese Text"/>
+        <a:font script="Lisu" typeface="Segoe UI"/>
+        <a:font script="Mymr" typeface="Myanmar Text"/>
+        <a:font script="Nkoo" typeface="Ebrima"/>
+        <a:font script="Olck" typeface="Nirmala UI"/>
+        <a:font script="Osma" typeface="Ebrima"/>
+        <a:font script="Phag" typeface="Phagspa"/>
+        <a:font script="Syrn" typeface="Estrangelo Edessa"/>
+        <a:font script="Syrj" typeface="Estrangelo Edessa"/>
+        <a:font script="Syre" typeface="Estrangelo Edessa"/>
+        <a:font script="Sora" typeface="Nirmala UI"/>
+        <a:font script="Tale" typeface="Microsoft Tai Le"/>
+        <a:font script="Talu" typeface="Microsoft New Tai Lue"/>
+        <a:font script="Tfng" typeface="Ebrima"/>
+      </a:majorFont>
+      <a:minorFont>
+        <a:latin typeface="Aptos" panose="02110004020202020204"/>
+        <a:ea typeface=""/>
+        <a:cs typeface=""/>
+        <a:font script="Jpan" typeface="游ゴシック"/>
+        <a:font script="Hang" typeface="맑은 고딕"/>
+        <a:font script="Hans" typeface="等线"/>
+        <a:font script="Hant" typeface="新細明體"/>
+        <a:font script="Arab" typeface="Arial"/>
+        <a:font script="Hebr" typeface="Arial"/>
+        <a:font script="Thai" typeface="Cordia New"/>
+        <a:font script="Ethi" typeface="Nyala"/>
+        <a:font script="Beng" typeface="Vrinda"/>
+        <a:font script="Gujr" typeface="Shruti"/>
+        <a:font script="Khmr" typeface="DaunPenh"/>
+        <a:font script="Knda" typeface="Tunga"/>
+        <a:font script="Guru" typeface="Raavi"/>
+        <a:font script="Cans" typeface="Euphemia"/>
+        <a:font script="Cher" typeface="Plantagenet Cherokee"/>
+        <a:font script="Yiii" typeface="Microsoft Yi Baiti"/>
+        <a:font script="Tibt" typeface="Microsoft Himalaya"/>
+        <a:font script="Thaa" typeface="MV Boli"/>
+        <a:font script="Deva" typeface="Mangal"/>
+        <a:font script="Telu" typeface="Gautami"/>
+        <a:font script="Taml" typeface="Latha"/>
+        <a:font script="Syrc" typeface="Estrangelo Edessa"/>
+        <a:font script="Orya" typeface="Kalinga"/>
+        <a:font script="Mlym" typeface="Kartika"/>
+        <a:font script="Laoo" typeface="DokChampa"/>
+        <a:font script="Sinh" typeface="Iskoola Pota"/>
+        <a:font script="Mong" typeface="Mongolian Baiti"/>
+        <a:font script="Viet" typeface="Arial"/>
+        <a:font script="Uigh" typeface="Microsoft Uighur"/>
+        <a:font script="Geor" typeface="Sylfaen"/>
+        <a:font script="Armn" typeface="Arial"/>
+        <a:font script="Bugi" typeface="Leelawadee UI"/>
+        <a:font script="Bopo" typeface="Microsoft JhengHei"/>
+        <a:font script="Java" typeface="Javanese Text"/>
+        <a:font script="Lisu" typeface="Segoe UI"/>
+        <a:font script="Mymr" typeface="Myanmar Text"/>
+        <a:font script="Nkoo" typeface="Ebrima"/>
+        <a:font script="Olck" typeface="Nirmala UI"/>
+        <a:font script="Osma" typeface="Ebrima"/>
+        <a:font script="Phag" typeface="Phagspa"/>
+        <a:font script="Syrn" typeface="Estrangelo Edessa"/>
+        <a:font script="Syrj" typeface="Estrangelo Edessa"/>
+        <a:font script="Syre" typeface="Estrangelo Edessa"/>
+        <a:font script="Sora" typeface="Nirmala UI"/>
+        <a:font script="Tale" typeface="Microsoft Tai Le"/>
+        <a:font script="Talu" typeface="Microsoft New Tai Lue"/>
+        <a:font script="Tfng" typeface="Ebrima"/>
+      </a:minorFont>
+    </a:fontScheme>
+    <a:fmtScheme name="Office">
+      <a:fillStyleLst>
+        <a:solidFill>
+          <a:schemeClr val="phClr"/>
+        </a:solidFill>
+        <a:gradFill rotWithShape="1">
+          <a:gsLst>
+            <a:gs pos="0">
+              <a:schemeClr val="phClr">
+                <a:lumMod val="110000"/>
+                <a:satMod val="105000"/>
+                <a:tint val="67000"/>
+              </a:schemeClr>
+            </a:gs>
+            <a:gs pos="50000">
+              <a:schemeClr val="phClr">
+                <a:lumMod val="105000"/>
+                <a:satMod val="103000"/>
+                <a:tint val="73000"/>
+              </a:schemeClr>
+            </a:gs>
+            <a:gs pos="100000">
+              <a:schemeClr val="phClr">
+                <a:lumMod val="105000"/>
+                <a:satMod val="109000"/>
+                <a:tint val="81000"/>
+              </a:schemeClr>
+            </a:gs>
+          </a:gsLst>
+          <a:lin ang="5400000" scaled="0"/>
+        </a:gradFill>
+        <a:gradFill rotWithShape="1">
+          <a:gsLst>
+            <a:gs pos="0">
+              <a:schemeClr val="phClr">
+                <a:satMod val="103000"/>
+                <a:lumMod val="102000"/>
+                <a:tint val="94000"/>
+              </a:schemeClr>
+            </a:gs>
+            <a:gs pos="50000">
+              <a:schemeClr val="phClr">
+                <a:satMod val="110000"/>
+                <a:lumMod val="100000"/>
+                <a:shade val="100000"/>
+              </a:schemeClr>
+            </a:gs>
+            <a:gs pos="100000">
+              <a:schemeClr val="phClr">
+                <a:lumMod val="99000"/>
+                <a:satMod val="120000"/>
+                <a:shade val="78000"/>
+              </a:schemeClr>
+            </a:gs>
+          </a:gsLst>
+          <a:lin ang="5400000" scaled="0"/>
+        </a:gradFill>
+      </a:fillStyleLst>
+      <a:lnStyleLst>
+        <a:ln w="12700" cap="flat" cmpd="sng" algn="ctr">
+          <a:solidFill>
+            <a:schemeClr val="phClr"/>
+          </a:solidFill>
+          <a:prstDash val="solid"/>
+          <a:miter lim="800000"/>
+        </a:ln>
+        <a:ln w="19050" cap="flat" cmpd="sng" algn="ctr">
+          <a:solidFill>
+            <a:schemeClr val="phClr"/>
+          </a:solidFill>
+          <a:prstDash val="solid"/>
+          <a:miter lim="800000"/>
+        </a:ln>
+        <a:ln w="25400" cap="flat" cmpd="sng" algn="ctr">
+          <a:solidFill>
+            <a:schemeClr val="phClr"/>
+          </a:solidFill>
+          <a:prstDash val="solid"/>
+          <a:miter lim="800000"/>
+        </a:ln>
+      </a:lnStyleLst>
+      <a:effectStyleLst>
+        <a:effectStyle>
+          <a:effectLst/>
+        </a:effectStyle>
+        <a:effectStyle>
+          <a:effectLst/>
+        </a:effectStyle>
+        <a:effectStyle>
+          <a:effectLst>
+            <a:outerShdw blurRad="57150" dist="19050" dir="5400000" algn="ctr" rotWithShape="0">
+              <a:srgbClr val="000000">
+                <a:alpha val="63000"/>
+              </a:srgbClr>
+            </a:outerShdw>
+          </a:effectLst>
+        </a:effectStyle>
+      </a:effectStyleLst>
+      <a:bgFillStyleLst>
+        <a:solidFill>
+          <a:schemeClr val="phClr"/>
+        </a:solidFill>
+        <a:solidFill>
+          <a:schemeClr val="phClr">
+            <a:tint val="95000"/>
+            <a:satMod val="170000"/>
+          </a:schemeClr>
+        </a:solidFill>
+        <a:gradFill rotWithShape="1">
+          <a:gsLst>
+            <a:gs pos="0">
+              <a:schemeClr val="phClr">
+                <a:tint val="93000"/>
+                <a:satMod val="150000"/>
+                <a:shade val="98000"/>
+                <a:lumMod val="102000"/>
+              </a:schemeClr>
+            </a:gs>
+            <a:gs pos="50000">
+              <a:schemeClr val="phClr">
+                <a:tint val="98000"/>
+                <a:satMod val="130000"/>
+                <a:shade val="90000"/>
+                <a:lumMod val="103000"/>
+              </a:schemeClr>
+            </a:gs>
+            <a:gs pos="100000">
+              <a:schemeClr val="phClr">
+                <a:shade val="63000"/>
+                <a:satMod val="120000"/>
+              </a:schemeClr>
+            </a:gs>
+          </a:gsLst>
+          <a:lin ang="5400000" scaled="0"/>
+        </a:gradFill>
+      </a:bgFillStyleLst>
+    </a:fmtScheme>
+  </a:themeElements>
+  <a:objectDefaults>
+    <a:lnDef>
+      <a:spPr/>
+      <a:bodyPr/>
+      <a:lstStyle/>
+      <a:style>
+        <a:lnRef idx="2">
+          <a:schemeClr val="accent1"/>
+        </a:lnRef>
+        <a:fillRef idx="0">
+          <a:schemeClr val="accent1"/>
+        </a:fillRef>
+        <a:effectRef idx="1">
+          <a:schemeClr val="accent1"/>
+        </a:effectRef>
+        <a:fontRef idx="minor">
+          <a:schemeClr val="tx1"/>
+        </a:fontRef>
+      </a:style>
+    </a:lnDef>
+  </a:objectDefaults>
+  <a:extraClrSchemeLst/>
+  <a:extLst>
+    <a:ext uri="{05A4C25C-085E-4340-85A3-A5531E510DB2}">
+      <thm15:themeFamily xmlns:thm15="http://schemas.microsoft.com/office/thememl/2012/main" name="Office Theme" id="{2E142A2C-CD16-42D6-873A-C26D2A0506FA}" vid="{1BDDFF52-6CD6-40A5-AB3C-68EB2F1E4D0A}"/>
+    </a:ext>
+  </a:extLst>
+</a:theme>
 </file>
--- a/Lectures/graph-maker-pp.pptx
+++ b/Lectures/graph-maker-pp.pptx
@@ -5,7 +5,7 @@
     <p:sldMasterId id="2147483648" r:id="rId1"/>
   </p:sldMasterIdLst>
   <p:notesMasterIdLst>
-    <p:notesMasterId r:id="rId27"/>
+    <p:notesMasterId r:id="rId30"/>
   </p:notesMasterIdLst>
   <p:sldIdLst>
     <p:sldId id="256" r:id="rId2"/>
@@ -33,6 +33,9 @@
     <p:sldId id="279" r:id="rId24"/>
     <p:sldId id="280" r:id="rId25"/>
     <p:sldId id="281" r:id="rId26"/>
+    <p:sldId id="282" r:id="rId27"/>
+    <p:sldId id="283" r:id="rId28"/>
+    <p:sldId id="284" r:id="rId29"/>
   </p:sldIdLst>
   <p:sldSz cx="12192000" cy="6858000"/>
   <p:notesSz cx="6858000" cy="9144000"/>
@@ -221,7 +224,7 @@
           <a:p>
             <a:fld id="{729F6188-8EB9-A643-A05C-94D1DA380893}" type="datetimeFigureOut">
               <a:rPr lang="en-US" smtClean="0"/>
-              <a:t>11/11/25</a:t>
+              <a:t>11/19/25</a:t>
             </a:fld>
             <a:endParaRPr lang="en-US"/>
           </a:p>
@@ -719,7 +722,7 @@
           <a:p>
             <a:fld id="{67B564A3-C150-4636-B8BE-2AA93CC227AD}" type="datetimeFigureOut">
               <a:rPr lang="en-US" smtClean="0"/>
-              <a:t>11/11/25</a:t>
+              <a:t>11/19/25</a:t>
             </a:fld>
             <a:endParaRPr lang="en-US"/>
           </a:p>
@@ -917,7 +920,7 @@
           <a:p>
             <a:fld id="{67B564A3-C150-4636-B8BE-2AA93CC227AD}" type="datetimeFigureOut">
               <a:rPr lang="en-US" smtClean="0"/>
-              <a:t>11/11/25</a:t>
+              <a:t>11/19/25</a:t>
             </a:fld>
             <a:endParaRPr lang="en-US"/>
           </a:p>
@@ -1125,7 +1128,7 @@
           <a:p>
             <a:fld id="{67B564A3-C150-4636-B8BE-2AA93CC227AD}" type="datetimeFigureOut">
               <a:rPr lang="en-US" smtClean="0"/>
-              <a:t>11/11/25</a:t>
+              <a:t>11/19/25</a:t>
             </a:fld>
             <a:endParaRPr lang="en-US"/>
           </a:p>
@@ -1323,7 +1326,7 @@
           <a:p>
             <a:fld id="{67B564A3-C150-4636-B8BE-2AA93CC227AD}" type="datetimeFigureOut">
               <a:rPr lang="en-US" smtClean="0"/>
-              <a:t>11/11/25</a:t>
+              <a:t>11/19/25</a:t>
             </a:fld>
             <a:endParaRPr lang="en-US"/>
           </a:p>
@@ -1598,7 +1601,7 @@
           <a:p>
             <a:fld id="{67B564A3-C150-4636-B8BE-2AA93CC227AD}" type="datetimeFigureOut">
               <a:rPr lang="en-US" smtClean="0"/>
-              <a:t>11/11/25</a:t>
+              <a:t>11/19/25</a:t>
             </a:fld>
             <a:endParaRPr lang="en-US"/>
           </a:p>
@@ -1863,7 +1866,7 @@
           <a:p>
             <a:fld id="{67B564A3-C150-4636-B8BE-2AA93CC227AD}" type="datetimeFigureOut">
               <a:rPr lang="en-US" smtClean="0"/>
-              <a:t>11/11/25</a:t>
+              <a:t>11/19/25</a:t>
             </a:fld>
             <a:endParaRPr lang="en-US"/>
           </a:p>
@@ -2275,7 +2278,7 @@
           <a:p>
             <a:fld id="{67B564A3-C150-4636-B8BE-2AA93CC227AD}" type="datetimeFigureOut">
               <a:rPr lang="en-US" smtClean="0"/>
-              <a:t>11/11/25</a:t>
+              <a:t>11/19/25</a:t>
             </a:fld>
             <a:endParaRPr lang="en-US"/>
           </a:p>
@@ -2416,7 +2419,7 @@
           <a:p>
             <a:fld id="{67B564A3-C150-4636-B8BE-2AA93CC227AD}" type="datetimeFigureOut">
               <a:rPr lang="en-US" smtClean="0"/>
-              <a:t>11/11/25</a:t>
+              <a:t>11/19/25</a:t>
             </a:fld>
             <a:endParaRPr lang="en-US"/>
           </a:p>
@@ -2529,7 +2532,7 @@
           <a:p>
             <a:fld id="{67B564A3-C150-4636-B8BE-2AA93CC227AD}" type="datetimeFigureOut">
               <a:rPr lang="en-US" smtClean="0"/>
-              <a:t>11/11/25</a:t>
+              <a:t>11/19/25</a:t>
             </a:fld>
             <a:endParaRPr lang="en-US"/>
           </a:p>
@@ -2840,7 +2843,7 @@
           <a:p>
             <a:fld id="{67B564A3-C150-4636-B8BE-2AA93CC227AD}" type="datetimeFigureOut">
               <a:rPr lang="en-US" smtClean="0"/>
-              <a:t>11/11/25</a:t>
+              <a:t>11/19/25</a:t>
             </a:fld>
             <a:endParaRPr lang="en-US"/>
           </a:p>
@@ -3128,7 +3131,7 @@
           <a:p>
             <a:fld id="{67B564A3-C150-4636-B8BE-2AA93CC227AD}" type="datetimeFigureOut">
               <a:rPr lang="en-US" smtClean="0"/>
-              <a:t>11/11/25</a:t>
+              <a:t>11/19/25</a:t>
             </a:fld>
             <a:endParaRPr lang="en-US"/>
           </a:p>
@@ -3369,7 +3372,7 @@
           <a:p>
             <a:fld id="{67B564A3-C150-4636-B8BE-2AA93CC227AD}" type="datetimeFigureOut">
               <a:rPr lang="en-US" smtClean="0"/>
-              <a:t>11/11/25</a:t>
+              <a:t>11/19/25</a:t>
             </a:fld>
             <a:endParaRPr lang="en-US"/>
           </a:p>
@@ -15007,8 +15010,8 @@
           </p:style>
         </p:cxnSp>
       </p:grpSp>
-      <mc:AlternateContent xmlns:mc="http://schemas.openxmlformats.org/markup-compatibility/2006">
-        <mc:Choice xmlns:a14="http://schemas.microsoft.com/office/drawing/2010/main" Requires="a14">
+      <mc:AlternateContent xmlns:mc="http://schemas.openxmlformats.org/markup-compatibility/2006" xmlns:a14="http://schemas.microsoft.com/office/drawing/2010/main">
+        <mc:Choice Requires="a14">
           <p:sp>
             <p:nvSpPr>
               <p:cNvPr id="7" name="TextBox 6">
@@ -15087,7 +15090,7 @@
             </p:txBody>
           </p:sp>
         </mc:Choice>
-        <mc:Fallback>
+        <mc:Fallback xmlns="">
           <p:sp>
             <p:nvSpPr>
               <p:cNvPr id="7" name="TextBox 6">
@@ -15132,8 +15135,8 @@
           </p:sp>
         </mc:Fallback>
       </mc:AlternateContent>
-      <mc:AlternateContent xmlns:mc="http://schemas.openxmlformats.org/markup-compatibility/2006">
-        <mc:Choice xmlns:a14="http://schemas.microsoft.com/office/drawing/2010/main" Requires="a14">
+      <mc:AlternateContent xmlns:mc="http://schemas.openxmlformats.org/markup-compatibility/2006" xmlns:a14="http://schemas.microsoft.com/office/drawing/2010/main">
+        <mc:Choice Requires="a14">
           <p:sp>
             <p:nvSpPr>
               <p:cNvPr id="8" name="TextBox 7">
@@ -15215,7 +15218,7 @@
             </p:txBody>
           </p:sp>
         </mc:Choice>
-        <mc:Fallback>
+        <mc:Fallback xmlns="">
           <p:sp>
             <p:nvSpPr>
               <p:cNvPr id="8" name="TextBox 7">
@@ -16879,8 +16882,8 @@
           </p:style>
         </p:cxnSp>
       </p:grpSp>
-      <mc:AlternateContent xmlns:mc="http://schemas.openxmlformats.org/markup-compatibility/2006">
-        <mc:Choice xmlns:a14="http://schemas.microsoft.com/office/drawing/2010/main" Requires="a14">
+      <mc:AlternateContent xmlns:mc="http://schemas.openxmlformats.org/markup-compatibility/2006" xmlns:a14="http://schemas.microsoft.com/office/drawing/2010/main">
+        <mc:Choice Requires="a14">
           <p:sp>
             <p:nvSpPr>
               <p:cNvPr id="7" name="TextBox 6">
@@ -16959,7 +16962,7 @@
             </p:txBody>
           </p:sp>
         </mc:Choice>
-        <mc:Fallback>
+        <mc:Fallback xmlns="">
           <p:sp>
             <p:nvSpPr>
               <p:cNvPr id="7" name="TextBox 6">
@@ -17004,8 +17007,8 @@
           </p:sp>
         </mc:Fallback>
       </mc:AlternateContent>
-      <mc:AlternateContent xmlns:mc="http://schemas.openxmlformats.org/markup-compatibility/2006">
-        <mc:Choice xmlns:a14="http://schemas.microsoft.com/office/drawing/2010/main" Requires="a14">
+      <mc:AlternateContent xmlns:mc="http://schemas.openxmlformats.org/markup-compatibility/2006" xmlns:a14="http://schemas.microsoft.com/office/drawing/2010/main">
+        <mc:Choice Requires="a14">
           <p:sp>
             <p:nvSpPr>
               <p:cNvPr id="8" name="TextBox 7">
@@ -17087,7 +17090,7 @@
             </p:txBody>
           </p:sp>
         </mc:Choice>
-        <mc:Fallback>
+        <mc:Fallback xmlns="">
           <p:sp>
             <p:nvSpPr>
               <p:cNvPr id="8" name="TextBox 7">
@@ -17258,8 +17261,8 @@
           </a:fontRef>
         </p:style>
       </p:cxnSp>
-      <mc:AlternateContent xmlns:mc="http://schemas.openxmlformats.org/markup-compatibility/2006">
-        <mc:Choice xmlns:a14="http://schemas.microsoft.com/office/drawing/2010/main" Requires="a14">
+      <mc:AlternateContent xmlns:mc="http://schemas.openxmlformats.org/markup-compatibility/2006" xmlns:a14="http://schemas.microsoft.com/office/drawing/2010/main">
+        <mc:Choice Requires="a14">
           <p:sp>
             <p:nvSpPr>
               <p:cNvPr id="7" name="TextBox 6">
@@ -17338,7 +17341,7 @@
             </p:txBody>
           </p:sp>
         </mc:Choice>
-        <mc:Fallback>
+        <mc:Fallback xmlns="">
           <p:sp>
             <p:nvSpPr>
               <p:cNvPr id="7" name="TextBox 6">
@@ -17613,8 +17616,8 @@
           </a:p>
         </p:txBody>
       </p:sp>
-      <mc:AlternateContent xmlns:mc="http://schemas.openxmlformats.org/markup-compatibility/2006">
-        <mc:Choice xmlns:a14="http://schemas.microsoft.com/office/drawing/2010/main" Requires="a14">
+      <mc:AlternateContent xmlns:mc="http://schemas.openxmlformats.org/markup-compatibility/2006" xmlns:a14="http://schemas.microsoft.com/office/drawing/2010/main">
+        <mc:Choice Requires="a14">
           <p:sp>
             <p:nvSpPr>
               <p:cNvPr id="22" name="TextBox 21">
@@ -17693,7 +17696,7 @@
             </p:txBody>
           </p:sp>
         </mc:Choice>
-        <mc:Fallback>
+        <mc:Fallback xmlns="">
           <p:sp>
             <p:nvSpPr>
               <p:cNvPr id="22" name="TextBox 21">
@@ -17864,8 +17867,8 @@
           </a:fontRef>
         </p:style>
       </p:cxnSp>
-      <mc:AlternateContent xmlns:mc="http://schemas.openxmlformats.org/markup-compatibility/2006">
-        <mc:Choice xmlns:a14="http://schemas.microsoft.com/office/drawing/2010/main" Requires="a14">
+      <mc:AlternateContent xmlns:mc="http://schemas.openxmlformats.org/markup-compatibility/2006" xmlns:a14="http://schemas.microsoft.com/office/drawing/2010/main">
+        <mc:Choice Requires="a14">
           <p:sp>
             <p:nvSpPr>
               <p:cNvPr id="7" name="TextBox 6">
@@ -17894,6 +17897,7 @@
               </a:bodyPr>
               <a:lstStyle/>
               <a:p>
+                <a:pPr/>
                 <a14:m>
                   <m:oMathPara xmlns:m="http://schemas.openxmlformats.org/officeDocument/2006/math">
                     <m:oMathParaPr>
@@ -17933,7 +17937,7 @@
             </p:txBody>
           </p:sp>
         </mc:Choice>
-        <mc:Fallback>
+        <mc:Fallback xmlns="">
           <p:sp>
             <p:nvSpPr>
               <p:cNvPr id="7" name="TextBox 6">
@@ -18124,8 +18128,8 @@
           </p:style>
         </p:cxnSp>
       </p:grpSp>
-      <mc:AlternateContent xmlns:mc="http://schemas.openxmlformats.org/markup-compatibility/2006">
-        <mc:Choice xmlns:a14="http://schemas.microsoft.com/office/drawing/2010/main" Requires="a14">
+      <mc:AlternateContent xmlns:mc="http://schemas.openxmlformats.org/markup-compatibility/2006" xmlns:a14="http://schemas.microsoft.com/office/drawing/2010/main">
+        <mc:Choice Requires="a14">
           <p:sp>
             <p:nvSpPr>
               <p:cNvPr id="22" name="TextBox 21">
@@ -18154,6 +18158,7 @@
               </a:bodyPr>
               <a:lstStyle/>
               <a:p>
+                <a:pPr/>
                 <a14:m>
                   <m:oMathPara xmlns:m="http://schemas.openxmlformats.org/officeDocument/2006/math">
                     <m:oMathParaPr>
@@ -18193,7 +18198,7 @@
             </p:txBody>
           </p:sp>
         </mc:Choice>
-        <mc:Fallback>
+        <mc:Fallback xmlns="">
           <p:sp>
             <p:nvSpPr>
               <p:cNvPr id="22" name="TextBox 21">
@@ -18374,8 +18379,8 @@
           </a:fontRef>
         </p:style>
       </p:cxnSp>
-      <mc:AlternateContent xmlns:mc="http://schemas.openxmlformats.org/markup-compatibility/2006">
-        <mc:Choice xmlns:a14="http://schemas.microsoft.com/office/drawing/2010/main" Requires="a14">
+      <mc:AlternateContent xmlns:mc="http://schemas.openxmlformats.org/markup-compatibility/2006" xmlns:a14="http://schemas.microsoft.com/office/drawing/2010/main">
+        <mc:Choice Requires="a14">
           <p:sp>
             <p:nvSpPr>
               <p:cNvPr id="13" name="TextBox 12">
@@ -18460,7 +18465,7 @@
             </p:txBody>
           </p:sp>
         </mc:Choice>
-        <mc:Fallback>
+        <mc:Fallback xmlns="">
           <p:sp>
             <p:nvSpPr>
               <p:cNvPr id="13" name="TextBox 12">
@@ -18563,8 +18568,8 @@
           </a:p>
         </p:txBody>
       </p:sp>
-      <mc:AlternateContent xmlns:mc="http://schemas.openxmlformats.org/markup-compatibility/2006">
-        <mc:Choice xmlns:a14="http://schemas.microsoft.com/office/drawing/2010/main" Requires="a14">
+      <mc:AlternateContent xmlns:mc="http://schemas.openxmlformats.org/markup-compatibility/2006" xmlns:a14="http://schemas.microsoft.com/office/drawing/2010/main">
+        <mc:Choice Requires="a14">
           <p:sp>
             <p:nvSpPr>
               <p:cNvPr id="19" name="TextBox 18">
@@ -18661,7 +18666,7 @@
             </p:txBody>
           </p:sp>
         </mc:Choice>
-        <mc:Fallback>
+        <mc:Fallback xmlns="">
           <p:sp>
             <p:nvSpPr>
               <p:cNvPr id="19" name="TextBox 18">
@@ -18871,8 +18876,8 @@
           </a:fontRef>
         </p:style>
       </p:cxnSp>
-      <mc:AlternateContent xmlns:mc="http://schemas.openxmlformats.org/markup-compatibility/2006">
-        <mc:Choice xmlns:a14="http://schemas.microsoft.com/office/drawing/2010/main" Requires="a14">
+      <mc:AlternateContent xmlns:mc="http://schemas.openxmlformats.org/markup-compatibility/2006" xmlns:a14="http://schemas.microsoft.com/office/drawing/2010/main">
+        <mc:Choice Requires="a14">
           <p:sp>
             <p:nvSpPr>
               <p:cNvPr id="7" name="TextBox 6">
@@ -18941,7 +18946,7 @@
             </p:txBody>
           </p:sp>
         </mc:Choice>
-        <mc:Fallback>
+        <mc:Fallback xmlns="">
           <p:sp>
             <p:nvSpPr>
               <p:cNvPr id="7" name="TextBox 6">
@@ -18986,8 +18991,8 @@
           </p:sp>
         </mc:Fallback>
       </mc:AlternateContent>
-      <mc:AlternateContent xmlns:mc="http://schemas.openxmlformats.org/markup-compatibility/2006">
-        <mc:Choice xmlns:a14="http://schemas.microsoft.com/office/drawing/2010/main" Requires="a14">
+      <mc:AlternateContent xmlns:mc="http://schemas.openxmlformats.org/markup-compatibility/2006" xmlns:a14="http://schemas.microsoft.com/office/drawing/2010/main">
+        <mc:Choice Requires="a14">
           <p:sp>
             <p:nvSpPr>
               <p:cNvPr id="8" name="TextBox 7">
@@ -19072,7 +19077,7 @@
             </p:txBody>
           </p:sp>
         </mc:Choice>
-        <mc:Fallback>
+        <mc:Fallback xmlns="">
           <p:sp>
             <p:nvSpPr>
               <p:cNvPr id="8" name="TextBox 7">
@@ -19321,8 +19326,8 @@
           </a:p>
         </p:txBody>
       </p:sp>
-      <mc:AlternateContent xmlns:mc="http://schemas.openxmlformats.org/markup-compatibility/2006">
-        <mc:Choice xmlns:a14="http://schemas.microsoft.com/office/drawing/2010/main" Requires="a14">
+      <mc:AlternateContent xmlns:mc="http://schemas.openxmlformats.org/markup-compatibility/2006" xmlns:a14="http://schemas.microsoft.com/office/drawing/2010/main">
+        <mc:Choice Requires="a14">
           <p:sp>
             <p:nvSpPr>
               <p:cNvPr id="22" name="TextBox 21">
@@ -19391,7 +19396,7 @@
             </p:txBody>
           </p:sp>
         </mc:Choice>
-        <mc:Fallback>
+        <mc:Fallback xmlns="">
           <p:sp>
             <p:nvSpPr>
               <p:cNvPr id="22" name="TextBox 21">
@@ -19436,8 +19441,8 @@
           </p:sp>
         </mc:Fallback>
       </mc:AlternateContent>
-      <mc:AlternateContent xmlns:mc="http://schemas.openxmlformats.org/markup-compatibility/2006">
-        <mc:Choice xmlns:a14="http://schemas.microsoft.com/office/drawing/2010/main" Requires="a14">
+      <mc:AlternateContent xmlns:mc="http://schemas.openxmlformats.org/markup-compatibility/2006" xmlns:a14="http://schemas.microsoft.com/office/drawing/2010/main">
+        <mc:Choice Requires="a14">
           <p:sp>
             <p:nvSpPr>
               <p:cNvPr id="2" name="TextBox 1">
@@ -19534,7 +19539,7 @@
             </p:txBody>
           </p:sp>
         </mc:Choice>
-        <mc:Fallback>
+        <mc:Fallback xmlns="">
           <p:sp>
             <p:nvSpPr>
               <p:cNvPr id="2" name="TextBox 1">
@@ -19812,8 +19817,8 @@
           </a:p>
         </p:txBody>
       </p:sp>
-      <mc:AlternateContent xmlns:mc="http://schemas.openxmlformats.org/markup-compatibility/2006">
-        <mc:Choice xmlns:a14="http://schemas.microsoft.com/office/drawing/2010/main" Requires="a14">
+      <mc:AlternateContent xmlns:mc="http://schemas.openxmlformats.org/markup-compatibility/2006" xmlns:a14="http://schemas.microsoft.com/office/drawing/2010/main">
+        <mc:Choice Requires="a14">
           <p:sp>
             <p:nvSpPr>
               <p:cNvPr id="12" name="TextBox 11">
@@ -19907,7 +19912,7 @@
             </p:txBody>
           </p:sp>
         </mc:Choice>
-        <mc:Fallback>
+        <mc:Fallback xmlns="">
           <p:sp>
             <p:nvSpPr>
               <p:cNvPr id="12" name="TextBox 11">
@@ -19952,8 +19957,8 @@
           </p:sp>
         </mc:Fallback>
       </mc:AlternateContent>
-      <mc:AlternateContent xmlns:mc="http://schemas.openxmlformats.org/markup-compatibility/2006">
-        <mc:Choice xmlns:a14="http://schemas.microsoft.com/office/drawing/2010/main" Requires="a14">
+      <mc:AlternateContent xmlns:mc="http://schemas.openxmlformats.org/markup-compatibility/2006" xmlns:a14="http://schemas.microsoft.com/office/drawing/2010/main">
+        <mc:Choice Requires="a14">
           <p:sp>
             <p:nvSpPr>
               <p:cNvPr id="13" name="TextBox 12">
@@ -19985,7 +19990,6 @@
               </a:bodyPr>
               <a:lstStyle/>
               <a:p>
-                <a:pPr/>
                 <a:r>
                   <a:rPr lang="en-US" sz="2800" b="1" dirty="0">
                     <a:solidFill>
@@ -20120,7 +20124,7 @@
             </p:txBody>
           </p:sp>
         </mc:Choice>
-        <mc:Fallback>
+        <mc:Fallback xmlns="">
           <p:sp>
             <p:nvSpPr>
               <p:cNvPr id="13" name="TextBox 12">
@@ -20387,8 +20391,8 @@
           </a:fontRef>
         </p:style>
       </p:cxnSp>
-      <mc:AlternateContent xmlns:mc="http://schemas.openxmlformats.org/markup-compatibility/2006">
-        <mc:Choice xmlns:a14="http://schemas.microsoft.com/office/drawing/2010/main" Requires="a14">
+      <mc:AlternateContent xmlns:mc="http://schemas.openxmlformats.org/markup-compatibility/2006" xmlns:a14="http://schemas.microsoft.com/office/drawing/2010/main">
+        <mc:Choice Requires="a14">
           <p:sp>
             <p:nvSpPr>
               <p:cNvPr id="7" name="TextBox 6">
@@ -20457,7 +20461,7 @@
             </p:txBody>
           </p:sp>
         </mc:Choice>
-        <mc:Fallback>
+        <mc:Fallback xmlns="">
           <p:sp>
             <p:nvSpPr>
               <p:cNvPr id="7" name="TextBox 6">
@@ -20502,8 +20506,8 @@
           </p:sp>
         </mc:Fallback>
       </mc:AlternateContent>
-      <mc:AlternateContent xmlns:mc="http://schemas.openxmlformats.org/markup-compatibility/2006">
-        <mc:Choice xmlns:a14="http://schemas.microsoft.com/office/drawing/2010/main" Requires="a14">
+      <mc:AlternateContent xmlns:mc="http://schemas.openxmlformats.org/markup-compatibility/2006" xmlns:a14="http://schemas.microsoft.com/office/drawing/2010/main">
+        <mc:Choice Requires="a14">
           <p:sp>
             <p:nvSpPr>
               <p:cNvPr id="8" name="TextBox 7">
@@ -20588,7 +20592,7 @@
             </p:txBody>
           </p:sp>
         </mc:Choice>
-        <mc:Fallback>
+        <mc:Fallback xmlns="">
           <p:sp>
             <p:nvSpPr>
               <p:cNvPr id="8" name="TextBox 7">
@@ -20837,8 +20841,8 @@
           </a:p>
         </p:txBody>
       </p:sp>
-      <mc:AlternateContent xmlns:mc="http://schemas.openxmlformats.org/markup-compatibility/2006">
-        <mc:Choice xmlns:a14="http://schemas.microsoft.com/office/drawing/2010/main" Requires="a14">
+      <mc:AlternateContent xmlns:mc="http://schemas.openxmlformats.org/markup-compatibility/2006" xmlns:a14="http://schemas.microsoft.com/office/drawing/2010/main">
+        <mc:Choice Requires="a14">
           <p:sp>
             <p:nvSpPr>
               <p:cNvPr id="22" name="TextBox 21">
@@ -20907,7 +20911,7 @@
             </p:txBody>
           </p:sp>
         </mc:Choice>
-        <mc:Fallback>
+        <mc:Fallback xmlns="">
           <p:sp>
             <p:nvSpPr>
               <p:cNvPr id="22" name="TextBox 21">
@@ -20952,8 +20956,8 @@
           </p:sp>
         </mc:Fallback>
       </mc:AlternateContent>
-      <mc:AlternateContent xmlns:mc="http://schemas.openxmlformats.org/markup-compatibility/2006">
-        <mc:Choice xmlns:a14="http://schemas.microsoft.com/office/drawing/2010/main" Requires="a14">
+      <mc:AlternateContent xmlns:mc="http://schemas.openxmlformats.org/markup-compatibility/2006" xmlns:a14="http://schemas.microsoft.com/office/drawing/2010/main">
+        <mc:Choice Requires="a14">
           <p:sp>
             <p:nvSpPr>
               <p:cNvPr id="2" name="TextBox 1">
@@ -21050,7 +21054,7 @@
             </p:txBody>
           </p:sp>
         </mc:Choice>
-        <mc:Fallback>
+        <mc:Fallback xmlns="">
           <p:sp>
             <p:nvSpPr>
               <p:cNvPr id="2" name="TextBox 1">
@@ -21289,8 +21293,8 @@
           </a:p>
         </p:txBody>
       </p:sp>
-      <mc:AlternateContent xmlns:mc="http://schemas.openxmlformats.org/markup-compatibility/2006">
-        <mc:Choice xmlns:a14="http://schemas.microsoft.com/office/drawing/2010/main" Requires="a14">
+      <mc:AlternateContent xmlns:mc="http://schemas.openxmlformats.org/markup-compatibility/2006" xmlns:a14="http://schemas.microsoft.com/office/drawing/2010/main">
+        <mc:Choice Requires="a14">
           <p:sp>
             <p:nvSpPr>
               <p:cNvPr id="12" name="TextBox 11">
@@ -21384,7 +21388,7 @@
             </p:txBody>
           </p:sp>
         </mc:Choice>
-        <mc:Fallback>
+        <mc:Fallback xmlns="">
           <p:sp>
             <p:nvSpPr>
               <p:cNvPr id="12" name="TextBox 11">
@@ -21429,8 +21433,8 @@
           </p:sp>
         </mc:Fallback>
       </mc:AlternateContent>
-      <mc:AlternateContent xmlns:mc="http://schemas.openxmlformats.org/markup-compatibility/2006">
-        <mc:Choice xmlns:a14="http://schemas.microsoft.com/office/drawing/2010/main" Requires="a14">
+      <mc:AlternateContent xmlns:mc="http://schemas.openxmlformats.org/markup-compatibility/2006" xmlns:a14="http://schemas.microsoft.com/office/drawing/2010/main">
+        <mc:Choice Requires="a14">
           <p:sp>
             <p:nvSpPr>
               <p:cNvPr id="13" name="TextBox 12">
@@ -21462,6 +21466,7 @@
               </a:bodyPr>
               <a:lstStyle/>
               <a:p>
+                <a:pPr/>
                 <a14:m>
                   <m:oMathPara xmlns:m="http://schemas.openxmlformats.org/officeDocument/2006/math">
                     <m:oMathParaPr>
@@ -21580,7 +21585,7 @@
             </p:txBody>
           </p:sp>
         </mc:Choice>
-        <mc:Fallback>
+        <mc:Fallback xmlns="">
           <p:sp>
             <p:nvSpPr>
               <p:cNvPr id="13" name="TextBox 12">
@@ -21723,8 +21728,8 @@
           </a:p>
         </p:txBody>
       </p:sp>
-      <mc:AlternateContent xmlns:mc="http://schemas.openxmlformats.org/markup-compatibility/2006">
-        <mc:Choice xmlns:a14="http://schemas.microsoft.com/office/drawing/2010/main" Requires="a14">
+      <mc:AlternateContent xmlns:mc="http://schemas.openxmlformats.org/markup-compatibility/2006" xmlns:a14="http://schemas.microsoft.com/office/drawing/2010/main">
+        <mc:Choice Requires="a14">
           <p:sp>
             <p:nvSpPr>
               <p:cNvPr id="23" name="TextBox 22">
@@ -21756,6 +21761,7 @@
               </a:bodyPr>
               <a:lstStyle/>
               <a:p>
+                <a:pPr/>
                 <a14:m>
                   <m:oMathPara xmlns:m="http://schemas.openxmlformats.org/officeDocument/2006/math">
                     <m:oMathParaPr>
@@ -21867,7 +21873,7 @@
                       <m:f>
                         <m:fPr>
                           <m:ctrlPr>
-                            <a:rPr lang="en-US" sz="4000" b="1" i="0" smtClean="0">
+                            <a:rPr lang="en-US" sz="4000" b="1" i="1" smtClean="0">
                               <a:solidFill>
                                 <a:schemeClr val="accent5">
                                   <a:lumMod val="60000"/>
@@ -21882,7 +21888,7 @@
                           <m:sSup>
                             <m:sSupPr>
                               <m:ctrlPr>
-                                <a:rPr lang="en-US" sz="4000" b="1" i="0" smtClean="0">
+                                <a:rPr lang="en-US" sz="4000" b="1" i="1" smtClean="0">
                                   <a:solidFill>
                                     <a:schemeClr val="accent5">
                                       <a:lumMod val="60000"/>
@@ -22112,7 +22118,7 @@
             </p:txBody>
           </p:sp>
         </mc:Choice>
-        <mc:Fallback>
+        <mc:Fallback xmlns="">
           <p:sp>
             <p:nvSpPr>
               <p:cNvPr id="23" name="TextBox 22">
@@ -22461,8 +22467,8 @@
           </a:fontRef>
         </p:style>
       </p:cxnSp>
-      <mc:AlternateContent xmlns:mc="http://schemas.openxmlformats.org/markup-compatibility/2006">
-        <mc:Choice xmlns:a14="http://schemas.microsoft.com/office/drawing/2010/main" Requires="a14">
+      <mc:AlternateContent xmlns:mc="http://schemas.openxmlformats.org/markup-compatibility/2006" xmlns:a14="http://schemas.microsoft.com/office/drawing/2010/main">
+        <mc:Choice Requires="a14">
           <p:sp>
             <p:nvSpPr>
               <p:cNvPr id="7" name="TextBox 6">
@@ -22531,7 +22537,7 @@
             </p:txBody>
           </p:sp>
         </mc:Choice>
-        <mc:Fallback>
+        <mc:Fallback xmlns="">
           <p:sp>
             <p:nvSpPr>
               <p:cNvPr id="7" name="TextBox 6">
@@ -22576,8 +22582,8 @@
           </p:sp>
         </mc:Fallback>
       </mc:AlternateContent>
-      <mc:AlternateContent xmlns:mc="http://schemas.openxmlformats.org/markup-compatibility/2006">
-        <mc:Choice xmlns:a14="http://schemas.microsoft.com/office/drawing/2010/main" Requires="a14">
+      <mc:AlternateContent xmlns:mc="http://schemas.openxmlformats.org/markup-compatibility/2006" xmlns:a14="http://schemas.microsoft.com/office/drawing/2010/main">
+        <mc:Choice Requires="a14">
           <p:sp>
             <p:nvSpPr>
               <p:cNvPr id="8" name="TextBox 7">
@@ -22662,7 +22668,7 @@
             </p:txBody>
           </p:sp>
         </mc:Choice>
-        <mc:Fallback>
+        <mc:Fallback xmlns="">
           <p:sp>
             <p:nvSpPr>
               <p:cNvPr id="8" name="TextBox 7">
@@ -22911,8 +22917,8 @@
           </a:p>
         </p:txBody>
       </p:sp>
-      <mc:AlternateContent xmlns:mc="http://schemas.openxmlformats.org/markup-compatibility/2006">
-        <mc:Choice xmlns:a14="http://schemas.microsoft.com/office/drawing/2010/main" Requires="a14">
+      <mc:AlternateContent xmlns:mc="http://schemas.openxmlformats.org/markup-compatibility/2006" xmlns:a14="http://schemas.microsoft.com/office/drawing/2010/main">
+        <mc:Choice Requires="a14">
           <p:sp>
             <p:nvSpPr>
               <p:cNvPr id="22" name="TextBox 21">
@@ -22981,7 +22987,7 @@
             </p:txBody>
           </p:sp>
         </mc:Choice>
-        <mc:Fallback>
+        <mc:Fallback xmlns="">
           <p:sp>
             <p:nvSpPr>
               <p:cNvPr id="22" name="TextBox 21">
@@ -23026,8 +23032,8 @@
           </p:sp>
         </mc:Fallback>
       </mc:AlternateContent>
-      <mc:AlternateContent xmlns:mc="http://schemas.openxmlformats.org/markup-compatibility/2006">
-        <mc:Choice xmlns:a14="http://schemas.microsoft.com/office/drawing/2010/main" Requires="a14">
+      <mc:AlternateContent xmlns:mc="http://schemas.openxmlformats.org/markup-compatibility/2006" xmlns:a14="http://schemas.microsoft.com/office/drawing/2010/main">
+        <mc:Choice Requires="a14">
           <p:sp>
             <p:nvSpPr>
               <p:cNvPr id="2" name="TextBox 1">
@@ -23124,7 +23130,7 @@
             </p:txBody>
           </p:sp>
         </mc:Choice>
-        <mc:Fallback>
+        <mc:Fallback xmlns="">
           <p:sp>
             <p:nvSpPr>
               <p:cNvPr id="2" name="TextBox 1">
@@ -23363,8 +23369,8 @@
           </a:p>
         </p:txBody>
       </p:sp>
-      <mc:AlternateContent xmlns:mc="http://schemas.openxmlformats.org/markup-compatibility/2006">
-        <mc:Choice xmlns:a14="http://schemas.microsoft.com/office/drawing/2010/main" Requires="a14">
+      <mc:AlternateContent xmlns:mc="http://schemas.openxmlformats.org/markup-compatibility/2006" xmlns:a14="http://schemas.microsoft.com/office/drawing/2010/main">
+        <mc:Choice Requires="a14">
           <p:sp>
             <p:nvSpPr>
               <p:cNvPr id="12" name="TextBox 11">
@@ -23458,7 +23464,7 @@
             </p:txBody>
           </p:sp>
         </mc:Choice>
-        <mc:Fallback>
+        <mc:Fallback xmlns="">
           <p:sp>
             <p:nvSpPr>
               <p:cNvPr id="12" name="TextBox 11">
@@ -23503,8 +23509,8 @@
           </p:sp>
         </mc:Fallback>
       </mc:AlternateContent>
-      <mc:AlternateContent xmlns:mc="http://schemas.openxmlformats.org/markup-compatibility/2006">
-        <mc:Choice xmlns:a14="http://schemas.microsoft.com/office/drawing/2010/main" Requires="a14">
+      <mc:AlternateContent xmlns:mc="http://schemas.openxmlformats.org/markup-compatibility/2006" xmlns:a14="http://schemas.microsoft.com/office/drawing/2010/main">
+        <mc:Choice Requires="a14">
           <p:sp>
             <p:nvSpPr>
               <p:cNvPr id="13" name="TextBox 12">
@@ -23655,7 +23661,7 @@
             </p:txBody>
           </p:sp>
         </mc:Choice>
-        <mc:Fallback>
+        <mc:Fallback xmlns="">
           <p:sp>
             <p:nvSpPr>
               <p:cNvPr id="13" name="TextBox 12">
@@ -23703,8 +23709,8 @@
           </p:sp>
         </mc:Fallback>
       </mc:AlternateContent>
-      <mc:AlternateContent xmlns:mc="http://schemas.openxmlformats.org/markup-compatibility/2006">
-        <mc:Choice xmlns:a14="http://schemas.microsoft.com/office/drawing/2010/main" Requires="a14">
+      <mc:AlternateContent xmlns:mc="http://schemas.openxmlformats.org/markup-compatibility/2006" xmlns:a14="http://schemas.microsoft.com/office/drawing/2010/main">
+        <mc:Choice Requires="a14">
           <p:sp>
             <p:nvSpPr>
               <p:cNvPr id="23" name="TextBox 22">
@@ -23881,7 +23887,7 @@
             </p:txBody>
           </p:sp>
         </mc:Choice>
-        <mc:Fallback>
+        <mc:Fallback xmlns="">
           <p:sp>
             <p:nvSpPr>
               <p:cNvPr id="23" name="TextBox 22">
@@ -23984,8 +23990,8 @@
           </a:p>
         </p:txBody>
       </p:sp>
-      <mc:AlternateContent xmlns:mc="http://schemas.openxmlformats.org/markup-compatibility/2006">
-        <mc:Choice xmlns:a14="http://schemas.microsoft.com/office/drawing/2010/main" Requires="a14">
+      <mc:AlternateContent xmlns:mc="http://schemas.openxmlformats.org/markup-compatibility/2006" xmlns:a14="http://schemas.microsoft.com/office/drawing/2010/main">
+        <mc:Choice Requires="a14">
           <p:sp>
             <p:nvSpPr>
               <p:cNvPr id="17" name="TextBox 16">
@@ -24070,7 +24076,7 @@
             </p:txBody>
           </p:sp>
         </mc:Choice>
-        <mc:Fallback>
+        <mc:Fallback xmlns="">
           <p:sp>
             <p:nvSpPr>
               <p:cNvPr id="17" name="TextBox 16">
@@ -24172,8 +24178,8 @@
           </a:p>
         </p:txBody>
       </p:sp>
-      <mc:AlternateContent xmlns:mc="http://schemas.openxmlformats.org/markup-compatibility/2006">
-        <mc:Choice xmlns:a14="http://schemas.microsoft.com/office/drawing/2010/main" Requires="a14">
+      <mc:AlternateContent xmlns:mc="http://schemas.openxmlformats.org/markup-compatibility/2006" xmlns:a14="http://schemas.microsoft.com/office/drawing/2010/main">
+        <mc:Choice Requires="a14">
           <p:sp>
             <p:nvSpPr>
               <p:cNvPr id="29" name="TextBox 28">
@@ -24267,7 +24273,7 @@
             </p:txBody>
           </p:sp>
         </mc:Choice>
-        <mc:Fallback>
+        <mc:Fallback xmlns="">
           <p:sp>
             <p:nvSpPr>
               <p:cNvPr id="29" name="TextBox 28">
@@ -24316,6 +24322,7026 @@
     <p:extLst>
       <p:ext uri="{BB962C8B-B14F-4D97-AF65-F5344CB8AC3E}">
         <p14:creationId xmlns:p14="http://schemas.microsoft.com/office/powerpoint/2010/main" val="1145508677"/>
+      </p:ext>
+    </p:extLst>
+  </p:cSld>
+  <p:clrMapOvr>
+    <a:masterClrMapping/>
+  </p:clrMapOvr>
+</p:sld>
+</file>
+
+<file path=ppt/slides/slide26.xml><?xml version="1.0" encoding="utf-8"?>
+<p:sld xmlns:a="http://schemas.openxmlformats.org/drawingml/2006/main" xmlns:r="http://schemas.openxmlformats.org/officeDocument/2006/relationships" xmlns:p="http://schemas.openxmlformats.org/presentationml/2006/main">
+  <p:cSld>
+    <p:spTree>
+      <p:nvGrpSpPr>
+        <p:cNvPr id="1" name=""/>
+        <p:cNvGrpSpPr/>
+        <p:nvPr/>
+      </p:nvGrpSpPr>
+      <p:grpSpPr>
+        <a:xfrm>
+          <a:off x="0" y="0"/>
+          <a:ext cx="0" cy="0"/>
+          <a:chOff x="0" y="0"/>
+          <a:chExt cx="0" cy="0"/>
+        </a:xfrm>
+      </p:grpSpPr>
+      <p:cxnSp>
+        <p:nvCxnSpPr>
+          <p:cNvPr id="11" name="Straight Connector 10">
+            <a:extLst>
+              <a:ext uri="{FF2B5EF4-FFF2-40B4-BE49-F238E27FC236}">
+                <a16:creationId xmlns:a16="http://schemas.microsoft.com/office/drawing/2014/main" id="{26288542-6E57-2046-648C-D01BF07540EA}"/>
+              </a:ext>
+            </a:extLst>
+          </p:cNvPr>
+          <p:cNvCxnSpPr>
+            <a:cxnSpLocks/>
+          </p:cNvCxnSpPr>
+          <p:nvPr/>
+        </p:nvCxnSpPr>
+        <p:spPr>
+          <a:xfrm>
+            <a:off x="2352907" y="1822933"/>
+            <a:ext cx="0" cy="4209878"/>
+          </a:xfrm>
+          <a:prstGeom prst="line">
+            <a:avLst/>
+          </a:prstGeom>
+          <a:ln>
+            <a:solidFill>
+              <a:schemeClr val="bg2">
+                <a:lumMod val="75000"/>
+              </a:schemeClr>
+            </a:solidFill>
+            <a:prstDash val="dash"/>
+          </a:ln>
+        </p:spPr>
+        <p:style>
+          <a:lnRef idx="2">
+            <a:schemeClr val="accent1"/>
+          </a:lnRef>
+          <a:fillRef idx="0">
+            <a:schemeClr val="accent1"/>
+          </a:fillRef>
+          <a:effectRef idx="1">
+            <a:schemeClr val="accent1"/>
+          </a:effectRef>
+          <a:fontRef idx="minor">
+            <a:schemeClr val="tx1"/>
+          </a:fontRef>
+        </p:style>
+      </p:cxnSp>
+      <p:cxnSp>
+        <p:nvCxnSpPr>
+          <p:cNvPr id="12" name="Straight Connector 11">
+            <a:extLst>
+              <a:ext uri="{FF2B5EF4-FFF2-40B4-BE49-F238E27FC236}">
+                <a16:creationId xmlns:a16="http://schemas.microsoft.com/office/drawing/2014/main" id="{B6D2027C-599A-DD64-A395-9C3D47A0E40B}"/>
+              </a:ext>
+            </a:extLst>
+          </p:cNvPr>
+          <p:cNvCxnSpPr>
+            <a:cxnSpLocks/>
+          </p:cNvCxnSpPr>
+          <p:nvPr/>
+        </p:nvCxnSpPr>
+        <p:spPr>
+          <a:xfrm>
+            <a:off x="3107474" y="1834835"/>
+            <a:ext cx="0" cy="4197976"/>
+          </a:xfrm>
+          <a:prstGeom prst="line">
+            <a:avLst/>
+          </a:prstGeom>
+          <a:ln>
+            <a:solidFill>
+              <a:schemeClr val="bg2">
+                <a:lumMod val="75000"/>
+              </a:schemeClr>
+            </a:solidFill>
+            <a:prstDash val="dash"/>
+          </a:ln>
+        </p:spPr>
+        <p:style>
+          <a:lnRef idx="2">
+            <a:schemeClr val="accent1"/>
+          </a:lnRef>
+          <a:fillRef idx="0">
+            <a:schemeClr val="accent1"/>
+          </a:fillRef>
+          <a:effectRef idx="1">
+            <a:schemeClr val="accent1"/>
+          </a:effectRef>
+          <a:fontRef idx="minor">
+            <a:schemeClr val="tx1"/>
+          </a:fontRef>
+        </p:style>
+      </p:cxnSp>
+      <p:cxnSp>
+        <p:nvCxnSpPr>
+          <p:cNvPr id="13" name="Straight Connector 12">
+            <a:extLst>
+              <a:ext uri="{FF2B5EF4-FFF2-40B4-BE49-F238E27FC236}">
+                <a16:creationId xmlns:a16="http://schemas.microsoft.com/office/drawing/2014/main" id="{F9A9F540-9BD6-898B-41BD-98062B23AA56}"/>
+              </a:ext>
+            </a:extLst>
+          </p:cNvPr>
+          <p:cNvCxnSpPr>
+            <a:cxnSpLocks/>
+          </p:cNvCxnSpPr>
+          <p:nvPr/>
+        </p:nvCxnSpPr>
+        <p:spPr>
+          <a:xfrm>
+            <a:off x="3832301" y="1789551"/>
+            <a:ext cx="0" cy="4220618"/>
+          </a:xfrm>
+          <a:prstGeom prst="line">
+            <a:avLst/>
+          </a:prstGeom>
+          <a:ln>
+            <a:solidFill>
+              <a:schemeClr val="bg2">
+                <a:lumMod val="75000"/>
+              </a:schemeClr>
+            </a:solidFill>
+            <a:prstDash val="dash"/>
+          </a:ln>
+        </p:spPr>
+        <p:style>
+          <a:lnRef idx="2">
+            <a:schemeClr val="accent1"/>
+          </a:lnRef>
+          <a:fillRef idx="0">
+            <a:schemeClr val="accent1"/>
+          </a:fillRef>
+          <a:effectRef idx="1">
+            <a:schemeClr val="accent1"/>
+          </a:effectRef>
+          <a:fontRef idx="minor">
+            <a:schemeClr val="tx1"/>
+          </a:fontRef>
+        </p:style>
+      </p:cxnSp>
+      <p:cxnSp>
+        <p:nvCxnSpPr>
+          <p:cNvPr id="14" name="Straight Connector 13">
+            <a:extLst>
+              <a:ext uri="{FF2B5EF4-FFF2-40B4-BE49-F238E27FC236}">
+                <a16:creationId xmlns:a16="http://schemas.microsoft.com/office/drawing/2014/main" id="{CA5AFABA-F203-51D9-1C43-19437BB64EA0}"/>
+              </a:ext>
+            </a:extLst>
+          </p:cNvPr>
+          <p:cNvCxnSpPr>
+            <a:cxnSpLocks/>
+          </p:cNvCxnSpPr>
+          <p:nvPr/>
+        </p:nvCxnSpPr>
+        <p:spPr>
+          <a:xfrm>
+            <a:off x="4557132" y="1822933"/>
+            <a:ext cx="0" cy="4209878"/>
+          </a:xfrm>
+          <a:prstGeom prst="line">
+            <a:avLst/>
+          </a:prstGeom>
+          <a:ln>
+            <a:solidFill>
+              <a:schemeClr val="bg2">
+                <a:lumMod val="75000"/>
+              </a:schemeClr>
+            </a:solidFill>
+            <a:prstDash val="dash"/>
+          </a:ln>
+        </p:spPr>
+        <p:style>
+          <a:lnRef idx="2">
+            <a:schemeClr val="accent1"/>
+          </a:lnRef>
+          <a:fillRef idx="0">
+            <a:schemeClr val="accent1"/>
+          </a:fillRef>
+          <a:effectRef idx="1">
+            <a:schemeClr val="accent1"/>
+          </a:effectRef>
+          <a:fontRef idx="minor">
+            <a:schemeClr val="tx1"/>
+          </a:fontRef>
+        </p:style>
+      </p:cxnSp>
+      <p:cxnSp>
+        <p:nvCxnSpPr>
+          <p:cNvPr id="15" name="Straight Connector 14">
+            <a:extLst>
+              <a:ext uri="{FF2B5EF4-FFF2-40B4-BE49-F238E27FC236}">
+                <a16:creationId xmlns:a16="http://schemas.microsoft.com/office/drawing/2014/main" id="{182BE341-4554-A3AF-407A-BE84F8123031}"/>
+              </a:ext>
+            </a:extLst>
+          </p:cNvPr>
+          <p:cNvCxnSpPr>
+            <a:cxnSpLocks/>
+          </p:cNvCxnSpPr>
+          <p:nvPr/>
+        </p:nvCxnSpPr>
+        <p:spPr>
+          <a:xfrm>
+            <a:off x="5293113" y="1822933"/>
+            <a:ext cx="0" cy="4209878"/>
+          </a:xfrm>
+          <a:prstGeom prst="line">
+            <a:avLst/>
+          </a:prstGeom>
+          <a:ln>
+            <a:solidFill>
+              <a:schemeClr val="bg2">
+                <a:lumMod val="75000"/>
+              </a:schemeClr>
+            </a:solidFill>
+            <a:prstDash val="dash"/>
+          </a:ln>
+        </p:spPr>
+        <p:style>
+          <a:lnRef idx="2">
+            <a:schemeClr val="accent1"/>
+          </a:lnRef>
+          <a:fillRef idx="0">
+            <a:schemeClr val="accent1"/>
+          </a:fillRef>
+          <a:effectRef idx="1">
+            <a:schemeClr val="accent1"/>
+          </a:effectRef>
+          <a:fontRef idx="minor">
+            <a:schemeClr val="tx1"/>
+          </a:fontRef>
+        </p:style>
+      </p:cxnSp>
+      <p:cxnSp>
+        <p:nvCxnSpPr>
+          <p:cNvPr id="26" name="Straight Connector 25">
+            <a:extLst>
+              <a:ext uri="{FF2B5EF4-FFF2-40B4-BE49-F238E27FC236}">
+                <a16:creationId xmlns:a16="http://schemas.microsoft.com/office/drawing/2014/main" id="{A52A20B3-DF21-938D-99AA-D23A5B3D6DC8}"/>
+              </a:ext>
+            </a:extLst>
+          </p:cNvPr>
+          <p:cNvCxnSpPr>
+            <a:cxnSpLocks/>
+          </p:cNvCxnSpPr>
+          <p:nvPr/>
+        </p:nvCxnSpPr>
+        <p:spPr>
+          <a:xfrm>
+            <a:off x="1572840" y="2961141"/>
+            <a:ext cx="7416725" cy="0"/>
+          </a:xfrm>
+          <a:prstGeom prst="line">
+            <a:avLst/>
+          </a:prstGeom>
+          <a:ln>
+            <a:solidFill>
+              <a:schemeClr val="bg2">
+                <a:lumMod val="75000"/>
+              </a:schemeClr>
+            </a:solidFill>
+            <a:prstDash val="dash"/>
+          </a:ln>
+        </p:spPr>
+        <p:style>
+          <a:lnRef idx="2">
+            <a:schemeClr val="accent1"/>
+          </a:lnRef>
+          <a:fillRef idx="0">
+            <a:schemeClr val="accent1"/>
+          </a:fillRef>
+          <a:effectRef idx="1">
+            <a:schemeClr val="accent1"/>
+          </a:effectRef>
+          <a:fontRef idx="minor">
+            <a:schemeClr val="tx1"/>
+          </a:fontRef>
+        </p:style>
+      </p:cxnSp>
+      <p:cxnSp>
+        <p:nvCxnSpPr>
+          <p:cNvPr id="27" name="Straight Connector 26">
+            <a:extLst>
+              <a:ext uri="{FF2B5EF4-FFF2-40B4-BE49-F238E27FC236}">
+                <a16:creationId xmlns:a16="http://schemas.microsoft.com/office/drawing/2014/main" id="{FAEEDB33-8385-158B-50B0-374FFEE5282E}"/>
+              </a:ext>
+            </a:extLst>
+          </p:cNvPr>
+          <p:cNvCxnSpPr>
+            <a:cxnSpLocks/>
+          </p:cNvCxnSpPr>
+          <p:nvPr/>
+        </p:nvCxnSpPr>
+        <p:spPr>
+          <a:xfrm>
+            <a:off x="1605757" y="3542784"/>
+            <a:ext cx="7383808" cy="0"/>
+          </a:xfrm>
+          <a:prstGeom prst="line">
+            <a:avLst/>
+          </a:prstGeom>
+          <a:ln>
+            <a:solidFill>
+              <a:schemeClr val="bg2">
+                <a:lumMod val="75000"/>
+              </a:schemeClr>
+            </a:solidFill>
+            <a:prstDash val="dash"/>
+          </a:ln>
+        </p:spPr>
+        <p:style>
+          <a:lnRef idx="2">
+            <a:schemeClr val="accent1"/>
+          </a:lnRef>
+          <a:fillRef idx="0">
+            <a:schemeClr val="accent1"/>
+          </a:fillRef>
+          <a:effectRef idx="1">
+            <a:schemeClr val="accent1"/>
+          </a:effectRef>
+          <a:fontRef idx="minor">
+            <a:schemeClr val="tx1"/>
+          </a:fontRef>
+        </p:style>
+      </p:cxnSp>
+      <p:cxnSp>
+        <p:nvCxnSpPr>
+          <p:cNvPr id="29" name="Straight Connector 28">
+            <a:extLst>
+              <a:ext uri="{FF2B5EF4-FFF2-40B4-BE49-F238E27FC236}">
+                <a16:creationId xmlns:a16="http://schemas.microsoft.com/office/drawing/2014/main" id="{CF6907AC-1038-DE14-16FA-2783BBD2FE49}"/>
+              </a:ext>
+            </a:extLst>
+          </p:cNvPr>
+          <p:cNvCxnSpPr>
+            <a:cxnSpLocks/>
+          </p:cNvCxnSpPr>
+          <p:nvPr/>
+        </p:nvCxnSpPr>
+        <p:spPr>
+          <a:xfrm>
+            <a:off x="1619231" y="4148664"/>
+            <a:ext cx="7370334" cy="0"/>
+          </a:xfrm>
+          <a:prstGeom prst="line">
+            <a:avLst/>
+          </a:prstGeom>
+          <a:ln>
+            <a:solidFill>
+              <a:schemeClr val="bg2">
+                <a:lumMod val="75000"/>
+              </a:schemeClr>
+            </a:solidFill>
+            <a:prstDash val="dash"/>
+          </a:ln>
+        </p:spPr>
+        <p:style>
+          <a:lnRef idx="2">
+            <a:schemeClr val="accent1"/>
+          </a:lnRef>
+          <a:fillRef idx="0">
+            <a:schemeClr val="accent1"/>
+          </a:fillRef>
+          <a:effectRef idx="1">
+            <a:schemeClr val="accent1"/>
+          </a:effectRef>
+          <a:fontRef idx="minor">
+            <a:schemeClr val="tx1"/>
+          </a:fontRef>
+        </p:style>
+      </p:cxnSp>
+      <p:cxnSp>
+        <p:nvCxnSpPr>
+          <p:cNvPr id="30" name="Straight Connector 29">
+            <a:extLst>
+              <a:ext uri="{FF2B5EF4-FFF2-40B4-BE49-F238E27FC236}">
+                <a16:creationId xmlns:a16="http://schemas.microsoft.com/office/drawing/2014/main" id="{15DABBDC-EADE-C45D-2BE5-DAD27F8CAFB5}"/>
+              </a:ext>
+            </a:extLst>
+          </p:cNvPr>
+          <p:cNvCxnSpPr>
+            <a:cxnSpLocks/>
+          </p:cNvCxnSpPr>
+          <p:nvPr/>
+        </p:nvCxnSpPr>
+        <p:spPr>
+          <a:xfrm>
+            <a:off x="1608599" y="4774319"/>
+            <a:ext cx="7380966" cy="0"/>
+          </a:xfrm>
+          <a:prstGeom prst="line">
+            <a:avLst/>
+          </a:prstGeom>
+          <a:ln>
+            <a:solidFill>
+              <a:schemeClr val="bg2">
+                <a:lumMod val="75000"/>
+              </a:schemeClr>
+            </a:solidFill>
+            <a:prstDash val="dash"/>
+          </a:ln>
+        </p:spPr>
+        <p:style>
+          <a:lnRef idx="2">
+            <a:schemeClr val="accent1"/>
+          </a:lnRef>
+          <a:fillRef idx="0">
+            <a:schemeClr val="accent1"/>
+          </a:fillRef>
+          <a:effectRef idx="1">
+            <a:schemeClr val="accent1"/>
+          </a:effectRef>
+          <a:fontRef idx="minor">
+            <a:schemeClr val="tx1"/>
+          </a:fontRef>
+        </p:style>
+      </p:cxnSp>
+      <p:cxnSp>
+        <p:nvCxnSpPr>
+          <p:cNvPr id="31" name="Straight Connector 30">
+            <a:extLst>
+              <a:ext uri="{FF2B5EF4-FFF2-40B4-BE49-F238E27FC236}">
+                <a16:creationId xmlns:a16="http://schemas.microsoft.com/office/drawing/2014/main" id="{DE85FDF9-AD4C-6FA1-C400-4CC5D9CDF199}"/>
+              </a:ext>
+            </a:extLst>
+          </p:cNvPr>
+          <p:cNvCxnSpPr>
+            <a:cxnSpLocks/>
+          </p:cNvCxnSpPr>
+          <p:nvPr/>
+        </p:nvCxnSpPr>
+        <p:spPr>
+          <a:xfrm>
+            <a:off x="1577896" y="5393880"/>
+            <a:ext cx="7411669" cy="0"/>
+          </a:xfrm>
+          <a:prstGeom prst="line">
+            <a:avLst/>
+          </a:prstGeom>
+          <a:ln>
+            <a:solidFill>
+              <a:schemeClr val="bg2">
+                <a:lumMod val="75000"/>
+              </a:schemeClr>
+            </a:solidFill>
+            <a:prstDash val="dash"/>
+          </a:ln>
+        </p:spPr>
+        <p:style>
+          <a:lnRef idx="2">
+            <a:schemeClr val="accent1"/>
+          </a:lnRef>
+          <a:fillRef idx="0">
+            <a:schemeClr val="accent1"/>
+          </a:fillRef>
+          <a:effectRef idx="1">
+            <a:schemeClr val="accent1"/>
+          </a:effectRef>
+          <a:fontRef idx="minor">
+            <a:schemeClr val="tx1"/>
+          </a:fontRef>
+        </p:style>
+      </p:cxnSp>
+      <p:cxnSp>
+        <p:nvCxnSpPr>
+          <p:cNvPr id="46" name="Straight Connector 45">
+            <a:extLst>
+              <a:ext uri="{FF2B5EF4-FFF2-40B4-BE49-F238E27FC236}">
+                <a16:creationId xmlns:a16="http://schemas.microsoft.com/office/drawing/2014/main" id="{E5EC5885-C5DF-7F86-D41B-11B684ECCC33}"/>
+              </a:ext>
+            </a:extLst>
+          </p:cNvPr>
+          <p:cNvCxnSpPr>
+            <a:cxnSpLocks/>
+          </p:cNvCxnSpPr>
+          <p:nvPr/>
+        </p:nvCxnSpPr>
+        <p:spPr>
+          <a:xfrm>
+            <a:off x="1578340" y="2385750"/>
+            <a:ext cx="7411225" cy="0"/>
+          </a:xfrm>
+          <a:prstGeom prst="line">
+            <a:avLst/>
+          </a:prstGeom>
+          <a:ln>
+            <a:solidFill>
+              <a:schemeClr val="bg2">
+                <a:lumMod val="75000"/>
+              </a:schemeClr>
+            </a:solidFill>
+            <a:prstDash val="dash"/>
+          </a:ln>
+        </p:spPr>
+        <p:style>
+          <a:lnRef idx="2">
+            <a:schemeClr val="accent1"/>
+          </a:lnRef>
+          <a:fillRef idx="0">
+            <a:schemeClr val="accent1"/>
+          </a:fillRef>
+          <a:effectRef idx="1">
+            <a:schemeClr val="accent1"/>
+          </a:effectRef>
+          <a:fontRef idx="minor">
+            <a:schemeClr val="tx1"/>
+          </a:fontRef>
+        </p:style>
+      </p:cxnSp>
+      <p:cxnSp>
+        <p:nvCxnSpPr>
+          <p:cNvPr id="48" name="Straight Connector 47">
+            <a:extLst>
+              <a:ext uri="{FF2B5EF4-FFF2-40B4-BE49-F238E27FC236}">
+                <a16:creationId xmlns:a16="http://schemas.microsoft.com/office/drawing/2014/main" id="{3AFF42A0-BF49-2318-C9FC-5A5F4F9B75FA}"/>
+              </a:ext>
+            </a:extLst>
+          </p:cNvPr>
+          <p:cNvCxnSpPr>
+            <a:cxnSpLocks/>
+          </p:cNvCxnSpPr>
+          <p:nvPr/>
+        </p:nvCxnSpPr>
+        <p:spPr>
+          <a:xfrm>
+            <a:off x="1570457" y="1812194"/>
+            <a:ext cx="7419108" cy="22641"/>
+          </a:xfrm>
+          <a:prstGeom prst="line">
+            <a:avLst/>
+          </a:prstGeom>
+          <a:ln>
+            <a:solidFill>
+              <a:schemeClr val="bg2">
+                <a:lumMod val="75000"/>
+              </a:schemeClr>
+            </a:solidFill>
+            <a:prstDash val="dash"/>
+          </a:ln>
+        </p:spPr>
+        <p:style>
+          <a:lnRef idx="2">
+            <a:schemeClr val="accent1"/>
+          </a:lnRef>
+          <a:fillRef idx="0">
+            <a:schemeClr val="accent1"/>
+          </a:fillRef>
+          <a:effectRef idx="1">
+            <a:schemeClr val="accent1"/>
+          </a:effectRef>
+          <a:fontRef idx="minor">
+            <a:schemeClr val="tx1"/>
+          </a:fontRef>
+        </p:style>
+      </p:cxnSp>
+      <p:cxnSp>
+        <p:nvCxnSpPr>
+          <p:cNvPr id="99" name="Straight Connector 98">
+            <a:extLst>
+              <a:ext uri="{FF2B5EF4-FFF2-40B4-BE49-F238E27FC236}">
+                <a16:creationId xmlns:a16="http://schemas.microsoft.com/office/drawing/2014/main" id="{200DFD5F-8817-67C5-EBFD-764EFB76A05C}"/>
+              </a:ext>
+            </a:extLst>
+          </p:cNvPr>
+          <p:cNvCxnSpPr>
+            <a:cxnSpLocks/>
+          </p:cNvCxnSpPr>
+          <p:nvPr/>
+        </p:nvCxnSpPr>
+        <p:spPr>
+          <a:xfrm>
+            <a:off x="6062546" y="1812193"/>
+            <a:ext cx="0" cy="4209878"/>
+          </a:xfrm>
+          <a:prstGeom prst="line">
+            <a:avLst/>
+          </a:prstGeom>
+          <a:ln>
+            <a:solidFill>
+              <a:schemeClr val="bg2">
+                <a:lumMod val="75000"/>
+              </a:schemeClr>
+            </a:solidFill>
+            <a:prstDash val="dash"/>
+          </a:ln>
+        </p:spPr>
+        <p:style>
+          <a:lnRef idx="2">
+            <a:schemeClr val="accent1"/>
+          </a:lnRef>
+          <a:fillRef idx="0">
+            <a:schemeClr val="accent1"/>
+          </a:fillRef>
+          <a:effectRef idx="1">
+            <a:schemeClr val="accent1"/>
+          </a:effectRef>
+          <a:fontRef idx="minor">
+            <a:schemeClr val="tx1"/>
+          </a:fontRef>
+        </p:style>
+      </p:cxnSp>
+      <p:cxnSp>
+        <p:nvCxnSpPr>
+          <p:cNvPr id="100" name="Straight Connector 99">
+            <a:extLst>
+              <a:ext uri="{FF2B5EF4-FFF2-40B4-BE49-F238E27FC236}">
+                <a16:creationId xmlns:a16="http://schemas.microsoft.com/office/drawing/2014/main" id="{D6E67088-F7F4-0BDB-A2F1-ED0AD29A1743}"/>
+              </a:ext>
+            </a:extLst>
+          </p:cNvPr>
+          <p:cNvCxnSpPr>
+            <a:cxnSpLocks/>
+          </p:cNvCxnSpPr>
+          <p:nvPr/>
+        </p:nvCxnSpPr>
+        <p:spPr>
+          <a:xfrm>
+            <a:off x="6817113" y="1824095"/>
+            <a:ext cx="0" cy="4197976"/>
+          </a:xfrm>
+          <a:prstGeom prst="line">
+            <a:avLst/>
+          </a:prstGeom>
+          <a:ln>
+            <a:solidFill>
+              <a:schemeClr val="bg2">
+                <a:lumMod val="75000"/>
+              </a:schemeClr>
+            </a:solidFill>
+            <a:prstDash val="dash"/>
+          </a:ln>
+        </p:spPr>
+        <p:style>
+          <a:lnRef idx="2">
+            <a:schemeClr val="accent1"/>
+          </a:lnRef>
+          <a:fillRef idx="0">
+            <a:schemeClr val="accent1"/>
+          </a:fillRef>
+          <a:effectRef idx="1">
+            <a:schemeClr val="accent1"/>
+          </a:effectRef>
+          <a:fontRef idx="minor">
+            <a:schemeClr val="tx1"/>
+          </a:fontRef>
+        </p:style>
+      </p:cxnSp>
+      <p:cxnSp>
+        <p:nvCxnSpPr>
+          <p:cNvPr id="101" name="Straight Connector 100">
+            <a:extLst>
+              <a:ext uri="{FF2B5EF4-FFF2-40B4-BE49-F238E27FC236}">
+                <a16:creationId xmlns:a16="http://schemas.microsoft.com/office/drawing/2014/main" id="{BEC8232B-ADCA-53DA-0F2F-C9F7C255B211}"/>
+              </a:ext>
+            </a:extLst>
+          </p:cNvPr>
+          <p:cNvCxnSpPr>
+            <a:cxnSpLocks/>
+          </p:cNvCxnSpPr>
+          <p:nvPr/>
+        </p:nvCxnSpPr>
+        <p:spPr>
+          <a:xfrm>
+            <a:off x="7541940" y="1778811"/>
+            <a:ext cx="0" cy="4220618"/>
+          </a:xfrm>
+          <a:prstGeom prst="line">
+            <a:avLst/>
+          </a:prstGeom>
+          <a:ln>
+            <a:solidFill>
+              <a:schemeClr val="bg2">
+                <a:lumMod val="75000"/>
+              </a:schemeClr>
+            </a:solidFill>
+            <a:prstDash val="dash"/>
+          </a:ln>
+        </p:spPr>
+        <p:style>
+          <a:lnRef idx="2">
+            <a:schemeClr val="accent1"/>
+          </a:lnRef>
+          <a:fillRef idx="0">
+            <a:schemeClr val="accent1"/>
+          </a:fillRef>
+          <a:effectRef idx="1">
+            <a:schemeClr val="accent1"/>
+          </a:effectRef>
+          <a:fontRef idx="minor">
+            <a:schemeClr val="tx1"/>
+          </a:fontRef>
+        </p:style>
+      </p:cxnSp>
+      <p:cxnSp>
+        <p:nvCxnSpPr>
+          <p:cNvPr id="102" name="Straight Connector 101">
+            <a:extLst>
+              <a:ext uri="{FF2B5EF4-FFF2-40B4-BE49-F238E27FC236}">
+                <a16:creationId xmlns:a16="http://schemas.microsoft.com/office/drawing/2014/main" id="{01B9AE9E-C7C1-10D8-1F19-D446F2CFAD1C}"/>
+              </a:ext>
+            </a:extLst>
+          </p:cNvPr>
+          <p:cNvCxnSpPr>
+            <a:cxnSpLocks/>
+          </p:cNvCxnSpPr>
+          <p:nvPr/>
+        </p:nvCxnSpPr>
+        <p:spPr>
+          <a:xfrm>
+            <a:off x="8266771" y="1812193"/>
+            <a:ext cx="0" cy="4209878"/>
+          </a:xfrm>
+          <a:prstGeom prst="line">
+            <a:avLst/>
+          </a:prstGeom>
+          <a:ln>
+            <a:solidFill>
+              <a:schemeClr val="bg2">
+                <a:lumMod val="75000"/>
+              </a:schemeClr>
+            </a:solidFill>
+            <a:prstDash val="dash"/>
+          </a:ln>
+        </p:spPr>
+        <p:style>
+          <a:lnRef idx="2">
+            <a:schemeClr val="accent1"/>
+          </a:lnRef>
+          <a:fillRef idx="0">
+            <a:schemeClr val="accent1"/>
+          </a:fillRef>
+          <a:effectRef idx="1">
+            <a:schemeClr val="accent1"/>
+          </a:effectRef>
+          <a:fontRef idx="minor">
+            <a:schemeClr val="tx1"/>
+          </a:fontRef>
+        </p:style>
+      </p:cxnSp>
+      <p:grpSp>
+        <p:nvGrpSpPr>
+          <p:cNvPr id="4" name="Group 3">
+            <a:extLst>
+              <a:ext uri="{FF2B5EF4-FFF2-40B4-BE49-F238E27FC236}">
+                <a16:creationId xmlns:a16="http://schemas.microsoft.com/office/drawing/2014/main" id="{455781B7-DB1E-5F0F-BA64-54CBC72D78A4}"/>
+              </a:ext>
+            </a:extLst>
+          </p:cNvPr>
+          <p:cNvGrpSpPr/>
+          <p:nvPr/>
+        </p:nvGrpSpPr>
+        <p:grpSpPr>
+          <a:xfrm>
+            <a:off x="1551432" y="1812193"/>
+            <a:ext cx="7458753" cy="4213589"/>
+            <a:chOff x="1297684" y="800960"/>
+            <a:chExt cx="9089136" cy="5193566"/>
+          </a:xfrm>
+        </p:grpSpPr>
+        <p:cxnSp>
+          <p:nvCxnSpPr>
+            <p:cNvPr id="5" name="Straight Connector 4">
+              <a:extLst>
+                <a:ext uri="{FF2B5EF4-FFF2-40B4-BE49-F238E27FC236}">
+                  <a16:creationId xmlns:a16="http://schemas.microsoft.com/office/drawing/2014/main" id="{11B8C370-1FB0-EAAE-4A85-DBC52DFB6BB5}"/>
+                </a:ext>
+              </a:extLst>
+            </p:cNvPr>
+            <p:cNvCxnSpPr/>
+            <p:nvPr/>
+          </p:nvCxnSpPr>
+          <p:spPr>
+            <a:xfrm>
+              <a:off x="1316736" y="804672"/>
+              <a:ext cx="0" cy="5189854"/>
+            </a:xfrm>
+            <a:prstGeom prst="line">
+              <a:avLst/>
+            </a:prstGeom>
+            <a:ln w="57150">
+              <a:solidFill>
+                <a:schemeClr val="tx1"/>
+              </a:solidFill>
+            </a:ln>
+          </p:spPr>
+          <p:style>
+            <a:lnRef idx="2">
+              <a:schemeClr val="accent1"/>
+            </a:lnRef>
+            <a:fillRef idx="0">
+              <a:schemeClr val="accent1"/>
+            </a:fillRef>
+            <a:effectRef idx="1">
+              <a:schemeClr val="accent1"/>
+            </a:effectRef>
+            <a:fontRef idx="minor">
+              <a:schemeClr val="tx1"/>
+            </a:fontRef>
+          </p:style>
+        </p:cxnSp>
+        <p:cxnSp>
+          <p:nvCxnSpPr>
+            <p:cNvPr id="6" name="Straight Connector 5">
+              <a:extLst>
+                <a:ext uri="{FF2B5EF4-FFF2-40B4-BE49-F238E27FC236}">
+                  <a16:creationId xmlns:a16="http://schemas.microsoft.com/office/drawing/2014/main" id="{2F52B8C4-C2F3-1960-470C-F02C5DA4F41E}"/>
+                </a:ext>
+              </a:extLst>
+            </p:cNvPr>
+            <p:cNvCxnSpPr>
+              <a:cxnSpLocks/>
+            </p:cNvCxnSpPr>
+            <p:nvPr/>
+          </p:nvCxnSpPr>
+          <p:spPr>
+            <a:xfrm flipH="1">
+              <a:off x="1297684" y="5967010"/>
+              <a:ext cx="9089136" cy="0"/>
+            </a:xfrm>
+            <a:prstGeom prst="line">
+              <a:avLst/>
+            </a:prstGeom>
+            <a:ln w="57150">
+              <a:solidFill>
+                <a:schemeClr val="tx1"/>
+              </a:solidFill>
+            </a:ln>
+          </p:spPr>
+          <p:style>
+            <a:lnRef idx="2">
+              <a:schemeClr val="accent1"/>
+            </a:lnRef>
+            <a:fillRef idx="0">
+              <a:schemeClr val="accent1"/>
+            </a:fillRef>
+            <a:effectRef idx="1">
+              <a:schemeClr val="accent1"/>
+            </a:effectRef>
+            <a:fontRef idx="minor">
+              <a:schemeClr val="tx1"/>
+            </a:fontRef>
+          </p:style>
+        </p:cxnSp>
+        <p:cxnSp>
+          <p:nvCxnSpPr>
+            <p:cNvPr id="7" name="Straight Connector 6">
+              <a:extLst>
+                <a:ext uri="{FF2B5EF4-FFF2-40B4-BE49-F238E27FC236}">
+                  <a16:creationId xmlns:a16="http://schemas.microsoft.com/office/drawing/2014/main" id="{24D593AE-610F-67C4-A576-F955A605B3C5}"/>
+                </a:ext>
+              </a:extLst>
+            </p:cNvPr>
+            <p:cNvCxnSpPr/>
+            <p:nvPr/>
+          </p:nvCxnSpPr>
+          <p:spPr>
+            <a:xfrm>
+              <a:off x="10361693" y="800960"/>
+              <a:ext cx="0" cy="5189854"/>
+            </a:xfrm>
+            <a:prstGeom prst="line">
+              <a:avLst/>
+            </a:prstGeom>
+            <a:ln w="57150">
+              <a:solidFill>
+                <a:schemeClr val="tx1"/>
+              </a:solidFill>
+            </a:ln>
+          </p:spPr>
+          <p:style>
+            <a:lnRef idx="2">
+              <a:schemeClr val="accent1"/>
+            </a:lnRef>
+            <a:fillRef idx="0">
+              <a:schemeClr val="accent1"/>
+            </a:fillRef>
+            <a:effectRef idx="1">
+              <a:schemeClr val="accent1"/>
+            </a:effectRef>
+            <a:fontRef idx="minor">
+              <a:schemeClr val="tx1"/>
+            </a:fontRef>
+          </p:style>
+        </p:cxnSp>
+      </p:grpSp>
+      <p:sp>
+        <p:nvSpPr>
+          <p:cNvPr id="8" name="Freeform 7">
+            <a:extLst>
+              <a:ext uri="{FF2B5EF4-FFF2-40B4-BE49-F238E27FC236}">
+                <a16:creationId xmlns:a16="http://schemas.microsoft.com/office/drawing/2014/main" id="{ED191FC2-D840-DD1B-680A-07F11440CBA2}"/>
+              </a:ext>
+            </a:extLst>
+          </p:cNvPr>
+          <p:cNvSpPr/>
+          <p:nvPr/>
+        </p:nvSpPr>
+        <p:spPr>
+          <a:xfrm>
+            <a:off x="1583473" y="2040672"/>
+            <a:ext cx="7380966" cy="3903179"/>
+          </a:xfrm>
+          <a:custGeom>
+            <a:avLst/>
+            <a:gdLst>
+              <a:gd name="connsiteX0" fmla="*/ 0 w 9043639"/>
+              <a:gd name="connsiteY0" fmla="*/ 224834 h 3740722"/>
+              <a:gd name="connsiteX1" fmla="*/ 2676293 w 9043639"/>
+              <a:gd name="connsiteY1" fmla="*/ 314044 h 3740722"/>
+              <a:gd name="connsiteX2" fmla="*/ 7895063 w 9043639"/>
+              <a:gd name="connsiteY2" fmla="*/ 3257966 h 3740722"/>
+              <a:gd name="connsiteX3" fmla="*/ 9043639 w 9043639"/>
+              <a:gd name="connsiteY3" fmla="*/ 3704015 h 3740722"/>
+              <a:gd name="connsiteX0" fmla="*/ 0 w 9065942"/>
+              <a:gd name="connsiteY0" fmla="*/ 83052 h 4067291"/>
+              <a:gd name="connsiteX1" fmla="*/ 2698596 w 9065942"/>
+              <a:gd name="connsiteY1" fmla="*/ 640613 h 4067291"/>
+              <a:gd name="connsiteX2" fmla="*/ 7917366 w 9065942"/>
+              <a:gd name="connsiteY2" fmla="*/ 3584535 h 4067291"/>
+              <a:gd name="connsiteX3" fmla="*/ 9065942 w 9065942"/>
+              <a:gd name="connsiteY3" fmla="*/ 4030584 h 4067291"/>
+              <a:gd name="connsiteX0" fmla="*/ 0 w 9065942"/>
+              <a:gd name="connsiteY0" fmla="*/ 0 h 3984239"/>
+              <a:gd name="connsiteX1" fmla="*/ 2698596 w 9065942"/>
+              <a:gd name="connsiteY1" fmla="*/ 557561 h 3984239"/>
+              <a:gd name="connsiteX2" fmla="*/ 7917366 w 9065942"/>
+              <a:gd name="connsiteY2" fmla="*/ 3501483 h 3984239"/>
+              <a:gd name="connsiteX3" fmla="*/ 9065942 w 9065942"/>
+              <a:gd name="connsiteY3" fmla="*/ 3947532 h 3984239"/>
+              <a:gd name="connsiteX0" fmla="*/ 0 w 9065942"/>
+              <a:gd name="connsiteY0" fmla="*/ 18031 h 4002270"/>
+              <a:gd name="connsiteX1" fmla="*/ 2698596 w 9065942"/>
+              <a:gd name="connsiteY1" fmla="*/ 575592 h 4002270"/>
+              <a:gd name="connsiteX2" fmla="*/ 7917366 w 9065942"/>
+              <a:gd name="connsiteY2" fmla="*/ 3519514 h 4002270"/>
+              <a:gd name="connsiteX3" fmla="*/ 9065942 w 9065942"/>
+              <a:gd name="connsiteY3" fmla="*/ 3965563 h 4002270"/>
+              <a:gd name="connsiteX0" fmla="*/ 0 w 9065942"/>
+              <a:gd name="connsiteY0" fmla="*/ 0 h 3984239"/>
+              <a:gd name="connsiteX1" fmla="*/ 2698596 w 9065942"/>
+              <a:gd name="connsiteY1" fmla="*/ 557561 h 3984239"/>
+              <a:gd name="connsiteX2" fmla="*/ 7917366 w 9065942"/>
+              <a:gd name="connsiteY2" fmla="*/ 3501483 h 3984239"/>
+              <a:gd name="connsiteX3" fmla="*/ 9065942 w 9065942"/>
+              <a:gd name="connsiteY3" fmla="*/ 3947532 h 3984239"/>
+              <a:gd name="connsiteX0" fmla="*/ 0 w 9065942"/>
+              <a:gd name="connsiteY0" fmla="*/ 0 h 3984239"/>
+              <a:gd name="connsiteX1" fmla="*/ 2698596 w 9065942"/>
+              <a:gd name="connsiteY1" fmla="*/ 557561 h 3984239"/>
+              <a:gd name="connsiteX2" fmla="*/ 7917366 w 9065942"/>
+              <a:gd name="connsiteY2" fmla="*/ 3501483 h 3984239"/>
+              <a:gd name="connsiteX3" fmla="*/ 9065942 w 9065942"/>
+              <a:gd name="connsiteY3" fmla="*/ 3947532 h 3984239"/>
+              <a:gd name="connsiteX0" fmla="*/ 0 w 9077093"/>
+              <a:gd name="connsiteY0" fmla="*/ 0 h 3928483"/>
+              <a:gd name="connsiteX1" fmla="*/ 2709747 w 9077093"/>
+              <a:gd name="connsiteY1" fmla="*/ 501805 h 3928483"/>
+              <a:gd name="connsiteX2" fmla="*/ 7928517 w 9077093"/>
+              <a:gd name="connsiteY2" fmla="*/ 3445727 h 3928483"/>
+              <a:gd name="connsiteX3" fmla="*/ 9077093 w 9077093"/>
+              <a:gd name="connsiteY3" fmla="*/ 3891776 h 3928483"/>
+              <a:gd name="connsiteX0" fmla="*/ 0 w 9077093"/>
+              <a:gd name="connsiteY0" fmla="*/ 1527 h 3930010"/>
+              <a:gd name="connsiteX1" fmla="*/ 2709747 w 9077093"/>
+              <a:gd name="connsiteY1" fmla="*/ 503332 h 3930010"/>
+              <a:gd name="connsiteX2" fmla="*/ 7928517 w 9077093"/>
+              <a:gd name="connsiteY2" fmla="*/ 3447254 h 3930010"/>
+              <a:gd name="connsiteX3" fmla="*/ 9077093 w 9077093"/>
+              <a:gd name="connsiteY3" fmla="*/ 3893303 h 3930010"/>
+              <a:gd name="connsiteX0" fmla="*/ 0 w 9077093"/>
+              <a:gd name="connsiteY0" fmla="*/ 0 h 3928483"/>
+              <a:gd name="connsiteX1" fmla="*/ 3546089 w 9077093"/>
+              <a:gd name="connsiteY1" fmla="*/ 814039 h 3928483"/>
+              <a:gd name="connsiteX2" fmla="*/ 7928517 w 9077093"/>
+              <a:gd name="connsiteY2" fmla="*/ 3445727 h 3928483"/>
+              <a:gd name="connsiteX3" fmla="*/ 9077093 w 9077093"/>
+              <a:gd name="connsiteY3" fmla="*/ 3891776 h 3928483"/>
+              <a:gd name="connsiteX0" fmla="*/ 0 w 9077093"/>
+              <a:gd name="connsiteY0" fmla="*/ 0 h 3928483"/>
+              <a:gd name="connsiteX1" fmla="*/ 5452947 w 9077093"/>
+              <a:gd name="connsiteY1" fmla="*/ 1393902 h 3928483"/>
+              <a:gd name="connsiteX2" fmla="*/ 7928517 w 9077093"/>
+              <a:gd name="connsiteY2" fmla="*/ 3445727 h 3928483"/>
+              <a:gd name="connsiteX3" fmla="*/ 9077093 w 9077093"/>
+              <a:gd name="connsiteY3" fmla="*/ 3891776 h 3928483"/>
+              <a:gd name="connsiteX0" fmla="*/ 0 w 9077093"/>
+              <a:gd name="connsiteY0" fmla="*/ 0 h 3928483"/>
+              <a:gd name="connsiteX1" fmla="*/ 5207620 w 9077093"/>
+              <a:gd name="connsiteY1" fmla="*/ 1182029 h 3928483"/>
+              <a:gd name="connsiteX2" fmla="*/ 7928517 w 9077093"/>
+              <a:gd name="connsiteY2" fmla="*/ 3445727 h 3928483"/>
+              <a:gd name="connsiteX3" fmla="*/ 9077093 w 9077093"/>
+              <a:gd name="connsiteY3" fmla="*/ 3891776 h 3928483"/>
+              <a:gd name="connsiteX0" fmla="*/ 0 w 9077093"/>
+              <a:gd name="connsiteY0" fmla="*/ 0 h 3898838"/>
+              <a:gd name="connsiteX1" fmla="*/ 5207620 w 9077093"/>
+              <a:gd name="connsiteY1" fmla="*/ 1182029 h 3898838"/>
+              <a:gd name="connsiteX2" fmla="*/ 8028878 w 9077093"/>
+              <a:gd name="connsiteY2" fmla="*/ 3066585 h 3898838"/>
+              <a:gd name="connsiteX3" fmla="*/ 9077093 w 9077093"/>
+              <a:gd name="connsiteY3" fmla="*/ 3891776 h 3898838"/>
+              <a:gd name="connsiteX0" fmla="*/ 0 w 9032489"/>
+              <a:gd name="connsiteY0" fmla="*/ 0 h 3986732"/>
+              <a:gd name="connsiteX1" fmla="*/ 5207620 w 9032489"/>
+              <a:gd name="connsiteY1" fmla="*/ 1182029 h 3986732"/>
+              <a:gd name="connsiteX2" fmla="*/ 8028878 w 9032489"/>
+              <a:gd name="connsiteY2" fmla="*/ 3066585 h 3986732"/>
+              <a:gd name="connsiteX3" fmla="*/ 9032489 w 9032489"/>
+              <a:gd name="connsiteY3" fmla="*/ 3980986 h 3986732"/>
+              <a:gd name="connsiteX0" fmla="*/ 0 w 9032489"/>
+              <a:gd name="connsiteY0" fmla="*/ 0 h 3986732"/>
+              <a:gd name="connsiteX1" fmla="*/ 5040352 w 9032489"/>
+              <a:gd name="connsiteY1" fmla="*/ 1315844 h 3986732"/>
+              <a:gd name="connsiteX2" fmla="*/ 8028878 w 9032489"/>
+              <a:gd name="connsiteY2" fmla="*/ 3066585 h 3986732"/>
+              <a:gd name="connsiteX3" fmla="*/ 9032489 w 9032489"/>
+              <a:gd name="connsiteY3" fmla="*/ 3980986 h 3986732"/>
+              <a:gd name="connsiteX0" fmla="*/ 0 w 9032489"/>
+              <a:gd name="connsiteY0" fmla="*/ 0 h 3989571"/>
+              <a:gd name="connsiteX1" fmla="*/ 5040352 w 9032489"/>
+              <a:gd name="connsiteY1" fmla="*/ 1315844 h 3989571"/>
+              <a:gd name="connsiteX2" fmla="*/ 7865122 w 9032489"/>
+              <a:gd name="connsiteY2" fmla="*/ 3226158 h 3989571"/>
+              <a:gd name="connsiteX3" fmla="*/ 9032489 w 9032489"/>
+              <a:gd name="connsiteY3" fmla="*/ 3980986 h 3989571"/>
+              <a:gd name="connsiteX0" fmla="*/ 0 w 9032489"/>
+              <a:gd name="connsiteY0" fmla="*/ 0 h 3989571"/>
+              <a:gd name="connsiteX1" fmla="*/ 3662070 w 9032489"/>
+              <a:gd name="connsiteY1" fmla="*/ 2147901 h 3989571"/>
+              <a:gd name="connsiteX2" fmla="*/ 7865122 w 9032489"/>
+              <a:gd name="connsiteY2" fmla="*/ 3226158 h 3989571"/>
+              <a:gd name="connsiteX3" fmla="*/ 9032489 w 9032489"/>
+              <a:gd name="connsiteY3" fmla="*/ 3980986 h 3989571"/>
+            </a:gdLst>
+            <a:ahLst/>
+            <a:cxnLst>
+              <a:cxn ang="0">
+                <a:pos x="connsiteX0" y="connsiteY0"/>
+              </a:cxn>
+              <a:cxn ang="0">
+                <a:pos x="connsiteX1" y="connsiteY1"/>
+              </a:cxn>
+              <a:cxn ang="0">
+                <a:pos x="connsiteX2" y="connsiteY2"/>
+              </a:cxn>
+              <a:cxn ang="0">
+                <a:pos x="connsiteX3" y="connsiteY3"/>
+              </a:cxn>
+            </a:cxnLst>
+            <a:rect l="l" t="t" r="r" b="b"/>
+            <a:pathLst>
+              <a:path w="9032489" h="3989571">
+                <a:moveTo>
+                  <a:pt x="0" y="0"/>
+                </a:moveTo>
+                <a:cubicBezTo>
+                  <a:pt x="1070517" y="3718"/>
+                  <a:pt x="2351216" y="1610208"/>
+                  <a:pt x="3662070" y="2147901"/>
+                </a:cubicBezTo>
+                <a:cubicBezTo>
+                  <a:pt x="4972924" y="2685594"/>
+                  <a:pt x="6803898" y="2661163"/>
+                  <a:pt x="7865122" y="3226158"/>
+                </a:cubicBezTo>
+                <a:cubicBezTo>
+                  <a:pt x="8926346" y="3791153"/>
+                  <a:pt x="8988813" y="4040459"/>
+                  <a:pt x="9032489" y="3980986"/>
+                </a:cubicBezTo>
+              </a:path>
+            </a:pathLst>
+          </a:custGeom>
+          <a:noFill/>
+          <a:ln w="38100"/>
+        </p:spPr>
+        <p:style>
+          <a:lnRef idx="2">
+            <a:schemeClr val="accent1">
+              <a:shade val="15000"/>
+            </a:schemeClr>
+          </a:lnRef>
+          <a:fillRef idx="1">
+            <a:schemeClr val="accent1"/>
+          </a:fillRef>
+          <a:effectRef idx="0">
+            <a:schemeClr val="accent1"/>
+          </a:effectRef>
+          <a:fontRef idx="minor">
+            <a:schemeClr val="lt1"/>
+          </a:fontRef>
+        </p:style>
+        <p:txBody>
+          <a:bodyPr rtlCol="0" anchor="ctr"/>
+          <a:lstStyle/>
+          <a:p>
+            <a:pPr algn="ctr"/>
+            <a:endParaRPr lang="en-US" dirty="0"/>
+          </a:p>
+        </p:txBody>
+      </p:sp>
+      <p:sp>
+        <p:nvSpPr>
+          <p:cNvPr id="9" name="Freeform 8">
+            <a:extLst>
+              <a:ext uri="{FF2B5EF4-FFF2-40B4-BE49-F238E27FC236}">
+                <a16:creationId xmlns:a16="http://schemas.microsoft.com/office/drawing/2014/main" id="{427DFFB7-57F4-398A-D993-C9BAE0C84AFB}"/>
+              </a:ext>
+            </a:extLst>
+          </p:cNvPr>
+          <p:cNvSpPr/>
+          <p:nvPr/>
+        </p:nvSpPr>
+        <p:spPr>
+          <a:xfrm>
+            <a:off x="1572323" y="2085278"/>
+            <a:ext cx="7417242" cy="3947533"/>
+          </a:xfrm>
+          <a:custGeom>
+            <a:avLst/>
+            <a:gdLst>
+              <a:gd name="connsiteX0" fmla="*/ 9010185 w 9057307"/>
+              <a:gd name="connsiteY0" fmla="*/ 0 h 3958683"/>
+              <a:gd name="connsiteX1" fmla="*/ 8207298 w 9057307"/>
+              <a:gd name="connsiteY1" fmla="*/ 669073 h 3958683"/>
+              <a:gd name="connsiteX2" fmla="*/ 3189249 w 9057307"/>
+              <a:gd name="connsiteY2" fmla="*/ 1092819 h 3958683"/>
+              <a:gd name="connsiteX3" fmla="*/ 0 w 9057307"/>
+              <a:gd name="connsiteY3" fmla="*/ 3958683 h 3958683"/>
+              <a:gd name="connsiteX0" fmla="*/ 9010185 w 9057307"/>
+              <a:gd name="connsiteY0" fmla="*/ 0 h 4014440"/>
+              <a:gd name="connsiteX1" fmla="*/ 8207298 w 9057307"/>
+              <a:gd name="connsiteY1" fmla="*/ 669073 h 4014440"/>
+              <a:gd name="connsiteX2" fmla="*/ 3189249 w 9057307"/>
+              <a:gd name="connsiteY2" fmla="*/ 1092819 h 4014440"/>
+              <a:gd name="connsiteX3" fmla="*/ 0 w 9057307"/>
+              <a:gd name="connsiteY3" fmla="*/ 4014440 h 4014440"/>
+              <a:gd name="connsiteX0" fmla="*/ 9010185 w 9016142"/>
+              <a:gd name="connsiteY0" fmla="*/ 0 h 4014440"/>
+              <a:gd name="connsiteX1" fmla="*/ 7315200 w 9016142"/>
+              <a:gd name="connsiteY1" fmla="*/ 524107 h 4014440"/>
+              <a:gd name="connsiteX2" fmla="*/ 3189249 w 9016142"/>
+              <a:gd name="connsiteY2" fmla="*/ 1092819 h 4014440"/>
+              <a:gd name="connsiteX3" fmla="*/ 0 w 9016142"/>
+              <a:gd name="connsiteY3" fmla="*/ 4014440 h 4014440"/>
+              <a:gd name="connsiteX0" fmla="*/ 9021336 w 9027232"/>
+              <a:gd name="connsiteY0" fmla="*/ 0 h 3791416"/>
+              <a:gd name="connsiteX1" fmla="*/ 7315200 w 9027232"/>
+              <a:gd name="connsiteY1" fmla="*/ 301083 h 3791416"/>
+              <a:gd name="connsiteX2" fmla="*/ 3189249 w 9027232"/>
+              <a:gd name="connsiteY2" fmla="*/ 869795 h 3791416"/>
+              <a:gd name="connsiteX3" fmla="*/ 0 w 9027232"/>
+              <a:gd name="connsiteY3" fmla="*/ 3791416 h 3791416"/>
+              <a:gd name="connsiteX0" fmla="*/ 9021336 w 9021336"/>
+              <a:gd name="connsiteY0" fmla="*/ 0 h 3791416"/>
+              <a:gd name="connsiteX1" fmla="*/ 7315200 w 9021336"/>
+              <a:gd name="connsiteY1" fmla="*/ 301083 h 3791416"/>
+              <a:gd name="connsiteX2" fmla="*/ 3189249 w 9021336"/>
+              <a:gd name="connsiteY2" fmla="*/ 869795 h 3791416"/>
+              <a:gd name="connsiteX3" fmla="*/ 0 w 9021336"/>
+              <a:gd name="connsiteY3" fmla="*/ 3791416 h 3791416"/>
+              <a:gd name="connsiteX0" fmla="*/ 9032487 w 9032487"/>
+              <a:gd name="connsiteY0" fmla="*/ 0 h 3947533"/>
+              <a:gd name="connsiteX1" fmla="*/ 7315200 w 9032487"/>
+              <a:gd name="connsiteY1" fmla="*/ 457200 h 3947533"/>
+              <a:gd name="connsiteX2" fmla="*/ 3189249 w 9032487"/>
+              <a:gd name="connsiteY2" fmla="*/ 1025912 h 3947533"/>
+              <a:gd name="connsiteX3" fmla="*/ 0 w 9032487"/>
+              <a:gd name="connsiteY3" fmla="*/ 3947533 h 3947533"/>
+              <a:gd name="connsiteX0" fmla="*/ 9032487 w 9032487"/>
+              <a:gd name="connsiteY0" fmla="*/ 0 h 3947533"/>
+              <a:gd name="connsiteX1" fmla="*/ 7426712 w 9032487"/>
+              <a:gd name="connsiteY1" fmla="*/ 490653 h 3947533"/>
+              <a:gd name="connsiteX2" fmla="*/ 3189249 w 9032487"/>
+              <a:gd name="connsiteY2" fmla="*/ 1025912 h 3947533"/>
+              <a:gd name="connsiteX3" fmla="*/ 0 w 9032487"/>
+              <a:gd name="connsiteY3" fmla="*/ 3947533 h 3947533"/>
+              <a:gd name="connsiteX0" fmla="*/ 9032487 w 9032487"/>
+              <a:gd name="connsiteY0" fmla="*/ 0 h 3947533"/>
+              <a:gd name="connsiteX1" fmla="*/ 7370956 w 9032487"/>
+              <a:gd name="connsiteY1" fmla="*/ 457200 h 3947533"/>
+              <a:gd name="connsiteX2" fmla="*/ 3189249 w 9032487"/>
+              <a:gd name="connsiteY2" fmla="*/ 1025912 h 3947533"/>
+              <a:gd name="connsiteX3" fmla="*/ 0 w 9032487"/>
+              <a:gd name="connsiteY3" fmla="*/ 3947533 h 3947533"/>
+              <a:gd name="connsiteX0" fmla="*/ 9032487 w 9032487"/>
+              <a:gd name="connsiteY0" fmla="*/ 0 h 3947533"/>
+              <a:gd name="connsiteX1" fmla="*/ 7426712 w 9032487"/>
+              <a:gd name="connsiteY1" fmla="*/ 524108 h 3947533"/>
+              <a:gd name="connsiteX2" fmla="*/ 3189249 w 9032487"/>
+              <a:gd name="connsiteY2" fmla="*/ 1025912 h 3947533"/>
+              <a:gd name="connsiteX3" fmla="*/ 0 w 9032487"/>
+              <a:gd name="connsiteY3" fmla="*/ 3947533 h 3947533"/>
+              <a:gd name="connsiteX0" fmla="*/ 9032487 w 9032487"/>
+              <a:gd name="connsiteY0" fmla="*/ 0 h 3947533"/>
+              <a:gd name="connsiteX1" fmla="*/ 7426712 w 9032487"/>
+              <a:gd name="connsiteY1" fmla="*/ 524108 h 3947533"/>
+              <a:gd name="connsiteX2" fmla="*/ 3189249 w 9032487"/>
+              <a:gd name="connsiteY2" fmla="*/ 1025912 h 3947533"/>
+              <a:gd name="connsiteX3" fmla="*/ 0 w 9032487"/>
+              <a:gd name="connsiteY3" fmla="*/ 3947533 h 3947533"/>
+              <a:gd name="connsiteX0" fmla="*/ 9032487 w 9032487"/>
+              <a:gd name="connsiteY0" fmla="*/ 0 h 3947533"/>
+              <a:gd name="connsiteX1" fmla="*/ 7426712 w 9032487"/>
+              <a:gd name="connsiteY1" fmla="*/ 524108 h 3947533"/>
+              <a:gd name="connsiteX2" fmla="*/ 3189249 w 9032487"/>
+              <a:gd name="connsiteY2" fmla="*/ 1025912 h 3947533"/>
+              <a:gd name="connsiteX3" fmla="*/ 0 w 9032487"/>
+              <a:gd name="connsiteY3" fmla="*/ 3947533 h 3947533"/>
+              <a:gd name="connsiteX0" fmla="*/ 9032487 w 9032487"/>
+              <a:gd name="connsiteY0" fmla="*/ 0 h 3947533"/>
+              <a:gd name="connsiteX1" fmla="*/ 7348654 w 9032487"/>
+              <a:gd name="connsiteY1" fmla="*/ 512957 h 3947533"/>
+              <a:gd name="connsiteX2" fmla="*/ 3189249 w 9032487"/>
+              <a:gd name="connsiteY2" fmla="*/ 1025912 h 3947533"/>
+              <a:gd name="connsiteX3" fmla="*/ 0 w 9032487"/>
+              <a:gd name="connsiteY3" fmla="*/ 3947533 h 3947533"/>
+            </a:gdLst>
+            <a:ahLst/>
+            <a:cxnLst>
+              <a:cxn ang="0">
+                <a:pos x="connsiteX0" y="connsiteY0"/>
+              </a:cxn>
+              <a:cxn ang="0">
+                <a:pos x="connsiteX1" y="connsiteY1"/>
+              </a:cxn>
+              <a:cxn ang="0">
+                <a:pos x="connsiteX2" y="connsiteY2"/>
+              </a:cxn>
+              <a:cxn ang="0">
+                <a:pos x="connsiteX3" y="connsiteY3"/>
+              </a:cxn>
+            </a:cxnLst>
+            <a:rect l="l" t="t" r="r" b="b"/>
+            <a:pathLst>
+              <a:path w="9032487" h="3947533">
+                <a:moveTo>
+                  <a:pt x="9032487" y="0"/>
+                </a:moveTo>
+                <a:cubicBezTo>
+                  <a:pt x="8391292" y="165410"/>
+                  <a:pt x="8233318" y="330821"/>
+                  <a:pt x="7348654" y="512957"/>
+                </a:cubicBezTo>
+                <a:cubicBezTo>
+                  <a:pt x="6463990" y="695093"/>
+                  <a:pt x="4557132" y="477644"/>
+                  <a:pt x="3189249" y="1025912"/>
+                </a:cubicBezTo>
+                <a:cubicBezTo>
+                  <a:pt x="1821366" y="1574180"/>
+                  <a:pt x="308517" y="3477323"/>
+                  <a:pt x="0" y="3947533"/>
+                </a:cubicBezTo>
+              </a:path>
+            </a:pathLst>
+          </a:custGeom>
+          <a:noFill/>
+          <a:ln w="38100"/>
+        </p:spPr>
+        <p:style>
+          <a:lnRef idx="2">
+            <a:schemeClr val="accent1">
+              <a:shade val="15000"/>
+            </a:schemeClr>
+          </a:lnRef>
+          <a:fillRef idx="1">
+            <a:schemeClr val="accent1"/>
+          </a:fillRef>
+          <a:effectRef idx="0">
+            <a:schemeClr val="accent1"/>
+          </a:effectRef>
+          <a:fontRef idx="minor">
+            <a:schemeClr val="lt1"/>
+          </a:fontRef>
+        </p:style>
+        <p:txBody>
+          <a:bodyPr rtlCol="0" anchor="ctr"/>
+          <a:lstStyle/>
+          <a:p>
+            <a:pPr algn="ctr"/>
+            <a:endParaRPr lang="en-US"/>
+          </a:p>
+        </p:txBody>
+      </p:sp>
+      <mc:AlternateContent xmlns:mc="http://schemas.openxmlformats.org/markup-compatibility/2006">
+        <mc:Choice xmlns:a14="http://schemas.microsoft.com/office/drawing/2010/main" Requires="a14">
+          <p:sp>
+            <p:nvSpPr>
+              <p:cNvPr id="33" name="TextBox 32">
+                <a:extLst>
+                  <a:ext uri="{FF2B5EF4-FFF2-40B4-BE49-F238E27FC236}">
+                    <a16:creationId xmlns:a16="http://schemas.microsoft.com/office/drawing/2014/main" id="{0591B999-2427-FAB4-475F-6B3824EE7DCA}"/>
+                  </a:ext>
+                </a:extLst>
+              </p:cNvPr>
+              <p:cNvSpPr txBox="1"/>
+              <p:nvPr/>
+            </p:nvSpPr>
+            <p:spPr>
+              <a:xfrm rot="16200000">
+                <a:off x="-644877" y="2656267"/>
+                <a:ext cx="3031353" cy="523220"/>
+              </a:xfrm>
+              <a:prstGeom prst="rect">
+                <a:avLst/>
+              </a:prstGeom>
+              <a:noFill/>
+            </p:spPr>
+            <p:txBody>
+              <a:bodyPr wrap="square" rtlCol="0">
+                <a:spAutoFit/>
+              </a:bodyPr>
+              <a:lstStyle/>
+              <a:p>
+                <a:r>
+                  <a:rPr lang="en-US" sz="2800" b="1" dirty="0"/>
+                  <a:t>Rural Wage </a:t>
+                </a:r>
+                <a14:m>
+                  <m:oMath xmlns:m="http://schemas.openxmlformats.org/officeDocument/2006/math">
+                    <m:sSub>
+                      <m:sSubPr>
+                        <m:ctrlPr>
+                          <a:rPr lang="en-US" sz="2800" b="1" i="1" smtClean="0">
+                            <a:latin typeface="Cambria Math" panose="02040503050406030204" pitchFamily="18" charset="0"/>
+                          </a:rPr>
+                        </m:ctrlPr>
+                      </m:sSubPr>
+                      <m:e>
+                        <m:r>
+                          <a:rPr lang="en-US" sz="2800" b="1" i="1" smtClean="0">
+                            <a:latin typeface="Cambria Math" panose="02040503050406030204" pitchFamily="18" charset="0"/>
+                          </a:rPr>
+                          <m:t>(</m:t>
+                        </m:r>
+                        <m:r>
+                          <a:rPr lang="en-US" sz="2800" b="1" i="1" smtClean="0">
+                            <a:latin typeface="Cambria Math" panose="02040503050406030204" pitchFamily="18" charset="0"/>
+                          </a:rPr>
+                          <m:t>𝒘</m:t>
+                        </m:r>
+                      </m:e>
+                      <m:sub>
+                        <m:r>
+                          <a:rPr lang="en-US" sz="2800" b="1" i="1" smtClean="0">
+                            <a:latin typeface="Cambria Math" panose="02040503050406030204" pitchFamily="18" charset="0"/>
+                          </a:rPr>
+                          <m:t>𝑹</m:t>
+                        </m:r>
+                      </m:sub>
+                    </m:sSub>
+                    <m:r>
+                      <a:rPr lang="en-US" sz="2800" b="1" i="1" smtClean="0">
+                        <a:latin typeface="Cambria Math" panose="02040503050406030204" pitchFamily="18" charset="0"/>
+                      </a:rPr>
+                      <m:t>)</m:t>
+                    </m:r>
+                  </m:oMath>
+                </a14:m>
+                <a:endParaRPr lang="en-US" sz="2800" b="1" dirty="0"/>
+              </a:p>
+            </p:txBody>
+          </p:sp>
+        </mc:Choice>
+        <mc:Fallback>
+          <p:sp>
+            <p:nvSpPr>
+              <p:cNvPr id="33" name="TextBox 32">
+                <a:extLst>
+                  <a:ext uri="{FF2B5EF4-FFF2-40B4-BE49-F238E27FC236}">
+                    <a16:creationId xmlns:a16="http://schemas.microsoft.com/office/drawing/2014/main" id="{0591B999-2427-FAB4-475F-6B3824EE7DCA}"/>
+                  </a:ext>
+                </a:extLst>
+              </p:cNvPr>
+              <p:cNvSpPr txBox="1">
+                <a:spLocks noRot="1" noChangeAspect="1" noMove="1" noResize="1" noEditPoints="1" noAdjustHandles="1" noChangeArrowheads="1" noChangeShapeType="1" noTextEdit="1"/>
+              </p:cNvSpPr>
+              <p:nvPr/>
+            </p:nvSpPr>
+            <p:spPr>
+              <a:xfrm rot="16200000">
+                <a:off x="-644877" y="2656267"/>
+                <a:ext cx="3031353" cy="523220"/>
+              </a:xfrm>
+              <a:prstGeom prst="rect">
+                <a:avLst/>
+              </a:prstGeom>
+              <a:blipFill>
+                <a:blip r:embed="rId2"/>
+                <a:stretch>
+                  <a:fillRect l="-14286" r="-30952" b="-4603"/>
+                </a:stretch>
+              </a:blipFill>
+            </p:spPr>
+            <p:txBody>
+              <a:bodyPr/>
+              <a:lstStyle/>
+              <a:p>
+                <a:r>
+                  <a:rPr lang="en-US">
+                    <a:noFill/>
+                  </a:rPr>
+                  <a:t> </a:t>
+                </a:r>
+              </a:p>
+            </p:txBody>
+          </p:sp>
+        </mc:Fallback>
+      </mc:AlternateContent>
+      <mc:AlternateContent xmlns:mc="http://schemas.openxmlformats.org/markup-compatibility/2006">
+        <mc:Choice xmlns:a14="http://schemas.microsoft.com/office/drawing/2010/main" Requires="a14">
+          <p:sp>
+            <p:nvSpPr>
+              <p:cNvPr id="34" name="TextBox 33">
+                <a:extLst>
+                  <a:ext uri="{FF2B5EF4-FFF2-40B4-BE49-F238E27FC236}">
+                    <a16:creationId xmlns:a16="http://schemas.microsoft.com/office/drawing/2014/main" id="{16FF1496-C976-B170-A7C5-035EEC5F679F}"/>
+                  </a:ext>
+                </a:extLst>
+              </p:cNvPr>
+              <p:cNvSpPr txBox="1"/>
+              <p:nvPr/>
+            </p:nvSpPr>
+            <p:spPr>
+              <a:xfrm rot="5400000">
+                <a:off x="8273705" y="2977235"/>
+                <a:ext cx="3031353" cy="523220"/>
+              </a:xfrm>
+              <a:prstGeom prst="rect">
+                <a:avLst/>
+              </a:prstGeom>
+              <a:noFill/>
+            </p:spPr>
+            <p:txBody>
+              <a:bodyPr wrap="square" rtlCol="0">
+                <a:spAutoFit/>
+              </a:bodyPr>
+              <a:lstStyle/>
+              <a:p>
+                <a:r>
+                  <a:rPr lang="en-US" sz="2800" b="1" dirty="0"/>
+                  <a:t>City Wage </a:t>
+                </a:r>
+                <a14:m>
+                  <m:oMath xmlns:m="http://schemas.openxmlformats.org/officeDocument/2006/math">
+                    <m:sSub>
+                      <m:sSubPr>
+                        <m:ctrlPr>
+                          <a:rPr lang="en-US" sz="2800" b="1" i="1" smtClean="0">
+                            <a:latin typeface="Cambria Math" panose="02040503050406030204" pitchFamily="18" charset="0"/>
+                          </a:rPr>
+                        </m:ctrlPr>
+                      </m:sSubPr>
+                      <m:e>
+                        <m:r>
+                          <a:rPr lang="en-US" sz="2800" b="1" i="1" smtClean="0">
+                            <a:latin typeface="Cambria Math" panose="02040503050406030204" pitchFamily="18" charset="0"/>
+                          </a:rPr>
+                          <m:t>(</m:t>
+                        </m:r>
+                        <m:r>
+                          <a:rPr lang="en-US" sz="2800" b="1" i="1" smtClean="0">
+                            <a:latin typeface="Cambria Math" panose="02040503050406030204" pitchFamily="18" charset="0"/>
+                          </a:rPr>
+                          <m:t>𝒘</m:t>
+                        </m:r>
+                      </m:e>
+                      <m:sub>
+                        <m:r>
+                          <a:rPr lang="en-US" sz="2800" b="1" i="1" smtClean="0">
+                            <a:latin typeface="Cambria Math" panose="02040503050406030204" pitchFamily="18" charset="0"/>
+                          </a:rPr>
+                          <m:t>𝑪</m:t>
+                        </m:r>
+                      </m:sub>
+                    </m:sSub>
+                    <m:r>
+                      <a:rPr lang="en-US" sz="2800" b="1" i="1" smtClean="0">
+                        <a:latin typeface="Cambria Math" panose="02040503050406030204" pitchFamily="18" charset="0"/>
+                      </a:rPr>
+                      <m:t>)</m:t>
+                    </m:r>
+                  </m:oMath>
+                </a14:m>
+                <a:endParaRPr lang="en-US" sz="2800" b="1" dirty="0"/>
+              </a:p>
+            </p:txBody>
+          </p:sp>
+        </mc:Choice>
+        <mc:Fallback>
+          <p:sp>
+            <p:nvSpPr>
+              <p:cNvPr id="34" name="TextBox 33">
+                <a:extLst>
+                  <a:ext uri="{FF2B5EF4-FFF2-40B4-BE49-F238E27FC236}">
+                    <a16:creationId xmlns:a16="http://schemas.microsoft.com/office/drawing/2014/main" id="{16FF1496-C976-B170-A7C5-035EEC5F679F}"/>
+                  </a:ext>
+                </a:extLst>
+              </p:cNvPr>
+              <p:cNvSpPr txBox="1">
+                <a:spLocks noRot="1" noChangeAspect="1" noMove="1" noResize="1" noEditPoints="1" noAdjustHandles="1" noChangeArrowheads="1" noChangeShapeType="1" noTextEdit="1"/>
+              </p:cNvSpPr>
+              <p:nvPr/>
+            </p:nvSpPr>
+            <p:spPr>
+              <a:xfrm rot="5400000">
+                <a:off x="8273705" y="2977235"/>
+                <a:ext cx="3031353" cy="523220"/>
+              </a:xfrm>
+              <a:prstGeom prst="rect">
+                <a:avLst/>
+              </a:prstGeom>
+              <a:blipFill>
+                <a:blip r:embed="rId3"/>
+                <a:stretch>
+                  <a:fillRect l="-33333" t="-4167" r="-11905"/>
+                </a:stretch>
+              </a:blipFill>
+            </p:spPr>
+            <p:txBody>
+              <a:bodyPr/>
+              <a:lstStyle/>
+              <a:p>
+                <a:r>
+                  <a:rPr lang="en-US">
+                    <a:noFill/>
+                  </a:rPr>
+                  <a:t> </a:t>
+                </a:r>
+              </a:p>
+            </p:txBody>
+          </p:sp>
+        </mc:Fallback>
+      </mc:AlternateContent>
+      <mc:AlternateContent xmlns:mc="http://schemas.openxmlformats.org/markup-compatibility/2006">
+        <mc:Choice xmlns:a14="http://schemas.microsoft.com/office/drawing/2010/main" Requires="a14">
+          <p:sp>
+            <p:nvSpPr>
+              <p:cNvPr id="35" name="TextBox 34">
+                <a:extLst>
+                  <a:ext uri="{FF2B5EF4-FFF2-40B4-BE49-F238E27FC236}">
+                    <a16:creationId xmlns:a16="http://schemas.microsoft.com/office/drawing/2014/main" id="{2C9D99CF-9993-E862-67E2-EDEBB712E920}"/>
+                  </a:ext>
+                </a:extLst>
+              </p:cNvPr>
+              <p:cNvSpPr txBox="1"/>
+              <p:nvPr/>
+            </p:nvSpPr>
+            <p:spPr>
+              <a:xfrm>
+                <a:off x="1063086" y="5209214"/>
+                <a:ext cx="609600" cy="369332"/>
+              </a:xfrm>
+              <a:prstGeom prst="rect">
+                <a:avLst/>
+              </a:prstGeom>
+              <a:noFill/>
+            </p:spPr>
+            <p:txBody>
+              <a:bodyPr wrap="square" rtlCol="0">
+                <a:spAutoFit/>
+              </a:bodyPr>
+              <a:lstStyle/>
+              <a:p>
+                <a:pPr/>
+                <a14:m>
+                  <m:oMathPara xmlns:m="http://schemas.openxmlformats.org/officeDocument/2006/math">
+                    <m:oMathParaPr>
+                      <m:jc m:val="centerGroup"/>
+                    </m:oMathParaPr>
+                    <m:oMath xmlns:m="http://schemas.openxmlformats.org/officeDocument/2006/math">
+                      <m:r>
+                        <a:rPr lang="en-US" b="1" i="1" smtClean="0">
+                          <a:latin typeface="Cambria Math" panose="02040503050406030204" pitchFamily="18" charset="0"/>
+                        </a:rPr>
+                        <m:t>𝟏</m:t>
+                      </m:r>
+                    </m:oMath>
+                  </m:oMathPara>
+                </a14:m>
+                <a:endParaRPr lang="en-US" b="1" dirty="0"/>
+              </a:p>
+            </p:txBody>
+          </p:sp>
+        </mc:Choice>
+        <mc:Fallback>
+          <p:sp>
+            <p:nvSpPr>
+              <p:cNvPr id="35" name="TextBox 34">
+                <a:extLst>
+                  <a:ext uri="{FF2B5EF4-FFF2-40B4-BE49-F238E27FC236}">
+                    <a16:creationId xmlns:a16="http://schemas.microsoft.com/office/drawing/2014/main" id="{2C9D99CF-9993-E862-67E2-EDEBB712E920}"/>
+                  </a:ext>
+                </a:extLst>
+              </p:cNvPr>
+              <p:cNvSpPr txBox="1">
+                <a:spLocks noRot="1" noChangeAspect="1" noMove="1" noResize="1" noEditPoints="1" noAdjustHandles="1" noChangeArrowheads="1" noChangeShapeType="1" noTextEdit="1"/>
+              </p:cNvSpPr>
+              <p:nvPr/>
+            </p:nvSpPr>
+            <p:spPr>
+              <a:xfrm>
+                <a:off x="1063086" y="5209214"/>
+                <a:ext cx="609600" cy="369332"/>
+              </a:xfrm>
+              <a:prstGeom prst="rect">
+                <a:avLst/>
+              </a:prstGeom>
+              <a:blipFill>
+                <a:blip r:embed="rId4"/>
+                <a:stretch>
+                  <a:fillRect/>
+                </a:stretch>
+              </a:blipFill>
+            </p:spPr>
+            <p:txBody>
+              <a:bodyPr/>
+              <a:lstStyle/>
+              <a:p>
+                <a:r>
+                  <a:rPr lang="en-US">
+                    <a:noFill/>
+                  </a:rPr>
+                  <a:t> </a:t>
+                </a:r>
+              </a:p>
+            </p:txBody>
+          </p:sp>
+        </mc:Fallback>
+      </mc:AlternateContent>
+      <mc:AlternateContent xmlns:mc="http://schemas.openxmlformats.org/markup-compatibility/2006">
+        <mc:Choice xmlns:a14="http://schemas.microsoft.com/office/drawing/2010/main" Requires="a14">
+          <p:sp>
+            <p:nvSpPr>
+              <p:cNvPr id="36" name="TextBox 35">
+                <a:extLst>
+                  <a:ext uri="{FF2B5EF4-FFF2-40B4-BE49-F238E27FC236}">
+                    <a16:creationId xmlns:a16="http://schemas.microsoft.com/office/drawing/2014/main" id="{BA2589E9-7FA4-E032-C248-ECBCEA10E8F7}"/>
+                  </a:ext>
+                </a:extLst>
+              </p:cNvPr>
+              <p:cNvSpPr txBox="1"/>
+              <p:nvPr/>
+            </p:nvSpPr>
+            <p:spPr>
+              <a:xfrm>
+                <a:off x="1058031" y="4589653"/>
+                <a:ext cx="609600" cy="369332"/>
+              </a:xfrm>
+              <a:prstGeom prst="rect">
+                <a:avLst/>
+              </a:prstGeom>
+              <a:noFill/>
+            </p:spPr>
+            <p:txBody>
+              <a:bodyPr wrap="square" rtlCol="0">
+                <a:spAutoFit/>
+              </a:bodyPr>
+              <a:lstStyle/>
+              <a:p>
+                <a:pPr/>
+                <a14:m>
+                  <m:oMathPara xmlns:m="http://schemas.openxmlformats.org/officeDocument/2006/math">
+                    <m:oMathParaPr>
+                      <m:jc m:val="centerGroup"/>
+                    </m:oMathParaPr>
+                    <m:oMath xmlns:m="http://schemas.openxmlformats.org/officeDocument/2006/math">
+                      <m:r>
+                        <a:rPr lang="en-US" b="1" i="1" smtClean="0">
+                          <a:latin typeface="Cambria Math" panose="02040503050406030204" pitchFamily="18" charset="0"/>
+                        </a:rPr>
+                        <m:t>𝟐</m:t>
+                      </m:r>
+                    </m:oMath>
+                  </m:oMathPara>
+                </a14:m>
+                <a:endParaRPr lang="en-US" b="1" dirty="0"/>
+              </a:p>
+            </p:txBody>
+          </p:sp>
+        </mc:Choice>
+        <mc:Fallback>
+          <p:sp>
+            <p:nvSpPr>
+              <p:cNvPr id="36" name="TextBox 35">
+                <a:extLst>
+                  <a:ext uri="{FF2B5EF4-FFF2-40B4-BE49-F238E27FC236}">
+                    <a16:creationId xmlns:a16="http://schemas.microsoft.com/office/drawing/2014/main" id="{BA2589E9-7FA4-E032-C248-ECBCEA10E8F7}"/>
+                  </a:ext>
+                </a:extLst>
+              </p:cNvPr>
+              <p:cNvSpPr txBox="1">
+                <a:spLocks noRot="1" noChangeAspect="1" noMove="1" noResize="1" noEditPoints="1" noAdjustHandles="1" noChangeArrowheads="1" noChangeShapeType="1" noTextEdit="1"/>
+              </p:cNvSpPr>
+              <p:nvPr/>
+            </p:nvSpPr>
+            <p:spPr>
+              <a:xfrm>
+                <a:off x="1058031" y="4589653"/>
+                <a:ext cx="609600" cy="369332"/>
+              </a:xfrm>
+              <a:prstGeom prst="rect">
+                <a:avLst/>
+              </a:prstGeom>
+              <a:blipFill>
+                <a:blip r:embed="rId5"/>
+                <a:stretch>
+                  <a:fillRect/>
+                </a:stretch>
+              </a:blipFill>
+            </p:spPr>
+            <p:txBody>
+              <a:bodyPr/>
+              <a:lstStyle/>
+              <a:p>
+                <a:r>
+                  <a:rPr lang="en-US">
+                    <a:noFill/>
+                  </a:rPr>
+                  <a:t> </a:t>
+                </a:r>
+              </a:p>
+            </p:txBody>
+          </p:sp>
+        </mc:Fallback>
+      </mc:AlternateContent>
+      <mc:AlternateContent xmlns:mc="http://schemas.openxmlformats.org/markup-compatibility/2006">
+        <mc:Choice xmlns:a14="http://schemas.microsoft.com/office/drawing/2010/main" Requires="a14">
+          <p:sp>
+            <p:nvSpPr>
+              <p:cNvPr id="37" name="TextBox 36">
+                <a:extLst>
+                  <a:ext uri="{FF2B5EF4-FFF2-40B4-BE49-F238E27FC236}">
+                    <a16:creationId xmlns:a16="http://schemas.microsoft.com/office/drawing/2014/main" id="{6EF10C6A-7F23-3C20-FFDF-40C987EBB635}"/>
+                  </a:ext>
+                </a:extLst>
+              </p:cNvPr>
+              <p:cNvSpPr txBox="1"/>
+              <p:nvPr/>
+            </p:nvSpPr>
+            <p:spPr>
+              <a:xfrm>
+                <a:off x="1073718" y="3970092"/>
+                <a:ext cx="609600" cy="369332"/>
+              </a:xfrm>
+              <a:prstGeom prst="rect">
+                <a:avLst/>
+              </a:prstGeom>
+              <a:noFill/>
+            </p:spPr>
+            <p:txBody>
+              <a:bodyPr wrap="square" rtlCol="0">
+                <a:spAutoFit/>
+              </a:bodyPr>
+              <a:lstStyle/>
+              <a:p>
+                <a:pPr/>
+                <a14:m>
+                  <m:oMathPara xmlns:m="http://schemas.openxmlformats.org/officeDocument/2006/math">
+                    <m:oMathParaPr>
+                      <m:jc m:val="centerGroup"/>
+                    </m:oMathParaPr>
+                    <m:oMath xmlns:m="http://schemas.openxmlformats.org/officeDocument/2006/math">
+                      <m:r>
+                        <a:rPr lang="en-US" b="1" i="1" smtClean="0">
+                          <a:latin typeface="Cambria Math" panose="02040503050406030204" pitchFamily="18" charset="0"/>
+                        </a:rPr>
+                        <m:t>𝟑</m:t>
+                      </m:r>
+                    </m:oMath>
+                  </m:oMathPara>
+                </a14:m>
+                <a:endParaRPr lang="en-US" b="1" dirty="0"/>
+              </a:p>
+            </p:txBody>
+          </p:sp>
+        </mc:Choice>
+        <mc:Fallback>
+          <p:sp>
+            <p:nvSpPr>
+              <p:cNvPr id="37" name="TextBox 36">
+                <a:extLst>
+                  <a:ext uri="{FF2B5EF4-FFF2-40B4-BE49-F238E27FC236}">
+                    <a16:creationId xmlns:a16="http://schemas.microsoft.com/office/drawing/2014/main" id="{6EF10C6A-7F23-3C20-FFDF-40C987EBB635}"/>
+                  </a:ext>
+                </a:extLst>
+              </p:cNvPr>
+              <p:cNvSpPr txBox="1">
+                <a:spLocks noRot="1" noChangeAspect="1" noMove="1" noResize="1" noEditPoints="1" noAdjustHandles="1" noChangeArrowheads="1" noChangeShapeType="1" noTextEdit="1"/>
+              </p:cNvSpPr>
+              <p:nvPr/>
+            </p:nvSpPr>
+            <p:spPr>
+              <a:xfrm>
+                <a:off x="1073718" y="3970092"/>
+                <a:ext cx="609600" cy="369332"/>
+              </a:xfrm>
+              <a:prstGeom prst="rect">
+                <a:avLst/>
+              </a:prstGeom>
+              <a:blipFill>
+                <a:blip r:embed="rId6"/>
+                <a:stretch>
+                  <a:fillRect/>
+                </a:stretch>
+              </a:blipFill>
+            </p:spPr>
+            <p:txBody>
+              <a:bodyPr/>
+              <a:lstStyle/>
+              <a:p>
+                <a:r>
+                  <a:rPr lang="en-US">
+                    <a:noFill/>
+                  </a:rPr>
+                  <a:t> </a:t>
+                </a:r>
+              </a:p>
+            </p:txBody>
+          </p:sp>
+        </mc:Fallback>
+      </mc:AlternateContent>
+      <mc:AlternateContent xmlns:mc="http://schemas.openxmlformats.org/markup-compatibility/2006">
+        <mc:Choice xmlns:a14="http://schemas.microsoft.com/office/drawing/2010/main" Requires="a14">
+          <p:sp>
+            <p:nvSpPr>
+              <p:cNvPr id="38" name="TextBox 37">
+                <a:extLst>
+                  <a:ext uri="{FF2B5EF4-FFF2-40B4-BE49-F238E27FC236}">
+                    <a16:creationId xmlns:a16="http://schemas.microsoft.com/office/drawing/2014/main" id="{8CB44C18-B349-3FAE-451B-92C6991F4D17}"/>
+                  </a:ext>
+                </a:extLst>
+              </p:cNvPr>
+              <p:cNvSpPr txBox="1"/>
+              <p:nvPr/>
+            </p:nvSpPr>
+            <p:spPr>
+              <a:xfrm>
+                <a:off x="1071020" y="3352025"/>
+                <a:ext cx="609600" cy="369332"/>
+              </a:xfrm>
+              <a:prstGeom prst="rect">
+                <a:avLst/>
+              </a:prstGeom>
+              <a:noFill/>
+            </p:spPr>
+            <p:txBody>
+              <a:bodyPr wrap="square" rtlCol="0">
+                <a:spAutoFit/>
+              </a:bodyPr>
+              <a:lstStyle/>
+              <a:p>
+                <a:pPr/>
+                <a14:m>
+                  <m:oMathPara xmlns:m="http://schemas.openxmlformats.org/officeDocument/2006/math">
+                    <m:oMathParaPr>
+                      <m:jc m:val="centerGroup"/>
+                    </m:oMathParaPr>
+                    <m:oMath xmlns:m="http://schemas.openxmlformats.org/officeDocument/2006/math">
+                      <m:r>
+                        <a:rPr lang="en-US" b="1" i="1" smtClean="0">
+                          <a:latin typeface="Cambria Math" panose="02040503050406030204" pitchFamily="18" charset="0"/>
+                        </a:rPr>
+                        <m:t>𝟒</m:t>
+                      </m:r>
+                    </m:oMath>
+                  </m:oMathPara>
+                </a14:m>
+                <a:endParaRPr lang="en-US" b="1" dirty="0"/>
+              </a:p>
+            </p:txBody>
+          </p:sp>
+        </mc:Choice>
+        <mc:Fallback>
+          <p:sp>
+            <p:nvSpPr>
+              <p:cNvPr id="38" name="TextBox 37">
+                <a:extLst>
+                  <a:ext uri="{FF2B5EF4-FFF2-40B4-BE49-F238E27FC236}">
+                    <a16:creationId xmlns:a16="http://schemas.microsoft.com/office/drawing/2014/main" id="{8CB44C18-B349-3FAE-451B-92C6991F4D17}"/>
+                  </a:ext>
+                </a:extLst>
+              </p:cNvPr>
+              <p:cNvSpPr txBox="1">
+                <a:spLocks noRot="1" noChangeAspect="1" noMove="1" noResize="1" noEditPoints="1" noAdjustHandles="1" noChangeArrowheads="1" noChangeShapeType="1" noTextEdit="1"/>
+              </p:cNvSpPr>
+              <p:nvPr/>
+            </p:nvSpPr>
+            <p:spPr>
+              <a:xfrm>
+                <a:off x="1071020" y="3352025"/>
+                <a:ext cx="609600" cy="369332"/>
+              </a:xfrm>
+              <a:prstGeom prst="rect">
+                <a:avLst/>
+              </a:prstGeom>
+              <a:blipFill>
+                <a:blip r:embed="rId7"/>
+                <a:stretch>
+                  <a:fillRect/>
+                </a:stretch>
+              </a:blipFill>
+            </p:spPr>
+            <p:txBody>
+              <a:bodyPr/>
+              <a:lstStyle/>
+              <a:p>
+                <a:r>
+                  <a:rPr lang="en-US">
+                    <a:noFill/>
+                  </a:rPr>
+                  <a:t> </a:t>
+                </a:r>
+              </a:p>
+            </p:txBody>
+          </p:sp>
+        </mc:Fallback>
+      </mc:AlternateContent>
+      <mc:AlternateContent xmlns:mc="http://schemas.openxmlformats.org/markup-compatibility/2006">
+        <mc:Choice xmlns:a14="http://schemas.microsoft.com/office/drawing/2010/main" Requires="a14">
+          <p:sp>
+            <p:nvSpPr>
+              <p:cNvPr id="39" name="TextBox 38">
+                <a:extLst>
+                  <a:ext uri="{FF2B5EF4-FFF2-40B4-BE49-F238E27FC236}">
+                    <a16:creationId xmlns:a16="http://schemas.microsoft.com/office/drawing/2014/main" id="{95A72ADA-4BCE-894E-F2F8-412D7AF3277D}"/>
+                  </a:ext>
+                </a:extLst>
+              </p:cNvPr>
+              <p:cNvSpPr txBox="1"/>
+              <p:nvPr/>
+            </p:nvSpPr>
+            <p:spPr>
+              <a:xfrm>
+                <a:off x="1058031" y="2733211"/>
+                <a:ext cx="609600" cy="369332"/>
+              </a:xfrm>
+              <a:prstGeom prst="rect">
+                <a:avLst/>
+              </a:prstGeom>
+              <a:noFill/>
+            </p:spPr>
+            <p:txBody>
+              <a:bodyPr wrap="square" rtlCol="0">
+                <a:spAutoFit/>
+              </a:bodyPr>
+              <a:lstStyle/>
+              <a:p>
+                <a:pPr/>
+                <a14:m>
+                  <m:oMathPara xmlns:m="http://schemas.openxmlformats.org/officeDocument/2006/math">
+                    <m:oMathParaPr>
+                      <m:jc m:val="centerGroup"/>
+                    </m:oMathParaPr>
+                    <m:oMath xmlns:m="http://schemas.openxmlformats.org/officeDocument/2006/math">
+                      <m:r>
+                        <a:rPr lang="en-US" b="1" i="1" smtClean="0">
+                          <a:latin typeface="Cambria Math" panose="02040503050406030204" pitchFamily="18" charset="0"/>
+                        </a:rPr>
+                        <m:t>𝟓</m:t>
+                      </m:r>
+                    </m:oMath>
+                  </m:oMathPara>
+                </a14:m>
+                <a:endParaRPr lang="en-US" b="1" dirty="0"/>
+              </a:p>
+            </p:txBody>
+          </p:sp>
+        </mc:Choice>
+        <mc:Fallback>
+          <p:sp>
+            <p:nvSpPr>
+              <p:cNvPr id="39" name="TextBox 38">
+                <a:extLst>
+                  <a:ext uri="{FF2B5EF4-FFF2-40B4-BE49-F238E27FC236}">
+                    <a16:creationId xmlns:a16="http://schemas.microsoft.com/office/drawing/2014/main" id="{95A72ADA-4BCE-894E-F2F8-412D7AF3277D}"/>
+                  </a:ext>
+                </a:extLst>
+              </p:cNvPr>
+              <p:cNvSpPr txBox="1">
+                <a:spLocks noRot="1" noChangeAspect="1" noMove="1" noResize="1" noEditPoints="1" noAdjustHandles="1" noChangeArrowheads="1" noChangeShapeType="1" noTextEdit="1"/>
+              </p:cNvSpPr>
+              <p:nvPr/>
+            </p:nvSpPr>
+            <p:spPr>
+              <a:xfrm>
+                <a:off x="1058031" y="2733211"/>
+                <a:ext cx="609600" cy="369332"/>
+              </a:xfrm>
+              <a:prstGeom prst="rect">
+                <a:avLst/>
+              </a:prstGeom>
+              <a:blipFill>
+                <a:blip r:embed="rId8"/>
+                <a:stretch>
+                  <a:fillRect/>
+                </a:stretch>
+              </a:blipFill>
+            </p:spPr>
+            <p:txBody>
+              <a:bodyPr/>
+              <a:lstStyle/>
+              <a:p>
+                <a:r>
+                  <a:rPr lang="en-US">
+                    <a:noFill/>
+                  </a:rPr>
+                  <a:t> </a:t>
+                </a:r>
+              </a:p>
+            </p:txBody>
+          </p:sp>
+        </mc:Fallback>
+      </mc:AlternateContent>
+      <mc:AlternateContent xmlns:mc="http://schemas.openxmlformats.org/markup-compatibility/2006">
+        <mc:Choice xmlns:a14="http://schemas.microsoft.com/office/drawing/2010/main" Requires="a14">
+          <p:sp>
+            <p:nvSpPr>
+              <p:cNvPr id="47" name="TextBox 46">
+                <a:extLst>
+                  <a:ext uri="{FF2B5EF4-FFF2-40B4-BE49-F238E27FC236}">
+                    <a16:creationId xmlns:a16="http://schemas.microsoft.com/office/drawing/2014/main" id="{9A655DF4-5378-6FEF-0780-F146F660AD2E}"/>
+                  </a:ext>
+                </a:extLst>
+              </p:cNvPr>
+              <p:cNvSpPr txBox="1"/>
+              <p:nvPr/>
+            </p:nvSpPr>
+            <p:spPr>
+              <a:xfrm>
+                <a:off x="1063531" y="2157820"/>
+                <a:ext cx="609600" cy="369332"/>
+              </a:xfrm>
+              <a:prstGeom prst="rect">
+                <a:avLst/>
+              </a:prstGeom>
+              <a:noFill/>
+            </p:spPr>
+            <p:txBody>
+              <a:bodyPr wrap="square" rtlCol="0">
+                <a:spAutoFit/>
+              </a:bodyPr>
+              <a:lstStyle/>
+              <a:p>
+                <a:pPr/>
+                <a14:m>
+                  <m:oMathPara xmlns:m="http://schemas.openxmlformats.org/officeDocument/2006/math">
+                    <m:oMathParaPr>
+                      <m:jc m:val="centerGroup"/>
+                    </m:oMathParaPr>
+                    <m:oMath xmlns:m="http://schemas.openxmlformats.org/officeDocument/2006/math">
+                      <m:r>
+                        <a:rPr lang="en-US" b="1" i="1" smtClean="0">
+                          <a:latin typeface="Cambria Math" panose="02040503050406030204" pitchFamily="18" charset="0"/>
+                        </a:rPr>
+                        <m:t>𝟔</m:t>
+                      </m:r>
+                    </m:oMath>
+                  </m:oMathPara>
+                </a14:m>
+                <a:endParaRPr lang="en-US" b="1" dirty="0"/>
+              </a:p>
+            </p:txBody>
+          </p:sp>
+        </mc:Choice>
+        <mc:Fallback>
+          <p:sp>
+            <p:nvSpPr>
+              <p:cNvPr id="47" name="TextBox 46">
+                <a:extLst>
+                  <a:ext uri="{FF2B5EF4-FFF2-40B4-BE49-F238E27FC236}">
+                    <a16:creationId xmlns:a16="http://schemas.microsoft.com/office/drawing/2014/main" id="{9A655DF4-5378-6FEF-0780-F146F660AD2E}"/>
+                  </a:ext>
+                </a:extLst>
+              </p:cNvPr>
+              <p:cNvSpPr txBox="1">
+                <a:spLocks noRot="1" noChangeAspect="1" noMove="1" noResize="1" noEditPoints="1" noAdjustHandles="1" noChangeArrowheads="1" noChangeShapeType="1" noTextEdit="1"/>
+              </p:cNvSpPr>
+              <p:nvPr/>
+            </p:nvSpPr>
+            <p:spPr>
+              <a:xfrm>
+                <a:off x="1063531" y="2157820"/>
+                <a:ext cx="609600" cy="369332"/>
+              </a:xfrm>
+              <a:prstGeom prst="rect">
+                <a:avLst/>
+              </a:prstGeom>
+              <a:blipFill>
+                <a:blip r:embed="rId9"/>
+                <a:stretch>
+                  <a:fillRect/>
+                </a:stretch>
+              </a:blipFill>
+            </p:spPr>
+            <p:txBody>
+              <a:bodyPr/>
+              <a:lstStyle/>
+              <a:p>
+                <a:r>
+                  <a:rPr lang="en-US">
+                    <a:noFill/>
+                  </a:rPr>
+                  <a:t> </a:t>
+                </a:r>
+              </a:p>
+            </p:txBody>
+          </p:sp>
+        </mc:Fallback>
+      </mc:AlternateContent>
+      <mc:AlternateContent xmlns:mc="http://schemas.openxmlformats.org/markup-compatibility/2006">
+        <mc:Choice xmlns:a14="http://schemas.microsoft.com/office/drawing/2010/main" Requires="a14">
+          <p:sp>
+            <p:nvSpPr>
+              <p:cNvPr id="49" name="TextBox 48">
+                <a:extLst>
+                  <a:ext uri="{FF2B5EF4-FFF2-40B4-BE49-F238E27FC236}">
+                    <a16:creationId xmlns:a16="http://schemas.microsoft.com/office/drawing/2014/main" id="{5A05818F-F70B-B86A-54C6-6C8B1DA0FE58}"/>
+                  </a:ext>
+                </a:extLst>
+              </p:cNvPr>
+              <p:cNvSpPr txBox="1"/>
+              <p:nvPr/>
+            </p:nvSpPr>
+            <p:spPr>
+              <a:xfrm>
+                <a:off x="1055648" y="1584264"/>
+                <a:ext cx="609600" cy="369332"/>
+              </a:xfrm>
+              <a:prstGeom prst="rect">
+                <a:avLst/>
+              </a:prstGeom>
+              <a:noFill/>
+            </p:spPr>
+            <p:txBody>
+              <a:bodyPr wrap="square" rtlCol="0">
+                <a:spAutoFit/>
+              </a:bodyPr>
+              <a:lstStyle/>
+              <a:p>
+                <a:pPr/>
+                <a14:m>
+                  <m:oMathPara xmlns:m="http://schemas.openxmlformats.org/officeDocument/2006/math">
+                    <m:oMathParaPr>
+                      <m:jc m:val="centerGroup"/>
+                    </m:oMathParaPr>
+                    <m:oMath xmlns:m="http://schemas.openxmlformats.org/officeDocument/2006/math">
+                      <m:r>
+                        <a:rPr lang="en-US" b="1" i="1" smtClean="0">
+                          <a:latin typeface="Cambria Math" panose="02040503050406030204" pitchFamily="18" charset="0"/>
+                        </a:rPr>
+                        <m:t>𝟕</m:t>
+                      </m:r>
+                    </m:oMath>
+                  </m:oMathPara>
+                </a14:m>
+                <a:endParaRPr lang="en-US" b="1" dirty="0"/>
+              </a:p>
+            </p:txBody>
+          </p:sp>
+        </mc:Choice>
+        <mc:Fallback>
+          <p:sp>
+            <p:nvSpPr>
+              <p:cNvPr id="49" name="TextBox 48">
+                <a:extLst>
+                  <a:ext uri="{FF2B5EF4-FFF2-40B4-BE49-F238E27FC236}">
+                    <a16:creationId xmlns:a16="http://schemas.microsoft.com/office/drawing/2014/main" id="{5A05818F-F70B-B86A-54C6-6C8B1DA0FE58}"/>
+                  </a:ext>
+                </a:extLst>
+              </p:cNvPr>
+              <p:cNvSpPr txBox="1">
+                <a:spLocks noRot="1" noChangeAspect="1" noMove="1" noResize="1" noEditPoints="1" noAdjustHandles="1" noChangeArrowheads="1" noChangeShapeType="1" noTextEdit="1"/>
+              </p:cNvSpPr>
+              <p:nvPr/>
+            </p:nvSpPr>
+            <p:spPr>
+              <a:xfrm>
+                <a:off x="1055648" y="1584264"/>
+                <a:ext cx="609600" cy="369332"/>
+              </a:xfrm>
+              <a:prstGeom prst="rect">
+                <a:avLst/>
+              </a:prstGeom>
+              <a:blipFill>
+                <a:blip r:embed="rId10"/>
+                <a:stretch>
+                  <a:fillRect/>
+                </a:stretch>
+              </a:blipFill>
+            </p:spPr>
+            <p:txBody>
+              <a:bodyPr/>
+              <a:lstStyle/>
+              <a:p>
+                <a:r>
+                  <a:rPr lang="en-US">
+                    <a:noFill/>
+                  </a:rPr>
+                  <a:t> </a:t>
+                </a:r>
+              </a:p>
+            </p:txBody>
+          </p:sp>
+        </mc:Fallback>
+      </mc:AlternateContent>
+      <mc:AlternateContent xmlns:mc="http://schemas.openxmlformats.org/markup-compatibility/2006">
+        <mc:Choice xmlns:a14="http://schemas.microsoft.com/office/drawing/2010/main" Requires="a14">
+          <p:sp>
+            <p:nvSpPr>
+              <p:cNvPr id="127" name="TextBox 126">
+                <a:extLst>
+                  <a:ext uri="{FF2B5EF4-FFF2-40B4-BE49-F238E27FC236}">
+                    <a16:creationId xmlns:a16="http://schemas.microsoft.com/office/drawing/2014/main" id="{3D708AC9-2478-B614-6BC8-E29FAB63AC07}"/>
+                  </a:ext>
+                </a:extLst>
+              </p:cNvPr>
+              <p:cNvSpPr txBox="1"/>
+              <p:nvPr/>
+            </p:nvSpPr>
+            <p:spPr>
+              <a:xfrm>
+                <a:off x="2048107" y="5999429"/>
+                <a:ext cx="609600" cy="369332"/>
+              </a:xfrm>
+              <a:prstGeom prst="rect">
+                <a:avLst/>
+              </a:prstGeom>
+              <a:noFill/>
+            </p:spPr>
+            <p:txBody>
+              <a:bodyPr wrap="square" rtlCol="0">
+                <a:spAutoFit/>
+              </a:bodyPr>
+              <a:lstStyle/>
+              <a:p>
+                <a:pPr/>
+                <a14:m>
+                  <m:oMathPara xmlns:m="http://schemas.openxmlformats.org/officeDocument/2006/math">
+                    <m:oMathParaPr>
+                      <m:jc m:val="centerGroup"/>
+                    </m:oMathParaPr>
+                    <m:oMath xmlns:m="http://schemas.openxmlformats.org/officeDocument/2006/math">
+                      <m:r>
+                        <a:rPr lang="en-US" b="1" i="1" smtClean="0">
+                          <a:latin typeface="Cambria Math" panose="02040503050406030204" pitchFamily="18" charset="0"/>
+                        </a:rPr>
+                        <m:t>𝟏</m:t>
+                      </m:r>
+                    </m:oMath>
+                  </m:oMathPara>
+                </a14:m>
+                <a:endParaRPr lang="en-US" b="1" dirty="0"/>
+              </a:p>
+            </p:txBody>
+          </p:sp>
+        </mc:Choice>
+        <mc:Fallback>
+          <p:sp>
+            <p:nvSpPr>
+              <p:cNvPr id="127" name="TextBox 126">
+                <a:extLst>
+                  <a:ext uri="{FF2B5EF4-FFF2-40B4-BE49-F238E27FC236}">
+                    <a16:creationId xmlns:a16="http://schemas.microsoft.com/office/drawing/2014/main" id="{3D708AC9-2478-B614-6BC8-E29FAB63AC07}"/>
+                  </a:ext>
+                </a:extLst>
+              </p:cNvPr>
+              <p:cNvSpPr txBox="1">
+                <a:spLocks noRot="1" noChangeAspect="1" noMove="1" noResize="1" noEditPoints="1" noAdjustHandles="1" noChangeArrowheads="1" noChangeShapeType="1" noTextEdit="1"/>
+              </p:cNvSpPr>
+              <p:nvPr/>
+            </p:nvSpPr>
+            <p:spPr>
+              <a:xfrm>
+                <a:off x="2048107" y="5999429"/>
+                <a:ext cx="609600" cy="369332"/>
+              </a:xfrm>
+              <a:prstGeom prst="rect">
+                <a:avLst/>
+              </a:prstGeom>
+              <a:blipFill>
+                <a:blip r:embed="rId11"/>
+                <a:stretch>
+                  <a:fillRect/>
+                </a:stretch>
+              </a:blipFill>
+            </p:spPr>
+            <p:txBody>
+              <a:bodyPr/>
+              <a:lstStyle/>
+              <a:p>
+                <a:r>
+                  <a:rPr lang="en-US">
+                    <a:noFill/>
+                  </a:rPr>
+                  <a:t> </a:t>
+                </a:r>
+              </a:p>
+            </p:txBody>
+          </p:sp>
+        </mc:Fallback>
+      </mc:AlternateContent>
+      <mc:AlternateContent xmlns:mc="http://schemas.openxmlformats.org/markup-compatibility/2006">
+        <mc:Choice xmlns:a14="http://schemas.microsoft.com/office/drawing/2010/main" Requires="a14">
+          <p:sp>
+            <p:nvSpPr>
+              <p:cNvPr id="128" name="TextBox 127">
+                <a:extLst>
+                  <a:ext uri="{FF2B5EF4-FFF2-40B4-BE49-F238E27FC236}">
+                    <a16:creationId xmlns:a16="http://schemas.microsoft.com/office/drawing/2014/main" id="{BF13E850-0C4D-988E-46A0-82A34865D812}"/>
+                  </a:ext>
+                </a:extLst>
+              </p:cNvPr>
+              <p:cNvSpPr txBox="1"/>
+              <p:nvPr/>
+            </p:nvSpPr>
+            <p:spPr>
+              <a:xfrm>
+                <a:off x="2813999" y="5993073"/>
+                <a:ext cx="609600" cy="369332"/>
+              </a:xfrm>
+              <a:prstGeom prst="rect">
+                <a:avLst/>
+              </a:prstGeom>
+              <a:noFill/>
+            </p:spPr>
+            <p:txBody>
+              <a:bodyPr wrap="square" rtlCol="0">
+                <a:spAutoFit/>
+              </a:bodyPr>
+              <a:lstStyle/>
+              <a:p>
+                <a:pPr/>
+                <a14:m>
+                  <m:oMathPara xmlns:m="http://schemas.openxmlformats.org/officeDocument/2006/math">
+                    <m:oMathParaPr>
+                      <m:jc m:val="centerGroup"/>
+                    </m:oMathParaPr>
+                    <m:oMath xmlns:m="http://schemas.openxmlformats.org/officeDocument/2006/math">
+                      <m:r>
+                        <a:rPr lang="en-US" b="1" i="1" smtClean="0">
+                          <a:latin typeface="Cambria Math" panose="02040503050406030204" pitchFamily="18" charset="0"/>
+                        </a:rPr>
+                        <m:t>𝟐</m:t>
+                      </m:r>
+                    </m:oMath>
+                  </m:oMathPara>
+                </a14:m>
+                <a:endParaRPr lang="en-US" b="1" dirty="0"/>
+              </a:p>
+            </p:txBody>
+          </p:sp>
+        </mc:Choice>
+        <mc:Fallback>
+          <p:sp>
+            <p:nvSpPr>
+              <p:cNvPr id="128" name="TextBox 127">
+                <a:extLst>
+                  <a:ext uri="{FF2B5EF4-FFF2-40B4-BE49-F238E27FC236}">
+                    <a16:creationId xmlns:a16="http://schemas.microsoft.com/office/drawing/2014/main" id="{BF13E850-0C4D-988E-46A0-82A34865D812}"/>
+                  </a:ext>
+                </a:extLst>
+              </p:cNvPr>
+              <p:cNvSpPr txBox="1">
+                <a:spLocks noRot="1" noChangeAspect="1" noMove="1" noResize="1" noEditPoints="1" noAdjustHandles="1" noChangeArrowheads="1" noChangeShapeType="1" noTextEdit="1"/>
+              </p:cNvSpPr>
+              <p:nvPr/>
+            </p:nvSpPr>
+            <p:spPr>
+              <a:xfrm>
+                <a:off x="2813999" y="5993073"/>
+                <a:ext cx="609600" cy="369332"/>
+              </a:xfrm>
+              <a:prstGeom prst="rect">
+                <a:avLst/>
+              </a:prstGeom>
+              <a:blipFill>
+                <a:blip r:embed="rId12"/>
+                <a:stretch>
+                  <a:fillRect/>
+                </a:stretch>
+              </a:blipFill>
+            </p:spPr>
+            <p:txBody>
+              <a:bodyPr/>
+              <a:lstStyle/>
+              <a:p>
+                <a:r>
+                  <a:rPr lang="en-US">
+                    <a:noFill/>
+                  </a:rPr>
+                  <a:t> </a:t>
+                </a:r>
+              </a:p>
+            </p:txBody>
+          </p:sp>
+        </mc:Fallback>
+      </mc:AlternateContent>
+      <mc:AlternateContent xmlns:mc="http://schemas.openxmlformats.org/markup-compatibility/2006">
+        <mc:Choice xmlns:a14="http://schemas.microsoft.com/office/drawing/2010/main" Requires="a14">
+          <p:sp>
+            <p:nvSpPr>
+              <p:cNvPr id="129" name="TextBox 128">
+                <a:extLst>
+                  <a:ext uri="{FF2B5EF4-FFF2-40B4-BE49-F238E27FC236}">
+                    <a16:creationId xmlns:a16="http://schemas.microsoft.com/office/drawing/2014/main" id="{85F827C5-202C-4122-24F5-E96688285482}"/>
+                  </a:ext>
+                </a:extLst>
+              </p:cNvPr>
+              <p:cNvSpPr txBox="1"/>
+              <p:nvPr/>
+            </p:nvSpPr>
+            <p:spPr>
+              <a:xfrm>
+                <a:off x="3525468" y="6010169"/>
+                <a:ext cx="609600" cy="369332"/>
+              </a:xfrm>
+              <a:prstGeom prst="rect">
+                <a:avLst/>
+              </a:prstGeom>
+              <a:noFill/>
+            </p:spPr>
+            <p:txBody>
+              <a:bodyPr wrap="square" rtlCol="0">
+                <a:spAutoFit/>
+              </a:bodyPr>
+              <a:lstStyle/>
+              <a:p>
+                <a:pPr/>
+                <a14:m>
+                  <m:oMathPara xmlns:m="http://schemas.openxmlformats.org/officeDocument/2006/math">
+                    <m:oMathParaPr>
+                      <m:jc m:val="centerGroup"/>
+                    </m:oMathParaPr>
+                    <m:oMath xmlns:m="http://schemas.openxmlformats.org/officeDocument/2006/math">
+                      <m:r>
+                        <a:rPr lang="en-US" b="1" i="1" smtClean="0">
+                          <a:latin typeface="Cambria Math" panose="02040503050406030204" pitchFamily="18" charset="0"/>
+                        </a:rPr>
+                        <m:t>𝟑</m:t>
+                      </m:r>
+                    </m:oMath>
+                  </m:oMathPara>
+                </a14:m>
+                <a:endParaRPr lang="en-US" b="1" dirty="0"/>
+              </a:p>
+            </p:txBody>
+          </p:sp>
+        </mc:Choice>
+        <mc:Fallback>
+          <p:sp>
+            <p:nvSpPr>
+              <p:cNvPr id="129" name="TextBox 128">
+                <a:extLst>
+                  <a:ext uri="{FF2B5EF4-FFF2-40B4-BE49-F238E27FC236}">
+                    <a16:creationId xmlns:a16="http://schemas.microsoft.com/office/drawing/2014/main" id="{85F827C5-202C-4122-24F5-E96688285482}"/>
+                  </a:ext>
+                </a:extLst>
+              </p:cNvPr>
+              <p:cNvSpPr txBox="1">
+                <a:spLocks noRot="1" noChangeAspect="1" noMove="1" noResize="1" noEditPoints="1" noAdjustHandles="1" noChangeArrowheads="1" noChangeShapeType="1" noTextEdit="1"/>
+              </p:cNvSpPr>
+              <p:nvPr/>
+            </p:nvSpPr>
+            <p:spPr>
+              <a:xfrm>
+                <a:off x="3525468" y="6010169"/>
+                <a:ext cx="609600" cy="369332"/>
+              </a:xfrm>
+              <a:prstGeom prst="rect">
+                <a:avLst/>
+              </a:prstGeom>
+              <a:blipFill>
+                <a:blip r:embed="rId13"/>
+                <a:stretch>
+                  <a:fillRect/>
+                </a:stretch>
+              </a:blipFill>
+            </p:spPr>
+            <p:txBody>
+              <a:bodyPr/>
+              <a:lstStyle/>
+              <a:p>
+                <a:r>
+                  <a:rPr lang="en-US">
+                    <a:noFill/>
+                  </a:rPr>
+                  <a:t> </a:t>
+                </a:r>
+              </a:p>
+            </p:txBody>
+          </p:sp>
+        </mc:Fallback>
+      </mc:AlternateContent>
+      <mc:AlternateContent xmlns:mc="http://schemas.openxmlformats.org/markup-compatibility/2006">
+        <mc:Choice xmlns:a14="http://schemas.microsoft.com/office/drawing/2010/main" Requires="a14">
+          <p:sp>
+            <p:nvSpPr>
+              <p:cNvPr id="130" name="TextBox 129">
+                <a:extLst>
+                  <a:ext uri="{FF2B5EF4-FFF2-40B4-BE49-F238E27FC236}">
+                    <a16:creationId xmlns:a16="http://schemas.microsoft.com/office/drawing/2014/main" id="{85E9C17D-4CAF-DB22-8C55-114E25E912F2}"/>
+                  </a:ext>
+                </a:extLst>
+              </p:cNvPr>
+              <p:cNvSpPr txBox="1"/>
+              <p:nvPr/>
+            </p:nvSpPr>
+            <p:spPr>
+              <a:xfrm>
+                <a:off x="4257907" y="5996748"/>
+                <a:ext cx="609600" cy="369332"/>
+              </a:xfrm>
+              <a:prstGeom prst="rect">
+                <a:avLst/>
+              </a:prstGeom>
+              <a:noFill/>
+            </p:spPr>
+            <p:txBody>
+              <a:bodyPr wrap="square" rtlCol="0">
+                <a:spAutoFit/>
+              </a:bodyPr>
+              <a:lstStyle/>
+              <a:p>
+                <a:pPr/>
+                <a14:m>
+                  <m:oMathPara xmlns:m="http://schemas.openxmlformats.org/officeDocument/2006/math">
+                    <m:oMathParaPr>
+                      <m:jc m:val="centerGroup"/>
+                    </m:oMathParaPr>
+                    <m:oMath xmlns:m="http://schemas.openxmlformats.org/officeDocument/2006/math">
+                      <m:r>
+                        <a:rPr lang="en-US" b="1" i="1" smtClean="0">
+                          <a:latin typeface="Cambria Math" panose="02040503050406030204" pitchFamily="18" charset="0"/>
+                        </a:rPr>
+                        <m:t>𝟒</m:t>
+                      </m:r>
+                    </m:oMath>
+                  </m:oMathPara>
+                </a14:m>
+                <a:endParaRPr lang="en-US" b="1" dirty="0"/>
+              </a:p>
+            </p:txBody>
+          </p:sp>
+        </mc:Choice>
+        <mc:Fallback>
+          <p:sp>
+            <p:nvSpPr>
+              <p:cNvPr id="130" name="TextBox 129">
+                <a:extLst>
+                  <a:ext uri="{FF2B5EF4-FFF2-40B4-BE49-F238E27FC236}">
+                    <a16:creationId xmlns:a16="http://schemas.microsoft.com/office/drawing/2014/main" id="{85E9C17D-4CAF-DB22-8C55-114E25E912F2}"/>
+                  </a:ext>
+                </a:extLst>
+              </p:cNvPr>
+              <p:cNvSpPr txBox="1">
+                <a:spLocks noRot="1" noChangeAspect="1" noMove="1" noResize="1" noEditPoints="1" noAdjustHandles="1" noChangeArrowheads="1" noChangeShapeType="1" noTextEdit="1"/>
+              </p:cNvSpPr>
+              <p:nvPr/>
+            </p:nvSpPr>
+            <p:spPr>
+              <a:xfrm>
+                <a:off x="4257907" y="5996748"/>
+                <a:ext cx="609600" cy="369332"/>
+              </a:xfrm>
+              <a:prstGeom prst="rect">
+                <a:avLst/>
+              </a:prstGeom>
+              <a:blipFill>
+                <a:blip r:embed="rId14"/>
+                <a:stretch>
+                  <a:fillRect/>
+                </a:stretch>
+              </a:blipFill>
+            </p:spPr>
+            <p:txBody>
+              <a:bodyPr/>
+              <a:lstStyle/>
+              <a:p>
+                <a:r>
+                  <a:rPr lang="en-US">
+                    <a:noFill/>
+                  </a:rPr>
+                  <a:t> </a:t>
+                </a:r>
+              </a:p>
+            </p:txBody>
+          </p:sp>
+        </mc:Fallback>
+      </mc:AlternateContent>
+      <mc:AlternateContent xmlns:mc="http://schemas.openxmlformats.org/markup-compatibility/2006">
+        <mc:Choice xmlns:a14="http://schemas.microsoft.com/office/drawing/2010/main" Requires="a14">
+          <p:sp>
+            <p:nvSpPr>
+              <p:cNvPr id="131" name="TextBox 130">
+                <a:extLst>
+                  <a:ext uri="{FF2B5EF4-FFF2-40B4-BE49-F238E27FC236}">
+                    <a16:creationId xmlns:a16="http://schemas.microsoft.com/office/drawing/2014/main" id="{F2B63243-5DC3-E9EC-A0C6-644833459C0D}"/>
+                  </a:ext>
+                </a:extLst>
+              </p:cNvPr>
+              <p:cNvSpPr txBox="1"/>
+              <p:nvPr/>
+            </p:nvSpPr>
+            <p:spPr>
+              <a:xfrm>
+                <a:off x="4993888" y="5996016"/>
+                <a:ext cx="609600" cy="369332"/>
+              </a:xfrm>
+              <a:prstGeom prst="rect">
+                <a:avLst/>
+              </a:prstGeom>
+              <a:noFill/>
+            </p:spPr>
+            <p:txBody>
+              <a:bodyPr wrap="square" rtlCol="0">
+                <a:spAutoFit/>
+              </a:bodyPr>
+              <a:lstStyle/>
+              <a:p>
+                <a:pPr/>
+                <a14:m>
+                  <m:oMathPara xmlns:m="http://schemas.openxmlformats.org/officeDocument/2006/math">
+                    <m:oMathParaPr>
+                      <m:jc m:val="centerGroup"/>
+                    </m:oMathParaPr>
+                    <m:oMath xmlns:m="http://schemas.openxmlformats.org/officeDocument/2006/math">
+                      <m:r>
+                        <a:rPr lang="en-US" b="1" i="1" smtClean="0">
+                          <a:latin typeface="Cambria Math" panose="02040503050406030204" pitchFamily="18" charset="0"/>
+                        </a:rPr>
+                        <m:t>𝟓</m:t>
+                      </m:r>
+                    </m:oMath>
+                  </m:oMathPara>
+                </a14:m>
+                <a:endParaRPr lang="en-US" b="1" dirty="0"/>
+              </a:p>
+            </p:txBody>
+          </p:sp>
+        </mc:Choice>
+        <mc:Fallback>
+          <p:sp>
+            <p:nvSpPr>
+              <p:cNvPr id="131" name="TextBox 130">
+                <a:extLst>
+                  <a:ext uri="{FF2B5EF4-FFF2-40B4-BE49-F238E27FC236}">
+                    <a16:creationId xmlns:a16="http://schemas.microsoft.com/office/drawing/2014/main" id="{F2B63243-5DC3-E9EC-A0C6-644833459C0D}"/>
+                  </a:ext>
+                </a:extLst>
+              </p:cNvPr>
+              <p:cNvSpPr txBox="1">
+                <a:spLocks noRot="1" noChangeAspect="1" noMove="1" noResize="1" noEditPoints="1" noAdjustHandles="1" noChangeArrowheads="1" noChangeShapeType="1" noTextEdit="1"/>
+              </p:cNvSpPr>
+              <p:nvPr/>
+            </p:nvSpPr>
+            <p:spPr>
+              <a:xfrm>
+                <a:off x="4993888" y="5996016"/>
+                <a:ext cx="609600" cy="369332"/>
+              </a:xfrm>
+              <a:prstGeom prst="rect">
+                <a:avLst/>
+              </a:prstGeom>
+              <a:blipFill>
+                <a:blip r:embed="rId8"/>
+                <a:stretch>
+                  <a:fillRect/>
+                </a:stretch>
+              </a:blipFill>
+            </p:spPr>
+            <p:txBody>
+              <a:bodyPr/>
+              <a:lstStyle/>
+              <a:p>
+                <a:r>
+                  <a:rPr lang="en-US">
+                    <a:noFill/>
+                  </a:rPr>
+                  <a:t> </a:t>
+                </a:r>
+              </a:p>
+            </p:txBody>
+          </p:sp>
+        </mc:Fallback>
+      </mc:AlternateContent>
+      <mc:AlternateContent xmlns:mc="http://schemas.openxmlformats.org/markup-compatibility/2006">
+        <mc:Choice xmlns:a14="http://schemas.microsoft.com/office/drawing/2010/main" Requires="a14">
+          <p:sp>
+            <p:nvSpPr>
+              <p:cNvPr id="132" name="TextBox 131">
+                <a:extLst>
+                  <a:ext uri="{FF2B5EF4-FFF2-40B4-BE49-F238E27FC236}">
+                    <a16:creationId xmlns:a16="http://schemas.microsoft.com/office/drawing/2014/main" id="{A4A18F50-A535-2F88-CCD7-8A21F8A51336}"/>
+                  </a:ext>
+                </a:extLst>
+              </p:cNvPr>
+              <p:cNvSpPr txBox="1"/>
+              <p:nvPr/>
+            </p:nvSpPr>
+            <p:spPr>
+              <a:xfrm>
+                <a:off x="5748454" y="6006756"/>
+                <a:ext cx="609600" cy="369332"/>
+              </a:xfrm>
+              <a:prstGeom prst="rect">
+                <a:avLst/>
+              </a:prstGeom>
+              <a:noFill/>
+            </p:spPr>
+            <p:txBody>
+              <a:bodyPr wrap="square" rtlCol="0">
+                <a:spAutoFit/>
+              </a:bodyPr>
+              <a:lstStyle/>
+              <a:p>
+                <a:pPr/>
+                <a14:m>
+                  <m:oMathPara xmlns:m="http://schemas.openxmlformats.org/officeDocument/2006/math">
+                    <m:oMathParaPr>
+                      <m:jc m:val="centerGroup"/>
+                    </m:oMathParaPr>
+                    <m:oMath xmlns:m="http://schemas.openxmlformats.org/officeDocument/2006/math">
+                      <m:r>
+                        <a:rPr lang="en-US" b="1" i="1" smtClean="0">
+                          <a:latin typeface="Cambria Math" panose="02040503050406030204" pitchFamily="18" charset="0"/>
+                        </a:rPr>
+                        <m:t>𝟔</m:t>
+                      </m:r>
+                    </m:oMath>
+                  </m:oMathPara>
+                </a14:m>
+                <a:endParaRPr lang="en-US" b="1" dirty="0"/>
+              </a:p>
+            </p:txBody>
+          </p:sp>
+        </mc:Choice>
+        <mc:Fallback>
+          <p:sp>
+            <p:nvSpPr>
+              <p:cNvPr id="132" name="TextBox 131">
+                <a:extLst>
+                  <a:ext uri="{FF2B5EF4-FFF2-40B4-BE49-F238E27FC236}">
+                    <a16:creationId xmlns:a16="http://schemas.microsoft.com/office/drawing/2014/main" id="{A4A18F50-A535-2F88-CCD7-8A21F8A51336}"/>
+                  </a:ext>
+                </a:extLst>
+              </p:cNvPr>
+              <p:cNvSpPr txBox="1">
+                <a:spLocks noRot="1" noChangeAspect="1" noMove="1" noResize="1" noEditPoints="1" noAdjustHandles="1" noChangeArrowheads="1" noChangeShapeType="1" noTextEdit="1"/>
+              </p:cNvSpPr>
+              <p:nvPr/>
+            </p:nvSpPr>
+            <p:spPr>
+              <a:xfrm>
+                <a:off x="5748454" y="6006756"/>
+                <a:ext cx="609600" cy="369332"/>
+              </a:xfrm>
+              <a:prstGeom prst="rect">
+                <a:avLst/>
+              </a:prstGeom>
+              <a:blipFill>
+                <a:blip r:embed="rId9"/>
+                <a:stretch>
+                  <a:fillRect/>
+                </a:stretch>
+              </a:blipFill>
+            </p:spPr>
+            <p:txBody>
+              <a:bodyPr/>
+              <a:lstStyle/>
+              <a:p>
+                <a:r>
+                  <a:rPr lang="en-US">
+                    <a:noFill/>
+                  </a:rPr>
+                  <a:t> </a:t>
+                </a:r>
+              </a:p>
+            </p:txBody>
+          </p:sp>
+        </mc:Fallback>
+      </mc:AlternateContent>
+      <mc:AlternateContent xmlns:mc="http://schemas.openxmlformats.org/markup-compatibility/2006">
+        <mc:Choice xmlns:a14="http://schemas.microsoft.com/office/drawing/2010/main" Requires="a14">
+          <p:sp>
+            <p:nvSpPr>
+              <p:cNvPr id="133" name="TextBox 132">
+                <a:extLst>
+                  <a:ext uri="{FF2B5EF4-FFF2-40B4-BE49-F238E27FC236}">
+                    <a16:creationId xmlns:a16="http://schemas.microsoft.com/office/drawing/2014/main" id="{03E379AB-110C-359F-A0E6-138FCC68445E}"/>
+                  </a:ext>
+                </a:extLst>
+              </p:cNvPr>
+              <p:cNvSpPr txBox="1"/>
+              <p:nvPr/>
+            </p:nvSpPr>
+            <p:spPr>
+              <a:xfrm>
+                <a:off x="6517886" y="6016790"/>
+                <a:ext cx="609600" cy="369332"/>
+              </a:xfrm>
+              <a:prstGeom prst="rect">
+                <a:avLst/>
+              </a:prstGeom>
+              <a:noFill/>
+            </p:spPr>
+            <p:txBody>
+              <a:bodyPr wrap="square" rtlCol="0">
+                <a:spAutoFit/>
+              </a:bodyPr>
+              <a:lstStyle/>
+              <a:p>
+                <a:pPr/>
+                <a14:m>
+                  <m:oMathPara xmlns:m="http://schemas.openxmlformats.org/officeDocument/2006/math">
+                    <m:oMathParaPr>
+                      <m:jc m:val="centerGroup"/>
+                    </m:oMathParaPr>
+                    <m:oMath xmlns:m="http://schemas.openxmlformats.org/officeDocument/2006/math">
+                      <m:r>
+                        <a:rPr lang="en-US" b="1" i="1" smtClean="0">
+                          <a:latin typeface="Cambria Math" panose="02040503050406030204" pitchFamily="18" charset="0"/>
+                        </a:rPr>
+                        <m:t>𝟕</m:t>
+                      </m:r>
+                    </m:oMath>
+                  </m:oMathPara>
+                </a14:m>
+                <a:endParaRPr lang="en-US" b="1" dirty="0"/>
+              </a:p>
+            </p:txBody>
+          </p:sp>
+        </mc:Choice>
+        <mc:Fallback>
+          <p:sp>
+            <p:nvSpPr>
+              <p:cNvPr id="133" name="TextBox 132">
+                <a:extLst>
+                  <a:ext uri="{FF2B5EF4-FFF2-40B4-BE49-F238E27FC236}">
+                    <a16:creationId xmlns:a16="http://schemas.microsoft.com/office/drawing/2014/main" id="{03E379AB-110C-359F-A0E6-138FCC68445E}"/>
+                  </a:ext>
+                </a:extLst>
+              </p:cNvPr>
+              <p:cNvSpPr txBox="1">
+                <a:spLocks noRot="1" noChangeAspect="1" noMove="1" noResize="1" noEditPoints="1" noAdjustHandles="1" noChangeArrowheads="1" noChangeShapeType="1" noTextEdit="1"/>
+              </p:cNvSpPr>
+              <p:nvPr/>
+            </p:nvSpPr>
+            <p:spPr>
+              <a:xfrm>
+                <a:off x="6517886" y="6016790"/>
+                <a:ext cx="609600" cy="369332"/>
+              </a:xfrm>
+              <a:prstGeom prst="rect">
+                <a:avLst/>
+              </a:prstGeom>
+              <a:blipFill>
+                <a:blip r:embed="rId15"/>
+                <a:stretch>
+                  <a:fillRect/>
+                </a:stretch>
+              </a:blipFill>
+            </p:spPr>
+            <p:txBody>
+              <a:bodyPr/>
+              <a:lstStyle/>
+              <a:p>
+                <a:r>
+                  <a:rPr lang="en-US">
+                    <a:noFill/>
+                  </a:rPr>
+                  <a:t> </a:t>
+                </a:r>
+              </a:p>
+            </p:txBody>
+          </p:sp>
+        </mc:Fallback>
+      </mc:AlternateContent>
+      <mc:AlternateContent xmlns:mc="http://schemas.openxmlformats.org/markup-compatibility/2006">
+        <mc:Choice xmlns:a14="http://schemas.microsoft.com/office/drawing/2010/main" Requires="a14">
+          <p:sp>
+            <p:nvSpPr>
+              <p:cNvPr id="134" name="TextBox 133">
+                <a:extLst>
+                  <a:ext uri="{FF2B5EF4-FFF2-40B4-BE49-F238E27FC236}">
+                    <a16:creationId xmlns:a16="http://schemas.microsoft.com/office/drawing/2014/main" id="{5673DFC0-D2A2-3AFF-C44F-7CE975BC283E}"/>
+                  </a:ext>
+                </a:extLst>
+              </p:cNvPr>
+              <p:cNvSpPr txBox="1"/>
+              <p:nvPr/>
+            </p:nvSpPr>
+            <p:spPr>
+              <a:xfrm>
+                <a:off x="7258115" y="6016468"/>
+                <a:ext cx="609600" cy="369332"/>
+              </a:xfrm>
+              <a:prstGeom prst="rect">
+                <a:avLst/>
+              </a:prstGeom>
+              <a:noFill/>
+            </p:spPr>
+            <p:txBody>
+              <a:bodyPr wrap="square" rtlCol="0">
+                <a:spAutoFit/>
+              </a:bodyPr>
+              <a:lstStyle/>
+              <a:p>
+                <a:pPr/>
+                <a14:m>
+                  <m:oMathPara xmlns:m="http://schemas.openxmlformats.org/officeDocument/2006/math">
+                    <m:oMathParaPr>
+                      <m:jc m:val="centerGroup"/>
+                    </m:oMathParaPr>
+                    <m:oMath xmlns:m="http://schemas.openxmlformats.org/officeDocument/2006/math">
+                      <m:r>
+                        <a:rPr lang="en-US" b="1" i="1" smtClean="0">
+                          <a:latin typeface="Cambria Math" panose="02040503050406030204" pitchFamily="18" charset="0"/>
+                        </a:rPr>
+                        <m:t>𝟖</m:t>
+                      </m:r>
+                    </m:oMath>
+                  </m:oMathPara>
+                </a14:m>
+                <a:endParaRPr lang="en-US" b="1" dirty="0"/>
+              </a:p>
+            </p:txBody>
+          </p:sp>
+        </mc:Choice>
+        <mc:Fallback>
+          <p:sp>
+            <p:nvSpPr>
+              <p:cNvPr id="134" name="TextBox 133">
+                <a:extLst>
+                  <a:ext uri="{FF2B5EF4-FFF2-40B4-BE49-F238E27FC236}">
+                    <a16:creationId xmlns:a16="http://schemas.microsoft.com/office/drawing/2014/main" id="{5673DFC0-D2A2-3AFF-C44F-7CE975BC283E}"/>
+                  </a:ext>
+                </a:extLst>
+              </p:cNvPr>
+              <p:cNvSpPr txBox="1">
+                <a:spLocks noRot="1" noChangeAspect="1" noMove="1" noResize="1" noEditPoints="1" noAdjustHandles="1" noChangeArrowheads="1" noChangeShapeType="1" noTextEdit="1"/>
+              </p:cNvSpPr>
+              <p:nvPr/>
+            </p:nvSpPr>
+            <p:spPr>
+              <a:xfrm>
+                <a:off x="7258115" y="6016468"/>
+                <a:ext cx="609600" cy="369332"/>
+              </a:xfrm>
+              <a:prstGeom prst="rect">
+                <a:avLst/>
+              </a:prstGeom>
+              <a:blipFill>
+                <a:blip r:embed="rId16"/>
+                <a:stretch>
+                  <a:fillRect/>
+                </a:stretch>
+              </a:blipFill>
+            </p:spPr>
+            <p:txBody>
+              <a:bodyPr/>
+              <a:lstStyle/>
+              <a:p>
+                <a:r>
+                  <a:rPr lang="en-US">
+                    <a:noFill/>
+                  </a:rPr>
+                  <a:t> </a:t>
+                </a:r>
+              </a:p>
+            </p:txBody>
+          </p:sp>
+        </mc:Fallback>
+      </mc:AlternateContent>
+      <mc:AlternateContent xmlns:mc="http://schemas.openxmlformats.org/markup-compatibility/2006">
+        <mc:Choice xmlns:a14="http://schemas.microsoft.com/office/drawing/2010/main" Requires="a14">
+          <p:sp>
+            <p:nvSpPr>
+              <p:cNvPr id="140" name="TextBox 139">
+                <a:extLst>
+                  <a:ext uri="{FF2B5EF4-FFF2-40B4-BE49-F238E27FC236}">
+                    <a16:creationId xmlns:a16="http://schemas.microsoft.com/office/drawing/2014/main" id="{8452B90B-9A0A-7B8E-AFFE-C5972925F828}"/>
+                  </a:ext>
+                </a:extLst>
+              </p:cNvPr>
+              <p:cNvSpPr txBox="1"/>
+              <p:nvPr/>
+            </p:nvSpPr>
+            <p:spPr>
+              <a:xfrm>
+                <a:off x="7961971" y="6010169"/>
+                <a:ext cx="609600" cy="369332"/>
+              </a:xfrm>
+              <a:prstGeom prst="rect">
+                <a:avLst/>
+              </a:prstGeom>
+              <a:noFill/>
+            </p:spPr>
+            <p:txBody>
+              <a:bodyPr wrap="square" rtlCol="0">
+                <a:spAutoFit/>
+              </a:bodyPr>
+              <a:lstStyle/>
+              <a:p>
+                <a:pPr/>
+                <a14:m>
+                  <m:oMathPara xmlns:m="http://schemas.openxmlformats.org/officeDocument/2006/math">
+                    <m:oMathParaPr>
+                      <m:jc m:val="centerGroup"/>
+                    </m:oMathParaPr>
+                    <m:oMath xmlns:m="http://schemas.openxmlformats.org/officeDocument/2006/math">
+                      <m:r>
+                        <a:rPr lang="en-US" b="1" i="1" smtClean="0">
+                          <a:latin typeface="Cambria Math" panose="02040503050406030204" pitchFamily="18" charset="0"/>
+                        </a:rPr>
+                        <m:t>𝟗</m:t>
+                      </m:r>
+                    </m:oMath>
+                  </m:oMathPara>
+                </a14:m>
+                <a:endParaRPr lang="en-US" b="1" dirty="0"/>
+              </a:p>
+            </p:txBody>
+          </p:sp>
+        </mc:Choice>
+        <mc:Fallback>
+          <p:sp>
+            <p:nvSpPr>
+              <p:cNvPr id="140" name="TextBox 139">
+                <a:extLst>
+                  <a:ext uri="{FF2B5EF4-FFF2-40B4-BE49-F238E27FC236}">
+                    <a16:creationId xmlns:a16="http://schemas.microsoft.com/office/drawing/2014/main" id="{8452B90B-9A0A-7B8E-AFFE-C5972925F828}"/>
+                  </a:ext>
+                </a:extLst>
+              </p:cNvPr>
+              <p:cNvSpPr txBox="1">
+                <a:spLocks noRot="1" noChangeAspect="1" noMove="1" noResize="1" noEditPoints="1" noAdjustHandles="1" noChangeArrowheads="1" noChangeShapeType="1" noTextEdit="1"/>
+              </p:cNvSpPr>
+              <p:nvPr/>
+            </p:nvSpPr>
+            <p:spPr>
+              <a:xfrm>
+                <a:off x="7961971" y="6010169"/>
+                <a:ext cx="609600" cy="369332"/>
+              </a:xfrm>
+              <a:prstGeom prst="rect">
+                <a:avLst/>
+              </a:prstGeom>
+              <a:blipFill>
+                <a:blip r:embed="rId17"/>
+                <a:stretch>
+                  <a:fillRect/>
+                </a:stretch>
+              </a:blipFill>
+            </p:spPr>
+            <p:txBody>
+              <a:bodyPr/>
+              <a:lstStyle/>
+              <a:p>
+                <a:r>
+                  <a:rPr lang="en-US">
+                    <a:noFill/>
+                  </a:rPr>
+                  <a:t> </a:t>
+                </a:r>
+              </a:p>
+            </p:txBody>
+          </p:sp>
+        </mc:Fallback>
+      </mc:AlternateContent>
+      <mc:AlternateContent xmlns:mc="http://schemas.openxmlformats.org/markup-compatibility/2006">
+        <mc:Choice xmlns:a14="http://schemas.microsoft.com/office/drawing/2010/main" Requires="a14">
+          <p:sp>
+            <p:nvSpPr>
+              <p:cNvPr id="141" name="TextBox 140">
+                <a:extLst>
+                  <a:ext uri="{FF2B5EF4-FFF2-40B4-BE49-F238E27FC236}">
+                    <a16:creationId xmlns:a16="http://schemas.microsoft.com/office/drawing/2014/main" id="{F788C9EC-09EE-67E9-4E9E-C52B23C48B57}"/>
+                  </a:ext>
+                </a:extLst>
+              </p:cNvPr>
+              <p:cNvSpPr txBox="1"/>
+              <p:nvPr/>
+            </p:nvSpPr>
+            <p:spPr>
+              <a:xfrm>
+                <a:off x="8705385" y="6006756"/>
+                <a:ext cx="609600" cy="369332"/>
+              </a:xfrm>
+              <a:prstGeom prst="rect">
+                <a:avLst/>
+              </a:prstGeom>
+              <a:noFill/>
+            </p:spPr>
+            <p:txBody>
+              <a:bodyPr wrap="square" rtlCol="0">
+                <a:spAutoFit/>
+              </a:bodyPr>
+              <a:lstStyle/>
+              <a:p>
+                <a:pPr/>
+                <a14:m>
+                  <m:oMathPara xmlns:m="http://schemas.openxmlformats.org/officeDocument/2006/math">
+                    <m:oMathParaPr>
+                      <m:jc m:val="centerGroup"/>
+                    </m:oMathParaPr>
+                    <m:oMath xmlns:m="http://schemas.openxmlformats.org/officeDocument/2006/math">
+                      <m:r>
+                        <a:rPr lang="en-US" b="1" i="1" smtClean="0">
+                          <a:latin typeface="Cambria Math" panose="02040503050406030204" pitchFamily="18" charset="0"/>
+                        </a:rPr>
+                        <m:t>𝟏𝟎</m:t>
+                      </m:r>
+                    </m:oMath>
+                  </m:oMathPara>
+                </a14:m>
+                <a:endParaRPr lang="en-US" b="1" dirty="0"/>
+              </a:p>
+            </p:txBody>
+          </p:sp>
+        </mc:Choice>
+        <mc:Fallback>
+          <p:sp>
+            <p:nvSpPr>
+              <p:cNvPr id="141" name="TextBox 140">
+                <a:extLst>
+                  <a:ext uri="{FF2B5EF4-FFF2-40B4-BE49-F238E27FC236}">
+                    <a16:creationId xmlns:a16="http://schemas.microsoft.com/office/drawing/2014/main" id="{F788C9EC-09EE-67E9-4E9E-C52B23C48B57}"/>
+                  </a:ext>
+                </a:extLst>
+              </p:cNvPr>
+              <p:cNvSpPr txBox="1">
+                <a:spLocks noRot="1" noChangeAspect="1" noMove="1" noResize="1" noEditPoints="1" noAdjustHandles="1" noChangeArrowheads="1" noChangeShapeType="1" noTextEdit="1"/>
+              </p:cNvSpPr>
+              <p:nvPr/>
+            </p:nvSpPr>
+            <p:spPr>
+              <a:xfrm>
+                <a:off x="8705385" y="6006756"/>
+                <a:ext cx="609600" cy="369332"/>
+              </a:xfrm>
+              <a:prstGeom prst="rect">
+                <a:avLst/>
+              </a:prstGeom>
+              <a:blipFill>
+                <a:blip r:embed="rId18"/>
+                <a:stretch>
+                  <a:fillRect/>
+                </a:stretch>
+              </a:blipFill>
+            </p:spPr>
+            <p:txBody>
+              <a:bodyPr/>
+              <a:lstStyle/>
+              <a:p>
+                <a:r>
+                  <a:rPr lang="en-US">
+                    <a:noFill/>
+                  </a:rPr>
+                  <a:t> </a:t>
+                </a:r>
+              </a:p>
+            </p:txBody>
+          </p:sp>
+        </mc:Fallback>
+      </mc:AlternateContent>
+      <mc:AlternateContent xmlns:mc="http://schemas.openxmlformats.org/markup-compatibility/2006">
+        <mc:Choice xmlns:a14="http://schemas.microsoft.com/office/drawing/2010/main" Requires="a14">
+          <p:sp>
+            <p:nvSpPr>
+              <p:cNvPr id="142" name="TextBox 141">
+                <a:extLst>
+                  <a:ext uri="{FF2B5EF4-FFF2-40B4-BE49-F238E27FC236}">
+                    <a16:creationId xmlns:a16="http://schemas.microsoft.com/office/drawing/2014/main" id="{F4C56EE8-68E3-940D-77AE-E72837EF1F27}"/>
+                  </a:ext>
+                </a:extLst>
+              </p:cNvPr>
+              <p:cNvSpPr txBox="1"/>
+              <p:nvPr/>
+            </p:nvSpPr>
+            <p:spPr>
+              <a:xfrm>
+                <a:off x="8918232" y="5209214"/>
+                <a:ext cx="609600" cy="369332"/>
+              </a:xfrm>
+              <a:prstGeom prst="rect">
+                <a:avLst/>
+              </a:prstGeom>
+              <a:noFill/>
+            </p:spPr>
+            <p:txBody>
+              <a:bodyPr wrap="square" rtlCol="0">
+                <a:spAutoFit/>
+              </a:bodyPr>
+              <a:lstStyle/>
+              <a:p>
+                <a:pPr/>
+                <a14:m>
+                  <m:oMathPara xmlns:m="http://schemas.openxmlformats.org/officeDocument/2006/math">
+                    <m:oMathParaPr>
+                      <m:jc m:val="centerGroup"/>
+                    </m:oMathParaPr>
+                    <m:oMath xmlns:m="http://schemas.openxmlformats.org/officeDocument/2006/math">
+                      <m:r>
+                        <a:rPr lang="en-US" b="1" i="1" smtClean="0">
+                          <a:latin typeface="Cambria Math" panose="02040503050406030204" pitchFamily="18" charset="0"/>
+                        </a:rPr>
+                        <m:t>𝟑</m:t>
+                      </m:r>
+                    </m:oMath>
+                  </m:oMathPara>
+                </a14:m>
+                <a:endParaRPr lang="en-US" b="1" dirty="0"/>
+              </a:p>
+            </p:txBody>
+          </p:sp>
+        </mc:Choice>
+        <mc:Fallback>
+          <p:sp>
+            <p:nvSpPr>
+              <p:cNvPr id="142" name="TextBox 141">
+                <a:extLst>
+                  <a:ext uri="{FF2B5EF4-FFF2-40B4-BE49-F238E27FC236}">
+                    <a16:creationId xmlns:a16="http://schemas.microsoft.com/office/drawing/2014/main" id="{F4C56EE8-68E3-940D-77AE-E72837EF1F27}"/>
+                  </a:ext>
+                </a:extLst>
+              </p:cNvPr>
+              <p:cNvSpPr txBox="1">
+                <a:spLocks noRot="1" noChangeAspect="1" noMove="1" noResize="1" noEditPoints="1" noAdjustHandles="1" noChangeArrowheads="1" noChangeShapeType="1" noTextEdit="1"/>
+              </p:cNvSpPr>
+              <p:nvPr/>
+            </p:nvSpPr>
+            <p:spPr>
+              <a:xfrm>
+                <a:off x="8918232" y="5209214"/>
+                <a:ext cx="609600" cy="369332"/>
+              </a:xfrm>
+              <a:prstGeom prst="rect">
+                <a:avLst/>
+              </a:prstGeom>
+              <a:blipFill>
+                <a:blip r:embed="rId13"/>
+                <a:stretch>
+                  <a:fillRect/>
+                </a:stretch>
+              </a:blipFill>
+            </p:spPr>
+            <p:txBody>
+              <a:bodyPr/>
+              <a:lstStyle/>
+              <a:p>
+                <a:r>
+                  <a:rPr lang="en-US">
+                    <a:noFill/>
+                  </a:rPr>
+                  <a:t> </a:t>
+                </a:r>
+              </a:p>
+            </p:txBody>
+          </p:sp>
+        </mc:Fallback>
+      </mc:AlternateContent>
+      <mc:AlternateContent xmlns:mc="http://schemas.openxmlformats.org/markup-compatibility/2006">
+        <mc:Choice xmlns:a14="http://schemas.microsoft.com/office/drawing/2010/main" Requires="a14">
+          <p:sp>
+            <p:nvSpPr>
+              <p:cNvPr id="143" name="TextBox 142">
+                <a:extLst>
+                  <a:ext uri="{FF2B5EF4-FFF2-40B4-BE49-F238E27FC236}">
+                    <a16:creationId xmlns:a16="http://schemas.microsoft.com/office/drawing/2014/main" id="{C3E1D71E-A34A-6B8A-6272-BE4D66341B4A}"/>
+                  </a:ext>
+                </a:extLst>
+              </p:cNvPr>
+              <p:cNvSpPr txBox="1"/>
+              <p:nvPr/>
+            </p:nvSpPr>
+            <p:spPr>
+              <a:xfrm>
+                <a:off x="8913177" y="4589653"/>
+                <a:ext cx="609600" cy="369332"/>
+              </a:xfrm>
+              <a:prstGeom prst="rect">
+                <a:avLst/>
+              </a:prstGeom>
+              <a:noFill/>
+            </p:spPr>
+            <p:txBody>
+              <a:bodyPr wrap="square" rtlCol="0">
+                <a:spAutoFit/>
+              </a:bodyPr>
+              <a:lstStyle/>
+              <a:p>
+                <a:pPr/>
+                <a14:m>
+                  <m:oMathPara xmlns:m="http://schemas.openxmlformats.org/officeDocument/2006/math">
+                    <m:oMathParaPr>
+                      <m:jc m:val="centerGroup"/>
+                    </m:oMathParaPr>
+                    <m:oMath xmlns:m="http://schemas.openxmlformats.org/officeDocument/2006/math">
+                      <m:r>
+                        <a:rPr lang="en-US" b="1" i="1" smtClean="0">
+                          <a:latin typeface="Cambria Math" panose="02040503050406030204" pitchFamily="18" charset="0"/>
+                        </a:rPr>
+                        <m:t>𝟔</m:t>
+                      </m:r>
+                    </m:oMath>
+                  </m:oMathPara>
+                </a14:m>
+                <a:endParaRPr lang="en-US" b="1" dirty="0"/>
+              </a:p>
+            </p:txBody>
+          </p:sp>
+        </mc:Choice>
+        <mc:Fallback>
+          <p:sp>
+            <p:nvSpPr>
+              <p:cNvPr id="143" name="TextBox 142">
+                <a:extLst>
+                  <a:ext uri="{FF2B5EF4-FFF2-40B4-BE49-F238E27FC236}">
+                    <a16:creationId xmlns:a16="http://schemas.microsoft.com/office/drawing/2014/main" id="{C3E1D71E-A34A-6B8A-6272-BE4D66341B4A}"/>
+                  </a:ext>
+                </a:extLst>
+              </p:cNvPr>
+              <p:cNvSpPr txBox="1">
+                <a:spLocks noRot="1" noChangeAspect="1" noMove="1" noResize="1" noEditPoints="1" noAdjustHandles="1" noChangeArrowheads="1" noChangeShapeType="1" noTextEdit="1"/>
+              </p:cNvSpPr>
+              <p:nvPr/>
+            </p:nvSpPr>
+            <p:spPr>
+              <a:xfrm>
+                <a:off x="8913177" y="4589653"/>
+                <a:ext cx="609600" cy="369332"/>
+              </a:xfrm>
+              <a:prstGeom prst="rect">
+                <a:avLst/>
+              </a:prstGeom>
+              <a:blipFill>
+                <a:blip r:embed="rId19"/>
+                <a:stretch>
+                  <a:fillRect/>
+                </a:stretch>
+              </a:blipFill>
+            </p:spPr>
+            <p:txBody>
+              <a:bodyPr/>
+              <a:lstStyle/>
+              <a:p>
+                <a:r>
+                  <a:rPr lang="en-US">
+                    <a:noFill/>
+                  </a:rPr>
+                  <a:t> </a:t>
+                </a:r>
+              </a:p>
+            </p:txBody>
+          </p:sp>
+        </mc:Fallback>
+      </mc:AlternateContent>
+      <mc:AlternateContent xmlns:mc="http://schemas.openxmlformats.org/markup-compatibility/2006">
+        <mc:Choice xmlns:a14="http://schemas.microsoft.com/office/drawing/2010/main" Requires="a14">
+          <p:sp>
+            <p:nvSpPr>
+              <p:cNvPr id="144" name="TextBox 143">
+                <a:extLst>
+                  <a:ext uri="{FF2B5EF4-FFF2-40B4-BE49-F238E27FC236}">
+                    <a16:creationId xmlns:a16="http://schemas.microsoft.com/office/drawing/2014/main" id="{076453AA-F9C7-F83C-796F-337769791A70}"/>
+                  </a:ext>
+                </a:extLst>
+              </p:cNvPr>
+              <p:cNvSpPr txBox="1"/>
+              <p:nvPr/>
+            </p:nvSpPr>
+            <p:spPr>
+              <a:xfrm>
+                <a:off x="8928864" y="3970092"/>
+                <a:ext cx="609600" cy="369332"/>
+              </a:xfrm>
+              <a:prstGeom prst="rect">
+                <a:avLst/>
+              </a:prstGeom>
+              <a:noFill/>
+            </p:spPr>
+            <p:txBody>
+              <a:bodyPr wrap="square" rtlCol="0">
+                <a:spAutoFit/>
+              </a:bodyPr>
+              <a:lstStyle/>
+              <a:p>
+                <a:pPr/>
+                <a14:m>
+                  <m:oMathPara xmlns:m="http://schemas.openxmlformats.org/officeDocument/2006/math">
+                    <m:oMathParaPr>
+                      <m:jc m:val="centerGroup"/>
+                    </m:oMathParaPr>
+                    <m:oMath xmlns:m="http://schemas.openxmlformats.org/officeDocument/2006/math">
+                      <m:r>
+                        <a:rPr lang="en-US" b="1" i="1" smtClean="0">
+                          <a:latin typeface="Cambria Math" panose="02040503050406030204" pitchFamily="18" charset="0"/>
+                        </a:rPr>
+                        <m:t>𝟗</m:t>
+                      </m:r>
+                    </m:oMath>
+                  </m:oMathPara>
+                </a14:m>
+                <a:endParaRPr lang="en-US" b="1" dirty="0"/>
+              </a:p>
+            </p:txBody>
+          </p:sp>
+        </mc:Choice>
+        <mc:Fallback>
+          <p:sp>
+            <p:nvSpPr>
+              <p:cNvPr id="144" name="TextBox 143">
+                <a:extLst>
+                  <a:ext uri="{FF2B5EF4-FFF2-40B4-BE49-F238E27FC236}">
+                    <a16:creationId xmlns:a16="http://schemas.microsoft.com/office/drawing/2014/main" id="{076453AA-F9C7-F83C-796F-337769791A70}"/>
+                  </a:ext>
+                </a:extLst>
+              </p:cNvPr>
+              <p:cNvSpPr txBox="1">
+                <a:spLocks noRot="1" noChangeAspect="1" noMove="1" noResize="1" noEditPoints="1" noAdjustHandles="1" noChangeArrowheads="1" noChangeShapeType="1" noTextEdit="1"/>
+              </p:cNvSpPr>
+              <p:nvPr/>
+            </p:nvSpPr>
+            <p:spPr>
+              <a:xfrm>
+                <a:off x="8928864" y="3970092"/>
+                <a:ext cx="609600" cy="369332"/>
+              </a:xfrm>
+              <a:prstGeom prst="rect">
+                <a:avLst/>
+              </a:prstGeom>
+              <a:blipFill>
+                <a:blip r:embed="rId20"/>
+                <a:stretch>
+                  <a:fillRect/>
+                </a:stretch>
+              </a:blipFill>
+            </p:spPr>
+            <p:txBody>
+              <a:bodyPr/>
+              <a:lstStyle/>
+              <a:p>
+                <a:r>
+                  <a:rPr lang="en-US">
+                    <a:noFill/>
+                  </a:rPr>
+                  <a:t> </a:t>
+                </a:r>
+              </a:p>
+            </p:txBody>
+          </p:sp>
+        </mc:Fallback>
+      </mc:AlternateContent>
+      <mc:AlternateContent xmlns:mc="http://schemas.openxmlformats.org/markup-compatibility/2006">
+        <mc:Choice xmlns:a14="http://schemas.microsoft.com/office/drawing/2010/main" Requires="a14">
+          <p:sp>
+            <p:nvSpPr>
+              <p:cNvPr id="145" name="TextBox 144">
+                <a:extLst>
+                  <a:ext uri="{FF2B5EF4-FFF2-40B4-BE49-F238E27FC236}">
+                    <a16:creationId xmlns:a16="http://schemas.microsoft.com/office/drawing/2014/main" id="{47B066B2-619C-A5AD-218D-97370B03C6D4}"/>
+                  </a:ext>
+                </a:extLst>
+              </p:cNvPr>
+              <p:cNvSpPr txBox="1"/>
+              <p:nvPr/>
+            </p:nvSpPr>
+            <p:spPr>
+              <a:xfrm>
+                <a:off x="8926166" y="3352025"/>
+                <a:ext cx="609600" cy="369332"/>
+              </a:xfrm>
+              <a:prstGeom prst="rect">
+                <a:avLst/>
+              </a:prstGeom>
+              <a:noFill/>
+            </p:spPr>
+            <p:txBody>
+              <a:bodyPr wrap="square" rtlCol="0">
+                <a:spAutoFit/>
+              </a:bodyPr>
+              <a:lstStyle/>
+              <a:p>
+                <a:pPr/>
+                <a14:m>
+                  <m:oMathPara xmlns:m="http://schemas.openxmlformats.org/officeDocument/2006/math">
+                    <m:oMathParaPr>
+                      <m:jc m:val="centerGroup"/>
+                    </m:oMathParaPr>
+                    <m:oMath xmlns:m="http://schemas.openxmlformats.org/officeDocument/2006/math">
+                      <m:r>
+                        <a:rPr lang="en-US" b="1" i="1" smtClean="0">
+                          <a:latin typeface="Cambria Math" panose="02040503050406030204" pitchFamily="18" charset="0"/>
+                        </a:rPr>
+                        <m:t>𝟏𝟐</m:t>
+                      </m:r>
+                    </m:oMath>
+                  </m:oMathPara>
+                </a14:m>
+                <a:endParaRPr lang="en-US" b="1" dirty="0"/>
+              </a:p>
+            </p:txBody>
+          </p:sp>
+        </mc:Choice>
+        <mc:Fallback>
+          <p:sp>
+            <p:nvSpPr>
+              <p:cNvPr id="145" name="TextBox 144">
+                <a:extLst>
+                  <a:ext uri="{FF2B5EF4-FFF2-40B4-BE49-F238E27FC236}">
+                    <a16:creationId xmlns:a16="http://schemas.microsoft.com/office/drawing/2014/main" id="{47B066B2-619C-A5AD-218D-97370B03C6D4}"/>
+                  </a:ext>
+                </a:extLst>
+              </p:cNvPr>
+              <p:cNvSpPr txBox="1">
+                <a:spLocks noRot="1" noChangeAspect="1" noMove="1" noResize="1" noEditPoints="1" noAdjustHandles="1" noChangeArrowheads="1" noChangeShapeType="1" noTextEdit="1"/>
+              </p:cNvSpPr>
+              <p:nvPr/>
+            </p:nvSpPr>
+            <p:spPr>
+              <a:xfrm>
+                <a:off x="8926166" y="3352025"/>
+                <a:ext cx="609600" cy="369332"/>
+              </a:xfrm>
+              <a:prstGeom prst="rect">
+                <a:avLst/>
+              </a:prstGeom>
+              <a:blipFill>
+                <a:blip r:embed="rId21"/>
+                <a:stretch>
+                  <a:fillRect/>
+                </a:stretch>
+              </a:blipFill>
+            </p:spPr>
+            <p:txBody>
+              <a:bodyPr/>
+              <a:lstStyle/>
+              <a:p>
+                <a:r>
+                  <a:rPr lang="en-US">
+                    <a:noFill/>
+                  </a:rPr>
+                  <a:t> </a:t>
+                </a:r>
+              </a:p>
+            </p:txBody>
+          </p:sp>
+        </mc:Fallback>
+      </mc:AlternateContent>
+      <mc:AlternateContent xmlns:mc="http://schemas.openxmlformats.org/markup-compatibility/2006">
+        <mc:Choice xmlns:a14="http://schemas.microsoft.com/office/drawing/2010/main" Requires="a14">
+          <p:sp>
+            <p:nvSpPr>
+              <p:cNvPr id="146" name="TextBox 145">
+                <a:extLst>
+                  <a:ext uri="{FF2B5EF4-FFF2-40B4-BE49-F238E27FC236}">
+                    <a16:creationId xmlns:a16="http://schemas.microsoft.com/office/drawing/2014/main" id="{DC1446D1-A006-A65D-7598-D84E0700F376}"/>
+                  </a:ext>
+                </a:extLst>
+              </p:cNvPr>
+              <p:cNvSpPr txBox="1"/>
+              <p:nvPr/>
+            </p:nvSpPr>
+            <p:spPr>
+              <a:xfrm>
+                <a:off x="8913177" y="2733211"/>
+                <a:ext cx="609600" cy="369332"/>
+              </a:xfrm>
+              <a:prstGeom prst="rect">
+                <a:avLst/>
+              </a:prstGeom>
+              <a:noFill/>
+            </p:spPr>
+            <p:txBody>
+              <a:bodyPr wrap="square" rtlCol="0">
+                <a:spAutoFit/>
+              </a:bodyPr>
+              <a:lstStyle/>
+              <a:p>
+                <a:pPr/>
+                <a14:m>
+                  <m:oMathPara xmlns:m="http://schemas.openxmlformats.org/officeDocument/2006/math">
+                    <m:oMathParaPr>
+                      <m:jc m:val="centerGroup"/>
+                    </m:oMathParaPr>
+                    <m:oMath xmlns:m="http://schemas.openxmlformats.org/officeDocument/2006/math">
+                      <m:r>
+                        <a:rPr lang="en-US" b="1" i="1" smtClean="0">
+                          <a:latin typeface="Cambria Math" panose="02040503050406030204" pitchFamily="18" charset="0"/>
+                        </a:rPr>
+                        <m:t>𝟏𝟓</m:t>
+                      </m:r>
+                    </m:oMath>
+                  </m:oMathPara>
+                </a14:m>
+                <a:endParaRPr lang="en-US" b="1" dirty="0"/>
+              </a:p>
+            </p:txBody>
+          </p:sp>
+        </mc:Choice>
+        <mc:Fallback>
+          <p:sp>
+            <p:nvSpPr>
+              <p:cNvPr id="146" name="TextBox 145">
+                <a:extLst>
+                  <a:ext uri="{FF2B5EF4-FFF2-40B4-BE49-F238E27FC236}">
+                    <a16:creationId xmlns:a16="http://schemas.microsoft.com/office/drawing/2014/main" id="{DC1446D1-A006-A65D-7598-D84E0700F376}"/>
+                  </a:ext>
+                </a:extLst>
+              </p:cNvPr>
+              <p:cNvSpPr txBox="1">
+                <a:spLocks noRot="1" noChangeAspect="1" noMove="1" noResize="1" noEditPoints="1" noAdjustHandles="1" noChangeArrowheads="1" noChangeShapeType="1" noTextEdit="1"/>
+              </p:cNvSpPr>
+              <p:nvPr/>
+            </p:nvSpPr>
+            <p:spPr>
+              <a:xfrm>
+                <a:off x="8913177" y="2733211"/>
+                <a:ext cx="609600" cy="369332"/>
+              </a:xfrm>
+              <a:prstGeom prst="rect">
+                <a:avLst/>
+              </a:prstGeom>
+              <a:blipFill>
+                <a:blip r:embed="rId22"/>
+                <a:stretch>
+                  <a:fillRect/>
+                </a:stretch>
+              </a:blipFill>
+            </p:spPr>
+            <p:txBody>
+              <a:bodyPr/>
+              <a:lstStyle/>
+              <a:p>
+                <a:r>
+                  <a:rPr lang="en-US">
+                    <a:noFill/>
+                  </a:rPr>
+                  <a:t> </a:t>
+                </a:r>
+              </a:p>
+            </p:txBody>
+          </p:sp>
+        </mc:Fallback>
+      </mc:AlternateContent>
+      <mc:AlternateContent xmlns:mc="http://schemas.openxmlformats.org/markup-compatibility/2006">
+        <mc:Choice xmlns:a14="http://schemas.microsoft.com/office/drawing/2010/main" Requires="a14">
+          <p:sp>
+            <p:nvSpPr>
+              <p:cNvPr id="147" name="TextBox 146">
+                <a:extLst>
+                  <a:ext uri="{FF2B5EF4-FFF2-40B4-BE49-F238E27FC236}">
+                    <a16:creationId xmlns:a16="http://schemas.microsoft.com/office/drawing/2014/main" id="{AC71566C-46CB-5A1D-5946-B321F0015263}"/>
+                  </a:ext>
+                </a:extLst>
+              </p:cNvPr>
+              <p:cNvSpPr txBox="1"/>
+              <p:nvPr/>
+            </p:nvSpPr>
+            <p:spPr>
+              <a:xfrm>
+                <a:off x="8918677" y="2157820"/>
+                <a:ext cx="609600" cy="369332"/>
+              </a:xfrm>
+              <a:prstGeom prst="rect">
+                <a:avLst/>
+              </a:prstGeom>
+              <a:noFill/>
+            </p:spPr>
+            <p:txBody>
+              <a:bodyPr wrap="square" rtlCol="0">
+                <a:spAutoFit/>
+              </a:bodyPr>
+              <a:lstStyle/>
+              <a:p>
+                <a:pPr/>
+                <a14:m>
+                  <m:oMathPara xmlns:m="http://schemas.openxmlformats.org/officeDocument/2006/math">
+                    <m:oMathParaPr>
+                      <m:jc m:val="centerGroup"/>
+                    </m:oMathParaPr>
+                    <m:oMath xmlns:m="http://schemas.openxmlformats.org/officeDocument/2006/math">
+                      <m:r>
+                        <a:rPr lang="en-US" b="1" i="1" smtClean="0">
+                          <a:latin typeface="Cambria Math" panose="02040503050406030204" pitchFamily="18" charset="0"/>
+                        </a:rPr>
+                        <m:t>𝟏𝟖</m:t>
+                      </m:r>
+                    </m:oMath>
+                  </m:oMathPara>
+                </a14:m>
+                <a:endParaRPr lang="en-US" b="1" dirty="0"/>
+              </a:p>
+            </p:txBody>
+          </p:sp>
+        </mc:Choice>
+        <mc:Fallback>
+          <p:sp>
+            <p:nvSpPr>
+              <p:cNvPr id="147" name="TextBox 146">
+                <a:extLst>
+                  <a:ext uri="{FF2B5EF4-FFF2-40B4-BE49-F238E27FC236}">
+                    <a16:creationId xmlns:a16="http://schemas.microsoft.com/office/drawing/2014/main" id="{AC71566C-46CB-5A1D-5946-B321F0015263}"/>
+                  </a:ext>
+                </a:extLst>
+              </p:cNvPr>
+              <p:cNvSpPr txBox="1">
+                <a:spLocks noRot="1" noChangeAspect="1" noMove="1" noResize="1" noEditPoints="1" noAdjustHandles="1" noChangeArrowheads="1" noChangeShapeType="1" noTextEdit="1"/>
+              </p:cNvSpPr>
+              <p:nvPr/>
+            </p:nvSpPr>
+            <p:spPr>
+              <a:xfrm>
+                <a:off x="8918677" y="2157820"/>
+                <a:ext cx="609600" cy="369332"/>
+              </a:xfrm>
+              <a:prstGeom prst="rect">
+                <a:avLst/>
+              </a:prstGeom>
+              <a:blipFill>
+                <a:blip r:embed="rId23"/>
+                <a:stretch>
+                  <a:fillRect/>
+                </a:stretch>
+              </a:blipFill>
+            </p:spPr>
+            <p:txBody>
+              <a:bodyPr/>
+              <a:lstStyle/>
+              <a:p>
+                <a:r>
+                  <a:rPr lang="en-US">
+                    <a:noFill/>
+                  </a:rPr>
+                  <a:t> </a:t>
+                </a:r>
+              </a:p>
+            </p:txBody>
+          </p:sp>
+        </mc:Fallback>
+      </mc:AlternateContent>
+      <mc:AlternateContent xmlns:mc="http://schemas.openxmlformats.org/markup-compatibility/2006">
+        <mc:Choice xmlns:a14="http://schemas.microsoft.com/office/drawing/2010/main" Requires="a14">
+          <p:sp>
+            <p:nvSpPr>
+              <p:cNvPr id="148" name="TextBox 147">
+                <a:extLst>
+                  <a:ext uri="{FF2B5EF4-FFF2-40B4-BE49-F238E27FC236}">
+                    <a16:creationId xmlns:a16="http://schemas.microsoft.com/office/drawing/2014/main" id="{5F7CE6CC-252A-3D9E-A5FD-F4506A517D74}"/>
+                  </a:ext>
+                </a:extLst>
+              </p:cNvPr>
+              <p:cNvSpPr txBox="1"/>
+              <p:nvPr/>
+            </p:nvSpPr>
+            <p:spPr>
+              <a:xfrm>
+                <a:off x="8910794" y="1584264"/>
+                <a:ext cx="609600" cy="369332"/>
+              </a:xfrm>
+              <a:prstGeom prst="rect">
+                <a:avLst/>
+              </a:prstGeom>
+              <a:noFill/>
+            </p:spPr>
+            <p:txBody>
+              <a:bodyPr wrap="square" rtlCol="0">
+                <a:spAutoFit/>
+              </a:bodyPr>
+              <a:lstStyle/>
+              <a:p>
+                <a:pPr/>
+                <a14:m>
+                  <m:oMathPara xmlns:m="http://schemas.openxmlformats.org/officeDocument/2006/math">
+                    <m:oMathParaPr>
+                      <m:jc m:val="centerGroup"/>
+                    </m:oMathParaPr>
+                    <m:oMath xmlns:m="http://schemas.openxmlformats.org/officeDocument/2006/math">
+                      <m:r>
+                        <a:rPr lang="en-US" b="1" i="1" smtClean="0">
+                          <a:latin typeface="Cambria Math" panose="02040503050406030204" pitchFamily="18" charset="0"/>
+                        </a:rPr>
+                        <m:t>𝟐𝟏</m:t>
+                      </m:r>
+                    </m:oMath>
+                  </m:oMathPara>
+                </a14:m>
+                <a:endParaRPr lang="en-US" b="1" dirty="0"/>
+              </a:p>
+            </p:txBody>
+          </p:sp>
+        </mc:Choice>
+        <mc:Fallback>
+          <p:sp>
+            <p:nvSpPr>
+              <p:cNvPr id="148" name="TextBox 147">
+                <a:extLst>
+                  <a:ext uri="{FF2B5EF4-FFF2-40B4-BE49-F238E27FC236}">
+                    <a16:creationId xmlns:a16="http://schemas.microsoft.com/office/drawing/2014/main" id="{5F7CE6CC-252A-3D9E-A5FD-F4506A517D74}"/>
+                  </a:ext>
+                </a:extLst>
+              </p:cNvPr>
+              <p:cNvSpPr txBox="1">
+                <a:spLocks noRot="1" noChangeAspect="1" noMove="1" noResize="1" noEditPoints="1" noAdjustHandles="1" noChangeArrowheads="1" noChangeShapeType="1" noTextEdit="1"/>
+              </p:cNvSpPr>
+              <p:nvPr/>
+            </p:nvSpPr>
+            <p:spPr>
+              <a:xfrm>
+                <a:off x="8910794" y="1584264"/>
+                <a:ext cx="609600" cy="369332"/>
+              </a:xfrm>
+              <a:prstGeom prst="rect">
+                <a:avLst/>
+              </a:prstGeom>
+              <a:blipFill>
+                <a:blip r:embed="rId24"/>
+                <a:stretch>
+                  <a:fillRect/>
+                </a:stretch>
+              </a:blipFill>
+            </p:spPr>
+            <p:txBody>
+              <a:bodyPr/>
+              <a:lstStyle/>
+              <a:p>
+                <a:r>
+                  <a:rPr lang="en-US">
+                    <a:noFill/>
+                  </a:rPr>
+                  <a:t> </a:t>
+                </a:r>
+              </a:p>
+            </p:txBody>
+          </p:sp>
+        </mc:Fallback>
+      </mc:AlternateContent>
+    </p:spTree>
+    <p:extLst>
+      <p:ext uri="{BB962C8B-B14F-4D97-AF65-F5344CB8AC3E}">
+        <p14:creationId xmlns:p14="http://schemas.microsoft.com/office/powerpoint/2010/main" val="2231759243"/>
+      </p:ext>
+    </p:extLst>
+  </p:cSld>
+  <p:clrMapOvr>
+    <a:masterClrMapping/>
+  </p:clrMapOvr>
+</p:sld>
+</file>
+
+<file path=ppt/slides/slide27.xml><?xml version="1.0" encoding="utf-8"?>
+<p:sld xmlns:a="http://schemas.openxmlformats.org/drawingml/2006/main" xmlns:r="http://schemas.openxmlformats.org/officeDocument/2006/relationships" xmlns:p="http://schemas.openxmlformats.org/presentationml/2006/main">
+  <p:cSld>
+    <p:spTree>
+      <p:nvGrpSpPr>
+        <p:cNvPr id="1" name=""/>
+        <p:cNvGrpSpPr/>
+        <p:nvPr/>
+      </p:nvGrpSpPr>
+      <p:grpSpPr>
+        <a:xfrm>
+          <a:off x="0" y="0"/>
+          <a:ext cx="0" cy="0"/>
+          <a:chOff x="0" y="0"/>
+          <a:chExt cx="0" cy="0"/>
+        </a:xfrm>
+      </p:grpSpPr>
+      <p:grpSp>
+        <p:nvGrpSpPr>
+          <p:cNvPr id="2" name="Group 1">
+            <a:extLst>
+              <a:ext uri="{FF2B5EF4-FFF2-40B4-BE49-F238E27FC236}">
+                <a16:creationId xmlns:a16="http://schemas.microsoft.com/office/drawing/2014/main" id="{2CEF5762-EE7F-212F-C157-BD3B24712AFF}"/>
+              </a:ext>
+            </a:extLst>
+          </p:cNvPr>
+          <p:cNvGrpSpPr/>
+          <p:nvPr/>
+        </p:nvGrpSpPr>
+        <p:grpSpPr>
+          <a:xfrm>
+            <a:off x="1989060" y="834073"/>
+            <a:ext cx="9089136" cy="5189854"/>
+            <a:chOff x="1297684" y="804672"/>
+            <a:chExt cx="9089136" cy="5102352"/>
+          </a:xfrm>
+        </p:grpSpPr>
+        <p:cxnSp>
+          <p:nvCxnSpPr>
+            <p:cNvPr id="3" name="Straight Connector 2">
+              <a:extLst>
+                <a:ext uri="{FF2B5EF4-FFF2-40B4-BE49-F238E27FC236}">
+                  <a16:creationId xmlns:a16="http://schemas.microsoft.com/office/drawing/2014/main" id="{AE925242-61FD-6BEB-D489-7E3EE67E713D}"/>
+                </a:ext>
+              </a:extLst>
+            </p:cNvPr>
+            <p:cNvCxnSpPr/>
+            <p:nvPr/>
+          </p:nvCxnSpPr>
+          <p:spPr>
+            <a:xfrm>
+              <a:off x="1316736" y="804672"/>
+              <a:ext cx="0" cy="5102352"/>
+            </a:xfrm>
+            <a:prstGeom prst="line">
+              <a:avLst/>
+            </a:prstGeom>
+            <a:ln w="57150">
+              <a:solidFill>
+                <a:schemeClr val="tx1"/>
+              </a:solidFill>
+            </a:ln>
+          </p:spPr>
+          <p:style>
+            <a:lnRef idx="2">
+              <a:schemeClr val="accent1"/>
+            </a:lnRef>
+            <a:fillRef idx="0">
+              <a:schemeClr val="accent1"/>
+            </a:fillRef>
+            <a:effectRef idx="1">
+              <a:schemeClr val="accent1"/>
+            </a:effectRef>
+            <a:fontRef idx="minor">
+              <a:schemeClr val="tx1"/>
+            </a:fontRef>
+          </p:style>
+        </p:cxnSp>
+        <p:cxnSp>
+          <p:nvCxnSpPr>
+            <p:cNvPr id="4" name="Straight Connector 3">
+              <a:extLst>
+                <a:ext uri="{FF2B5EF4-FFF2-40B4-BE49-F238E27FC236}">
+                  <a16:creationId xmlns:a16="http://schemas.microsoft.com/office/drawing/2014/main" id="{ED3AABE5-1056-93C1-2E70-D901877102E2}"/>
+                </a:ext>
+              </a:extLst>
+            </p:cNvPr>
+            <p:cNvCxnSpPr>
+              <a:cxnSpLocks/>
+            </p:cNvCxnSpPr>
+            <p:nvPr/>
+          </p:nvCxnSpPr>
+          <p:spPr>
+            <a:xfrm flipH="1">
+              <a:off x="1297684" y="5879972"/>
+              <a:ext cx="9089136" cy="0"/>
+            </a:xfrm>
+            <a:prstGeom prst="line">
+              <a:avLst/>
+            </a:prstGeom>
+            <a:ln w="57150">
+              <a:solidFill>
+                <a:schemeClr val="tx1"/>
+              </a:solidFill>
+            </a:ln>
+          </p:spPr>
+          <p:style>
+            <a:lnRef idx="2">
+              <a:schemeClr val="accent1"/>
+            </a:lnRef>
+            <a:fillRef idx="0">
+              <a:schemeClr val="accent1"/>
+            </a:fillRef>
+            <a:effectRef idx="1">
+              <a:schemeClr val="accent1"/>
+            </a:effectRef>
+            <a:fontRef idx="minor">
+              <a:schemeClr val="tx1"/>
+            </a:fontRef>
+          </p:style>
+        </p:cxnSp>
+      </p:grpSp>
+      <p:cxnSp>
+        <p:nvCxnSpPr>
+          <p:cNvPr id="5" name="Straight Connector 4">
+            <a:extLst>
+              <a:ext uri="{FF2B5EF4-FFF2-40B4-BE49-F238E27FC236}">
+                <a16:creationId xmlns:a16="http://schemas.microsoft.com/office/drawing/2014/main" id="{D20CF8BE-6655-9901-FED3-C61201DCFAFC}"/>
+              </a:ext>
+            </a:extLst>
+          </p:cNvPr>
+          <p:cNvCxnSpPr>
+            <a:cxnSpLocks/>
+          </p:cNvCxnSpPr>
+          <p:nvPr/>
+        </p:nvCxnSpPr>
+        <p:spPr>
+          <a:xfrm flipH="1">
+            <a:off x="2008112" y="1434455"/>
+            <a:ext cx="8540942" cy="4561956"/>
+          </a:xfrm>
+          <a:prstGeom prst="line">
+            <a:avLst/>
+          </a:prstGeom>
+          <a:ln w="57150">
+            <a:solidFill>
+              <a:schemeClr val="accent2">
+                <a:lumMod val="75000"/>
+              </a:schemeClr>
+            </a:solidFill>
+          </a:ln>
+        </p:spPr>
+        <p:style>
+          <a:lnRef idx="2">
+            <a:schemeClr val="accent1"/>
+          </a:lnRef>
+          <a:fillRef idx="0">
+            <a:schemeClr val="accent1"/>
+          </a:fillRef>
+          <a:effectRef idx="1">
+            <a:schemeClr val="accent1"/>
+          </a:effectRef>
+          <a:fontRef idx="minor">
+            <a:schemeClr val="tx1"/>
+          </a:fontRef>
+        </p:style>
+      </p:cxnSp>
+      <p:cxnSp>
+        <p:nvCxnSpPr>
+          <p:cNvPr id="6" name="Straight Connector 5">
+            <a:extLst>
+              <a:ext uri="{FF2B5EF4-FFF2-40B4-BE49-F238E27FC236}">
+                <a16:creationId xmlns:a16="http://schemas.microsoft.com/office/drawing/2014/main" id="{8475308D-6C72-2387-6DFE-DAE6FFC2721C}"/>
+              </a:ext>
+            </a:extLst>
+          </p:cNvPr>
+          <p:cNvCxnSpPr>
+            <a:cxnSpLocks/>
+          </p:cNvCxnSpPr>
+          <p:nvPr/>
+        </p:nvCxnSpPr>
+        <p:spPr>
+          <a:xfrm>
+            <a:off x="2008112" y="1902806"/>
+            <a:ext cx="8663605" cy="3579541"/>
+          </a:xfrm>
+          <a:prstGeom prst="line">
+            <a:avLst/>
+          </a:prstGeom>
+          <a:ln w="57150">
+            <a:solidFill>
+              <a:schemeClr val="accent6">
+                <a:lumMod val="75000"/>
+              </a:schemeClr>
+            </a:solidFill>
+          </a:ln>
+        </p:spPr>
+        <p:style>
+          <a:lnRef idx="2">
+            <a:schemeClr val="accent1"/>
+          </a:lnRef>
+          <a:fillRef idx="0">
+            <a:schemeClr val="accent1"/>
+          </a:fillRef>
+          <a:effectRef idx="1">
+            <a:schemeClr val="accent1"/>
+          </a:effectRef>
+          <a:fontRef idx="minor">
+            <a:schemeClr val="tx1"/>
+          </a:fontRef>
+        </p:style>
+      </p:cxnSp>
+      <mc:AlternateContent xmlns:mc="http://schemas.openxmlformats.org/markup-compatibility/2006">
+        <mc:Choice xmlns:a14="http://schemas.microsoft.com/office/drawing/2010/main" Requires="a14">
+          <p:sp>
+            <p:nvSpPr>
+              <p:cNvPr id="10" name="TextBox 9">
+                <a:extLst>
+                  <a:ext uri="{FF2B5EF4-FFF2-40B4-BE49-F238E27FC236}">
+                    <a16:creationId xmlns:a16="http://schemas.microsoft.com/office/drawing/2014/main" id="{59014D18-CF48-90ED-492D-7BF73981D319}"/>
+                  </a:ext>
+                </a:extLst>
+              </p:cNvPr>
+              <p:cNvSpPr txBox="1"/>
+              <p:nvPr/>
+            </p:nvSpPr>
+            <p:spPr>
+              <a:xfrm>
+                <a:off x="10690769" y="5215864"/>
+                <a:ext cx="457859" cy="523220"/>
+              </a:xfrm>
+              <a:prstGeom prst="rect">
+                <a:avLst/>
+              </a:prstGeom>
+              <a:noFill/>
+              <a:ln>
+                <a:noFill/>
+              </a:ln>
+            </p:spPr>
+            <p:txBody>
+              <a:bodyPr wrap="square" rtlCol="0">
+                <a:spAutoFit/>
+              </a:bodyPr>
+              <a:lstStyle/>
+              <a:p>
+                <a:pPr/>
+                <a14:m>
+                  <m:oMathPara xmlns:m="http://schemas.openxmlformats.org/officeDocument/2006/math">
+                    <m:oMathParaPr>
+                      <m:jc m:val="centerGroup"/>
+                    </m:oMathParaPr>
+                    <m:oMath xmlns:m="http://schemas.openxmlformats.org/officeDocument/2006/math">
+                      <m:r>
+                        <a:rPr lang="en-US" sz="2800" b="1" i="1" smtClean="0">
+                          <a:solidFill>
+                            <a:schemeClr val="accent6">
+                              <a:lumMod val="75000"/>
+                            </a:schemeClr>
+                          </a:solidFill>
+                          <a:latin typeface="Cambria Math" panose="02040503050406030204" pitchFamily="18" charset="0"/>
+                        </a:rPr>
+                        <m:t>𝑫</m:t>
+                      </m:r>
+                    </m:oMath>
+                  </m:oMathPara>
+                </a14:m>
+                <a:endParaRPr lang="en-US" sz="2800" b="1" dirty="0">
+                  <a:solidFill>
+                    <a:schemeClr val="accent6">
+                      <a:lumMod val="75000"/>
+                    </a:schemeClr>
+                  </a:solidFill>
+                </a:endParaRPr>
+              </a:p>
+            </p:txBody>
+          </p:sp>
+        </mc:Choice>
+        <mc:Fallback>
+          <p:sp>
+            <p:nvSpPr>
+              <p:cNvPr id="10" name="TextBox 9">
+                <a:extLst>
+                  <a:ext uri="{FF2B5EF4-FFF2-40B4-BE49-F238E27FC236}">
+                    <a16:creationId xmlns:a16="http://schemas.microsoft.com/office/drawing/2014/main" id="{59014D18-CF48-90ED-492D-7BF73981D319}"/>
+                  </a:ext>
+                </a:extLst>
+              </p:cNvPr>
+              <p:cNvSpPr txBox="1">
+                <a:spLocks noRot="1" noChangeAspect="1" noMove="1" noResize="1" noEditPoints="1" noAdjustHandles="1" noChangeArrowheads="1" noChangeShapeType="1" noTextEdit="1"/>
+              </p:cNvSpPr>
+              <p:nvPr/>
+            </p:nvSpPr>
+            <p:spPr>
+              <a:xfrm>
+                <a:off x="10690769" y="5215864"/>
+                <a:ext cx="457859" cy="523220"/>
+              </a:xfrm>
+              <a:prstGeom prst="rect">
+                <a:avLst/>
+              </a:prstGeom>
+              <a:blipFill>
+                <a:blip r:embed="rId2"/>
+                <a:stretch>
+                  <a:fillRect l="-5405" r="-5405"/>
+                </a:stretch>
+              </a:blipFill>
+              <a:ln>
+                <a:noFill/>
+              </a:ln>
+            </p:spPr>
+            <p:txBody>
+              <a:bodyPr/>
+              <a:lstStyle/>
+              <a:p>
+                <a:r>
+                  <a:rPr lang="en-US">
+                    <a:noFill/>
+                  </a:rPr>
+                  <a:t> </a:t>
+                </a:r>
+              </a:p>
+            </p:txBody>
+          </p:sp>
+        </mc:Fallback>
+      </mc:AlternateContent>
+      <mc:AlternateContent xmlns:mc="http://schemas.openxmlformats.org/markup-compatibility/2006">
+        <mc:Choice xmlns:a14="http://schemas.microsoft.com/office/drawing/2010/main" Requires="a14">
+          <p:sp>
+            <p:nvSpPr>
+              <p:cNvPr id="11" name="TextBox 10">
+                <a:extLst>
+                  <a:ext uri="{FF2B5EF4-FFF2-40B4-BE49-F238E27FC236}">
+                    <a16:creationId xmlns:a16="http://schemas.microsoft.com/office/drawing/2014/main" id="{766ACE2B-BAF0-A0A7-908B-9707B8AAEEDE}"/>
+                  </a:ext>
+                </a:extLst>
+              </p:cNvPr>
+              <p:cNvSpPr txBox="1"/>
+              <p:nvPr/>
+            </p:nvSpPr>
+            <p:spPr>
+              <a:xfrm>
+                <a:off x="10565514" y="1122259"/>
+                <a:ext cx="457859" cy="523220"/>
+              </a:xfrm>
+              <a:prstGeom prst="rect">
+                <a:avLst/>
+              </a:prstGeom>
+              <a:noFill/>
+              <a:ln>
+                <a:noFill/>
+              </a:ln>
+            </p:spPr>
+            <p:txBody>
+              <a:bodyPr wrap="square" rtlCol="0">
+                <a:spAutoFit/>
+              </a:bodyPr>
+              <a:lstStyle/>
+              <a:p>
+                <a:pPr/>
+                <a14:m>
+                  <m:oMathPara xmlns:m="http://schemas.openxmlformats.org/officeDocument/2006/math">
+                    <m:oMathParaPr>
+                      <m:jc m:val="centerGroup"/>
+                    </m:oMathParaPr>
+                    <m:oMath xmlns:m="http://schemas.openxmlformats.org/officeDocument/2006/math">
+                      <m:r>
+                        <a:rPr lang="en-US" sz="2800" b="1" i="1" smtClean="0">
+                          <a:solidFill>
+                            <a:schemeClr val="accent2">
+                              <a:lumMod val="75000"/>
+                            </a:schemeClr>
+                          </a:solidFill>
+                          <a:latin typeface="Cambria Math" panose="02040503050406030204" pitchFamily="18" charset="0"/>
+                        </a:rPr>
+                        <m:t>𝑺</m:t>
+                      </m:r>
+                    </m:oMath>
+                  </m:oMathPara>
+                </a14:m>
+                <a:endParaRPr lang="en-US" sz="2800" b="1" dirty="0">
+                  <a:solidFill>
+                    <a:schemeClr val="accent2">
+                      <a:lumMod val="75000"/>
+                    </a:schemeClr>
+                  </a:solidFill>
+                </a:endParaRPr>
+              </a:p>
+            </p:txBody>
+          </p:sp>
+        </mc:Choice>
+        <mc:Fallback>
+          <p:sp>
+            <p:nvSpPr>
+              <p:cNvPr id="11" name="TextBox 10">
+                <a:extLst>
+                  <a:ext uri="{FF2B5EF4-FFF2-40B4-BE49-F238E27FC236}">
+                    <a16:creationId xmlns:a16="http://schemas.microsoft.com/office/drawing/2014/main" id="{766ACE2B-BAF0-A0A7-908B-9707B8AAEEDE}"/>
+                  </a:ext>
+                </a:extLst>
+              </p:cNvPr>
+              <p:cNvSpPr txBox="1">
+                <a:spLocks noRot="1" noChangeAspect="1" noMove="1" noResize="1" noEditPoints="1" noAdjustHandles="1" noChangeArrowheads="1" noChangeShapeType="1" noTextEdit="1"/>
+              </p:cNvSpPr>
+              <p:nvPr/>
+            </p:nvSpPr>
+            <p:spPr>
+              <a:xfrm>
+                <a:off x="10565514" y="1122259"/>
+                <a:ext cx="457859" cy="523220"/>
+              </a:xfrm>
+              <a:prstGeom prst="rect">
+                <a:avLst/>
+              </a:prstGeom>
+              <a:blipFill>
+                <a:blip r:embed="rId3"/>
+                <a:stretch>
+                  <a:fillRect/>
+                </a:stretch>
+              </a:blipFill>
+              <a:ln>
+                <a:noFill/>
+              </a:ln>
+            </p:spPr>
+            <p:txBody>
+              <a:bodyPr/>
+              <a:lstStyle/>
+              <a:p>
+                <a:r>
+                  <a:rPr lang="en-US">
+                    <a:noFill/>
+                  </a:rPr>
+                  <a:t> </a:t>
+                </a:r>
+              </a:p>
+            </p:txBody>
+          </p:sp>
+        </mc:Fallback>
+      </mc:AlternateContent>
+      <p:sp>
+        <p:nvSpPr>
+          <p:cNvPr id="12" name="TextBox 11">
+            <a:extLst>
+              <a:ext uri="{FF2B5EF4-FFF2-40B4-BE49-F238E27FC236}">
+                <a16:creationId xmlns:a16="http://schemas.microsoft.com/office/drawing/2014/main" id="{A6D578C5-539F-70B8-578C-1318C7D8CC07}"/>
+              </a:ext>
+            </a:extLst>
+          </p:cNvPr>
+          <p:cNvSpPr txBox="1"/>
+          <p:nvPr/>
+        </p:nvSpPr>
+        <p:spPr>
+          <a:xfrm rot="16200000">
+            <a:off x="1181037" y="1094783"/>
+            <a:ext cx="1092826" cy="523220"/>
+          </a:xfrm>
+          <a:prstGeom prst="rect">
+            <a:avLst/>
+          </a:prstGeom>
+          <a:noFill/>
+        </p:spPr>
+        <p:txBody>
+          <a:bodyPr wrap="square" rtlCol="0">
+            <a:spAutoFit/>
+          </a:bodyPr>
+          <a:lstStyle/>
+          <a:p>
+            <a:r>
+              <a:rPr lang="en-US" sz="2800" b="1" dirty="0"/>
+              <a:t>Price</a:t>
+            </a:r>
+          </a:p>
+        </p:txBody>
+      </p:sp>
+      <p:sp>
+        <p:nvSpPr>
+          <p:cNvPr id="13" name="TextBox 12">
+            <a:extLst>
+              <a:ext uri="{FF2B5EF4-FFF2-40B4-BE49-F238E27FC236}">
+                <a16:creationId xmlns:a16="http://schemas.microsoft.com/office/drawing/2014/main" id="{34967AE6-CDAF-5BBF-3FBF-2840F9EBA918}"/>
+              </a:ext>
+            </a:extLst>
+          </p:cNvPr>
+          <p:cNvSpPr txBox="1"/>
+          <p:nvPr/>
+        </p:nvSpPr>
+        <p:spPr>
+          <a:xfrm>
+            <a:off x="9302777" y="6023927"/>
+            <a:ext cx="1616921" cy="523220"/>
+          </a:xfrm>
+          <a:prstGeom prst="rect">
+            <a:avLst/>
+          </a:prstGeom>
+          <a:noFill/>
+        </p:spPr>
+        <p:txBody>
+          <a:bodyPr wrap="square" rtlCol="0">
+            <a:spAutoFit/>
+          </a:bodyPr>
+          <a:lstStyle/>
+          <a:p>
+            <a:r>
+              <a:rPr lang="en-US" sz="2800" b="1" dirty="0"/>
+              <a:t>Quantity</a:t>
+            </a:r>
+          </a:p>
+        </p:txBody>
+      </p:sp>
+      <p:cxnSp>
+        <p:nvCxnSpPr>
+          <p:cNvPr id="14" name="Straight Connector 13">
+            <a:extLst>
+              <a:ext uri="{FF2B5EF4-FFF2-40B4-BE49-F238E27FC236}">
+                <a16:creationId xmlns:a16="http://schemas.microsoft.com/office/drawing/2014/main" id="{30383445-75E9-1302-628D-A2C7375E572E}"/>
+              </a:ext>
+            </a:extLst>
+          </p:cNvPr>
+          <p:cNvCxnSpPr>
+            <a:cxnSpLocks/>
+          </p:cNvCxnSpPr>
+          <p:nvPr/>
+        </p:nvCxnSpPr>
+        <p:spPr>
+          <a:xfrm>
+            <a:off x="2008112" y="3692682"/>
+            <a:ext cx="4256318" cy="0"/>
+          </a:xfrm>
+          <a:prstGeom prst="line">
+            <a:avLst/>
+          </a:prstGeom>
+          <a:ln w="38100">
+            <a:prstDash val="dash"/>
+          </a:ln>
+        </p:spPr>
+        <p:style>
+          <a:lnRef idx="2">
+            <a:schemeClr val="accent1"/>
+          </a:lnRef>
+          <a:fillRef idx="0">
+            <a:schemeClr val="accent1"/>
+          </a:fillRef>
+          <a:effectRef idx="1">
+            <a:schemeClr val="accent1"/>
+          </a:effectRef>
+          <a:fontRef idx="minor">
+            <a:schemeClr val="tx1"/>
+          </a:fontRef>
+        </p:style>
+      </p:cxnSp>
+      <p:cxnSp>
+        <p:nvCxnSpPr>
+          <p:cNvPr id="16" name="Straight Connector 15">
+            <a:extLst>
+              <a:ext uri="{FF2B5EF4-FFF2-40B4-BE49-F238E27FC236}">
+                <a16:creationId xmlns:a16="http://schemas.microsoft.com/office/drawing/2014/main" id="{C08E1987-4FA1-7A09-EC0F-E819CE34AA0E}"/>
+              </a:ext>
+            </a:extLst>
+          </p:cNvPr>
+          <p:cNvCxnSpPr>
+            <a:cxnSpLocks/>
+          </p:cNvCxnSpPr>
+          <p:nvPr/>
+        </p:nvCxnSpPr>
+        <p:spPr>
+          <a:xfrm>
+            <a:off x="2008112" y="4703726"/>
+            <a:ext cx="6767898" cy="0"/>
+          </a:xfrm>
+          <a:prstGeom prst="line">
+            <a:avLst/>
+          </a:prstGeom>
+          <a:ln w="38100">
+            <a:prstDash val="dash"/>
+          </a:ln>
+        </p:spPr>
+        <p:style>
+          <a:lnRef idx="2">
+            <a:schemeClr val="accent1"/>
+          </a:lnRef>
+          <a:fillRef idx="0">
+            <a:schemeClr val="accent1"/>
+          </a:fillRef>
+          <a:effectRef idx="1">
+            <a:schemeClr val="accent1"/>
+          </a:effectRef>
+          <a:fontRef idx="minor">
+            <a:schemeClr val="tx1"/>
+          </a:fontRef>
+        </p:style>
+      </p:cxnSp>
+      <p:cxnSp>
+        <p:nvCxnSpPr>
+          <p:cNvPr id="18" name="Straight Connector 17">
+            <a:extLst>
+              <a:ext uri="{FF2B5EF4-FFF2-40B4-BE49-F238E27FC236}">
+                <a16:creationId xmlns:a16="http://schemas.microsoft.com/office/drawing/2014/main" id="{DB1FDA83-D743-0F7A-760F-F9E444AF9159}"/>
+              </a:ext>
+            </a:extLst>
+          </p:cNvPr>
+          <p:cNvCxnSpPr>
+            <a:cxnSpLocks/>
+          </p:cNvCxnSpPr>
+          <p:nvPr/>
+        </p:nvCxnSpPr>
+        <p:spPr>
+          <a:xfrm flipV="1">
+            <a:off x="6320187" y="3697896"/>
+            <a:ext cx="0" cy="2303729"/>
+          </a:xfrm>
+          <a:prstGeom prst="line">
+            <a:avLst/>
+          </a:prstGeom>
+          <a:ln w="38100">
+            <a:prstDash val="dash"/>
+          </a:ln>
+        </p:spPr>
+        <p:style>
+          <a:lnRef idx="2">
+            <a:schemeClr val="accent1"/>
+          </a:lnRef>
+          <a:fillRef idx="0">
+            <a:schemeClr val="accent1"/>
+          </a:fillRef>
+          <a:effectRef idx="1">
+            <a:schemeClr val="accent1"/>
+          </a:effectRef>
+          <a:fontRef idx="minor">
+            <a:schemeClr val="tx1"/>
+          </a:fontRef>
+        </p:style>
+      </p:cxnSp>
+      <p:cxnSp>
+        <p:nvCxnSpPr>
+          <p:cNvPr id="21" name="Straight Connector 20">
+            <a:extLst>
+              <a:ext uri="{FF2B5EF4-FFF2-40B4-BE49-F238E27FC236}">
+                <a16:creationId xmlns:a16="http://schemas.microsoft.com/office/drawing/2014/main" id="{93655E61-F961-CB77-7E1C-3009C74CC95B}"/>
+              </a:ext>
+            </a:extLst>
+          </p:cNvPr>
+          <p:cNvCxnSpPr>
+            <a:cxnSpLocks/>
+          </p:cNvCxnSpPr>
+          <p:nvPr/>
+        </p:nvCxnSpPr>
+        <p:spPr>
+          <a:xfrm flipV="1">
+            <a:off x="4398461" y="4703726"/>
+            <a:ext cx="0" cy="1320201"/>
+          </a:xfrm>
+          <a:prstGeom prst="line">
+            <a:avLst/>
+          </a:prstGeom>
+          <a:ln w="38100">
+            <a:prstDash val="dash"/>
+          </a:ln>
+        </p:spPr>
+        <p:style>
+          <a:lnRef idx="2">
+            <a:schemeClr val="accent1"/>
+          </a:lnRef>
+          <a:fillRef idx="0">
+            <a:schemeClr val="accent1"/>
+          </a:fillRef>
+          <a:effectRef idx="1">
+            <a:schemeClr val="accent1"/>
+          </a:effectRef>
+          <a:fontRef idx="minor">
+            <a:schemeClr val="tx1"/>
+          </a:fontRef>
+        </p:style>
+      </p:cxnSp>
+      <p:cxnSp>
+        <p:nvCxnSpPr>
+          <p:cNvPr id="23" name="Straight Connector 22">
+            <a:extLst>
+              <a:ext uri="{FF2B5EF4-FFF2-40B4-BE49-F238E27FC236}">
+                <a16:creationId xmlns:a16="http://schemas.microsoft.com/office/drawing/2014/main" id="{CFF4E5B2-4957-F00A-059D-F9976C57991C}"/>
+              </a:ext>
+            </a:extLst>
+          </p:cNvPr>
+          <p:cNvCxnSpPr>
+            <a:cxnSpLocks/>
+          </p:cNvCxnSpPr>
+          <p:nvPr/>
+        </p:nvCxnSpPr>
+        <p:spPr>
+          <a:xfrm flipV="1">
+            <a:off x="8776010" y="4676210"/>
+            <a:ext cx="0" cy="1320201"/>
+          </a:xfrm>
+          <a:prstGeom prst="line">
+            <a:avLst/>
+          </a:prstGeom>
+          <a:ln w="38100">
+            <a:prstDash val="dash"/>
+          </a:ln>
+        </p:spPr>
+        <p:style>
+          <a:lnRef idx="2">
+            <a:schemeClr val="accent1"/>
+          </a:lnRef>
+          <a:fillRef idx="0">
+            <a:schemeClr val="accent1"/>
+          </a:fillRef>
+          <a:effectRef idx="1">
+            <a:schemeClr val="accent1"/>
+          </a:effectRef>
+          <a:fontRef idx="minor">
+            <a:schemeClr val="tx1"/>
+          </a:fontRef>
+        </p:style>
+      </p:cxnSp>
+      <p:sp>
+        <p:nvSpPr>
+          <p:cNvPr id="24" name="Oval 23">
+            <a:extLst>
+              <a:ext uri="{FF2B5EF4-FFF2-40B4-BE49-F238E27FC236}">
+                <a16:creationId xmlns:a16="http://schemas.microsoft.com/office/drawing/2014/main" id="{71676896-A9C8-D134-BE1B-97E87D696630}"/>
+              </a:ext>
+            </a:extLst>
+          </p:cNvPr>
+          <p:cNvSpPr/>
+          <p:nvPr/>
+        </p:nvSpPr>
+        <p:spPr>
+          <a:xfrm>
+            <a:off x="4275386" y="4596836"/>
+            <a:ext cx="246150" cy="247711"/>
+          </a:xfrm>
+          <a:prstGeom prst="ellipse">
+            <a:avLst/>
+          </a:prstGeom>
+          <a:solidFill>
+            <a:srgbClr val="C00000"/>
+          </a:solidFill>
+          <a:ln>
+            <a:solidFill>
+              <a:schemeClr val="tx1"/>
+            </a:solidFill>
+          </a:ln>
+        </p:spPr>
+        <p:style>
+          <a:lnRef idx="2">
+            <a:schemeClr val="accent1">
+              <a:shade val="15000"/>
+            </a:schemeClr>
+          </a:lnRef>
+          <a:fillRef idx="1">
+            <a:schemeClr val="accent1"/>
+          </a:fillRef>
+          <a:effectRef idx="0">
+            <a:schemeClr val="accent1"/>
+          </a:effectRef>
+          <a:fontRef idx="minor">
+            <a:schemeClr val="lt1"/>
+          </a:fontRef>
+        </p:style>
+        <p:txBody>
+          <a:bodyPr rtlCol="0" anchor="ctr"/>
+          <a:lstStyle/>
+          <a:p>
+            <a:pPr algn="ctr"/>
+            <a:endParaRPr lang="en-US"/>
+          </a:p>
+        </p:txBody>
+      </p:sp>
+      <p:sp>
+        <p:nvSpPr>
+          <p:cNvPr id="25" name="Oval 24">
+            <a:extLst>
+              <a:ext uri="{FF2B5EF4-FFF2-40B4-BE49-F238E27FC236}">
+                <a16:creationId xmlns:a16="http://schemas.microsoft.com/office/drawing/2014/main" id="{7190BA93-F997-6497-BA1E-BB88A4968AD5}"/>
+              </a:ext>
+            </a:extLst>
+          </p:cNvPr>
+          <p:cNvSpPr/>
+          <p:nvPr/>
+        </p:nvSpPr>
+        <p:spPr>
+          <a:xfrm>
+            <a:off x="8652936" y="4547141"/>
+            <a:ext cx="246150" cy="247711"/>
+          </a:xfrm>
+          <a:prstGeom prst="ellipse">
+            <a:avLst/>
+          </a:prstGeom>
+          <a:solidFill>
+            <a:srgbClr val="C00000"/>
+          </a:solidFill>
+          <a:ln>
+            <a:solidFill>
+              <a:schemeClr val="tx1"/>
+            </a:solidFill>
+          </a:ln>
+        </p:spPr>
+        <p:style>
+          <a:lnRef idx="2">
+            <a:schemeClr val="accent1">
+              <a:shade val="15000"/>
+            </a:schemeClr>
+          </a:lnRef>
+          <a:fillRef idx="1">
+            <a:schemeClr val="accent1"/>
+          </a:fillRef>
+          <a:effectRef idx="0">
+            <a:schemeClr val="accent1"/>
+          </a:effectRef>
+          <a:fontRef idx="minor">
+            <a:schemeClr val="lt1"/>
+          </a:fontRef>
+        </p:style>
+        <p:txBody>
+          <a:bodyPr rtlCol="0" anchor="ctr"/>
+          <a:lstStyle/>
+          <a:p>
+            <a:pPr algn="ctr"/>
+            <a:endParaRPr lang="en-US"/>
+          </a:p>
+        </p:txBody>
+      </p:sp>
+      <mc:AlternateContent xmlns:mc="http://schemas.openxmlformats.org/markup-compatibility/2006">
+        <mc:Choice xmlns:a14="http://schemas.microsoft.com/office/drawing/2010/main" Requires="a14">
+          <p:sp>
+            <p:nvSpPr>
+              <p:cNvPr id="26" name="TextBox 25">
+                <a:extLst>
+                  <a:ext uri="{FF2B5EF4-FFF2-40B4-BE49-F238E27FC236}">
+                    <a16:creationId xmlns:a16="http://schemas.microsoft.com/office/drawing/2014/main" id="{03053BD7-2BBC-B271-8892-9D0FB89ADCC2}"/>
+                  </a:ext>
+                </a:extLst>
+              </p:cNvPr>
+              <p:cNvSpPr txBox="1"/>
+              <p:nvPr/>
+            </p:nvSpPr>
+            <p:spPr>
+              <a:xfrm>
+                <a:off x="4136271" y="6023927"/>
+                <a:ext cx="609600" cy="523220"/>
+              </a:xfrm>
+              <a:prstGeom prst="rect">
+                <a:avLst/>
+              </a:prstGeom>
+              <a:noFill/>
+            </p:spPr>
+            <p:txBody>
+              <a:bodyPr wrap="square" rtlCol="0">
+                <a:spAutoFit/>
+              </a:bodyPr>
+              <a:lstStyle/>
+              <a:p>
+                <a:pPr/>
+                <a14:m>
+                  <m:oMathPara xmlns:m="http://schemas.openxmlformats.org/officeDocument/2006/math">
+                    <m:oMathParaPr>
+                      <m:jc m:val="centerGroup"/>
+                    </m:oMathParaPr>
+                    <m:oMath xmlns:m="http://schemas.openxmlformats.org/officeDocument/2006/math">
+                      <m:sSubSup>
+                        <m:sSubSupPr>
+                          <m:ctrlPr>
+                            <a:rPr lang="en-US" sz="2800" b="1" i="1" smtClean="0">
+                              <a:latin typeface="Cambria Math" panose="02040503050406030204" pitchFamily="18" charset="0"/>
+                            </a:rPr>
+                          </m:ctrlPr>
+                        </m:sSubSupPr>
+                        <m:e>
+                          <m:r>
+                            <a:rPr lang="en-US" sz="2800" b="1" i="1" smtClean="0">
+                              <a:latin typeface="Cambria Math" panose="02040503050406030204" pitchFamily="18" charset="0"/>
+                            </a:rPr>
+                            <m:t>𝑸</m:t>
+                          </m:r>
+                        </m:e>
+                        <m:sub>
+                          <m:r>
+                            <a:rPr lang="en-US" sz="2800" b="1" i="1" smtClean="0">
+                              <a:latin typeface="Cambria Math" panose="02040503050406030204" pitchFamily="18" charset="0"/>
+                            </a:rPr>
+                            <m:t>𝑺</m:t>
+                          </m:r>
+                        </m:sub>
+                        <m:sup>
+                          <m:r>
+                            <a:rPr lang="en-US" sz="2800" b="1" i="1" smtClean="0">
+                              <a:latin typeface="Cambria Math" panose="02040503050406030204" pitchFamily="18" charset="0"/>
+                            </a:rPr>
+                            <m:t> </m:t>
+                          </m:r>
+                        </m:sup>
+                      </m:sSubSup>
+                    </m:oMath>
+                  </m:oMathPara>
+                </a14:m>
+                <a:endParaRPr lang="en-US" sz="2800" b="1" dirty="0"/>
+              </a:p>
+            </p:txBody>
+          </p:sp>
+        </mc:Choice>
+        <mc:Fallback>
+          <p:sp>
+            <p:nvSpPr>
+              <p:cNvPr id="26" name="TextBox 25">
+                <a:extLst>
+                  <a:ext uri="{FF2B5EF4-FFF2-40B4-BE49-F238E27FC236}">
+                    <a16:creationId xmlns:a16="http://schemas.microsoft.com/office/drawing/2014/main" id="{03053BD7-2BBC-B271-8892-9D0FB89ADCC2}"/>
+                  </a:ext>
+                </a:extLst>
+              </p:cNvPr>
+              <p:cNvSpPr txBox="1">
+                <a:spLocks noRot="1" noChangeAspect="1" noMove="1" noResize="1" noEditPoints="1" noAdjustHandles="1" noChangeArrowheads="1" noChangeShapeType="1" noTextEdit="1"/>
+              </p:cNvSpPr>
+              <p:nvPr/>
+            </p:nvSpPr>
+            <p:spPr>
+              <a:xfrm>
+                <a:off x="4136271" y="6023927"/>
+                <a:ext cx="609600" cy="523220"/>
+              </a:xfrm>
+              <a:prstGeom prst="rect">
+                <a:avLst/>
+              </a:prstGeom>
+              <a:blipFill>
+                <a:blip r:embed="rId4"/>
+                <a:stretch>
+                  <a:fillRect l="-10204" t="-7143" b="-14286"/>
+                </a:stretch>
+              </a:blipFill>
+            </p:spPr>
+            <p:txBody>
+              <a:bodyPr/>
+              <a:lstStyle/>
+              <a:p>
+                <a:r>
+                  <a:rPr lang="en-US">
+                    <a:noFill/>
+                  </a:rPr>
+                  <a:t> </a:t>
+                </a:r>
+              </a:p>
+            </p:txBody>
+          </p:sp>
+        </mc:Fallback>
+      </mc:AlternateContent>
+      <mc:AlternateContent xmlns:mc="http://schemas.openxmlformats.org/markup-compatibility/2006">
+        <mc:Choice xmlns:a14="http://schemas.microsoft.com/office/drawing/2010/main" Requires="a14">
+          <p:sp>
+            <p:nvSpPr>
+              <p:cNvPr id="27" name="TextBox 26">
+                <a:extLst>
+                  <a:ext uri="{FF2B5EF4-FFF2-40B4-BE49-F238E27FC236}">
+                    <a16:creationId xmlns:a16="http://schemas.microsoft.com/office/drawing/2014/main" id="{13F43506-FE6D-7439-F634-F0C73AA9E25F}"/>
+                  </a:ext>
+                </a:extLst>
+              </p:cNvPr>
+              <p:cNvSpPr txBox="1"/>
+              <p:nvPr/>
+            </p:nvSpPr>
+            <p:spPr>
+              <a:xfrm>
+                <a:off x="8524083" y="6023927"/>
+                <a:ext cx="609600" cy="532646"/>
+              </a:xfrm>
+              <a:prstGeom prst="rect">
+                <a:avLst/>
+              </a:prstGeom>
+              <a:noFill/>
+            </p:spPr>
+            <p:txBody>
+              <a:bodyPr wrap="square" rtlCol="0">
+                <a:spAutoFit/>
+              </a:bodyPr>
+              <a:lstStyle/>
+              <a:p>
+                <a:pPr/>
+                <a14:m>
+                  <m:oMathPara xmlns:m="http://schemas.openxmlformats.org/officeDocument/2006/math">
+                    <m:oMathParaPr>
+                      <m:jc m:val="centerGroup"/>
+                    </m:oMathParaPr>
+                    <m:oMath xmlns:m="http://schemas.openxmlformats.org/officeDocument/2006/math">
+                      <m:sSubSup>
+                        <m:sSubSupPr>
+                          <m:ctrlPr>
+                            <a:rPr lang="en-US" sz="2800" b="1" i="1" smtClean="0">
+                              <a:latin typeface="Cambria Math" panose="02040503050406030204" pitchFamily="18" charset="0"/>
+                            </a:rPr>
+                          </m:ctrlPr>
+                        </m:sSubSupPr>
+                        <m:e>
+                          <m:r>
+                            <a:rPr lang="en-US" sz="2800" b="1" i="1" smtClean="0">
+                              <a:latin typeface="Cambria Math" panose="02040503050406030204" pitchFamily="18" charset="0"/>
+                            </a:rPr>
+                            <m:t>𝑸</m:t>
+                          </m:r>
+                        </m:e>
+                        <m:sub>
+                          <m:r>
+                            <a:rPr lang="en-US" sz="2800" b="1" i="1" smtClean="0">
+                              <a:latin typeface="Cambria Math" panose="02040503050406030204" pitchFamily="18" charset="0"/>
+                            </a:rPr>
+                            <m:t>𝑫</m:t>
+                          </m:r>
+                        </m:sub>
+                        <m:sup>
+                          <m:r>
+                            <a:rPr lang="en-US" sz="2800" b="1" i="1" smtClean="0">
+                              <a:latin typeface="Cambria Math" panose="02040503050406030204" pitchFamily="18" charset="0"/>
+                            </a:rPr>
+                            <m:t> </m:t>
+                          </m:r>
+                        </m:sup>
+                      </m:sSubSup>
+                    </m:oMath>
+                  </m:oMathPara>
+                </a14:m>
+                <a:endParaRPr lang="en-US" sz="2800" b="1" dirty="0"/>
+              </a:p>
+            </p:txBody>
+          </p:sp>
+        </mc:Choice>
+        <mc:Fallback>
+          <p:sp>
+            <p:nvSpPr>
+              <p:cNvPr id="27" name="TextBox 26">
+                <a:extLst>
+                  <a:ext uri="{FF2B5EF4-FFF2-40B4-BE49-F238E27FC236}">
+                    <a16:creationId xmlns:a16="http://schemas.microsoft.com/office/drawing/2014/main" id="{13F43506-FE6D-7439-F634-F0C73AA9E25F}"/>
+                  </a:ext>
+                </a:extLst>
+              </p:cNvPr>
+              <p:cNvSpPr txBox="1">
+                <a:spLocks noRot="1" noChangeAspect="1" noMove="1" noResize="1" noEditPoints="1" noAdjustHandles="1" noChangeArrowheads="1" noChangeShapeType="1" noTextEdit="1"/>
+              </p:cNvSpPr>
+              <p:nvPr/>
+            </p:nvSpPr>
+            <p:spPr>
+              <a:xfrm>
+                <a:off x="8524083" y="6023927"/>
+                <a:ext cx="609600" cy="532646"/>
+              </a:xfrm>
+              <a:prstGeom prst="rect">
+                <a:avLst/>
+              </a:prstGeom>
+              <a:blipFill>
+                <a:blip r:embed="rId5"/>
+                <a:stretch>
+                  <a:fillRect l="-10204" t="-6977" r="-2041" b="-11628"/>
+                </a:stretch>
+              </a:blipFill>
+            </p:spPr>
+            <p:txBody>
+              <a:bodyPr/>
+              <a:lstStyle/>
+              <a:p>
+                <a:r>
+                  <a:rPr lang="en-US">
+                    <a:noFill/>
+                  </a:rPr>
+                  <a:t> </a:t>
+                </a:r>
+              </a:p>
+            </p:txBody>
+          </p:sp>
+        </mc:Fallback>
+      </mc:AlternateContent>
+      <mc:AlternateContent xmlns:mc="http://schemas.openxmlformats.org/markup-compatibility/2006">
+        <mc:Choice xmlns:a14="http://schemas.microsoft.com/office/drawing/2010/main" Requires="a14">
+          <p:sp>
+            <p:nvSpPr>
+              <p:cNvPr id="28" name="TextBox 27">
+                <a:extLst>
+                  <a:ext uri="{FF2B5EF4-FFF2-40B4-BE49-F238E27FC236}">
+                    <a16:creationId xmlns:a16="http://schemas.microsoft.com/office/drawing/2014/main" id="{C36CD908-54CB-8EE5-D893-4442AEC237C4}"/>
+                  </a:ext>
+                </a:extLst>
+              </p:cNvPr>
+              <p:cNvSpPr txBox="1"/>
+              <p:nvPr/>
+            </p:nvSpPr>
+            <p:spPr>
+              <a:xfrm>
+                <a:off x="311504" y="4459081"/>
+                <a:ext cx="1677556" cy="523220"/>
+              </a:xfrm>
+              <a:prstGeom prst="rect">
+                <a:avLst/>
+              </a:prstGeom>
+              <a:noFill/>
+            </p:spPr>
+            <p:txBody>
+              <a:bodyPr wrap="square" rtlCol="0">
+                <a:spAutoFit/>
+              </a:bodyPr>
+              <a:lstStyle/>
+              <a:p>
+                <a:pPr/>
+                <a14:m>
+                  <m:oMathPara xmlns:m="http://schemas.openxmlformats.org/officeDocument/2006/math">
+                    <m:oMathParaPr>
+                      <m:jc m:val="centerGroup"/>
+                    </m:oMathParaPr>
+                    <m:oMath xmlns:m="http://schemas.openxmlformats.org/officeDocument/2006/math">
+                      <m:sSup>
+                        <m:sSupPr>
+                          <m:ctrlPr>
+                            <a:rPr lang="en-US" sz="2800" b="1" i="1" smtClean="0">
+                              <a:latin typeface="Cambria Math" panose="02040503050406030204" pitchFamily="18" charset="0"/>
+                            </a:rPr>
+                          </m:ctrlPr>
+                        </m:sSupPr>
+                        <m:e>
+                          <m:r>
+                            <a:rPr lang="en-US" sz="2800" b="1" i="1" smtClean="0">
+                              <a:latin typeface="Cambria Math" panose="02040503050406030204" pitchFamily="18" charset="0"/>
+                            </a:rPr>
+                            <m:t>𝑷</m:t>
+                          </m:r>
+                        </m:e>
+                        <m:sup>
+                          <m:r>
+                            <a:rPr lang="en-US" sz="2800" b="1" i="1" smtClean="0">
+                              <a:latin typeface="Cambria Math" panose="02040503050406030204" pitchFamily="18" charset="0"/>
+                            </a:rPr>
+                            <m:t>𝒘</m:t>
+                          </m:r>
+                        </m:sup>
+                      </m:sSup>
+                      <m:r>
+                        <a:rPr lang="en-US" sz="2800" b="1" i="1" smtClean="0">
+                          <a:latin typeface="Cambria Math" panose="02040503050406030204" pitchFamily="18" charset="0"/>
+                        </a:rPr>
+                        <m:t>=</m:t>
+                      </m:r>
+                      <m:r>
+                        <a:rPr lang="en-US" sz="2800" b="1" i="1" smtClean="0">
+                          <a:latin typeface="Cambria Math" panose="02040503050406030204" pitchFamily="18" charset="0"/>
+                        </a:rPr>
+                        <m:t>𝟐𝟓</m:t>
+                      </m:r>
+                    </m:oMath>
+                  </m:oMathPara>
+                </a14:m>
+                <a:endParaRPr lang="en-US" sz="2800" b="1" dirty="0"/>
+              </a:p>
+            </p:txBody>
+          </p:sp>
+        </mc:Choice>
+        <mc:Fallback>
+          <p:sp>
+            <p:nvSpPr>
+              <p:cNvPr id="28" name="TextBox 27">
+                <a:extLst>
+                  <a:ext uri="{FF2B5EF4-FFF2-40B4-BE49-F238E27FC236}">
+                    <a16:creationId xmlns:a16="http://schemas.microsoft.com/office/drawing/2014/main" id="{C36CD908-54CB-8EE5-D893-4442AEC237C4}"/>
+                  </a:ext>
+                </a:extLst>
+              </p:cNvPr>
+              <p:cNvSpPr txBox="1">
+                <a:spLocks noRot="1" noChangeAspect="1" noMove="1" noResize="1" noEditPoints="1" noAdjustHandles="1" noChangeArrowheads="1" noChangeShapeType="1" noTextEdit="1"/>
+              </p:cNvSpPr>
+              <p:nvPr/>
+            </p:nvSpPr>
+            <p:spPr>
+              <a:xfrm>
+                <a:off x="311504" y="4459081"/>
+                <a:ext cx="1677556" cy="523220"/>
+              </a:xfrm>
+              <a:prstGeom prst="rect">
+                <a:avLst/>
+              </a:prstGeom>
+              <a:blipFill>
+                <a:blip r:embed="rId6"/>
+                <a:stretch>
+                  <a:fillRect/>
+                </a:stretch>
+              </a:blipFill>
+            </p:spPr>
+            <p:txBody>
+              <a:bodyPr/>
+              <a:lstStyle/>
+              <a:p>
+                <a:r>
+                  <a:rPr lang="en-US">
+                    <a:noFill/>
+                  </a:rPr>
+                  <a:t> </a:t>
+                </a:r>
+              </a:p>
+            </p:txBody>
+          </p:sp>
+        </mc:Fallback>
+      </mc:AlternateContent>
+      <mc:AlternateContent xmlns:mc="http://schemas.openxmlformats.org/markup-compatibility/2006">
+        <mc:Choice xmlns:a14="http://schemas.microsoft.com/office/drawing/2010/main" Requires="a14">
+          <p:sp>
+            <p:nvSpPr>
+              <p:cNvPr id="31" name="TextBox 30">
+                <a:extLst>
+                  <a:ext uri="{FF2B5EF4-FFF2-40B4-BE49-F238E27FC236}">
+                    <a16:creationId xmlns:a16="http://schemas.microsoft.com/office/drawing/2014/main" id="{DB0A6ABC-AAFE-0186-87BC-99DEF382E36A}"/>
+                  </a:ext>
+                </a:extLst>
+              </p:cNvPr>
+              <p:cNvSpPr txBox="1"/>
+              <p:nvPr/>
+            </p:nvSpPr>
+            <p:spPr>
+              <a:xfrm>
+                <a:off x="1438865" y="3438524"/>
+                <a:ext cx="577168" cy="523220"/>
+              </a:xfrm>
+              <a:prstGeom prst="rect">
+                <a:avLst/>
+              </a:prstGeom>
+              <a:noFill/>
+            </p:spPr>
+            <p:txBody>
+              <a:bodyPr wrap="square" rtlCol="0">
+                <a:spAutoFit/>
+              </a:bodyPr>
+              <a:lstStyle/>
+              <a:p>
+                <a:pPr/>
+                <a14:m>
+                  <m:oMathPara xmlns:m="http://schemas.openxmlformats.org/officeDocument/2006/math">
+                    <m:oMathParaPr>
+                      <m:jc m:val="centerGroup"/>
+                    </m:oMathParaPr>
+                    <m:oMath xmlns:m="http://schemas.openxmlformats.org/officeDocument/2006/math">
+                      <m:sSup>
+                        <m:sSupPr>
+                          <m:ctrlPr>
+                            <a:rPr lang="en-US" sz="2800" b="1" i="1" smtClean="0">
+                              <a:latin typeface="Cambria Math" panose="02040503050406030204" pitchFamily="18" charset="0"/>
+                            </a:rPr>
+                          </m:ctrlPr>
+                        </m:sSupPr>
+                        <m:e>
+                          <m:r>
+                            <a:rPr lang="en-US" sz="2800" b="1" i="1" smtClean="0">
+                              <a:latin typeface="Cambria Math" panose="02040503050406030204" pitchFamily="18" charset="0"/>
+                            </a:rPr>
+                            <m:t>𝑷</m:t>
+                          </m:r>
+                        </m:e>
+                        <m:sup>
+                          <m:r>
+                            <a:rPr lang="en-US" sz="2800" b="1" i="1" smtClean="0">
+                              <a:latin typeface="Cambria Math" panose="02040503050406030204" pitchFamily="18" charset="0"/>
+                            </a:rPr>
+                            <m:t>∗</m:t>
+                          </m:r>
+                        </m:sup>
+                      </m:sSup>
+                    </m:oMath>
+                  </m:oMathPara>
+                </a14:m>
+                <a:endParaRPr lang="en-US" sz="2800" b="1" dirty="0"/>
+              </a:p>
+            </p:txBody>
+          </p:sp>
+        </mc:Choice>
+        <mc:Fallback>
+          <p:sp>
+            <p:nvSpPr>
+              <p:cNvPr id="31" name="TextBox 30">
+                <a:extLst>
+                  <a:ext uri="{FF2B5EF4-FFF2-40B4-BE49-F238E27FC236}">
+                    <a16:creationId xmlns:a16="http://schemas.microsoft.com/office/drawing/2014/main" id="{DB0A6ABC-AAFE-0186-87BC-99DEF382E36A}"/>
+                  </a:ext>
+                </a:extLst>
+              </p:cNvPr>
+              <p:cNvSpPr txBox="1">
+                <a:spLocks noRot="1" noChangeAspect="1" noMove="1" noResize="1" noEditPoints="1" noAdjustHandles="1" noChangeArrowheads="1" noChangeShapeType="1" noTextEdit="1"/>
+              </p:cNvSpPr>
+              <p:nvPr/>
+            </p:nvSpPr>
+            <p:spPr>
+              <a:xfrm>
+                <a:off x="1438865" y="3438524"/>
+                <a:ext cx="577168" cy="523220"/>
+              </a:xfrm>
+              <a:prstGeom prst="rect">
+                <a:avLst/>
+              </a:prstGeom>
+              <a:blipFill>
+                <a:blip r:embed="rId7"/>
+                <a:stretch>
+                  <a:fillRect l="-6522"/>
+                </a:stretch>
+              </a:blipFill>
+            </p:spPr>
+            <p:txBody>
+              <a:bodyPr/>
+              <a:lstStyle/>
+              <a:p>
+                <a:r>
+                  <a:rPr lang="en-US">
+                    <a:noFill/>
+                  </a:rPr>
+                  <a:t> </a:t>
+                </a:r>
+              </a:p>
+            </p:txBody>
+          </p:sp>
+        </mc:Fallback>
+      </mc:AlternateContent>
+      <mc:AlternateContent xmlns:mc="http://schemas.openxmlformats.org/markup-compatibility/2006">
+        <mc:Choice xmlns:a14="http://schemas.microsoft.com/office/drawing/2010/main" Requires="a14">
+          <p:sp>
+            <p:nvSpPr>
+              <p:cNvPr id="32" name="TextBox 31">
+                <a:extLst>
+                  <a:ext uri="{FF2B5EF4-FFF2-40B4-BE49-F238E27FC236}">
+                    <a16:creationId xmlns:a16="http://schemas.microsoft.com/office/drawing/2014/main" id="{949F4D3B-2E60-FF0E-EA26-FC619EDDE158}"/>
+                  </a:ext>
+                </a:extLst>
+              </p:cNvPr>
+              <p:cNvSpPr txBox="1"/>
+              <p:nvPr/>
+            </p:nvSpPr>
+            <p:spPr>
+              <a:xfrm>
+                <a:off x="6051330" y="6023927"/>
+                <a:ext cx="577168" cy="523220"/>
+              </a:xfrm>
+              <a:prstGeom prst="rect">
+                <a:avLst/>
+              </a:prstGeom>
+              <a:noFill/>
+            </p:spPr>
+            <p:txBody>
+              <a:bodyPr wrap="square" rtlCol="0">
+                <a:spAutoFit/>
+              </a:bodyPr>
+              <a:lstStyle/>
+              <a:p>
+                <a:pPr/>
+                <a14:m>
+                  <m:oMathPara xmlns:m="http://schemas.openxmlformats.org/officeDocument/2006/math">
+                    <m:oMathParaPr>
+                      <m:jc m:val="centerGroup"/>
+                    </m:oMathParaPr>
+                    <m:oMath xmlns:m="http://schemas.openxmlformats.org/officeDocument/2006/math">
+                      <m:sSup>
+                        <m:sSupPr>
+                          <m:ctrlPr>
+                            <a:rPr lang="en-US" sz="2800" b="1" i="1" smtClean="0">
+                              <a:latin typeface="Cambria Math" panose="02040503050406030204" pitchFamily="18" charset="0"/>
+                            </a:rPr>
+                          </m:ctrlPr>
+                        </m:sSupPr>
+                        <m:e>
+                          <m:r>
+                            <a:rPr lang="en-US" sz="2800" b="1" i="1" smtClean="0">
+                              <a:latin typeface="Cambria Math" panose="02040503050406030204" pitchFamily="18" charset="0"/>
+                            </a:rPr>
+                            <m:t>𝑸</m:t>
+                          </m:r>
+                        </m:e>
+                        <m:sup>
+                          <m:r>
+                            <a:rPr lang="en-US" sz="2800" b="1" i="1" smtClean="0">
+                              <a:latin typeface="Cambria Math" panose="02040503050406030204" pitchFamily="18" charset="0"/>
+                            </a:rPr>
+                            <m:t>∗</m:t>
+                          </m:r>
+                        </m:sup>
+                      </m:sSup>
+                    </m:oMath>
+                  </m:oMathPara>
+                </a14:m>
+                <a:endParaRPr lang="en-US" sz="2800" b="1" dirty="0"/>
+              </a:p>
+            </p:txBody>
+          </p:sp>
+        </mc:Choice>
+        <mc:Fallback>
+          <p:sp>
+            <p:nvSpPr>
+              <p:cNvPr id="32" name="TextBox 31">
+                <a:extLst>
+                  <a:ext uri="{FF2B5EF4-FFF2-40B4-BE49-F238E27FC236}">
+                    <a16:creationId xmlns:a16="http://schemas.microsoft.com/office/drawing/2014/main" id="{949F4D3B-2E60-FF0E-EA26-FC619EDDE158}"/>
+                  </a:ext>
+                </a:extLst>
+              </p:cNvPr>
+              <p:cNvSpPr txBox="1">
+                <a:spLocks noRot="1" noChangeAspect="1" noMove="1" noResize="1" noEditPoints="1" noAdjustHandles="1" noChangeArrowheads="1" noChangeShapeType="1" noTextEdit="1"/>
+              </p:cNvSpPr>
+              <p:nvPr/>
+            </p:nvSpPr>
+            <p:spPr>
+              <a:xfrm>
+                <a:off x="6051330" y="6023927"/>
+                <a:ext cx="577168" cy="523220"/>
+              </a:xfrm>
+              <a:prstGeom prst="rect">
+                <a:avLst/>
+              </a:prstGeom>
+              <a:blipFill>
+                <a:blip r:embed="rId8"/>
+                <a:stretch>
+                  <a:fillRect l="-10870" b="-14286"/>
+                </a:stretch>
+              </a:blipFill>
+            </p:spPr>
+            <p:txBody>
+              <a:bodyPr/>
+              <a:lstStyle/>
+              <a:p>
+                <a:r>
+                  <a:rPr lang="en-US">
+                    <a:noFill/>
+                  </a:rPr>
+                  <a:t> </a:t>
+                </a:r>
+              </a:p>
+            </p:txBody>
+          </p:sp>
+        </mc:Fallback>
+      </mc:AlternateContent>
+    </p:spTree>
+    <p:extLst>
+      <p:ext uri="{BB962C8B-B14F-4D97-AF65-F5344CB8AC3E}">
+        <p14:creationId xmlns:p14="http://schemas.microsoft.com/office/powerpoint/2010/main" val="178085694"/>
+      </p:ext>
+    </p:extLst>
+  </p:cSld>
+  <p:clrMapOvr>
+    <a:masterClrMapping/>
+  </p:clrMapOvr>
+</p:sld>
+</file>
+
+<file path=ppt/slides/slide28.xml><?xml version="1.0" encoding="utf-8"?>
+<p:sld xmlns:a="http://schemas.openxmlformats.org/drawingml/2006/main" xmlns:r="http://schemas.openxmlformats.org/officeDocument/2006/relationships" xmlns:p="http://schemas.openxmlformats.org/presentationml/2006/main">
+  <p:cSld>
+    <p:spTree>
+      <p:nvGrpSpPr>
+        <p:cNvPr id="1" name=""/>
+        <p:cNvGrpSpPr/>
+        <p:nvPr/>
+      </p:nvGrpSpPr>
+      <p:grpSpPr>
+        <a:xfrm>
+          <a:off x="0" y="0"/>
+          <a:ext cx="0" cy="0"/>
+          <a:chOff x="0" y="0"/>
+          <a:chExt cx="0" cy="0"/>
+        </a:xfrm>
+      </p:grpSpPr>
+      <p:sp>
+        <p:nvSpPr>
+          <p:cNvPr id="33" name="Triangle 32">
+            <a:extLst>
+              <a:ext uri="{FF2B5EF4-FFF2-40B4-BE49-F238E27FC236}">
+                <a16:creationId xmlns:a16="http://schemas.microsoft.com/office/drawing/2014/main" id="{5759AB8C-6076-08D3-10AB-C193E4CDFEB2}"/>
+              </a:ext>
+            </a:extLst>
+          </p:cNvPr>
+          <p:cNvSpPr/>
+          <p:nvPr/>
+        </p:nvSpPr>
+        <p:spPr>
+          <a:xfrm flipH="1">
+            <a:off x="7560114" y="4234267"/>
+            <a:ext cx="1167771" cy="464246"/>
+          </a:xfrm>
+          <a:prstGeom prst="triangle">
+            <a:avLst>
+              <a:gd name="adj" fmla="val 100000"/>
+            </a:avLst>
+          </a:prstGeom>
+          <a:solidFill>
+            <a:srgbClr val="FF0000"/>
+          </a:solidFill>
+          <a:ln>
+            <a:solidFill>
+              <a:srgbClr val="C00000"/>
+            </a:solidFill>
+          </a:ln>
+        </p:spPr>
+        <p:style>
+          <a:lnRef idx="2">
+            <a:schemeClr val="accent1">
+              <a:shade val="15000"/>
+            </a:schemeClr>
+          </a:lnRef>
+          <a:fillRef idx="1">
+            <a:schemeClr val="accent1"/>
+          </a:fillRef>
+          <a:effectRef idx="0">
+            <a:schemeClr val="accent1"/>
+          </a:effectRef>
+          <a:fontRef idx="minor">
+            <a:schemeClr val="lt1"/>
+          </a:fontRef>
+        </p:style>
+        <p:txBody>
+          <a:bodyPr rtlCol="0" anchor="ctr"/>
+          <a:lstStyle/>
+          <a:p>
+            <a:pPr algn="ctr"/>
+            <a:endParaRPr lang="en-US"/>
+          </a:p>
+        </p:txBody>
+      </p:sp>
+      <p:sp>
+        <p:nvSpPr>
+          <p:cNvPr id="32" name="Triangle 31">
+            <a:extLst>
+              <a:ext uri="{FF2B5EF4-FFF2-40B4-BE49-F238E27FC236}">
+                <a16:creationId xmlns:a16="http://schemas.microsoft.com/office/drawing/2014/main" id="{D145CFFA-B47D-74DC-2959-961F72C2AB17}"/>
+              </a:ext>
+            </a:extLst>
+          </p:cNvPr>
+          <p:cNvSpPr/>
+          <p:nvPr/>
+        </p:nvSpPr>
+        <p:spPr>
+          <a:xfrm>
+            <a:off x="4448105" y="4293063"/>
+            <a:ext cx="828787" cy="405449"/>
+          </a:xfrm>
+          <a:prstGeom prst="triangle">
+            <a:avLst>
+              <a:gd name="adj" fmla="val 100000"/>
+            </a:avLst>
+          </a:prstGeom>
+          <a:solidFill>
+            <a:srgbClr val="FF0000"/>
+          </a:solidFill>
+          <a:ln>
+            <a:solidFill>
+              <a:srgbClr val="C00000"/>
+            </a:solidFill>
+          </a:ln>
+        </p:spPr>
+        <p:style>
+          <a:lnRef idx="2">
+            <a:schemeClr val="accent1">
+              <a:shade val="15000"/>
+            </a:schemeClr>
+          </a:lnRef>
+          <a:fillRef idx="1">
+            <a:schemeClr val="accent1"/>
+          </a:fillRef>
+          <a:effectRef idx="0">
+            <a:schemeClr val="accent1"/>
+          </a:effectRef>
+          <a:fontRef idx="minor">
+            <a:schemeClr val="lt1"/>
+          </a:fontRef>
+        </p:style>
+        <p:txBody>
+          <a:bodyPr rtlCol="0" anchor="ctr"/>
+          <a:lstStyle/>
+          <a:p>
+            <a:pPr algn="ctr"/>
+            <a:endParaRPr lang="en-US"/>
+          </a:p>
+        </p:txBody>
+      </p:sp>
+      <p:cxnSp>
+        <p:nvCxnSpPr>
+          <p:cNvPr id="23" name="Straight Connector 22">
+            <a:extLst>
+              <a:ext uri="{FF2B5EF4-FFF2-40B4-BE49-F238E27FC236}">
+                <a16:creationId xmlns:a16="http://schemas.microsoft.com/office/drawing/2014/main" id="{1CBF460E-AF9D-CD81-5125-71E9EDEB6D0F}"/>
+              </a:ext>
+            </a:extLst>
+          </p:cNvPr>
+          <p:cNvCxnSpPr>
+            <a:cxnSpLocks/>
+          </p:cNvCxnSpPr>
+          <p:nvPr/>
+        </p:nvCxnSpPr>
+        <p:spPr>
+          <a:xfrm>
+            <a:off x="1989060" y="4220506"/>
+            <a:ext cx="5616072" cy="0"/>
+          </a:xfrm>
+          <a:prstGeom prst="line">
+            <a:avLst/>
+          </a:prstGeom>
+          <a:ln w="38100">
+            <a:prstDash val="dash"/>
+          </a:ln>
+        </p:spPr>
+        <p:style>
+          <a:lnRef idx="2">
+            <a:schemeClr val="accent1"/>
+          </a:lnRef>
+          <a:fillRef idx="0">
+            <a:schemeClr val="accent1"/>
+          </a:fillRef>
+          <a:effectRef idx="1">
+            <a:schemeClr val="accent1"/>
+          </a:effectRef>
+          <a:fontRef idx="minor">
+            <a:schemeClr val="tx1"/>
+          </a:fontRef>
+        </p:style>
+      </p:cxnSp>
+      <p:grpSp>
+        <p:nvGrpSpPr>
+          <p:cNvPr id="2" name="Group 1">
+            <a:extLst>
+              <a:ext uri="{FF2B5EF4-FFF2-40B4-BE49-F238E27FC236}">
+                <a16:creationId xmlns:a16="http://schemas.microsoft.com/office/drawing/2014/main" id="{F915115C-2DC4-FA6F-E885-9A88F5096C08}"/>
+              </a:ext>
+            </a:extLst>
+          </p:cNvPr>
+          <p:cNvGrpSpPr/>
+          <p:nvPr/>
+        </p:nvGrpSpPr>
+        <p:grpSpPr>
+          <a:xfrm>
+            <a:off x="1989060" y="834073"/>
+            <a:ext cx="9089136" cy="5189854"/>
+            <a:chOff x="1297684" y="804672"/>
+            <a:chExt cx="9089136" cy="5102352"/>
+          </a:xfrm>
+        </p:grpSpPr>
+        <p:cxnSp>
+          <p:nvCxnSpPr>
+            <p:cNvPr id="3" name="Straight Connector 2">
+              <a:extLst>
+                <a:ext uri="{FF2B5EF4-FFF2-40B4-BE49-F238E27FC236}">
+                  <a16:creationId xmlns:a16="http://schemas.microsoft.com/office/drawing/2014/main" id="{4AE4C312-7EF0-7B6E-1F1A-0F8F355F8540}"/>
+                </a:ext>
+              </a:extLst>
+            </p:cNvPr>
+            <p:cNvCxnSpPr/>
+            <p:nvPr/>
+          </p:nvCxnSpPr>
+          <p:spPr>
+            <a:xfrm>
+              <a:off x="1316736" y="804672"/>
+              <a:ext cx="0" cy="5102352"/>
+            </a:xfrm>
+            <a:prstGeom prst="line">
+              <a:avLst/>
+            </a:prstGeom>
+            <a:ln w="57150">
+              <a:solidFill>
+                <a:schemeClr val="tx1"/>
+              </a:solidFill>
+            </a:ln>
+          </p:spPr>
+          <p:style>
+            <a:lnRef idx="2">
+              <a:schemeClr val="accent1"/>
+            </a:lnRef>
+            <a:fillRef idx="0">
+              <a:schemeClr val="accent1"/>
+            </a:fillRef>
+            <a:effectRef idx="1">
+              <a:schemeClr val="accent1"/>
+            </a:effectRef>
+            <a:fontRef idx="minor">
+              <a:schemeClr val="tx1"/>
+            </a:fontRef>
+          </p:style>
+        </p:cxnSp>
+        <p:cxnSp>
+          <p:nvCxnSpPr>
+            <p:cNvPr id="4" name="Straight Connector 3">
+              <a:extLst>
+                <a:ext uri="{FF2B5EF4-FFF2-40B4-BE49-F238E27FC236}">
+                  <a16:creationId xmlns:a16="http://schemas.microsoft.com/office/drawing/2014/main" id="{B5AC9E19-6F83-3542-76D8-79DEDB2DAA68}"/>
+                </a:ext>
+              </a:extLst>
+            </p:cNvPr>
+            <p:cNvCxnSpPr>
+              <a:cxnSpLocks/>
+            </p:cNvCxnSpPr>
+            <p:nvPr/>
+          </p:nvCxnSpPr>
+          <p:spPr>
+            <a:xfrm flipH="1">
+              <a:off x="1297684" y="5879972"/>
+              <a:ext cx="9089136" cy="0"/>
+            </a:xfrm>
+            <a:prstGeom prst="line">
+              <a:avLst/>
+            </a:prstGeom>
+            <a:ln w="57150">
+              <a:solidFill>
+                <a:schemeClr val="tx1"/>
+              </a:solidFill>
+            </a:ln>
+          </p:spPr>
+          <p:style>
+            <a:lnRef idx="2">
+              <a:schemeClr val="accent1"/>
+            </a:lnRef>
+            <a:fillRef idx="0">
+              <a:schemeClr val="accent1"/>
+            </a:fillRef>
+            <a:effectRef idx="1">
+              <a:schemeClr val="accent1"/>
+            </a:effectRef>
+            <a:fontRef idx="minor">
+              <a:schemeClr val="tx1"/>
+            </a:fontRef>
+          </p:style>
+        </p:cxnSp>
+      </p:grpSp>
+      <p:cxnSp>
+        <p:nvCxnSpPr>
+          <p:cNvPr id="5" name="Straight Connector 4">
+            <a:extLst>
+              <a:ext uri="{FF2B5EF4-FFF2-40B4-BE49-F238E27FC236}">
+                <a16:creationId xmlns:a16="http://schemas.microsoft.com/office/drawing/2014/main" id="{47D7C652-395B-DE11-94D5-049E6BDF3103}"/>
+              </a:ext>
+            </a:extLst>
+          </p:cNvPr>
+          <p:cNvCxnSpPr>
+            <a:cxnSpLocks/>
+          </p:cNvCxnSpPr>
+          <p:nvPr/>
+        </p:nvCxnSpPr>
+        <p:spPr>
+          <a:xfrm flipH="1">
+            <a:off x="2008112" y="1434455"/>
+            <a:ext cx="8540942" cy="4561956"/>
+          </a:xfrm>
+          <a:prstGeom prst="line">
+            <a:avLst/>
+          </a:prstGeom>
+          <a:ln w="57150">
+            <a:solidFill>
+              <a:schemeClr val="accent2">
+                <a:lumMod val="75000"/>
+              </a:schemeClr>
+            </a:solidFill>
+          </a:ln>
+        </p:spPr>
+        <p:style>
+          <a:lnRef idx="2">
+            <a:schemeClr val="accent1"/>
+          </a:lnRef>
+          <a:fillRef idx="0">
+            <a:schemeClr val="accent1"/>
+          </a:fillRef>
+          <a:effectRef idx="1">
+            <a:schemeClr val="accent1"/>
+          </a:effectRef>
+          <a:fontRef idx="minor">
+            <a:schemeClr val="tx1"/>
+          </a:fontRef>
+        </p:style>
+      </p:cxnSp>
+      <p:cxnSp>
+        <p:nvCxnSpPr>
+          <p:cNvPr id="6" name="Straight Connector 5">
+            <a:extLst>
+              <a:ext uri="{FF2B5EF4-FFF2-40B4-BE49-F238E27FC236}">
+                <a16:creationId xmlns:a16="http://schemas.microsoft.com/office/drawing/2014/main" id="{DB901B65-F1D5-129D-0367-DE697B943369}"/>
+              </a:ext>
+            </a:extLst>
+          </p:cNvPr>
+          <p:cNvCxnSpPr>
+            <a:cxnSpLocks/>
+          </p:cNvCxnSpPr>
+          <p:nvPr/>
+        </p:nvCxnSpPr>
+        <p:spPr>
+          <a:xfrm>
+            <a:off x="2008112" y="1902806"/>
+            <a:ext cx="8663605" cy="3579541"/>
+          </a:xfrm>
+          <a:prstGeom prst="line">
+            <a:avLst/>
+          </a:prstGeom>
+          <a:ln w="57150">
+            <a:solidFill>
+              <a:schemeClr val="accent6">
+                <a:lumMod val="75000"/>
+              </a:schemeClr>
+            </a:solidFill>
+          </a:ln>
+        </p:spPr>
+        <p:style>
+          <a:lnRef idx="2">
+            <a:schemeClr val="accent1"/>
+          </a:lnRef>
+          <a:fillRef idx="0">
+            <a:schemeClr val="accent1"/>
+          </a:fillRef>
+          <a:effectRef idx="1">
+            <a:schemeClr val="accent1"/>
+          </a:effectRef>
+          <a:fontRef idx="minor">
+            <a:schemeClr val="tx1"/>
+          </a:fontRef>
+        </p:style>
+      </p:cxnSp>
+      <mc:AlternateContent xmlns:mc="http://schemas.openxmlformats.org/markup-compatibility/2006">
+        <mc:Choice xmlns:a14="http://schemas.microsoft.com/office/drawing/2010/main" Requires="a14">
+          <p:sp>
+            <p:nvSpPr>
+              <p:cNvPr id="7" name="TextBox 6">
+                <a:extLst>
+                  <a:ext uri="{FF2B5EF4-FFF2-40B4-BE49-F238E27FC236}">
+                    <a16:creationId xmlns:a16="http://schemas.microsoft.com/office/drawing/2014/main" id="{0812FA97-257A-79A2-9315-A5042FF76F51}"/>
+                  </a:ext>
+                </a:extLst>
+              </p:cNvPr>
+              <p:cNvSpPr txBox="1"/>
+              <p:nvPr/>
+            </p:nvSpPr>
+            <p:spPr>
+              <a:xfrm>
+                <a:off x="10690769" y="5215864"/>
+                <a:ext cx="457859" cy="523220"/>
+              </a:xfrm>
+              <a:prstGeom prst="rect">
+                <a:avLst/>
+              </a:prstGeom>
+              <a:noFill/>
+              <a:ln>
+                <a:noFill/>
+              </a:ln>
+            </p:spPr>
+            <p:txBody>
+              <a:bodyPr wrap="square" rtlCol="0">
+                <a:spAutoFit/>
+              </a:bodyPr>
+              <a:lstStyle/>
+              <a:p>
+                <a:pPr/>
+                <a14:m>
+                  <m:oMathPara xmlns:m="http://schemas.openxmlformats.org/officeDocument/2006/math">
+                    <m:oMathParaPr>
+                      <m:jc m:val="centerGroup"/>
+                    </m:oMathParaPr>
+                    <m:oMath xmlns:m="http://schemas.openxmlformats.org/officeDocument/2006/math">
+                      <m:r>
+                        <a:rPr lang="en-US" sz="2800" b="1" i="1" smtClean="0">
+                          <a:solidFill>
+                            <a:schemeClr val="accent6">
+                              <a:lumMod val="75000"/>
+                            </a:schemeClr>
+                          </a:solidFill>
+                          <a:latin typeface="Cambria Math" panose="02040503050406030204" pitchFamily="18" charset="0"/>
+                        </a:rPr>
+                        <m:t>𝑫</m:t>
+                      </m:r>
+                    </m:oMath>
+                  </m:oMathPara>
+                </a14:m>
+                <a:endParaRPr lang="en-US" sz="2800" b="1" dirty="0">
+                  <a:solidFill>
+                    <a:schemeClr val="accent6">
+                      <a:lumMod val="75000"/>
+                    </a:schemeClr>
+                  </a:solidFill>
+                </a:endParaRPr>
+              </a:p>
+            </p:txBody>
+          </p:sp>
+        </mc:Choice>
+        <mc:Fallback>
+          <p:sp>
+            <p:nvSpPr>
+              <p:cNvPr id="7" name="TextBox 6">
+                <a:extLst>
+                  <a:ext uri="{FF2B5EF4-FFF2-40B4-BE49-F238E27FC236}">
+                    <a16:creationId xmlns:a16="http://schemas.microsoft.com/office/drawing/2014/main" id="{0812FA97-257A-79A2-9315-A5042FF76F51}"/>
+                  </a:ext>
+                </a:extLst>
+              </p:cNvPr>
+              <p:cNvSpPr txBox="1">
+                <a:spLocks noRot="1" noChangeAspect="1" noMove="1" noResize="1" noEditPoints="1" noAdjustHandles="1" noChangeArrowheads="1" noChangeShapeType="1" noTextEdit="1"/>
+              </p:cNvSpPr>
+              <p:nvPr/>
+            </p:nvSpPr>
+            <p:spPr>
+              <a:xfrm>
+                <a:off x="10690769" y="5215864"/>
+                <a:ext cx="457859" cy="523220"/>
+              </a:xfrm>
+              <a:prstGeom prst="rect">
+                <a:avLst/>
+              </a:prstGeom>
+              <a:blipFill>
+                <a:blip r:embed="rId2"/>
+                <a:stretch>
+                  <a:fillRect l="-5405" r="-5405"/>
+                </a:stretch>
+              </a:blipFill>
+              <a:ln>
+                <a:noFill/>
+              </a:ln>
+            </p:spPr>
+            <p:txBody>
+              <a:bodyPr/>
+              <a:lstStyle/>
+              <a:p>
+                <a:r>
+                  <a:rPr lang="en-US">
+                    <a:noFill/>
+                  </a:rPr>
+                  <a:t> </a:t>
+                </a:r>
+              </a:p>
+            </p:txBody>
+          </p:sp>
+        </mc:Fallback>
+      </mc:AlternateContent>
+      <mc:AlternateContent xmlns:mc="http://schemas.openxmlformats.org/markup-compatibility/2006">
+        <mc:Choice xmlns:a14="http://schemas.microsoft.com/office/drawing/2010/main" Requires="a14">
+          <p:sp>
+            <p:nvSpPr>
+              <p:cNvPr id="8" name="TextBox 7">
+                <a:extLst>
+                  <a:ext uri="{FF2B5EF4-FFF2-40B4-BE49-F238E27FC236}">
+                    <a16:creationId xmlns:a16="http://schemas.microsoft.com/office/drawing/2014/main" id="{0CD733DF-9210-C231-A17B-DE427600DBC7}"/>
+                  </a:ext>
+                </a:extLst>
+              </p:cNvPr>
+              <p:cNvSpPr txBox="1"/>
+              <p:nvPr/>
+            </p:nvSpPr>
+            <p:spPr>
+              <a:xfrm>
+                <a:off x="10565514" y="1122259"/>
+                <a:ext cx="457859" cy="523220"/>
+              </a:xfrm>
+              <a:prstGeom prst="rect">
+                <a:avLst/>
+              </a:prstGeom>
+              <a:noFill/>
+              <a:ln>
+                <a:noFill/>
+              </a:ln>
+            </p:spPr>
+            <p:txBody>
+              <a:bodyPr wrap="square" rtlCol="0">
+                <a:spAutoFit/>
+              </a:bodyPr>
+              <a:lstStyle/>
+              <a:p>
+                <a:pPr/>
+                <a14:m>
+                  <m:oMathPara xmlns:m="http://schemas.openxmlformats.org/officeDocument/2006/math">
+                    <m:oMathParaPr>
+                      <m:jc m:val="centerGroup"/>
+                    </m:oMathParaPr>
+                    <m:oMath xmlns:m="http://schemas.openxmlformats.org/officeDocument/2006/math">
+                      <m:r>
+                        <a:rPr lang="en-US" sz="2800" b="1" i="1" smtClean="0">
+                          <a:solidFill>
+                            <a:schemeClr val="accent2">
+                              <a:lumMod val="75000"/>
+                            </a:schemeClr>
+                          </a:solidFill>
+                          <a:latin typeface="Cambria Math" panose="02040503050406030204" pitchFamily="18" charset="0"/>
+                        </a:rPr>
+                        <m:t>𝑺</m:t>
+                      </m:r>
+                    </m:oMath>
+                  </m:oMathPara>
+                </a14:m>
+                <a:endParaRPr lang="en-US" sz="2800" b="1" dirty="0">
+                  <a:solidFill>
+                    <a:schemeClr val="accent2">
+                      <a:lumMod val="75000"/>
+                    </a:schemeClr>
+                  </a:solidFill>
+                </a:endParaRPr>
+              </a:p>
+            </p:txBody>
+          </p:sp>
+        </mc:Choice>
+        <mc:Fallback>
+          <p:sp>
+            <p:nvSpPr>
+              <p:cNvPr id="8" name="TextBox 7">
+                <a:extLst>
+                  <a:ext uri="{FF2B5EF4-FFF2-40B4-BE49-F238E27FC236}">
+                    <a16:creationId xmlns:a16="http://schemas.microsoft.com/office/drawing/2014/main" id="{0CD733DF-9210-C231-A17B-DE427600DBC7}"/>
+                  </a:ext>
+                </a:extLst>
+              </p:cNvPr>
+              <p:cNvSpPr txBox="1">
+                <a:spLocks noRot="1" noChangeAspect="1" noMove="1" noResize="1" noEditPoints="1" noAdjustHandles="1" noChangeArrowheads="1" noChangeShapeType="1" noTextEdit="1"/>
+              </p:cNvSpPr>
+              <p:nvPr/>
+            </p:nvSpPr>
+            <p:spPr>
+              <a:xfrm>
+                <a:off x="10565514" y="1122259"/>
+                <a:ext cx="457859" cy="523220"/>
+              </a:xfrm>
+              <a:prstGeom prst="rect">
+                <a:avLst/>
+              </a:prstGeom>
+              <a:blipFill>
+                <a:blip r:embed="rId3"/>
+                <a:stretch>
+                  <a:fillRect/>
+                </a:stretch>
+              </a:blipFill>
+              <a:ln>
+                <a:noFill/>
+              </a:ln>
+            </p:spPr>
+            <p:txBody>
+              <a:bodyPr/>
+              <a:lstStyle/>
+              <a:p>
+                <a:r>
+                  <a:rPr lang="en-US">
+                    <a:noFill/>
+                  </a:rPr>
+                  <a:t> </a:t>
+                </a:r>
+              </a:p>
+            </p:txBody>
+          </p:sp>
+        </mc:Fallback>
+      </mc:AlternateContent>
+      <p:sp>
+        <p:nvSpPr>
+          <p:cNvPr id="9" name="TextBox 8">
+            <a:extLst>
+              <a:ext uri="{FF2B5EF4-FFF2-40B4-BE49-F238E27FC236}">
+                <a16:creationId xmlns:a16="http://schemas.microsoft.com/office/drawing/2014/main" id="{54F87793-6690-BD12-FE43-577F0A6F5FAA}"/>
+              </a:ext>
+            </a:extLst>
+          </p:cNvPr>
+          <p:cNvSpPr txBox="1"/>
+          <p:nvPr/>
+        </p:nvSpPr>
+        <p:spPr>
+          <a:xfrm rot="16200000">
+            <a:off x="1181037" y="1094783"/>
+            <a:ext cx="1092826" cy="523220"/>
+          </a:xfrm>
+          <a:prstGeom prst="rect">
+            <a:avLst/>
+          </a:prstGeom>
+          <a:noFill/>
+        </p:spPr>
+        <p:txBody>
+          <a:bodyPr wrap="square" rtlCol="0">
+            <a:spAutoFit/>
+          </a:bodyPr>
+          <a:lstStyle/>
+          <a:p>
+            <a:r>
+              <a:rPr lang="en-US" sz="2800" b="1" dirty="0"/>
+              <a:t>Price</a:t>
+            </a:r>
+          </a:p>
+        </p:txBody>
+      </p:sp>
+      <p:sp>
+        <p:nvSpPr>
+          <p:cNvPr id="10" name="TextBox 9">
+            <a:extLst>
+              <a:ext uri="{FF2B5EF4-FFF2-40B4-BE49-F238E27FC236}">
+                <a16:creationId xmlns:a16="http://schemas.microsoft.com/office/drawing/2014/main" id="{C187E294-CDB6-5532-0AA6-7FE0ED0FFF02}"/>
+              </a:ext>
+            </a:extLst>
+          </p:cNvPr>
+          <p:cNvSpPr txBox="1"/>
+          <p:nvPr/>
+        </p:nvSpPr>
+        <p:spPr>
+          <a:xfrm>
+            <a:off x="9302777" y="6023927"/>
+            <a:ext cx="1616921" cy="523220"/>
+          </a:xfrm>
+          <a:prstGeom prst="rect">
+            <a:avLst/>
+          </a:prstGeom>
+          <a:noFill/>
+        </p:spPr>
+        <p:txBody>
+          <a:bodyPr wrap="square" rtlCol="0">
+            <a:spAutoFit/>
+          </a:bodyPr>
+          <a:lstStyle/>
+          <a:p>
+            <a:r>
+              <a:rPr lang="en-US" sz="2800" b="1" dirty="0"/>
+              <a:t>Quantity</a:t>
+            </a:r>
+          </a:p>
+        </p:txBody>
+      </p:sp>
+      <p:cxnSp>
+        <p:nvCxnSpPr>
+          <p:cNvPr id="11" name="Straight Connector 10">
+            <a:extLst>
+              <a:ext uri="{FF2B5EF4-FFF2-40B4-BE49-F238E27FC236}">
+                <a16:creationId xmlns:a16="http://schemas.microsoft.com/office/drawing/2014/main" id="{6A94421F-778D-BC14-A56A-834C09874D2E}"/>
+              </a:ext>
+            </a:extLst>
+          </p:cNvPr>
+          <p:cNvCxnSpPr>
+            <a:cxnSpLocks/>
+          </p:cNvCxnSpPr>
+          <p:nvPr/>
+        </p:nvCxnSpPr>
+        <p:spPr>
+          <a:xfrm>
+            <a:off x="2008112" y="3692682"/>
+            <a:ext cx="4256318" cy="0"/>
+          </a:xfrm>
+          <a:prstGeom prst="line">
+            <a:avLst/>
+          </a:prstGeom>
+          <a:ln w="38100">
+            <a:prstDash val="dash"/>
+          </a:ln>
+        </p:spPr>
+        <p:style>
+          <a:lnRef idx="2">
+            <a:schemeClr val="accent1"/>
+          </a:lnRef>
+          <a:fillRef idx="0">
+            <a:schemeClr val="accent1"/>
+          </a:fillRef>
+          <a:effectRef idx="1">
+            <a:schemeClr val="accent1"/>
+          </a:effectRef>
+          <a:fontRef idx="minor">
+            <a:schemeClr val="tx1"/>
+          </a:fontRef>
+        </p:style>
+      </p:cxnSp>
+      <p:cxnSp>
+        <p:nvCxnSpPr>
+          <p:cNvPr id="12" name="Straight Connector 11">
+            <a:extLst>
+              <a:ext uri="{FF2B5EF4-FFF2-40B4-BE49-F238E27FC236}">
+                <a16:creationId xmlns:a16="http://schemas.microsoft.com/office/drawing/2014/main" id="{9B327B38-6E7C-134E-7DD8-54A139D646B9}"/>
+              </a:ext>
+            </a:extLst>
+          </p:cNvPr>
+          <p:cNvCxnSpPr>
+            <a:cxnSpLocks/>
+          </p:cNvCxnSpPr>
+          <p:nvPr/>
+        </p:nvCxnSpPr>
+        <p:spPr>
+          <a:xfrm>
+            <a:off x="2008112" y="4703726"/>
+            <a:ext cx="6767898" cy="0"/>
+          </a:xfrm>
+          <a:prstGeom prst="line">
+            <a:avLst/>
+          </a:prstGeom>
+          <a:ln w="38100">
+            <a:prstDash val="dash"/>
+          </a:ln>
+        </p:spPr>
+        <p:style>
+          <a:lnRef idx="2">
+            <a:schemeClr val="accent1"/>
+          </a:lnRef>
+          <a:fillRef idx="0">
+            <a:schemeClr val="accent1"/>
+          </a:fillRef>
+          <a:effectRef idx="1">
+            <a:schemeClr val="accent1"/>
+          </a:effectRef>
+          <a:fontRef idx="minor">
+            <a:schemeClr val="tx1"/>
+          </a:fontRef>
+        </p:style>
+      </p:cxnSp>
+      <p:cxnSp>
+        <p:nvCxnSpPr>
+          <p:cNvPr id="13" name="Straight Connector 12">
+            <a:extLst>
+              <a:ext uri="{FF2B5EF4-FFF2-40B4-BE49-F238E27FC236}">
+                <a16:creationId xmlns:a16="http://schemas.microsoft.com/office/drawing/2014/main" id="{87938F29-BDB9-5D8C-7CC1-4E9D7D9D9F52}"/>
+              </a:ext>
+            </a:extLst>
+          </p:cNvPr>
+          <p:cNvCxnSpPr>
+            <a:cxnSpLocks/>
+          </p:cNvCxnSpPr>
+          <p:nvPr/>
+        </p:nvCxnSpPr>
+        <p:spPr>
+          <a:xfrm flipV="1">
+            <a:off x="6320187" y="3697896"/>
+            <a:ext cx="0" cy="2303729"/>
+          </a:xfrm>
+          <a:prstGeom prst="line">
+            <a:avLst/>
+          </a:prstGeom>
+          <a:ln w="38100">
+            <a:prstDash val="dash"/>
+          </a:ln>
+        </p:spPr>
+        <p:style>
+          <a:lnRef idx="2">
+            <a:schemeClr val="accent1"/>
+          </a:lnRef>
+          <a:fillRef idx="0">
+            <a:schemeClr val="accent1"/>
+          </a:fillRef>
+          <a:effectRef idx="1">
+            <a:schemeClr val="accent1"/>
+          </a:effectRef>
+          <a:fontRef idx="minor">
+            <a:schemeClr val="tx1"/>
+          </a:fontRef>
+        </p:style>
+      </p:cxnSp>
+      <p:cxnSp>
+        <p:nvCxnSpPr>
+          <p:cNvPr id="14" name="Straight Connector 13">
+            <a:extLst>
+              <a:ext uri="{FF2B5EF4-FFF2-40B4-BE49-F238E27FC236}">
+                <a16:creationId xmlns:a16="http://schemas.microsoft.com/office/drawing/2014/main" id="{B313199D-8178-49FA-27CE-A3892A0FA551}"/>
+              </a:ext>
+            </a:extLst>
+          </p:cNvPr>
+          <p:cNvCxnSpPr>
+            <a:cxnSpLocks/>
+          </p:cNvCxnSpPr>
+          <p:nvPr/>
+        </p:nvCxnSpPr>
+        <p:spPr>
+          <a:xfrm flipV="1">
+            <a:off x="5268986" y="4206747"/>
+            <a:ext cx="0" cy="1789664"/>
+          </a:xfrm>
+          <a:prstGeom prst="line">
+            <a:avLst/>
+          </a:prstGeom>
+          <a:ln w="38100">
+            <a:prstDash val="dash"/>
+          </a:ln>
+        </p:spPr>
+        <p:style>
+          <a:lnRef idx="2">
+            <a:schemeClr val="accent1"/>
+          </a:lnRef>
+          <a:fillRef idx="0">
+            <a:schemeClr val="accent1"/>
+          </a:fillRef>
+          <a:effectRef idx="1">
+            <a:schemeClr val="accent1"/>
+          </a:effectRef>
+          <a:fontRef idx="minor">
+            <a:schemeClr val="tx1"/>
+          </a:fontRef>
+        </p:style>
+      </p:cxnSp>
+      <p:cxnSp>
+        <p:nvCxnSpPr>
+          <p:cNvPr id="15" name="Straight Connector 14">
+            <a:extLst>
+              <a:ext uri="{FF2B5EF4-FFF2-40B4-BE49-F238E27FC236}">
+                <a16:creationId xmlns:a16="http://schemas.microsoft.com/office/drawing/2014/main" id="{CE13D9C5-279C-4FE3-F1B8-EC0688D7BD47}"/>
+              </a:ext>
+            </a:extLst>
+          </p:cNvPr>
+          <p:cNvCxnSpPr>
+            <a:cxnSpLocks/>
+          </p:cNvCxnSpPr>
+          <p:nvPr/>
+        </p:nvCxnSpPr>
+        <p:spPr>
+          <a:xfrm flipV="1">
+            <a:off x="7560116" y="4206747"/>
+            <a:ext cx="0" cy="1789664"/>
+          </a:xfrm>
+          <a:prstGeom prst="line">
+            <a:avLst/>
+          </a:prstGeom>
+          <a:ln w="38100">
+            <a:prstDash val="dash"/>
+          </a:ln>
+        </p:spPr>
+        <p:style>
+          <a:lnRef idx="2">
+            <a:schemeClr val="accent1"/>
+          </a:lnRef>
+          <a:fillRef idx="0">
+            <a:schemeClr val="accent1"/>
+          </a:fillRef>
+          <a:effectRef idx="1">
+            <a:schemeClr val="accent1"/>
+          </a:effectRef>
+          <a:fontRef idx="minor">
+            <a:schemeClr val="tx1"/>
+          </a:fontRef>
+        </p:style>
+      </p:cxnSp>
+      <p:sp>
+        <p:nvSpPr>
+          <p:cNvPr id="16" name="Oval 15">
+            <a:extLst>
+              <a:ext uri="{FF2B5EF4-FFF2-40B4-BE49-F238E27FC236}">
+                <a16:creationId xmlns:a16="http://schemas.microsoft.com/office/drawing/2014/main" id="{A8D0D751-975D-127B-D4B8-7368A6D684BB}"/>
+              </a:ext>
+            </a:extLst>
+          </p:cNvPr>
+          <p:cNvSpPr/>
+          <p:nvPr/>
+        </p:nvSpPr>
+        <p:spPr>
+          <a:xfrm>
+            <a:off x="5145911" y="4099857"/>
+            <a:ext cx="246150" cy="247711"/>
+          </a:xfrm>
+          <a:prstGeom prst="ellipse">
+            <a:avLst/>
+          </a:prstGeom>
+          <a:solidFill>
+            <a:srgbClr val="C00000"/>
+          </a:solidFill>
+          <a:ln>
+            <a:solidFill>
+              <a:schemeClr val="tx1"/>
+            </a:solidFill>
+          </a:ln>
+        </p:spPr>
+        <p:style>
+          <a:lnRef idx="2">
+            <a:schemeClr val="accent1">
+              <a:shade val="15000"/>
+            </a:schemeClr>
+          </a:lnRef>
+          <a:fillRef idx="1">
+            <a:schemeClr val="accent1"/>
+          </a:fillRef>
+          <a:effectRef idx="0">
+            <a:schemeClr val="accent1"/>
+          </a:effectRef>
+          <a:fontRef idx="minor">
+            <a:schemeClr val="lt1"/>
+          </a:fontRef>
+        </p:style>
+        <p:txBody>
+          <a:bodyPr rtlCol="0" anchor="ctr"/>
+          <a:lstStyle/>
+          <a:p>
+            <a:pPr algn="ctr"/>
+            <a:endParaRPr lang="en-US"/>
+          </a:p>
+        </p:txBody>
+      </p:sp>
+      <p:sp>
+        <p:nvSpPr>
+          <p:cNvPr id="17" name="Oval 16">
+            <a:extLst>
+              <a:ext uri="{FF2B5EF4-FFF2-40B4-BE49-F238E27FC236}">
+                <a16:creationId xmlns:a16="http://schemas.microsoft.com/office/drawing/2014/main" id="{220697F5-825A-1193-D188-165E069C94E8}"/>
+              </a:ext>
+            </a:extLst>
+          </p:cNvPr>
+          <p:cNvSpPr/>
+          <p:nvPr/>
+        </p:nvSpPr>
+        <p:spPr>
+          <a:xfrm>
+            <a:off x="7437042" y="4077678"/>
+            <a:ext cx="246150" cy="247711"/>
+          </a:xfrm>
+          <a:prstGeom prst="ellipse">
+            <a:avLst/>
+          </a:prstGeom>
+          <a:solidFill>
+            <a:srgbClr val="C00000"/>
+          </a:solidFill>
+          <a:ln>
+            <a:solidFill>
+              <a:schemeClr val="tx1"/>
+            </a:solidFill>
+          </a:ln>
+        </p:spPr>
+        <p:style>
+          <a:lnRef idx="2">
+            <a:schemeClr val="accent1">
+              <a:shade val="15000"/>
+            </a:schemeClr>
+          </a:lnRef>
+          <a:fillRef idx="1">
+            <a:schemeClr val="accent1"/>
+          </a:fillRef>
+          <a:effectRef idx="0">
+            <a:schemeClr val="accent1"/>
+          </a:effectRef>
+          <a:fontRef idx="minor">
+            <a:schemeClr val="lt1"/>
+          </a:fontRef>
+        </p:style>
+        <p:txBody>
+          <a:bodyPr rtlCol="0" anchor="ctr"/>
+          <a:lstStyle/>
+          <a:p>
+            <a:pPr algn="ctr"/>
+            <a:endParaRPr lang="en-US"/>
+          </a:p>
+        </p:txBody>
+      </p:sp>
+      <mc:AlternateContent xmlns:mc="http://schemas.openxmlformats.org/markup-compatibility/2006">
+        <mc:Choice xmlns:a14="http://schemas.microsoft.com/office/drawing/2010/main" Requires="a14">
+          <p:sp>
+            <p:nvSpPr>
+              <p:cNvPr id="18" name="TextBox 17">
+                <a:extLst>
+                  <a:ext uri="{FF2B5EF4-FFF2-40B4-BE49-F238E27FC236}">
+                    <a16:creationId xmlns:a16="http://schemas.microsoft.com/office/drawing/2014/main" id="{CBC4E6DB-4F6D-4AC1-80F5-C989ECCA18AD}"/>
+                  </a:ext>
+                </a:extLst>
+              </p:cNvPr>
+              <p:cNvSpPr txBox="1"/>
+              <p:nvPr/>
+            </p:nvSpPr>
+            <p:spPr>
+              <a:xfrm>
+                <a:off x="4961298" y="5998712"/>
+                <a:ext cx="609600" cy="523220"/>
+              </a:xfrm>
+              <a:prstGeom prst="rect">
+                <a:avLst/>
+              </a:prstGeom>
+              <a:noFill/>
+            </p:spPr>
+            <p:txBody>
+              <a:bodyPr wrap="square" rtlCol="0">
+                <a:spAutoFit/>
+              </a:bodyPr>
+              <a:lstStyle/>
+              <a:p>
+                <a:pPr/>
+                <a14:m>
+                  <m:oMathPara xmlns:m="http://schemas.openxmlformats.org/officeDocument/2006/math">
+                    <m:oMathParaPr>
+                      <m:jc m:val="centerGroup"/>
+                    </m:oMathParaPr>
+                    <m:oMath xmlns:m="http://schemas.openxmlformats.org/officeDocument/2006/math">
+                      <m:sSubSup>
+                        <m:sSubSupPr>
+                          <m:ctrlPr>
+                            <a:rPr lang="en-US" sz="2800" b="1" i="1" smtClean="0">
+                              <a:latin typeface="Cambria Math" panose="02040503050406030204" pitchFamily="18" charset="0"/>
+                            </a:rPr>
+                          </m:ctrlPr>
+                        </m:sSubSupPr>
+                        <m:e>
+                          <m:r>
+                            <a:rPr lang="en-US" sz="2800" b="1" i="1" smtClean="0">
+                              <a:latin typeface="Cambria Math" panose="02040503050406030204" pitchFamily="18" charset="0"/>
+                            </a:rPr>
+                            <m:t>𝑸</m:t>
+                          </m:r>
+                        </m:e>
+                        <m:sub>
+                          <m:r>
+                            <a:rPr lang="en-US" sz="2800" b="1" i="1" smtClean="0">
+                              <a:latin typeface="Cambria Math" panose="02040503050406030204" pitchFamily="18" charset="0"/>
+                            </a:rPr>
+                            <m:t>𝑺</m:t>
+                          </m:r>
+                        </m:sub>
+                        <m:sup>
+                          <m:r>
+                            <a:rPr lang="en-US" sz="2800" b="1" i="1" smtClean="0">
+                              <a:latin typeface="Cambria Math" panose="02040503050406030204" pitchFamily="18" charset="0"/>
+                            </a:rPr>
+                            <m:t> </m:t>
+                          </m:r>
+                        </m:sup>
+                      </m:sSubSup>
+                    </m:oMath>
+                  </m:oMathPara>
+                </a14:m>
+                <a:endParaRPr lang="en-US" sz="2800" b="1" dirty="0"/>
+              </a:p>
+            </p:txBody>
+          </p:sp>
+        </mc:Choice>
+        <mc:Fallback>
+          <p:sp>
+            <p:nvSpPr>
+              <p:cNvPr id="18" name="TextBox 17">
+                <a:extLst>
+                  <a:ext uri="{FF2B5EF4-FFF2-40B4-BE49-F238E27FC236}">
+                    <a16:creationId xmlns:a16="http://schemas.microsoft.com/office/drawing/2014/main" id="{CBC4E6DB-4F6D-4AC1-80F5-C989ECCA18AD}"/>
+                  </a:ext>
+                </a:extLst>
+              </p:cNvPr>
+              <p:cNvSpPr txBox="1">
+                <a:spLocks noRot="1" noChangeAspect="1" noMove="1" noResize="1" noEditPoints="1" noAdjustHandles="1" noChangeArrowheads="1" noChangeShapeType="1" noTextEdit="1"/>
+              </p:cNvSpPr>
+              <p:nvPr/>
+            </p:nvSpPr>
+            <p:spPr>
+              <a:xfrm>
+                <a:off x="4961298" y="5998712"/>
+                <a:ext cx="609600" cy="523220"/>
+              </a:xfrm>
+              <a:prstGeom prst="rect">
+                <a:avLst/>
+              </a:prstGeom>
+              <a:blipFill>
+                <a:blip r:embed="rId4"/>
+                <a:stretch>
+                  <a:fillRect l="-10204" t="-7143" b="-14286"/>
+                </a:stretch>
+              </a:blipFill>
+            </p:spPr>
+            <p:txBody>
+              <a:bodyPr/>
+              <a:lstStyle/>
+              <a:p>
+                <a:r>
+                  <a:rPr lang="en-US">
+                    <a:noFill/>
+                  </a:rPr>
+                  <a:t> </a:t>
+                </a:r>
+              </a:p>
+            </p:txBody>
+          </p:sp>
+        </mc:Fallback>
+      </mc:AlternateContent>
+      <mc:AlternateContent xmlns:mc="http://schemas.openxmlformats.org/markup-compatibility/2006">
+        <mc:Choice xmlns:a14="http://schemas.microsoft.com/office/drawing/2010/main" Requires="a14">
+          <p:sp>
+            <p:nvSpPr>
+              <p:cNvPr id="19" name="TextBox 18">
+                <a:extLst>
+                  <a:ext uri="{FF2B5EF4-FFF2-40B4-BE49-F238E27FC236}">
+                    <a16:creationId xmlns:a16="http://schemas.microsoft.com/office/drawing/2014/main" id="{09B806B8-7394-B5E0-51A5-9939F7A8805F}"/>
+                  </a:ext>
+                </a:extLst>
+              </p:cNvPr>
+              <p:cNvSpPr txBox="1"/>
+              <p:nvPr/>
+            </p:nvSpPr>
+            <p:spPr>
+              <a:xfrm>
+                <a:off x="7255316" y="6014501"/>
+                <a:ext cx="609600" cy="532646"/>
+              </a:xfrm>
+              <a:prstGeom prst="rect">
+                <a:avLst/>
+              </a:prstGeom>
+              <a:noFill/>
+            </p:spPr>
+            <p:txBody>
+              <a:bodyPr wrap="square" rtlCol="0">
+                <a:spAutoFit/>
+              </a:bodyPr>
+              <a:lstStyle/>
+              <a:p>
+                <a:pPr/>
+                <a14:m>
+                  <m:oMathPara xmlns:m="http://schemas.openxmlformats.org/officeDocument/2006/math">
+                    <m:oMathParaPr>
+                      <m:jc m:val="centerGroup"/>
+                    </m:oMathParaPr>
+                    <m:oMath xmlns:m="http://schemas.openxmlformats.org/officeDocument/2006/math">
+                      <m:sSubSup>
+                        <m:sSubSupPr>
+                          <m:ctrlPr>
+                            <a:rPr lang="en-US" sz="2800" b="1" i="1" smtClean="0">
+                              <a:latin typeface="Cambria Math" panose="02040503050406030204" pitchFamily="18" charset="0"/>
+                            </a:rPr>
+                          </m:ctrlPr>
+                        </m:sSubSupPr>
+                        <m:e>
+                          <m:r>
+                            <a:rPr lang="en-US" sz="2800" b="1" i="1" smtClean="0">
+                              <a:latin typeface="Cambria Math" panose="02040503050406030204" pitchFamily="18" charset="0"/>
+                            </a:rPr>
+                            <m:t>𝑸</m:t>
+                          </m:r>
+                        </m:e>
+                        <m:sub>
+                          <m:r>
+                            <a:rPr lang="en-US" sz="2800" b="1" i="1" smtClean="0">
+                              <a:latin typeface="Cambria Math" panose="02040503050406030204" pitchFamily="18" charset="0"/>
+                            </a:rPr>
+                            <m:t>𝑫</m:t>
+                          </m:r>
+                        </m:sub>
+                        <m:sup>
+                          <m:r>
+                            <a:rPr lang="en-US" sz="2800" b="1" i="1" smtClean="0">
+                              <a:latin typeface="Cambria Math" panose="02040503050406030204" pitchFamily="18" charset="0"/>
+                            </a:rPr>
+                            <m:t> </m:t>
+                          </m:r>
+                        </m:sup>
+                      </m:sSubSup>
+                    </m:oMath>
+                  </m:oMathPara>
+                </a14:m>
+                <a:endParaRPr lang="en-US" sz="2800" b="1" dirty="0"/>
+              </a:p>
+            </p:txBody>
+          </p:sp>
+        </mc:Choice>
+        <mc:Fallback>
+          <p:sp>
+            <p:nvSpPr>
+              <p:cNvPr id="19" name="TextBox 18">
+                <a:extLst>
+                  <a:ext uri="{FF2B5EF4-FFF2-40B4-BE49-F238E27FC236}">
+                    <a16:creationId xmlns:a16="http://schemas.microsoft.com/office/drawing/2014/main" id="{09B806B8-7394-B5E0-51A5-9939F7A8805F}"/>
+                  </a:ext>
+                </a:extLst>
+              </p:cNvPr>
+              <p:cNvSpPr txBox="1">
+                <a:spLocks noRot="1" noChangeAspect="1" noMove="1" noResize="1" noEditPoints="1" noAdjustHandles="1" noChangeArrowheads="1" noChangeShapeType="1" noTextEdit="1"/>
+              </p:cNvSpPr>
+              <p:nvPr/>
+            </p:nvSpPr>
+            <p:spPr>
+              <a:xfrm>
+                <a:off x="7255316" y="6014501"/>
+                <a:ext cx="609600" cy="532646"/>
+              </a:xfrm>
+              <a:prstGeom prst="rect">
+                <a:avLst/>
+              </a:prstGeom>
+              <a:blipFill>
+                <a:blip r:embed="rId5"/>
+                <a:stretch>
+                  <a:fillRect l="-10204" t="-4651" r="-4082" b="-11628"/>
+                </a:stretch>
+              </a:blipFill>
+            </p:spPr>
+            <p:txBody>
+              <a:bodyPr/>
+              <a:lstStyle/>
+              <a:p>
+                <a:r>
+                  <a:rPr lang="en-US">
+                    <a:noFill/>
+                  </a:rPr>
+                  <a:t> </a:t>
+                </a:r>
+              </a:p>
+            </p:txBody>
+          </p:sp>
+        </mc:Fallback>
+      </mc:AlternateContent>
+      <mc:AlternateContent xmlns:mc="http://schemas.openxmlformats.org/markup-compatibility/2006">
+        <mc:Choice xmlns:a14="http://schemas.microsoft.com/office/drawing/2010/main" Requires="a14">
+          <p:sp>
+            <p:nvSpPr>
+              <p:cNvPr id="20" name="TextBox 19">
+                <a:extLst>
+                  <a:ext uri="{FF2B5EF4-FFF2-40B4-BE49-F238E27FC236}">
+                    <a16:creationId xmlns:a16="http://schemas.microsoft.com/office/drawing/2014/main" id="{775ADCEB-76BE-AA22-ABA0-B34AB7D535AF}"/>
+                  </a:ext>
+                </a:extLst>
+              </p:cNvPr>
+              <p:cNvSpPr txBox="1"/>
+              <p:nvPr/>
+            </p:nvSpPr>
+            <p:spPr>
+              <a:xfrm>
+                <a:off x="882432" y="4519060"/>
+                <a:ext cx="1097802" cy="369332"/>
+              </a:xfrm>
+              <a:prstGeom prst="rect">
+                <a:avLst/>
+              </a:prstGeom>
+              <a:noFill/>
+            </p:spPr>
+            <p:txBody>
+              <a:bodyPr wrap="square" rtlCol="0">
+                <a:spAutoFit/>
+              </a:bodyPr>
+              <a:lstStyle/>
+              <a:p>
+                <a:pPr/>
+                <a14:m>
+                  <m:oMathPara xmlns:m="http://schemas.openxmlformats.org/officeDocument/2006/math">
+                    <m:oMathParaPr>
+                      <m:jc m:val="centerGroup"/>
+                    </m:oMathParaPr>
+                    <m:oMath xmlns:m="http://schemas.openxmlformats.org/officeDocument/2006/math">
+                      <m:sSup>
+                        <m:sSupPr>
+                          <m:ctrlPr>
+                            <a:rPr lang="en-US" b="1" i="1" smtClean="0">
+                              <a:latin typeface="Cambria Math" panose="02040503050406030204" pitchFamily="18" charset="0"/>
+                            </a:rPr>
+                          </m:ctrlPr>
+                        </m:sSupPr>
+                        <m:e>
+                          <m:r>
+                            <a:rPr lang="en-US" b="1" i="1" smtClean="0">
+                              <a:latin typeface="Cambria Math" panose="02040503050406030204" pitchFamily="18" charset="0"/>
+                            </a:rPr>
+                            <m:t>𝑷</m:t>
+                          </m:r>
+                        </m:e>
+                        <m:sup>
+                          <m:r>
+                            <a:rPr lang="en-US" b="1" i="1" smtClean="0">
+                              <a:latin typeface="Cambria Math" panose="02040503050406030204" pitchFamily="18" charset="0"/>
+                            </a:rPr>
+                            <m:t>𝒘</m:t>
+                          </m:r>
+                        </m:sup>
+                      </m:sSup>
+                      <m:r>
+                        <a:rPr lang="en-US" b="1" i="1" smtClean="0">
+                          <a:latin typeface="Cambria Math" panose="02040503050406030204" pitchFamily="18" charset="0"/>
+                        </a:rPr>
+                        <m:t>=</m:t>
+                      </m:r>
+                      <m:r>
+                        <a:rPr lang="en-US" b="1" i="1" smtClean="0">
+                          <a:latin typeface="Cambria Math" panose="02040503050406030204" pitchFamily="18" charset="0"/>
+                        </a:rPr>
+                        <m:t>𝟐𝟓</m:t>
+                      </m:r>
+                    </m:oMath>
+                  </m:oMathPara>
+                </a14:m>
+                <a:endParaRPr lang="en-US" b="1" dirty="0"/>
+              </a:p>
+            </p:txBody>
+          </p:sp>
+        </mc:Choice>
+        <mc:Fallback>
+          <p:sp>
+            <p:nvSpPr>
+              <p:cNvPr id="20" name="TextBox 19">
+                <a:extLst>
+                  <a:ext uri="{FF2B5EF4-FFF2-40B4-BE49-F238E27FC236}">
+                    <a16:creationId xmlns:a16="http://schemas.microsoft.com/office/drawing/2014/main" id="{775ADCEB-76BE-AA22-ABA0-B34AB7D535AF}"/>
+                  </a:ext>
+                </a:extLst>
+              </p:cNvPr>
+              <p:cNvSpPr txBox="1">
+                <a:spLocks noRot="1" noChangeAspect="1" noMove="1" noResize="1" noEditPoints="1" noAdjustHandles="1" noChangeArrowheads="1" noChangeShapeType="1" noTextEdit="1"/>
+              </p:cNvSpPr>
+              <p:nvPr/>
+            </p:nvSpPr>
+            <p:spPr>
+              <a:xfrm>
+                <a:off x="882432" y="4519060"/>
+                <a:ext cx="1097802" cy="369332"/>
+              </a:xfrm>
+              <a:prstGeom prst="rect">
+                <a:avLst/>
+              </a:prstGeom>
+              <a:blipFill>
+                <a:blip r:embed="rId6"/>
+                <a:stretch>
+                  <a:fillRect/>
+                </a:stretch>
+              </a:blipFill>
+            </p:spPr>
+            <p:txBody>
+              <a:bodyPr/>
+              <a:lstStyle/>
+              <a:p>
+                <a:r>
+                  <a:rPr lang="en-US">
+                    <a:noFill/>
+                  </a:rPr>
+                  <a:t> </a:t>
+                </a:r>
+              </a:p>
+            </p:txBody>
+          </p:sp>
+        </mc:Fallback>
+      </mc:AlternateContent>
+      <mc:AlternateContent xmlns:mc="http://schemas.openxmlformats.org/markup-compatibility/2006">
+        <mc:Choice xmlns:a14="http://schemas.microsoft.com/office/drawing/2010/main" Requires="a14">
+          <p:sp>
+            <p:nvSpPr>
+              <p:cNvPr id="21" name="TextBox 20">
+                <a:extLst>
+                  <a:ext uri="{FF2B5EF4-FFF2-40B4-BE49-F238E27FC236}">
+                    <a16:creationId xmlns:a16="http://schemas.microsoft.com/office/drawing/2014/main" id="{6C9EB33D-BB93-9891-D0D6-7B7888AA960B}"/>
+                  </a:ext>
+                </a:extLst>
+              </p:cNvPr>
+              <p:cNvSpPr txBox="1"/>
+              <p:nvPr/>
+            </p:nvSpPr>
+            <p:spPr>
+              <a:xfrm>
+                <a:off x="1438864" y="3513926"/>
+                <a:ext cx="577168" cy="369332"/>
+              </a:xfrm>
+              <a:prstGeom prst="rect">
+                <a:avLst/>
+              </a:prstGeom>
+              <a:noFill/>
+            </p:spPr>
+            <p:txBody>
+              <a:bodyPr wrap="square" rtlCol="0">
+                <a:spAutoFit/>
+              </a:bodyPr>
+              <a:lstStyle/>
+              <a:p>
+                <a:pPr/>
+                <a14:m>
+                  <m:oMathPara xmlns:m="http://schemas.openxmlformats.org/officeDocument/2006/math">
+                    <m:oMathParaPr>
+                      <m:jc m:val="centerGroup"/>
+                    </m:oMathParaPr>
+                    <m:oMath xmlns:m="http://schemas.openxmlformats.org/officeDocument/2006/math">
+                      <m:sSup>
+                        <m:sSupPr>
+                          <m:ctrlPr>
+                            <a:rPr lang="en-US" b="1" i="1" smtClean="0">
+                              <a:latin typeface="Cambria Math" panose="02040503050406030204" pitchFamily="18" charset="0"/>
+                            </a:rPr>
+                          </m:ctrlPr>
+                        </m:sSupPr>
+                        <m:e>
+                          <m:r>
+                            <a:rPr lang="en-US" b="1" i="1" smtClean="0">
+                              <a:latin typeface="Cambria Math" panose="02040503050406030204" pitchFamily="18" charset="0"/>
+                            </a:rPr>
+                            <m:t>𝑷</m:t>
+                          </m:r>
+                        </m:e>
+                        <m:sup>
+                          <m:r>
+                            <a:rPr lang="en-US" b="1" i="1" smtClean="0">
+                              <a:latin typeface="Cambria Math" panose="02040503050406030204" pitchFamily="18" charset="0"/>
+                            </a:rPr>
+                            <m:t>∗</m:t>
+                          </m:r>
+                        </m:sup>
+                      </m:sSup>
+                    </m:oMath>
+                  </m:oMathPara>
+                </a14:m>
+                <a:endParaRPr lang="en-US" b="1" dirty="0"/>
+              </a:p>
+            </p:txBody>
+          </p:sp>
+        </mc:Choice>
+        <mc:Fallback>
+          <p:sp>
+            <p:nvSpPr>
+              <p:cNvPr id="21" name="TextBox 20">
+                <a:extLst>
+                  <a:ext uri="{FF2B5EF4-FFF2-40B4-BE49-F238E27FC236}">
+                    <a16:creationId xmlns:a16="http://schemas.microsoft.com/office/drawing/2014/main" id="{6C9EB33D-BB93-9891-D0D6-7B7888AA960B}"/>
+                  </a:ext>
+                </a:extLst>
+              </p:cNvPr>
+              <p:cNvSpPr txBox="1">
+                <a:spLocks noRot="1" noChangeAspect="1" noMove="1" noResize="1" noEditPoints="1" noAdjustHandles="1" noChangeArrowheads="1" noChangeShapeType="1" noTextEdit="1"/>
+              </p:cNvSpPr>
+              <p:nvPr/>
+            </p:nvSpPr>
+            <p:spPr>
+              <a:xfrm>
+                <a:off x="1438864" y="3513926"/>
+                <a:ext cx="577168" cy="369332"/>
+              </a:xfrm>
+              <a:prstGeom prst="rect">
+                <a:avLst/>
+              </a:prstGeom>
+              <a:blipFill>
+                <a:blip r:embed="rId7"/>
+                <a:stretch>
+                  <a:fillRect/>
+                </a:stretch>
+              </a:blipFill>
+            </p:spPr>
+            <p:txBody>
+              <a:bodyPr/>
+              <a:lstStyle/>
+              <a:p>
+                <a:r>
+                  <a:rPr lang="en-US">
+                    <a:noFill/>
+                  </a:rPr>
+                  <a:t> </a:t>
+                </a:r>
+              </a:p>
+            </p:txBody>
+          </p:sp>
+        </mc:Fallback>
+      </mc:AlternateContent>
+      <mc:AlternateContent xmlns:mc="http://schemas.openxmlformats.org/markup-compatibility/2006">
+        <mc:Choice xmlns:a14="http://schemas.microsoft.com/office/drawing/2010/main" Requires="a14">
+          <p:sp>
+            <p:nvSpPr>
+              <p:cNvPr id="22" name="TextBox 21">
+                <a:extLst>
+                  <a:ext uri="{FF2B5EF4-FFF2-40B4-BE49-F238E27FC236}">
+                    <a16:creationId xmlns:a16="http://schemas.microsoft.com/office/drawing/2014/main" id="{37F5B0F2-7829-8BD9-D7AA-7F96368E4806}"/>
+                  </a:ext>
+                </a:extLst>
+              </p:cNvPr>
+              <p:cNvSpPr txBox="1"/>
+              <p:nvPr/>
+            </p:nvSpPr>
+            <p:spPr>
+              <a:xfrm>
+                <a:off x="6051330" y="6023927"/>
+                <a:ext cx="577168" cy="523220"/>
+              </a:xfrm>
+              <a:prstGeom prst="rect">
+                <a:avLst/>
+              </a:prstGeom>
+              <a:noFill/>
+            </p:spPr>
+            <p:txBody>
+              <a:bodyPr wrap="square" rtlCol="0">
+                <a:spAutoFit/>
+              </a:bodyPr>
+              <a:lstStyle/>
+              <a:p>
+                <a:pPr/>
+                <a14:m>
+                  <m:oMathPara xmlns:m="http://schemas.openxmlformats.org/officeDocument/2006/math">
+                    <m:oMathParaPr>
+                      <m:jc m:val="centerGroup"/>
+                    </m:oMathParaPr>
+                    <m:oMath xmlns:m="http://schemas.openxmlformats.org/officeDocument/2006/math">
+                      <m:sSup>
+                        <m:sSupPr>
+                          <m:ctrlPr>
+                            <a:rPr lang="en-US" sz="2800" b="1" i="1" smtClean="0">
+                              <a:latin typeface="Cambria Math" panose="02040503050406030204" pitchFamily="18" charset="0"/>
+                            </a:rPr>
+                          </m:ctrlPr>
+                        </m:sSupPr>
+                        <m:e>
+                          <m:r>
+                            <a:rPr lang="en-US" sz="2800" b="1" i="1" smtClean="0">
+                              <a:latin typeface="Cambria Math" panose="02040503050406030204" pitchFamily="18" charset="0"/>
+                            </a:rPr>
+                            <m:t>𝑸</m:t>
+                          </m:r>
+                        </m:e>
+                        <m:sup>
+                          <m:r>
+                            <a:rPr lang="en-US" sz="2800" b="1" i="1" smtClean="0">
+                              <a:latin typeface="Cambria Math" panose="02040503050406030204" pitchFamily="18" charset="0"/>
+                            </a:rPr>
+                            <m:t>∗</m:t>
+                          </m:r>
+                        </m:sup>
+                      </m:sSup>
+                    </m:oMath>
+                  </m:oMathPara>
+                </a14:m>
+                <a:endParaRPr lang="en-US" sz="2800" b="1" dirty="0"/>
+              </a:p>
+            </p:txBody>
+          </p:sp>
+        </mc:Choice>
+        <mc:Fallback>
+          <p:sp>
+            <p:nvSpPr>
+              <p:cNvPr id="22" name="TextBox 21">
+                <a:extLst>
+                  <a:ext uri="{FF2B5EF4-FFF2-40B4-BE49-F238E27FC236}">
+                    <a16:creationId xmlns:a16="http://schemas.microsoft.com/office/drawing/2014/main" id="{37F5B0F2-7829-8BD9-D7AA-7F96368E4806}"/>
+                  </a:ext>
+                </a:extLst>
+              </p:cNvPr>
+              <p:cNvSpPr txBox="1">
+                <a:spLocks noRot="1" noChangeAspect="1" noMove="1" noResize="1" noEditPoints="1" noAdjustHandles="1" noChangeArrowheads="1" noChangeShapeType="1" noTextEdit="1"/>
+              </p:cNvSpPr>
+              <p:nvPr/>
+            </p:nvSpPr>
+            <p:spPr>
+              <a:xfrm>
+                <a:off x="6051330" y="6023927"/>
+                <a:ext cx="577168" cy="523220"/>
+              </a:xfrm>
+              <a:prstGeom prst="rect">
+                <a:avLst/>
+              </a:prstGeom>
+              <a:blipFill>
+                <a:blip r:embed="rId8"/>
+                <a:stretch>
+                  <a:fillRect l="-10870" b="-14286"/>
+                </a:stretch>
+              </a:blipFill>
+            </p:spPr>
+            <p:txBody>
+              <a:bodyPr/>
+              <a:lstStyle/>
+              <a:p>
+                <a:r>
+                  <a:rPr lang="en-US">
+                    <a:noFill/>
+                  </a:rPr>
+                  <a:t> </a:t>
+                </a:r>
+              </a:p>
+            </p:txBody>
+          </p:sp>
+        </mc:Fallback>
+      </mc:AlternateContent>
+      <mc:AlternateContent xmlns:mc="http://schemas.openxmlformats.org/markup-compatibility/2006">
+        <mc:Choice xmlns:a14="http://schemas.microsoft.com/office/drawing/2010/main" Requires="a14">
+          <p:sp>
+            <p:nvSpPr>
+              <p:cNvPr id="31" name="TextBox 30">
+                <a:extLst>
+                  <a:ext uri="{FF2B5EF4-FFF2-40B4-BE49-F238E27FC236}">
+                    <a16:creationId xmlns:a16="http://schemas.microsoft.com/office/drawing/2014/main" id="{DFDC3E84-653F-3378-C5AE-F8A1ACE5A020}"/>
+                  </a:ext>
+                </a:extLst>
+              </p:cNvPr>
+              <p:cNvSpPr txBox="1"/>
+              <p:nvPr/>
+            </p:nvSpPr>
+            <p:spPr>
+              <a:xfrm>
+                <a:off x="758286" y="3938897"/>
+                <a:ext cx="1257746" cy="523220"/>
+              </a:xfrm>
+              <a:prstGeom prst="rect">
+                <a:avLst/>
+              </a:prstGeom>
+              <a:noFill/>
+            </p:spPr>
+            <p:txBody>
+              <a:bodyPr wrap="square" rtlCol="0">
+                <a:spAutoFit/>
+              </a:bodyPr>
+              <a:lstStyle/>
+              <a:p>
+                <a:pPr/>
+                <a14:m>
+                  <m:oMathPara xmlns:m="http://schemas.openxmlformats.org/officeDocument/2006/math">
+                    <m:oMathParaPr>
+                      <m:jc m:val="centerGroup"/>
+                    </m:oMathParaPr>
+                    <m:oMath xmlns:m="http://schemas.openxmlformats.org/officeDocument/2006/math">
+                      <m:sSup>
+                        <m:sSupPr>
+                          <m:ctrlPr>
+                            <a:rPr lang="en-US" sz="2800" b="1" i="1" smtClean="0">
+                              <a:latin typeface="Cambria Math" panose="02040503050406030204" pitchFamily="18" charset="0"/>
+                            </a:rPr>
+                          </m:ctrlPr>
+                        </m:sSupPr>
+                        <m:e>
+                          <m:r>
+                            <a:rPr lang="en-US" sz="2800" b="1" i="1" smtClean="0">
+                              <a:latin typeface="Cambria Math" panose="02040503050406030204" pitchFamily="18" charset="0"/>
+                            </a:rPr>
+                            <m:t>𝑷</m:t>
+                          </m:r>
+                        </m:e>
+                        <m:sup>
+                          <m:r>
+                            <a:rPr lang="en-US" sz="2800" b="1" i="1" smtClean="0">
+                              <a:latin typeface="Cambria Math" panose="02040503050406030204" pitchFamily="18" charset="0"/>
+                            </a:rPr>
+                            <m:t>𝒘</m:t>
+                          </m:r>
+                        </m:sup>
+                      </m:sSup>
+                      <m:r>
+                        <a:rPr lang="en-US" sz="2800" b="1" i="1" smtClean="0">
+                          <a:latin typeface="Cambria Math" panose="02040503050406030204" pitchFamily="18" charset="0"/>
+                        </a:rPr>
+                        <m:t>+</m:t>
+                      </m:r>
+                      <m:r>
+                        <a:rPr lang="en-US" sz="2800" b="1" i="1" smtClean="0">
+                          <a:latin typeface="Cambria Math" panose="02040503050406030204" pitchFamily="18" charset="0"/>
+                        </a:rPr>
+                        <m:t>𝒕</m:t>
+                      </m:r>
+                    </m:oMath>
+                  </m:oMathPara>
+                </a14:m>
+                <a:endParaRPr lang="en-US" sz="2800" b="1" dirty="0"/>
+              </a:p>
+            </p:txBody>
+          </p:sp>
+        </mc:Choice>
+        <mc:Fallback>
+          <p:sp>
+            <p:nvSpPr>
+              <p:cNvPr id="31" name="TextBox 30">
+                <a:extLst>
+                  <a:ext uri="{FF2B5EF4-FFF2-40B4-BE49-F238E27FC236}">
+                    <a16:creationId xmlns:a16="http://schemas.microsoft.com/office/drawing/2014/main" id="{DFDC3E84-653F-3378-C5AE-F8A1ACE5A020}"/>
+                  </a:ext>
+                </a:extLst>
+              </p:cNvPr>
+              <p:cNvSpPr txBox="1">
+                <a:spLocks noRot="1" noChangeAspect="1" noMove="1" noResize="1" noEditPoints="1" noAdjustHandles="1" noChangeArrowheads="1" noChangeShapeType="1" noTextEdit="1"/>
+              </p:cNvSpPr>
+              <p:nvPr/>
+            </p:nvSpPr>
+            <p:spPr>
+              <a:xfrm>
+                <a:off x="758286" y="3938897"/>
+                <a:ext cx="1257746" cy="523220"/>
+              </a:xfrm>
+              <a:prstGeom prst="rect">
+                <a:avLst/>
+              </a:prstGeom>
+              <a:blipFill>
+                <a:blip r:embed="rId9"/>
+                <a:stretch>
+                  <a:fillRect l="-1000"/>
+                </a:stretch>
+              </a:blipFill>
+            </p:spPr>
+            <p:txBody>
+              <a:bodyPr/>
+              <a:lstStyle/>
+              <a:p>
+                <a:r>
+                  <a:rPr lang="en-US">
+                    <a:noFill/>
+                  </a:rPr>
+                  <a:t> </a:t>
+                </a:r>
+              </a:p>
+            </p:txBody>
+          </p:sp>
+        </mc:Fallback>
+      </mc:AlternateContent>
+    </p:spTree>
+    <p:extLst>
+      <p:ext uri="{BB962C8B-B14F-4D97-AF65-F5344CB8AC3E}">
+        <p14:creationId xmlns:p14="http://schemas.microsoft.com/office/powerpoint/2010/main" val="530143063"/>
       </p:ext>
     </p:extLst>
   </p:cSld>

--- a/Lectures/graph-maker-pp.pptx
+++ b/Lectures/graph-maker-pp.pptx
@@ -5,7 +5,7 @@
     <p:sldMasterId id="2147483648" r:id="rId1"/>
   </p:sldMasterIdLst>
   <p:notesMasterIdLst>
-    <p:notesMasterId r:id="rId30"/>
+    <p:notesMasterId r:id="rId32"/>
   </p:notesMasterIdLst>
   <p:sldIdLst>
     <p:sldId id="256" r:id="rId2"/>
@@ -36,6 +36,8 @@
     <p:sldId id="282" r:id="rId27"/>
     <p:sldId id="283" r:id="rId28"/>
     <p:sldId id="284" r:id="rId29"/>
+    <p:sldId id="285" r:id="rId30"/>
+    <p:sldId id="286" r:id="rId31"/>
   </p:sldIdLst>
   <p:sldSz cx="12192000" cy="6858000"/>
   <p:notesSz cx="6858000" cy="9144000"/>
@@ -224,7 +226,7 @@
           <a:p>
             <a:fld id="{729F6188-8EB9-A643-A05C-94D1DA380893}" type="datetimeFigureOut">
               <a:rPr lang="en-US" smtClean="0"/>
-              <a:t>11/19/25</a:t>
+              <a:t>11/23/25</a:t>
             </a:fld>
             <a:endParaRPr lang="en-US"/>
           </a:p>
@@ -722,7 +724,7 @@
           <a:p>
             <a:fld id="{67B564A3-C150-4636-B8BE-2AA93CC227AD}" type="datetimeFigureOut">
               <a:rPr lang="en-US" smtClean="0"/>
-              <a:t>11/19/25</a:t>
+              <a:t>11/23/25</a:t>
             </a:fld>
             <a:endParaRPr lang="en-US"/>
           </a:p>
@@ -920,7 +922,7 @@
           <a:p>
             <a:fld id="{67B564A3-C150-4636-B8BE-2AA93CC227AD}" type="datetimeFigureOut">
               <a:rPr lang="en-US" smtClean="0"/>
-              <a:t>11/19/25</a:t>
+              <a:t>11/23/25</a:t>
             </a:fld>
             <a:endParaRPr lang="en-US"/>
           </a:p>
@@ -1128,7 +1130,7 @@
           <a:p>
             <a:fld id="{67B564A3-C150-4636-B8BE-2AA93CC227AD}" type="datetimeFigureOut">
               <a:rPr lang="en-US" smtClean="0"/>
-              <a:t>11/19/25</a:t>
+              <a:t>11/23/25</a:t>
             </a:fld>
             <a:endParaRPr lang="en-US"/>
           </a:p>
@@ -1326,7 +1328,7 @@
           <a:p>
             <a:fld id="{67B564A3-C150-4636-B8BE-2AA93CC227AD}" type="datetimeFigureOut">
               <a:rPr lang="en-US" smtClean="0"/>
-              <a:t>11/19/25</a:t>
+              <a:t>11/23/25</a:t>
             </a:fld>
             <a:endParaRPr lang="en-US"/>
           </a:p>
@@ -1601,7 +1603,7 @@
           <a:p>
             <a:fld id="{67B564A3-C150-4636-B8BE-2AA93CC227AD}" type="datetimeFigureOut">
               <a:rPr lang="en-US" smtClean="0"/>
-              <a:t>11/19/25</a:t>
+              <a:t>11/23/25</a:t>
             </a:fld>
             <a:endParaRPr lang="en-US"/>
           </a:p>
@@ -1866,7 +1868,7 @@
           <a:p>
             <a:fld id="{67B564A3-C150-4636-B8BE-2AA93CC227AD}" type="datetimeFigureOut">
               <a:rPr lang="en-US" smtClean="0"/>
-              <a:t>11/19/25</a:t>
+              <a:t>11/23/25</a:t>
             </a:fld>
             <a:endParaRPr lang="en-US"/>
           </a:p>
@@ -2278,7 +2280,7 @@
           <a:p>
             <a:fld id="{67B564A3-C150-4636-B8BE-2AA93CC227AD}" type="datetimeFigureOut">
               <a:rPr lang="en-US" smtClean="0"/>
-              <a:t>11/19/25</a:t>
+              <a:t>11/23/25</a:t>
             </a:fld>
             <a:endParaRPr lang="en-US"/>
           </a:p>
@@ -2419,7 +2421,7 @@
           <a:p>
             <a:fld id="{67B564A3-C150-4636-B8BE-2AA93CC227AD}" type="datetimeFigureOut">
               <a:rPr lang="en-US" smtClean="0"/>
-              <a:t>11/19/25</a:t>
+              <a:t>11/23/25</a:t>
             </a:fld>
             <a:endParaRPr lang="en-US"/>
           </a:p>
@@ -2532,7 +2534,7 @@
           <a:p>
             <a:fld id="{67B564A3-C150-4636-B8BE-2AA93CC227AD}" type="datetimeFigureOut">
               <a:rPr lang="en-US" smtClean="0"/>
-              <a:t>11/19/25</a:t>
+              <a:t>11/23/25</a:t>
             </a:fld>
             <a:endParaRPr lang="en-US"/>
           </a:p>
@@ -2843,7 +2845,7 @@
           <a:p>
             <a:fld id="{67B564A3-C150-4636-B8BE-2AA93CC227AD}" type="datetimeFigureOut">
               <a:rPr lang="en-US" smtClean="0"/>
-              <a:t>11/19/25</a:t>
+              <a:t>11/23/25</a:t>
             </a:fld>
             <a:endParaRPr lang="en-US"/>
           </a:p>
@@ -3131,7 +3133,7 @@
           <a:p>
             <a:fld id="{67B564A3-C150-4636-B8BE-2AA93CC227AD}" type="datetimeFigureOut">
               <a:rPr lang="en-US" smtClean="0"/>
-              <a:t>11/19/25</a:t>
+              <a:t>11/23/25</a:t>
             </a:fld>
             <a:endParaRPr lang="en-US"/>
           </a:p>
@@ -3372,7 +3374,7 @@
           <a:p>
             <a:fld id="{67B564A3-C150-4636-B8BE-2AA93CC227AD}" type="datetimeFigureOut">
               <a:rPr lang="en-US" smtClean="0"/>
-              <a:t>11/19/25</a:t>
+              <a:t>11/23/25</a:t>
             </a:fld>
             <a:endParaRPr lang="en-US"/>
           </a:p>
@@ -25630,8 +25632,8 @@
           </a:p>
         </p:txBody>
       </p:sp>
-      <mc:AlternateContent xmlns:mc="http://schemas.openxmlformats.org/markup-compatibility/2006">
-        <mc:Choice xmlns:a14="http://schemas.microsoft.com/office/drawing/2010/main" Requires="a14">
+      <mc:AlternateContent xmlns:mc="http://schemas.openxmlformats.org/markup-compatibility/2006" xmlns:a14="http://schemas.microsoft.com/office/drawing/2010/main">
+        <mc:Choice Requires="a14">
           <p:sp>
             <p:nvSpPr>
               <p:cNvPr id="33" name="TextBox 32">
@@ -25710,7 +25712,7 @@
             </p:txBody>
           </p:sp>
         </mc:Choice>
-        <mc:Fallback>
+        <mc:Fallback xmlns="">
           <p:sp>
             <p:nvSpPr>
               <p:cNvPr id="33" name="TextBox 32">
@@ -25755,8 +25757,8 @@
           </p:sp>
         </mc:Fallback>
       </mc:AlternateContent>
-      <mc:AlternateContent xmlns:mc="http://schemas.openxmlformats.org/markup-compatibility/2006">
-        <mc:Choice xmlns:a14="http://schemas.microsoft.com/office/drawing/2010/main" Requires="a14">
+      <mc:AlternateContent xmlns:mc="http://schemas.openxmlformats.org/markup-compatibility/2006" xmlns:a14="http://schemas.microsoft.com/office/drawing/2010/main">
+        <mc:Choice Requires="a14">
           <p:sp>
             <p:nvSpPr>
               <p:cNvPr id="34" name="TextBox 33">
@@ -25835,7 +25837,7 @@
             </p:txBody>
           </p:sp>
         </mc:Choice>
-        <mc:Fallback>
+        <mc:Fallback xmlns="">
           <p:sp>
             <p:nvSpPr>
               <p:cNvPr id="34" name="TextBox 33">
@@ -25880,8 +25882,8 @@
           </p:sp>
         </mc:Fallback>
       </mc:AlternateContent>
-      <mc:AlternateContent xmlns:mc="http://schemas.openxmlformats.org/markup-compatibility/2006">
-        <mc:Choice xmlns:a14="http://schemas.microsoft.com/office/drawing/2010/main" Requires="a14">
+      <mc:AlternateContent xmlns:mc="http://schemas.openxmlformats.org/markup-compatibility/2006" xmlns:a14="http://schemas.microsoft.com/office/drawing/2010/main">
+        <mc:Choice Requires="a14">
           <p:sp>
             <p:nvSpPr>
               <p:cNvPr id="35" name="TextBox 34">
@@ -25931,7 +25933,7 @@
             </p:txBody>
           </p:sp>
         </mc:Choice>
-        <mc:Fallback>
+        <mc:Fallback xmlns="">
           <p:sp>
             <p:nvSpPr>
               <p:cNvPr id="35" name="TextBox 34">
@@ -25976,8 +25978,8 @@
           </p:sp>
         </mc:Fallback>
       </mc:AlternateContent>
-      <mc:AlternateContent xmlns:mc="http://schemas.openxmlformats.org/markup-compatibility/2006">
-        <mc:Choice xmlns:a14="http://schemas.microsoft.com/office/drawing/2010/main" Requires="a14">
+      <mc:AlternateContent xmlns:mc="http://schemas.openxmlformats.org/markup-compatibility/2006" xmlns:a14="http://schemas.microsoft.com/office/drawing/2010/main">
+        <mc:Choice Requires="a14">
           <p:sp>
             <p:nvSpPr>
               <p:cNvPr id="36" name="TextBox 35">
@@ -26027,7 +26029,7 @@
             </p:txBody>
           </p:sp>
         </mc:Choice>
-        <mc:Fallback>
+        <mc:Fallback xmlns="">
           <p:sp>
             <p:nvSpPr>
               <p:cNvPr id="36" name="TextBox 35">
@@ -26072,8 +26074,8 @@
           </p:sp>
         </mc:Fallback>
       </mc:AlternateContent>
-      <mc:AlternateContent xmlns:mc="http://schemas.openxmlformats.org/markup-compatibility/2006">
-        <mc:Choice xmlns:a14="http://schemas.microsoft.com/office/drawing/2010/main" Requires="a14">
+      <mc:AlternateContent xmlns:mc="http://schemas.openxmlformats.org/markup-compatibility/2006" xmlns:a14="http://schemas.microsoft.com/office/drawing/2010/main">
+        <mc:Choice Requires="a14">
           <p:sp>
             <p:nvSpPr>
               <p:cNvPr id="37" name="TextBox 36">
@@ -26123,7 +26125,7 @@
             </p:txBody>
           </p:sp>
         </mc:Choice>
-        <mc:Fallback>
+        <mc:Fallback xmlns="">
           <p:sp>
             <p:nvSpPr>
               <p:cNvPr id="37" name="TextBox 36">
@@ -26168,8 +26170,8 @@
           </p:sp>
         </mc:Fallback>
       </mc:AlternateContent>
-      <mc:AlternateContent xmlns:mc="http://schemas.openxmlformats.org/markup-compatibility/2006">
-        <mc:Choice xmlns:a14="http://schemas.microsoft.com/office/drawing/2010/main" Requires="a14">
+      <mc:AlternateContent xmlns:mc="http://schemas.openxmlformats.org/markup-compatibility/2006" xmlns:a14="http://schemas.microsoft.com/office/drawing/2010/main">
+        <mc:Choice Requires="a14">
           <p:sp>
             <p:nvSpPr>
               <p:cNvPr id="38" name="TextBox 37">
@@ -26219,7 +26221,7 @@
             </p:txBody>
           </p:sp>
         </mc:Choice>
-        <mc:Fallback>
+        <mc:Fallback xmlns="">
           <p:sp>
             <p:nvSpPr>
               <p:cNvPr id="38" name="TextBox 37">
@@ -26264,8 +26266,8 @@
           </p:sp>
         </mc:Fallback>
       </mc:AlternateContent>
-      <mc:AlternateContent xmlns:mc="http://schemas.openxmlformats.org/markup-compatibility/2006">
-        <mc:Choice xmlns:a14="http://schemas.microsoft.com/office/drawing/2010/main" Requires="a14">
+      <mc:AlternateContent xmlns:mc="http://schemas.openxmlformats.org/markup-compatibility/2006" xmlns:a14="http://schemas.microsoft.com/office/drawing/2010/main">
+        <mc:Choice Requires="a14">
           <p:sp>
             <p:nvSpPr>
               <p:cNvPr id="39" name="TextBox 38">
@@ -26315,7 +26317,7 @@
             </p:txBody>
           </p:sp>
         </mc:Choice>
-        <mc:Fallback>
+        <mc:Fallback xmlns="">
           <p:sp>
             <p:nvSpPr>
               <p:cNvPr id="39" name="TextBox 38">
@@ -26360,8 +26362,8 @@
           </p:sp>
         </mc:Fallback>
       </mc:AlternateContent>
-      <mc:AlternateContent xmlns:mc="http://schemas.openxmlformats.org/markup-compatibility/2006">
-        <mc:Choice xmlns:a14="http://schemas.microsoft.com/office/drawing/2010/main" Requires="a14">
+      <mc:AlternateContent xmlns:mc="http://schemas.openxmlformats.org/markup-compatibility/2006" xmlns:a14="http://schemas.microsoft.com/office/drawing/2010/main">
+        <mc:Choice Requires="a14">
           <p:sp>
             <p:nvSpPr>
               <p:cNvPr id="47" name="TextBox 46">
@@ -26411,7 +26413,7 @@
             </p:txBody>
           </p:sp>
         </mc:Choice>
-        <mc:Fallback>
+        <mc:Fallback xmlns="">
           <p:sp>
             <p:nvSpPr>
               <p:cNvPr id="47" name="TextBox 46">
@@ -26456,8 +26458,8 @@
           </p:sp>
         </mc:Fallback>
       </mc:AlternateContent>
-      <mc:AlternateContent xmlns:mc="http://schemas.openxmlformats.org/markup-compatibility/2006">
-        <mc:Choice xmlns:a14="http://schemas.microsoft.com/office/drawing/2010/main" Requires="a14">
+      <mc:AlternateContent xmlns:mc="http://schemas.openxmlformats.org/markup-compatibility/2006" xmlns:a14="http://schemas.microsoft.com/office/drawing/2010/main">
+        <mc:Choice Requires="a14">
           <p:sp>
             <p:nvSpPr>
               <p:cNvPr id="49" name="TextBox 48">
@@ -26507,7 +26509,7 @@
             </p:txBody>
           </p:sp>
         </mc:Choice>
-        <mc:Fallback>
+        <mc:Fallback xmlns="">
           <p:sp>
             <p:nvSpPr>
               <p:cNvPr id="49" name="TextBox 48">
@@ -26552,8 +26554,8 @@
           </p:sp>
         </mc:Fallback>
       </mc:AlternateContent>
-      <mc:AlternateContent xmlns:mc="http://schemas.openxmlformats.org/markup-compatibility/2006">
-        <mc:Choice xmlns:a14="http://schemas.microsoft.com/office/drawing/2010/main" Requires="a14">
+      <mc:AlternateContent xmlns:mc="http://schemas.openxmlformats.org/markup-compatibility/2006" xmlns:a14="http://schemas.microsoft.com/office/drawing/2010/main">
+        <mc:Choice Requires="a14">
           <p:sp>
             <p:nvSpPr>
               <p:cNvPr id="127" name="TextBox 126">
@@ -26603,7 +26605,7 @@
             </p:txBody>
           </p:sp>
         </mc:Choice>
-        <mc:Fallback>
+        <mc:Fallback xmlns="">
           <p:sp>
             <p:nvSpPr>
               <p:cNvPr id="127" name="TextBox 126">
@@ -26648,8 +26650,8 @@
           </p:sp>
         </mc:Fallback>
       </mc:AlternateContent>
-      <mc:AlternateContent xmlns:mc="http://schemas.openxmlformats.org/markup-compatibility/2006">
-        <mc:Choice xmlns:a14="http://schemas.microsoft.com/office/drawing/2010/main" Requires="a14">
+      <mc:AlternateContent xmlns:mc="http://schemas.openxmlformats.org/markup-compatibility/2006" xmlns:a14="http://schemas.microsoft.com/office/drawing/2010/main">
+        <mc:Choice Requires="a14">
           <p:sp>
             <p:nvSpPr>
               <p:cNvPr id="128" name="TextBox 127">
@@ -26699,7 +26701,7 @@
             </p:txBody>
           </p:sp>
         </mc:Choice>
-        <mc:Fallback>
+        <mc:Fallback xmlns="">
           <p:sp>
             <p:nvSpPr>
               <p:cNvPr id="128" name="TextBox 127">
@@ -26744,8 +26746,8 @@
           </p:sp>
         </mc:Fallback>
       </mc:AlternateContent>
-      <mc:AlternateContent xmlns:mc="http://schemas.openxmlformats.org/markup-compatibility/2006">
-        <mc:Choice xmlns:a14="http://schemas.microsoft.com/office/drawing/2010/main" Requires="a14">
+      <mc:AlternateContent xmlns:mc="http://schemas.openxmlformats.org/markup-compatibility/2006" xmlns:a14="http://schemas.microsoft.com/office/drawing/2010/main">
+        <mc:Choice Requires="a14">
           <p:sp>
             <p:nvSpPr>
               <p:cNvPr id="129" name="TextBox 128">
@@ -26795,7 +26797,7 @@
             </p:txBody>
           </p:sp>
         </mc:Choice>
-        <mc:Fallback>
+        <mc:Fallback xmlns="">
           <p:sp>
             <p:nvSpPr>
               <p:cNvPr id="129" name="TextBox 128">
@@ -26840,8 +26842,8 @@
           </p:sp>
         </mc:Fallback>
       </mc:AlternateContent>
-      <mc:AlternateContent xmlns:mc="http://schemas.openxmlformats.org/markup-compatibility/2006">
-        <mc:Choice xmlns:a14="http://schemas.microsoft.com/office/drawing/2010/main" Requires="a14">
+      <mc:AlternateContent xmlns:mc="http://schemas.openxmlformats.org/markup-compatibility/2006" xmlns:a14="http://schemas.microsoft.com/office/drawing/2010/main">
+        <mc:Choice Requires="a14">
           <p:sp>
             <p:nvSpPr>
               <p:cNvPr id="130" name="TextBox 129">
@@ -26891,7 +26893,7 @@
             </p:txBody>
           </p:sp>
         </mc:Choice>
-        <mc:Fallback>
+        <mc:Fallback xmlns="">
           <p:sp>
             <p:nvSpPr>
               <p:cNvPr id="130" name="TextBox 129">
@@ -26936,8 +26938,8 @@
           </p:sp>
         </mc:Fallback>
       </mc:AlternateContent>
-      <mc:AlternateContent xmlns:mc="http://schemas.openxmlformats.org/markup-compatibility/2006">
-        <mc:Choice xmlns:a14="http://schemas.microsoft.com/office/drawing/2010/main" Requires="a14">
+      <mc:AlternateContent xmlns:mc="http://schemas.openxmlformats.org/markup-compatibility/2006" xmlns:a14="http://schemas.microsoft.com/office/drawing/2010/main">
+        <mc:Choice Requires="a14">
           <p:sp>
             <p:nvSpPr>
               <p:cNvPr id="131" name="TextBox 130">
@@ -26987,7 +26989,7 @@
             </p:txBody>
           </p:sp>
         </mc:Choice>
-        <mc:Fallback>
+        <mc:Fallback xmlns="">
           <p:sp>
             <p:nvSpPr>
               <p:cNvPr id="131" name="TextBox 130">
@@ -27032,8 +27034,8 @@
           </p:sp>
         </mc:Fallback>
       </mc:AlternateContent>
-      <mc:AlternateContent xmlns:mc="http://schemas.openxmlformats.org/markup-compatibility/2006">
-        <mc:Choice xmlns:a14="http://schemas.microsoft.com/office/drawing/2010/main" Requires="a14">
+      <mc:AlternateContent xmlns:mc="http://schemas.openxmlformats.org/markup-compatibility/2006" xmlns:a14="http://schemas.microsoft.com/office/drawing/2010/main">
+        <mc:Choice Requires="a14">
           <p:sp>
             <p:nvSpPr>
               <p:cNvPr id="132" name="TextBox 131">
@@ -27083,7 +27085,7 @@
             </p:txBody>
           </p:sp>
         </mc:Choice>
-        <mc:Fallback>
+        <mc:Fallback xmlns="">
           <p:sp>
             <p:nvSpPr>
               <p:cNvPr id="132" name="TextBox 131">
@@ -27128,8 +27130,8 @@
           </p:sp>
         </mc:Fallback>
       </mc:AlternateContent>
-      <mc:AlternateContent xmlns:mc="http://schemas.openxmlformats.org/markup-compatibility/2006">
-        <mc:Choice xmlns:a14="http://schemas.microsoft.com/office/drawing/2010/main" Requires="a14">
+      <mc:AlternateContent xmlns:mc="http://schemas.openxmlformats.org/markup-compatibility/2006" xmlns:a14="http://schemas.microsoft.com/office/drawing/2010/main">
+        <mc:Choice Requires="a14">
           <p:sp>
             <p:nvSpPr>
               <p:cNvPr id="133" name="TextBox 132">
@@ -27179,7 +27181,7 @@
             </p:txBody>
           </p:sp>
         </mc:Choice>
-        <mc:Fallback>
+        <mc:Fallback xmlns="">
           <p:sp>
             <p:nvSpPr>
               <p:cNvPr id="133" name="TextBox 132">
@@ -27224,8 +27226,8 @@
           </p:sp>
         </mc:Fallback>
       </mc:AlternateContent>
-      <mc:AlternateContent xmlns:mc="http://schemas.openxmlformats.org/markup-compatibility/2006">
-        <mc:Choice xmlns:a14="http://schemas.microsoft.com/office/drawing/2010/main" Requires="a14">
+      <mc:AlternateContent xmlns:mc="http://schemas.openxmlformats.org/markup-compatibility/2006" xmlns:a14="http://schemas.microsoft.com/office/drawing/2010/main">
+        <mc:Choice Requires="a14">
           <p:sp>
             <p:nvSpPr>
               <p:cNvPr id="134" name="TextBox 133">
@@ -27275,7 +27277,7 @@
             </p:txBody>
           </p:sp>
         </mc:Choice>
-        <mc:Fallback>
+        <mc:Fallback xmlns="">
           <p:sp>
             <p:nvSpPr>
               <p:cNvPr id="134" name="TextBox 133">
@@ -27320,8 +27322,8 @@
           </p:sp>
         </mc:Fallback>
       </mc:AlternateContent>
-      <mc:AlternateContent xmlns:mc="http://schemas.openxmlformats.org/markup-compatibility/2006">
-        <mc:Choice xmlns:a14="http://schemas.microsoft.com/office/drawing/2010/main" Requires="a14">
+      <mc:AlternateContent xmlns:mc="http://schemas.openxmlformats.org/markup-compatibility/2006" xmlns:a14="http://schemas.microsoft.com/office/drawing/2010/main">
+        <mc:Choice Requires="a14">
           <p:sp>
             <p:nvSpPr>
               <p:cNvPr id="140" name="TextBox 139">
@@ -27371,7 +27373,7 @@
             </p:txBody>
           </p:sp>
         </mc:Choice>
-        <mc:Fallback>
+        <mc:Fallback xmlns="">
           <p:sp>
             <p:nvSpPr>
               <p:cNvPr id="140" name="TextBox 139">
@@ -27416,8 +27418,8 @@
           </p:sp>
         </mc:Fallback>
       </mc:AlternateContent>
-      <mc:AlternateContent xmlns:mc="http://schemas.openxmlformats.org/markup-compatibility/2006">
-        <mc:Choice xmlns:a14="http://schemas.microsoft.com/office/drawing/2010/main" Requires="a14">
+      <mc:AlternateContent xmlns:mc="http://schemas.openxmlformats.org/markup-compatibility/2006" xmlns:a14="http://schemas.microsoft.com/office/drawing/2010/main">
+        <mc:Choice Requires="a14">
           <p:sp>
             <p:nvSpPr>
               <p:cNvPr id="141" name="TextBox 140">
@@ -27467,7 +27469,7 @@
             </p:txBody>
           </p:sp>
         </mc:Choice>
-        <mc:Fallback>
+        <mc:Fallback xmlns="">
           <p:sp>
             <p:nvSpPr>
               <p:cNvPr id="141" name="TextBox 140">
@@ -27512,8 +27514,8 @@
           </p:sp>
         </mc:Fallback>
       </mc:AlternateContent>
-      <mc:AlternateContent xmlns:mc="http://schemas.openxmlformats.org/markup-compatibility/2006">
-        <mc:Choice xmlns:a14="http://schemas.microsoft.com/office/drawing/2010/main" Requires="a14">
+      <mc:AlternateContent xmlns:mc="http://schemas.openxmlformats.org/markup-compatibility/2006" xmlns:a14="http://schemas.microsoft.com/office/drawing/2010/main">
+        <mc:Choice Requires="a14">
           <p:sp>
             <p:nvSpPr>
               <p:cNvPr id="142" name="TextBox 141">
@@ -27563,7 +27565,7 @@
             </p:txBody>
           </p:sp>
         </mc:Choice>
-        <mc:Fallback>
+        <mc:Fallback xmlns="">
           <p:sp>
             <p:nvSpPr>
               <p:cNvPr id="142" name="TextBox 141">
@@ -27608,8 +27610,8 @@
           </p:sp>
         </mc:Fallback>
       </mc:AlternateContent>
-      <mc:AlternateContent xmlns:mc="http://schemas.openxmlformats.org/markup-compatibility/2006">
-        <mc:Choice xmlns:a14="http://schemas.microsoft.com/office/drawing/2010/main" Requires="a14">
+      <mc:AlternateContent xmlns:mc="http://schemas.openxmlformats.org/markup-compatibility/2006" xmlns:a14="http://schemas.microsoft.com/office/drawing/2010/main">
+        <mc:Choice Requires="a14">
           <p:sp>
             <p:nvSpPr>
               <p:cNvPr id="143" name="TextBox 142">
@@ -27659,7 +27661,7 @@
             </p:txBody>
           </p:sp>
         </mc:Choice>
-        <mc:Fallback>
+        <mc:Fallback xmlns="">
           <p:sp>
             <p:nvSpPr>
               <p:cNvPr id="143" name="TextBox 142">
@@ -27704,8 +27706,8 @@
           </p:sp>
         </mc:Fallback>
       </mc:AlternateContent>
-      <mc:AlternateContent xmlns:mc="http://schemas.openxmlformats.org/markup-compatibility/2006">
-        <mc:Choice xmlns:a14="http://schemas.microsoft.com/office/drawing/2010/main" Requires="a14">
+      <mc:AlternateContent xmlns:mc="http://schemas.openxmlformats.org/markup-compatibility/2006" xmlns:a14="http://schemas.microsoft.com/office/drawing/2010/main">
+        <mc:Choice Requires="a14">
           <p:sp>
             <p:nvSpPr>
               <p:cNvPr id="144" name="TextBox 143">
@@ -27755,7 +27757,7 @@
             </p:txBody>
           </p:sp>
         </mc:Choice>
-        <mc:Fallback>
+        <mc:Fallback xmlns="">
           <p:sp>
             <p:nvSpPr>
               <p:cNvPr id="144" name="TextBox 143">
@@ -27800,8 +27802,8 @@
           </p:sp>
         </mc:Fallback>
       </mc:AlternateContent>
-      <mc:AlternateContent xmlns:mc="http://schemas.openxmlformats.org/markup-compatibility/2006">
-        <mc:Choice xmlns:a14="http://schemas.microsoft.com/office/drawing/2010/main" Requires="a14">
+      <mc:AlternateContent xmlns:mc="http://schemas.openxmlformats.org/markup-compatibility/2006" xmlns:a14="http://schemas.microsoft.com/office/drawing/2010/main">
+        <mc:Choice Requires="a14">
           <p:sp>
             <p:nvSpPr>
               <p:cNvPr id="145" name="TextBox 144">
@@ -27851,7 +27853,7 @@
             </p:txBody>
           </p:sp>
         </mc:Choice>
-        <mc:Fallback>
+        <mc:Fallback xmlns="">
           <p:sp>
             <p:nvSpPr>
               <p:cNvPr id="145" name="TextBox 144">
@@ -27896,8 +27898,8 @@
           </p:sp>
         </mc:Fallback>
       </mc:AlternateContent>
-      <mc:AlternateContent xmlns:mc="http://schemas.openxmlformats.org/markup-compatibility/2006">
-        <mc:Choice xmlns:a14="http://schemas.microsoft.com/office/drawing/2010/main" Requires="a14">
+      <mc:AlternateContent xmlns:mc="http://schemas.openxmlformats.org/markup-compatibility/2006" xmlns:a14="http://schemas.microsoft.com/office/drawing/2010/main">
+        <mc:Choice Requires="a14">
           <p:sp>
             <p:nvSpPr>
               <p:cNvPr id="146" name="TextBox 145">
@@ -27947,7 +27949,7 @@
             </p:txBody>
           </p:sp>
         </mc:Choice>
-        <mc:Fallback>
+        <mc:Fallback xmlns="">
           <p:sp>
             <p:nvSpPr>
               <p:cNvPr id="146" name="TextBox 145">
@@ -27992,8 +27994,8 @@
           </p:sp>
         </mc:Fallback>
       </mc:AlternateContent>
-      <mc:AlternateContent xmlns:mc="http://schemas.openxmlformats.org/markup-compatibility/2006">
-        <mc:Choice xmlns:a14="http://schemas.microsoft.com/office/drawing/2010/main" Requires="a14">
+      <mc:AlternateContent xmlns:mc="http://schemas.openxmlformats.org/markup-compatibility/2006" xmlns:a14="http://schemas.microsoft.com/office/drawing/2010/main">
+        <mc:Choice Requires="a14">
           <p:sp>
             <p:nvSpPr>
               <p:cNvPr id="147" name="TextBox 146">
@@ -28043,7 +28045,7 @@
             </p:txBody>
           </p:sp>
         </mc:Choice>
-        <mc:Fallback>
+        <mc:Fallback xmlns="">
           <p:sp>
             <p:nvSpPr>
               <p:cNvPr id="147" name="TextBox 146">
@@ -28088,8 +28090,8 @@
           </p:sp>
         </mc:Fallback>
       </mc:AlternateContent>
-      <mc:AlternateContent xmlns:mc="http://schemas.openxmlformats.org/markup-compatibility/2006">
-        <mc:Choice xmlns:a14="http://schemas.microsoft.com/office/drawing/2010/main" Requires="a14">
+      <mc:AlternateContent xmlns:mc="http://schemas.openxmlformats.org/markup-compatibility/2006" xmlns:a14="http://schemas.microsoft.com/office/drawing/2010/main">
+        <mc:Choice Requires="a14">
           <p:sp>
             <p:nvSpPr>
               <p:cNvPr id="148" name="TextBox 147">
@@ -28139,7 +28141,7 @@
             </p:txBody>
           </p:sp>
         </mc:Choice>
-        <mc:Fallback>
+        <mc:Fallback xmlns="">
           <p:sp>
             <p:nvSpPr>
               <p:cNvPr id="148" name="TextBox 147">
@@ -28409,8 +28411,8 @@
           </a:fontRef>
         </p:style>
       </p:cxnSp>
-      <mc:AlternateContent xmlns:mc="http://schemas.openxmlformats.org/markup-compatibility/2006">
-        <mc:Choice xmlns:a14="http://schemas.microsoft.com/office/drawing/2010/main" Requires="a14">
+      <mc:AlternateContent xmlns:mc="http://schemas.openxmlformats.org/markup-compatibility/2006" xmlns:a14="http://schemas.microsoft.com/office/drawing/2010/main">
+        <mc:Choice Requires="a14">
           <p:sp>
             <p:nvSpPr>
               <p:cNvPr id="10" name="TextBox 9">
@@ -28474,7 +28476,7 @@
             </p:txBody>
           </p:sp>
         </mc:Choice>
-        <mc:Fallback>
+        <mc:Fallback xmlns="">
           <p:sp>
             <p:nvSpPr>
               <p:cNvPr id="10" name="TextBox 9">
@@ -28522,8 +28524,8 @@
           </p:sp>
         </mc:Fallback>
       </mc:AlternateContent>
-      <mc:AlternateContent xmlns:mc="http://schemas.openxmlformats.org/markup-compatibility/2006">
-        <mc:Choice xmlns:a14="http://schemas.microsoft.com/office/drawing/2010/main" Requires="a14">
+      <mc:AlternateContent xmlns:mc="http://schemas.openxmlformats.org/markup-compatibility/2006" xmlns:a14="http://schemas.microsoft.com/office/drawing/2010/main">
+        <mc:Choice Requires="a14">
           <p:sp>
             <p:nvSpPr>
               <p:cNvPr id="11" name="TextBox 10">
@@ -28587,7 +28589,7 @@
             </p:txBody>
           </p:sp>
         </mc:Choice>
-        <mc:Fallback>
+        <mc:Fallback xmlns="">
           <p:sp>
             <p:nvSpPr>
               <p:cNvPr id="11" name="TextBox 10">
@@ -29018,8 +29020,8 @@
           </a:p>
         </p:txBody>
       </p:sp>
-      <mc:AlternateContent xmlns:mc="http://schemas.openxmlformats.org/markup-compatibility/2006">
-        <mc:Choice xmlns:a14="http://schemas.microsoft.com/office/drawing/2010/main" Requires="a14">
+      <mc:AlternateContent xmlns:mc="http://schemas.openxmlformats.org/markup-compatibility/2006" xmlns:a14="http://schemas.microsoft.com/office/drawing/2010/main">
+        <mc:Choice Requires="a14">
           <p:sp>
             <p:nvSpPr>
               <p:cNvPr id="26" name="TextBox 25">
@@ -29096,7 +29098,7 @@
             </p:txBody>
           </p:sp>
         </mc:Choice>
-        <mc:Fallback>
+        <mc:Fallback xmlns="">
           <p:sp>
             <p:nvSpPr>
               <p:cNvPr id="26" name="TextBox 25">
@@ -29141,8 +29143,8 @@
           </p:sp>
         </mc:Fallback>
       </mc:AlternateContent>
-      <mc:AlternateContent xmlns:mc="http://schemas.openxmlformats.org/markup-compatibility/2006">
-        <mc:Choice xmlns:a14="http://schemas.microsoft.com/office/drawing/2010/main" Requires="a14">
+      <mc:AlternateContent xmlns:mc="http://schemas.openxmlformats.org/markup-compatibility/2006" xmlns:a14="http://schemas.microsoft.com/office/drawing/2010/main">
+        <mc:Choice Requires="a14">
           <p:sp>
             <p:nvSpPr>
               <p:cNvPr id="27" name="TextBox 26">
@@ -29219,7 +29221,7 @@
             </p:txBody>
           </p:sp>
         </mc:Choice>
-        <mc:Fallback>
+        <mc:Fallback xmlns="">
           <p:sp>
             <p:nvSpPr>
               <p:cNvPr id="27" name="TextBox 26">
@@ -29264,8 +29266,8 @@
           </p:sp>
         </mc:Fallback>
       </mc:AlternateContent>
-      <mc:AlternateContent xmlns:mc="http://schemas.openxmlformats.org/markup-compatibility/2006">
-        <mc:Choice xmlns:a14="http://schemas.microsoft.com/office/drawing/2010/main" Requires="a14">
+      <mc:AlternateContent xmlns:mc="http://schemas.openxmlformats.org/markup-compatibility/2006" xmlns:a14="http://schemas.microsoft.com/office/drawing/2010/main">
+        <mc:Choice Requires="a14">
           <p:sp>
             <p:nvSpPr>
               <p:cNvPr id="28" name="TextBox 27">
@@ -29346,7 +29348,7 @@
             </p:txBody>
           </p:sp>
         </mc:Choice>
-        <mc:Fallback>
+        <mc:Fallback xmlns="">
           <p:sp>
             <p:nvSpPr>
               <p:cNvPr id="28" name="TextBox 27">
@@ -29391,8 +29393,8 @@
           </p:sp>
         </mc:Fallback>
       </mc:AlternateContent>
-      <mc:AlternateContent xmlns:mc="http://schemas.openxmlformats.org/markup-compatibility/2006">
-        <mc:Choice xmlns:a14="http://schemas.microsoft.com/office/drawing/2010/main" Requires="a14">
+      <mc:AlternateContent xmlns:mc="http://schemas.openxmlformats.org/markup-compatibility/2006" xmlns:a14="http://schemas.microsoft.com/office/drawing/2010/main">
+        <mc:Choice Requires="a14">
           <p:sp>
             <p:nvSpPr>
               <p:cNvPr id="31" name="TextBox 30">
@@ -29461,7 +29463,7 @@
             </p:txBody>
           </p:sp>
         </mc:Choice>
-        <mc:Fallback>
+        <mc:Fallback xmlns="">
           <p:sp>
             <p:nvSpPr>
               <p:cNvPr id="31" name="TextBox 30">
@@ -29506,8 +29508,8 @@
           </p:sp>
         </mc:Fallback>
       </mc:AlternateContent>
-      <mc:AlternateContent xmlns:mc="http://schemas.openxmlformats.org/markup-compatibility/2006">
-        <mc:Choice xmlns:a14="http://schemas.microsoft.com/office/drawing/2010/main" Requires="a14">
+      <mc:AlternateContent xmlns:mc="http://schemas.openxmlformats.org/markup-compatibility/2006" xmlns:a14="http://schemas.microsoft.com/office/drawing/2010/main">
+        <mc:Choice Requires="a14">
           <p:sp>
             <p:nvSpPr>
               <p:cNvPr id="32" name="TextBox 31">
@@ -29576,7 +29578,7 @@
             </p:txBody>
           </p:sp>
         </mc:Choice>
-        <mc:Fallback>
+        <mc:Fallback xmlns="">
           <p:sp>
             <p:nvSpPr>
               <p:cNvPr id="32" name="TextBox 31">
@@ -29999,8 +30001,8 @@
           </a:fontRef>
         </p:style>
       </p:cxnSp>
-      <mc:AlternateContent xmlns:mc="http://schemas.openxmlformats.org/markup-compatibility/2006">
-        <mc:Choice xmlns:a14="http://schemas.microsoft.com/office/drawing/2010/main" Requires="a14">
+      <mc:AlternateContent xmlns:mc="http://schemas.openxmlformats.org/markup-compatibility/2006" xmlns:a14="http://schemas.microsoft.com/office/drawing/2010/main">
+        <mc:Choice Requires="a14">
           <p:sp>
             <p:nvSpPr>
               <p:cNvPr id="7" name="TextBox 6">
@@ -30064,7 +30066,7 @@
             </p:txBody>
           </p:sp>
         </mc:Choice>
-        <mc:Fallback>
+        <mc:Fallback xmlns="">
           <p:sp>
             <p:nvSpPr>
               <p:cNvPr id="7" name="TextBox 6">
@@ -30112,8 +30114,8 @@
           </p:sp>
         </mc:Fallback>
       </mc:AlternateContent>
-      <mc:AlternateContent xmlns:mc="http://schemas.openxmlformats.org/markup-compatibility/2006">
-        <mc:Choice xmlns:a14="http://schemas.microsoft.com/office/drawing/2010/main" Requires="a14">
+      <mc:AlternateContent xmlns:mc="http://schemas.openxmlformats.org/markup-compatibility/2006" xmlns:a14="http://schemas.microsoft.com/office/drawing/2010/main">
+        <mc:Choice Requires="a14">
           <p:sp>
             <p:nvSpPr>
               <p:cNvPr id="8" name="TextBox 7">
@@ -30177,7 +30179,7 @@
             </p:txBody>
           </p:sp>
         </mc:Choice>
-        <mc:Fallback>
+        <mc:Fallback xmlns="">
           <p:sp>
             <p:nvSpPr>
               <p:cNvPr id="8" name="TextBox 7">
@@ -30608,8 +30610,8 @@
           </a:p>
         </p:txBody>
       </p:sp>
-      <mc:AlternateContent xmlns:mc="http://schemas.openxmlformats.org/markup-compatibility/2006">
-        <mc:Choice xmlns:a14="http://schemas.microsoft.com/office/drawing/2010/main" Requires="a14">
+      <mc:AlternateContent xmlns:mc="http://schemas.openxmlformats.org/markup-compatibility/2006" xmlns:a14="http://schemas.microsoft.com/office/drawing/2010/main">
+        <mc:Choice Requires="a14">
           <p:sp>
             <p:nvSpPr>
               <p:cNvPr id="18" name="TextBox 17">
@@ -30686,7 +30688,7 @@
             </p:txBody>
           </p:sp>
         </mc:Choice>
-        <mc:Fallback>
+        <mc:Fallback xmlns="">
           <p:sp>
             <p:nvSpPr>
               <p:cNvPr id="18" name="TextBox 17">
@@ -30731,8 +30733,8 @@
           </p:sp>
         </mc:Fallback>
       </mc:AlternateContent>
-      <mc:AlternateContent xmlns:mc="http://schemas.openxmlformats.org/markup-compatibility/2006">
-        <mc:Choice xmlns:a14="http://schemas.microsoft.com/office/drawing/2010/main" Requires="a14">
+      <mc:AlternateContent xmlns:mc="http://schemas.openxmlformats.org/markup-compatibility/2006" xmlns:a14="http://schemas.microsoft.com/office/drawing/2010/main">
+        <mc:Choice Requires="a14">
           <p:sp>
             <p:nvSpPr>
               <p:cNvPr id="19" name="TextBox 18">
@@ -30809,7 +30811,7 @@
             </p:txBody>
           </p:sp>
         </mc:Choice>
-        <mc:Fallback>
+        <mc:Fallback xmlns="">
           <p:sp>
             <p:nvSpPr>
               <p:cNvPr id="19" name="TextBox 18">
@@ -30854,8 +30856,8 @@
           </p:sp>
         </mc:Fallback>
       </mc:AlternateContent>
-      <mc:AlternateContent xmlns:mc="http://schemas.openxmlformats.org/markup-compatibility/2006">
-        <mc:Choice xmlns:a14="http://schemas.microsoft.com/office/drawing/2010/main" Requires="a14">
+      <mc:AlternateContent xmlns:mc="http://schemas.openxmlformats.org/markup-compatibility/2006" xmlns:a14="http://schemas.microsoft.com/office/drawing/2010/main">
+        <mc:Choice Requires="a14">
           <p:sp>
             <p:nvSpPr>
               <p:cNvPr id="20" name="TextBox 19">
@@ -30936,7 +30938,7 @@
             </p:txBody>
           </p:sp>
         </mc:Choice>
-        <mc:Fallback>
+        <mc:Fallback xmlns="">
           <p:sp>
             <p:nvSpPr>
               <p:cNvPr id="20" name="TextBox 19">
@@ -30981,8 +30983,8 @@
           </p:sp>
         </mc:Fallback>
       </mc:AlternateContent>
-      <mc:AlternateContent xmlns:mc="http://schemas.openxmlformats.org/markup-compatibility/2006">
-        <mc:Choice xmlns:a14="http://schemas.microsoft.com/office/drawing/2010/main" Requires="a14">
+      <mc:AlternateContent xmlns:mc="http://schemas.openxmlformats.org/markup-compatibility/2006" xmlns:a14="http://schemas.microsoft.com/office/drawing/2010/main">
+        <mc:Choice Requires="a14">
           <p:sp>
             <p:nvSpPr>
               <p:cNvPr id="21" name="TextBox 20">
@@ -31051,7 +31053,7 @@
             </p:txBody>
           </p:sp>
         </mc:Choice>
-        <mc:Fallback>
+        <mc:Fallback xmlns="">
           <p:sp>
             <p:nvSpPr>
               <p:cNvPr id="21" name="TextBox 20">
@@ -31096,8 +31098,8 @@
           </p:sp>
         </mc:Fallback>
       </mc:AlternateContent>
-      <mc:AlternateContent xmlns:mc="http://schemas.openxmlformats.org/markup-compatibility/2006">
-        <mc:Choice xmlns:a14="http://schemas.microsoft.com/office/drawing/2010/main" Requires="a14">
+      <mc:AlternateContent xmlns:mc="http://schemas.openxmlformats.org/markup-compatibility/2006" xmlns:a14="http://schemas.microsoft.com/office/drawing/2010/main">
+        <mc:Choice Requires="a14">
           <p:sp>
             <p:nvSpPr>
               <p:cNvPr id="22" name="TextBox 21">
@@ -31166,7 +31168,7 @@
             </p:txBody>
           </p:sp>
         </mc:Choice>
-        <mc:Fallback>
+        <mc:Fallback xmlns="">
           <p:sp>
             <p:nvSpPr>
               <p:cNvPr id="22" name="TextBox 21">
@@ -31211,8 +31213,8 @@
           </p:sp>
         </mc:Fallback>
       </mc:AlternateContent>
-      <mc:AlternateContent xmlns:mc="http://schemas.openxmlformats.org/markup-compatibility/2006">
-        <mc:Choice xmlns:a14="http://schemas.microsoft.com/office/drawing/2010/main" Requires="a14">
+      <mc:AlternateContent xmlns:mc="http://schemas.openxmlformats.org/markup-compatibility/2006" xmlns:a14="http://schemas.microsoft.com/office/drawing/2010/main">
+        <mc:Choice Requires="a14">
           <p:sp>
             <p:nvSpPr>
               <p:cNvPr id="31" name="TextBox 30">
@@ -31293,7 +31295,7 @@
             </p:txBody>
           </p:sp>
         </mc:Choice>
-        <mc:Fallback>
+        <mc:Fallback xmlns="">
           <p:sp>
             <p:nvSpPr>
               <p:cNvPr id="31" name="TextBox 30">
@@ -31342,6 +31344,448 @@
     <p:extLst>
       <p:ext uri="{BB962C8B-B14F-4D97-AF65-F5344CB8AC3E}">
         <p14:creationId xmlns:p14="http://schemas.microsoft.com/office/powerpoint/2010/main" val="530143063"/>
+      </p:ext>
+    </p:extLst>
+  </p:cSld>
+  <p:clrMapOvr>
+    <a:masterClrMapping/>
+  </p:clrMapOvr>
+</p:sld>
+</file>
+
+<file path=ppt/slides/slide29.xml><?xml version="1.0" encoding="utf-8"?>
+<p:sld xmlns:a="http://schemas.openxmlformats.org/drawingml/2006/main" xmlns:r="http://schemas.openxmlformats.org/officeDocument/2006/relationships" xmlns:p="http://schemas.openxmlformats.org/presentationml/2006/main">
+  <p:cSld>
+    <p:spTree>
+      <p:nvGrpSpPr>
+        <p:cNvPr id="1" name=""/>
+        <p:cNvGrpSpPr/>
+        <p:nvPr/>
+      </p:nvGrpSpPr>
+      <p:grpSpPr>
+        <a:xfrm>
+          <a:off x="0" y="0"/>
+          <a:ext cx="0" cy="0"/>
+          <a:chOff x="0" y="0"/>
+          <a:chExt cx="0" cy="0"/>
+        </a:xfrm>
+      </p:grpSpPr>
+      <p:cxnSp>
+        <p:nvCxnSpPr>
+          <p:cNvPr id="7" name="Straight Connector 6">
+            <a:extLst>
+              <a:ext uri="{FF2B5EF4-FFF2-40B4-BE49-F238E27FC236}">
+                <a16:creationId xmlns:a16="http://schemas.microsoft.com/office/drawing/2014/main" id="{A89D1C05-3669-623B-079C-B3A82866ECE4}"/>
+              </a:ext>
+            </a:extLst>
+          </p:cNvPr>
+          <p:cNvCxnSpPr>
+            <a:cxnSpLocks/>
+          </p:cNvCxnSpPr>
+          <p:nvPr/>
+        </p:nvCxnSpPr>
+        <p:spPr>
+          <a:xfrm>
+            <a:off x="1335788" y="2375210"/>
+            <a:ext cx="1953822" cy="3504762"/>
+          </a:xfrm>
+          <a:prstGeom prst="line">
+            <a:avLst/>
+          </a:prstGeom>
+          <a:ln w="57150">
+            <a:solidFill>
+              <a:schemeClr val="accent6">
+                <a:lumMod val="75000"/>
+              </a:schemeClr>
+            </a:solidFill>
+          </a:ln>
+        </p:spPr>
+        <p:style>
+          <a:lnRef idx="2">
+            <a:schemeClr val="accent1"/>
+          </a:lnRef>
+          <a:fillRef idx="0">
+            <a:schemeClr val="accent1"/>
+          </a:fillRef>
+          <a:effectRef idx="1">
+            <a:schemeClr val="accent1"/>
+          </a:effectRef>
+          <a:fontRef idx="minor">
+            <a:schemeClr val="tx1"/>
+          </a:fontRef>
+        </p:style>
+      </p:cxnSp>
+      <p:grpSp>
+        <p:nvGrpSpPr>
+          <p:cNvPr id="2" name="Group 1">
+            <a:extLst>
+              <a:ext uri="{FF2B5EF4-FFF2-40B4-BE49-F238E27FC236}">
+                <a16:creationId xmlns:a16="http://schemas.microsoft.com/office/drawing/2014/main" id="{E37DCDEB-8BD0-5BA0-EC2A-BB9187118CA9}"/>
+              </a:ext>
+            </a:extLst>
+          </p:cNvPr>
+          <p:cNvGrpSpPr/>
+          <p:nvPr/>
+        </p:nvGrpSpPr>
+        <p:grpSpPr>
+          <a:xfrm>
+            <a:off x="1297684" y="804672"/>
+            <a:ext cx="9089136" cy="5102352"/>
+            <a:chOff x="1297684" y="804672"/>
+            <a:chExt cx="9089136" cy="5102352"/>
+          </a:xfrm>
+        </p:grpSpPr>
+        <p:cxnSp>
+          <p:nvCxnSpPr>
+            <p:cNvPr id="3" name="Straight Connector 2">
+              <a:extLst>
+                <a:ext uri="{FF2B5EF4-FFF2-40B4-BE49-F238E27FC236}">
+                  <a16:creationId xmlns:a16="http://schemas.microsoft.com/office/drawing/2014/main" id="{CCF70876-9B2C-FFE3-4F93-B831E19B1B62}"/>
+                </a:ext>
+              </a:extLst>
+            </p:cNvPr>
+            <p:cNvCxnSpPr/>
+            <p:nvPr/>
+          </p:nvCxnSpPr>
+          <p:spPr>
+            <a:xfrm>
+              <a:off x="1316736" y="804672"/>
+              <a:ext cx="0" cy="5102352"/>
+            </a:xfrm>
+            <a:prstGeom prst="line">
+              <a:avLst/>
+            </a:prstGeom>
+            <a:ln w="57150">
+              <a:solidFill>
+                <a:schemeClr val="tx1"/>
+              </a:solidFill>
+            </a:ln>
+          </p:spPr>
+          <p:style>
+            <a:lnRef idx="2">
+              <a:schemeClr val="accent1"/>
+            </a:lnRef>
+            <a:fillRef idx="0">
+              <a:schemeClr val="accent1"/>
+            </a:fillRef>
+            <a:effectRef idx="1">
+              <a:schemeClr val="accent1"/>
+            </a:effectRef>
+            <a:fontRef idx="minor">
+              <a:schemeClr val="tx1"/>
+            </a:fontRef>
+          </p:style>
+        </p:cxnSp>
+        <p:cxnSp>
+          <p:nvCxnSpPr>
+            <p:cNvPr id="4" name="Straight Connector 3">
+              <a:extLst>
+                <a:ext uri="{FF2B5EF4-FFF2-40B4-BE49-F238E27FC236}">
+                  <a16:creationId xmlns:a16="http://schemas.microsoft.com/office/drawing/2014/main" id="{2849C546-8749-94F0-2122-183970964E02}"/>
+                </a:ext>
+              </a:extLst>
+            </p:cNvPr>
+            <p:cNvCxnSpPr>
+              <a:cxnSpLocks/>
+            </p:cNvCxnSpPr>
+            <p:nvPr/>
+          </p:nvCxnSpPr>
+          <p:spPr>
+            <a:xfrm flipH="1">
+              <a:off x="1297684" y="5879972"/>
+              <a:ext cx="9089136" cy="0"/>
+            </a:xfrm>
+            <a:prstGeom prst="line">
+              <a:avLst/>
+            </a:prstGeom>
+            <a:ln w="57150">
+              <a:solidFill>
+                <a:schemeClr val="tx1"/>
+              </a:solidFill>
+            </a:ln>
+          </p:spPr>
+          <p:style>
+            <a:lnRef idx="2">
+              <a:schemeClr val="accent1"/>
+            </a:lnRef>
+            <a:fillRef idx="0">
+              <a:schemeClr val="accent1"/>
+            </a:fillRef>
+            <a:effectRef idx="1">
+              <a:schemeClr val="accent1"/>
+            </a:effectRef>
+            <a:fontRef idx="minor">
+              <a:schemeClr val="tx1"/>
+            </a:fontRef>
+          </p:style>
+        </p:cxnSp>
+      </p:grpSp>
+      <p:sp>
+        <p:nvSpPr>
+          <p:cNvPr id="5" name="TextBox 4">
+            <a:extLst>
+              <a:ext uri="{FF2B5EF4-FFF2-40B4-BE49-F238E27FC236}">
+                <a16:creationId xmlns:a16="http://schemas.microsoft.com/office/drawing/2014/main" id="{DACF3E0B-900E-8CDF-B84F-8F9C81BE16D3}"/>
+              </a:ext>
+            </a:extLst>
+          </p:cNvPr>
+          <p:cNvSpPr txBox="1"/>
+          <p:nvPr/>
+        </p:nvSpPr>
+        <p:spPr>
+          <a:xfrm rot="16200000">
+            <a:off x="393693" y="1049848"/>
+            <a:ext cx="1284763" cy="523220"/>
+          </a:xfrm>
+          <a:prstGeom prst="rect">
+            <a:avLst/>
+          </a:prstGeom>
+          <a:noFill/>
+        </p:spPr>
+        <p:txBody>
+          <a:bodyPr wrap="square" rtlCol="0">
+            <a:spAutoFit/>
+          </a:bodyPr>
+          <a:lstStyle/>
+          <a:p>
+            <a:r>
+              <a:rPr lang="en-US" sz="2800" b="1" dirty="0"/>
+              <a:t>Wheat</a:t>
+            </a:r>
+          </a:p>
+        </p:txBody>
+      </p:sp>
+      <p:sp>
+        <p:nvSpPr>
+          <p:cNvPr id="6" name="TextBox 5">
+            <a:extLst>
+              <a:ext uri="{FF2B5EF4-FFF2-40B4-BE49-F238E27FC236}">
+                <a16:creationId xmlns:a16="http://schemas.microsoft.com/office/drawing/2014/main" id="{A4FCFCC4-6337-E5F2-FF4D-73834D2E072C}"/>
+              </a:ext>
+            </a:extLst>
+          </p:cNvPr>
+          <p:cNvSpPr txBox="1"/>
+          <p:nvPr/>
+        </p:nvSpPr>
+        <p:spPr>
+          <a:xfrm>
+            <a:off x="9309741" y="5994526"/>
+            <a:ext cx="1077079" cy="523220"/>
+          </a:xfrm>
+          <a:prstGeom prst="rect">
+            <a:avLst/>
+          </a:prstGeom>
+          <a:noFill/>
+        </p:spPr>
+        <p:txBody>
+          <a:bodyPr wrap="square" rtlCol="0">
+            <a:spAutoFit/>
+          </a:bodyPr>
+          <a:lstStyle/>
+          <a:p>
+            <a:r>
+              <a:rPr lang="en-US" sz="2800" b="1" dirty="0"/>
+              <a:t>Cars</a:t>
+            </a:r>
+          </a:p>
+        </p:txBody>
+      </p:sp>
+      <mc:AlternateContent xmlns:mc="http://schemas.openxmlformats.org/markup-compatibility/2006">
+        <mc:Choice xmlns:a14="http://schemas.microsoft.com/office/drawing/2010/main" Requires="a14">
+          <p:sp>
+            <p:nvSpPr>
+              <p:cNvPr id="11" name="TextBox 10">
+                <a:extLst>
+                  <a:ext uri="{FF2B5EF4-FFF2-40B4-BE49-F238E27FC236}">
+                    <a16:creationId xmlns:a16="http://schemas.microsoft.com/office/drawing/2014/main" id="{A1EC2461-8B0F-D420-BBFE-DA105A3AF61B}"/>
+                  </a:ext>
+                </a:extLst>
+              </p:cNvPr>
+              <p:cNvSpPr txBox="1"/>
+              <p:nvPr/>
+            </p:nvSpPr>
+            <p:spPr>
+              <a:xfrm>
+                <a:off x="774464" y="2190544"/>
+                <a:ext cx="609600" cy="369332"/>
+              </a:xfrm>
+              <a:prstGeom prst="rect">
+                <a:avLst/>
+              </a:prstGeom>
+              <a:noFill/>
+            </p:spPr>
+            <p:txBody>
+              <a:bodyPr wrap="square" rtlCol="0">
+                <a:spAutoFit/>
+              </a:bodyPr>
+              <a:lstStyle/>
+              <a:p>
+                <a:pPr/>
+                <a14:m>
+                  <m:oMathPara xmlns:m="http://schemas.openxmlformats.org/officeDocument/2006/math">
+                    <m:oMathParaPr>
+                      <m:jc m:val="centerGroup"/>
+                    </m:oMathParaPr>
+                    <m:oMath xmlns:m="http://schemas.openxmlformats.org/officeDocument/2006/math">
+                      <m:r>
+                        <a:rPr lang="en-US" b="1" i="1" smtClean="0">
+                          <a:latin typeface="Cambria Math" panose="02040503050406030204" pitchFamily="18" charset="0"/>
+                        </a:rPr>
+                        <m:t>𝟖𝟎</m:t>
+                      </m:r>
+                    </m:oMath>
+                  </m:oMathPara>
+                </a14:m>
+                <a:endParaRPr lang="en-US" b="1" dirty="0"/>
+              </a:p>
+            </p:txBody>
+          </p:sp>
+        </mc:Choice>
+        <mc:Fallback>
+          <p:sp>
+            <p:nvSpPr>
+              <p:cNvPr id="11" name="TextBox 10">
+                <a:extLst>
+                  <a:ext uri="{FF2B5EF4-FFF2-40B4-BE49-F238E27FC236}">
+                    <a16:creationId xmlns:a16="http://schemas.microsoft.com/office/drawing/2014/main" id="{A1EC2461-8B0F-D420-BBFE-DA105A3AF61B}"/>
+                  </a:ext>
+                </a:extLst>
+              </p:cNvPr>
+              <p:cNvSpPr txBox="1">
+                <a:spLocks noRot="1" noChangeAspect="1" noMove="1" noResize="1" noEditPoints="1" noAdjustHandles="1" noChangeArrowheads="1" noChangeShapeType="1" noTextEdit="1"/>
+              </p:cNvSpPr>
+              <p:nvPr/>
+            </p:nvSpPr>
+            <p:spPr>
+              <a:xfrm>
+                <a:off x="774464" y="2190544"/>
+                <a:ext cx="609600" cy="369332"/>
+              </a:xfrm>
+              <a:prstGeom prst="rect">
+                <a:avLst/>
+              </a:prstGeom>
+              <a:blipFill>
+                <a:blip r:embed="rId2"/>
+                <a:stretch>
+                  <a:fillRect/>
+                </a:stretch>
+              </a:blipFill>
+            </p:spPr>
+            <p:txBody>
+              <a:bodyPr/>
+              <a:lstStyle/>
+              <a:p>
+                <a:r>
+                  <a:rPr lang="en-US">
+                    <a:noFill/>
+                  </a:rPr>
+                  <a:t> </a:t>
+                </a:r>
+              </a:p>
+            </p:txBody>
+          </p:sp>
+        </mc:Fallback>
+      </mc:AlternateContent>
+      <mc:AlternateContent xmlns:mc="http://schemas.openxmlformats.org/markup-compatibility/2006">
+        <mc:Choice xmlns:a14="http://schemas.microsoft.com/office/drawing/2010/main" Requires="a14">
+          <p:sp>
+            <p:nvSpPr>
+              <p:cNvPr id="12" name="TextBox 11">
+                <a:extLst>
+                  <a:ext uri="{FF2B5EF4-FFF2-40B4-BE49-F238E27FC236}">
+                    <a16:creationId xmlns:a16="http://schemas.microsoft.com/office/drawing/2014/main" id="{08EAE805-E8B1-4480-D483-D113125C02C1}"/>
+                  </a:ext>
+                </a:extLst>
+              </p:cNvPr>
+              <p:cNvSpPr txBox="1"/>
+              <p:nvPr/>
+            </p:nvSpPr>
+            <p:spPr>
+              <a:xfrm>
+                <a:off x="2984810" y="5907024"/>
+                <a:ext cx="609600" cy="369332"/>
+              </a:xfrm>
+              <a:prstGeom prst="rect">
+                <a:avLst/>
+              </a:prstGeom>
+              <a:noFill/>
+            </p:spPr>
+            <p:txBody>
+              <a:bodyPr wrap="square" rtlCol="0">
+                <a:spAutoFit/>
+              </a:bodyPr>
+              <a:lstStyle/>
+              <a:p>
+                <a:pPr/>
+                <a14:m>
+                  <m:oMathPara xmlns:m="http://schemas.openxmlformats.org/officeDocument/2006/math">
+                    <m:oMathParaPr>
+                      <m:jc m:val="centerGroup"/>
+                    </m:oMathParaPr>
+                    <m:oMath xmlns:m="http://schemas.openxmlformats.org/officeDocument/2006/math">
+                      <m:r>
+                        <a:rPr lang="en-US" b="1" i="1" smtClean="0">
+                          <a:latin typeface="Cambria Math" panose="02040503050406030204" pitchFamily="18" charset="0"/>
+                        </a:rPr>
+                        <m:t>𝟐𝟎</m:t>
+                      </m:r>
+                    </m:oMath>
+                  </m:oMathPara>
+                </a14:m>
+                <a:endParaRPr lang="en-US" b="1" dirty="0"/>
+              </a:p>
+            </p:txBody>
+          </p:sp>
+        </mc:Choice>
+        <mc:Fallback>
+          <p:sp>
+            <p:nvSpPr>
+              <p:cNvPr id="12" name="TextBox 11">
+                <a:extLst>
+                  <a:ext uri="{FF2B5EF4-FFF2-40B4-BE49-F238E27FC236}">
+                    <a16:creationId xmlns:a16="http://schemas.microsoft.com/office/drawing/2014/main" id="{08EAE805-E8B1-4480-D483-D113125C02C1}"/>
+                  </a:ext>
+                </a:extLst>
+              </p:cNvPr>
+              <p:cNvSpPr txBox="1">
+                <a:spLocks noRot="1" noChangeAspect="1" noMove="1" noResize="1" noEditPoints="1" noAdjustHandles="1" noChangeArrowheads="1" noChangeShapeType="1" noTextEdit="1"/>
+              </p:cNvSpPr>
+              <p:nvPr/>
+            </p:nvSpPr>
+            <p:spPr>
+              <a:xfrm>
+                <a:off x="2984810" y="5907024"/>
+                <a:ext cx="609600" cy="369332"/>
+              </a:xfrm>
+              <a:prstGeom prst="rect">
+                <a:avLst/>
+              </a:prstGeom>
+              <a:blipFill>
+                <a:blip r:embed="rId3"/>
+                <a:stretch>
+                  <a:fillRect/>
+                </a:stretch>
+              </a:blipFill>
+            </p:spPr>
+            <p:txBody>
+              <a:bodyPr/>
+              <a:lstStyle/>
+              <a:p>
+                <a:r>
+                  <a:rPr lang="en-US">
+                    <a:noFill/>
+                  </a:rPr>
+                  <a:t> </a:t>
+                </a:r>
+              </a:p>
+            </p:txBody>
+          </p:sp>
+        </mc:Fallback>
+      </mc:AlternateContent>
+    </p:spTree>
+    <p:extLst>
+      <p:ext uri="{BB962C8B-B14F-4D97-AF65-F5344CB8AC3E}">
+        <p14:creationId xmlns:p14="http://schemas.microsoft.com/office/powerpoint/2010/main" val="1772532528"/>
       </p:ext>
     </p:extLst>
   </p:cSld>
@@ -32640,6 +33084,701 @@
     <p:extLst>
       <p:ext uri="{BB962C8B-B14F-4D97-AF65-F5344CB8AC3E}">
         <p14:creationId xmlns:p14="http://schemas.microsoft.com/office/powerpoint/2010/main" val="115449124"/>
+      </p:ext>
+    </p:extLst>
+  </p:cSld>
+  <p:clrMapOvr>
+    <a:masterClrMapping/>
+  </p:clrMapOvr>
+</p:sld>
+</file>
+
+<file path=ppt/slides/slide30.xml><?xml version="1.0" encoding="utf-8"?>
+<p:sld xmlns:a="http://schemas.openxmlformats.org/drawingml/2006/main" xmlns:r="http://schemas.openxmlformats.org/officeDocument/2006/relationships" xmlns:p="http://schemas.openxmlformats.org/presentationml/2006/main">
+  <p:cSld>
+    <p:spTree>
+      <p:nvGrpSpPr>
+        <p:cNvPr id="1" name="">
+          <a:extLst>
+            <a:ext uri="{FF2B5EF4-FFF2-40B4-BE49-F238E27FC236}">
+              <a16:creationId xmlns:a16="http://schemas.microsoft.com/office/drawing/2014/main" id="{DDBC1032-B6F4-7932-9FD3-24BA612389DD}"/>
+            </a:ext>
+          </a:extLst>
+        </p:cNvPr>
+        <p:cNvGrpSpPr/>
+        <p:nvPr/>
+      </p:nvGrpSpPr>
+      <p:grpSpPr>
+        <a:xfrm>
+          <a:off x="0" y="0"/>
+          <a:ext cx="0" cy="0"/>
+          <a:chOff x="0" y="0"/>
+          <a:chExt cx="0" cy="0"/>
+        </a:xfrm>
+      </p:grpSpPr>
+      <p:cxnSp>
+        <p:nvCxnSpPr>
+          <p:cNvPr id="7" name="Straight Connector 6">
+            <a:extLst>
+              <a:ext uri="{FF2B5EF4-FFF2-40B4-BE49-F238E27FC236}">
+                <a16:creationId xmlns:a16="http://schemas.microsoft.com/office/drawing/2014/main" id="{6D1D73FA-32E3-9B44-1AFB-87CC25FDC334}"/>
+              </a:ext>
+            </a:extLst>
+          </p:cNvPr>
+          <p:cNvCxnSpPr>
+            <a:cxnSpLocks/>
+          </p:cNvCxnSpPr>
+          <p:nvPr/>
+        </p:nvCxnSpPr>
+        <p:spPr>
+          <a:xfrm>
+            <a:off x="1335788" y="2375210"/>
+            <a:ext cx="1953822" cy="3504762"/>
+          </a:xfrm>
+          <a:prstGeom prst="line">
+            <a:avLst/>
+          </a:prstGeom>
+          <a:ln w="57150">
+            <a:solidFill>
+              <a:schemeClr val="accent6">
+                <a:lumMod val="75000"/>
+              </a:schemeClr>
+            </a:solidFill>
+          </a:ln>
+        </p:spPr>
+        <p:style>
+          <a:lnRef idx="2">
+            <a:schemeClr val="accent1"/>
+          </a:lnRef>
+          <a:fillRef idx="0">
+            <a:schemeClr val="accent1"/>
+          </a:fillRef>
+          <a:effectRef idx="1">
+            <a:schemeClr val="accent1"/>
+          </a:effectRef>
+          <a:fontRef idx="minor">
+            <a:schemeClr val="tx1"/>
+          </a:fontRef>
+        </p:style>
+      </p:cxnSp>
+      <p:cxnSp>
+        <p:nvCxnSpPr>
+          <p:cNvPr id="8" name="Straight Connector 7">
+            <a:extLst>
+              <a:ext uri="{FF2B5EF4-FFF2-40B4-BE49-F238E27FC236}">
+                <a16:creationId xmlns:a16="http://schemas.microsoft.com/office/drawing/2014/main" id="{B4C21A9E-DA48-A90C-92FA-EADC09DD20DF}"/>
+              </a:ext>
+            </a:extLst>
+          </p:cNvPr>
+          <p:cNvCxnSpPr>
+            <a:cxnSpLocks/>
+          </p:cNvCxnSpPr>
+          <p:nvPr/>
+        </p:nvCxnSpPr>
+        <p:spPr>
+          <a:xfrm>
+            <a:off x="1335788" y="3353238"/>
+            <a:ext cx="2622895" cy="2526734"/>
+          </a:xfrm>
+          <a:prstGeom prst="line">
+            <a:avLst/>
+          </a:prstGeom>
+          <a:ln w="57150">
+            <a:solidFill>
+              <a:srgbClr val="C00000"/>
+            </a:solidFill>
+          </a:ln>
+        </p:spPr>
+        <p:style>
+          <a:lnRef idx="2">
+            <a:schemeClr val="accent1"/>
+          </a:lnRef>
+          <a:fillRef idx="0">
+            <a:schemeClr val="accent1"/>
+          </a:fillRef>
+          <a:effectRef idx="1">
+            <a:schemeClr val="accent1"/>
+          </a:effectRef>
+          <a:fontRef idx="minor">
+            <a:schemeClr val="tx1"/>
+          </a:fontRef>
+        </p:style>
+      </p:cxnSp>
+      <p:grpSp>
+        <p:nvGrpSpPr>
+          <p:cNvPr id="2" name="Group 1">
+            <a:extLst>
+              <a:ext uri="{FF2B5EF4-FFF2-40B4-BE49-F238E27FC236}">
+                <a16:creationId xmlns:a16="http://schemas.microsoft.com/office/drawing/2014/main" id="{68B7A6E8-5E41-A917-7755-06EB0D9566BC}"/>
+              </a:ext>
+            </a:extLst>
+          </p:cNvPr>
+          <p:cNvGrpSpPr/>
+          <p:nvPr/>
+        </p:nvGrpSpPr>
+        <p:grpSpPr>
+          <a:xfrm>
+            <a:off x="1297684" y="804672"/>
+            <a:ext cx="9089136" cy="5102352"/>
+            <a:chOff x="1297684" y="804672"/>
+            <a:chExt cx="9089136" cy="5102352"/>
+          </a:xfrm>
+        </p:grpSpPr>
+        <p:cxnSp>
+          <p:nvCxnSpPr>
+            <p:cNvPr id="3" name="Straight Connector 2">
+              <a:extLst>
+                <a:ext uri="{FF2B5EF4-FFF2-40B4-BE49-F238E27FC236}">
+                  <a16:creationId xmlns:a16="http://schemas.microsoft.com/office/drawing/2014/main" id="{A6BE2988-812B-D7D3-3189-061B48F36E36}"/>
+                </a:ext>
+              </a:extLst>
+            </p:cNvPr>
+            <p:cNvCxnSpPr/>
+            <p:nvPr/>
+          </p:nvCxnSpPr>
+          <p:spPr>
+            <a:xfrm>
+              <a:off x="1316736" y="804672"/>
+              <a:ext cx="0" cy="5102352"/>
+            </a:xfrm>
+            <a:prstGeom prst="line">
+              <a:avLst/>
+            </a:prstGeom>
+            <a:ln w="57150">
+              <a:solidFill>
+                <a:schemeClr val="tx1"/>
+              </a:solidFill>
+            </a:ln>
+          </p:spPr>
+          <p:style>
+            <a:lnRef idx="2">
+              <a:schemeClr val="accent1"/>
+            </a:lnRef>
+            <a:fillRef idx="0">
+              <a:schemeClr val="accent1"/>
+            </a:fillRef>
+            <a:effectRef idx="1">
+              <a:schemeClr val="accent1"/>
+            </a:effectRef>
+            <a:fontRef idx="minor">
+              <a:schemeClr val="tx1"/>
+            </a:fontRef>
+          </p:style>
+        </p:cxnSp>
+        <p:cxnSp>
+          <p:nvCxnSpPr>
+            <p:cNvPr id="4" name="Straight Connector 3">
+              <a:extLst>
+                <a:ext uri="{FF2B5EF4-FFF2-40B4-BE49-F238E27FC236}">
+                  <a16:creationId xmlns:a16="http://schemas.microsoft.com/office/drawing/2014/main" id="{9C3C4DF6-C7B8-F27C-02B7-223E39732F88}"/>
+                </a:ext>
+              </a:extLst>
+            </p:cNvPr>
+            <p:cNvCxnSpPr>
+              <a:cxnSpLocks/>
+            </p:cNvCxnSpPr>
+            <p:nvPr/>
+          </p:nvCxnSpPr>
+          <p:spPr>
+            <a:xfrm flipH="1">
+              <a:off x="1297684" y="5879972"/>
+              <a:ext cx="9089136" cy="0"/>
+            </a:xfrm>
+            <a:prstGeom prst="line">
+              <a:avLst/>
+            </a:prstGeom>
+            <a:ln w="57150">
+              <a:solidFill>
+                <a:schemeClr val="tx1"/>
+              </a:solidFill>
+            </a:ln>
+          </p:spPr>
+          <p:style>
+            <a:lnRef idx="2">
+              <a:schemeClr val="accent1"/>
+            </a:lnRef>
+            <a:fillRef idx="0">
+              <a:schemeClr val="accent1"/>
+            </a:fillRef>
+            <a:effectRef idx="1">
+              <a:schemeClr val="accent1"/>
+            </a:effectRef>
+            <a:fontRef idx="minor">
+              <a:schemeClr val="tx1"/>
+            </a:fontRef>
+          </p:style>
+        </p:cxnSp>
+      </p:grpSp>
+      <p:sp>
+        <p:nvSpPr>
+          <p:cNvPr id="5" name="TextBox 4">
+            <a:extLst>
+              <a:ext uri="{FF2B5EF4-FFF2-40B4-BE49-F238E27FC236}">
+                <a16:creationId xmlns:a16="http://schemas.microsoft.com/office/drawing/2014/main" id="{55732A03-1384-C5A3-1055-BFC5AAEB74B4}"/>
+              </a:ext>
+            </a:extLst>
+          </p:cNvPr>
+          <p:cNvSpPr txBox="1"/>
+          <p:nvPr/>
+        </p:nvSpPr>
+        <p:spPr>
+          <a:xfrm rot="16200000">
+            <a:off x="393693" y="1049848"/>
+            <a:ext cx="1284763" cy="523220"/>
+          </a:xfrm>
+          <a:prstGeom prst="rect">
+            <a:avLst/>
+          </a:prstGeom>
+          <a:noFill/>
+        </p:spPr>
+        <p:txBody>
+          <a:bodyPr wrap="square" rtlCol="0">
+            <a:spAutoFit/>
+          </a:bodyPr>
+          <a:lstStyle/>
+          <a:p>
+            <a:r>
+              <a:rPr lang="en-US" sz="2800" b="1" dirty="0"/>
+              <a:t>Wheat</a:t>
+            </a:r>
+          </a:p>
+        </p:txBody>
+      </p:sp>
+      <p:sp>
+        <p:nvSpPr>
+          <p:cNvPr id="6" name="TextBox 5">
+            <a:extLst>
+              <a:ext uri="{FF2B5EF4-FFF2-40B4-BE49-F238E27FC236}">
+                <a16:creationId xmlns:a16="http://schemas.microsoft.com/office/drawing/2014/main" id="{028842DF-2632-3BCF-85F7-EF8641A868BC}"/>
+              </a:ext>
+            </a:extLst>
+          </p:cNvPr>
+          <p:cNvSpPr txBox="1"/>
+          <p:nvPr/>
+        </p:nvSpPr>
+        <p:spPr>
+          <a:xfrm>
+            <a:off x="9309741" y="5994526"/>
+            <a:ext cx="1077079" cy="523220"/>
+          </a:xfrm>
+          <a:prstGeom prst="rect">
+            <a:avLst/>
+          </a:prstGeom>
+          <a:noFill/>
+        </p:spPr>
+        <p:txBody>
+          <a:bodyPr wrap="square" rtlCol="0">
+            <a:spAutoFit/>
+          </a:bodyPr>
+          <a:lstStyle/>
+          <a:p>
+            <a:r>
+              <a:rPr lang="en-US" sz="2800" b="1" dirty="0"/>
+              <a:t>Cars</a:t>
+            </a:r>
+          </a:p>
+        </p:txBody>
+      </p:sp>
+      <mc:AlternateContent xmlns:mc="http://schemas.openxmlformats.org/markup-compatibility/2006">
+        <mc:Choice xmlns:a14="http://schemas.microsoft.com/office/drawing/2010/main" Requires="a14">
+          <p:sp>
+            <p:nvSpPr>
+              <p:cNvPr id="11" name="TextBox 10">
+                <a:extLst>
+                  <a:ext uri="{FF2B5EF4-FFF2-40B4-BE49-F238E27FC236}">
+                    <a16:creationId xmlns:a16="http://schemas.microsoft.com/office/drawing/2014/main" id="{C1C353BF-5327-5095-BB22-61BD7A32E623}"/>
+                  </a:ext>
+                </a:extLst>
+              </p:cNvPr>
+              <p:cNvSpPr txBox="1"/>
+              <p:nvPr/>
+            </p:nvSpPr>
+            <p:spPr>
+              <a:xfrm>
+                <a:off x="774464" y="2190544"/>
+                <a:ext cx="609600" cy="369332"/>
+              </a:xfrm>
+              <a:prstGeom prst="rect">
+                <a:avLst/>
+              </a:prstGeom>
+              <a:noFill/>
+            </p:spPr>
+            <p:txBody>
+              <a:bodyPr wrap="square" rtlCol="0">
+                <a:spAutoFit/>
+              </a:bodyPr>
+              <a:lstStyle/>
+              <a:p>
+                <a:pPr/>
+                <a14:m>
+                  <m:oMathPara xmlns:m="http://schemas.openxmlformats.org/officeDocument/2006/math">
+                    <m:oMathParaPr>
+                      <m:jc m:val="centerGroup"/>
+                    </m:oMathParaPr>
+                    <m:oMath xmlns:m="http://schemas.openxmlformats.org/officeDocument/2006/math">
+                      <m:r>
+                        <a:rPr lang="en-US" b="1" i="1" smtClean="0">
+                          <a:latin typeface="Cambria Math" panose="02040503050406030204" pitchFamily="18" charset="0"/>
+                        </a:rPr>
+                        <m:t>𝟖𝟎</m:t>
+                      </m:r>
+                    </m:oMath>
+                  </m:oMathPara>
+                </a14:m>
+                <a:endParaRPr lang="en-US" b="1" dirty="0"/>
+              </a:p>
+            </p:txBody>
+          </p:sp>
+        </mc:Choice>
+        <mc:Fallback>
+          <p:sp>
+            <p:nvSpPr>
+              <p:cNvPr id="11" name="TextBox 10">
+                <a:extLst>
+                  <a:ext uri="{FF2B5EF4-FFF2-40B4-BE49-F238E27FC236}">
+                    <a16:creationId xmlns:a16="http://schemas.microsoft.com/office/drawing/2014/main" id="{C1C353BF-5327-5095-BB22-61BD7A32E623}"/>
+                  </a:ext>
+                </a:extLst>
+              </p:cNvPr>
+              <p:cNvSpPr txBox="1">
+                <a:spLocks noRot="1" noChangeAspect="1" noMove="1" noResize="1" noEditPoints="1" noAdjustHandles="1" noChangeArrowheads="1" noChangeShapeType="1" noTextEdit="1"/>
+              </p:cNvSpPr>
+              <p:nvPr/>
+            </p:nvSpPr>
+            <p:spPr>
+              <a:xfrm>
+                <a:off x="774464" y="2190544"/>
+                <a:ext cx="609600" cy="369332"/>
+              </a:xfrm>
+              <a:prstGeom prst="rect">
+                <a:avLst/>
+              </a:prstGeom>
+              <a:blipFill>
+                <a:blip r:embed="rId2"/>
+                <a:stretch>
+                  <a:fillRect/>
+                </a:stretch>
+              </a:blipFill>
+            </p:spPr>
+            <p:txBody>
+              <a:bodyPr/>
+              <a:lstStyle/>
+              <a:p>
+                <a:r>
+                  <a:rPr lang="en-US">
+                    <a:noFill/>
+                  </a:rPr>
+                  <a:t> </a:t>
+                </a:r>
+              </a:p>
+            </p:txBody>
+          </p:sp>
+        </mc:Fallback>
+      </mc:AlternateContent>
+      <mc:AlternateContent xmlns:mc="http://schemas.openxmlformats.org/markup-compatibility/2006">
+        <mc:Choice xmlns:a14="http://schemas.microsoft.com/office/drawing/2010/main" Requires="a14">
+          <p:sp>
+            <p:nvSpPr>
+              <p:cNvPr id="12" name="TextBox 11">
+                <a:extLst>
+                  <a:ext uri="{FF2B5EF4-FFF2-40B4-BE49-F238E27FC236}">
+                    <a16:creationId xmlns:a16="http://schemas.microsoft.com/office/drawing/2014/main" id="{48516EF5-532B-30B7-F14A-8CB3010E244A}"/>
+                  </a:ext>
+                </a:extLst>
+              </p:cNvPr>
+              <p:cNvSpPr txBox="1"/>
+              <p:nvPr/>
+            </p:nvSpPr>
+            <p:spPr>
+              <a:xfrm>
+                <a:off x="2984810" y="5907024"/>
+                <a:ext cx="609600" cy="369332"/>
+              </a:xfrm>
+              <a:prstGeom prst="rect">
+                <a:avLst/>
+              </a:prstGeom>
+              <a:noFill/>
+            </p:spPr>
+            <p:txBody>
+              <a:bodyPr wrap="square" rtlCol="0">
+                <a:spAutoFit/>
+              </a:bodyPr>
+              <a:lstStyle/>
+              <a:p>
+                <a:pPr/>
+                <a14:m>
+                  <m:oMathPara xmlns:m="http://schemas.openxmlformats.org/officeDocument/2006/math">
+                    <m:oMathParaPr>
+                      <m:jc m:val="centerGroup"/>
+                    </m:oMathParaPr>
+                    <m:oMath xmlns:m="http://schemas.openxmlformats.org/officeDocument/2006/math">
+                      <m:r>
+                        <a:rPr lang="en-US" b="1" i="1" smtClean="0">
+                          <a:latin typeface="Cambria Math" panose="02040503050406030204" pitchFamily="18" charset="0"/>
+                        </a:rPr>
+                        <m:t>𝟐𝟎</m:t>
+                      </m:r>
+                    </m:oMath>
+                  </m:oMathPara>
+                </a14:m>
+                <a:endParaRPr lang="en-US" b="1" dirty="0"/>
+              </a:p>
+            </p:txBody>
+          </p:sp>
+        </mc:Choice>
+        <mc:Fallback>
+          <p:sp>
+            <p:nvSpPr>
+              <p:cNvPr id="12" name="TextBox 11">
+                <a:extLst>
+                  <a:ext uri="{FF2B5EF4-FFF2-40B4-BE49-F238E27FC236}">
+                    <a16:creationId xmlns:a16="http://schemas.microsoft.com/office/drawing/2014/main" id="{48516EF5-532B-30B7-F14A-8CB3010E244A}"/>
+                  </a:ext>
+                </a:extLst>
+              </p:cNvPr>
+              <p:cNvSpPr txBox="1">
+                <a:spLocks noRot="1" noChangeAspect="1" noMove="1" noResize="1" noEditPoints="1" noAdjustHandles="1" noChangeArrowheads="1" noChangeShapeType="1" noTextEdit="1"/>
+              </p:cNvSpPr>
+              <p:nvPr/>
+            </p:nvSpPr>
+            <p:spPr>
+              <a:xfrm>
+                <a:off x="2984810" y="5907024"/>
+                <a:ext cx="609600" cy="369332"/>
+              </a:xfrm>
+              <a:prstGeom prst="rect">
+                <a:avLst/>
+              </a:prstGeom>
+              <a:blipFill>
+                <a:blip r:embed="rId3"/>
+                <a:stretch>
+                  <a:fillRect/>
+                </a:stretch>
+              </a:blipFill>
+            </p:spPr>
+            <p:txBody>
+              <a:bodyPr/>
+              <a:lstStyle/>
+              <a:p>
+                <a:r>
+                  <a:rPr lang="en-US">
+                    <a:noFill/>
+                  </a:rPr>
+                  <a:t> </a:t>
+                </a:r>
+              </a:p>
+            </p:txBody>
+          </p:sp>
+        </mc:Fallback>
+      </mc:AlternateContent>
+      <mc:AlternateContent xmlns:mc="http://schemas.openxmlformats.org/markup-compatibility/2006">
+        <mc:Choice xmlns:a14="http://schemas.microsoft.com/office/drawing/2010/main" Requires="a14">
+          <p:sp>
+            <p:nvSpPr>
+              <p:cNvPr id="15" name="TextBox 14">
+                <a:extLst>
+                  <a:ext uri="{FF2B5EF4-FFF2-40B4-BE49-F238E27FC236}">
+                    <a16:creationId xmlns:a16="http://schemas.microsoft.com/office/drawing/2014/main" id="{B59CFBF5-CE6A-58BF-B562-BC0601BCA3E6}"/>
+                  </a:ext>
+                </a:extLst>
+              </p:cNvPr>
+              <p:cNvSpPr txBox="1"/>
+              <p:nvPr/>
+            </p:nvSpPr>
+            <p:spPr>
+              <a:xfrm>
+                <a:off x="774464" y="3168571"/>
+                <a:ext cx="609600" cy="369332"/>
+              </a:xfrm>
+              <a:prstGeom prst="rect">
+                <a:avLst/>
+              </a:prstGeom>
+              <a:noFill/>
+            </p:spPr>
+            <p:txBody>
+              <a:bodyPr wrap="square" rtlCol="0">
+                <a:spAutoFit/>
+              </a:bodyPr>
+              <a:lstStyle/>
+              <a:p>
+                <a:pPr/>
+                <a14:m>
+                  <m:oMathPara xmlns:m="http://schemas.openxmlformats.org/officeDocument/2006/math">
+                    <m:oMathParaPr>
+                      <m:jc m:val="centerGroup"/>
+                    </m:oMathParaPr>
+                    <m:oMath xmlns:m="http://schemas.openxmlformats.org/officeDocument/2006/math">
+                      <m:r>
+                        <a:rPr lang="en-US" b="1" i="1" smtClean="0">
+                          <a:latin typeface="Cambria Math" panose="02040503050406030204" pitchFamily="18" charset="0"/>
+                        </a:rPr>
+                        <m:t>𝟔</m:t>
+                      </m:r>
+                      <m:r>
+                        <a:rPr lang="en-US" b="1" i="1" smtClean="0">
+                          <a:latin typeface="Cambria Math" panose="02040503050406030204" pitchFamily="18" charset="0"/>
+                        </a:rPr>
+                        <m:t>𝟎</m:t>
+                      </m:r>
+                    </m:oMath>
+                  </m:oMathPara>
+                </a14:m>
+                <a:endParaRPr lang="en-US" b="1" dirty="0"/>
+              </a:p>
+            </p:txBody>
+          </p:sp>
+        </mc:Choice>
+        <mc:Fallback>
+          <p:sp>
+            <p:nvSpPr>
+              <p:cNvPr id="15" name="TextBox 14">
+                <a:extLst>
+                  <a:ext uri="{FF2B5EF4-FFF2-40B4-BE49-F238E27FC236}">
+                    <a16:creationId xmlns:a16="http://schemas.microsoft.com/office/drawing/2014/main" id="{B59CFBF5-CE6A-58BF-B562-BC0601BCA3E6}"/>
+                  </a:ext>
+                </a:extLst>
+              </p:cNvPr>
+              <p:cNvSpPr txBox="1">
+                <a:spLocks noRot="1" noChangeAspect="1" noMove="1" noResize="1" noEditPoints="1" noAdjustHandles="1" noChangeArrowheads="1" noChangeShapeType="1" noTextEdit="1"/>
+              </p:cNvSpPr>
+              <p:nvPr/>
+            </p:nvSpPr>
+            <p:spPr>
+              <a:xfrm>
+                <a:off x="774464" y="3168571"/>
+                <a:ext cx="609600" cy="369332"/>
+              </a:xfrm>
+              <a:prstGeom prst="rect">
+                <a:avLst/>
+              </a:prstGeom>
+              <a:blipFill>
+                <a:blip r:embed="rId4"/>
+                <a:stretch>
+                  <a:fillRect/>
+                </a:stretch>
+              </a:blipFill>
+            </p:spPr>
+            <p:txBody>
+              <a:bodyPr/>
+              <a:lstStyle/>
+              <a:p>
+                <a:r>
+                  <a:rPr lang="en-US">
+                    <a:noFill/>
+                  </a:rPr>
+                  <a:t> </a:t>
+                </a:r>
+              </a:p>
+            </p:txBody>
+          </p:sp>
+        </mc:Fallback>
+      </mc:AlternateContent>
+      <mc:AlternateContent xmlns:mc="http://schemas.openxmlformats.org/markup-compatibility/2006">
+        <mc:Choice xmlns:a14="http://schemas.microsoft.com/office/drawing/2010/main" Requires="a14">
+          <p:sp>
+            <p:nvSpPr>
+              <p:cNvPr id="16" name="TextBox 15">
+                <a:extLst>
+                  <a:ext uri="{FF2B5EF4-FFF2-40B4-BE49-F238E27FC236}">
+                    <a16:creationId xmlns:a16="http://schemas.microsoft.com/office/drawing/2014/main" id="{C55E5013-DA45-5A77-DB6B-396A6B0B07CF}"/>
+                  </a:ext>
+                </a:extLst>
+              </p:cNvPr>
+              <p:cNvSpPr txBox="1"/>
+              <p:nvPr/>
+            </p:nvSpPr>
+            <p:spPr>
+              <a:xfrm>
+                <a:off x="3653883" y="5896175"/>
+                <a:ext cx="609600" cy="369332"/>
+              </a:xfrm>
+              <a:prstGeom prst="rect">
+                <a:avLst/>
+              </a:prstGeom>
+              <a:noFill/>
+            </p:spPr>
+            <p:txBody>
+              <a:bodyPr wrap="square" rtlCol="0">
+                <a:spAutoFit/>
+              </a:bodyPr>
+              <a:lstStyle/>
+              <a:p>
+                <a:pPr/>
+                <a14:m>
+                  <m:oMathPara xmlns:m="http://schemas.openxmlformats.org/officeDocument/2006/math">
+                    <m:oMathParaPr>
+                      <m:jc m:val="centerGroup"/>
+                    </m:oMathParaPr>
+                    <m:oMath xmlns:m="http://schemas.openxmlformats.org/officeDocument/2006/math">
+                      <m:r>
+                        <a:rPr lang="en-US" b="1" i="1" smtClean="0">
+                          <a:latin typeface="Cambria Math" panose="02040503050406030204" pitchFamily="18" charset="0"/>
+                        </a:rPr>
+                        <m:t>𝟑</m:t>
+                      </m:r>
+                      <m:r>
+                        <a:rPr lang="en-US" b="1" i="1" smtClean="0">
+                          <a:latin typeface="Cambria Math" panose="02040503050406030204" pitchFamily="18" charset="0"/>
+                        </a:rPr>
+                        <m:t>𝟎</m:t>
+                      </m:r>
+                    </m:oMath>
+                  </m:oMathPara>
+                </a14:m>
+                <a:endParaRPr lang="en-US" b="1" dirty="0"/>
+              </a:p>
+            </p:txBody>
+          </p:sp>
+        </mc:Choice>
+        <mc:Fallback>
+          <p:sp>
+            <p:nvSpPr>
+              <p:cNvPr id="16" name="TextBox 15">
+                <a:extLst>
+                  <a:ext uri="{FF2B5EF4-FFF2-40B4-BE49-F238E27FC236}">
+                    <a16:creationId xmlns:a16="http://schemas.microsoft.com/office/drawing/2014/main" id="{C55E5013-DA45-5A77-DB6B-396A6B0B07CF}"/>
+                  </a:ext>
+                </a:extLst>
+              </p:cNvPr>
+              <p:cNvSpPr txBox="1">
+                <a:spLocks noRot="1" noChangeAspect="1" noMove="1" noResize="1" noEditPoints="1" noAdjustHandles="1" noChangeArrowheads="1" noChangeShapeType="1" noTextEdit="1"/>
+              </p:cNvSpPr>
+              <p:nvPr/>
+            </p:nvSpPr>
+            <p:spPr>
+              <a:xfrm>
+                <a:off x="3653883" y="5896175"/>
+                <a:ext cx="609600" cy="369332"/>
+              </a:xfrm>
+              <a:prstGeom prst="rect">
+                <a:avLst/>
+              </a:prstGeom>
+              <a:blipFill>
+                <a:blip r:embed="rId5"/>
+                <a:stretch>
+                  <a:fillRect/>
+                </a:stretch>
+              </a:blipFill>
+            </p:spPr>
+            <p:txBody>
+              <a:bodyPr/>
+              <a:lstStyle/>
+              <a:p>
+                <a:r>
+                  <a:rPr lang="en-US">
+                    <a:noFill/>
+                  </a:rPr>
+                  <a:t> </a:t>
+                </a:r>
+              </a:p>
+            </p:txBody>
+          </p:sp>
+        </mc:Fallback>
+      </mc:AlternateContent>
+    </p:spTree>
+    <p:extLst>
+      <p:ext uri="{BB962C8B-B14F-4D97-AF65-F5344CB8AC3E}">
+        <p14:creationId xmlns:p14="http://schemas.microsoft.com/office/powerpoint/2010/main" val="2262305166"/>
       </p:ext>
     </p:extLst>
   </p:cSld>
